--- a/Devoir_1.pptx
+++ b/Devoir_1.pptx
@@ -4,6 +4,9 @@
   <p:sldMasterIdLst>
     <p:sldMasterId id="2147483648" r:id="rId1"/>
   </p:sldMasterIdLst>
+  <p:notesMasterIdLst>
+    <p:notesMasterId r:id="rId14"/>
+  </p:notesMasterIdLst>
   <p:sldIdLst>
     <p:sldId id="256" r:id="rId2"/>
     <p:sldId id="257" r:id="rId3"/>
@@ -16,6 +19,7 @@
     <p:sldId id="264" r:id="rId10"/>
     <p:sldId id="265" r:id="rId11"/>
     <p:sldId id="266" r:id="rId12"/>
+    <p:sldId id="267" r:id="rId13"/>
   </p:sldIdLst>
   <p:sldSz cx="12192000" cy="6858000"/>
   <p:notesSz cx="6858000" cy="9144000"/>
@@ -120,6 +124,498 @@
     </p:ext>
   </p:extLst>
 </p:presentation>
+</file>
+
+<file path=ppt/authors.xml><?xml version="1.0" encoding="utf-8"?>
+<p188:authorLst xmlns:a="http://schemas.openxmlformats.org/drawingml/2006/main" xmlns:r="http://schemas.openxmlformats.org/officeDocument/2006/relationships" xmlns:p188="http://schemas.microsoft.com/office/powerpoint/2018/8/main">
+  <p188:author id="{4BB11620-EFBC-D13A-7B93-45F2C922ABDE}" name="ACILE SFEIR" initials="AS" userId="b5e2f9be0f86ab7e" providerId="Windows Live"/>
+</p188:authorLst>
+</file>
+
+<file path=ppt/comments/modernComment_109_409E946B.xml><?xml version="1.0" encoding="utf-8"?>
+<p188:cmLst xmlns:a="http://schemas.openxmlformats.org/drawingml/2006/main" xmlns:r="http://schemas.openxmlformats.org/officeDocument/2006/relationships" xmlns:p188="http://schemas.microsoft.com/office/powerpoint/2018/8/main">
+  <p188:cm id="{965F2D25-9387-4F3A-AA35-51B59F244A7B}" authorId="{4BB11620-EFBC-D13A-7B93-45F2C922ABDE}" created="2024-02-10T16:51:52.769">
+    <ac:txMkLst xmlns:ac="http://schemas.microsoft.com/office/drawing/2013/main/command">
+      <pc:docMk xmlns:pc="http://schemas.microsoft.com/office/powerpoint/2013/main/command"/>
+      <pc:sldMk xmlns:pc="http://schemas.microsoft.com/office/powerpoint/2013/main/command" cId="1084134507" sldId="265"/>
+      <ac:spMk id="2" creationId="{E8BE38DA-0E02-BE2C-5452-27F9E9A93F4E}"/>
+      <ac:txMk cp="1" len="65">
+        <ac:context len="68" hash="1021209261"/>
+      </ac:txMk>
+    </ac:txMkLst>
+    <p188:pos x="10194235" y="598971"/>
+    <p188:txBody>
+      <a:bodyPr/>
+      <a:lstStyle/>
+      <a:p>
+        <a:r>
+          <a:rPr lang="en-CA"/>
+          <a:t>Diapo a effacer-j’essayais juste de voir si la methode de l’equation caracteristique donne bien une equation elliptique, mais bon</a:t>
+        </a:r>
+      </a:p>
+    </p188:txBody>
+  </p188:cm>
+</p188:cmLst>
+</file>
+
+<file path=ppt/comments/modernComment_10B_C87708A9.xml><?xml version="1.0" encoding="utf-8"?>
+<p188:cmLst xmlns:a="http://schemas.openxmlformats.org/drawingml/2006/main" xmlns:r="http://schemas.openxmlformats.org/officeDocument/2006/relationships" xmlns:p188="http://schemas.microsoft.com/office/powerpoint/2018/8/main">
+  <p188:cm id="{98BD1A06-B519-4206-802E-9D9ABCD0FD39}" authorId="{4BB11620-EFBC-D13A-7B93-45F2C922ABDE}" created="2024-02-10T16:48:26.734">
+    <ac:txMkLst xmlns:ac="http://schemas.microsoft.com/office/drawing/2013/main/command">
+      <pc:docMk xmlns:pc="http://schemas.microsoft.com/office/powerpoint/2013/main/command"/>
+      <pc:sldMk xmlns:pc="http://schemas.microsoft.com/office/powerpoint/2013/main/command" cId="3363244201" sldId="267"/>
+      <ac:spMk id="3" creationId="{76F15E12-CFE4-B5CB-D479-9E8928859D5C}"/>
+      <ac:txMk cp="151" len="58">
+        <ac:context len="739" hash="234191038"/>
+      </ac:txMk>
+    </ac:txMkLst>
+    <p188:pos x="5353878" y="1225689"/>
+    <p188:txBody>
+      <a:bodyPr/>
+      <a:lstStyle/>
+      <a:p>
+        <a:r>
+          <a:rPr lang="en-CA"/>
+          <a:t>C'est la seule astuce que j'ai trouvé pour ne pas diviser par 0. mais je ne suis pas tres convaincue</a:t>
+        </a:r>
+      </a:p>
+    </p188:txBody>
+  </p188:cm>
+</p188:cmLst>
+</file>
+
+<file path=ppt/notesMasters/notesMaster1.xml><?xml version="1.0" encoding="utf-8"?>
+<p:notesMaster xmlns:a="http://schemas.openxmlformats.org/drawingml/2006/main" xmlns:r="http://schemas.openxmlformats.org/officeDocument/2006/relationships" xmlns:p="http://schemas.openxmlformats.org/presentationml/2006/main">
+  <p:cSld>
+    <p:bg>
+      <p:bgRef idx="1001">
+        <a:schemeClr val="bg1"/>
+      </p:bgRef>
+    </p:bg>
+    <p:spTree>
+      <p:nvGrpSpPr>
+        <p:cNvPr id="1" name=""/>
+        <p:cNvGrpSpPr/>
+        <p:nvPr/>
+      </p:nvGrpSpPr>
+      <p:grpSpPr>
+        <a:xfrm>
+          <a:off x="0" y="0"/>
+          <a:ext cx="0" cy="0"/>
+          <a:chOff x="0" y="0"/>
+          <a:chExt cx="0" cy="0"/>
+        </a:xfrm>
+      </p:grpSpPr>
+      <p:sp>
+        <p:nvSpPr>
+          <p:cNvPr id="2" name="Header Placeholder 1"/>
+          <p:cNvSpPr>
+            <a:spLocks noGrp="1"/>
+          </p:cNvSpPr>
+          <p:nvPr>
+            <p:ph type="hdr" sz="quarter"/>
+          </p:nvPr>
+        </p:nvSpPr>
+        <p:spPr>
+          <a:xfrm>
+            <a:off x="0" y="0"/>
+            <a:ext cx="2971800" cy="458788"/>
+          </a:xfrm>
+          <a:prstGeom prst="rect">
+            <a:avLst/>
+          </a:prstGeom>
+        </p:spPr>
+        <p:txBody>
+          <a:bodyPr vert="horz" lIns="91440" tIns="45720" rIns="91440" bIns="45720" rtlCol="0"/>
+          <a:lstStyle>
+            <a:lvl1pPr algn="l">
+              <a:defRPr sz="1200"/>
+            </a:lvl1pPr>
+          </a:lstStyle>
+          <a:p>
+            <a:endParaRPr lang="en-CA"/>
+          </a:p>
+        </p:txBody>
+      </p:sp>
+      <p:sp>
+        <p:nvSpPr>
+          <p:cNvPr id="3" name="Date Placeholder 2"/>
+          <p:cNvSpPr>
+            <a:spLocks noGrp="1"/>
+          </p:cNvSpPr>
+          <p:nvPr>
+            <p:ph type="dt" idx="1"/>
+          </p:nvPr>
+        </p:nvSpPr>
+        <p:spPr>
+          <a:xfrm>
+            <a:off x="3884613" y="0"/>
+            <a:ext cx="2971800" cy="458788"/>
+          </a:xfrm>
+          <a:prstGeom prst="rect">
+            <a:avLst/>
+          </a:prstGeom>
+        </p:spPr>
+        <p:txBody>
+          <a:bodyPr vert="horz" lIns="91440" tIns="45720" rIns="91440" bIns="45720" rtlCol="0"/>
+          <a:lstStyle>
+            <a:lvl1pPr algn="r">
+              <a:defRPr sz="1200"/>
+            </a:lvl1pPr>
+          </a:lstStyle>
+          <a:p>
+            <a:fld id="{DAB5DE69-65B2-445A-B9D2-BC2BC199D49F}" type="datetimeFigureOut">
+              <a:rPr lang="en-CA" smtClean="0"/>
+              <a:t>2024-02-10</a:t>
+            </a:fld>
+            <a:endParaRPr lang="en-CA"/>
+          </a:p>
+        </p:txBody>
+      </p:sp>
+      <p:sp>
+        <p:nvSpPr>
+          <p:cNvPr id="4" name="Slide Image Placeholder 3"/>
+          <p:cNvSpPr>
+            <a:spLocks noGrp="1" noRot="1" noChangeAspect="1"/>
+          </p:cNvSpPr>
+          <p:nvPr>
+            <p:ph type="sldImg" idx="2"/>
+          </p:nvPr>
+        </p:nvSpPr>
+        <p:spPr>
+          <a:xfrm>
+            <a:off x="685800" y="1143000"/>
+            <a:ext cx="5486400" cy="3086100"/>
+          </a:xfrm>
+          <a:prstGeom prst="rect">
+            <a:avLst/>
+          </a:prstGeom>
+          <a:noFill/>
+          <a:ln w="12700">
+            <a:solidFill>
+              <a:prstClr val="black"/>
+            </a:solidFill>
+          </a:ln>
+        </p:spPr>
+        <p:txBody>
+          <a:bodyPr vert="horz" lIns="91440" tIns="45720" rIns="91440" bIns="45720" rtlCol="0" anchor="ctr"/>
+          <a:lstStyle/>
+          <a:p>
+            <a:endParaRPr lang="en-CA"/>
+          </a:p>
+        </p:txBody>
+      </p:sp>
+      <p:sp>
+        <p:nvSpPr>
+          <p:cNvPr id="5" name="Notes Placeholder 4"/>
+          <p:cNvSpPr>
+            <a:spLocks noGrp="1"/>
+          </p:cNvSpPr>
+          <p:nvPr>
+            <p:ph type="body" sz="quarter" idx="3"/>
+          </p:nvPr>
+        </p:nvSpPr>
+        <p:spPr>
+          <a:xfrm>
+            <a:off x="685800" y="4400550"/>
+            <a:ext cx="5486400" cy="3600450"/>
+          </a:xfrm>
+          <a:prstGeom prst="rect">
+            <a:avLst/>
+          </a:prstGeom>
+        </p:spPr>
+        <p:txBody>
+          <a:bodyPr vert="horz" lIns="91440" tIns="45720" rIns="91440" bIns="45720" rtlCol="0"/>
+          <a:lstStyle/>
+          <a:p>
+            <a:pPr lvl="0"/>
+            <a:r>
+              <a:rPr lang="en-US"/>
+              <a:t>Click to edit Master text styles</a:t>
+            </a:r>
+          </a:p>
+          <a:p>
+            <a:pPr lvl="1"/>
+            <a:r>
+              <a:rPr lang="en-US"/>
+              <a:t>Second level</a:t>
+            </a:r>
+          </a:p>
+          <a:p>
+            <a:pPr lvl="2"/>
+            <a:r>
+              <a:rPr lang="en-US"/>
+              <a:t>Third level</a:t>
+            </a:r>
+          </a:p>
+          <a:p>
+            <a:pPr lvl="3"/>
+            <a:r>
+              <a:rPr lang="en-US"/>
+              <a:t>Fourth level</a:t>
+            </a:r>
+          </a:p>
+          <a:p>
+            <a:pPr lvl="4"/>
+            <a:r>
+              <a:rPr lang="en-US"/>
+              <a:t>Fifth level</a:t>
+            </a:r>
+            <a:endParaRPr lang="en-CA"/>
+          </a:p>
+        </p:txBody>
+      </p:sp>
+      <p:sp>
+        <p:nvSpPr>
+          <p:cNvPr id="6" name="Footer Placeholder 5"/>
+          <p:cNvSpPr>
+            <a:spLocks noGrp="1"/>
+          </p:cNvSpPr>
+          <p:nvPr>
+            <p:ph type="ftr" sz="quarter" idx="4"/>
+          </p:nvPr>
+        </p:nvSpPr>
+        <p:spPr>
+          <a:xfrm>
+            <a:off x="0" y="8685213"/>
+            <a:ext cx="2971800" cy="458787"/>
+          </a:xfrm>
+          <a:prstGeom prst="rect">
+            <a:avLst/>
+          </a:prstGeom>
+        </p:spPr>
+        <p:txBody>
+          <a:bodyPr vert="horz" lIns="91440" tIns="45720" rIns="91440" bIns="45720" rtlCol="0" anchor="b"/>
+          <a:lstStyle>
+            <a:lvl1pPr algn="l">
+              <a:defRPr sz="1200"/>
+            </a:lvl1pPr>
+          </a:lstStyle>
+          <a:p>
+            <a:endParaRPr lang="en-CA"/>
+          </a:p>
+        </p:txBody>
+      </p:sp>
+      <p:sp>
+        <p:nvSpPr>
+          <p:cNvPr id="7" name="Slide Number Placeholder 6"/>
+          <p:cNvSpPr>
+            <a:spLocks noGrp="1"/>
+          </p:cNvSpPr>
+          <p:nvPr>
+            <p:ph type="sldNum" sz="quarter" idx="5"/>
+          </p:nvPr>
+        </p:nvSpPr>
+        <p:spPr>
+          <a:xfrm>
+            <a:off x="3884613" y="8685213"/>
+            <a:ext cx="2971800" cy="458787"/>
+          </a:xfrm>
+          <a:prstGeom prst="rect">
+            <a:avLst/>
+          </a:prstGeom>
+        </p:spPr>
+        <p:txBody>
+          <a:bodyPr vert="horz" lIns="91440" tIns="45720" rIns="91440" bIns="45720" rtlCol="0" anchor="b"/>
+          <a:lstStyle>
+            <a:lvl1pPr algn="r">
+              <a:defRPr sz="1200"/>
+            </a:lvl1pPr>
+          </a:lstStyle>
+          <a:p>
+            <a:fld id="{603E9730-38DB-4F77-A139-6CE923099591}" type="slidenum">
+              <a:rPr lang="en-CA" smtClean="0"/>
+              <a:t>‹#›</a:t>
+            </a:fld>
+            <a:endParaRPr lang="en-CA"/>
+          </a:p>
+        </p:txBody>
+      </p:sp>
+    </p:spTree>
+    <p:extLst>
+      <p:ext uri="{BB962C8B-B14F-4D97-AF65-F5344CB8AC3E}">
+        <p14:creationId xmlns:p14="http://schemas.microsoft.com/office/powerpoint/2010/main" val="3924088535"/>
+      </p:ext>
+    </p:extLst>
+  </p:cSld>
+  <p:clrMap bg1="lt1" tx1="dk1" bg2="lt2" tx2="dk2" accent1="accent1" accent2="accent2" accent3="accent3" accent4="accent4" accent5="accent5" accent6="accent6" hlink="hlink" folHlink="folHlink"/>
+  <p:notesStyle>
+    <a:lvl1pPr marL="0" algn="l" defTabSz="914400" rtl="0" eaLnBrk="1" latinLnBrk="0" hangingPunct="1">
+      <a:defRPr sz="1200" kern="1200">
+        <a:solidFill>
+          <a:schemeClr val="tx1"/>
+        </a:solidFill>
+        <a:latin typeface="+mn-lt"/>
+        <a:ea typeface="+mn-ea"/>
+        <a:cs typeface="+mn-cs"/>
+      </a:defRPr>
+    </a:lvl1pPr>
+    <a:lvl2pPr marL="457200" algn="l" defTabSz="914400" rtl="0" eaLnBrk="1" latinLnBrk="0" hangingPunct="1">
+      <a:defRPr sz="1200" kern="1200">
+        <a:solidFill>
+          <a:schemeClr val="tx1"/>
+        </a:solidFill>
+        <a:latin typeface="+mn-lt"/>
+        <a:ea typeface="+mn-ea"/>
+        <a:cs typeface="+mn-cs"/>
+      </a:defRPr>
+    </a:lvl2pPr>
+    <a:lvl3pPr marL="914400" algn="l" defTabSz="914400" rtl="0" eaLnBrk="1" latinLnBrk="0" hangingPunct="1">
+      <a:defRPr sz="1200" kern="1200">
+        <a:solidFill>
+          <a:schemeClr val="tx1"/>
+        </a:solidFill>
+        <a:latin typeface="+mn-lt"/>
+        <a:ea typeface="+mn-ea"/>
+        <a:cs typeface="+mn-cs"/>
+      </a:defRPr>
+    </a:lvl3pPr>
+    <a:lvl4pPr marL="1371600" algn="l" defTabSz="914400" rtl="0" eaLnBrk="1" latinLnBrk="0" hangingPunct="1">
+      <a:defRPr sz="1200" kern="1200">
+        <a:solidFill>
+          <a:schemeClr val="tx1"/>
+        </a:solidFill>
+        <a:latin typeface="+mn-lt"/>
+        <a:ea typeface="+mn-ea"/>
+        <a:cs typeface="+mn-cs"/>
+      </a:defRPr>
+    </a:lvl4pPr>
+    <a:lvl5pPr marL="1828800" algn="l" defTabSz="914400" rtl="0" eaLnBrk="1" latinLnBrk="0" hangingPunct="1">
+      <a:defRPr sz="1200" kern="1200">
+        <a:solidFill>
+          <a:schemeClr val="tx1"/>
+        </a:solidFill>
+        <a:latin typeface="+mn-lt"/>
+        <a:ea typeface="+mn-ea"/>
+        <a:cs typeface="+mn-cs"/>
+      </a:defRPr>
+    </a:lvl5pPr>
+    <a:lvl6pPr marL="2286000" algn="l" defTabSz="914400" rtl="0" eaLnBrk="1" latinLnBrk="0" hangingPunct="1">
+      <a:defRPr sz="1200" kern="1200">
+        <a:solidFill>
+          <a:schemeClr val="tx1"/>
+        </a:solidFill>
+        <a:latin typeface="+mn-lt"/>
+        <a:ea typeface="+mn-ea"/>
+        <a:cs typeface="+mn-cs"/>
+      </a:defRPr>
+    </a:lvl6pPr>
+    <a:lvl7pPr marL="2743200" algn="l" defTabSz="914400" rtl="0" eaLnBrk="1" latinLnBrk="0" hangingPunct="1">
+      <a:defRPr sz="1200" kern="1200">
+        <a:solidFill>
+          <a:schemeClr val="tx1"/>
+        </a:solidFill>
+        <a:latin typeface="+mn-lt"/>
+        <a:ea typeface="+mn-ea"/>
+        <a:cs typeface="+mn-cs"/>
+      </a:defRPr>
+    </a:lvl7pPr>
+    <a:lvl8pPr marL="3200400" algn="l" defTabSz="914400" rtl="0" eaLnBrk="1" latinLnBrk="0" hangingPunct="1">
+      <a:defRPr sz="1200" kern="1200">
+        <a:solidFill>
+          <a:schemeClr val="tx1"/>
+        </a:solidFill>
+        <a:latin typeface="+mn-lt"/>
+        <a:ea typeface="+mn-ea"/>
+        <a:cs typeface="+mn-cs"/>
+      </a:defRPr>
+    </a:lvl8pPr>
+    <a:lvl9pPr marL="3657600" algn="l" defTabSz="914400" rtl="0" eaLnBrk="1" latinLnBrk="0" hangingPunct="1">
+      <a:defRPr sz="1200" kern="1200">
+        <a:solidFill>
+          <a:schemeClr val="tx1"/>
+        </a:solidFill>
+        <a:latin typeface="+mn-lt"/>
+        <a:ea typeface="+mn-ea"/>
+        <a:cs typeface="+mn-cs"/>
+      </a:defRPr>
+    </a:lvl9pPr>
+  </p:notesStyle>
+</p:notesMaster>
+</file>
+
+<file path=ppt/notesSlides/notesSlide1.xml><?xml version="1.0" encoding="utf-8"?>
+<p:notes xmlns:a="http://schemas.openxmlformats.org/drawingml/2006/main" xmlns:r="http://schemas.openxmlformats.org/officeDocument/2006/relationships" xmlns:p="http://schemas.openxmlformats.org/presentationml/2006/main">
+  <p:cSld>
+    <p:spTree>
+      <p:nvGrpSpPr>
+        <p:cNvPr id="1" name=""/>
+        <p:cNvGrpSpPr/>
+        <p:nvPr/>
+      </p:nvGrpSpPr>
+      <p:grpSpPr>
+        <a:xfrm>
+          <a:off x="0" y="0"/>
+          <a:ext cx="0" cy="0"/>
+          <a:chOff x="0" y="0"/>
+          <a:chExt cx="0" cy="0"/>
+        </a:xfrm>
+      </p:grpSpPr>
+      <p:sp>
+        <p:nvSpPr>
+          <p:cNvPr id="2" name="Slide Image Placeholder 1"/>
+          <p:cNvSpPr>
+            <a:spLocks noGrp="1" noRot="1" noChangeAspect="1"/>
+          </p:cNvSpPr>
+          <p:nvPr>
+            <p:ph type="sldImg"/>
+          </p:nvPr>
+        </p:nvSpPr>
+        <p:spPr/>
+      </p:sp>
+      <p:sp>
+        <p:nvSpPr>
+          <p:cNvPr id="3" name="Notes Placeholder 2"/>
+          <p:cNvSpPr>
+            <a:spLocks noGrp="1"/>
+          </p:cNvSpPr>
+          <p:nvPr>
+            <p:ph type="body" idx="1"/>
+          </p:nvPr>
+        </p:nvSpPr>
+        <p:spPr/>
+        <p:txBody>
+          <a:bodyPr/>
+          <a:lstStyle/>
+          <a:p>
+            <a:endParaRPr lang="en-CA" dirty="0"/>
+          </a:p>
+        </p:txBody>
+      </p:sp>
+      <p:sp>
+        <p:nvSpPr>
+          <p:cNvPr id="4" name="Slide Number Placeholder 3"/>
+          <p:cNvSpPr>
+            <a:spLocks noGrp="1"/>
+          </p:cNvSpPr>
+          <p:nvPr>
+            <p:ph type="sldNum" sz="quarter" idx="5"/>
+          </p:nvPr>
+        </p:nvSpPr>
+        <p:spPr/>
+        <p:txBody>
+          <a:bodyPr/>
+          <a:lstStyle/>
+          <a:p>
+            <a:fld id="{603E9730-38DB-4F77-A139-6CE923099591}" type="slidenum">
+              <a:rPr lang="en-CA" smtClean="0"/>
+              <a:t>10</a:t>
+            </a:fld>
+            <a:endParaRPr lang="en-CA"/>
+          </a:p>
+        </p:txBody>
+      </p:sp>
+    </p:spTree>
+    <p:extLst>
+      <p:ext uri="{BB962C8B-B14F-4D97-AF65-F5344CB8AC3E}">
+        <p14:creationId xmlns:p14="http://schemas.microsoft.com/office/powerpoint/2010/main" val="3059898523"/>
+      </p:ext>
+    </p:extLst>
+  </p:cSld>
+  <p:clrMapOvr>
+    <a:masterClrMapping/>
+  </p:clrMapOvr>
+</p:notes>
 </file>
 
 <file path=ppt/slideLayouts/slideLayout1.xml><?xml version="1.0" encoding="utf-8"?>
@@ -271,7 +767,7 @@
           <a:p>
             <a:fld id="{CF633E34-DD75-4254-AB88-C9D2090F6CC5}" type="datetimeFigureOut">
               <a:rPr lang="en-CA" smtClean="0"/>
-              <a:t>2024-02-09</a:t>
+              <a:t>2024-02-10</a:t>
             </a:fld>
             <a:endParaRPr lang="en-CA"/>
           </a:p>
@@ -471,7 +967,7 @@
           <a:p>
             <a:fld id="{CF633E34-DD75-4254-AB88-C9D2090F6CC5}" type="datetimeFigureOut">
               <a:rPr lang="en-CA" smtClean="0"/>
-              <a:t>2024-02-09</a:t>
+              <a:t>2024-02-10</a:t>
             </a:fld>
             <a:endParaRPr lang="en-CA"/>
           </a:p>
@@ -681,7 +1177,7 @@
           <a:p>
             <a:fld id="{CF633E34-DD75-4254-AB88-C9D2090F6CC5}" type="datetimeFigureOut">
               <a:rPr lang="en-CA" smtClean="0"/>
-              <a:t>2024-02-09</a:t>
+              <a:t>2024-02-10</a:t>
             </a:fld>
             <a:endParaRPr lang="en-CA"/>
           </a:p>
@@ -881,7 +1377,7 @@
           <a:p>
             <a:fld id="{CF633E34-DD75-4254-AB88-C9D2090F6CC5}" type="datetimeFigureOut">
               <a:rPr lang="en-CA" smtClean="0"/>
-              <a:t>2024-02-09</a:t>
+              <a:t>2024-02-10</a:t>
             </a:fld>
             <a:endParaRPr lang="en-CA"/>
           </a:p>
@@ -1157,7 +1653,7 @@
           <a:p>
             <a:fld id="{CF633E34-DD75-4254-AB88-C9D2090F6CC5}" type="datetimeFigureOut">
               <a:rPr lang="en-CA" smtClean="0"/>
-              <a:t>2024-02-09</a:t>
+              <a:t>2024-02-10</a:t>
             </a:fld>
             <a:endParaRPr lang="en-CA"/>
           </a:p>
@@ -1425,7 +1921,7 @@
           <a:p>
             <a:fld id="{CF633E34-DD75-4254-AB88-C9D2090F6CC5}" type="datetimeFigureOut">
               <a:rPr lang="en-CA" smtClean="0"/>
-              <a:t>2024-02-09</a:t>
+              <a:t>2024-02-10</a:t>
             </a:fld>
             <a:endParaRPr lang="en-CA"/>
           </a:p>
@@ -1840,7 +2336,7 @@
           <a:p>
             <a:fld id="{CF633E34-DD75-4254-AB88-C9D2090F6CC5}" type="datetimeFigureOut">
               <a:rPr lang="en-CA" smtClean="0"/>
-              <a:t>2024-02-09</a:t>
+              <a:t>2024-02-10</a:t>
             </a:fld>
             <a:endParaRPr lang="en-CA"/>
           </a:p>
@@ -1982,7 +2478,7 @@
           <a:p>
             <a:fld id="{CF633E34-DD75-4254-AB88-C9D2090F6CC5}" type="datetimeFigureOut">
               <a:rPr lang="en-CA" smtClean="0"/>
-              <a:t>2024-02-09</a:t>
+              <a:t>2024-02-10</a:t>
             </a:fld>
             <a:endParaRPr lang="en-CA"/>
           </a:p>
@@ -2095,7 +2591,7 @@
           <a:p>
             <a:fld id="{CF633E34-DD75-4254-AB88-C9D2090F6CC5}" type="datetimeFigureOut">
               <a:rPr lang="en-CA" smtClean="0"/>
-              <a:t>2024-02-09</a:t>
+              <a:t>2024-02-10</a:t>
             </a:fld>
             <a:endParaRPr lang="en-CA"/>
           </a:p>
@@ -2408,7 +2904,7 @@
           <a:p>
             <a:fld id="{CF633E34-DD75-4254-AB88-C9D2090F6CC5}" type="datetimeFigureOut">
               <a:rPr lang="en-CA" smtClean="0"/>
-              <a:t>2024-02-09</a:t>
+              <a:t>2024-02-10</a:t>
             </a:fld>
             <a:endParaRPr lang="en-CA"/>
           </a:p>
@@ -2697,7 +3193,7 @@
           <a:p>
             <a:fld id="{CF633E34-DD75-4254-AB88-C9D2090F6CC5}" type="datetimeFigureOut">
               <a:rPr lang="en-CA" smtClean="0"/>
-              <a:t>2024-02-09</a:t>
+              <a:t>2024-02-10</a:t>
             </a:fld>
             <a:endParaRPr lang="en-CA"/>
           </a:p>
@@ -2940,7 +3436,7 @@
           <a:p>
             <a:fld id="{CF633E34-DD75-4254-AB88-C9D2090F6CC5}" type="datetimeFigureOut">
               <a:rPr lang="en-CA" smtClean="0"/>
-              <a:t>2024-02-09</a:t>
+              <a:t>2024-02-10</a:t>
             </a:fld>
             <a:endParaRPr lang="en-CA"/>
           </a:p>
@@ -3373,7 +3869,12 @@
             <p:ph type="ctrTitle"/>
           </p:nvPr>
         </p:nvSpPr>
-        <p:spPr/>
+        <p:spPr>
+          <a:xfrm>
+            <a:off x="1524000" y="1122363"/>
+            <a:ext cx="9144000" cy="1655762"/>
+          </a:xfrm>
+        </p:spPr>
         <p:txBody>
           <a:bodyPr/>
           <a:lstStyle/>
@@ -3401,15 +3902,57 @@
             <p:ph type="subTitle" idx="1"/>
           </p:nvPr>
         </p:nvSpPr>
-        <p:spPr/>
+        <p:spPr>
+          <a:xfrm>
+            <a:off x="1524000" y="3097161"/>
+            <a:ext cx="9144000" cy="2160639"/>
+          </a:xfrm>
+        </p:spPr>
         <p:txBody>
-          <a:bodyPr/>
+          <a:bodyPr>
+            <a:normAutofit lnSpcReduction="10000"/>
+          </a:bodyPr>
           <a:lstStyle/>
           <a:p>
             <a:r>
               <a:rPr lang="en-CA" dirty="0"/>
               <a:t>MEC8211 – Hiver 2024</a:t>
             </a:r>
+          </a:p>
+          <a:p>
+            <a:endParaRPr lang="en-CA" dirty="0"/>
+          </a:p>
+          <a:p>
+            <a:r>
+              <a:rPr lang="en-CA" sz="1800" dirty="0" err="1"/>
+              <a:t>Présenté</a:t>
+            </a:r>
+            <a:r>
+              <a:rPr lang="en-CA" sz="1800" dirty="0"/>
+              <a:t> par</a:t>
+            </a:r>
+          </a:p>
+          <a:p>
+            <a:r>
+              <a:rPr lang="en-CA" dirty="0"/>
+              <a:t>Ben Daya, Mohammed Mahdi </a:t>
+            </a:r>
+            <a:r>
+              <a:rPr lang="en-CA" dirty="0" err="1"/>
+              <a:t>Sahbi</a:t>
+            </a:r>
+            <a:endParaRPr lang="en-CA" dirty="0"/>
+          </a:p>
+          <a:p>
+            <a:r>
+              <a:rPr lang="en-CA" dirty="0"/>
+              <a:t>Sfeir, </a:t>
+            </a:r>
+            <a:r>
+              <a:rPr lang="en-CA" dirty="0" err="1"/>
+              <a:t>Acile</a:t>
+            </a:r>
+            <a:endParaRPr lang="en-CA" dirty="0"/>
           </a:p>
         </p:txBody>
       </p:sp>
@@ -3523,8 +4066,8 @@
           </a:p>
         </p:txBody>
       </p:sp>
-      <mc:AlternateContent xmlns:mc="http://schemas.openxmlformats.org/markup-compatibility/2006">
-        <mc:Choice xmlns:a14="http://schemas.microsoft.com/office/drawing/2010/main" Requires="a14">
+      <mc:AlternateContent xmlns:mc="http://schemas.openxmlformats.org/markup-compatibility/2006" xmlns:a14="http://schemas.microsoft.com/office/drawing/2010/main">
+        <mc:Choice Requires="a14">
           <p:sp>
             <p:nvSpPr>
               <p:cNvPr id="3" name="Content Placeholder 2">
@@ -4644,7 +5187,7 @@
                     <m:d>
                       <m:dPr>
                         <m:ctrlPr>
-                          <a:rPr lang="en-CA" b="0" i="0" smtClean="0">
+                          <a:rPr lang="en-CA" b="0" i="1" smtClean="0">
                             <a:highlight>
                               <a:srgbClr val="FFFF00"/>
                             </a:highlight>
@@ -4802,7 +5345,7 @@
             </p:txBody>
           </p:sp>
         </mc:Choice>
-        <mc:Fallback>
+        <mc:Fallback xmlns="">
           <p:sp>
             <p:nvSpPr>
               <p:cNvPr id="3" name="Content Placeholder 2">
@@ -4821,7 +5364,7 @@
             </p:nvSpPr>
             <p:spPr>
               <a:blipFill>
-                <a:blip r:embed="rId2"/>
+                <a:blip r:embed="rId4"/>
                 <a:stretch>
                   <a:fillRect l="-1217" t="-3081" r="-638" b="-3081"/>
                 </a:stretch>
@@ -4852,6 +5395,11 @@
   <p:clrMapOvr>
     <a:masterClrMapping/>
   </p:clrMapOvr>
+  <p:extLst>
+    <p:ext uri="{6950BFC3-D8DA-4A85-94F7-54DA5524770B}">
+      <p188:commentRel xmlns:p188="http://schemas.microsoft.com/office/powerpoint/2018/8/main" r:id="rId3"/>
+    </p:ext>
+  </p:extLst>
 </p:sld>
 </file>
 
@@ -4953,75 +5501,13 @@
             </a:r>
             <a:r>
               <a:rPr lang="en-CA" sz="3000" dirty="0"/>
-              <a:t>)</a:t>
+              <a:t>):</a:t>
             </a:r>
-            <a:br>
-              <a:rPr lang="en-CA" sz="3000" dirty="0"/>
-            </a:br>
-            <a:r>
-              <a:rPr lang="en-CA" sz="3000" dirty="0" err="1">
-                <a:highlight>
-                  <a:srgbClr val="FFFF00"/>
-                </a:highlight>
-              </a:rPr>
-              <a:t>j’arrive</a:t>
-            </a:r>
-            <a:r>
-              <a:rPr lang="en-CA" sz="3000" dirty="0">
-                <a:highlight>
-                  <a:srgbClr val="FFFF00"/>
-                </a:highlight>
-              </a:rPr>
-              <a:t> avec un </a:t>
-            </a:r>
-            <a:r>
-              <a:rPr lang="en-CA" sz="3000" dirty="0" err="1">
-                <a:highlight>
-                  <a:srgbClr val="FFFF00"/>
-                </a:highlight>
-              </a:rPr>
-              <a:t>terme</a:t>
-            </a:r>
-            <a:r>
-              <a:rPr lang="en-CA" sz="3000" dirty="0">
-                <a:highlight>
-                  <a:srgbClr val="FFFF00"/>
-                </a:highlight>
-              </a:rPr>
-              <a:t> </a:t>
-            </a:r>
-            <a:r>
-              <a:rPr lang="en-CA" sz="3000" dirty="0" err="1">
-                <a:highlight>
-                  <a:srgbClr val="FFFF00"/>
-                </a:highlight>
-              </a:rPr>
-              <a:t>en</a:t>
-            </a:r>
-            <a:r>
-              <a:rPr lang="en-CA" sz="3000" dirty="0">
-                <a:highlight>
-                  <a:srgbClr val="FFFF00"/>
-                </a:highlight>
-              </a:rPr>
-              <a:t> ln() qui </a:t>
-            </a:r>
-            <a:r>
-              <a:rPr lang="en-CA" sz="3000" dirty="0" err="1">
-                <a:highlight>
-                  <a:srgbClr val="FFFF00"/>
-                </a:highlight>
-              </a:rPr>
-              <a:t>n’existe</a:t>
-            </a:r>
-            <a:r>
-              <a:rPr lang="en-CA" sz="3000" dirty="0">
-                <a:highlight>
-                  <a:srgbClr val="FFFF00"/>
-                </a:highlight>
-              </a:rPr>
-              <a:t> pas dans la solution du prof</a:t>
-            </a:r>
+            <a:endParaRPr lang="en-CA" sz="3000" dirty="0">
+              <a:highlight>
+                <a:srgbClr val="FFFF00"/>
+              </a:highlight>
+            </a:endParaRPr>
           </a:p>
         </p:txBody>
       </p:sp>
@@ -5043,10 +5529,15 @@
                 <p:ph idx="1"/>
               </p:nvPr>
             </p:nvSpPr>
-            <p:spPr/>
+            <p:spPr>
+              <a:xfrm>
+                <a:off x="838200" y="1825624"/>
+                <a:ext cx="10515600" cy="5032375"/>
+              </a:xfrm>
+            </p:spPr>
             <p:txBody>
               <a:bodyPr>
-                <a:normAutofit/>
+                <a:normAutofit fontScale="62500" lnSpcReduction="20000"/>
               </a:bodyPr>
               <a:lstStyle/>
               <a:p>
@@ -5479,12 +5970,544 @@
               </a:p>
               <a:p>
                 <a:pPr marL="0" indent="0">
+                  <a:lnSpc>
+                    <a:spcPct val="100000"/>
+                  </a:lnSpc>
                   <a:buNone/>
                 </a:pPr>
+                <a:r>
+                  <a:rPr lang="en-CA" dirty="0"/>
+                  <a:t>EDO </a:t>
+                </a:r>
+                <a:r>
+                  <a:rPr lang="en-CA" dirty="0" err="1"/>
+                  <a:t>d’ordre</a:t>
+                </a:r>
+                <a:r>
+                  <a:rPr lang="en-CA" dirty="0"/>
+                  <a:t> 2 sans variable </a:t>
+                </a:r>
+                <a:r>
+                  <a:rPr lang="en-CA" dirty="0" err="1"/>
+                  <a:t>dépendante</a:t>
+                </a:r>
+                <a:r>
+                  <a:rPr lang="en-CA" dirty="0"/>
+                  <a:t> et non </a:t>
+                </a:r>
+                <a:r>
+                  <a:rPr lang="en-CA" dirty="0" err="1"/>
+                  <a:t>homogène</a:t>
+                </a:r>
+                <a:r>
+                  <a:rPr lang="en-CA" dirty="0"/>
+                  <a:t>, on </a:t>
+                </a:r>
+                <a:r>
+                  <a:rPr lang="en-CA" dirty="0" err="1"/>
+                  <a:t>effectue</a:t>
+                </a:r>
+                <a:r>
+                  <a:rPr lang="en-CA" dirty="0"/>
+                  <a:t> un </a:t>
+                </a:r>
+                <a:r>
+                  <a:rPr lang="en-CA" dirty="0" err="1"/>
+                  <a:t>changement</a:t>
+                </a:r>
+                <a:r>
+                  <a:rPr lang="en-CA" dirty="0"/>
+                  <a:t> de variables: </a:t>
+                </a:r>
+              </a:p>
+              <a:p>
+                <a:pPr marL="0" indent="0">
+                  <a:lnSpc>
+                    <a:spcPct val="100000"/>
+                  </a:lnSpc>
+                  <a:buNone/>
+                </a:pPr>
+                <a14:m>
+                  <m:oMath xmlns:m="http://schemas.openxmlformats.org/officeDocument/2006/math">
+                    <m:f>
+                      <m:fPr>
+                        <m:ctrlPr>
+                          <a:rPr lang="en-CA" i="1" smtClean="0">
+                            <a:latin typeface="Cambria Math" panose="02040503050406030204" pitchFamily="18" charset="0"/>
+                          </a:rPr>
+                        </m:ctrlPr>
+                      </m:fPr>
+                      <m:num>
+                        <m:r>
+                          <a:rPr lang="en-CA" i="1">
+                            <a:latin typeface="Cambria Math" panose="02040503050406030204" pitchFamily="18" charset="0"/>
+                          </a:rPr>
+                          <m:t>𝜕</m:t>
+                        </m:r>
+                        <m:r>
+                          <a:rPr lang="en-CA" i="1">
+                            <a:latin typeface="Cambria Math" panose="02040503050406030204" pitchFamily="18" charset="0"/>
+                          </a:rPr>
+                          <m:t>𝐶</m:t>
+                        </m:r>
+                      </m:num>
+                      <m:den>
+                        <m:r>
+                          <a:rPr lang="en-CA" i="1">
+                            <a:latin typeface="Cambria Math" panose="02040503050406030204" pitchFamily="18" charset="0"/>
+                          </a:rPr>
+                          <m:t>𝜕</m:t>
+                        </m:r>
+                        <m:r>
+                          <a:rPr lang="en-CA" i="1">
+                            <a:latin typeface="Cambria Math" panose="02040503050406030204" pitchFamily="18" charset="0"/>
+                          </a:rPr>
+                          <m:t>𝑟</m:t>
+                        </m:r>
+                      </m:den>
+                    </m:f>
+                    <m:r>
+                      <a:rPr lang="en-CA" b="0" i="1" smtClean="0">
+                        <a:latin typeface="Cambria Math" panose="02040503050406030204" pitchFamily="18" charset="0"/>
+                      </a:rPr>
+                      <m:t>=</m:t>
+                    </m:r>
+                    <m:r>
+                      <a:rPr lang="en-US" b="0" i="1" smtClean="0">
+                        <a:latin typeface="Cambria Math" panose="02040503050406030204" pitchFamily="18" charset="0"/>
+                      </a:rPr>
+                      <m:t>𝑢</m:t>
+                    </m:r>
+                    <m:r>
+                      <a:rPr lang="en-US" b="0" i="1" smtClean="0">
+                        <a:latin typeface="Cambria Math" panose="02040503050406030204" pitchFamily="18" charset="0"/>
+                      </a:rPr>
+                      <m:t>→</m:t>
+                    </m:r>
+                    <m:f>
+                      <m:fPr>
+                        <m:ctrlPr>
+                          <a:rPr lang="en-CA" i="1">
+                            <a:latin typeface="Cambria Math" panose="02040503050406030204" pitchFamily="18" charset="0"/>
+                          </a:rPr>
+                        </m:ctrlPr>
+                      </m:fPr>
+                      <m:num>
+                        <m:sSup>
+                          <m:sSupPr>
+                            <m:ctrlPr>
+                              <a:rPr lang="en-CA" i="1">
+                                <a:latin typeface="Cambria Math" panose="02040503050406030204" pitchFamily="18" charset="0"/>
+                              </a:rPr>
+                            </m:ctrlPr>
+                          </m:sSupPr>
+                          <m:e>
+                            <m:r>
+                              <a:rPr lang="en-CA" i="1">
+                                <a:latin typeface="Cambria Math" panose="02040503050406030204" pitchFamily="18" charset="0"/>
+                              </a:rPr>
+                              <m:t>𝜕</m:t>
+                            </m:r>
+                          </m:e>
+                          <m:sup>
+                            <m:r>
+                              <a:rPr lang="en-CA" i="1">
+                                <a:latin typeface="Cambria Math" panose="02040503050406030204" pitchFamily="18" charset="0"/>
+                              </a:rPr>
+                              <m:t>2</m:t>
+                            </m:r>
+                          </m:sup>
+                        </m:sSup>
+                        <m:r>
+                          <a:rPr lang="en-CA" i="1">
+                            <a:latin typeface="Cambria Math" panose="02040503050406030204" pitchFamily="18" charset="0"/>
+                          </a:rPr>
+                          <m:t>𝐶</m:t>
+                        </m:r>
+                      </m:num>
+                      <m:den>
+                        <m:r>
+                          <a:rPr lang="en-CA" i="1">
+                            <a:latin typeface="Cambria Math" panose="02040503050406030204" pitchFamily="18" charset="0"/>
+                          </a:rPr>
+                          <m:t>𝜕</m:t>
+                        </m:r>
+                        <m:sSup>
+                          <m:sSupPr>
+                            <m:ctrlPr>
+                              <a:rPr lang="en-CA" i="1">
+                                <a:latin typeface="Cambria Math" panose="02040503050406030204" pitchFamily="18" charset="0"/>
+                              </a:rPr>
+                            </m:ctrlPr>
+                          </m:sSupPr>
+                          <m:e>
+                            <m:r>
+                              <a:rPr lang="en-CA" i="1">
+                                <a:latin typeface="Cambria Math" panose="02040503050406030204" pitchFamily="18" charset="0"/>
+                              </a:rPr>
+                              <m:t>𝑟</m:t>
+                            </m:r>
+                          </m:e>
+                          <m:sup>
+                            <m:r>
+                              <a:rPr lang="en-CA" i="1">
+                                <a:latin typeface="Cambria Math" panose="02040503050406030204" pitchFamily="18" charset="0"/>
+                              </a:rPr>
+                              <m:t>2</m:t>
+                            </m:r>
+                          </m:sup>
+                        </m:sSup>
+                      </m:den>
+                    </m:f>
+                    <m:r>
+                      <a:rPr lang="en-US" b="0" i="1" smtClean="0">
+                        <a:latin typeface="Cambria Math" panose="02040503050406030204" pitchFamily="18" charset="0"/>
+                      </a:rPr>
+                      <m:t>=</m:t>
+                    </m:r>
+                    <m:r>
+                      <a:rPr lang="en-US" b="0" i="1" smtClean="0">
+                        <a:latin typeface="Cambria Math" panose="02040503050406030204" pitchFamily="18" charset="0"/>
+                      </a:rPr>
+                      <m:t>𝑢</m:t>
+                    </m:r>
+                    <m:r>
+                      <a:rPr lang="en-US" b="0" i="1" smtClean="0">
+                        <a:latin typeface="Cambria Math" panose="02040503050406030204" pitchFamily="18" charset="0"/>
+                      </a:rPr>
+                      <m:t>′</m:t>
+                    </m:r>
+                  </m:oMath>
+                </a14:m>
+                <a:r>
+                  <a:rPr lang="en-CA" b="0" dirty="0"/>
+                  <a:t>. </a:t>
+                </a:r>
+                <a:r>
+                  <a:rPr lang="en-CA" b="0" dirty="0" err="1"/>
+                  <a:t>L’équation</a:t>
+                </a:r>
+                <a:r>
+                  <a:rPr lang="en-CA" b="0" dirty="0"/>
+                  <a:t> </a:t>
+                </a:r>
+                <a:r>
+                  <a:rPr lang="en-CA" b="0" dirty="0" err="1"/>
+                  <a:t>devient</a:t>
+                </a:r>
+                <a:r>
+                  <a:rPr lang="en-CA" b="0" dirty="0"/>
+                  <a:t>:</a:t>
+                </a:r>
+              </a:p>
+              <a:p>
+                <a:pPr marL="0" indent="0">
+                  <a:lnSpc>
+                    <a:spcPct val="100000"/>
+                  </a:lnSpc>
+                  <a:buNone/>
+                </a:pPr>
+                <a14:m>
+                  <m:oMathPara xmlns:m="http://schemas.openxmlformats.org/officeDocument/2006/math">
+                    <m:oMathParaPr>
+                      <m:jc m:val="centerGroup"/>
+                    </m:oMathParaPr>
+                    <m:oMath xmlns:m="http://schemas.openxmlformats.org/officeDocument/2006/math">
+                      <m:sSup>
+                        <m:sSupPr>
+                          <m:ctrlPr>
+                            <a:rPr lang="en-US" b="0" i="1" smtClean="0">
+                              <a:latin typeface="Cambria Math" panose="02040503050406030204" pitchFamily="18" charset="0"/>
+                            </a:rPr>
+                          </m:ctrlPr>
+                        </m:sSupPr>
+                        <m:e>
+                          <m:r>
+                            <a:rPr lang="en-US" b="0" i="1" smtClean="0">
+                              <a:latin typeface="Cambria Math" panose="02040503050406030204" pitchFamily="18" charset="0"/>
+                            </a:rPr>
+                            <m:t>𝑢</m:t>
+                          </m:r>
+                        </m:e>
+                        <m:sup>
+                          <m:r>
+                            <a:rPr lang="en-US" b="0" i="1" smtClean="0">
+                              <a:latin typeface="Cambria Math" panose="02040503050406030204" pitchFamily="18" charset="0"/>
+                            </a:rPr>
+                            <m:t>′</m:t>
+                          </m:r>
+                        </m:sup>
+                      </m:sSup>
+                      <m:r>
+                        <a:rPr lang="en-US" b="0" i="1" smtClean="0">
+                          <a:latin typeface="Cambria Math" panose="02040503050406030204" pitchFamily="18" charset="0"/>
+                        </a:rPr>
+                        <m:t>+</m:t>
+                      </m:r>
+                      <m:f>
+                        <m:fPr>
+                          <m:ctrlPr>
+                            <a:rPr lang="en-US" b="0" i="1" smtClean="0">
+                              <a:latin typeface="Cambria Math" panose="02040503050406030204" pitchFamily="18" charset="0"/>
+                            </a:rPr>
+                          </m:ctrlPr>
+                        </m:fPr>
+                        <m:num>
+                          <m:r>
+                            <a:rPr lang="en-US" b="0" i="1" smtClean="0">
+                              <a:latin typeface="Cambria Math" panose="02040503050406030204" pitchFamily="18" charset="0"/>
+                            </a:rPr>
+                            <m:t>1</m:t>
+                          </m:r>
+                        </m:num>
+                        <m:den>
+                          <m:r>
+                            <a:rPr lang="en-US" b="0" i="1" smtClean="0">
+                              <a:latin typeface="Cambria Math" panose="02040503050406030204" pitchFamily="18" charset="0"/>
+                            </a:rPr>
+                            <m:t>𝑟</m:t>
+                          </m:r>
+                        </m:den>
+                      </m:f>
+                      <m:r>
+                        <a:rPr lang="en-US" b="0" i="1" smtClean="0">
+                          <a:latin typeface="Cambria Math" panose="02040503050406030204" pitchFamily="18" charset="0"/>
+                        </a:rPr>
+                        <m:t>𝑢</m:t>
+                      </m:r>
+                      <m:r>
+                        <a:rPr lang="en-US" b="0" i="1" smtClean="0">
+                          <a:latin typeface="Cambria Math" panose="02040503050406030204" pitchFamily="18" charset="0"/>
+                        </a:rPr>
+                        <m:t>=</m:t>
+                      </m:r>
+                      <m:f>
+                        <m:fPr>
+                          <m:ctrlPr>
+                            <a:rPr lang="en-US" b="0" i="1" smtClean="0">
+                              <a:latin typeface="Cambria Math" panose="02040503050406030204" pitchFamily="18" charset="0"/>
+                            </a:rPr>
+                          </m:ctrlPr>
+                        </m:fPr>
+                        <m:num>
+                          <m:r>
+                            <a:rPr lang="en-US" b="0" i="1" smtClean="0">
+                              <a:latin typeface="Cambria Math" panose="02040503050406030204" pitchFamily="18" charset="0"/>
+                            </a:rPr>
+                            <m:t>𝑆</m:t>
+                          </m:r>
+                        </m:num>
+                        <m:den>
+                          <m:sSub>
+                            <m:sSubPr>
+                              <m:ctrlPr>
+                                <a:rPr lang="en-US" b="0" i="1" smtClean="0">
+                                  <a:latin typeface="Cambria Math" panose="02040503050406030204" pitchFamily="18" charset="0"/>
+                                </a:rPr>
+                              </m:ctrlPr>
+                            </m:sSubPr>
+                            <m:e>
+                              <m:r>
+                                <a:rPr lang="en-US" b="0" i="1" smtClean="0">
+                                  <a:latin typeface="Cambria Math" panose="02040503050406030204" pitchFamily="18" charset="0"/>
+                                </a:rPr>
+                                <m:t>𝐷</m:t>
+                              </m:r>
+                            </m:e>
+                            <m:sub>
+                              <m:r>
+                                <a:rPr lang="en-US" b="0" i="1" smtClean="0">
+                                  <a:latin typeface="Cambria Math" panose="02040503050406030204" pitchFamily="18" charset="0"/>
+                                </a:rPr>
+                                <m:t>𝑒𝑓𝑓</m:t>
+                              </m:r>
+                            </m:sub>
+                          </m:sSub>
+                        </m:den>
+                      </m:f>
+                    </m:oMath>
+                  </m:oMathPara>
+                </a14:m>
                 <a:endParaRPr lang="en-CA" b="0" dirty="0"/>
               </a:p>
               <a:p>
                 <a:pPr marL="0" indent="0">
+                  <a:lnSpc>
+                    <a:spcPct val="100000"/>
+                  </a:lnSpc>
+                  <a:buNone/>
+                </a:pPr>
+                <a:r>
+                  <a:rPr lang="en-CA" b="0" dirty="0"/>
+                  <a:t>On </a:t>
+                </a:r>
+                <a:r>
+                  <a:rPr lang="en-CA" b="0" dirty="0" err="1"/>
+                  <a:t>multiplie</a:t>
+                </a:r>
+                <a:r>
+                  <a:rPr lang="en-CA" b="0" dirty="0"/>
+                  <a:t> par le </a:t>
+                </a:r>
+                <a:r>
+                  <a:rPr lang="en-CA" b="0" dirty="0" err="1"/>
+                  <a:t>facteur</a:t>
+                </a:r>
+                <a:r>
+                  <a:rPr lang="en-CA" b="0" dirty="0"/>
+                  <a:t> </a:t>
+                </a:r>
+                <a:r>
+                  <a:rPr lang="en-CA" b="0" dirty="0" err="1"/>
+                  <a:t>intégrant</a:t>
+                </a:r>
+                <a:r>
+                  <a:rPr lang="en-CA" b="0" dirty="0"/>
+                  <a:t>: </a:t>
+                </a:r>
+                <a14:m>
+                  <m:oMath xmlns:m="http://schemas.openxmlformats.org/officeDocument/2006/math">
+                    <m:r>
+                      <a:rPr lang="en-US" b="0" i="1" smtClean="0">
+                        <a:latin typeface="Cambria Math" panose="02040503050406030204" pitchFamily="18" charset="0"/>
+                      </a:rPr>
+                      <m:t>𝐹</m:t>
+                    </m:r>
+                    <m:d>
+                      <m:dPr>
+                        <m:ctrlPr>
+                          <a:rPr lang="en-US" b="0" i="1" smtClean="0">
+                            <a:latin typeface="Cambria Math" panose="02040503050406030204" pitchFamily="18" charset="0"/>
+                          </a:rPr>
+                        </m:ctrlPr>
+                      </m:dPr>
+                      <m:e>
+                        <m:r>
+                          <a:rPr lang="en-US" b="0" i="1" smtClean="0">
+                            <a:latin typeface="Cambria Math" panose="02040503050406030204" pitchFamily="18" charset="0"/>
+                          </a:rPr>
+                          <m:t>𝑟</m:t>
+                        </m:r>
+                      </m:e>
+                    </m:d>
+                    <m:r>
+                      <a:rPr lang="en-US" b="0" i="1" smtClean="0">
+                        <a:latin typeface="Cambria Math" panose="02040503050406030204" pitchFamily="18" charset="0"/>
+                      </a:rPr>
+                      <m:t>=</m:t>
+                    </m:r>
+                    <m:sSup>
+                      <m:sSupPr>
+                        <m:ctrlPr>
+                          <a:rPr lang="en-US" b="0" i="1" smtClean="0">
+                            <a:latin typeface="Cambria Math" panose="02040503050406030204" pitchFamily="18" charset="0"/>
+                          </a:rPr>
+                        </m:ctrlPr>
+                      </m:sSupPr>
+                      <m:e>
+                        <m:r>
+                          <a:rPr lang="en-US" b="0" i="1" smtClean="0">
+                            <a:latin typeface="Cambria Math" panose="02040503050406030204" pitchFamily="18" charset="0"/>
+                          </a:rPr>
+                          <m:t>𝑒</m:t>
+                        </m:r>
+                      </m:e>
+                      <m:sup>
+                        <m:nary>
+                          <m:naryPr>
+                            <m:limLoc m:val="undOvr"/>
+                            <m:subHide m:val="on"/>
+                            <m:supHide m:val="on"/>
+                            <m:ctrlPr>
+                              <a:rPr lang="en-US" i="1">
+                                <a:latin typeface="Cambria Math" panose="02040503050406030204" pitchFamily="18" charset="0"/>
+                              </a:rPr>
+                            </m:ctrlPr>
+                          </m:naryPr>
+                          <m:sub/>
+                          <m:sup/>
+                          <m:e>
+                            <m:f>
+                              <m:fPr>
+                                <m:ctrlPr>
+                                  <a:rPr lang="en-US" i="1">
+                                    <a:latin typeface="Cambria Math" panose="02040503050406030204" pitchFamily="18" charset="0"/>
+                                  </a:rPr>
+                                </m:ctrlPr>
+                              </m:fPr>
+                              <m:num>
+                                <m:r>
+                                  <a:rPr lang="en-US" i="1">
+                                    <a:latin typeface="Cambria Math" panose="02040503050406030204" pitchFamily="18" charset="0"/>
+                                  </a:rPr>
+                                  <m:t>1</m:t>
+                                </m:r>
+                              </m:num>
+                              <m:den>
+                                <m:r>
+                                  <a:rPr lang="en-US" i="1">
+                                    <a:latin typeface="Cambria Math" panose="02040503050406030204" pitchFamily="18" charset="0"/>
+                                  </a:rPr>
+                                  <m:t>𝑟</m:t>
+                                </m:r>
+                              </m:den>
+                            </m:f>
+                            <m:r>
+                              <a:rPr lang="en-US" i="1">
+                                <a:latin typeface="Cambria Math" panose="02040503050406030204" pitchFamily="18" charset="0"/>
+                              </a:rPr>
+                              <m:t>𝑑𝑟</m:t>
+                            </m:r>
+                          </m:e>
+                        </m:nary>
+                      </m:sup>
+                    </m:sSup>
+                    <m:r>
+                      <a:rPr lang="en-US" b="0" i="1" smtClean="0">
+                        <a:latin typeface="Cambria Math" panose="02040503050406030204" pitchFamily="18" charset="0"/>
+                      </a:rPr>
+                      <m:t>=</m:t>
+                    </m:r>
+                    <m:r>
+                      <a:rPr lang="en-US" b="0" i="1" smtClean="0">
+                        <a:latin typeface="Cambria Math" panose="02040503050406030204" pitchFamily="18" charset="0"/>
+                      </a:rPr>
+                      <m:t>𝑟</m:t>
+                    </m:r>
+                    <m:r>
+                      <a:rPr lang="en-US" b="0" i="0" smtClean="0">
+                        <a:latin typeface="Cambria Math" panose="02040503050406030204" pitchFamily="18" charset="0"/>
+                      </a:rPr>
+                      <m:t>.</m:t>
+                    </m:r>
+                  </m:oMath>
+                </a14:m>
+                <a:r>
+                  <a:rPr lang="en-CA" b="0" dirty="0"/>
+                  <a:t> </a:t>
+                </a:r>
+                <a:r>
+                  <a:rPr lang="en-CA" b="0" dirty="0" err="1"/>
+                  <a:t>L’équation</a:t>
+                </a:r>
+                <a:r>
+                  <a:rPr lang="en-CA" b="0" dirty="0"/>
+                  <a:t> </a:t>
+                </a:r>
+                <a:r>
+                  <a:rPr lang="en-CA" b="0" dirty="0" err="1"/>
+                  <a:t>devient</a:t>
+                </a:r>
+                <a:r>
+                  <a:rPr lang="en-CA" b="0" dirty="0"/>
+                  <a:t>:</a:t>
+                </a:r>
+              </a:p>
+              <a:p>
+                <a:pPr marL="0" indent="0">
+                  <a:lnSpc>
+                    <a:spcPct val="120000"/>
+                  </a:lnSpc>
                   <a:buNone/>
                 </a:pPr>
                 <a14:m>
@@ -5494,30 +6517,50 @@
                     </m:oMathParaPr>
                     <m:oMath xmlns:m="http://schemas.openxmlformats.org/officeDocument/2006/math">
                       <m:r>
-                        <a:rPr lang="en-CA" b="0" i="1" smtClean="0">
+                        <a:rPr lang="en-US" b="0" i="1" smtClean="0">
                           <a:latin typeface="Cambria Math" panose="02040503050406030204" pitchFamily="18" charset="0"/>
                         </a:rPr>
-                        <m:t>𝐶</m:t>
+                        <m:t>𝑟</m:t>
                       </m:r>
-                      <m:d>
-                        <m:dPr>
+                      <m:sSup>
+                        <m:sSupPr>
                           <m:ctrlPr>
-                            <a:rPr lang="en-CA" b="0" i="1" smtClean="0">
+                            <a:rPr lang="en-US" b="0" i="1" smtClean="0">
                               <a:latin typeface="Cambria Math" panose="02040503050406030204" pitchFamily="18" charset="0"/>
                             </a:rPr>
                           </m:ctrlPr>
-                        </m:dPr>
+                        </m:sSupPr>
                         <m:e>
                           <m:r>
-                            <a:rPr lang="en-CA" b="0" i="1" smtClean="0">
-                              <a:latin typeface="Cambria Math" panose="02040503050406030204" pitchFamily="18" charset="0"/>
-                            </a:rPr>
-                            <m:t>𝑟</m:t>
+                            <a:rPr lang="en-US" b="0" i="1" smtClean="0">
+                              <a:latin typeface="Cambria Math" panose="02040503050406030204" pitchFamily="18" charset="0"/>
+                            </a:rPr>
+                            <m:t>𝑢</m:t>
                           </m:r>
                         </m:e>
-                      </m:d>
+                        <m:sup>
+                          <m:r>
+                            <a:rPr lang="en-US" b="0" i="1" smtClean="0">
+                              <a:latin typeface="Cambria Math" panose="02040503050406030204" pitchFamily="18" charset="0"/>
+                            </a:rPr>
+                            <m:t>′</m:t>
+                          </m:r>
+                        </m:sup>
+                      </m:sSup>
                       <m:r>
-                        <a:rPr lang="en-CA" b="0" i="1" smtClean="0">
+                        <a:rPr lang="en-US" b="0" i="1" smtClean="0">
+                          <a:latin typeface="Cambria Math" panose="02040503050406030204" pitchFamily="18" charset="0"/>
+                        </a:rPr>
+                        <m:t>+</m:t>
+                      </m:r>
+                      <m:r>
+                        <a:rPr lang="en-US" b="0" i="1" smtClean="0">
+                          <a:latin typeface="Cambria Math" panose="02040503050406030204" pitchFamily="18" charset="0"/>
+                        </a:rPr>
+                        <m:t>𝑢</m:t>
+                      </m:r>
+                      <m:r>
+                        <a:rPr lang="en-US" b="0" i="1" smtClean="0">
                           <a:latin typeface="Cambria Math" panose="02040503050406030204" pitchFamily="18" charset="0"/>
                         </a:rPr>
                         <m:t>=</m:t>
@@ -5525,56 +6568,31 @@
                       <m:f>
                         <m:fPr>
                           <m:ctrlPr>
-                            <a:rPr lang="en-CA" i="1" smtClean="0">
+                            <a:rPr lang="en-US" b="0" i="1" smtClean="0">
                               <a:latin typeface="Cambria Math" panose="02040503050406030204" pitchFamily="18" charset="0"/>
                             </a:rPr>
                           </m:ctrlPr>
                         </m:fPr>
                         <m:num>
                           <m:r>
-                            <a:rPr lang="en-CA" i="1">
-                              <a:latin typeface="Cambria Math" panose="02040503050406030204" pitchFamily="18" charset="0"/>
-                            </a:rPr>
-                            <m:t>1</m:t>
-                          </m:r>
-                        </m:num>
-                        <m:den>
-                          <m:r>
-                            <a:rPr lang="en-CA" b="0" i="1" smtClean="0">
-                              <a:latin typeface="Cambria Math" panose="02040503050406030204" pitchFamily="18" charset="0"/>
-                            </a:rPr>
-                            <m:t>4</m:t>
-                          </m:r>
-                        </m:den>
-                      </m:f>
-                      <m:f>
-                        <m:fPr>
-                          <m:ctrlPr>
-                            <a:rPr lang="en-CA" b="0" i="1" smtClean="0">
-                              <a:latin typeface="Cambria Math" panose="02040503050406030204" pitchFamily="18" charset="0"/>
-                            </a:rPr>
-                          </m:ctrlPr>
-                        </m:fPr>
-                        <m:num>
-                          <m:r>
-                            <a:rPr lang="en-CA" b="0" i="1" smtClean="0">
-                              <a:latin typeface="Cambria Math" panose="02040503050406030204" pitchFamily="18" charset="0"/>
-                            </a:rPr>
-                            <m:t>𝑆</m:t>
+                            <a:rPr lang="en-US" b="0" i="1" smtClean="0">
+                              <a:latin typeface="Cambria Math" panose="02040503050406030204" pitchFamily="18" charset="0"/>
+                            </a:rPr>
+                            <m:t>𝑟𝑆</m:t>
                           </m:r>
                         </m:num>
                         <m:den>
                           <m:sSub>
                             <m:sSubPr>
                               <m:ctrlPr>
-                                <a:rPr lang="en-CA" i="1">
+                                <a:rPr lang="en-US" b="0" i="1" smtClean="0">
                                   <a:latin typeface="Cambria Math" panose="02040503050406030204" pitchFamily="18" charset="0"/>
                                 </a:rPr>
                               </m:ctrlPr>
                             </m:sSubPr>
                             <m:e>
                               <m:r>
-                                <a:rPr lang="en-CA" i="1">
+                                <a:rPr lang="en-US" b="0" i="1" smtClean="0">
                                   <a:latin typeface="Cambria Math" panose="02040503050406030204" pitchFamily="18" charset="0"/>
                                 </a:rPr>
                                 <m:t>𝐷</m:t>
@@ -5582,7 +6600,7 @@
                             </m:e>
                             <m:sub>
                               <m:r>
-                                <a:rPr lang="en-CA" i="1">
+                                <a:rPr lang="en-US" b="0" i="1" smtClean="0">
                                   <a:latin typeface="Cambria Math" panose="02040503050406030204" pitchFamily="18" charset="0"/>
                                 </a:rPr>
                                 <m:t>𝑒𝑓𝑓</m:t>
@@ -5591,152 +6609,128 @@
                           </m:sSub>
                         </m:den>
                       </m:f>
-                      <m:sSup>
-                        <m:sSupPr>
+                    </m:oMath>
+                  </m:oMathPara>
+                </a14:m>
+                <a:endParaRPr lang="en-US" b="0" dirty="0"/>
+              </a:p>
+              <a:p>
+                <a:pPr marL="0" indent="0">
+                  <a:lnSpc>
+                    <a:spcPct val="120000"/>
+                  </a:lnSpc>
+                  <a:buNone/>
+                </a:pPr>
+                <a14:m>
+                  <m:oMathPara xmlns:m="http://schemas.openxmlformats.org/officeDocument/2006/math">
+                    <m:oMathParaPr>
+                      <m:jc m:val="centerGroup"/>
+                    </m:oMathParaPr>
+                    <m:oMath xmlns:m="http://schemas.openxmlformats.org/officeDocument/2006/math">
+                      <m:f>
+                        <m:fPr>
                           <m:ctrlPr>
-                            <a:rPr lang="en-CA" b="0" i="1" smtClean="0">
+                            <a:rPr lang="en-US" b="0" i="1" smtClean="0">
                               <a:latin typeface="Cambria Math" panose="02040503050406030204" pitchFamily="18" charset="0"/>
                             </a:rPr>
                           </m:ctrlPr>
-                        </m:sSupPr>
-                        <m:e>
-                          <m:r>
-                            <a:rPr lang="en-CA" b="0" i="1" smtClean="0">
-                              <a:latin typeface="Cambria Math" panose="02040503050406030204" pitchFamily="18" charset="0"/>
-                            </a:rPr>
-                            <m:t>𝑅</m:t>
-                          </m:r>
-                        </m:e>
-                        <m:sup>
-                          <m:r>
-                            <a:rPr lang="en-CA" b="0" i="1" smtClean="0">
-                              <a:latin typeface="Cambria Math" panose="02040503050406030204" pitchFamily="18" charset="0"/>
-                            </a:rPr>
-                            <m:t>2</m:t>
-                          </m:r>
-                        </m:sup>
-                      </m:sSup>
+                        </m:fPr>
+                        <m:num>
+                          <m:r>
+                            <a:rPr lang="en-US" b="0" i="1" smtClean="0">
+                              <a:latin typeface="Cambria Math" panose="02040503050406030204" pitchFamily="18" charset="0"/>
+                            </a:rPr>
+                            <m:t>𝑑</m:t>
+                          </m:r>
+                        </m:num>
+                        <m:den>
+                          <m:r>
+                            <a:rPr lang="en-US" b="0" i="1" smtClean="0">
+                              <a:latin typeface="Cambria Math" panose="02040503050406030204" pitchFamily="18" charset="0"/>
+                            </a:rPr>
+                            <m:t>𝑑𝑟</m:t>
+                          </m:r>
+                        </m:den>
+                      </m:f>
                       <m:d>
                         <m:dPr>
                           <m:ctrlPr>
-                            <a:rPr lang="en-CA" b="0" i="1" smtClean="0">
+                            <a:rPr lang="en-US" b="0" i="1" smtClean="0">
                               <a:latin typeface="Cambria Math" panose="02040503050406030204" pitchFamily="18" charset="0"/>
                             </a:rPr>
                           </m:ctrlPr>
                         </m:dPr>
                         <m:e>
-                          <m:f>
-                            <m:fPr>
-                              <m:ctrlPr>
-                                <a:rPr lang="en-CA" i="1">
-                                  <a:latin typeface="Cambria Math" panose="02040503050406030204" pitchFamily="18" charset="0"/>
-                                </a:rPr>
-                              </m:ctrlPr>
-                            </m:fPr>
-                            <m:num>
-                              <m:sSup>
-                                <m:sSupPr>
-                                  <m:ctrlPr>
-                                    <a:rPr lang="en-CA" b="0" i="1" smtClean="0">
-                                      <a:latin typeface="Cambria Math" panose="02040503050406030204" pitchFamily="18" charset="0"/>
-                                    </a:rPr>
-                                  </m:ctrlPr>
-                                </m:sSupPr>
-                                <m:e>
-                                  <m:r>
-                                    <a:rPr lang="en-CA" i="1">
-                                      <a:latin typeface="Cambria Math" panose="02040503050406030204" pitchFamily="18" charset="0"/>
-                                    </a:rPr>
-                                    <m:t>𝑟</m:t>
-                                  </m:r>
-                                </m:e>
-                                <m:sup>
-                                  <m:r>
-                                    <a:rPr lang="en-CA" b="0" i="1" smtClean="0">
-                                      <a:latin typeface="Cambria Math" panose="02040503050406030204" pitchFamily="18" charset="0"/>
-                                    </a:rPr>
-                                    <m:t>2</m:t>
-                                  </m:r>
-                                </m:sup>
-                              </m:sSup>
-                            </m:num>
-                            <m:den>
-                              <m:sSup>
-                                <m:sSupPr>
-                                  <m:ctrlPr>
-                                    <a:rPr lang="en-CA" b="0" i="1" smtClean="0">
-                                      <a:latin typeface="Cambria Math" panose="02040503050406030204" pitchFamily="18" charset="0"/>
-                                    </a:rPr>
-                                  </m:ctrlPr>
-                                </m:sSupPr>
-                                <m:e>
-                                  <m:r>
-                                    <a:rPr lang="en-CA" i="1">
-                                      <a:latin typeface="Cambria Math" panose="02040503050406030204" pitchFamily="18" charset="0"/>
-                                    </a:rPr>
-                                    <m:t>𝑅</m:t>
-                                  </m:r>
-                                </m:e>
-                                <m:sup>
-                                  <m:r>
-                                    <a:rPr lang="en-CA" b="0" i="1" smtClean="0">
-                                      <a:latin typeface="Cambria Math" panose="02040503050406030204" pitchFamily="18" charset="0"/>
-                                    </a:rPr>
-                                    <m:t>2</m:t>
-                                  </m:r>
-                                </m:sup>
-                              </m:sSup>
-                            </m:den>
-                          </m:f>
-                          <m:r>
-                            <a:rPr lang="en-CA" i="1">
-                              <a:latin typeface="Cambria Math" panose="02040503050406030204" pitchFamily="18" charset="0"/>
-                            </a:rPr>
-                            <m:t>−1</m:t>
-                          </m:r>
-                          <m:r>
-                            <m:rPr>
-                              <m:nor/>
-                            </m:rPr>
-                            <a:rPr lang="en-CA" dirty="0"/>
-                            <m:t> </m:t>
+                          <m:r>
+                            <a:rPr lang="en-US" b="0" i="1" smtClean="0">
+                              <a:latin typeface="Cambria Math" panose="02040503050406030204" pitchFamily="18" charset="0"/>
+                            </a:rPr>
+                            <m:t>𝑟𝑢</m:t>
                           </m:r>
                         </m:e>
                       </m:d>
                       <m:r>
-                        <a:rPr lang="en-CA" b="0" i="1" smtClean="0">
+                        <a:rPr lang="en-US" b="0" i="1" smtClean="0">
                           <a:latin typeface="Cambria Math" panose="02040503050406030204" pitchFamily="18" charset="0"/>
                         </a:rPr>
-                        <m:t>+</m:t>
+                        <m:t>=</m:t>
                       </m:r>
-                      <m:sSub>
-                        <m:sSubPr>
+                      <m:f>
+                        <m:fPr>
                           <m:ctrlPr>
-                            <a:rPr lang="en-CA" b="0" i="1" smtClean="0">
+                            <a:rPr lang="en-US" i="1">
                               <a:latin typeface="Cambria Math" panose="02040503050406030204" pitchFamily="18" charset="0"/>
                             </a:rPr>
                           </m:ctrlPr>
-                        </m:sSubPr>
-                        <m:e>
-                          <m:r>
-                            <a:rPr lang="en-CA" b="0" i="1" smtClean="0">
-                              <a:latin typeface="Cambria Math" panose="02040503050406030204" pitchFamily="18" charset="0"/>
-                            </a:rPr>
-                            <m:t>𝐶</m:t>
-                          </m:r>
-                        </m:e>
-                        <m:sub>
-                          <m:r>
-                            <a:rPr lang="en-CA" b="0" i="1" smtClean="0">
-                              <a:latin typeface="Cambria Math" panose="02040503050406030204" pitchFamily="18" charset="0"/>
-                            </a:rPr>
-                            <m:t>𝑒</m:t>
-                          </m:r>
-                        </m:sub>
-                      </m:sSub>
+                        </m:fPr>
+                        <m:num>
+                          <m:r>
+                            <a:rPr lang="en-US" i="1">
+                              <a:latin typeface="Cambria Math" panose="02040503050406030204" pitchFamily="18" charset="0"/>
+                            </a:rPr>
+                            <m:t>𝑟𝑆</m:t>
+                          </m:r>
+                        </m:num>
+                        <m:den>
+                          <m:sSub>
+                            <m:sSubPr>
+                              <m:ctrlPr>
+                                <a:rPr lang="en-US" i="1">
+                                  <a:latin typeface="Cambria Math" panose="02040503050406030204" pitchFamily="18" charset="0"/>
+                                </a:rPr>
+                              </m:ctrlPr>
+                            </m:sSubPr>
+                            <m:e>
+                              <m:r>
+                                <a:rPr lang="en-US" i="1">
+                                  <a:latin typeface="Cambria Math" panose="02040503050406030204" pitchFamily="18" charset="0"/>
+                                </a:rPr>
+                                <m:t>𝐷</m:t>
+                              </m:r>
+                            </m:e>
+                            <m:sub>
+                              <m:r>
+                                <a:rPr lang="en-US" i="1">
+                                  <a:latin typeface="Cambria Math" panose="02040503050406030204" pitchFamily="18" charset="0"/>
+                                </a:rPr>
+                                <m:t>𝑒𝑓𝑓</m:t>
+                              </m:r>
+                            </m:sub>
+                          </m:sSub>
+                        </m:den>
+                      </m:f>
                     </m:oMath>
                   </m:oMathPara>
                 </a14:m>
+                <a:endParaRPr lang="en-CA" b="0" dirty="0"/>
+              </a:p>
+              <a:p>
+                <a:pPr marL="0" indent="0">
+                  <a:lnSpc>
+                    <a:spcPct val="120000"/>
+                  </a:lnSpc>
+                  <a:buNone/>
+                </a:pPr>
                 <a:endParaRPr lang="en-CA" b="0" dirty="0"/>
               </a:p>
             </p:txBody>
@@ -5760,10 +6754,14 @@
               </p:nvPr>
             </p:nvSpPr>
             <p:spPr>
+              <a:xfrm>
+                <a:off x="838200" y="1825624"/>
+                <a:ext cx="10515600" cy="5032375"/>
+              </a:xfrm>
               <a:blipFill>
                 <a:blip r:embed="rId2"/>
                 <a:stretch>
-                  <a:fillRect/>
+                  <a:fillRect l="-522"/>
                 </a:stretch>
               </a:blipFill>
             </p:spPr>
@@ -5792,6 +6790,2405 @@
   <p:clrMapOvr>
     <a:masterClrMapping/>
   </p:clrMapOvr>
+</p:sld>
+</file>
+
+<file path=ppt/slides/slide12.xml><?xml version="1.0" encoding="utf-8"?>
+<p:sld xmlns:a="http://schemas.openxmlformats.org/drawingml/2006/main" xmlns:r="http://schemas.openxmlformats.org/officeDocument/2006/relationships" xmlns:p="http://schemas.openxmlformats.org/presentationml/2006/main">
+  <p:cSld>
+    <p:spTree>
+      <p:nvGrpSpPr>
+        <p:cNvPr id="1" name="">
+          <a:extLst>
+            <a:ext uri="{FF2B5EF4-FFF2-40B4-BE49-F238E27FC236}">
+              <a16:creationId xmlns:a16="http://schemas.microsoft.com/office/drawing/2014/main" id="{E2DBFEC6-8B41-2833-2E13-FCE043A17F82}"/>
+            </a:ext>
+          </a:extLst>
+        </p:cNvPr>
+        <p:cNvGrpSpPr/>
+        <p:nvPr/>
+      </p:nvGrpSpPr>
+      <p:grpSpPr>
+        <a:xfrm>
+          <a:off x="0" y="0"/>
+          <a:ext cx="0" cy="0"/>
+          <a:chOff x="0" y="0"/>
+          <a:chExt cx="0" cy="0"/>
+        </a:xfrm>
+      </p:grpSpPr>
+      <p:sp>
+        <p:nvSpPr>
+          <p:cNvPr id="2" name="Title 1">
+            <a:extLst>
+              <a:ext uri="{FF2B5EF4-FFF2-40B4-BE49-F238E27FC236}">
+                <a16:creationId xmlns:a16="http://schemas.microsoft.com/office/drawing/2014/main" id="{896793E2-A2AA-FCBC-76ED-29F41AA44CEA}"/>
+              </a:ext>
+            </a:extLst>
+          </p:cNvPr>
+          <p:cNvSpPr>
+            <a:spLocks noGrp="1"/>
+          </p:cNvSpPr>
+          <p:nvPr>
+            <p:ph type="title"/>
+          </p:nvPr>
+        </p:nvSpPr>
+        <p:spPr/>
+        <p:txBody>
+          <a:bodyPr/>
+          <a:lstStyle/>
+          <a:p>
+            <a:r>
+              <a:rPr lang="en-CA" dirty="0"/>
+              <a:t>C) </a:t>
+            </a:r>
+            <a:r>
+              <a:rPr lang="en-CA" sz="3000" dirty="0"/>
+              <a:t>Solution </a:t>
+            </a:r>
+            <a:r>
+              <a:rPr lang="en-CA" sz="3000" dirty="0" err="1"/>
+              <a:t>analytique</a:t>
+            </a:r>
+            <a:r>
+              <a:rPr lang="en-CA" sz="3000" dirty="0"/>
+              <a:t> </a:t>
+            </a:r>
+            <a:r>
+              <a:rPr lang="en-CA" sz="3000" dirty="0" err="1"/>
+              <a:t>en</a:t>
+            </a:r>
+            <a:r>
+              <a:rPr lang="en-CA" sz="3000" dirty="0"/>
+              <a:t> </a:t>
+            </a:r>
+            <a:r>
+              <a:rPr lang="en-CA" sz="3000" dirty="0" err="1"/>
+              <a:t>régime</a:t>
+            </a:r>
+            <a:r>
+              <a:rPr lang="en-CA" sz="3000" dirty="0"/>
+              <a:t> </a:t>
+            </a:r>
+            <a:r>
+              <a:rPr lang="en-CA" sz="3000" dirty="0" err="1"/>
+              <a:t>stationnaire</a:t>
+            </a:r>
+            <a:r>
+              <a:rPr lang="en-CA" sz="3000" dirty="0"/>
+              <a:t> (suite):</a:t>
+            </a:r>
+            <a:endParaRPr lang="en-CA" sz="3000" dirty="0">
+              <a:highlight>
+                <a:srgbClr val="FFFF00"/>
+              </a:highlight>
+            </a:endParaRPr>
+          </a:p>
+        </p:txBody>
+      </p:sp>
+      <mc:AlternateContent xmlns:mc="http://schemas.openxmlformats.org/markup-compatibility/2006">
+        <mc:Choice xmlns:a14="http://schemas.microsoft.com/office/drawing/2010/main" Requires="a14">
+          <p:sp>
+            <p:nvSpPr>
+              <p:cNvPr id="3" name="Content Placeholder 2">
+                <a:extLst>
+                  <a:ext uri="{FF2B5EF4-FFF2-40B4-BE49-F238E27FC236}">
+                    <a16:creationId xmlns:a16="http://schemas.microsoft.com/office/drawing/2014/main" id="{76F15E12-CFE4-B5CB-D479-9E8928859D5C}"/>
+                  </a:ext>
+                </a:extLst>
+              </p:cNvPr>
+              <p:cNvSpPr>
+                <a:spLocks noGrp="1"/>
+              </p:cNvSpPr>
+              <p:nvPr>
+                <p:ph idx="1"/>
+              </p:nvPr>
+            </p:nvSpPr>
+            <p:spPr>
+              <a:xfrm>
+                <a:off x="838200" y="1825624"/>
+                <a:ext cx="10515600" cy="5032375"/>
+              </a:xfrm>
+            </p:spPr>
+            <p:txBody>
+              <a:bodyPr>
+                <a:normAutofit fontScale="55000" lnSpcReduction="20000"/>
+              </a:bodyPr>
+              <a:lstStyle/>
+              <a:p>
+                <a:pPr marL="0" indent="0">
+                  <a:buNone/>
+                </a:pPr>
+                <a14:m>
+                  <m:oMathPara xmlns:m="http://schemas.openxmlformats.org/officeDocument/2006/math">
+                    <m:oMathParaPr>
+                      <m:jc m:val="centerGroup"/>
+                    </m:oMathParaPr>
+                    <m:oMath xmlns:m="http://schemas.openxmlformats.org/officeDocument/2006/math">
+                      <m:r>
+                        <a:rPr lang="en-US" b="1" i="1" smtClean="0">
+                          <a:latin typeface="Cambria Math" panose="02040503050406030204" pitchFamily="18" charset="0"/>
+                        </a:rPr>
+                        <m:t>𝒓𝒖</m:t>
+                      </m:r>
+                      <m:r>
+                        <a:rPr lang="en-US" b="0" i="1" smtClean="0">
+                          <a:latin typeface="Cambria Math" panose="02040503050406030204" pitchFamily="18" charset="0"/>
+                        </a:rPr>
+                        <m:t>=</m:t>
+                      </m:r>
+                      <m:r>
+                        <a:rPr lang="en-US" b="0" i="1" smtClean="0">
+                          <a:latin typeface="Cambria Math" panose="02040503050406030204" pitchFamily="18" charset="0"/>
+                        </a:rPr>
+                        <m:t>∫</m:t>
+                      </m:r>
+                      <m:f>
+                        <m:fPr>
+                          <m:ctrlPr>
+                            <a:rPr lang="en-US" i="1">
+                              <a:latin typeface="Cambria Math" panose="02040503050406030204" pitchFamily="18" charset="0"/>
+                            </a:rPr>
+                          </m:ctrlPr>
+                        </m:fPr>
+                        <m:num>
+                          <m:r>
+                            <a:rPr lang="en-US" i="1">
+                              <a:latin typeface="Cambria Math" panose="02040503050406030204" pitchFamily="18" charset="0"/>
+                            </a:rPr>
+                            <m:t>𝑟𝑆</m:t>
+                          </m:r>
+                        </m:num>
+                        <m:den>
+                          <m:sSub>
+                            <m:sSubPr>
+                              <m:ctrlPr>
+                                <a:rPr lang="en-US" i="1">
+                                  <a:latin typeface="Cambria Math" panose="02040503050406030204" pitchFamily="18" charset="0"/>
+                                </a:rPr>
+                              </m:ctrlPr>
+                            </m:sSubPr>
+                            <m:e>
+                              <m:r>
+                                <a:rPr lang="en-US" i="1">
+                                  <a:latin typeface="Cambria Math" panose="02040503050406030204" pitchFamily="18" charset="0"/>
+                                </a:rPr>
+                                <m:t>𝐷</m:t>
+                              </m:r>
+                            </m:e>
+                            <m:sub>
+                              <m:r>
+                                <a:rPr lang="en-US" i="1">
+                                  <a:latin typeface="Cambria Math" panose="02040503050406030204" pitchFamily="18" charset="0"/>
+                                </a:rPr>
+                                <m:t>𝑒𝑓𝑓</m:t>
+                              </m:r>
+                            </m:sub>
+                          </m:sSub>
+                        </m:den>
+                      </m:f>
+                      <m:r>
+                        <a:rPr lang="en-US" b="0" i="1" smtClean="0">
+                          <a:latin typeface="Cambria Math" panose="02040503050406030204" pitchFamily="18" charset="0"/>
+                        </a:rPr>
+                        <m:t>𝑑𝑟</m:t>
+                      </m:r>
+                      <m:r>
+                        <a:rPr lang="en-US" b="0" i="1" smtClean="0">
+                          <a:latin typeface="Cambria Math" panose="02040503050406030204" pitchFamily="18" charset="0"/>
+                        </a:rPr>
+                        <m:t>+</m:t>
+                      </m:r>
+                      <m:sSub>
+                        <m:sSubPr>
+                          <m:ctrlPr>
+                            <a:rPr lang="en-US" b="0" i="1" smtClean="0">
+                              <a:latin typeface="Cambria Math" panose="02040503050406030204" pitchFamily="18" charset="0"/>
+                            </a:rPr>
+                          </m:ctrlPr>
+                        </m:sSubPr>
+                        <m:e>
+                          <m:r>
+                            <a:rPr lang="en-US" b="0" i="1" smtClean="0">
+                              <a:latin typeface="Cambria Math" panose="02040503050406030204" pitchFamily="18" charset="0"/>
+                            </a:rPr>
+                            <m:t>𝐾</m:t>
+                          </m:r>
+                        </m:e>
+                        <m:sub>
+                          <m:r>
+                            <a:rPr lang="en-US" b="0" i="1" smtClean="0">
+                              <a:latin typeface="Cambria Math" panose="02040503050406030204" pitchFamily="18" charset="0"/>
+                            </a:rPr>
+                            <m:t>1</m:t>
+                          </m:r>
+                        </m:sub>
+                      </m:sSub>
+                      <m:r>
+                        <a:rPr lang="en-US" b="0" i="1" smtClean="0">
+                          <a:latin typeface="Cambria Math" panose="02040503050406030204" pitchFamily="18" charset="0"/>
+                        </a:rPr>
+                        <m:t>=</m:t>
+                      </m:r>
+                      <m:f>
+                        <m:fPr>
+                          <m:ctrlPr>
+                            <a:rPr lang="en-US" b="1" i="1">
+                              <a:latin typeface="Cambria Math" panose="02040503050406030204" pitchFamily="18" charset="0"/>
+                            </a:rPr>
+                          </m:ctrlPr>
+                        </m:fPr>
+                        <m:num>
+                          <m:r>
+                            <a:rPr lang="en-US" b="1" i="1">
+                              <a:latin typeface="Cambria Math" panose="02040503050406030204" pitchFamily="18" charset="0"/>
+                            </a:rPr>
+                            <m:t>𝑺</m:t>
+                          </m:r>
+                        </m:num>
+                        <m:den>
+                          <m:sSub>
+                            <m:sSubPr>
+                              <m:ctrlPr>
+                                <a:rPr lang="en-US" b="1" i="1">
+                                  <a:latin typeface="Cambria Math" panose="02040503050406030204" pitchFamily="18" charset="0"/>
+                                </a:rPr>
+                              </m:ctrlPr>
+                            </m:sSubPr>
+                            <m:e>
+                              <m:r>
+                                <a:rPr lang="en-US" b="1" i="1">
+                                  <a:latin typeface="Cambria Math" panose="02040503050406030204" pitchFamily="18" charset="0"/>
+                                </a:rPr>
+                                <m:t>𝑫</m:t>
+                              </m:r>
+                            </m:e>
+                            <m:sub>
+                              <m:r>
+                                <a:rPr lang="en-US" b="1" i="1">
+                                  <a:latin typeface="Cambria Math" panose="02040503050406030204" pitchFamily="18" charset="0"/>
+                                </a:rPr>
+                                <m:t>𝒆𝒇𝒇</m:t>
+                              </m:r>
+                            </m:sub>
+                          </m:sSub>
+                        </m:den>
+                      </m:f>
+                      <m:f>
+                        <m:fPr>
+                          <m:ctrlPr>
+                            <a:rPr lang="en-US" b="1" i="1" smtClean="0">
+                              <a:latin typeface="Cambria Math" panose="02040503050406030204" pitchFamily="18" charset="0"/>
+                            </a:rPr>
+                          </m:ctrlPr>
+                        </m:fPr>
+                        <m:num>
+                          <m:sSup>
+                            <m:sSupPr>
+                              <m:ctrlPr>
+                                <a:rPr lang="en-US" b="1" i="1" smtClean="0">
+                                  <a:latin typeface="Cambria Math" panose="02040503050406030204" pitchFamily="18" charset="0"/>
+                                </a:rPr>
+                              </m:ctrlPr>
+                            </m:sSupPr>
+                            <m:e>
+                              <m:r>
+                                <a:rPr lang="en-US" b="1" i="1" smtClean="0">
+                                  <a:latin typeface="Cambria Math" panose="02040503050406030204" pitchFamily="18" charset="0"/>
+                                </a:rPr>
+                                <m:t>𝒓</m:t>
+                              </m:r>
+                            </m:e>
+                            <m:sup>
+                              <m:r>
+                                <a:rPr lang="en-US" b="1" i="1" smtClean="0">
+                                  <a:latin typeface="Cambria Math" panose="02040503050406030204" pitchFamily="18" charset="0"/>
+                                </a:rPr>
+                                <m:t>𝟐</m:t>
+                              </m:r>
+                            </m:sup>
+                          </m:sSup>
+                        </m:num>
+                        <m:den>
+                          <m:r>
+                            <a:rPr lang="en-US" b="1" i="1" smtClean="0">
+                              <a:latin typeface="Cambria Math" panose="02040503050406030204" pitchFamily="18" charset="0"/>
+                            </a:rPr>
+                            <m:t>𝟐</m:t>
+                          </m:r>
+                        </m:den>
+                      </m:f>
+                      <m:r>
+                        <a:rPr lang="en-US" b="1" i="1" smtClean="0">
+                          <a:latin typeface="Cambria Math" panose="02040503050406030204" pitchFamily="18" charset="0"/>
+                        </a:rPr>
+                        <m:t>+</m:t>
+                      </m:r>
+                      <m:sSub>
+                        <m:sSubPr>
+                          <m:ctrlPr>
+                            <a:rPr lang="en-US" b="1" i="1" smtClean="0">
+                              <a:latin typeface="Cambria Math" panose="02040503050406030204" pitchFamily="18" charset="0"/>
+                            </a:rPr>
+                          </m:ctrlPr>
+                        </m:sSubPr>
+                        <m:e>
+                          <m:r>
+                            <a:rPr lang="en-US" b="1" i="1" smtClean="0">
+                              <a:latin typeface="Cambria Math" panose="02040503050406030204" pitchFamily="18" charset="0"/>
+                            </a:rPr>
+                            <m:t>𝑲</m:t>
+                          </m:r>
+                        </m:e>
+                        <m:sub>
+                          <m:r>
+                            <a:rPr lang="en-US" b="1" i="1" smtClean="0">
+                              <a:latin typeface="Cambria Math" panose="02040503050406030204" pitchFamily="18" charset="0"/>
+                            </a:rPr>
+                            <m:t>𝟐</m:t>
+                          </m:r>
+                        </m:sub>
+                      </m:sSub>
+                    </m:oMath>
+                  </m:oMathPara>
+                </a14:m>
+                <a:endParaRPr lang="en-US" b="1" dirty="0"/>
+              </a:p>
+              <a:p>
+                <a:pPr marL="0" indent="0">
+                  <a:lnSpc>
+                    <a:spcPct val="120000"/>
+                  </a:lnSpc>
+                  <a:buNone/>
+                </a:pPr>
+                <a:r>
+                  <a:rPr lang="en-US" dirty="0" err="1"/>
+                  <a:t>Puisque</a:t>
+                </a:r>
+                <a:r>
+                  <a:rPr lang="en-US" dirty="0"/>
+                  <a:t> </a:t>
+                </a:r>
+                <a14:m>
+                  <m:oMath xmlns:m="http://schemas.openxmlformats.org/officeDocument/2006/math">
+                    <m:r>
+                      <a:rPr lang="en-US" b="0" i="1" smtClean="0">
+                        <a:latin typeface="Cambria Math" panose="02040503050406030204" pitchFamily="18" charset="0"/>
+                      </a:rPr>
+                      <m:t>𝑢</m:t>
+                    </m:r>
+                    <m:r>
+                      <a:rPr lang="en-US" b="0" i="1" smtClean="0">
+                        <a:latin typeface="Cambria Math" panose="02040503050406030204" pitchFamily="18" charset="0"/>
+                      </a:rPr>
+                      <m:t>=</m:t>
+                    </m:r>
+                    <m:f>
+                      <m:fPr>
+                        <m:ctrlPr>
+                          <a:rPr lang="en-US" b="0" i="1" smtClean="0">
+                            <a:latin typeface="Cambria Math" panose="02040503050406030204" pitchFamily="18" charset="0"/>
+                          </a:rPr>
+                        </m:ctrlPr>
+                      </m:fPr>
+                      <m:num>
+                        <m:r>
+                          <a:rPr lang="en-US" b="0" i="1" smtClean="0">
+                            <a:latin typeface="Cambria Math" panose="02040503050406030204" pitchFamily="18" charset="0"/>
+                          </a:rPr>
+                          <m:t>𝜕</m:t>
+                        </m:r>
+                        <m:r>
+                          <a:rPr lang="en-US" b="0" i="1" smtClean="0">
+                            <a:latin typeface="Cambria Math" panose="02040503050406030204" pitchFamily="18" charset="0"/>
+                          </a:rPr>
+                          <m:t>𝐶</m:t>
+                        </m:r>
+                      </m:num>
+                      <m:den>
+                        <m:r>
+                          <a:rPr lang="en-US" b="0" i="1" smtClean="0">
+                            <a:latin typeface="Cambria Math" panose="02040503050406030204" pitchFamily="18" charset="0"/>
+                          </a:rPr>
+                          <m:t>𝜕</m:t>
+                        </m:r>
+                        <m:r>
+                          <a:rPr lang="en-US" b="0" i="1" smtClean="0">
+                            <a:latin typeface="Cambria Math" panose="02040503050406030204" pitchFamily="18" charset="0"/>
+                          </a:rPr>
+                          <m:t>𝑟</m:t>
+                        </m:r>
+                      </m:den>
+                    </m:f>
+                  </m:oMath>
+                </a14:m>
+                <a:r>
+                  <a:rPr lang="en-US" b="0" dirty="0"/>
+                  <a:t>, on applique la condition </a:t>
+                </a:r>
+                <a:r>
+                  <a:rPr lang="en-US" b="0" dirty="0" err="1"/>
+                  <a:t>frontière</a:t>
+                </a:r>
+                <a:r>
+                  <a:rPr lang="en-US" b="0" dirty="0"/>
+                  <a:t> de Neumann </a:t>
+                </a:r>
+                <a:r>
+                  <a:rPr lang="en-US" b="0" dirty="0" err="1"/>
+                  <a:t>en</a:t>
+                </a:r>
+                <a:r>
+                  <a:rPr lang="en-US" b="0" dirty="0"/>
+                  <a:t> r=0:</a:t>
+                </a:r>
+              </a:p>
+              <a:p>
+                <a:pPr marL="0" indent="0">
+                  <a:lnSpc>
+                    <a:spcPct val="120000"/>
+                  </a:lnSpc>
+                  <a:buNone/>
+                </a:pPr>
+                <a14:m>
+                  <m:oMathPara xmlns:m="http://schemas.openxmlformats.org/officeDocument/2006/math">
+                    <m:oMathParaPr>
+                      <m:jc m:val="centerGroup"/>
+                    </m:oMathParaPr>
+                    <m:oMath xmlns:m="http://schemas.openxmlformats.org/officeDocument/2006/math">
+                      <m:r>
+                        <a:rPr lang="en-US" b="0" i="1" smtClean="0">
+                          <a:latin typeface="Cambria Math" panose="02040503050406030204" pitchFamily="18" charset="0"/>
+                        </a:rPr>
+                        <m:t>0∗</m:t>
+                      </m:r>
+                      <m:sSub>
+                        <m:sSubPr>
+                          <m:ctrlPr>
+                            <a:rPr lang="en-US" b="0" i="1" smtClean="0">
+                              <a:latin typeface="Cambria Math" panose="02040503050406030204" pitchFamily="18" charset="0"/>
+                            </a:rPr>
+                          </m:ctrlPr>
+                        </m:sSubPr>
+                        <m:e>
+                          <m:d>
+                            <m:dPr>
+                              <m:begChr m:val=""/>
+                              <m:endChr m:val="|"/>
+                              <m:ctrlPr>
+                                <a:rPr lang="en-US" i="1" smtClean="0">
+                                  <a:latin typeface="Cambria Math" panose="02040503050406030204" pitchFamily="18" charset="0"/>
+                                </a:rPr>
+                              </m:ctrlPr>
+                            </m:dPr>
+                            <m:e>
+                              <m:f>
+                                <m:fPr>
+                                  <m:ctrlPr>
+                                    <a:rPr lang="en-US" i="1">
+                                      <a:latin typeface="Cambria Math" panose="02040503050406030204" pitchFamily="18" charset="0"/>
+                                    </a:rPr>
+                                  </m:ctrlPr>
+                                </m:fPr>
+                                <m:num>
+                                  <m:r>
+                                    <a:rPr lang="en-US" i="1">
+                                      <a:latin typeface="Cambria Math" panose="02040503050406030204" pitchFamily="18" charset="0"/>
+                                    </a:rPr>
+                                    <m:t>𝜕</m:t>
+                                  </m:r>
+                                  <m:r>
+                                    <a:rPr lang="en-US" i="1">
+                                      <a:latin typeface="Cambria Math" panose="02040503050406030204" pitchFamily="18" charset="0"/>
+                                    </a:rPr>
+                                    <m:t>𝐶</m:t>
+                                  </m:r>
+                                </m:num>
+                                <m:den>
+                                  <m:r>
+                                    <a:rPr lang="en-US" i="1">
+                                      <a:latin typeface="Cambria Math" panose="02040503050406030204" pitchFamily="18" charset="0"/>
+                                    </a:rPr>
+                                    <m:t>𝜕</m:t>
+                                  </m:r>
+                                  <m:r>
+                                    <a:rPr lang="en-US" i="1">
+                                      <a:latin typeface="Cambria Math" panose="02040503050406030204" pitchFamily="18" charset="0"/>
+                                    </a:rPr>
+                                    <m:t>𝑟</m:t>
+                                  </m:r>
+                                </m:den>
+                              </m:f>
+                            </m:e>
+                          </m:d>
+                        </m:e>
+                        <m:sub>
+                          <m:r>
+                            <a:rPr lang="en-US" b="0" i="1" smtClean="0">
+                              <a:latin typeface="Cambria Math" panose="02040503050406030204" pitchFamily="18" charset="0"/>
+                            </a:rPr>
+                            <m:t>𝑟</m:t>
+                          </m:r>
+                          <m:r>
+                            <a:rPr lang="en-US" b="0" i="1" smtClean="0">
+                              <a:latin typeface="Cambria Math" panose="02040503050406030204" pitchFamily="18" charset="0"/>
+                            </a:rPr>
+                            <m:t>=0</m:t>
+                          </m:r>
+                        </m:sub>
+                      </m:sSub>
+                      <m:r>
+                        <a:rPr lang="en-US" b="0" i="1" smtClean="0">
+                          <a:latin typeface="Cambria Math" panose="02040503050406030204" pitchFamily="18" charset="0"/>
+                        </a:rPr>
+                        <m:t>=</m:t>
+                      </m:r>
+                      <m:f>
+                        <m:fPr>
+                          <m:ctrlPr>
+                            <a:rPr lang="en-US" i="1">
+                              <a:latin typeface="Cambria Math" panose="02040503050406030204" pitchFamily="18" charset="0"/>
+                            </a:rPr>
+                          </m:ctrlPr>
+                        </m:fPr>
+                        <m:num>
+                          <m:r>
+                            <a:rPr lang="en-US" i="1">
+                              <a:latin typeface="Cambria Math" panose="02040503050406030204" pitchFamily="18" charset="0"/>
+                            </a:rPr>
+                            <m:t>𝑆</m:t>
+                          </m:r>
+                        </m:num>
+                        <m:den>
+                          <m:sSub>
+                            <m:sSubPr>
+                              <m:ctrlPr>
+                                <a:rPr lang="en-US" i="1">
+                                  <a:latin typeface="Cambria Math" panose="02040503050406030204" pitchFamily="18" charset="0"/>
+                                </a:rPr>
+                              </m:ctrlPr>
+                            </m:sSubPr>
+                            <m:e>
+                              <m:r>
+                                <a:rPr lang="en-US" i="1">
+                                  <a:latin typeface="Cambria Math" panose="02040503050406030204" pitchFamily="18" charset="0"/>
+                                </a:rPr>
+                                <m:t>𝐷</m:t>
+                              </m:r>
+                            </m:e>
+                            <m:sub>
+                              <m:r>
+                                <a:rPr lang="en-US" i="1">
+                                  <a:latin typeface="Cambria Math" panose="02040503050406030204" pitchFamily="18" charset="0"/>
+                                </a:rPr>
+                                <m:t>𝑒𝑓𝑓</m:t>
+                              </m:r>
+                            </m:sub>
+                          </m:sSub>
+                        </m:den>
+                      </m:f>
+                      <m:r>
+                        <a:rPr lang="en-US" b="0" i="1" smtClean="0">
+                          <a:latin typeface="Cambria Math" panose="02040503050406030204" pitchFamily="18" charset="0"/>
+                        </a:rPr>
+                        <m:t>∗0</m:t>
+                      </m:r>
+                      <m:r>
+                        <a:rPr lang="en-US" i="1">
+                          <a:latin typeface="Cambria Math" panose="02040503050406030204" pitchFamily="18" charset="0"/>
+                        </a:rPr>
+                        <m:t>+</m:t>
+                      </m:r>
+                      <m:sSub>
+                        <m:sSubPr>
+                          <m:ctrlPr>
+                            <a:rPr lang="en-US" i="1">
+                              <a:latin typeface="Cambria Math" panose="02040503050406030204" pitchFamily="18" charset="0"/>
+                            </a:rPr>
+                          </m:ctrlPr>
+                        </m:sSubPr>
+                        <m:e>
+                          <m:r>
+                            <a:rPr lang="en-US" i="1">
+                              <a:latin typeface="Cambria Math" panose="02040503050406030204" pitchFamily="18" charset="0"/>
+                            </a:rPr>
+                            <m:t>𝐾</m:t>
+                          </m:r>
+                        </m:e>
+                        <m:sub>
+                          <m:r>
+                            <a:rPr lang="en-US" i="1">
+                              <a:latin typeface="Cambria Math" panose="02040503050406030204" pitchFamily="18" charset="0"/>
+                            </a:rPr>
+                            <m:t>2</m:t>
+                          </m:r>
+                        </m:sub>
+                      </m:sSub>
+                      <m:r>
+                        <a:rPr lang="en-US" b="0" i="1" smtClean="0">
+                          <a:latin typeface="Cambria Math" panose="02040503050406030204" pitchFamily="18" charset="0"/>
+                        </a:rPr>
+                        <m:t> →</m:t>
+                      </m:r>
+                      <m:sSub>
+                        <m:sSubPr>
+                          <m:ctrlPr>
+                            <a:rPr lang="en-US" b="0" i="1" smtClean="0">
+                              <a:latin typeface="Cambria Math" panose="02040503050406030204" pitchFamily="18" charset="0"/>
+                            </a:rPr>
+                          </m:ctrlPr>
+                        </m:sSubPr>
+                        <m:e>
+                          <m:r>
+                            <a:rPr lang="en-US" b="0" i="1" smtClean="0">
+                              <a:latin typeface="Cambria Math" panose="02040503050406030204" pitchFamily="18" charset="0"/>
+                            </a:rPr>
+                            <m:t>𝐾</m:t>
+                          </m:r>
+                        </m:e>
+                        <m:sub>
+                          <m:r>
+                            <a:rPr lang="en-US" b="0" i="1" smtClean="0">
+                              <a:latin typeface="Cambria Math" panose="02040503050406030204" pitchFamily="18" charset="0"/>
+                            </a:rPr>
+                            <m:t>2</m:t>
+                          </m:r>
+                        </m:sub>
+                      </m:sSub>
+                      <m:r>
+                        <a:rPr lang="en-US" b="0" i="1" smtClean="0">
+                          <a:latin typeface="Cambria Math" panose="02040503050406030204" pitchFamily="18" charset="0"/>
+                        </a:rPr>
+                        <m:t>=0 →</m:t>
+                      </m:r>
+                      <m:r>
+                        <a:rPr lang="en-US" b="0" i="1" smtClean="0">
+                          <a:latin typeface="Cambria Math" panose="02040503050406030204" pitchFamily="18" charset="0"/>
+                        </a:rPr>
+                        <m:t>𝑟</m:t>
+                      </m:r>
+                      <m:f>
+                        <m:fPr>
+                          <m:ctrlPr>
+                            <a:rPr lang="en-US" i="1">
+                              <a:latin typeface="Cambria Math" panose="02040503050406030204" pitchFamily="18" charset="0"/>
+                            </a:rPr>
+                          </m:ctrlPr>
+                        </m:fPr>
+                        <m:num>
+                          <m:r>
+                            <a:rPr lang="en-US" i="1">
+                              <a:latin typeface="Cambria Math" panose="02040503050406030204" pitchFamily="18" charset="0"/>
+                            </a:rPr>
+                            <m:t>𝜕</m:t>
+                          </m:r>
+                          <m:r>
+                            <a:rPr lang="en-US" i="1">
+                              <a:latin typeface="Cambria Math" panose="02040503050406030204" pitchFamily="18" charset="0"/>
+                            </a:rPr>
+                            <m:t>𝐶</m:t>
+                          </m:r>
+                        </m:num>
+                        <m:den>
+                          <m:r>
+                            <a:rPr lang="en-US" i="1">
+                              <a:latin typeface="Cambria Math" panose="02040503050406030204" pitchFamily="18" charset="0"/>
+                            </a:rPr>
+                            <m:t>𝜕</m:t>
+                          </m:r>
+                          <m:r>
+                            <a:rPr lang="en-US" i="1">
+                              <a:latin typeface="Cambria Math" panose="02040503050406030204" pitchFamily="18" charset="0"/>
+                            </a:rPr>
+                            <m:t>𝑟</m:t>
+                          </m:r>
+                        </m:den>
+                      </m:f>
+                      <m:r>
+                        <a:rPr lang="en-US" b="0" i="1" smtClean="0">
+                          <a:latin typeface="Cambria Math" panose="02040503050406030204" pitchFamily="18" charset="0"/>
+                        </a:rPr>
+                        <m:t>=</m:t>
+                      </m:r>
+                      <m:f>
+                        <m:fPr>
+                          <m:ctrlPr>
+                            <a:rPr lang="en-US" i="1" smtClean="0">
+                              <a:latin typeface="Cambria Math" panose="02040503050406030204" pitchFamily="18" charset="0"/>
+                            </a:rPr>
+                          </m:ctrlPr>
+                        </m:fPr>
+                        <m:num>
+                          <m:r>
+                            <a:rPr lang="en-US" i="1">
+                              <a:latin typeface="Cambria Math" panose="02040503050406030204" pitchFamily="18" charset="0"/>
+                            </a:rPr>
+                            <m:t>𝑆</m:t>
+                          </m:r>
+                        </m:num>
+                        <m:den>
+                          <m:sSub>
+                            <m:sSubPr>
+                              <m:ctrlPr>
+                                <a:rPr lang="en-US" i="1">
+                                  <a:latin typeface="Cambria Math" panose="02040503050406030204" pitchFamily="18" charset="0"/>
+                                </a:rPr>
+                              </m:ctrlPr>
+                            </m:sSubPr>
+                            <m:e>
+                              <m:r>
+                                <a:rPr lang="en-US" i="1">
+                                  <a:latin typeface="Cambria Math" panose="02040503050406030204" pitchFamily="18" charset="0"/>
+                                </a:rPr>
+                                <m:t>𝐷</m:t>
+                              </m:r>
+                            </m:e>
+                            <m:sub>
+                              <m:r>
+                                <a:rPr lang="en-US" i="1">
+                                  <a:latin typeface="Cambria Math" panose="02040503050406030204" pitchFamily="18" charset="0"/>
+                                </a:rPr>
+                                <m:t>𝑒𝑓𝑓</m:t>
+                              </m:r>
+                            </m:sub>
+                          </m:sSub>
+                        </m:den>
+                      </m:f>
+                      <m:f>
+                        <m:fPr>
+                          <m:ctrlPr>
+                            <a:rPr lang="en-US" b="0" i="1" smtClean="0">
+                              <a:latin typeface="Cambria Math" panose="02040503050406030204" pitchFamily="18" charset="0"/>
+                            </a:rPr>
+                          </m:ctrlPr>
+                        </m:fPr>
+                        <m:num>
+                          <m:sSup>
+                            <m:sSupPr>
+                              <m:ctrlPr>
+                                <a:rPr lang="en-US" b="0" i="1" smtClean="0">
+                                  <a:latin typeface="Cambria Math" panose="02040503050406030204" pitchFamily="18" charset="0"/>
+                                </a:rPr>
+                              </m:ctrlPr>
+                            </m:sSupPr>
+                            <m:e>
+                              <m:r>
+                                <a:rPr lang="en-US" b="0" i="1" smtClean="0">
+                                  <a:latin typeface="Cambria Math" panose="02040503050406030204" pitchFamily="18" charset="0"/>
+                                </a:rPr>
+                                <m:t>𝑟</m:t>
+                              </m:r>
+                            </m:e>
+                            <m:sup>
+                              <m:r>
+                                <a:rPr lang="en-US" b="0" i="1" smtClean="0">
+                                  <a:latin typeface="Cambria Math" panose="02040503050406030204" pitchFamily="18" charset="0"/>
+                                </a:rPr>
+                                <m:t>2</m:t>
+                              </m:r>
+                            </m:sup>
+                          </m:sSup>
+                        </m:num>
+                        <m:den>
+                          <m:r>
+                            <a:rPr lang="en-US" b="0" i="1" smtClean="0">
+                              <a:latin typeface="Cambria Math" panose="02040503050406030204" pitchFamily="18" charset="0"/>
+                            </a:rPr>
+                            <m:t>2</m:t>
+                          </m:r>
+                        </m:den>
+                      </m:f>
+                      <m:r>
+                        <a:rPr lang="en-US" b="0" i="1" smtClean="0">
+                          <a:latin typeface="Cambria Math" panose="02040503050406030204" pitchFamily="18" charset="0"/>
+                        </a:rPr>
+                        <m:t> →</m:t>
+                      </m:r>
+                      <m:f>
+                        <m:fPr>
+                          <m:ctrlPr>
+                            <a:rPr lang="en-US" b="1" i="1">
+                              <a:latin typeface="Cambria Math" panose="02040503050406030204" pitchFamily="18" charset="0"/>
+                            </a:rPr>
+                          </m:ctrlPr>
+                        </m:fPr>
+                        <m:num>
+                          <m:r>
+                            <a:rPr lang="en-US" b="1" i="1">
+                              <a:latin typeface="Cambria Math" panose="02040503050406030204" pitchFamily="18" charset="0"/>
+                            </a:rPr>
+                            <m:t>𝝏</m:t>
+                          </m:r>
+                          <m:r>
+                            <a:rPr lang="en-US" b="1" i="1">
+                              <a:latin typeface="Cambria Math" panose="02040503050406030204" pitchFamily="18" charset="0"/>
+                            </a:rPr>
+                            <m:t>𝑪</m:t>
+                          </m:r>
+                        </m:num>
+                        <m:den>
+                          <m:r>
+                            <a:rPr lang="en-US" b="1" i="1">
+                              <a:latin typeface="Cambria Math" panose="02040503050406030204" pitchFamily="18" charset="0"/>
+                            </a:rPr>
+                            <m:t>𝝏</m:t>
+                          </m:r>
+                          <m:r>
+                            <a:rPr lang="en-US" b="1" i="1">
+                              <a:latin typeface="Cambria Math" panose="02040503050406030204" pitchFamily="18" charset="0"/>
+                            </a:rPr>
+                            <m:t>𝒓</m:t>
+                          </m:r>
+                        </m:den>
+                      </m:f>
+                      <m:r>
+                        <a:rPr lang="en-US" b="1" i="1">
+                          <a:latin typeface="Cambria Math" panose="02040503050406030204" pitchFamily="18" charset="0"/>
+                        </a:rPr>
+                        <m:t>=</m:t>
+                      </m:r>
+                      <m:f>
+                        <m:fPr>
+                          <m:ctrlPr>
+                            <a:rPr lang="en-US" b="1" i="1">
+                              <a:latin typeface="Cambria Math" panose="02040503050406030204" pitchFamily="18" charset="0"/>
+                            </a:rPr>
+                          </m:ctrlPr>
+                        </m:fPr>
+                        <m:num>
+                          <m:r>
+                            <a:rPr lang="en-US" b="1" i="1">
+                              <a:latin typeface="Cambria Math" panose="02040503050406030204" pitchFamily="18" charset="0"/>
+                            </a:rPr>
+                            <m:t>𝑺</m:t>
+                          </m:r>
+                        </m:num>
+                        <m:den>
+                          <m:sSub>
+                            <m:sSubPr>
+                              <m:ctrlPr>
+                                <a:rPr lang="en-US" b="1" i="1">
+                                  <a:latin typeface="Cambria Math" panose="02040503050406030204" pitchFamily="18" charset="0"/>
+                                </a:rPr>
+                              </m:ctrlPr>
+                            </m:sSubPr>
+                            <m:e>
+                              <m:r>
+                                <a:rPr lang="en-US" b="1" i="1" smtClean="0">
+                                  <a:latin typeface="Cambria Math" panose="02040503050406030204" pitchFamily="18" charset="0"/>
+                                </a:rPr>
+                                <m:t>𝟐</m:t>
+                              </m:r>
+                              <m:r>
+                                <a:rPr lang="en-US" b="1" i="1">
+                                  <a:latin typeface="Cambria Math" panose="02040503050406030204" pitchFamily="18" charset="0"/>
+                                </a:rPr>
+                                <m:t>𝑫</m:t>
+                              </m:r>
+                            </m:e>
+                            <m:sub>
+                              <m:r>
+                                <a:rPr lang="en-US" b="1" i="1">
+                                  <a:latin typeface="Cambria Math" panose="02040503050406030204" pitchFamily="18" charset="0"/>
+                                </a:rPr>
+                                <m:t>𝒆𝒇𝒇</m:t>
+                              </m:r>
+                            </m:sub>
+                          </m:sSub>
+                        </m:den>
+                      </m:f>
+                      <m:r>
+                        <a:rPr lang="en-US" b="1" i="1" smtClean="0">
+                          <a:latin typeface="Cambria Math" panose="02040503050406030204" pitchFamily="18" charset="0"/>
+                        </a:rPr>
+                        <m:t>𝒓</m:t>
+                      </m:r>
+                    </m:oMath>
+                  </m:oMathPara>
+                </a14:m>
+                <a:endParaRPr lang="en-US" b="1" dirty="0"/>
+              </a:p>
+              <a:p>
+                <a:pPr marL="0" indent="0">
+                  <a:lnSpc>
+                    <a:spcPct val="120000"/>
+                  </a:lnSpc>
+                  <a:buNone/>
+                </a:pPr>
+                <a:r>
+                  <a:rPr lang="en-US" dirty="0"/>
+                  <a:t>On </a:t>
+                </a:r>
+                <a:r>
+                  <a:rPr lang="en-US" dirty="0" err="1"/>
+                  <a:t>intègre</a:t>
+                </a:r>
+                <a:r>
+                  <a:rPr lang="en-US" dirty="0"/>
+                  <a:t> </a:t>
+                </a:r>
+                <a:r>
+                  <a:rPr lang="en-US" dirty="0" err="1"/>
+                  <a:t>une</a:t>
+                </a:r>
+                <a:r>
+                  <a:rPr lang="en-US" dirty="0"/>
+                  <a:t> </a:t>
+                </a:r>
+                <a:r>
+                  <a:rPr lang="en-US" dirty="0" err="1"/>
+                  <a:t>deuxième</a:t>
+                </a:r>
+                <a:r>
+                  <a:rPr lang="en-US" dirty="0"/>
+                  <a:t> </a:t>
+                </a:r>
+                <a:r>
+                  <a:rPr lang="en-US" dirty="0" err="1"/>
+                  <a:t>fois</a:t>
+                </a:r>
+                <a:r>
+                  <a:rPr lang="en-US" dirty="0"/>
+                  <a:t>:</a:t>
+                </a:r>
+              </a:p>
+              <a:p>
+                <a:pPr marL="0" indent="0">
+                  <a:lnSpc>
+                    <a:spcPct val="120000"/>
+                  </a:lnSpc>
+                  <a:buNone/>
+                </a:pPr>
+                <a14:m>
+                  <m:oMathPara xmlns:m="http://schemas.openxmlformats.org/officeDocument/2006/math">
+                    <m:oMathParaPr>
+                      <m:jc m:val="centerGroup"/>
+                    </m:oMathParaPr>
+                    <m:oMath xmlns:m="http://schemas.openxmlformats.org/officeDocument/2006/math">
+                      <m:r>
+                        <a:rPr lang="en-US" b="1" i="1" smtClean="0">
+                          <a:latin typeface="Cambria Math" panose="02040503050406030204" pitchFamily="18" charset="0"/>
+                        </a:rPr>
+                        <m:t>𝑪</m:t>
+                      </m:r>
+                      <m:d>
+                        <m:dPr>
+                          <m:ctrlPr>
+                            <a:rPr lang="en-US" b="1" i="1" smtClean="0">
+                              <a:latin typeface="Cambria Math" panose="02040503050406030204" pitchFamily="18" charset="0"/>
+                            </a:rPr>
+                          </m:ctrlPr>
+                        </m:dPr>
+                        <m:e>
+                          <m:r>
+                            <a:rPr lang="en-US" b="1" i="1" smtClean="0">
+                              <a:latin typeface="Cambria Math" panose="02040503050406030204" pitchFamily="18" charset="0"/>
+                            </a:rPr>
+                            <m:t>𝒓</m:t>
+                          </m:r>
+                        </m:e>
+                      </m:d>
+                      <m:r>
+                        <a:rPr lang="en-US" i="1">
+                          <a:latin typeface="Cambria Math" panose="02040503050406030204" pitchFamily="18" charset="0"/>
+                        </a:rPr>
+                        <m:t>=</m:t>
+                      </m:r>
+                      <m:f>
+                        <m:fPr>
+                          <m:ctrlPr>
+                            <a:rPr lang="en-US" i="1">
+                              <a:latin typeface="Cambria Math" panose="02040503050406030204" pitchFamily="18" charset="0"/>
+                            </a:rPr>
+                          </m:ctrlPr>
+                        </m:fPr>
+                        <m:num>
+                          <m:r>
+                            <a:rPr lang="en-US" i="1">
+                              <a:latin typeface="Cambria Math" panose="02040503050406030204" pitchFamily="18" charset="0"/>
+                            </a:rPr>
+                            <m:t>𝑆</m:t>
+                          </m:r>
+                        </m:num>
+                        <m:den>
+                          <m:sSub>
+                            <m:sSubPr>
+                              <m:ctrlPr>
+                                <a:rPr lang="en-US" i="1">
+                                  <a:latin typeface="Cambria Math" panose="02040503050406030204" pitchFamily="18" charset="0"/>
+                                </a:rPr>
+                              </m:ctrlPr>
+                            </m:sSubPr>
+                            <m:e>
+                              <m:r>
+                                <a:rPr lang="en-US" i="1">
+                                  <a:latin typeface="Cambria Math" panose="02040503050406030204" pitchFamily="18" charset="0"/>
+                                </a:rPr>
+                                <m:t>2</m:t>
+                              </m:r>
+                              <m:r>
+                                <a:rPr lang="en-US" i="1">
+                                  <a:latin typeface="Cambria Math" panose="02040503050406030204" pitchFamily="18" charset="0"/>
+                                </a:rPr>
+                                <m:t>𝐷</m:t>
+                              </m:r>
+                            </m:e>
+                            <m:sub>
+                              <m:r>
+                                <a:rPr lang="en-US" i="1">
+                                  <a:latin typeface="Cambria Math" panose="02040503050406030204" pitchFamily="18" charset="0"/>
+                                </a:rPr>
+                                <m:t>𝑒𝑓𝑓</m:t>
+                              </m:r>
+                            </m:sub>
+                          </m:sSub>
+                        </m:den>
+                      </m:f>
+                      <m:r>
+                        <a:rPr lang="en-US" b="0" i="1" smtClean="0">
+                          <a:latin typeface="Cambria Math" panose="02040503050406030204" pitchFamily="18" charset="0"/>
+                        </a:rPr>
+                        <m:t>∫</m:t>
+                      </m:r>
+                      <m:r>
+                        <a:rPr lang="en-US" i="1">
+                          <a:latin typeface="Cambria Math" panose="02040503050406030204" pitchFamily="18" charset="0"/>
+                        </a:rPr>
+                        <m:t>𝑟</m:t>
+                      </m:r>
+                      <m:r>
+                        <a:rPr lang="en-US" b="0" i="1" smtClean="0">
+                          <a:latin typeface="Cambria Math" panose="02040503050406030204" pitchFamily="18" charset="0"/>
+                        </a:rPr>
+                        <m:t>𝑑𝑟</m:t>
+                      </m:r>
+                      <m:r>
+                        <a:rPr lang="en-US" b="0" i="1" smtClean="0">
+                          <a:latin typeface="Cambria Math" panose="02040503050406030204" pitchFamily="18" charset="0"/>
+                        </a:rPr>
+                        <m:t>+</m:t>
+                      </m:r>
+                      <m:sSub>
+                        <m:sSubPr>
+                          <m:ctrlPr>
+                            <a:rPr lang="en-US" b="0" i="1" smtClean="0">
+                              <a:latin typeface="Cambria Math" panose="02040503050406030204" pitchFamily="18" charset="0"/>
+                            </a:rPr>
+                          </m:ctrlPr>
+                        </m:sSubPr>
+                        <m:e>
+                          <m:r>
+                            <a:rPr lang="en-US" b="0" i="1" smtClean="0">
+                              <a:latin typeface="Cambria Math" panose="02040503050406030204" pitchFamily="18" charset="0"/>
+                            </a:rPr>
+                            <m:t>𝐾</m:t>
+                          </m:r>
+                        </m:e>
+                        <m:sub>
+                          <m:r>
+                            <a:rPr lang="en-US" b="0" i="1" smtClean="0">
+                              <a:latin typeface="Cambria Math" panose="02040503050406030204" pitchFamily="18" charset="0"/>
+                            </a:rPr>
+                            <m:t>3</m:t>
+                          </m:r>
+                        </m:sub>
+                      </m:sSub>
+                      <m:r>
+                        <a:rPr lang="en-US" b="0" i="1" smtClean="0">
+                          <a:latin typeface="Cambria Math" panose="02040503050406030204" pitchFamily="18" charset="0"/>
+                        </a:rPr>
+                        <m:t>=</m:t>
+                      </m:r>
+                      <m:f>
+                        <m:fPr>
+                          <m:ctrlPr>
+                            <a:rPr lang="en-US" i="1">
+                              <a:latin typeface="Cambria Math" panose="02040503050406030204" pitchFamily="18" charset="0"/>
+                            </a:rPr>
+                          </m:ctrlPr>
+                        </m:fPr>
+                        <m:num>
+                          <m:r>
+                            <a:rPr lang="en-US" i="1">
+                              <a:latin typeface="Cambria Math" panose="02040503050406030204" pitchFamily="18" charset="0"/>
+                            </a:rPr>
+                            <m:t>𝑆</m:t>
+                          </m:r>
+                        </m:num>
+                        <m:den>
+                          <m:sSub>
+                            <m:sSubPr>
+                              <m:ctrlPr>
+                                <a:rPr lang="en-US" i="1">
+                                  <a:latin typeface="Cambria Math" panose="02040503050406030204" pitchFamily="18" charset="0"/>
+                                </a:rPr>
+                              </m:ctrlPr>
+                            </m:sSubPr>
+                            <m:e>
+                              <m:r>
+                                <a:rPr lang="en-US" i="1">
+                                  <a:latin typeface="Cambria Math" panose="02040503050406030204" pitchFamily="18" charset="0"/>
+                                </a:rPr>
+                                <m:t>2</m:t>
+                              </m:r>
+                              <m:r>
+                                <a:rPr lang="en-US" i="1">
+                                  <a:latin typeface="Cambria Math" panose="02040503050406030204" pitchFamily="18" charset="0"/>
+                                </a:rPr>
+                                <m:t>𝐷</m:t>
+                              </m:r>
+                            </m:e>
+                            <m:sub>
+                              <m:r>
+                                <a:rPr lang="en-US" i="1">
+                                  <a:latin typeface="Cambria Math" panose="02040503050406030204" pitchFamily="18" charset="0"/>
+                                </a:rPr>
+                                <m:t>𝑒𝑓𝑓</m:t>
+                              </m:r>
+                            </m:sub>
+                          </m:sSub>
+                        </m:den>
+                      </m:f>
+                      <m:r>
+                        <a:rPr lang="en-US" b="0" i="1" smtClean="0">
+                          <a:latin typeface="Cambria Math" panose="02040503050406030204" pitchFamily="18" charset="0"/>
+                        </a:rPr>
+                        <m:t>.</m:t>
+                      </m:r>
+                      <m:f>
+                        <m:fPr>
+                          <m:ctrlPr>
+                            <a:rPr lang="en-US" b="0" i="1" smtClean="0">
+                              <a:latin typeface="Cambria Math" panose="02040503050406030204" pitchFamily="18" charset="0"/>
+                            </a:rPr>
+                          </m:ctrlPr>
+                        </m:fPr>
+                        <m:num>
+                          <m:sSup>
+                            <m:sSupPr>
+                              <m:ctrlPr>
+                                <a:rPr lang="en-US" b="0" i="1" smtClean="0">
+                                  <a:latin typeface="Cambria Math" panose="02040503050406030204" pitchFamily="18" charset="0"/>
+                                </a:rPr>
+                              </m:ctrlPr>
+                            </m:sSupPr>
+                            <m:e>
+                              <m:r>
+                                <a:rPr lang="en-US" b="0" i="1" smtClean="0">
+                                  <a:latin typeface="Cambria Math" panose="02040503050406030204" pitchFamily="18" charset="0"/>
+                                </a:rPr>
+                                <m:t>𝑟</m:t>
+                              </m:r>
+                            </m:e>
+                            <m:sup>
+                              <m:r>
+                                <a:rPr lang="en-US" b="0" i="1" smtClean="0">
+                                  <a:latin typeface="Cambria Math" panose="02040503050406030204" pitchFamily="18" charset="0"/>
+                                </a:rPr>
+                                <m:t>2</m:t>
+                              </m:r>
+                            </m:sup>
+                          </m:sSup>
+                        </m:num>
+                        <m:den>
+                          <m:r>
+                            <a:rPr lang="en-US" b="0" i="1" smtClean="0">
+                              <a:latin typeface="Cambria Math" panose="02040503050406030204" pitchFamily="18" charset="0"/>
+                            </a:rPr>
+                            <m:t>2</m:t>
+                          </m:r>
+                        </m:den>
+                      </m:f>
+                      <m:r>
+                        <a:rPr lang="en-US" b="0" i="1" smtClean="0">
+                          <a:latin typeface="Cambria Math" panose="02040503050406030204" pitchFamily="18" charset="0"/>
+                        </a:rPr>
+                        <m:t>+</m:t>
+                      </m:r>
+                      <m:sSub>
+                        <m:sSubPr>
+                          <m:ctrlPr>
+                            <a:rPr lang="en-US" b="0" i="1" smtClean="0">
+                              <a:latin typeface="Cambria Math" panose="02040503050406030204" pitchFamily="18" charset="0"/>
+                            </a:rPr>
+                          </m:ctrlPr>
+                        </m:sSubPr>
+                        <m:e>
+                          <m:r>
+                            <a:rPr lang="en-US" b="0" i="1" smtClean="0">
+                              <a:latin typeface="Cambria Math" panose="02040503050406030204" pitchFamily="18" charset="0"/>
+                            </a:rPr>
+                            <m:t>𝐾</m:t>
+                          </m:r>
+                        </m:e>
+                        <m:sub>
+                          <m:r>
+                            <a:rPr lang="en-US" b="0" i="1" smtClean="0">
+                              <a:latin typeface="Cambria Math" panose="02040503050406030204" pitchFamily="18" charset="0"/>
+                            </a:rPr>
+                            <m:t>4</m:t>
+                          </m:r>
+                        </m:sub>
+                      </m:sSub>
+                      <m:r>
+                        <a:rPr lang="en-US" b="0" i="1" smtClean="0">
+                          <a:latin typeface="Cambria Math" panose="02040503050406030204" pitchFamily="18" charset="0"/>
+                        </a:rPr>
+                        <m:t>=</m:t>
+                      </m:r>
+                      <m:f>
+                        <m:fPr>
+                          <m:ctrlPr>
+                            <a:rPr lang="en-US" b="1" i="1" smtClean="0">
+                              <a:latin typeface="Cambria Math" panose="02040503050406030204" pitchFamily="18" charset="0"/>
+                            </a:rPr>
+                          </m:ctrlPr>
+                        </m:fPr>
+                        <m:num>
+                          <m:r>
+                            <a:rPr lang="en-US" b="1" i="1" smtClean="0">
+                              <a:latin typeface="Cambria Math" panose="02040503050406030204" pitchFamily="18" charset="0"/>
+                            </a:rPr>
+                            <m:t>𝟏</m:t>
+                          </m:r>
+                        </m:num>
+                        <m:den>
+                          <m:r>
+                            <a:rPr lang="en-US" b="1" i="1" smtClean="0">
+                              <a:latin typeface="Cambria Math" panose="02040503050406030204" pitchFamily="18" charset="0"/>
+                            </a:rPr>
+                            <m:t>𝟒</m:t>
+                          </m:r>
+                        </m:den>
+                      </m:f>
+                      <m:r>
+                        <a:rPr lang="en-US" b="1" i="1" smtClean="0">
+                          <a:latin typeface="Cambria Math" panose="02040503050406030204" pitchFamily="18" charset="0"/>
+                        </a:rPr>
+                        <m:t>.</m:t>
+                      </m:r>
+                      <m:f>
+                        <m:fPr>
+                          <m:ctrlPr>
+                            <a:rPr lang="en-US" b="1" i="1" smtClean="0">
+                              <a:latin typeface="Cambria Math" panose="02040503050406030204" pitchFamily="18" charset="0"/>
+                            </a:rPr>
+                          </m:ctrlPr>
+                        </m:fPr>
+                        <m:num>
+                          <m:r>
+                            <a:rPr lang="en-US" b="1" i="1" smtClean="0">
+                              <a:latin typeface="Cambria Math" panose="02040503050406030204" pitchFamily="18" charset="0"/>
+                            </a:rPr>
+                            <m:t>𝑺</m:t>
+                          </m:r>
+                        </m:num>
+                        <m:den>
+                          <m:sSub>
+                            <m:sSubPr>
+                              <m:ctrlPr>
+                                <a:rPr lang="en-US" b="1" i="1" smtClean="0">
+                                  <a:latin typeface="Cambria Math" panose="02040503050406030204" pitchFamily="18" charset="0"/>
+                                </a:rPr>
+                              </m:ctrlPr>
+                            </m:sSubPr>
+                            <m:e>
+                              <m:r>
+                                <a:rPr lang="en-US" b="1" i="1" smtClean="0">
+                                  <a:latin typeface="Cambria Math" panose="02040503050406030204" pitchFamily="18" charset="0"/>
+                                </a:rPr>
+                                <m:t>𝑫</m:t>
+                              </m:r>
+                            </m:e>
+                            <m:sub>
+                              <m:r>
+                                <a:rPr lang="en-US" b="1" i="1" smtClean="0">
+                                  <a:latin typeface="Cambria Math" panose="02040503050406030204" pitchFamily="18" charset="0"/>
+                                </a:rPr>
+                                <m:t>𝒆𝒇𝒇</m:t>
+                              </m:r>
+                            </m:sub>
+                          </m:sSub>
+                        </m:den>
+                      </m:f>
+                      <m:sSup>
+                        <m:sSupPr>
+                          <m:ctrlPr>
+                            <a:rPr lang="en-US" b="1" i="1" smtClean="0">
+                              <a:latin typeface="Cambria Math" panose="02040503050406030204" pitchFamily="18" charset="0"/>
+                            </a:rPr>
+                          </m:ctrlPr>
+                        </m:sSupPr>
+                        <m:e>
+                          <m:r>
+                            <a:rPr lang="en-US" b="1" i="1" smtClean="0">
+                              <a:latin typeface="Cambria Math" panose="02040503050406030204" pitchFamily="18" charset="0"/>
+                            </a:rPr>
+                            <m:t>𝒓</m:t>
+                          </m:r>
+                        </m:e>
+                        <m:sup>
+                          <m:r>
+                            <a:rPr lang="en-US" b="1" i="1" smtClean="0">
+                              <a:latin typeface="Cambria Math" panose="02040503050406030204" pitchFamily="18" charset="0"/>
+                            </a:rPr>
+                            <m:t>𝟐</m:t>
+                          </m:r>
+                        </m:sup>
+                      </m:sSup>
+                      <m:r>
+                        <a:rPr lang="en-US" b="1" i="1" smtClean="0">
+                          <a:latin typeface="Cambria Math" panose="02040503050406030204" pitchFamily="18" charset="0"/>
+                        </a:rPr>
+                        <m:t>+</m:t>
+                      </m:r>
+                      <m:sSub>
+                        <m:sSubPr>
+                          <m:ctrlPr>
+                            <a:rPr lang="en-US" b="1" i="1" smtClean="0">
+                              <a:latin typeface="Cambria Math" panose="02040503050406030204" pitchFamily="18" charset="0"/>
+                            </a:rPr>
+                          </m:ctrlPr>
+                        </m:sSubPr>
+                        <m:e>
+                          <m:r>
+                            <a:rPr lang="en-US" b="1" i="1" smtClean="0">
+                              <a:latin typeface="Cambria Math" panose="02040503050406030204" pitchFamily="18" charset="0"/>
+                            </a:rPr>
+                            <m:t>𝑲</m:t>
+                          </m:r>
+                        </m:e>
+                        <m:sub>
+                          <m:r>
+                            <a:rPr lang="en-US" b="1" i="1" smtClean="0">
+                              <a:latin typeface="Cambria Math" panose="02040503050406030204" pitchFamily="18" charset="0"/>
+                            </a:rPr>
+                            <m:t>𝟒</m:t>
+                          </m:r>
+                        </m:sub>
+                      </m:sSub>
+                    </m:oMath>
+                  </m:oMathPara>
+                </a14:m>
+                <a:endParaRPr lang="en-US" b="1" dirty="0"/>
+              </a:p>
+              <a:p>
+                <a:pPr marL="0" indent="0">
+                  <a:lnSpc>
+                    <a:spcPct val="120000"/>
+                  </a:lnSpc>
+                  <a:buNone/>
+                </a:pPr>
+                <a:r>
+                  <a:rPr lang="en-US" dirty="0"/>
+                  <a:t>On applique la condition </a:t>
+                </a:r>
+                <a:r>
+                  <a:rPr lang="en-US" dirty="0" err="1"/>
+                  <a:t>frontière</a:t>
+                </a:r>
+                <a:r>
+                  <a:rPr lang="en-US" dirty="0"/>
+                  <a:t> de Dirichlet </a:t>
+                </a:r>
+                <a:r>
+                  <a:rPr lang="en-US" dirty="0" err="1"/>
+                  <a:t>en</a:t>
+                </a:r>
+                <a:r>
+                  <a:rPr lang="en-US" dirty="0"/>
+                  <a:t> r=R:</a:t>
+                </a:r>
+              </a:p>
+              <a:p>
+                <a:pPr marL="0" indent="0">
+                  <a:lnSpc>
+                    <a:spcPct val="120000"/>
+                  </a:lnSpc>
+                  <a:buNone/>
+                </a:pPr>
+                <a14:m>
+                  <m:oMathPara xmlns:m="http://schemas.openxmlformats.org/officeDocument/2006/math">
+                    <m:oMathParaPr>
+                      <m:jc m:val="centerGroup"/>
+                    </m:oMathParaPr>
+                    <m:oMath xmlns:m="http://schemas.openxmlformats.org/officeDocument/2006/math">
+                      <m:r>
+                        <a:rPr lang="en-US" b="0" i="1" smtClean="0">
+                          <a:latin typeface="Cambria Math" panose="02040503050406030204" pitchFamily="18" charset="0"/>
+                        </a:rPr>
+                        <m:t>𝐶</m:t>
+                      </m:r>
+                      <m:d>
+                        <m:dPr>
+                          <m:ctrlPr>
+                            <a:rPr lang="en-US" b="0" i="1" smtClean="0">
+                              <a:latin typeface="Cambria Math" panose="02040503050406030204" pitchFamily="18" charset="0"/>
+                            </a:rPr>
+                          </m:ctrlPr>
+                        </m:dPr>
+                        <m:e>
+                          <m:r>
+                            <a:rPr lang="en-US" b="0" i="1" smtClean="0">
+                              <a:latin typeface="Cambria Math" panose="02040503050406030204" pitchFamily="18" charset="0"/>
+                            </a:rPr>
+                            <m:t>𝑅</m:t>
+                          </m:r>
+                        </m:e>
+                      </m:d>
+                      <m:r>
+                        <a:rPr lang="en-US" b="0" i="1" smtClean="0">
+                          <a:latin typeface="Cambria Math" panose="02040503050406030204" pitchFamily="18" charset="0"/>
+                        </a:rPr>
+                        <m:t>=</m:t>
+                      </m:r>
+                      <m:sSub>
+                        <m:sSubPr>
+                          <m:ctrlPr>
+                            <a:rPr lang="en-US" b="0" i="1" smtClean="0">
+                              <a:latin typeface="Cambria Math" panose="02040503050406030204" pitchFamily="18" charset="0"/>
+                            </a:rPr>
+                          </m:ctrlPr>
+                        </m:sSubPr>
+                        <m:e>
+                          <m:r>
+                            <a:rPr lang="en-US" b="0" i="1" smtClean="0">
+                              <a:latin typeface="Cambria Math" panose="02040503050406030204" pitchFamily="18" charset="0"/>
+                            </a:rPr>
+                            <m:t>𝐶</m:t>
+                          </m:r>
+                        </m:e>
+                        <m:sub>
+                          <m:r>
+                            <a:rPr lang="en-US" b="0" i="1" smtClean="0">
+                              <a:latin typeface="Cambria Math" panose="02040503050406030204" pitchFamily="18" charset="0"/>
+                            </a:rPr>
+                            <m:t>𝑒</m:t>
+                          </m:r>
+                        </m:sub>
+                      </m:sSub>
+                      <m:r>
+                        <a:rPr lang="en-US" b="0" i="1" smtClean="0">
+                          <a:latin typeface="Cambria Math" panose="02040503050406030204" pitchFamily="18" charset="0"/>
+                        </a:rPr>
+                        <m:t>=</m:t>
+                      </m:r>
+                      <m:f>
+                        <m:fPr>
+                          <m:ctrlPr>
+                            <a:rPr lang="en-US" i="1">
+                              <a:latin typeface="Cambria Math" panose="02040503050406030204" pitchFamily="18" charset="0"/>
+                            </a:rPr>
+                          </m:ctrlPr>
+                        </m:fPr>
+                        <m:num>
+                          <m:r>
+                            <a:rPr lang="en-US" i="1">
+                              <a:latin typeface="Cambria Math" panose="02040503050406030204" pitchFamily="18" charset="0"/>
+                            </a:rPr>
+                            <m:t>1</m:t>
+                          </m:r>
+                        </m:num>
+                        <m:den>
+                          <m:r>
+                            <a:rPr lang="en-US" i="1">
+                              <a:latin typeface="Cambria Math" panose="02040503050406030204" pitchFamily="18" charset="0"/>
+                            </a:rPr>
+                            <m:t>4</m:t>
+                          </m:r>
+                        </m:den>
+                      </m:f>
+                      <m:r>
+                        <a:rPr lang="en-US" i="1">
+                          <a:latin typeface="Cambria Math" panose="02040503050406030204" pitchFamily="18" charset="0"/>
+                        </a:rPr>
+                        <m:t>.</m:t>
+                      </m:r>
+                      <m:f>
+                        <m:fPr>
+                          <m:ctrlPr>
+                            <a:rPr lang="en-US" i="1">
+                              <a:latin typeface="Cambria Math" panose="02040503050406030204" pitchFamily="18" charset="0"/>
+                            </a:rPr>
+                          </m:ctrlPr>
+                        </m:fPr>
+                        <m:num>
+                          <m:r>
+                            <a:rPr lang="en-US" i="1">
+                              <a:latin typeface="Cambria Math" panose="02040503050406030204" pitchFamily="18" charset="0"/>
+                            </a:rPr>
+                            <m:t>𝑆</m:t>
+                          </m:r>
+                        </m:num>
+                        <m:den>
+                          <m:sSub>
+                            <m:sSubPr>
+                              <m:ctrlPr>
+                                <a:rPr lang="en-US" i="1">
+                                  <a:latin typeface="Cambria Math" panose="02040503050406030204" pitchFamily="18" charset="0"/>
+                                </a:rPr>
+                              </m:ctrlPr>
+                            </m:sSubPr>
+                            <m:e>
+                              <m:r>
+                                <a:rPr lang="en-US" i="1">
+                                  <a:latin typeface="Cambria Math" panose="02040503050406030204" pitchFamily="18" charset="0"/>
+                                </a:rPr>
+                                <m:t>𝐷</m:t>
+                              </m:r>
+                            </m:e>
+                            <m:sub>
+                              <m:r>
+                                <a:rPr lang="en-US" i="1">
+                                  <a:latin typeface="Cambria Math" panose="02040503050406030204" pitchFamily="18" charset="0"/>
+                                </a:rPr>
+                                <m:t>𝑒𝑓𝑓</m:t>
+                              </m:r>
+                            </m:sub>
+                          </m:sSub>
+                        </m:den>
+                      </m:f>
+                      <m:sSup>
+                        <m:sSupPr>
+                          <m:ctrlPr>
+                            <a:rPr lang="en-US" i="1">
+                              <a:latin typeface="Cambria Math" panose="02040503050406030204" pitchFamily="18" charset="0"/>
+                            </a:rPr>
+                          </m:ctrlPr>
+                        </m:sSupPr>
+                        <m:e>
+                          <m:r>
+                            <a:rPr lang="en-US" b="0" i="1" smtClean="0">
+                              <a:latin typeface="Cambria Math" panose="02040503050406030204" pitchFamily="18" charset="0"/>
+                            </a:rPr>
+                            <m:t>𝑅</m:t>
+                          </m:r>
+                        </m:e>
+                        <m:sup>
+                          <m:r>
+                            <a:rPr lang="en-US" i="1">
+                              <a:latin typeface="Cambria Math" panose="02040503050406030204" pitchFamily="18" charset="0"/>
+                            </a:rPr>
+                            <m:t>2</m:t>
+                          </m:r>
+                        </m:sup>
+                      </m:sSup>
+                      <m:r>
+                        <a:rPr lang="en-US" i="1">
+                          <a:latin typeface="Cambria Math" panose="02040503050406030204" pitchFamily="18" charset="0"/>
+                        </a:rPr>
+                        <m:t>+</m:t>
+                      </m:r>
+                      <m:sSub>
+                        <m:sSubPr>
+                          <m:ctrlPr>
+                            <a:rPr lang="en-US" i="1">
+                              <a:latin typeface="Cambria Math" panose="02040503050406030204" pitchFamily="18" charset="0"/>
+                            </a:rPr>
+                          </m:ctrlPr>
+                        </m:sSubPr>
+                        <m:e>
+                          <m:r>
+                            <a:rPr lang="en-US" i="1">
+                              <a:latin typeface="Cambria Math" panose="02040503050406030204" pitchFamily="18" charset="0"/>
+                            </a:rPr>
+                            <m:t>𝐾</m:t>
+                          </m:r>
+                        </m:e>
+                        <m:sub>
+                          <m:r>
+                            <a:rPr lang="en-US" i="1">
+                              <a:latin typeface="Cambria Math" panose="02040503050406030204" pitchFamily="18" charset="0"/>
+                            </a:rPr>
+                            <m:t>4</m:t>
+                          </m:r>
+                        </m:sub>
+                      </m:sSub>
+                      <m:r>
+                        <a:rPr lang="en-US" b="0" i="1" smtClean="0">
+                          <a:latin typeface="Cambria Math" panose="02040503050406030204" pitchFamily="18" charset="0"/>
+                        </a:rPr>
+                        <m:t>→</m:t>
+                      </m:r>
+                      <m:sSub>
+                        <m:sSubPr>
+                          <m:ctrlPr>
+                            <a:rPr lang="en-US" b="1" i="1" smtClean="0">
+                              <a:latin typeface="Cambria Math" panose="02040503050406030204" pitchFamily="18" charset="0"/>
+                            </a:rPr>
+                          </m:ctrlPr>
+                        </m:sSubPr>
+                        <m:e>
+                          <m:r>
+                            <a:rPr lang="en-US" b="1" i="1" smtClean="0">
+                              <a:latin typeface="Cambria Math" panose="02040503050406030204" pitchFamily="18" charset="0"/>
+                            </a:rPr>
+                            <m:t>𝑲</m:t>
+                          </m:r>
+                        </m:e>
+                        <m:sub>
+                          <m:r>
+                            <a:rPr lang="en-US" b="1" i="1" smtClean="0">
+                              <a:latin typeface="Cambria Math" panose="02040503050406030204" pitchFamily="18" charset="0"/>
+                            </a:rPr>
+                            <m:t>𝟒</m:t>
+                          </m:r>
+                        </m:sub>
+                      </m:sSub>
+                      <m:r>
+                        <a:rPr lang="en-US" b="1" i="1" smtClean="0">
+                          <a:latin typeface="Cambria Math" panose="02040503050406030204" pitchFamily="18" charset="0"/>
+                        </a:rPr>
+                        <m:t>=</m:t>
+                      </m:r>
+                      <m:sSub>
+                        <m:sSubPr>
+                          <m:ctrlPr>
+                            <a:rPr lang="en-US" b="1" i="1">
+                              <a:latin typeface="Cambria Math" panose="02040503050406030204" pitchFamily="18" charset="0"/>
+                            </a:rPr>
+                          </m:ctrlPr>
+                        </m:sSubPr>
+                        <m:e>
+                          <m:r>
+                            <a:rPr lang="en-US" b="1" i="1">
+                              <a:latin typeface="Cambria Math" panose="02040503050406030204" pitchFamily="18" charset="0"/>
+                            </a:rPr>
+                            <m:t>𝑪</m:t>
+                          </m:r>
+                        </m:e>
+                        <m:sub>
+                          <m:r>
+                            <a:rPr lang="en-US" b="1" i="1">
+                              <a:latin typeface="Cambria Math" panose="02040503050406030204" pitchFamily="18" charset="0"/>
+                            </a:rPr>
+                            <m:t>𝒆</m:t>
+                          </m:r>
+                        </m:sub>
+                      </m:sSub>
+                      <m:r>
+                        <a:rPr lang="en-US" b="1" i="1" smtClean="0">
+                          <a:latin typeface="Cambria Math" panose="02040503050406030204" pitchFamily="18" charset="0"/>
+                        </a:rPr>
+                        <m:t>−</m:t>
+                      </m:r>
+                      <m:f>
+                        <m:fPr>
+                          <m:ctrlPr>
+                            <a:rPr lang="en-US" b="1" i="1">
+                              <a:latin typeface="Cambria Math" panose="02040503050406030204" pitchFamily="18" charset="0"/>
+                            </a:rPr>
+                          </m:ctrlPr>
+                        </m:fPr>
+                        <m:num>
+                          <m:r>
+                            <a:rPr lang="en-US" b="1" i="1">
+                              <a:latin typeface="Cambria Math" panose="02040503050406030204" pitchFamily="18" charset="0"/>
+                            </a:rPr>
+                            <m:t>𝟏</m:t>
+                          </m:r>
+                        </m:num>
+                        <m:den>
+                          <m:r>
+                            <a:rPr lang="en-US" b="1" i="1">
+                              <a:latin typeface="Cambria Math" panose="02040503050406030204" pitchFamily="18" charset="0"/>
+                            </a:rPr>
+                            <m:t>𝟒</m:t>
+                          </m:r>
+                        </m:den>
+                      </m:f>
+                      <m:r>
+                        <a:rPr lang="en-US" b="1" i="1">
+                          <a:latin typeface="Cambria Math" panose="02040503050406030204" pitchFamily="18" charset="0"/>
+                        </a:rPr>
+                        <m:t>.</m:t>
+                      </m:r>
+                      <m:f>
+                        <m:fPr>
+                          <m:ctrlPr>
+                            <a:rPr lang="en-US" b="1" i="1">
+                              <a:latin typeface="Cambria Math" panose="02040503050406030204" pitchFamily="18" charset="0"/>
+                            </a:rPr>
+                          </m:ctrlPr>
+                        </m:fPr>
+                        <m:num>
+                          <m:r>
+                            <a:rPr lang="en-US" b="1" i="1">
+                              <a:latin typeface="Cambria Math" panose="02040503050406030204" pitchFamily="18" charset="0"/>
+                            </a:rPr>
+                            <m:t>𝑺</m:t>
+                          </m:r>
+                        </m:num>
+                        <m:den>
+                          <m:sSub>
+                            <m:sSubPr>
+                              <m:ctrlPr>
+                                <a:rPr lang="en-US" b="1" i="1">
+                                  <a:latin typeface="Cambria Math" panose="02040503050406030204" pitchFamily="18" charset="0"/>
+                                </a:rPr>
+                              </m:ctrlPr>
+                            </m:sSubPr>
+                            <m:e>
+                              <m:r>
+                                <a:rPr lang="en-US" b="1" i="1">
+                                  <a:latin typeface="Cambria Math" panose="02040503050406030204" pitchFamily="18" charset="0"/>
+                                </a:rPr>
+                                <m:t>𝑫</m:t>
+                              </m:r>
+                            </m:e>
+                            <m:sub>
+                              <m:r>
+                                <a:rPr lang="en-US" b="1" i="1">
+                                  <a:latin typeface="Cambria Math" panose="02040503050406030204" pitchFamily="18" charset="0"/>
+                                </a:rPr>
+                                <m:t>𝒆𝒇𝒇</m:t>
+                              </m:r>
+                            </m:sub>
+                          </m:sSub>
+                        </m:den>
+                      </m:f>
+                      <m:sSup>
+                        <m:sSupPr>
+                          <m:ctrlPr>
+                            <a:rPr lang="en-US" b="1" i="1">
+                              <a:latin typeface="Cambria Math" panose="02040503050406030204" pitchFamily="18" charset="0"/>
+                            </a:rPr>
+                          </m:ctrlPr>
+                        </m:sSupPr>
+                        <m:e>
+                          <m:r>
+                            <a:rPr lang="en-US" b="1" i="1">
+                              <a:latin typeface="Cambria Math" panose="02040503050406030204" pitchFamily="18" charset="0"/>
+                            </a:rPr>
+                            <m:t>𝑹</m:t>
+                          </m:r>
+                        </m:e>
+                        <m:sup>
+                          <m:r>
+                            <a:rPr lang="en-US" b="1" i="1">
+                              <a:latin typeface="Cambria Math" panose="02040503050406030204" pitchFamily="18" charset="0"/>
+                            </a:rPr>
+                            <m:t>𝟐</m:t>
+                          </m:r>
+                        </m:sup>
+                      </m:sSup>
+                    </m:oMath>
+                  </m:oMathPara>
+                </a14:m>
+                <a:endParaRPr lang="en-US" b="1" i="1" dirty="0">
+                  <a:latin typeface="Cambria Math" panose="02040503050406030204" pitchFamily="18" charset="0"/>
+                </a:endParaRPr>
+              </a:p>
+              <a:p>
+                <a:pPr marL="0" indent="0">
+                  <a:lnSpc>
+                    <a:spcPct val="120000"/>
+                  </a:lnSpc>
+                  <a:buNone/>
+                </a:pPr>
+                <a14:m>
+                  <m:oMathPara xmlns:m="http://schemas.openxmlformats.org/officeDocument/2006/math">
+                    <m:oMathParaPr>
+                      <m:jc m:val="centerGroup"/>
+                    </m:oMathParaPr>
+                    <m:oMath xmlns:m="http://schemas.openxmlformats.org/officeDocument/2006/math">
+                      <m:r>
+                        <a:rPr lang="en-US" b="0" i="1" smtClean="0">
+                          <a:latin typeface="Cambria Math" panose="02040503050406030204" pitchFamily="18" charset="0"/>
+                        </a:rPr>
+                        <m:t>𝐶</m:t>
+                      </m:r>
+                      <m:d>
+                        <m:dPr>
+                          <m:ctrlPr>
+                            <a:rPr lang="en-US" b="0" i="1" smtClean="0">
+                              <a:latin typeface="Cambria Math" panose="02040503050406030204" pitchFamily="18" charset="0"/>
+                            </a:rPr>
+                          </m:ctrlPr>
+                        </m:dPr>
+                        <m:e>
+                          <m:r>
+                            <a:rPr lang="en-US" b="0" i="1" smtClean="0">
+                              <a:latin typeface="Cambria Math" panose="02040503050406030204" pitchFamily="18" charset="0"/>
+                            </a:rPr>
+                            <m:t>𝑟</m:t>
+                          </m:r>
+                        </m:e>
+                      </m:d>
+                      <m:r>
+                        <a:rPr lang="en-US" b="0" i="1" smtClean="0">
+                          <a:latin typeface="Cambria Math" panose="02040503050406030204" pitchFamily="18" charset="0"/>
+                        </a:rPr>
+                        <m:t>=</m:t>
+                      </m:r>
+                      <m:f>
+                        <m:fPr>
+                          <m:ctrlPr>
+                            <a:rPr lang="en-US" i="1">
+                              <a:latin typeface="Cambria Math" panose="02040503050406030204" pitchFamily="18" charset="0"/>
+                            </a:rPr>
+                          </m:ctrlPr>
+                        </m:fPr>
+                        <m:num>
+                          <m:r>
+                            <a:rPr lang="en-US" i="1">
+                              <a:latin typeface="Cambria Math" panose="02040503050406030204" pitchFamily="18" charset="0"/>
+                            </a:rPr>
+                            <m:t>1</m:t>
+                          </m:r>
+                        </m:num>
+                        <m:den>
+                          <m:r>
+                            <a:rPr lang="en-US" i="1">
+                              <a:latin typeface="Cambria Math" panose="02040503050406030204" pitchFamily="18" charset="0"/>
+                            </a:rPr>
+                            <m:t>4</m:t>
+                          </m:r>
+                        </m:den>
+                      </m:f>
+                      <m:r>
+                        <a:rPr lang="en-US" i="1">
+                          <a:latin typeface="Cambria Math" panose="02040503050406030204" pitchFamily="18" charset="0"/>
+                        </a:rPr>
+                        <m:t>.</m:t>
+                      </m:r>
+                      <m:f>
+                        <m:fPr>
+                          <m:ctrlPr>
+                            <a:rPr lang="en-US" i="1">
+                              <a:latin typeface="Cambria Math" panose="02040503050406030204" pitchFamily="18" charset="0"/>
+                            </a:rPr>
+                          </m:ctrlPr>
+                        </m:fPr>
+                        <m:num>
+                          <m:r>
+                            <a:rPr lang="en-US" i="1">
+                              <a:latin typeface="Cambria Math" panose="02040503050406030204" pitchFamily="18" charset="0"/>
+                            </a:rPr>
+                            <m:t>𝑆</m:t>
+                          </m:r>
+                        </m:num>
+                        <m:den>
+                          <m:sSub>
+                            <m:sSubPr>
+                              <m:ctrlPr>
+                                <a:rPr lang="en-US" i="1">
+                                  <a:latin typeface="Cambria Math" panose="02040503050406030204" pitchFamily="18" charset="0"/>
+                                </a:rPr>
+                              </m:ctrlPr>
+                            </m:sSubPr>
+                            <m:e>
+                              <m:r>
+                                <a:rPr lang="en-US" i="1">
+                                  <a:latin typeface="Cambria Math" panose="02040503050406030204" pitchFamily="18" charset="0"/>
+                                </a:rPr>
+                                <m:t>𝐷</m:t>
+                              </m:r>
+                            </m:e>
+                            <m:sub>
+                              <m:r>
+                                <a:rPr lang="en-US" i="1">
+                                  <a:latin typeface="Cambria Math" panose="02040503050406030204" pitchFamily="18" charset="0"/>
+                                </a:rPr>
+                                <m:t>𝑒𝑓𝑓</m:t>
+                              </m:r>
+                            </m:sub>
+                          </m:sSub>
+                        </m:den>
+                      </m:f>
+                      <m:sSup>
+                        <m:sSupPr>
+                          <m:ctrlPr>
+                            <a:rPr lang="en-US" i="1">
+                              <a:latin typeface="Cambria Math" panose="02040503050406030204" pitchFamily="18" charset="0"/>
+                            </a:rPr>
+                          </m:ctrlPr>
+                        </m:sSupPr>
+                        <m:e>
+                          <m:r>
+                            <a:rPr lang="en-US" i="1">
+                              <a:latin typeface="Cambria Math" panose="02040503050406030204" pitchFamily="18" charset="0"/>
+                            </a:rPr>
+                            <m:t>𝑟</m:t>
+                          </m:r>
+                        </m:e>
+                        <m:sup>
+                          <m:r>
+                            <a:rPr lang="en-US" i="1">
+                              <a:latin typeface="Cambria Math" panose="02040503050406030204" pitchFamily="18" charset="0"/>
+                            </a:rPr>
+                            <m:t>2</m:t>
+                          </m:r>
+                        </m:sup>
+                      </m:sSup>
+                      <m:r>
+                        <a:rPr lang="en-US" i="1">
+                          <a:latin typeface="Cambria Math" panose="02040503050406030204" pitchFamily="18" charset="0"/>
+                        </a:rPr>
+                        <m:t>+</m:t>
+                      </m:r>
+                      <m:sSub>
+                        <m:sSubPr>
+                          <m:ctrlPr>
+                            <a:rPr lang="en-US" b="0" i="1" smtClean="0">
+                              <a:latin typeface="Cambria Math" panose="02040503050406030204" pitchFamily="18" charset="0"/>
+                            </a:rPr>
+                          </m:ctrlPr>
+                        </m:sSubPr>
+                        <m:e>
+                          <m:r>
+                            <a:rPr lang="en-US" b="0" i="1" smtClean="0">
+                              <a:latin typeface="Cambria Math" panose="02040503050406030204" pitchFamily="18" charset="0"/>
+                            </a:rPr>
+                            <m:t>𝐶</m:t>
+                          </m:r>
+                        </m:e>
+                        <m:sub>
+                          <m:r>
+                            <a:rPr lang="en-US" b="0" i="1" smtClean="0">
+                              <a:latin typeface="Cambria Math" panose="02040503050406030204" pitchFamily="18" charset="0"/>
+                            </a:rPr>
+                            <m:t>𝑒</m:t>
+                          </m:r>
+                        </m:sub>
+                      </m:sSub>
+                      <m:r>
+                        <a:rPr lang="en-US" b="0" i="1" smtClean="0">
+                          <a:latin typeface="Cambria Math" panose="02040503050406030204" pitchFamily="18" charset="0"/>
+                        </a:rPr>
+                        <m:t>−</m:t>
+                      </m:r>
+                      <m:f>
+                        <m:fPr>
+                          <m:ctrlPr>
+                            <a:rPr lang="en-US" i="1">
+                              <a:latin typeface="Cambria Math" panose="02040503050406030204" pitchFamily="18" charset="0"/>
+                            </a:rPr>
+                          </m:ctrlPr>
+                        </m:fPr>
+                        <m:num>
+                          <m:r>
+                            <a:rPr lang="en-US" i="1">
+                              <a:latin typeface="Cambria Math" panose="02040503050406030204" pitchFamily="18" charset="0"/>
+                            </a:rPr>
+                            <m:t>1</m:t>
+                          </m:r>
+                        </m:num>
+                        <m:den>
+                          <m:r>
+                            <a:rPr lang="en-US" i="1">
+                              <a:latin typeface="Cambria Math" panose="02040503050406030204" pitchFamily="18" charset="0"/>
+                            </a:rPr>
+                            <m:t>4</m:t>
+                          </m:r>
+                        </m:den>
+                      </m:f>
+                      <m:r>
+                        <a:rPr lang="en-US" i="1">
+                          <a:latin typeface="Cambria Math" panose="02040503050406030204" pitchFamily="18" charset="0"/>
+                        </a:rPr>
+                        <m:t>.</m:t>
+                      </m:r>
+                      <m:f>
+                        <m:fPr>
+                          <m:ctrlPr>
+                            <a:rPr lang="en-US" i="1">
+                              <a:latin typeface="Cambria Math" panose="02040503050406030204" pitchFamily="18" charset="0"/>
+                            </a:rPr>
+                          </m:ctrlPr>
+                        </m:fPr>
+                        <m:num>
+                          <m:r>
+                            <a:rPr lang="en-US" i="1">
+                              <a:latin typeface="Cambria Math" panose="02040503050406030204" pitchFamily="18" charset="0"/>
+                            </a:rPr>
+                            <m:t>𝑆</m:t>
+                          </m:r>
+                        </m:num>
+                        <m:den>
+                          <m:sSub>
+                            <m:sSubPr>
+                              <m:ctrlPr>
+                                <a:rPr lang="en-US" i="1">
+                                  <a:latin typeface="Cambria Math" panose="02040503050406030204" pitchFamily="18" charset="0"/>
+                                </a:rPr>
+                              </m:ctrlPr>
+                            </m:sSubPr>
+                            <m:e>
+                              <m:r>
+                                <a:rPr lang="en-US" i="1">
+                                  <a:latin typeface="Cambria Math" panose="02040503050406030204" pitchFamily="18" charset="0"/>
+                                </a:rPr>
+                                <m:t>𝐷</m:t>
+                              </m:r>
+                            </m:e>
+                            <m:sub>
+                              <m:r>
+                                <a:rPr lang="en-US" i="1">
+                                  <a:latin typeface="Cambria Math" panose="02040503050406030204" pitchFamily="18" charset="0"/>
+                                </a:rPr>
+                                <m:t>𝑒𝑓𝑓</m:t>
+                              </m:r>
+                            </m:sub>
+                          </m:sSub>
+                        </m:den>
+                      </m:f>
+                      <m:sSup>
+                        <m:sSupPr>
+                          <m:ctrlPr>
+                            <a:rPr lang="en-US" i="1">
+                              <a:latin typeface="Cambria Math" panose="02040503050406030204" pitchFamily="18" charset="0"/>
+                            </a:rPr>
+                          </m:ctrlPr>
+                        </m:sSupPr>
+                        <m:e>
+                          <m:r>
+                            <a:rPr lang="en-US" b="0" i="1" smtClean="0">
+                              <a:latin typeface="Cambria Math" panose="02040503050406030204" pitchFamily="18" charset="0"/>
+                            </a:rPr>
+                            <m:t>𝑅</m:t>
+                          </m:r>
+                        </m:e>
+                        <m:sup>
+                          <m:r>
+                            <a:rPr lang="en-US" i="1">
+                              <a:latin typeface="Cambria Math" panose="02040503050406030204" pitchFamily="18" charset="0"/>
+                            </a:rPr>
+                            <m:t>2</m:t>
+                          </m:r>
+                        </m:sup>
+                      </m:sSup>
+                    </m:oMath>
+                  </m:oMathPara>
+                </a14:m>
+                <a:endParaRPr lang="en-US" b="0" i="1" dirty="0">
+                  <a:latin typeface="Cambria Math" panose="02040503050406030204" pitchFamily="18" charset="0"/>
+                </a:endParaRPr>
+              </a:p>
+              <a:p>
+                <a:pPr marL="0" indent="0" algn="ctr">
+                  <a:lnSpc>
+                    <a:spcPct val="120000"/>
+                  </a:lnSpc>
+                  <a:buNone/>
+                </a:pPr>
+                <a14:m>
+                  <m:oMath xmlns:m="http://schemas.openxmlformats.org/officeDocument/2006/math">
+                    <m:r>
+                      <a:rPr lang="en-CA" b="1" i="1" smtClean="0">
+                        <a:latin typeface="Cambria Math" panose="02040503050406030204" pitchFamily="18" charset="0"/>
+                      </a:rPr>
+                      <m:t>𝑪</m:t>
+                    </m:r>
+                    <m:d>
+                      <m:dPr>
+                        <m:ctrlPr>
+                          <a:rPr lang="en-CA" b="1" i="1" smtClean="0">
+                            <a:latin typeface="Cambria Math" panose="02040503050406030204" pitchFamily="18" charset="0"/>
+                          </a:rPr>
+                        </m:ctrlPr>
+                      </m:dPr>
+                      <m:e>
+                        <m:r>
+                          <a:rPr lang="en-CA" b="1" i="1" smtClean="0">
+                            <a:latin typeface="Cambria Math" panose="02040503050406030204" pitchFamily="18" charset="0"/>
+                          </a:rPr>
+                          <m:t>𝒓</m:t>
+                        </m:r>
+                      </m:e>
+                    </m:d>
+                    <m:r>
+                      <a:rPr lang="en-CA" b="1" i="1" smtClean="0">
+                        <a:latin typeface="Cambria Math" panose="02040503050406030204" pitchFamily="18" charset="0"/>
+                      </a:rPr>
+                      <m:t>=</m:t>
+                    </m:r>
+                    <m:f>
+                      <m:fPr>
+                        <m:ctrlPr>
+                          <a:rPr lang="en-CA" b="1" i="1" smtClean="0">
+                            <a:latin typeface="Cambria Math" panose="02040503050406030204" pitchFamily="18" charset="0"/>
+                          </a:rPr>
+                        </m:ctrlPr>
+                      </m:fPr>
+                      <m:num>
+                        <m:r>
+                          <a:rPr lang="en-CA" b="1" i="1">
+                            <a:latin typeface="Cambria Math" panose="02040503050406030204" pitchFamily="18" charset="0"/>
+                          </a:rPr>
+                          <m:t>𝟏</m:t>
+                        </m:r>
+                      </m:num>
+                      <m:den>
+                        <m:r>
+                          <a:rPr lang="en-CA" b="1" i="1" smtClean="0">
+                            <a:latin typeface="Cambria Math" panose="02040503050406030204" pitchFamily="18" charset="0"/>
+                          </a:rPr>
+                          <m:t>𝟒</m:t>
+                        </m:r>
+                      </m:den>
+                    </m:f>
+                    <m:f>
+                      <m:fPr>
+                        <m:ctrlPr>
+                          <a:rPr lang="en-CA" b="1" i="1" smtClean="0">
+                            <a:latin typeface="Cambria Math" panose="02040503050406030204" pitchFamily="18" charset="0"/>
+                          </a:rPr>
+                        </m:ctrlPr>
+                      </m:fPr>
+                      <m:num>
+                        <m:r>
+                          <a:rPr lang="en-CA" b="1" i="1" smtClean="0">
+                            <a:latin typeface="Cambria Math" panose="02040503050406030204" pitchFamily="18" charset="0"/>
+                          </a:rPr>
+                          <m:t>𝑺</m:t>
+                        </m:r>
+                      </m:num>
+                      <m:den>
+                        <m:sSub>
+                          <m:sSubPr>
+                            <m:ctrlPr>
+                              <a:rPr lang="en-CA" b="1" i="1">
+                                <a:latin typeface="Cambria Math" panose="02040503050406030204" pitchFamily="18" charset="0"/>
+                              </a:rPr>
+                            </m:ctrlPr>
+                          </m:sSubPr>
+                          <m:e>
+                            <m:r>
+                              <a:rPr lang="en-CA" b="1" i="1">
+                                <a:latin typeface="Cambria Math" panose="02040503050406030204" pitchFamily="18" charset="0"/>
+                              </a:rPr>
+                              <m:t>𝑫</m:t>
+                            </m:r>
+                          </m:e>
+                          <m:sub>
+                            <m:r>
+                              <a:rPr lang="en-CA" b="1" i="1">
+                                <a:latin typeface="Cambria Math" panose="02040503050406030204" pitchFamily="18" charset="0"/>
+                              </a:rPr>
+                              <m:t>𝒆𝒇𝒇</m:t>
+                            </m:r>
+                          </m:sub>
+                        </m:sSub>
+                      </m:den>
+                    </m:f>
+                    <m:sSup>
+                      <m:sSupPr>
+                        <m:ctrlPr>
+                          <a:rPr lang="en-CA" b="1" i="1" smtClean="0">
+                            <a:latin typeface="Cambria Math" panose="02040503050406030204" pitchFamily="18" charset="0"/>
+                          </a:rPr>
+                        </m:ctrlPr>
+                      </m:sSupPr>
+                      <m:e>
+                        <m:r>
+                          <a:rPr lang="en-CA" b="1" i="1" smtClean="0">
+                            <a:latin typeface="Cambria Math" panose="02040503050406030204" pitchFamily="18" charset="0"/>
+                          </a:rPr>
+                          <m:t>𝑹</m:t>
+                        </m:r>
+                      </m:e>
+                      <m:sup>
+                        <m:r>
+                          <a:rPr lang="en-CA" b="1" i="1" smtClean="0">
+                            <a:latin typeface="Cambria Math" panose="02040503050406030204" pitchFamily="18" charset="0"/>
+                          </a:rPr>
+                          <m:t>𝟐</m:t>
+                        </m:r>
+                      </m:sup>
+                    </m:sSup>
+                    <m:d>
+                      <m:dPr>
+                        <m:ctrlPr>
+                          <a:rPr lang="en-CA" b="1" i="1" smtClean="0">
+                            <a:latin typeface="Cambria Math" panose="02040503050406030204" pitchFamily="18" charset="0"/>
+                          </a:rPr>
+                        </m:ctrlPr>
+                      </m:dPr>
+                      <m:e>
+                        <m:f>
+                          <m:fPr>
+                            <m:ctrlPr>
+                              <a:rPr lang="en-CA" b="1" i="1">
+                                <a:latin typeface="Cambria Math" panose="02040503050406030204" pitchFamily="18" charset="0"/>
+                              </a:rPr>
+                            </m:ctrlPr>
+                          </m:fPr>
+                          <m:num>
+                            <m:sSup>
+                              <m:sSupPr>
+                                <m:ctrlPr>
+                                  <a:rPr lang="en-CA" b="1" i="1" smtClean="0">
+                                    <a:latin typeface="Cambria Math" panose="02040503050406030204" pitchFamily="18" charset="0"/>
+                                  </a:rPr>
+                                </m:ctrlPr>
+                              </m:sSupPr>
+                              <m:e>
+                                <m:r>
+                                  <a:rPr lang="en-CA" b="1" i="1">
+                                    <a:latin typeface="Cambria Math" panose="02040503050406030204" pitchFamily="18" charset="0"/>
+                                  </a:rPr>
+                                  <m:t>𝒓</m:t>
+                                </m:r>
+                              </m:e>
+                              <m:sup>
+                                <m:r>
+                                  <a:rPr lang="en-CA" b="1" i="1" smtClean="0">
+                                    <a:latin typeface="Cambria Math" panose="02040503050406030204" pitchFamily="18" charset="0"/>
+                                  </a:rPr>
+                                  <m:t>𝟐</m:t>
+                                </m:r>
+                              </m:sup>
+                            </m:sSup>
+                          </m:num>
+                          <m:den>
+                            <m:sSup>
+                              <m:sSupPr>
+                                <m:ctrlPr>
+                                  <a:rPr lang="en-CA" b="1" i="1" smtClean="0">
+                                    <a:latin typeface="Cambria Math" panose="02040503050406030204" pitchFamily="18" charset="0"/>
+                                  </a:rPr>
+                                </m:ctrlPr>
+                              </m:sSupPr>
+                              <m:e>
+                                <m:r>
+                                  <a:rPr lang="en-CA" b="1" i="1">
+                                    <a:latin typeface="Cambria Math" panose="02040503050406030204" pitchFamily="18" charset="0"/>
+                                  </a:rPr>
+                                  <m:t>𝑹</m:t>
+                                </m:r>
+                              </m:e>
+                              <m:sup>
+                                <m:r>
+                                  <a:rPr lang="en-CA" b="1" i="1" smtClean="0">
+                                    <a:latin typeface="Cambria Math" panose="02040503050406030204" pitchFamily="18" charset="0"/>
+                                  </a:rPr>
+                                  <m:t>𝟐</m:t>
+                                </m:r>
+                              </m:sup>
+                            </m:sSup>
+                          </m:den>
+                        </m:f>
+                        <m:r>
+                          <a:rPr lang="en-CA" b="1" i="1">
+                            <a:latin typeface="Cambria Math" panose="02040503050406030204" pitchFamily="18" charset="0"/>
+                          </a:rPr>
+                          <m:t>−</m:t>
+                        </m:r>
+                        <m:r>
+                          <a:rPr lang="en-CA" b="1" i="1">
+                            <a:latin typeface="Cambria Math" panose="02040503050406030204" pitchFamily="18" charset="0"/>
+                          </a:rPr>
+                          <m:t>𝟏</m:t>
+                        </m:r>
+                        <m:r>
+                          <m:rPr>
+                            <m:nor/>
+                          </m:rPr>
+                          <a:rPr lang="en-CA" b="1" dirty="0"/>
+                          <m:t> </m:t>
+                        </m:r>
+                      </m:e>
+                    </m:d>
+                    <m:r>
+                      <a:rPr lang="en-CA" b="1" i="1" smtClean="0">
+                        <a:latin typeface="Cambria Math" panose="02040503050406030204" pitchFamily="18" charset="0"/>
+                      </a:rPr>
+                      <m:t>+</m:t>
+                    </m:r>
+                    <m:sSub>
+                      <m:sSubPr>
+                        <m:ctrlPr>
+                          <a:rPr lang="en-CA" b="1" i="1" smtClean="0">
+                            <a:latin typeface="Cambria Math" panose="02040503050406030204" pitchFamily="18" charset="0"/>
+                          </a:rPr>
+                        </m:ctrlPr>
+                      </m:sSubPr>
+                      <m:e>
+                        <m:r>
+                          <a:rPr lang="en-CA" b="1" i="1" smtClean="0">
+                            <a:latin typeface="Cambria Math" panose="02040503050406030204" pitchFamily="18" charset="0"/>
+                          </a:rPr>
+                          <m:t>𝑪</m:t>
+                        </m:r>
+                      </m:e>
+                      <m:sub>
+                        <m:r>
+                          <a:rPr lang="en-CA" b="1" i="1" smtClean="0">
+                            <a:latin typeface="Cambria Math" panose="02040503050406030204" pitchFamily="18" charset="0"/>
+                          </a:rPr>
+                          <m:t>𝒆</m:t>
+                        </m:r>
+                      </m:sub>
+                    </m:sSub>
+                  </m:oMath>
+                </a14:m>
+                <a:r>
+                  <a:rPr lang="en-CA" b="1" dirty="0"/>
+                  <a:t>     (CQFD)</a:t>
+                </a:r>
+              </a:p>
+            </p:txBody>
+          </p:sp>
+        </mc:Choice>
+        <mc:Fallback>
+          <p:sp>
+            <p:nvSpPr>
+              <p:cNvPr id="3" name="Content Placeholder 2">
+                <a:extLst>
+                  <a:ext uri="{FF2B5EF4-FFF2-40B4-BE49-F238E27FC236}">
+                    <a16:creationId xmlns:a16="http://schemas.microsoft.com/office/drawing/2014/main" id="{76F15E12-CFE4-B5CB-D479-9E8928859D5C}"/>
+                  </a:ext>
+                </a:extLst>
+              </p:cNvPr>
+              <p:cNvSpPr>
+                <a:spLocks noGrp="1" noRot="1" noChangeAspect="1" noMove="1" noResize="1" noEditPoints="1" noAdjustHandles="1" noChangeArrowheads="1" noChangeShapeType="1" noTextEdit="1"/>
+              </p:cNvSpPr>
+              <p:nvPr>
+                <p:ph idx="1"/>
+              </p:nvPr>
+            </p:nvSpPr>
+            <p:spPr>
+              <a:xfrm>
+                <a:off x="838200" y="1825624"/>
+                <a:ext cx="10515600" cy="5032375"/>
+              </a:xfrm>
+              <a:blipFill>
+                <a:blip r:embed="rId3"/>
+                <a:stretch>
+                  <a:fillRect l="-232"/>
+                </a:stretch>
+              </a:blipFill>
+            </p:spPr>
+            <p:txBody>
+              <a:bodyPr/>
+              <a:lstStyle/>
+              <a:p>
+                <a:r>
+                  <a:rPr lang="en-CA">
+                    <a:noFill/>
+                  </a:rPr>
+                  <a:t> </a:t>
+                </a:r>
+              </a:p>
+            </p:txBody>
+          </p:sp>
+        </mc:Fallback>
+      </mc:AlternateContent>
+    </p:spTree>
+    <p:extLst>
+      <p:ext uri="{BB962C8B-B14F-4D97-AF65-F5344CB8AC3E}">
+        <p14:creationId xmlns:p14="http://schemas.microsoft.com/office/powerpoint/2010/main" val="3363244201"/>
+      </p:ext>
+    </p:extLst>
+  </p:cSld>
+  <p:clrMapOvr>
+    <a:masterClrMapping/>
+  </p:clrMapOvr>
+  <p:extLst>
+    <p:ext uri="{6950BFC3-D8DA-4A85-94F7-54DA5524770B}">
+      <p188:commentRel xmlns:p188="http://schemas.microsoft.com/office/powerpoint/2018/8/main" r:id="rId2"/>
+    </p:ext>
+  </p:extLst>
 </p:sld>
 </file>
 
@@ -5865,8 +9262,8 @@
             </p:nvSpPr>
             <p:spPr>
               <a:xfrm>
-                <a:off x="838200" y="1386347"/>
-                <a:ext cx="10515600" cy="4987260"/>
+                <a:off x="838200" y="1543665"/>
+                <a:ext cx="10515600" cy="4829942"/>
               </a:xfrm>
             </p:spPr>
             <p:txBody>
@@ -5880,7 +9277,137 @@
                 </a:pPr>
                 <a:r>
                   <a:rPr lang="en-CA" dirty="0"/>
-                  <a:t>Forme </a:t>
+                  <a:t>Le </a:t>
+                </a:r>
+                <a:r>
+                  <a:rPr lang="en-CA" dirty="0" err="1"/>
+                  <a:t>problème</a:t>
+                </a:r>
+                <a:r>
+                  <a:rPr lang="en-CA" dirty="0"/>
+                  <a:t> </a:t>
+                </a:r>
+                <a:r>
+                  <a:rPr lang="en-CA" dirty="0" err="1"/>
+                  <a:t>est</a:t>
+                </a:r>
+                <a:r>
+                  <a:rPr lang="en-CA" dirty="0"/>
+                  <a:t> un </a:t>
+                </a:r>
+                <a:r>
+                  <a:rPr lang="en-CA" dirty="0" err="1"/>
+                  <a:t>problème</a:t>
+                </a:r>
+                <a:r>
+                  <a:rPr lang="en-CA" dirty="0"/>
+                  <a:t> </a:t>
+                </a:r>
+                <a:r>
+                  <a:rPr lang="en-CA" dirty="0" err="1"/>
+                  <a:t>instationnaire</a:t>
+                </a:r>
+                <a:r>
+                  <a:rPr lang="en-CA" dirty="0"/>
+                  <a:t> de diffusion, </a:t>
+                </a:r>
+                <a:r>
+                  <a:rPr lang="en-CA" dirty="0" err="1"/>
+                  <a:t>l’équation</a:t>
+                </a:r>
+                <a:r>
+                  <a:rPr lang="en-CA" dirty="0"/>
+                  <a:t> </a:t>
+                </a:r>
+                <a:r>
+                  <a:rPr lang="en-CA" dirty="0" err="1"/>
+                  <a:t>différentielle</a:t>
+                </a:r>
+                <a:r>
+                  <a:rPr lang="en-CA" dirty="0"/>
+                  <a:t> qui </a:t>
+                </a:r>
+                <a:r>
+                  <a:rPr lang="en-CA" dirty="0" err="1"/>
+                  <a:t>l’illustre</a:t>
+                </a:r>
+                <a:r>
+                  <a:rPr lang="en-CA" dirty="0"/>
+                  <a:t> </a:t>
+                </a:r>
+                <a:r>
+                  <a:rPr lang="en-CA" dirty="0" err="1"/>
+                  <a:t>est</a:t>
+                </a:r>
+                <a:r>
+                  <a:rPr lang="en-CA" dirty="0"/>
+                  <a:t> </a:t>
+                </a:r>
+                <a:r>
+                  <a:rPr lang="en-CA" dirty="0" err="1"/>
+                  <a:t>donc</a:t>
+                </a:r>
+                <a:r>
+                  <a:rPr lang="en-CA" dirty="0"/>
+                  <a:t> </a:t>
+                </a:r>
+                <a:r>
+                  <a:rPr lang="en-CA" b="1" dirty="0" err="1"/>
+                  <a:t>parabolique</a:t>
+                </a:r>
+                <a:r>
+                  <a:rPr lang="en-CA" dirty="0"/>
+                  <a:t>.</a:t>
+                </a:r>
+              </a:p>
+              <a:p>
+                <a:pPr marL="0" indent="0">
+                  <a:buNone/>
+                </a:pPr>
+                <a:r>
+                  <a:rPr lang="en-CA" b="1" u="sng" dirty="0" err="1"/>
+                  <a:t>Preuve</a:t>
+                </a:r>
+                <a:r>
+                  <a:rPr lang="en-CA" b="1" u="sng" dirty="0"/>
+                  <a:t> avec la </a:t>
+                </a:r>
+                <a:r>
+                  <a:rPr lang="en-CA" b="1" u="sng" dirty="0" err="1"/>
+                  <a:t>méthode</a:t>
+                </a:r>
+                <a:r>
+                  <a:rPr lang="en-CA" b="1" u="sng" dirty="0"/>
+                  <a:t> de </a:t>
+                </a:r>
+                <a:r>
+                  <a:rPr lang="en-CA" b="1" u="sng" dirty="0" err="1"/>
+                  <a:t>l’équation</a:t>
+                </a:r>
+                <a:r>
+                  <a:rPr lang="en-CA" b="1" u="sng" dirty="0"/>
+                  <a:t> </a:t>
+                </a:r>
+                <a:r>
+                  <a:rPr lang="en-CA" b="1" u="sng" dirty="0" err="1"/>
+                  <a:t>caractéristique</a:t>
+                </a:r>
+                <a:r>
+                  <a:rPr lang="en-CA" b="1" u="sng" dirty="0"/>
+                  <a:t>:</a:t>
+                </a:r>
+              </a:p>
+              <a:p>
+                <a:pPr marL="0" indent="0">
+                  <a:buNone/>
+                </a:pPr>
+                <a:r>
+                  <a:rPr lang="en-CA" dirty="0" err="1"/>
+                  <a:t>Forme</a:t>
+                </a:r>
+                <a:r>
+                  <a:rPr lang="en-CA" dirty="0"/>
+                  <a:t> </a:t>
                 </a:r>
                 <a:r>
                   <a:rPr lang="en-CA" dirty="0" err="1"/>
@@ -5912,7 +9439,7 @@
                 </a:r>
                 <a:r>
                   <a:rPr lang="en-CA" dirty="0"/>
-                  <a:t> 1D + temps)</a:t>
+                  <a:t> 1D + temps):</a:t>
                 </a:r>
               </a:p>
               <a:p>
@@ -6358,281 +9885,265 @@
                 </a:r>
                 <a:r>
                   <a:rPr lang="en-CA" dirty="0"/>
-                  <a:t>:</a:t>
-                </a:r>
-              </a:p>
-              <a:p>
-                <a:pPr marL="0" indent="0">
-                  <a:buNone/>
-                </a:pPr>
-                <a:endParaRPr lang="en-CA" dirty="0"/>
-              </a:p>
-              <a:p>
-                <a:pPr marL="0" indent="0">
-                  <a:buNone/>
-                </a:pPr>
+                  <a:t> par : </a:t>
+                </a:r>
                 <a14:m>
-                  <m:oMathPara xmlns:m="http://schemas.openxmlformats.org/officeDocument/2006/math">
-                    <m:oMathParaPr>
-                      <m:jc m:val="centerGroup"/>
-                    </m:oMathParaPr>
-                    <m:oMath xmlns:m="http://schemas.openxmlformats.org/officeDocument/2006/math">
-                      <m:r>
-                        <a:rPr lang="en-CA" b="0" i="1" smtClean="0">
-                          <a:latin typeface="Cambria Math" panose="02040503050406030204" pitchFamily="18" charset="0"/>
-                        </a:rPr>
-                        <m:t>𝐴</m:t>
-                      </m:r>
-                      <m:f>
-                        <m:fPr>
-                          <m:ctrlPr>
-                            <a:rPr lang="en-CA" b="0" i="1" smtClean="0">
-                              <a:latin typeface="Cambria Math" panose="02040503050406030204" pitchFamily="18" charset="0"/>
-                            </a:rPr>
-                          </m:ctrlPr>
-                        </m:fPr>
-                        <m:num>
-                          <m:sSup>
-                            <m:sSupPr>
-                              <m:ctrlPr>
-                                <a:rPr lang="en-CA" b="0" i="1" smtClean="0">
-                                  <a:latin typeface="Cambria Math" panose="02040503050406030204" pitchFamily="18" charset="0"/>
-                                </a:rPr>
-                              </m:ctrlPr>
-                            </m:sSupPr>
-                            <m:e>
-                              <m:r>
-                                <a:rPr lang="en-CA" b="0" i="1" smtClean="0">
-                                  <a:latin typeface="Cambria Math" panose="02040503050406030204" pitchFamily="18" charset="0"/>
-                                </a:rPr>
-                                <m:t>𝜕</m:t>
-                              </m:r>
-                            </m:e>
-                            <m:sup>
-                              <m:r>
-                                <a:rPr lang="en-CA" b="0" i="1" smtClean="0">
-                                  <a:latin typeface="Cambria Math" panose="02040503050406030204" pitchFamily="18" charset="0"/>
-                                </a:rPr>
-                                <m:t>2</m:t>
-                              </m:r>
-                            </m:sup>
-                          </m:sSup>
-                          <m:r>
-                            <a:rPr lang="en-CA" b="0" i="1" smtClean="0">
-                              <a:latin typeface="Cambria Math" panose="02040503050406030204" pitchFamily="18" charset="0"/>
-                            </a:rPr>
-                            <m:t>𝑓</m:t>
-                          </m:r>
-                        </m:num>
-                        <m:den>
-                          <m:r>
-                            <a:rPr lang="en-CA" b="0" i="1" smtClean="0">
-                              <a:latin typeface="Cambria Math" panose="02040503050406030204" pitchFamily="18" charset="0"/>
-                            </a:rPr>
-                            <m:t>𝜕</m:t>
-                          </m:r>
-                          <m:sSup>
-                            <m:sSupPr>
-                              <m:ctrlPr>
-                                <a:rPr lang="en-CA" b="0" i="1" smtClean="0">
-                                  <a:latin typeface="Cambria Math" panose="02040503050406030204" pitchFamily="18" charset="0"/>
-                                </a:rPr>
-                              </m:ctrlPr>
-                            </m:sSupPr>
-                            <m:e>
-                              <m:r>
-                                <a:rPr lang="en-CA" b="0" i="1" smtClean="0">
-                                  <a:latin typeface="Cambria Math" panose="02040503050406030204" pitchFamily="18" charset="0"/>
-                                </a:rPr>
-                                <m:t>𝑥</m:t>
-                              </m:r>
-                            </m:e>
-                            <m:sup>
-                              <m:r>
-                                <a:rPr lang="en-CA" b="0" i="1" smtClean="0">
-                                  <a:latin typeface="Cambria Math" panose="02040503050406030204" pitchFamily="18" charset="0"/>
-                                </a:rPr>
-                                <m:t>2</m:t>
-                              </m:r>
-                            </m:sup>
-                          </m:sSup>
-                        </m:den>
-                      </m:f>
-                      <m:r>
-                        <a:rPr lang="en-CA" b="0" i="1" smtClean="0">
-                          <a:latin typeface="Cambria Math" panose="02040503050406030204" pitchFamily="18" charset="0"/>
-                        </a:rPr>
-                        <m:t>+</m:t>
-                      </m:r>
-                      <m:r>
-                        <a:rPr lang="en-CA" b="0" i="1" smtClean="0">
-                          <a:latin typeface="Cambria Math" panose="02040503050406030204" pitchFamily="18" charset="0"/>
-                        </a:rPr>
-                        <m:t>𝐵</m:t>
-                      </m:r>
-                      <m:f>
-                        <m:fPr>
-                          <m:ctrlPr>
-                            <a:rPr lang="en-CA" b="0" i="1" smtClean="0">
-                              <a:latin typeface="Cambria Math" panose="02040503050406030204" pitchFamily="18" charset="0"/>
-                            </a:rPr>
-                          </m:ctrlPr>
-                        </m:fPr>
-                        <m:num>
-                          <m:sSup>
-                            <m:sSupPr>
-                              <m:ctrlPr>
-                                <a:rPr lang="en-CA" b="0" i="1" smtClean="0">
-                                  <a:latin typeface="Cambria Math" panose="02040503050406030204" pitchFamily="18" charset="0"/>
-                                </a:rPr>
-                              </m:ctrlPr>
-                            </m:sSupPr>
-                            <m:e>
-                              <m:r>
-                                <a:rPr lang="en-CA" b="0" i="1" smtClean="0">
-                                  <a:latin typeface="Cambria Math" panose="02040503050406030204" pitchFamily="18" charset="0"/>
-                                </a:rPr>
-                                <m:t>𝜕</m:t>
-                              </m:r>
-                            </m:e>
-                            <m:sup>
-                              <m:r>
-                                <a:rPr lang="en-CA" b="0" i="1" smtClean="0">
-                                  <a:latin typeface="Cambria Math" panose="02040503050406030204" pitchFamily="18" charset="0"/>
-                                </a:rPr>
-                                <m:t>2</m:t>
-                              </m:r>
-                            </m:sup>
-                          </m:sSup>
-                          <m:r>
-                            <a:rPr lang="en-CA" b="0" i="1" smtClean="0">
-                              <a:latin typeface="Cambria Math" panose="02040503050406030204" pitchFamily="18" charset="0"/>
-                            </a:rPr>
-                            <m:t>𝑓</m:t>
-                          </m:r>
-                        </m:num>
-                        <m:den>
-                          <m:r>
-                            <a:rPr lang="en-CA" b="0" i="1" smtClean="0">
-                              <a:latin typeface="Cambria Math" panose="02040503050406030204" pitchFamily="18" charset="0"/>
-                            </a:rPr>
-                            <m:t>𝜕</m:t>
-                          </m:r>
-                          <m:r>
-                            <a:rPr lang="en-CA" b="0" i="1" smtClean="0">
-                              <a:latin typeface="Cambria Math" panose="02040503050406030204" pitchFamily="18" charset="0"/>
-                            </a:rPr>
-                            <m:t>𝑥</m:t>
-                          </m:r>
-                          <m:r>
-                            <a:rPr lang="en-CA" b="0" i="1" smtClean="0">
-                              <a:latin typeface="Cambria Math" panose="02040503050406030204" pitchFamily="18" charset="0"/>
-                            </a:rPr>
-                            <m:t>𝜕</m:t>
-                          </m:r>
-                          <m:r>
-                            <a:rPr lang="en-CA" b="0" i="1" smtClean="0">
-                              <a:latin typeface="Cambria Math" panose="02040503050406030204" pitchFamily="18" charset="0"/>
-                            </a:rPr>
-                            <m:t>𝑡</m:t>
-                          </m:r>
-                        </m:den>
-                      </m:f>
-                      <m:r>
-                        <a:rPr lang="en-CA" b="0" i="1" smtClean="0">
-                          <a:latin typeface="Cambria Math" panose="02040503050406030204" pitchFamily="18" charset="0"/>
-                        </a:rPr>
-                        <m:t>+</m:t>
-                      </m:r>
-                      <m:r>
-                        <a:rPr lang="en-CA" b="0" i="1" smtClean="0">
-                          <a:latin typeface="Cambria Math" panose="02040503050406030204" pitchFamily="18" charset="0"/>
-                        </a:rPr>
-                        <m:t>𝐶</m:t>
-                      </m:r>
-                      <m:f>
-                        <m:fPr>
-                          <m:ctrlPr>
-                            <a:rPr lang="en-CA" b="0" i="1" smtClean="0">
-                              <a:latin typeface="Cambria Math" panose="02040503050406030204" pitchFamily="18" charset="0"/>
-                            </a:rPr>
-                          </m:ctrlPr>
-                        </m:fPr>
-                        <m:num>
-                          <m:sSup>
-                            <m:sSupPr>
-                              <m:ctrlPr>
-                                <a:rPr lang="en-CA" b="0" i="1" smtClean="0">
-                                  <a:latin typeface="Cambria Math" panose="02040503050406030204" pitchFamily="18" charset="0"/>
-                                </a:rPr>
-                              </m:ctrlPr>
-                            </m:sSupPr>
-                            <m:e>
-                              <m:r>
-                                <a:rPr lang="en-CA" b="0" i="1" smtClean="0">
-                                  <a:latin typeface="Cambria Math" panose="02040503050406030204" pitchFamily="18" charset="0"/>
-                                </a:rPr>
-                                <m:t>𝜕</m:t>
-                              </m:r>
-                            </m:e>
-                            <m:sup>
-                              <m:r>
-                                <a:rPr lang="en-CA" b="0" i="1" smtClean="0">
-                                  <a:latin typeface="Cambria Math" panose="02040503050406030204" pitchFamily="18" charset="0"/>
-                                </a:rPr>
-                                <m:t>2</m:t>
-                              </m:r>
-                            </m:sup>
-                          </m:sSup>
-                          <m:r>
-                            <a:rPr lang="en-CA" b="0" i="1" smtClean="0">
-                              <a:latin typeface="Cambria Math" panose="02040503050406030204" pitchFamily="18" charset="0"/>
-                            </a:rPr>
-                            <m:t>𝑓</m:t>
-                          </m:r>
-                        </m:num>
-                        <m:den>
-                          <m:r>
-                            <a:rPr lang="en-CA" b="0" i="1" smtClean="0">
-                              <a:latin typeface="Cambria Math" panose="02040503050406030204" pitchFamily="18" charset="0"/>
-                            </a:rPr>
-                            <m:t>𝜕</m:t>
-                          </m:r>
-                          <m:sSup>
-                            <m:sSupPr>
-                              <m:ctrlPr>
-                                <a:rPr lang="en-CA" b="0" i="1" smtClean="0">
-                                  <a:latin typeface="Cambria Math" panose="02040503050406030204" pitchFamily="18" charset="0"/>
-                                </a:rPr>
-                              </m:ctrlPr>
-                            </m:sSupPr>
-                            <m:e>
-                              <m:r>
-                                <a:rPr lang="en-CA" b="0" i="1" smtClean="0">
-                                  <a:latin typeface="Cambria Math" panose="02040503050406030204" pitchFamily="18" charset="0"/>
-                                </a:rPr>
-                                <m:t>𝑡</m:t>
-                              </m:r>
-                            </m:e>
-                            <m:sup>
-                              <m:r>
-                                <a:rPr lang="en-CA" b="0" i="1" smtClean="0">
-                                  <a:latin typeface="Cambria Math" panose="02040503050406030204" pitchFamily="18" charset="0"/>
-                                </a:rPr>
-                                <m:t>2</m:t>
-                              </m:r>
-                            </m:sup>
-                          </m:sSup>
-                        </m:den>
-                      </m:f>
-                      <m:r>
-                        <a:rPr lang="en-CA" b="0" i="1" smtClean="0">
-                          <a:latin typeface="Cambria Math" panose="02040503050406030204" pitchFamily="18" charset="0"/>
-                        </a:rPr>
-                        <m:t>=0</m:t>
-                      </m:r>
-                    </m:oMath>
-                  </m:oMathPara>
+                  <m:oMath xmlns:m="http://schemas.openxmlformats.org/officeDocument/2006/math">
+                    <m:r>
+                      <a:rPr lang="en-CA" b="0" i="1" smtClean="0">
+                        <a:latin typeface="Cambria Math" panose="02040503050406030204" pitchFamily="18" charset="0"/>
+                      </a:rPr>
+                      <m:t>𝐴</m:t>
+                    </m:r>
+                    <m:f>
+                      <m:fPr>
+                        <m:ctrlPr>
+                          <a:rPr lang="en-CA" b="0" i="1" smtClean="0">
+                            <a:latin typeface="Cambria Math" panose="02040503050406030204" pitchFamily="18" charset="0"/>
+                          </a:rPr>
+                        </m:ctrlPr>
+                      </m:fPr>
+                      <m:num>
+                        <m:sSup>
+                          <m:sSupPr>
+                            <m:ctrlPr>
+                              <a:rPr lang="en-CA" b="0" i="1" smtClean="0">
+                                <a:latin typeface="Cambria Math" panose="02040503050406030204" pitchFamily="18" charset="0"/>
+                              </a:rPr>
+                            </m:ctrlPr>
+                          </m:sSupPr>
+                          <m:e>
+                            <m:r>
+                              <a:rPr lang="en-CA" b="0" i="1" smtClean="0">
+                                <a:latin typeface="Cambria Math" panose="02040503050406030204" pitchFamily="18" charset="0"/>
+                              </a:rPr>
+                              <m:t>𝜕</m:t>
+                            </m:r>
+                          </m:e>
+                          <m:sup>
+                            <m:r>
+                              <a:rPr lang="en-CA" b="0" i="1" smtClean="0">
+                                <a:latin typeface="Cambria Math" panose="02040503050406030204" pitchFamily="18" charset="0"/>
+                              </a:rPr>
+                              <m:t>2</m:t>
+                            </m:r>
+                          </m:sup>
+                        </m:sSup>
+                        <m:r>
+                          <a:rPr lang="en-CA" b="0" i="1" smtClean="0">
+                            <a:latin typeface="Cambria Math" panose="02040503050406030204" pitchFamily="18" charset="0"/>
+                          </a:rPr>
+                          <m:t>𝑓</m:t>
+                        </m:r>
+                      </m:num>
+                      <m:den>
+                        <m:r>
+                          <a:rPr lang="en-CA" b="0" i="1" smtClean="0">
+                            <a:latin typeface="Cambria Math" panose="02040503050406030204" pitchFamily="18" charset="0"/>
+                          </a:rPr>
+                          <m:t>𝜕</m:t>
+                        </m:r>
+                        <m:sSup>
+                          <m:sSupPr>
+                            <m:ctrlPr>
+                              <a:rPr lang="en-CA" b="0" i="1" smtClean="0">
+                                <a:latin typeface="Cambria Math" panose="02040503050406030204" pitchFamily="18" charset="0"/>
+                              </a:rPr>
+                            </m:ctrlPr>
+                          </m:sSupPr>
+                          <m:e>
+                            <m:r>
+                              <a:rPr lang="en-CA" b="0" i="1" smtClean="0">
+                                <a:latin typeface="Cambria Math" panose="02040503050406030204" pitchFamily="18" charset="0"/>
+                              </a:rPr>
+                              <m:t>𝑥</m:t>
+                            </m:r>
+                          </m:e>
+                          <m:sup>
+                            <m:r>
+                              <a:rPr lang="en-CA" b="0" i="1" smtClean="0">
+                                <a:latin typeface="Cambria Math" panose="02040503050406030204" pitchFamily="18" charset="0"/>
+                              </a:rPr>
+                              <m:t>2</m:t>
+                            </m:r>
+                          </m:sup>
+                        </m:sSup>
+                      </m:den>
+                    </m:f>
+                    <m:r>
+                      <a:rPr lang="en-CA" b="0" i="1" smtClean="0">
+                        <a:latin typeface="Cambria Math" panose="02040503050406030204" pitchFamily="18" charset="0"/>
+                      </a:rPr>
+                      <m:t>+</m:t>
+                    </m:r>
+                    <m:r>
+                      <a:rPr lang="en-CA" b="0" i="1" smtClean="0">
+                        <a:latin typeface="Cambria Math" panose="02040503050406030204" pitchFamily="18" charset="0"/>
+                      </a:rPr>
+                      <m:t>𝐵</m:t>
+                    </m:r>
+                    <m:f>
+                      <m:fPr>
+                        <m:ctrlPr>
+                          <a:rPr lang="en-CA" b="0" i="1" smtClean="0">
+                            <a:latin typeface="Cambria Math" panose="02040503050406030204" pitchFamily="18" charset="0"/>
+                          </a:rPr>
+                        </m:ctrlPr>
+                      </m:fPr>
+                      <m:num>
+                        <m:sSup>
+                          <m:sSupPr>
+                            <m:ctrlPr>
+                              <a:rPr lang="en-CA" b="0" i="1" smtClean="0">
+                                <a:latin typeface="Cambria Math" panose="02040503050406030204" pitchFamily="18" charset="0"/>
+                              </a:rPr>
+                            </m:ctrlPr>
+                          </m:sSupPr>
+                          <m:e>
+                            <m:r>
+                              <a:rPr lang="en-CA" b="0" i="1" smtClean="0">
+                                <a:latin typeface="Cambria Math" panose="02040503050406030204" pitchFamily="18" charset="0"/>
+                              </a:rPr>
+                              <m:t>𝜕</m:t>
+                            </m:r>
+                          </m:e>
+                          <m:sup>
+                            <m:r>
+                              <a:rPr lang="en-CA" b="0" i="1" smtClean="0">
+                                <a:latin typeface="Cambria Math" panose="02040503050406030204" pitchFamily="18" charset="0"/>
+                              </a:rPr>
+                              <m:t>2</m:t>
+                            </m:r>
+                          </m:sup>
+                        </m:sSup>
+                        <m:r>
+                          <a:rPr lang="en-CA" b="0" i="1" smtClean="0">
+                            <a:latin typeface="Cambria Math" panose="02040503050406030204" pitchFamily="18" charset="0"/>
+                          </a:rPr>
+                          <m:t>𝑓</m:t>
+                        </m:r>
+                      </m:num>
+                      <m:den>
+                        <m:r>
+                          <a:rPr lang="en-CA" b="0" i="1" smtClean="0">
+                            <a:latin typeface="Cambria Math" panose="02040503050406030204" pitchFamily="18" charset="0"/>
+                          </a:rPr>
+                          <m:t>𝜕</m:t>
+                        </m:r>
+                        <m:r>
+                          <a:rPr lang="en-CA" b="0" i="1" smtClean="0">
+                            <a:latin typeface="Cambria Math" panose="02040503050406030204" pitchFamily="18" charset="0"/>
+                          </a:rPr>
+                          <m:t>𝑥</m:t>
+                        </m:r>
+                        <m:r>
+                          <a:rPr lang="en-CA" b="0" i="1" smtClean="0">
+                            <a:latin typeface="Cambria Math" panose="02040503050406030204" pitchFamily="18" charset="0"/>
+                          </a:rPr>
+                          <m:t>𝜕</m:t>
+                        </m:r>
+                        <m:r>
+                          <a:rPr lang="en-CA" b="0" i="1" smtClean="0">
+                            <a:latin typeface="Cambria Math" panose="02040503050406030204" pitchFamily="18" charset="0"/>
+                          </a:rPr>
+                          <m:t>𝑡</m:t>
+                        </m:r>
+                      </m:den>
+                    </m:f>
+                    <m:r>
+                      <a:rPr lang="en-CA" b="0" i="1" smtClean="0">
+                        <a:latin typeface="Cambria Math" panose="02040503050406030204" pitchFamily="18" charset="0"/>
+                      </a:rPr>
+                      <m:t>+</m:t>
+                    </m:r>
+                    <m:r>
+                      <a:rPr lang="en-CA" b="0" i="1" smtClean="0">
+                        <a:latin typeface="Cambria Math" panose="02040503050406030204" pitchFamily="18" charset="0"/>
+                      </a:rPr>
+                      <m:t>𝐶</m:t>
+                    </m:r>
+                    <m:f>
+                      <m:fPr>
+                        <m:ctrlPr>
+                          <a:rPr lang="en-CA" b="0" i="1" smtClean="0">
+                            <a:latin typeface="Cambria Math" panose="02040503050406030204" pitchFamily="18" charset="0"/>
+                          </a:rPr>
+                        </m:ctrlPr>
+                      </m:fPr>
+                      <m:num>
+                        <m:sSup>
+                          <m:sSupPr>
+                            <m:ctrlPr>
+                              <a:rPr lang="en-CA" b="0" i="1" smtClean="0">
+                                <a:latin typeface="Cambria Math" panose="02040503050406030204" pitchFamily="18" charset="0"/>
+                              </a:rPr>
+                            </m:ctrlPr>
+                          </m:sSupPr>
+                          <m:e>
+                            <m:r>
+                              <a:rPr lang="en-CA" b="0" i="1" smtClean="0">
+                                <a:latin typeface="Cambria Math" panose="02040503050406030204" pitchFamily="18" charset="0"/>
+                              </a:rPr>
+                              <m:t>𝜕</m:t>
+                            </m:r>
+                          </m:e>
+                          <m:sup>
+                            <m:r>
+                              <a:rPr lang="en-CA" b="0" i="1" smtClean="0">
+                                <a:latin typeface="Cambria Math" panose="02040503050406030204" pitchFamily="18" charset="0"/>
+                              </a:rPr>
+                              <m:t>2</m:t>
+                            </m:r>
+                          </m:sup>
+                        </m:sSup>
+                        <m:r>
+                          <a:rPr lang="en-CA" b="0" i="1" smtClean="0">
+                            <a:latin typeface="Cambria Math" panose="02040503050406030204" pitchFamily="18" charset="0"/>
+                          </a:rPr>
+                          <m:t>𝑓</m:t>
+                        </m:r>
+                      </m:num>
+                      <m:den>
+                        <m:r>
+                          <a:rPr lang="en-CA" b="0" i="1" smtClean="0">
+                            <a:latin typeface="Cambria Math" panose="02040503050406030204" pitchFamily="18" charset="0"/>
+                          </a:rPr>
+                          <m:t>𝜕</m:t>
+                        </m:r>
+                        <m:sSup>
+                          <m:sSupPr>
+                            <m:ctrlPr>
+                              <a:rPr lang="en-CA" b="0" i="1" smtClean="0">
+                                <a:latin typeface="Cambria Math" panose="02040503050406030204" pitchFamily="18" charset="0"/>
+                              </a:rPr>
+                            </m:ctrlPr>
+                          </m:sSupPr>
+                          <m:e>
+                            <m:r>
+                              <a:rPr lang="en-CA" b="0" i="1" smtClean="0">
+                                <a:latin typeface="Cambria Math" panose="02040503050406030204" pitchFamily="18" charset="0"/>
+                              </a:rPr>
+                              <m:t>𝑡</m:t>
+                            </m:r>
+                          </m:e>
+                          <m:sup>
+                            <m:r>
+                              <a:rPr lang="en-CA" b="0" i="1" smtClean="0">
+                                <a:latin typeface="Cambria Math" panose="02040503050406030204" pitchFamily="18" charset="0"/>
+                              </a:rPr>
+                              <m:t>2</m:t>
+                            </m:r>
+                          </m:sup>
+                        </m:sSup>
+                      </m:den>
+                    </m:f>
+                    <m:r>
+                      <a:rPr lang="en-CA" b="0" i="1" smtClean="0">
+                        <a:latin typeface="Cambria Math" panose="02040503050406030204" pitchFamily="18" charset="0"/>
+                      </a:rPr>
+                      <m:t>=0</m:t>
+                    </m:r>
+                  </m:oMath>
                 </a14:m>
                 <a:endParaRPr lang="en-CA" b="0" dirty="0"/>
               </a:p>
@@ -6720,7 +10231,7 @@
               <a:p>
                 <a:r>
                   <a:rPr lang="en-CA" dirty="0"/>
-                  <a:t>Si EC &lt;0 : EDP </a:t>
+                  <a:t>Si EC &lt; 0 : EDP </a:t>
                 </a:r>
                 <a:r>
                   <a:rPr lang="en-CA" dirty="0" err="1"/>
@@ -6731,7 +10242,7 @@
               <a:p>
                 <a:r>
                   <a:rPr lang="en-CA" dirty="0"/>
-                  <a:t>Si EC =0 : EDP </a:t>
+                  <a:t>Si EC = 0 : EDP </a:t>
                 </a:r>
                 <a:r>
                   <a:rPr lang="en-CA" dirty="0" err="1"/>
@@ -6742,7 +10253,7 @@
               <a:p>
                 <a:r>
                   <a:rPr lang="en-CA" dirty="0"/>
-                  <a:t>Si EC &gt;0 : EDP </a:t>
+                  <a:t>Si EC &gt; 0 : EDP </a:t>
                 </a:r>
                 <a:r>
                   <a:rPr lang="en-CA" dirty="0" err="1"/>
@@ -7139,7 +10650,7 @@
                         <a:rPr lang="en-CA" b="0" i="1" smtClean="0">
                           <a:latin typeface="Cambria Math" panose="02040503050406030204" pitchFamily="18" charset="0"/>
                         </a:rPr>
-                        <m:t>=0−0</m:t>
+                        <m:t>=0−4∗0∗</m:t>
                       </m:r>
                       <m:d>
                         <m:dPr>
@@ -7234,13 +10745,13 @@
             </p:nvSpPr>
             <p:spPr>
               <a:xfrm>
-                <a:off x="838200" y="1386347"/>
-                <a:ext cx="10515600" cy="4987260"/>
+                <a:off x="838200" y="1543665"/>
+                <a:ext cx="10515600" cy="4829942"/>
               </a:xfrm>
               <a:blipFill>
                 <a:blip r:embed="rId2"/>
                 <a:stretch>
-                  <a:fillRect l="-232" t="-1221"/>
+                  <a:fillRect l="-232" t="-1261"/>
                 </a:stretch>
               </a:blipFill>
             </p:spPr>
@@ -7332,8 +10843,8 @@
           </a:p>
         </p:txBody>
       </p:sp>
-      <mc:AlternateContent xmlns:mc="http://schemas.openxmlformats.org/markup-compatibility/2006">
-        <mc:Choice xmlns:a14="http://schemas.microsoft.com/office/drawing/2010/main" Requires="a14">
+      <mc:AlternateContent xmlns:mc="http://schemas.openxmlformats.org/markup-compatibility/2006" xmlns:a14="http://schemas.microsoft.com/office/drawing/2010/main">
+        <mc:Choice Requires="a14">
           <p:sp>
             <p:nvSpPr>
               <p:cNvPr id="3" name="Content Placeholder 2">
@@ -8490,7 +12001,7 @@
             </p:txBody>
           </p:sp>
         </mc:Choice>
-        <mc:Fallback>
+        <mc:Fallback xmlns="">
           <p:sp>
             <p:nvSpPr>
               <p:cNvPr id="3" name="Content Placeholder 2">
@@ -8605,107 +12116,970 @@
           </a:p>
         </p:txBody>
       </p:sp>
+      <mc:AlternateContent xmlns:mc="http://schemas.openxmlformats.org/markup-compatibility/2006">
+        <mc:Choice xmlns:a14="http://schemas.microsoft.com/office/drawing/2010/main" Requires="a14">
+          <p:sp>
+            <p:nvSpPr>
+              <p:cNvPr id="3" name="Content Placeholder 2">
+                <a:extLst>
+                  <a:ext uri="{FF2B5EF4-FFF2-40B4-BE49-F238E27FC236}">
+                    <a16:creationId xmlns:a16="http://schemas.microsoft.com/office/drawing/2014/main" id="{A288ADA9-69BB-35AD-3B5E-4F651B79D01C}"/>
+                  </a:ext>
+                </a:extLst>
+              </p:cNvPr>
+              <p:cNvSpPr>
+                <a:spLocks noGrp="1"/>
+              </p:cNvSpPr>
+              <p:nvPr>
+                <p:ph idx="1"/>
+              </p:nvPr>
+            </p:nvSpPr>
+            <p:spPr>
+              <a:xfrm>
+                <a:off x="838200" y="1550322"/>
+                <a:ext cx="10515600" cy="947072"/>
+              </a:xfrm>
+            </p:spPr>
+            <p:txBody>
+              <a:bodyPr/>
+              <a:lstStyle/>
+              <a:p>
+                <a:pPr marL="0" indent="0">
+                  <a:buNone/>
+                </a:pPr>
+                <a:r>
+                  <a:rPr lang="en-CA" dirty="0"/>
+                  <a:t>A cause de </a:t>
+                </a:r>
+                <a:r>
+                  <a:rPr lang="en-CA" dirty="0" err="1"/>
+                  <a:t>l’axisymétrie</a:t>
+                </a:r>
+                <a:r>
+                  <a:rPr lang="en-CA" dirty="0"/>
+                  <a:t>, et </a:t>
+                </a:r>
+                <a:r>
+                  <a:rPr lang="en-CA" dirty="0" err="1"/>
+                  <a:t>l’unidimensionnalité</a:t>
+                </a:r>
+                <a:r>
+                  <a:rPr lang="en-CA" dirty="0"/>
+                  <a:t> du </a:t>
+                </a:r>
+                <a:r>
+                  <a:rPr lang="en-CA" dirty="0" err="1"/>
+                  <a:t>problème</a:t>
+                </a:r>
+                <a:r>
+                  <a:rPr lang="en-CA" dirty="0"/>
+                  <a:t>, le </a:t>
+                </a:r>
+                <a:r>
+                  <a:rPr lang="en-CA" dirty="0" err="1"/>
+                  <a:t>domaine</a:t>
+                </a:r>
+                <a:r>
+                  <a:rPr lang="en-CA" dirty="0"/>
+                  <a:t> </a:t>
+                </a:r>
+                <a:r>
+                  <a:rPr lang="en-CA" dirty="0" err="1"/>
+                  <a:t>est</a:t>
+                </a:r>
+                <a:r>
+                  <a:rPr lang="en-CA" dirty="0"/>
+                  <a:t> </a:t>
+                </a:r>
+                <a14:m>
+                  <m:oMath xmlns:m="http://schemas.openxmlformats.org/officeDocument/2006/math">
+                    <m:r>
+                      <a:rPr lang="en-US" b="0" i="1" smtClean="0">
+                        <a:latin typeface="Cambria Math" panose="02040503050406030204" pitchFamily="18" charset="0"/>
+                      </a:rPr>
+                      <m:t>𝑟</m:t>
+                    </m:r>
+                    <m:r>
+                      <a:rPr lang="en-US" b="0" i="1" smtClean="0">
+                        <a:latin typeface="Cambria Math" panose="02040503050406030204" pitchFamily="18" charset="0"/>
+                      </a:rPr>
+                      <m:t>∈[0,</m:t>
+                    </m:r>
+                    <m:r>
+                      <a:rPr lang="en-US" b="0" i="1" smtClean="0">
+                        <a:latin typeface="Cambria Math" panose="02040503050406030204" pitchFamily="18" charset="0"/>
+                      </a:rPr>
+                      <m:t>𝑅</m:t>
+                    </m:r>
+                    <m:r>
+                      <a:rPr lang="en-US" b="0" i="1" smtClean="0">
+                        <a:latin typeface="Cambria Math" panose="02040503050406030204" pitchFamily="18" charset="0"/>
+                      </a:rPr>
+                      <m:t>]</m:t>
+                    </m:r>
+                  </m:oMath>
+                </a14:m>
+                <a:r>
+                  <a:rPr lang="en-CA" dirty="0"/>
+                  <a:t> avec R=1m. </a:t>
+                </a:r>
+                <a:r>
+                  <a:rPr lang="en-CA" dirty="0" err="1"/>
+                  <a:t>D’où</a:t>
+                </a:r>
+                <a:r>
+                  <a:rPr lang="en-CA" dirty="0"/>
+                  <a:t> la </a:t>
+                </a:r>
+                <a:r>
+                  <a:rPr lang="en-CA" dirty="0" err="1"/>
+                  <a:t>discrétisation</a:t>
+                </a:r>
+                <a:r>
+                  <a:rPr lang="en-CA" dirty="0"/>
+                  <a:t>:</a:t>
+                </a:r>
+              </a:p>
+            </p:txBody>
+          </p:sp>
+        </mc:Choice>
+        <mc:Fallback>
+          <p:sp>
+            <p:nvSpPr>
+              <p:cNvPr id="3" name="Content Placeholder 2">
+                <a:extLst>
+                  <a:ext uri="{FF2B5EF4-FFF2-40B4-BE49-F238E27FC236}">
+                    <a16:creationId xmlns:a16="http://schemas.microsoft.com/office/drawing/2014/main" id="{A288ADA9-69BB-35AD-3B5E-4F651B79D01C}"/>
+                  </a:ext>
+                </a:extLst>
+              </p:cNvPr>
+              <p:cNvSpPr>
+                <a:spLocks noGrp="1" noRot="1" noChangeAspect="1" noMove="1" noResize="1" noEditPoints="1" noAdjustHandles="1" noChangeArrowheads="1" noChangeShapeType="1" noTextEdit="1"/>
+              </p:cNvSpPr>
+              <p:nvPr>
+                <p:ph idx="1"/>
+              </p:nvPr>
+            </p:nvSpPr>
+            <p:spPr>
+              <a:xfrm>
+                <a:off x="838200" y="1550322"/>
+                <a:ext cx="10515600" cy="947072"/>
+              </a:xfrm>
+              <a:blipFill>
+                <a:blip r:embed="rId2"/>
+                <a:stretch>
+                  <a:fillRect l="-1217" t="-10897" b="-8333"/>
+                </a:stretch>
+              </a:blipFill>
+            </p:spPr>
+            <p:txBody>
+              <a:bodyPr/>
+              <a:lstStyle/>
+              <a:p>
+                <a:r>
+                  <a:rPr lang="en-CA">
+                    <a:noFill/>
+                  </a:rPr>
+                  <a:t> </a:t>
+                </a:r>
+              </a:p>
+            </p:txBody>
+          </p:sp>
+        </mc:Fallback>
+      </mc:AlternateContent>
       <p:sp>
         <p:nvSpPr>
-          <p:cNvPr id="3" name="Content Placeholder 2">
+          <p:cNvPr id="4" name="Oval 3">
             <a:extLst>
               <a:ext uri="{FF2B5EF4-FFF2-40B4-BE49-F238E27FC236}">
-                <a16:creationId xmlns:a16="http://schemas.microsoft.com/office/drawing/2014/main" id="{A288ADA9-69BB-35AD-3B5E-4F651B79D01C}"/>
+                <a16:creationId xmlns:a16="http://schemas.microsoft.com/office/drawing/2014/main" id="{216AF41A-CB93-8178-E01E-30B8BAA55803}"/>
               </a:ext>
             </a:extLst>
           </p:cNvPr>
-          <p:cNvSpPr>
-            <a:spLocks noGrp="1"/>
-          </p:cNvSpPr>
-          <p:nvPr>
-            <p:ph idx="1"/>
-          </p:nvPr>
+          <p:cNvSpPr/>
+          <p:nvPr/>
         </p:nvSpPr>
-        <p:spPr/>
+        <p:spPr>
+          <a:xfrm>
+            <a:off x="3637935" y="2497394"/>
+            <a:ext cx="4041058" cy="4041058"/>
+          </a:xfrm>
+          <a:prstGeom prst="ellipse">
+            <a:avLst/>
+          </a:prstGeom>
+        </p:spPr>
+        <p:style>
+          <a:lnRef idx="2">
+            <a:schemeClr val="accent1"/>
+          </a:lnRef>
+          <a:fillRef idx="1">
+            <a:schemeClr val="lt1"/>
+          </a:fillRef>
+          <a:effectRef idx="0">
+            <a:schemeClr val="accent1"/>
+          </a:effectRef>
+          <a:fontRef idx="minor">
+            <a:schemeClr val="dk1"/>
+          </a:fontRef>
+        </p:style>
         <p:txBody>
-          <a:bodyPr/>
+          <a:bodyPr rtlCol="0" anchor="ctr"/>
+          <a:lstStyle/>
+          <a:p>
+            <a:pPr algn="ctr"/>
+            <a:endParaRPr lang="en-CA"/>
+          </a:p>
+        </p:txBody>
+      </p:sp>
+      <p:cxnSp>
+        <p:nvCxnSpPr>
+          <p:cNvPr id="6" name="Straight Arrow Connector 5">
+            <a:extLst>
+              <a:ext uri="{FF2B5EF4-FFF2-40B4-BE49-F238E27FC236}">
+                <a16:creationId xmlns:a16="http://schemas.microsoft.com/office/drawing/2014/main" id="{843B6F68-F014-E7C3-620C-F01934B5721F}"/>
+              </a:ext>
+            </a:extLst>
+          </p:cNvPr>
+          <p:cNvCxnSpPr/>
+          <p:nvPr/>
+        </p:nvCxnSpPr>
+        <p:spPr>
+          <a:xfrm>
+            <a:off x="5658464" y="4517923"/>
+            <a:ext cx="3505201" cy="0"/>
+          </a:xfrm>
+          <a:prstGeom prst="straightConnector1">
+            <a:avLst/>
+          </a:prstGeom>
+          <a:ln>
+            <a:tailEnd type="triangle"/>
+          </a:ln>
+        </p:spPr>
+        <p:style>
+          <a:lnRef idx="2">
+            <a:schemeClr val="accent1"/>
+          </a:lnRef>
+          <a:fillRef idx="0">
+            <a:schemeClr val="accent1"/>
+          </a:fillRef>
+          <a:effectRef idx="1">
+            <a:schemeClr val="accent1"/>
+          </a:effectRef>
+          <a:fontRef idx="minor">
+            <a:schemeClr val="tx1"/>
+          </a:fontRef>
+        </p:style>
+      </p:cxnSp>
+      <p:sp>
+        <p:nvSpPr>
+          <p:cNvPr id="7" name="Oval 6">
+            <a:extLst>
+              <a:ext uri="{FF2B5EF4-FFF2-40B4-BE49-F238E27FC236}">
+                <a16:creationId xmlns:a16="http://schemas.microsoft.com/office/drawing/2014/main" id="{243B0658-BF75-B86C-65F1-30C6DA48C0DA}"/>
+              </a:ext>
+            </a:extLst>
+          </p:cNvPr>
+          <p:cNvSpPr/>
+          <p:nvPr/>
+        </p:nvSpPr>
+        <p:spPr>
+          <a:xfrm>
+            <a:off x="5599582" y="4459041"/>
+            <a:ext cx="117764" cy="117764"/>
+          </a:xfrm>
+          <a:prstGeom prst="ellipse">
+            <a:avLst/>
+          </a:prstGeom>
+        </p:spPr>
+        <p:style>
+          <a:lnRef idx="2">
+            <a:schemeClr val="accent1">
+              <a:shade val="15000"/>
+            </a:schemeClr>
+          </a:lnRef>
+          <a:fillRef idx="1">
+            <a:schemeClr val="accent1"/>
+          </a:fillRef>
+          <a:effectRef idx="0">
+            <a:schemeClr val="accent1"/>
+          </a:effectRef>
+          <a:fontRef idx="minor">
+            <a:schemeClr val="lt1"/>
+          </a:fontRef>
+        </p:style>
+        <p:txBody>
+          <a:bodyPr rtlCol="0" anchor="ctr"/>
+          <a:lstStyle/>
+          <a:p>
+            <a:pPr algn="ctr"/>
+            <a:endParaRPr lang="en-CA"/>
+          </a:p>
+        </p:txBody>
+      </p:sp>
+      <p:sp>
+        <p:nvSpPr>
+          <p:cNvPr id="8" name="Oval 7">
+            <a:extLst>
+              <a:ext uri="{FF2B5EF4-FFF2-40B4-BE49-F238E27FC236}">
+                <a16:creationId xmlns:a16="http://schemas.microsoft.com/office/drawing/2014/main" id="{C9D1F5B6-3219-5A1E-A7FB-31C696A28270}"/>
+              </a:ext>
+            </a:extLst>
+          </p:cNvPr>
+          <p:cNvSpPr/>
+          <p:nvPr/>
+        </p:nvSpPr>
+        <p:spPr>
+          <a:xfrm>
+            <a:off x="7620111" y="4459041"/>
+            <a:ext cx="117764" cy="117764"/>
+          </a:xfrm>
+          <a:prstGeom prst="ellipse">
+            <a:avLst/>
+          </a:prstGeom>
+        </p:spPr>
+        <p:style>
+          <a:lnRef idx="2">
+            <a:schemeClr val="accent1">
+              <a:shade val="15000"/>
+            </a:schemeClr>
+          </a:lnRef>
+          <a:fillRef idx="1">
+            <a:schemeClr val="accent1"/>
+          </a:fillRef>
+          <a:effectRef idx="0">
+            <a:schemeClr val="accent1"/>
+          </a:effectRef>
+          <a:fontRef idx="minor">
+            <a:schemeClr val="lt1"/>
+          </a:fontRef>
+        </p:style>
+        <p:txBody>
+          <a:bodyPr rtlCol="0" anchor="ctr"/>
+          <a:lstStyle/>
+          <a:p>
+            <a:pPr algn="ctr"/>
+            <a:endParaRPr lang="en-CA"/>
+          </a:p>
+        </p:txBody>
+      </p:sp>
+      <p:sp>
+        <p:nvSpPr>
+          <p:cNvPr id="9" name="Oval 8">
+            <a:extLst>
+              <a:ext uri="{FF2B5EF4-FFF2-40B4-BE49-F238E27FC236}">
+                <a16:creationId xmlns:a16="http://schemas.microsoft.com/office/drawing/2014/main" id="{57B4549F-B091-6BFB-6F29-4471620DE77C}"/>
+              </a:ext>
+            </a:extLst>
+          </p:cNvPr>
+          <p:cNvSpPr/>
+          <p:nvPr/>
+        </p:nvSpPr>
+        <p:spPr>
+          <a:xfrm>
+            <a:off x="6609846" y="4459041"/>
+            <a:ext cx="117764" cy="117764"/>
+          </a:xfrm>
+          <a:prstGeom prst="ellipse">
+            <a:avLst/>
+          </a:prstGeom>
+        </p:spPr>
+        <p:style>
+          <a:lnRef idx="2">
+            <a:schemeClr val="accent1">
+              <a:shade val="15000"/>
+            </a:schemeClr>
+          </a:lnRef>
+          <a:fillRef idx="1">
+            <a:schemeClr val="accent1"/>
+          </a:fillRef>
+          <a:effectRef idx="0">
+            <a:schemeClr val="accent1"/>
+          </a:effectRef>
+          <a:fontRef idx="minor">
+            <a:schemeClr val="lt1"/>
+          </a:fontRef>
+        </p:style>
+        <p:txBody>
+          <a:bodyPr rtlCol="0" anchor="ctr"/>
+          <a:lstStyle/>
+          <a:p>
+            <a:pPr algn="ctr"/>
+            <a:endParaRPr lang="en-CA"/>
+          </a:p>
+        </p:txBody>
+      </p:sp>
+      <p:sp>
+        <p:nvSpPr>
+          <p:cNvPr id="10" name="Oval 9">
+            <a:extLst>
+              <a:ext uri="{FF2B5EF4-FFF2-40B4-BE49-F238E27FC236}">
+                <a16:creationId xmlns:a16="http://schemas.microsoft.com/office/drawing/2014/main" id="{4B158A76-8642-2705-BFBC-3FA1A0EA7050}"/>
+              </a:ext>
+            </a:extLst>
+          </p:cNvPr>
+          <p:cNvSpPr/>
+          <p:nvPr/>
+        </p:nvSpPr>
+        <p:spPr>
+          <a:xfrm>
+            <a:off x="6104714" y="4459041"/>
+            <a:ext cx="117764" cy="117764"/>
+          </a:xfrm>
+          <a:prstGeom prst="ellipse">
+            <a:avLst/>
+          </a:prstGeom>
+        </p:spPr>
+        <p:style>
+          <a:lnRef idx="2">
+            <a:schemeClr val="accent1">
+              <a:shade val="15000"/>
+            </a:schemeClr>
+          </a:lnRef>
+          <a:fillRef idx="1">
+            <a:schemeClr val="accent1"/>
+          </a:fillRef>
+          <a:effectRef idx="0">
+            <a:schemeClr val="accent1"/>
+          </a:effectRef>
+          <a:fontRef idx="minor">
+            <a:schemeClr val="lt1"/>
+          </a:fontRef>
+        </p:style>
+        <p:txBody>
+          <a:bodyPr rtlCol="0" anchor="ctr"/>
+          <a:lstStyle/>
+          <a:p>
+            <a:pPr algn="ctr"/>
+            <a:endParaRPr lang="en-CA"/>
+          </a:p>
+        </p:txBody>
+      </p:sp>
+      <p:sp>
+        <p:nvSpPr>
+          <p:cNvPr id="11" name="Oval 10">
+            <a:extLst>
+              <a:ext uri="{FF2B5EF4-FFF2-40B4-BE49-F238E27FC236}">
+                <a16:creationId xmlns:a16="http://schemas.microsoft.com/office/drawing/2014/main" id="{0A303E3F-711A-6C06-D255-88807746A908}"/>
+              </a:ext>
+            </a:extLst>
+          </p:cNvPr>
+          <p:cNvSpPr/>
+          <p:nvPr/>
+        </p:nvSpPr>
+        <p:spPr>
+          <a:xfrm>
+            <a:off x="7114978" y="4459041"/>
+            <a:ext cx="117764" cy="117764"/>
+          </a:xfrm>
+          <a:prstGeom prst="ellipse">
+            <a:avLst/>
+          </a:prstGeom>
+        </p:spPr>
+        <p:style>
+          <a:lnRef idx="2">
+            <a:schemeClr val="accent1">
+              <a:shade val="15000"/>
+            </a:schemeClr>
+          </a:lnRef>
+          <a:fillRef idx="1">
+            <a:schemeClr val="accent1"/>
+          </a:fillRef>
+          <a:effectRef idx="0">
+            <a:schemeClr val="accent1"/>
+          </a:effectRef>
+          <a:fontRef idx="minor">
+            <a:schemeClr val="lt1"/>
+          </a:fontRef>
+        </p:style>
+        <p:txBody>
+          <a:bodyPr rtlCol="0" anchor="ctr"/>
+          <a:lstStyle/>
+          <a:p>
+            <a:pPr algn="ctr"/>
+            <a:endParaRPr lang="en-CA"/>
+          </a:p>
+        </p:txBody>
+      </p:sp>
+      <p:sp>
+        <p:nvSpPr>
+          <p:cNvPr id="12" name="TextBox 11">
+            <a:extLst>
+              <a:ext uri="{FF2B5EF4-FFF2-40B4-BE49-F238E27FC236}">
+                <a16:creationId xmlns:a16="http://schemas.microsoft.com/office/drawing/2014/main" id="{8784DC65-6C3E-61E9-0D0E-E165BF9E7734}"/>
+              </a:ext>
+            </a:extLst>
+          </p:cNvPr>
+          <p:cNvSpPr txBox="1"/>
+          <p:nvPr/>
+        </p:nvSpPr>
+        <p:spPr>
+          <a:xfrm>
+            <a:off x="9146571" y="4333257"/>
+            <a:ext cx="482562" cy="369332"/>
+          </a:xfrm>
+          <a:prstGeom prst="rect">
+            <a:avLst/>
+          </a:prstGeom>
+          <a:noFill/>
+        </p:spPr>
+        <p:txBody>
+          <a:bodyPr wrap="square" rtlCol="0">
+            <a:spAutoFit/>
+          </a:bodyPr>
           <a:lstStyle/>
           <a:p>
             <a:r>
-              <a:rPr lang="fr-FR" dirty="0"/>
-              <a:t>c. présenter en conséquence une discrétisation du domaine en </a:t>
-            </a:r>
-            <a:r>
-              <a:rPr lang="fr-FR" dirty="0" err="1"/>
-              <a:t>Ntot</a:t>
-            </a:r>
-            <a:r>
-              <a:rPr lang="fr-FR" dirty="0"/>
-              <a:t>=5 nœuds (faire un schéma et montrer la position exacte de tous les nœuds) tout en veillant à minimiser la taille des intervalles dans le but de maximiser la précision. Préciser la taille des intervalles choisis</a:t>
+              <a:rPr lang="en-US" dirty="0"/>
+              <a:t>r</a:t>
             </a:r>
             <a:endParaRPr lang="en-CA" dirty="0"/>
           </a:p>
+        </p:txBody>
+      </p:sp>
+      <p:sp>
+        <p:nvSpPr>
+          <p:cNvPr id="13" name="TextBox 12">
+            <a:extLst>
+              <a:ext uri="{FF2B5EF4-FFF2-40B4-BE49-F238E27FC236}">
+                <a16:creationId xmlns:a16="http://schemas.microsoft.com/office/drawing/2014/main" id="{E09B3318-E873-2E6A-CEEC-CB7267227DD8}"/>
+              </a:ext>
+            </a:extLst>
+          </p:cNvPr>
+          <p:cNvSpPr txBox="1"/>
+          <p:nvPr/>
+        </p:nvSpPr>
+        <p:spPr>
+          <a:xfrm>
+            <a:off x="5396461" y="4576805"/>
+            <a:ext cx="482562" cy="261610"/>
+          </a:xfrm>
+          <a:prstGeom prst="rect">
+            <a:avLst/>
+          </a:prstGeom>
+          <a:noFill/>
+        </p:spPr>
+        <p:txBody>
+          <a:bodyPr wrap="square" rtlCol="0">
+            <a:spAutoFit/>
+          </a:bodyPr>
+          <a:lstStyle/>
           <a:p>
-            <a:endParaRPr lang="en-CA" dirty="0"/>
+            <a:pPr algn="ctr"/>
+            <a:r>
+              <a:rPr lang="en-US" sz="1100" dirty="0"/>
+              <a:t>r1=0</a:t>
+            </a:r>
+            <a:endParaRPr lang="en-CA" sz="1100" dirty="0"/>
           </a:p>
+        </p:txBody>
+      </p:sp>
+      <p:sp>
+        <p:nvSpPr>
+          <p:cNvPr id="15" name="TextBox 14">
+            <a:extLst>
+              <a:ext uri="{FF2B5EF4-FFF2-40B4-BE49-F238E27FC236}">
+                <a16:creationId xmlns:a16="http://schemas.microsoft.com/office/drawing/2014/main" id="{6F204BA9-04B4-85AF-B83C-4A867E95F100}"/>
+              </a:ext>
+            </a:extLst>
+          </p:cNvPr>
+          <p:cNvSpPr txBox="1"/>
+          <p:nvPr/>
+        </p:nvSpPr>
+        <p:spPr>
+          <a:xfrm>
+            <a:off x="5837463" y="4576805"/>
+            <a:ext cx="650562" cy="261610"/>
+          </a:xfrm>
+          <a:prstGeom prst="rect">
+            <a:avLst/>
+          </a:prstGeom>
+          <a:noFill/>
+        </p:spPr>
+        <p:txBody>
+          <a:bodyPr wrap="square" rtlCol="0">
+            <a:spAutoFit/>
+          </a:bodyPr>
+          <a:lstStyle/>
           <a:p>
-            <a:endParaRPr lang="en-CA" dirty="0"/>
+            <a:pPr algn="ctr"/>
+            <a:r>
+              <a:rPr lang="en-US" sz="1100" dirty="0"/>
+              <a:t>r2=0.25</a:t>
+            </a:r>
+            <a:endParaRPr lang="en-CA" sz="1100" dirty="0"/>
           </a:p>
+        </p:txBody>
+      </p:sp>
+      <p:sp>
+        <p:nvSpPr>
+          <p:cNvPr id="16" name="TextBox 15">
+            <a:extLst>
+              <a:ext uri="{FF2B5EF4-FFF2-40B4-BE49-F238E27FC236}">
+                <a16:creationId xmlns:a16="http://schemas.microsoft.com/office/drawing/2014/main" id="{184ED807-0A71-5AC3-7381-905C827CAFFC}"/>
+              </a:ext>
+            </a:extLst>
+          </p:cNvPr>
+          <p:cNvSpPr txBox="1"/>
+          <p:nvPr/>
+        </p:nvSpPr>
+        <p:spPr>
+          <a:xfrm>
+            <a:off x="6395836" y="4586910"/>
+            <a:ext cx="568034" cy="261610"/>
+          </a:xfrm>
+          <a:prstGeom prst="rect">
+            <a:avLst/>
+          </a:prstGeom>
+          <a:noFill/>
+        </p:spPr>
+        <p:txBody>
+          <a:bodyPr wrap="square" rtlCol="0">
+            <a:spAutoFit/>
+          </a:bodyPr>
+          <a:lstStyle/>
           <a:p>
-            <a:pPr marL="0" indent="0">
-              <a:buNone/>
-            </a:pPr>
+            <a:pPr algn="ctr"/>
             <a:r>
-              <a:rPr lang="en-CA" dirty="0">
-                <a:highlight>
-                  <a:srgbClr val="FFFF00"/>
-                </a:highlight>
-              </a:rPr>
-              <a:t>&gt;&gt;&gt; schema à faire: cercle avec 5 </a:t>
+              <a:rPr lang="en-US" sz="1100" dirty="0"/>
+              <a:t>r3=0.5</a:t>
             </a:r>
+            <a:endParaRPr lang="en-CA" sz="1100" dirty="0"/>
+          </a:p>
+        </p:txBody>
+      </p:sp>
+      <p:sp>
+        <p:nvSpPr>
+          <p:cNvPr id="17" name="TextBox 16">
+            <a:extLst>
+              <a:ext uri="{FF2B5EF4-FFF2-40B4-BE49-F238E27FC236}">
+                <a16:creationId xmlns:a16="http://schemas.microsoft.com/office/drawing/2014/main" id="{788E24B3-A210-F515-62DA-A74E4BE73812}"/>
+              </a:ext>
+            </a:extLst>
+          </p:cNvPr>
+          <p:cNvSpPr txBox="1"/>
+          <p:nvPr/>
+        </p:nvSpPr>
+        <p:spPr>
+          <a:xfrm>
+            <a:off x="6882915" y="4571784"/>
+            <a:ext cx="678313" cy="261610"/>
+          </a:xfrm>
+          <a:prstGeom prst="rect">
+            <a:avLst/>
+          </a:prstGeom>
+          <a:noFill/>
+        </p:spPr>
+        <p:txBody>
+          <a:bodyPr wrap="square" rtlCol="0">
+            <a:spAutoFit/>
+          </a:bodyPr>
+          <a:lstStyle/>
+          <a:p>
             <a:r>
-              <a:rPr lang="en-CA" dirty="0" err="1">
-                <a:highlight>
-                  <a:srgbClr val="FFFF00"/>
-                </a:highlight>
-              </a:rPr>
-              <a:t>noeuds</a:t>
+              <a:rPr lang="en-US" sz="1100" dirty="0"/>
+              <a:t>r4=0.75</a:t>
             </a:r>
+            <a:endParaRPr lang="en-CA" sz="1100" dirty="0"/>
+          </a:p>
+        </p:txBody>
+      </p:sp>
+      <p:sp>
+        <p:nvSpPr>
+          <p:cNvPr id="18" name="TextBox 17">
+            <a:extLst>
+              <a:ext uri="{FF2B5EF4-FFF2-40B4-BE49-F238E27FC236}">
+                <a16:creationId xmlns:a16="http://schemas.microsoft.com/office/drawing/2014/main" id="{576F252F-775C-9036-C0CB-6CD620D03D97}"/>
+              </a:ext>
+            </a:extLst>
+          </p:cNvPr>
+          <p:cNvSpPr txBox="1"/>
+          <p:nvPr/>
+        </p:nvSpPr>
+        <p:spPr>
+          <a:xfrm>
+            <a:off x="7627633" y="4571784"/>
+            <a:ext cx="568034" cy="261610"/>
+          </a:xfrm>
+          <a:prstGeom prst="rect">
+            <a:avLst/>
+          </a:prstGeom>
+          <a:noFill/>
+        </p:spPr>
+        <p:txBody>
+          <a:bodyPr wrap="square" rtlCol="0">
+            <a:spAutoFit/>
+          </a:bodyPr>
+          <a:lstStyle/>
+          <a:p>
             <a:r>
-              <a:rPr lang="en-CA" dirty="0">
-                <a:highlight>
-                  <a:srgbClr val="FFFF00"/>
-                </a:highlight>
-              </a:rPr>
-              <a:t> </a:t>
+              <a:rPr lang="en-US" sz="1100" dirty="0"/>
+              <a:t>r5=1</a:t>
             </a:r>
+            <a:endParaRPr lang="en-CA" sz="1100" dirty="0"/>
+          </a:p>
+        </p:txBody>
+      </p:sp>
+      <p:sp>
+        <p:nvSpPr>
+          <p:cNvPr id="19" name="TextBox 18">
+            <a:extLst>
+              <a:ext uri="{FF2B5EF4-FFF2-40B4-BE49-F238E27FC236}">
+                <a16:creationId xmlns:a16="http://schemas.microsoft.com/office/drawing/2014/main" id="{5E9BF3A9-E225-C6E6-0BC7-1C03568ABF3D}"/>
+              </a:ext>
+            </a:extLst>
+          </p:cNvPr>
+          <p:cNvSpPr txBox="1"/>
+          <p:nvPr/>
+        </p:nvSpPr>
+        <p:spPr>
+          <a:xfrm>
+            <a:off x="5411769" y="4149261"/>
+            <a:ext cx="482562" cy="261610"/>
+          </a:xfrm>
+          <a:prstGeom prst="rect">
+            <a:avLst/>
+          </a:prstGeom>
+          <a:noFill/>
+        </p:spPr>
+        <p:txBody>
+          <a:bodyPr wrap="square" rtlCol="0">
+            <a:spAutoFit/>
+          </a:bodyPr>
+          <a:lstStyle/>
+          <a:p>
+            <a:pPr algn="ctr"/>
             <a:r>
-              <a:rPr lang="en-CA" dirty="0" err="1">
-                <a:highlight>
-                  <a:srgbClr val="FFFF00"/>
-                </a:highlight>
-              </a:rPr>
-              <a:t>equidistants</a:t>
+              <a:rPr lang="en-US" sz="1100" dirty="0"/>
+              <a:t>1</a:t>
             </a:r>
+            <a:endParaRPr lang="en-CA" sz="1100" dirty="0"/>
+          </a:p>
+        </p:txBody>
+      </p:sp>
+      <p:sp>
+        <p:nvSpPr>
+          <p:cNvPr id="20" name="TextBox 19">
+            <a:extLst>
+              <a:ext uri="{FF2B5EF4-FFF2-40B4-BE49-F238E27FC236}">
+                <a16:creationId xmlns:a16="http://schemas.microsoft.com/office/drawing/2014/main" id="{4C3C64CF-F327-601A-1F07-CE5C72D9CC7D}"/>
+              </a:ext>
+            </a:extLst>
+          </p:cNvPr>
+          <p:cNvSpPr txBox="1"/>
+          <p:nvPr/>
+        </p:nvSpPr>
+        <p:spPr>
+          <a:xfrm>
+            <a:off x="5873556" y="4142334"/>
+            <a:ext cx="568034" cy="261610"/>
+          </a:xfrm>
+          <a:prstGeom prst="rect">
+            <a:avLst/>
+          </a:prstGeom>
+          <a:noFill/>
+        </p:spPr>
+        <p:txBody>
+          <a:bodyPr wrap="square" rtlCol="0">
+            <a:spAutoFit/>
+          </a:bodyPr>
+          <a:lstStyle/>
+          <a:p>
+            <a:pPr algn="ctr"/>
             <a:r>
-              <a:rPr lang="en-CA" dirty="0">
-                <a:highlight>
-                  <a:srgbClr val="FFFF00"/>
-                </a:highlight>
-              </a:rPr>
-              <a:t> sur un rayon </a:t>
+              <a:rPr lang="en-US" sz="1100" dirty="0"/>
+              <a:t>2</a:t>
             </a:r>
+            <a:endParaRPr lang="en-CA" sz="1100" dirty="0"/>
+          </a:p>
+        </p:txBody>
+      </p:sp>
+      <p:sp>
+        <p:nvSpPr>
+          <p:cNvPr id="21" name="TextBox 20">
+            <a:extLst>
+              <a:ext uri="{FF2B5EF4-FFF2-40B4-BE49-F238E27FC236}">
+                <a16:creationId xmlns:a16="http://schemas.microsoft.com/office/drawing/2014/main" id="{CF1B165E-0988-8C39-1B8E-B2AAF5C88114}"/>
+              </a:ext>
+            </a:extLst>
+          </p:cNvPr>
+          <p:cNvSpPr txBox="1"/>
+          <p:nvPr/>
+        </p:nvSpPr>
+        <p:spPr>
+          <a:xfrm>
+            <a:off x="6376513" y="4152439"/>
+            <a:ext cx="568034" cy="261610"/>
+          </a:xfrm>
+          <a:prstGeom prst="rect">
+            <a:avLst/>
+          </a:prstGeom>
+          <a:noFill/>
+        </p:spPr>
+        <p:txBody>
+          <a:bodyPr wrap="square" rtlCol="0">
+            <a:spAutoFit/>
+          </a:bodyPr>
+          <a:lstStyle/>
+          <a:p>
+            <a:pPr algn="ctr"/>
             <a:r>
-              <a:rPr lang="en-CA" dirty="0" err="1">
-                <a:highlight>
-                  <a:srgbClr val="FFFF00"/>
-                </a:highlight>
-              </a:rPr>
-              <a:t>allant</a:t>
+              <a:rPr lang="en-US" sz="1100" dirty="0"/>
+              <a:t>3</a:t>
             </a:r>
+            <a:endParaRPr lang="en-CA" sz="1100" dirty="0"/>
+          </a:p>
+        </p:txBody>
+      </p:sp>
+      <p:sp>
+        <p:nvSpPr>
+          <p:cNvPr id="22" name="TextBox 21">
+            <a:extLst>
+              <a:ext uri="{FF2B5EF4-FFF2-40B4-BE49-F238E27FC236}">
+                <a16:creationId xmlns:a16="http://schemas.microsoft.com/office/drawing/2014/main" id="{F3B0DDF4-DDF6-FA9F-F814-752620D83C50}"/>
+              </a:ext>
+            </a:extLst>
+          </p:cNvPr>
+          <p:cNvSpPr txBox="1"/>
+          <p:nvPr/>
+        </p:nvSpPr>
+        <p:spPr>
+          <a:xfrm>
+            <a:off x="6863593" y="4137313"/>
+            <a:ext cx="568034" cy="261610"/>
+          </a:xfrm>
+          <a:prstGeom prst="rect">
+            <a:avLst/>
+          </a:prstGeom>
+          <a:noFill/>
+        </p:spPr>
+        <p:txBody>
+          <a:bodyPr wrap="square" rtlCol="0">
+            <a:spAutoFit/>
+          </a:bodyPr>
+          <a:lstStyle/>
+          <a:p>
+            <a:pPr algn="ctr"/>
             <a:r>
-              <a:rPr lang="en-CA" dirty="0">
-                <a:highlight>
-                  <a:srgbClr val="FFFF00"/>
-                </a:highlight>
-              </a:rPr>
-              <a:t> de r=0 à r=1m</a:t>
+              <a:rPr lang="en-US" sz="1100" dirty="0"/>
+              <a:t>4</a:t>
             </a:r>
+            <a:endParaRPr lang="en-CA" sz="1100" dirty="0"/>
+          </a:p>
+        </p:txBody>
+      </p:sp>
+      <p:sp>
+        <p:nvSpPr>
+          <p:cNvPr id="23" name="TextBox 22">
+            <a:extLst>
+              <a:ext uri="{FF2B5EF4-FFF2-40B4-BE49-F238E27FC236}">
+                <a16:creationId xmlns:a16="http://schemas.microsoft.com/office/drawing/2014/main" id="{C643983C-B988-03EA-FE29-2A044F249A2F}"/>
+              </a:ext>
+            </a:extLst>
+          </p:cNvPr>
+          <p:cNvSpPr txBox="1"/>
+          <p:nvPr/>
+        </p:nvSpPr>
+        <p:spPr>
+          <a:xfrm>
+            <a:off x="7303027" y="4142793"/>
+            <a:ext cx="568034" cy="261610"/>
+          </a:xfrm>
+          <a:prstGeom prst="rect">
+            <a:avLst/>
+          </a:prstGeom>
+          <a:noFill/>
+        </p:spPr>
+        <p:txBody>
+          <a:bodyPr wrap="square" rtlCol="0">
+            <a:spAutoFit/>
+          </a:bodyPr>
+          <a:lstStyle/>
+          <a:p>
+            <a:pPr algn="ctr"/>
+            <a:r>
+              <a:rPr lang="en-US" sz="1100" dirty="0"/>
+              <a:t>5</a:t>
+            </a:r>
+            <a:endParaRPr lang="en-CA" sz="1100" dirty="0"/>
+          </a:p>
+        </p:txBody>
+      </p:sp>
+      <p:cxnSp>
+        <p:nvCxnSpPr>
+          <p:cNvPr id="25" name="Straight Arrow Connector 24">
+            <a:extLst>
+              <a:ext uri="{FF2B5EF4-FFF2-40B4-BE49-F238E27FC236}">
+                <a16:creationId xmlns:a16="http://schemas.microsoft.com/office/drawing/2014/main" id="{E83DD17F-81B4-6D18-62E5-F2DC1331DF27}"/>
+              </a:ext>
+            </a:extLst>
+          </p:cNvPr>
+          <p:cNvCxnSpPr>
+            <a:stCxn id="7" idx="0"/>
+            <a:endCxn id="4" idx="1"/>
+          </p:cNvCxnSpPr>
+          <p:nvPr/>
+        </p:nvCxnSpPr>
+        <p:spPr>
+          <a:xfrm flipH="1" flipV="1">
+            <a:off x="4229734" y="3089193"/>
+            <a:ext cx="1428730" cy="1369848"/>
+          </a:xfrm>
+          <a:prstGeom prst="straightConnector1">
+            <a:avLst/>
+          </a:prstGeom>
+          <a:ln>
+            <a:headEnd type="triangle"/>
+            <a:tailEnd type="triangle"/>
+          </a:ln>
+        </p:spPr>
+        <p:style>
+          <a:lnRef idx="2">
+            <a:schemeClr val="accent1"/>
+          </a:lnRef>
+          <a:fillRef idx="0">
+            <a:schemeClr val="accent1"/>
+          </a:fillRef>
+          <a:effectRef idx="1">
+            <a:schemeClr val="accent1"/>
+          </a:effectRef>
+          <a:fontRef idx="minor">
+            <a:schemeClr val="tx1"/>
+          </a:fontRef>
+        </p:style>
+      </p:cxnSp>
+      <p:sp>
+        <p:nvSpPr>
+          <p:cNvPr id="26" name="TextBox 25">
+            <a:extLst>
+              <a:ext uri="{FF2B5EF4-FFF2-40B4-BE49-F238E27FC236}">
+                <a16:creationId xmlns:a16="http://schemas.microsoft.com/office/drawing/2014/main" id="{FB093B9A-D8D5-C836-5F9D-94729728C433}"/>
+              </a:ext>
+            </a:extLst>
+          </p:cNvPr>
+          <p:cNvSpPr txBox="1"/>
+          <p:nvPr/>
+        </p:nvSpPr>
+        <p:spPr>
+          <a:xfrm rot="2662248">
+            <a:off x="4670381" y="3450410"/>
+            <a:ext cx="727961" cy="338554"/>
+          </a:xfrm>
+          <a:prstGeom prst="rect">
+            <a:avLst/>
+          </a:prstGeom>
+          <a:noFill/>
+        </p:spPr>
+        <p:txBody>
+          <a:bodyPr wrap="square" rtlCol="0">
+            <a:spAutoFit/>
+          </a:bodyPr>
+          <a:lstStyle/>
+          <a:p>
+            <a:r>
+              <a:rPr lang="en-US" sz="1600" dirty="0"/>
+              <a:t>R=1m</a:t>
+            </a:r>
+            <a:endParaRPr lang="en-CA" sz="1600" dirty="0"/>
           </a:p>
         </p:txBody>
       </p:sp>
@@ -8780,8 +13154,8 @@
           </a:p>
         </p:txBody>
       </p:sp>
-      <mc:AlternateContent xmlns:mc="http://schemas.openxmlformats.org/markup-compatibility/2006">
-        <mc:Choice xmlns:a14="http://schemas.microsoft.com/office/drawing/2010/main" Requires="a14">
+      <mc:AlternateContent xmlns:mc="http://schemas.openxmlformats.org/markup-compatibility/2006" xmlns:a14="http://schemas.microsoft.com/office/drawing/2010/main">
+        <mc:Choice Requires="a14">
           <p:sp>
             <p:nvSpPr>
               <p:cNvPr id="3" name="Content Placeholder 2">
@@ -9107,7 +13481,7 @@
             </p:txBody>
           </p:sp>
         </mc:Choice>
-        <mc:Fallback>
+        <mc:Fallback xmlns="">
           <p:sp>
             <p:nvSpPr>
               <p:cNvPr id="3" name="Content Placeholder 2">
@@ -9218,8 +13592,8 @@
           </a:p>
         </p:txBody>
       </p:sp>
-      <mc:AlternateContent xmlns:mc="http://schemas.openxmlformats.org/markup-compatibility/2006">
-        <mc:Choice xmlns:a14="http://schemas.microsoft.com/office/drawing/2010/main" Requires="a14">
+      <mc:AlternateContent xmlns:mc="http://schemas.openxmlformats.org/markup-compatibility/2006" xmlns:a14="http://schemas.microsoft.com/office/drawing/2010/main">
+        <mc:Choice Requires="a14">
           <p:sp>
             <p:nvSpPr>
               <p:cNvPr id="3" name="Content Placeholder 2">
@@ -12818,7 +17192,7 @@
             </p:txBody>
           </p:sp>
         </mc:Choice>
-        <mc:Fallback>
+        <mc:Fallback xmlns="">
           <p:sp>
             <p:nvSpPr>
               <p:cNvPr id="3" name="Content Placeholder 2">
@@ -12968,7 +17342,7 @@
             </p:spPr>
             <p:txBody>
               <a:bodyPr>
-                <a:normAutofit fontScale="92500" lnSpcReduction="10000"/>
+                <a:normAutofit fontScale="85000" lnSpcReduction="10000"/>
               </a:bodyPr>
               <a:lstStyle/>
               <a:p>
@@ -13028,7 +17402,6 @@
                 </a:r>
               </a:p>
               <a:p>
-                <a:pPr/>
                 <a14:m>
                   <m:oMath xmlns:m="http://schemas.openxmlformats.org/officeDocument/2006/math">
                     <m:sSub>
@@ -13265,6 +17638,9 @@
               </a:p>
               <a:p>
                 <a:pPr marL="0" indent="0">
+                  <a:lnSpc>
+                    <a:spcPct val="170000"/>
+                  </a:lnSpc>
                   <a:spcBef>
                     <a:spcPts val="600"/>
                   </a:spcBef>
@@ -13627,16 +18003,7 @@
                           </a:solidFill>
                           <a:latin typeface="Cambria Math" panose="02040503050406030204" pitchFamily="18" charset="0"/>
                         </a:rPr>
-                        <m:t>=</m:t>
-                      </m:r>
-                      <m:r>
-                        <a:rPr lang="en-CA" sz="1800" b="0" i="1" smtClean="0">
-                          <a:solidFill>
-                            <a:schemeClr val="tx1"/>
-                          </a:solidFill>
-                          <a:latin typeface="Cambria Math" panose="02040503050406030204" pitchFamily="18" charset="0"/>
-                        </a:rPr>
-                        <m:t>0</m:t>
+                        <m:t>=0</m:t>
                       </m:r>
                     </m:oMath>
                   </m:oMathPara>
@@ -13648,7 +18015,6 @@
                 </a:endParaRPr>
               </a:p>
               <a:p>
-                <a:pPr/>
                 <a:r>
                   <a:rPr lang="en-CA" sz="1800" b="1" dirty="0"/>
                   <a:t>Noeud 2:</a:t>
@@ -14543,7 +18909,6 @@
                 <a:endParaRPr lang="en-CA" sz="1800" dirty="0"/>
               </a:p>
               <a:p>
-                <a:pPr/>
                 <a:r>
                   <a:rPr lang="en-CA" sz="1800" b="1" dirty="0" err="1"/>
                   <a:t>Noeud</a:t>
@@ -15442,7 +19807,6 @@
                 <a:endParaRPr lang="en-CA" sz="1800" dirty="0"/>
               </a:p>
               <a:p>
-                <a:pPr/>
                 <a:r>
                   <a:rPr lang="en-CA" sz="1800" b="1" dirty="0" err="1"/>
                   <a:t>Noeud</a:t>
@@ -16344,6 +20708,9 @@
               </a:p>
               <a:p>
                 <a:pPr>
+                  <a:lnSpc>
+                    <a:spcPct val="160000"/>
+                  </a:lnSpc>
                   <a:spcAft>
                     <a:spcPts val="600"/>
                   </a:spcAft>
@@ -16534,7 +20901,7 @@
               <a:blipFill>
                 <a:blip r:embed="rId2"/>
                 <a:stretch>
-                  <a:fillRect l="-1797" t="-1613"/>
+                  <a:fillRect l="-1217" t="-1498"/>
                 </a:stretch>
               </a:blipFill>
             </p:spPr>
@@ -17158,8 +21525,8 @@
           </a:p>
         </p:txBody>
       </p:sp>
-      <mc:AlternateContent xmlns:mc="http://schemas.openxmlformats.org/markup-compatibility/2006">
-        <mc:Choice xmlns:a14="http://schemas.microsoft.com/office/drawing/2010/main" Requires="a14">
+      <mc:AlternateContent xmlns:mc="http://schemas.openxmlformats.org/markup-compatibility/2006" xmlns:a14="http://schemas.microsoft.com/office/drawing/2010/main">
+        <mc:Choice Requires="a14">
           <p:sp>
             <p:nvSpPr>
               <p:cNvPr id="3" name="Content Placeholder 2">
@@ -17313,7 +21680,7 @@
             </p:txBody>
           </p:sp>
         </mc:Choice>
-        <mc:Fallback>
+        <mc:Fallback xmlns="">
           <p:sp>
             <p:nvSpPr>
               <p:cNvPr id="3" name="Content Placeholder 2">
@@ -17679,4 +22046,319 @@
     </a:ext>
   </a:extLst>
 </a:theme>
+</file>
+
+<file path=ppt/theme/theme2.xml><?xml version="1.0" encoding="utf-8"?>
+<a:theme xmlns:a="http://schemas.openxmlformats.org/drawingml/2006/main" name="Office Theme">
+  <a:themeElements>
+    <a:clrScheme name="Office">
+      <a:dk1>
+        <a:sysClr val="windowText" lastClr="000000"/>
+      </a:dk1>
+      <a:lt1>
+        <a:sysClr val="window" lastClr="FFFFFF"/>
+      </a:lt1>
+      <a:dk2>
+        <a:srgbClr val="0E2841"/>
+      </a:dk2>
+      <a:lt2>
+        <a:srgbClr val="E8E8E8"/>
+      </a:lt2>
+      <a:accent1>
+        <a:srgbClr val="156082"/>
+      </a:accent1>
+      <a:accent2>
+        <a:srgbClr val="E97132"/>
+      </a:accent2>
+      <a:accent3>
+        <a:srgbClr val="196B24"/>
+      </a:accent3>
+      <a:accent4>
+        <a:srgbClr val="0F9ED5"/>
+      </a:accent4>
+      <a:accent5>
+        <a:srgbClr val="A02B93"/>
+      </a:accent5>
+      <a:accent6>
+        <a:srgbClr val="4EA72E"/>
+      </a:accent6>
+      <a:hlink>
+        <a:srgbClr val="467886"/>
+      </a:hlink>
+      <a:folHlink>
+        <a:srgbClr val="96607D"/>
+      </a:folHlink>
+    </a:clrScheme>
+    <a:fontScheme name="Office">
+      <a:majorFont>
+        <a:latin typeface="Aptos Display" panose="02110004020202020204"/>
+        <a:ea typeface=""/>
+        <a:cs typeface=""/>
+        <a:font script="Jpan" typeface="游ゴシック Light"/>
+        <a:font script="Hang" typeface="맑은 고딕"/>
+        <a:font script="Hans" typeface="等线 Light"/>
+        <a:font script="Hant" typeface="新細明體"/>
+        <a:font script="Arab" typeface="Times New Roman"/>
+        <a:font script="Hebr" typeface="Times New Roman"/>
+        <a:font script="Thai" typeface="Angsana New"/>
+        <a:font script="Ethi" typeface="Nyala"/>
+        <a:font script="Beng" typeface="Vrinda"/>
+        <a:font script="Gujr" typeface="Shruti"/>
+        <a:font script="Khmr" typeface="MoolBoran"/>
+        <a:font script="Knda" typeface="Tunga"/>
+        <a:font script="Guru" typeface="Raavi"/>
+        <a:font script="Cans" typeface="Euphemia"/>
+        <a:font script="Cher" typeface="Plantagenet Cherokee"/>
+        <a:font script="Yiii" typeface="Microsoft Yi Baiti"/>
+        <a:font script="Tibt" typeface="Microsoft Himalaya"/>
+        <a:font script="Thaa" typeface="MV Boli"/>
+        <a:font script="Deva" typeface="Mangal"/>
+        <a:font script="Telu" typeface="Gautami"/>
+        <a:font script="Taml" typeface="Latha"/>
+        <a:font script="Syrc" typeface="Estrangelo Edessa"/>
+        <a:font script="Orya" typeface="Kalinga"/>
+        <a:font script="Mlym" typeface="Kartika"/>
+        <a:font script="Laoo" typeface="DokChampa"/>
+        <a:font script="Sinh" typeface="Iskoola Pota"/>
+        <a:font script="Mong" typeface="Mongolian Baiti"/>
+        <a:font script="Viet" typeface="Times New Roman"/>
+        <a:font script="Uigh" typeface="Microsoft Uighur"/>
+        <a:font script="Geor" typeface="Sylfaen"/>
+        <a:font script="Armn" typeface="Arial"/>
+        <a:font script="Bugi" typeface="Leelawadee UI"/>
+        <a:font script="Bopo" typeface="Microsoft JhengHei"/>
+        <a:font script="Java" typeface="Javanese Text"/>
+        <a:font script="Lisu" typeface="Segoe UI"/>
+        <a:font script="Mymr" typeface="Myanmar Text"/>
+        <a:font script="Nkoo" typeface="Ebrima"/>
+        <a:font script="Olck" typeface="Nirmala UI"/>
+        <a:font script="Osma" typeface="Ebrima"/>
+        <a:font script="Phag" typeface="Phagspa"/>
+        <a:font script="Syrn" typeface="Estrangelo Edessa"/>
+        <a:font script="Syrj" typeface="Estrangelo Edessa"/>
+        <a:font script="Syre" typeface="Estrangelo Edessa"/>
+        <a:font script="Sora" typeface="Nirmala UI"/>
+        <a:font script="Tale" typeface="Microsoft Tai Le"/>
+        <a:font script="Talu" typeface="Microsoft New Tai Lue"/>
+        <a:font script="Tfng" typeface="Ebrima"/>
+      </a:majorFont>
+      <a:minorFont>
+        <a:latin typeface="Aptos" panose="02110004020202020204"/>
+        <a:ea typeface=""/>
+        <a:cs typeface=""/>
+        <a:font script="Jpan" typeface="游ゴシック"/>
+        <a:font script="Hang" typeface="맑은 고딕"/>
+        <a:font script="Hans" typeface="等线"/>
+        <a:font script="Hant" typeface="新細明體"/>
+        <a:font script="Arab" typeface="Arial"/>
+        <a:font script="Hebr" typeface="Arial"/>
+        <a:font script="Thai" typeface="Cordia New"/>
+        <a:font script="Ethi" typeface="Nyala"/>
+        <a:font script="Beng" typeface="Vrinda"/>
+        <a:font script="Gujr" typeface="Shruti"/>
+        <a:font script="Khmr" typeface="DaunPenh"/>
+        <a:font script="Knda" typeface="Tunga"/>
+        <a:font script="Guru" typeface="Raavi"/>
+        <a:font script="Cans" typeface="Euphemia"/>
+        <a:font script="Cher" typeface="Plantagenet Cherokee"/>
+        <a:font script="Yiii" typeface="Microsoft Yi Baiti"/>
+        <a:font script="Tibt" typeface="Microsoft Himalaya"/>
+        <a:font script="Thaa" typeface="MV Boli"/>
+        <a:font script="Deva" typeface="Mangal"/>
+        <a:font script="Telu" typeface="Gautami"/>
+        <a:font script="Taml" typeface="Latha"/>
+        <a:font script="Syrc" typeface="Estrangelo Edessa"/>
+        <a:font script="Orya" typeface="Kalinga"/>
+        <a:font script="Mlym" typeface="Kartika"/>
+        <a:font script="Laoo" typeface="DokChampa"/>
+        <a:font script="Sinh" typeface="Iskoola Pota"/>
+        <a:font script="Mong" typeface="Mongolian Baiti"/>
+        <a:font script="Viet" typeface="Arial"/>
+        <a:font script="Uigh" typeface="Microsoft Uighur"/>
+        <a:font script="Geor" typeface="Sylfaen"/>
+        <a:font script="Armn" typeface="Arial"/>
+        <a:font script="Bugi" typeface="Leelawadee UI"/>
+        <a:font script="Bopo" typeface="Microsoft JhengHei"/>
+        <a:font script="Java" typeface="Javanese Text"/>
+        <a:font script="Lisu" typeface="Segoe UI"/>
+        <a:font script="Mymr" typeface="Myanmar Text"/>
+        <a:font script="Nkoo" typeface="Ebrima"/>
+        <a:font script="Olck" typeface="Nirmala UI"/>
+        <a:font script="Osma" typeface="Ebrima"/>
+        <a:font script="Phag" typeface="Phagspa"/>
+        <a:font script="Syrn" typeface="Estrangelo Edessa"/>
+        <a:font script="Syrj" typeface="Estrangelo Edessa"/>
+        <a:font script="Syre" typeface="Estrangelo Edessa"/>
+        <a:font script="Sora" typeface="Nirmala UI"/>
+        <a:font script="Tale" typeface="Microsoft Tai Le"/>
+        <a:font script="Talu" typeface="Microsoft New Tai Lue"/>
+        <a:font script="Tfng" typeface="Ebrima"/>
+      </a:minorFont>
+    </a:fontScheme>
+    <a:fmtScheme name="Office">
+      <a:fillStyleLst>
+        <a:solidFill>
+          <a:schemeClr val="phClr"/>
+        </a:solidFill>
+        <a:gradFill rotWithShape="1">
+          <a:gsLst>
+            <a:gs pos="0">
+              <a:schemeClr val="phClr">
+                <a:lumMod val="110000"/>
+                <a:satMod val="105000"/>
+                <a:tint val="67000"/>
+              </a:schemeClr>
+            </a:gs>
+            <a:gs pos="50000">
+              <a:schemeClr val="phClr">
+                <a:lumMod val="105000"/>
+                <a:satMod val="103000"/>
+                <a:tint val="73000"/>
+              </a:schemeClr>
+            </a:gs>
+            <a:gs pos="100000">
+              <a:schemeClr val="phClr">
+                <a:lumMod val="105000"/>
+                <a:satMod val="109000"/>
+                <a:tint val="81000"/>
+              </a:schemeClr>
+            </a:gs>
+          </a:gsLst>
+          <a:lin ang="5400000" scaled="0"/>
+        </a:gradFill>
+        <a:gradFill rotWithShape="1">
+          <a:gsLst>
+            <a:gs pos="0">
+              <a:schemeClr val="phClr">
+                <a:satMod val="103000"/>
+                <a:lumMod val="102000"/>
+                <a:tint val="94000"/>
+              </a:schemeClr>
+            </a:gs>
+            <a:gs pos="50000">
+              <a:schemeClr val="phClr">
+                <a:satMod val="110000"/>
+                <a:lumMod val="100000"/>
+                <a:shade val="100000"/>
+              </a:schemeClr>
+            </a:gs>
+            <a:gs pos="100000">
+              <a:schemeClr val="phClr">
+                <a:lumMod val="99000"/>
+                <a:satMod val="120000"/>
+                <a:shade val="78000"/>
+              </a:schemeClr>
+            </a:gs>
+          </a:gsLst>
+          <a:lin ang="5400000" scaled="0"/>
+        </a:gradFill>
+      </a:fillStyleLst>
+      <a:lnStyleLst>
+        <a:ln w="12700" cap="flat" cmpd="sng" algn="ctr">
+          <a:solidFill>
+            <a:schemeClr val="phClr"/>
+          </a:solidFill>
+          <a:prstDash val="solid"/>
+          <a:miter lim="800000"/>
+        </a:ln>
+        <a:ln w="19050" cap="flat" cmpd="sng" algn="ctr">
+          <a:solidFill>
+            <a:schemeClr val="phClr"/>
+          </a:solidFill>
+          <a:prstDash val="solid"/>
+          <a:miter lim="800000"/>
+        </a:ln>
+        <a:ln w="25400" cap="flat" cmpd="sng" algn="ctr">
+          <a:solidFill>
+            <a:schemeClr val="phClr"/>
+          </a:solidFill>
+          <a:prstDash val="solid"/>
+          <a:miter lim="800000"/>
+        </a:ln>
+      </a:lnStyleLst>
+      <a:effectStyleLst>
+        <a:effectStyle>
+          <a:effectLst/>
+        </a:effectStyle>
+        <a:effectStyle>
+          <a:effectLst/>
+        </a:effectStyle>
+        <a:effectStyle>
+          <a:effectLst>
+            <a:outerShdw blurRad="57150" dist="19050" dir="5400000" algn="ctr" rotWithShape="0">
+              <a:srgbClr val="000000">
+                <a:alpha val="63000"/>
+              </a:srgbClr>
+            </a:outerShdw>
+          </a:effectLst>
+        </a:effectStyle>
+      </a:effectStyleLst>
+      <a:bgFillStyleLst>
+        <a:solidFill>
+          <a:schemeClr val="phClr"/>
+        </a:solidFill>
+        <a:solidFill>
+          <a:schemeClr val="phClr">
+            <a:tint val="95000"/>
+            <a:satMod val="170000"/>
+          </a:schemeClr>
+        </a:solidFill>
+        <a:gradFill rotWithShape="1">
+          <a:gsLst>
+            <a:gs pos="0">
+              <a:schemeClr val="phClr">
+                <a:tint val="93000"/>
+                <a:satMod val="150000"/>
+                <a:shade val="98000"/>
+                <a:lumMod val="102000"/>
+              </a:schemeClr>
+            </a:gs>
+            <a:gs pos="50000">
+              <a:schemeClr val="phClr">
+                <a:tint val="98000"/>
+                <a:satMod val="130000"/>
+                <a:shade val="90000"/>
+                <a:lumMod val="103000"/>
+              </a:schemeClr>
+            </a:gs>
+            <a:gs pos="100000">
+              <a:schemeClr val="phClr">
+                <a:shade val="63000"/>
+                <a:satMod val="120000"/>
+              </a:schemeClr>
+            </a:gs>
+          </a:gsLst>
+          <a:lin ang="5400000" scaled="0"/>
+        </a:gradFill>
+      </a:bgFillStyleLst>
+    </a:fmtScheme>
+  </a:themeElements>
+  <a:objectDefaults>
+    <a:lnDef>
+      <a:spPr/>
+      <a:bodyPr/>
+      <a:lstStyle/>
+      <a:style>
+        <a:lnRef idx="2">
+          <a:schemeClr val="accent1"/>
+        </a:lnRef>
+        <a:fillRef idx="0">
+          <a:schemeClr val="accent1"/>
+        </a:fillRef>
+        <a:effectRef idx="1">
+          <a:schemeClr val="accent1"/>
+        </a:effectRef>
+        <a:fontRef idx="minor">
+          <a:schemeClr val="tx1"/>
+        </a:fontRef>
+      </a:style>
+    </a:lnDef>
+  </a:objectDefaults>
+  <a:extraClrSchemeLst/>
+  <a:extLst>
+    <a:ext uri="{05A4C25C-085E-4340-85A3-A5531E510DB2}">
+      <thm15:themeFamily xmlns:thm15="http://schemas.microsoft.com/office/thememl/2012/main" name="Office Theme" id="{2E142A2C-CD16-42D6-873A-C26D2A0506FA}" vid="{1BDDFF52-6CD6-40A5-AB3C-68EB2F1E4D0A}"/>
+    </a:ext>
+  </a:extLst>
+</a:theme>
 </file>
--- a/Devoir_1.pptx
+++ b/Devoir_1.pptx
@@ -5,7 +5,7 @@
     <p:sldMasterId id="2147483648" r:id="rId1"/>
   </p:sldMasterIdLst>
   <p:notesMasterIdLst>
-    <p:notesMasterId r:id="rId14"/>
+    <p:notesMasterId r:id="rId20"/>
   </p:notesMasterIdLst>
   <p:sldIdLst>
     <p:sldId id="256" r:id="rId2"/>
@@ -20,6 +20,12 @@
     <p:sldId id="265" r:id="rId11"/>
     <p:sldId id="266" r:id="rId12"/>
     <p:sldId id="267" r:id="rId13"/>
+    <p:sldId id="268" r:id="rId14"/>
+    <p:sldId id="270" r:id="rId15"/>
+    <p:sldId id="269" r:id="rId16"/>
+    <p:sldId id="271" r:id="rId17"/>
+    <p:sldId id="272" r:id="rId18"/>
+    <p:sldId id="273" r:id="rId19"/>
   </p:sldIdLst>
   <p:sldSz cx="12192000" cy="6858000"/>
   <p:notesSz cx="6858000" cy="9144000"/>
@@ -3839,6 +3845,14 @@
 <file path=ppt/slides/slide1.xml><?xml version="1.0" encoding="utf-8"?>
 <p:sld xmlns:a="http://schemas.openxmlformats.org/drawingml/2006/main" xmlns:r="http://schemas.openxmlformats.org/officeDocument/2006/relationships" xmlns:p="http://schemas.openxmlformats.org/presentationml/2006/main">
   <p:cSld>
+    <p:bg>
+      <p:bgPr>
+        <a:solidFill>
+          <a:schemeClr val="bg1"/>
+        </a:solidFill>
+        <a:effectLst/>
+      </p:bgPr>
+    </p:bg>
     <p:spTree>
       <p:nvGrpSpPr>
         <p:cNvPr id="1" name=""/>
@@ -3853,6 +3867,72 @@
           <a:chExt cx="0" cy="0"/>
         </a:xfrm>
       </p:grpSpPr>
+      <p:sp>
+        <p:nvSpPr>
+          <p:cNvPr id="8" name="Rectangle 7">
+            <a:extLst>
+              <a:ext uri="{FF2B5EF4-FFF2-40B4-BE49-F238E27FC236}">
+                <a16:creationId xmlns:a16="http://schemas.microsoft.com/office/drawing/2014/main" id="{5AADD842-7469-481F-AEF2-DDA7D3A9ABB0}"/>
+              </a:ext>
+              <a:ext uri="{C183D7F6-B498-43B3-948B-1728B52AA6E4}">
+                <adec:decorative xmlns:adec="http://schemas.microsoft.com/office/drawing/2017/decorative" val="1"/>
+              </a:ext>
+            </a:extLst>
+          </p:cNvPr>
+          <p:cNvSpPr>
+            <a:spLocks noGrp="1" noRot="1" noChangeAspect="1" noMove="1" noResize="1" noEditPoints="1" noAdjustHandles="1" noChangeArrowheads="1" noChangeShapeType="1" noTextEdit="1"/>
+          </p:cNvSpPr>
+          <p:nvPr>
+            <p:extLst>
+              <p:ext uri="{386F3935-93C4-4BCD-93E2-E3B085C9AB24}">
+                <p16:designElem xmlns:p16="http://schemas.microsoft.com/office/powerpoint/2015/main" val="1"/>
+              </p:ext>
+            </p:extLst>
+          </p:nvPr>
+        </p:nvSpPr>
+        <p:spPr>
+          <a:xfrm>
+            <a:off x="10" y="0"/>
+            <a:ext cx="12191990" cy="2358677"/>
+          </a:xfrm>
+          <a:prstGeom prst="rect">
+            <a:avLst/>
+          </a:prstGeom>
+          <a:solidFill>
+            <a:schemeClr val="tx1">
+              <a:lumMod val="85000"/>
+              <a:lumOff val="15000"/>
+            </a:schemeClr>
+          </a:solidFill>
+          <a:ln>
+            <a:noFill/>
+          </a:ln>
+        </p:spPr>
+        <p:style>
+          <a:lnRef idx="2">
+            <a:schemeClr val="accent1">
+              <a:shade val="50000"/>
+            </a:schemeClr>
+          </a:lnRef>
+          <a:fillRef idx="1">
+            <a:schemeClr val="accent1"/>
+          </a:fillRef>
+          <a:effectRef idx="0">
+            <a:schemeClr val="accent1"/>
+          </a:effectRef>
+          <a:fontRef idx="minor">
+            <a:schemeClr val="lt1"/>
+          </a:fontRef>
+        </p:style>
+        <p:txBody>
+          <a:bodyPr rtlCol="0" anchor="ctr"/>
+          <a:lstStyle/>
+          <a:p>
+            <a:pPr algn="ctr"/>
+            <a:endParaRPr lang="en-US"/>
+          </a:p>
+        </p:txBody>
+      </p:sp>
       <p:sp>
         <p:nvSpPr>
           <p:cNvPr id="2" name="Title 1">
@@ -3871,18 +3951,95 @@
         </p:nvSpPr>
         <p:spPr>
           <a:xfrm>
-            <a:off x="1524000" y="1122363"/>
-            <a:ext cx="9144000" cy="1655762"/>
+            <a:off x="1155558" y="637763"/>
+            <a:ext cx="9889797" cy="1413144"/>
           </a:xfrm>
         </p:spPr>
         <p:txBody>
-          <a:bodyPr/>
+          <a:bodyPr anchor="b">
+            <a:normAutofit/>
+          </a:bodyPr>
           <a:lstStyle/>
           <a:p>
+            <a:pPr algn="l"/>
             <a:r>
-              <a:rPr lang="en-CA" dirty="0"/>
-              <a:t>Devoir 1</a:t>
+              <a:rPr lang="en-CA" sz="4400">
+                <a:solidFill>
+                  <a:schemeClr val="bg1"/>
+                </a:solidFill>
+              </a:rPr>
+              <a:t>Devoir 1 – Vérification de code</a:t>
             </a:r>
+            <a:endParaRPr lang="en-CA" sz="4400" dirty="0">
+              <a:solidFill>
+                <a:schemeClr val="bg1"/>
+              </a:solidFill>
+            </a:endParaRPr>
+          </a:p>
+        </p:txBody>
+      </p:sp>
+      <p:sp>
+        <p:nvSpPr>
+          <p:cNvPr id="10" name="Rectangle 9">
+            <a:extLst>
+              <a:ext uri="{FF2B5EF4-FFF2-40B4-BE49-F238E27FC236}">
+                <a16:creationId xmlns:a16="http://schemas.microsoft.com/office/drawing/2014/main" id="{94058847-87A2-48B5-B733-C9FC6F0FF769}"/>
+              </a:ext>
+              <a:ext uri="{C183D7F6-B498-43B3-948B-1728B52AA6E4}">
+                <adec:decorative xmlns:adec="http://schemas.microsoft.com/office/drawing/2017/decorative" val="1"/>
+              </a:ext>
+            </a:extLst>
+          </p:cNvPr>
+          <p:cNvSpPr>
+            <a:spLocks noGrp="1" noRot="1" noChangeAspect="1" noMove="1" noResize="1" noEditPoints="1" noAdjustHandles="1" noChangeArrowheads="1" noChangeShapeType="1" noTextEdit="1"/>
+          </p:cNvSpPr>
+          <p:nvPr>
+            <p:extLst>
+              <p:ext uri="{386F3935-93C4-4BCD-93E2-E3B085C9AB24}">
+                <p16:designElem xmlns:p16="http://schemas.microsoft.com/office/powerpoint/2015/main" val="1"/>
+              </p:ext>
+            </p:extLst>
+          </p:nvPr>
+        </p:nvSpPr>
+        <p:spPr>
+          <a:xfrm>
+            <a:off x="0" y="2358676"/>
+            <a:ext cx="12191990" cy="4545429"/>
+          </a:xfrm>
+          <a:prstGeom prst="rect">
+            <a:avLst/>
+          </a:prstGeom>
+          <a:solidFill>
+            <a:schemeClr val="bg1">
+              <a:lumMod val="95000"/>
+            </a:schemeClr>
+          </a:solidFill>
+          <a:ln>
+            <a:noFill/>
+          </a:ln>
+        </p:spPr>
+        <p:style>
+          <a:lnRef idx="2">
+            <a:schemeClr val="accent1">
+              <a:shade val="50000"/>
+            </a:schemeClr>
+          </a:lnRef>
+          <a:fillRef idx="1">
+            <a:schemeClr val="accent1"/>
+          </a:fillRef>
+          <a:effectRef idx="0">
+            <a:schemeClr val="accent1"/>
+          </a:effectRef>
+          <a:fontRef idx="minor">
+            <a:schemeClr val="lt1"/>
+          </a:fontRef>
+        </p:style>
+        <p:txBody>
+          <a:bodyPr rtlCol="0" anchor="ctr"/>
+          <a:lstStyle/>
+          <a:p>
+            <a:pPr algn="ctr"/>
+            <a:endParaRPr lang="en-US"/>
           </a:p>
         </p:txBody>
       </p:sp>
@@ -3904,55 +4061,110 @@
         </p:nvSpPr>
         <p:spPr>
           <a:xfrm>
-            <a:off x="1524000" y="3097161"/>
-            <a:ext cx="9144000" cy="2160639"/>
+            <a:off x="1155558" y="3100284"/>
+            <a:ext cx="9889793" cy="3114237"/>
           </a:xfrm>
         </p:spPr>
         <p:txBody>
-          <a:bodyPr>
-            <a:normAutofit lnSpcReduction="10000"/>
+          <a:bodyPr anchor="t">
+            <a:normAutofit/>
           </a:bodyPr>
           <a:lstStyle/>
           <a:p>
+            <a:pPr algn="l"/>
             <a:r>
-              <a:rPr lang="en-CA" dirty="0"/>
+              <a:rPr lang="en-CA"/>
               <a:t>MEC8211 – Hiver 2024</a:t>
             </a:r>
           </a:p>
           <a:p>
-            <a:endParaRPr lang="en-CA" dirty="0"/>
+            <a:pPr algn="l"/>
+            <a:endParaRPr lang="en-CA"/>
           </a:p>
           <a:p>
+            <a:pPr algn="l"/>
             <a:r>
-              <a:rPr lang="en-CA" sz="1800" dirty="0" err="1"/>
-              <a:t>Présenté</a:t>
-            </a:r>
-            <a:r>
-              <a:rPr lang="en-CA" sz="1800" dirty="0"/>
-              <a:t> par</a:t>
+              <a:rPr lang="en-CA" sz="1800"/>
+              <a:t>Présenté par</a:t>
             </a:r>
           </a:p>
           <a:p>
+            <a:pPr algn="l"/>
             <a:r>
-              <a:rPr lang="en-CA" dirty="0"/>
-              <a:t>Ben Daya, Mohammed Mahdi </a:t>
+              <a:rPr lang="en-CA"/>
+              <a:t>Ben Daya, Mohammed Mahdi Sahbi</a:t>
             </a:r>
+          </a:p>
+          <a:p>
+            <a:pPr algn="l"/>
             <a:r>
-              <a:rPr lang="en-CA" dirty="0" err="1"/>
-              <a:t>Sahbi</a:t>
+              <a:rPr lang="en-CA"/>
+              <a:t>Sfeir, Acile</a:t>
             </a:r>
             <a:endParaRPr lang="en-CA" dirty="0"/>
           </a:p>
+        </p:txBody>
+      </p:sp>
+      <p:sp>
+        <p:nvSpPr>
+          <p:cNvPr id="12" name="Rectangle 11">
+            <a:extLst>
+              <a:ext uri="{FF2B5EF4-FFF2-40B4-BE49-F238E27FC236}">
+                <a16:creationId xmlns:a16="http://schemas.microsoft.com/office/drawing/2014/main" id="{38CE886A-266A-45DB-B141-3271799F49BD}"/>
+              </a:ext>
+              <a:ext uri="{C183D7F6-B498-43B3-948B-1728B52AA6E4}">
+                <adec:decorative xmlns:adec="http://schemas.microsoft.com/office/drawing/2017/decorative" val="1"/>
+              </a:ext>
+            </a:extLst>
+          </p:cNvPr>
+          <p:cNvSpPr>
+            <a:spLocks noGrp="1" noRot="1" noChangeAspect="1" noMove="1" noResize="1" noEditPoints="1" noAdjustHandles="1" noChangeArrowheads="1" noChangeShapeType="1" noTextEdit="1"/>
+          </p:cNvSpPr>
+          <p:nvPr>
+            <p:extLst>
+              <p:ext uri="{386F3935-93C4-4BCD-93E2-E3B085C9AB24}">
+                <p16:designElem xmlns:p16="http://schemas.microsoft.com/office/powerpoint/2015/main" val="1"/>
+              </p:ext>
+            </p:extLst>
+          </p:nvPr>
+        </p:nvSpPr>
+        <p:spPr>
+          <a:xfrm>
+            <a:off x="1156851" y="2893697"/>
+            <a:ext cx="457200" cy="45720"/>
+          </a:xfrm>
+          <a:prstGeom prst="rect">
+            <a:avLst/>
+          </a:prstGeom>
+          <a:solidFill>
+            <a:schemeClr val="tx1"/>
+          </a:solidFill>
+          <a:ln>
+            <a:noFill/>
+          </a:ln>
+        </p:spPr>
+        <p:style>
+          <a:lnRef idx="2">
+            <a:schemeClr val="accent1">
+              <a:shade val="50000"/>
+            </a:schemeClr>
+          </a:lnRef>
+          <a:fillRef idx="1">
+            <a:schemeClr val="accent1"/>
+          </a:fillRef>
+          <a:effectRef idx="0">
+            <a:schemeClr val="accent1"/>
+          </a:effectRef>
+          <a:fontRef idx="minor">
+            <a:schemeClr val="lt1"/>
+          </a:fontRef>
+        </p:style>
+        <p:txBody>
+          <a:bodyPr rtlCol="0" anchor="ctr"/>
+          <a:lstStyle/>
           <a:p>
-            <a:r>
-              <a:rPr lang="en-CA" dirty="0"/>
-              <a:t>Sfeir, </a:t>
-            </a:r>
-            <a:r>
-              <a:rPr lang="en-CA" dirty="0" err="1"/>
-              <a:t>Acile</a:t>
-            </a:r>
-            <a:endParaRPr lang="en-CA" dirty="0"/>
+            <a:pPr algn="ctr"/>
+            <a:endParaRPr lang="en-US"/>
           </a:p>
         </p:txBody>
       </p:sp>
@@ -4004,16 +4216,14 @@
         </p:nvSpPr>
         <p:spPr/>
         <p:txBody>
-          <a:bodyPr/>
+          <a:bodyPr>
+            <a:normAutofit/>
+          </a:bodyPr>
           <a:lstStyle/>
           <a:p>
             <a:r>
-              <a:rPr lang="en-CA" dirty="0"/>
-              <a:t>C) </a:t>
-            </a:r>
-            <a:r>
               <a:rPr lang="en-CA" sz="3000" dirty="0"/>
-              <a:t>Solution </a:t>
+              <a:t>C) Solution </a:t>
             </a:r>
             <a:r>
               <a:rPr lang="en-CA" sz="3000" dirty="0" err="1"/>
@@ -5444,16 +5654,14 @@
         </p:nvSpPr>
         <p:spPr/>
         <p:txBody>
-          <a:bodyPr/>
+          <a:bodyPr>
+            <a:normAutofit/>
+          </a:bodyPr>
           <a:lstStyle/>
           <a:p>
             <a:r>
-              <a:rPr lang="en-CA" dirty="0"/>
-              <a:t>C) </a:t>
-            </a:r>
-            <a:r>
               <a:rPr lang="en-CA" sz="3000" dirty="0"/>
-              <a:t>Solution </a:t>
+              <a:t>C) Solution </a:t>
             </a:r>
             <a:r>
               <a:rPr lang="en-CA" sz="3000" dirty="0" err="1"/>
@@ -5511,8 +5719,8 @@
           </a:p>
         </p:txBody>
       </p:sp>
-      <mc:AlternateContent xmlns:mc="http://schemas.openxmlformats.org/markup-compatibility/2006">
-        <mc:Choice xmlns:a14="http://schemas.microsoft.com/office/drawing/2010/main" Requires="a14">
+      <mc:AlternateContent xmlns:mc="http://schemas.openxmlformats.org/markup-compatibility/2006" xmlns:a14="http://schemas.microsoft.com/office/drawing/2010/main">
+        <mc:Choice Requires="a14">
           <p:sp>
             <p:nvSpPr>
               <p:cNvPr id="3" name="Content Placeholder 2">
@@ -6736,7 +6944,7 @@
             </p:txBody>
           </p:sp>
         </mc:Choice>
-        <mc:Fallback>
+        <mc:Fallback xmlns="">
           <p:sp>
             <p:nvSpPr>
               <p:cNvPr id="3" name="Content Placeholder 2">
@@ -6834,16 +7042,14 @@
         </p:nvSpPr>
         <p:spPr/>
         <p:txBody>
-          <a:bodyPr/>
+          <a:bodyPr>
+            <a:normAutofit/>
+          </a:bodyPr>
           <a:lstStyle/>
           <a:p>
             <a:r>
-              <a:rPr lang="en-CA" dirty="0"/>
-              <a:t>C) </a:t>
-            </a:r>
-            <a:r>
               <a:rPr lang="en-CA" sz="3000" dirty="0"/>
-              <a:t>Solution </a:t>
+              <a:t>C) Solution </a:t>
             </a:r>
             <a:r>
               <a:rPr lang="en-CA" sz="3000" dirty="0" err="1"/>
@@ -6885,8 +7091,8 @@
           </a:p>
         </p:txBody>
       </p:sp>
-      <mc:AlternateContent xmlns:mc="http://schemas.openxmlformats.org/markup-compatibility/2006">
-        <mc:Choice xmlns:a14="http://schemas.microsoft.com/office/drawing/2010/main" Requires="a14">
+      <mc:AlternateContent xmlns:mc="http://schemas.openxmlformats.org/markup-compatibility/2006" xmlns:a14="http://schemas.microsoft.com/office/drawing/2010/main">
+        <mc:Choice Requires="a14">
           <p:sp>
             <p:nvSpPr>
               <p:cNvPr id="3" name="Content Placeholder 2">
@@ -6934,13 +7140,7 @@
                         <a:rPr lang="en-US" b="0" i="1" smtClean="0">
                           <a:latin typeface="Cambria Math" panose="02040503050406030204" pitchFamily="18" charset="0"/>
                         </a:rPr>
-                        <m:t>=</m:t>
-                      </m:r>
-                      <m:r>
-                        <a:rPr lang="en-US" b="0" i="1" smtClean="0">
-                          <a:latin typeface="Cambria Math" panose="02040503050406030204" pitchFamily="18" charset="0"/>
-                        </a:rPr>
-                        <m:t>∫</m:t>
+                        <m:t>=∫</m:t>
                       </m:r>
                       <m:f>
                         <m:fPr>
@@ -9130,7 +9330,7 @@
             </p:txBody>
           </p:sp>
         </mc:Choice>
-        <mc:Fallback>
+        <mc:Fallback xmlns="">
           <p:sp>
             <p:nvSpPr>
               <p:cNvPr id="3" name="Content Placeholder 2">
@@ -9189,6 +9389,700 @@
       <p188:commentRel xmlns:p188="http://schemas.microsoft.com/office/powerpoint/2018/8/main" r:id="rId2"/>
     </p:ext>
   </p:extLst>
+</p:sld>
+</file>
+
+<file path=ppt/slides/slide13.xml><?xml version="1.0" encoding="utf-8"?>
+<p:sld xmlns:a="http://schemas.openxmlformats.org/drawingml/2006/main" xmlns:r="http://schemas.openxmlformats.org/officeDocument/2006/relationships" xmlns:p="http://schemas.openxmlformats.org/presentationml/2006/main">
+  <p:cSld>
+    <p:spTree>
+      <p:nvGrpSpPr>
+        <p:cNvPr id="1" name=""/>
+        <p:cNvGrpSpPr/>
+        <p:nvPr/>
+      </p:nvGrpSpPr>
+      <p:grpSpPr>
+        <a:xfrm>
+          <a:off x="0" y="0"/>
+          <a:ext cx="0" cy="0"/>
+          <a:chOff x="0" y="0"/>
+          <a:chExt cx="0" cy="0"/>
+        </a:xfrm>
+      </p:grpSpPr>
+      <p:sp>
+        <p:nvSpPr>
+          <p:cNvPr id="2" name="Title 1">
+            <a:extLst>
+              <a:ext uri="{FF2B5EF4-FFF2-40B4-BE49-F238E27FC236}">
+                <a16:creationId xmlns:a16="http://schemas.microsoft.com/office/drawing/2014/main" id="{9E2C54F0-3E66-F13E-0173-C98843B0C7D0}"/>
+              </a:ext>
+            </a:extLst>
+          </p:cNvPr>
+          <p:cNvSpPr>
+            <a:spLocks noGrp="1"/>
+          </p:cNvSpPr>
+          <p:nvPr>
+            <p:ph type="title"/>
+          </p:nvPr>
+        </p:nvSpPr>
+        <p:spPr/>
+        <p:txBody>
+          <a:bodyPr>
+            <a:normAutofit/>
+          </a:bodyPr>
+          <a:lstStyle/>
+          <a:p>
+            <a:r>
+              <a:rPr lang="en-US" sz="4000" dirty="0"/>
+              <a:t>D) </a:t>
+            </a:r>
+            <a:r>
+              <a:rPr lang="en-US" sz="4000" dirty="0" err="1"/>
+              <a:t>Profil</a:t>
+            </a:r>
+            <a:r>
+              <a:rPr lang="en-US" sz="4000" dirty="0"/>
+              <a:t> de concentration à </a:t>
+            </a:r>
+            <a:r>
+              <a:rPr lang="en-US" sz="4000" dirty="0" err="1"/>
+              <a:t>l’état</a:t>
+            </a:r>
+            <a:r>
+              <a:rPr lang="en-US" sz="4000" dirty="0"/>
+              <a:t> </a:t>
+            </a:r>
+            <a:r>
+              <a:rPr lang="en-US" sz="4000" dirty="0" err="1"/>
+              <a:t>stationnaire</a:t>
+            </a:r>
+            <a:endParaRPr lang="en-CA" sz="4000" dirty="0"/>
+          </a:p>
+        </p:txBody>
+      </p:sp>
+      <p:sp>
+        <p:nvSpPr>
+          <p:cNvPr id="3" name="Content Placeholder 2">
+            <a:extLst>
+              <a:ext uri="{FF2B5EF4-FFF2-40B4-BE49-F238E27FC236}">
+                <a16:creationId xmlns:a16="http://schemas.microsoft.com/office/drawing/2014/main" id="{90B36E41-3413-6A8B-DFA4-896DBF955A38}"/>
+              </a:ext>
+            </a:extLst>
+          </p:cNvPr>
+          <p:cNvSpPr>
+            <a:spLocks noGrp="1"/>
+          </p:cNvSpPr>
+          <p:nvPr>
+            <p:ph idx="1"/>
+          </p:nvPr>
+        </p:nvSpPr>
+        <p:spPr/>
+        <p:txBody>
+          <a:bodyPr/>
+          <a:lstStyle/>
+          <a:p>
+            <a:r>
+              <a:rPr lang="en-US" dirty="0" err="1">
+                <a:highlight>
+                  <a:srgbClr val="FFFF00"/>
+                </a:highlight>
+              </a:rPr>
+              <a:t>Inserer</a:t>
+            </a:r>
+            <a:r>
+              <a:rPr lang="en-US" dirty="0">
+                <a:highlight>
+                  <a:srgbClr val="FFFF00"/>
+                </a:highlight>
+              </a:rPr>
+              <a:t> image</a:t>
+            </a:r>
+            <a:endParaRPr lang="en-CA" dirty="0">
+              <a:highlight>
+                <a:srgbClr val="FFFF00"/>
+              </a:highlight>
+            </a:endParaRPr>
+          </a:p>
+        </p:txBody>
+      </p:sp>
+    </p:spTree>
+    <p:extLst>
+      <p:ext uri="{BB962C8B-B14F-4D97-AF65-F5344CB8AC3E}">
+        <p14:creationId xmlns:p14="http://schemas.microsoft.com/office/powerpoint/2010/main" val="3682234797"/>
+      </p:ext>
+    </p:extLst>
+  </p:cSld>
+  <p:clrMapOvr>
+    <a:masterClrMapping/>
+  </p:clrMapOvr>
+</p:sld>
+</file>
+
+<file path=ppt/slides/slide14.xml><?xml version="1.0" encoding="utf-8"?>
+<p:sld xmlns:a="http://schemas.openxmlformats.org/drawingml/2006/main" xmlns:r="http://schemas.openxmlformats.org/officeDocument/2006/relationships" xmlns:p="http://schemas.openxmlformats.org/presentationml/2006/main">
+  <p:cSld>
+    <p:spTree>
+      <p:nvGrpSpPr>
+        <p:cNvPr id="1" name="">
+          <a:extLst>
+            <a:ext uri="{FF2B5EF4-FFF2-40B4-BE49-F238E27FC236}">
+              <a16:creationId xmlns:a16="http://schemas.microsoft.com/office/drawing/2014/main" id="{9C7A5AC1-4B88-82EA-D1C5-B84A8384BE01}"/>
+            </a:ext>
+          </a:extLst>
+        </p:cNvPr>
+        <p:cNvGrpSpPr/>
+        <p:nvPr/>
+      </p:nvGrpSpPr>
+      <p:grpSpPr>
+        <a:xfrm>
+          <a:off x="0" y="0"/>
+          <a:ext cx="0" cy="0"/>
+          <a:chOff x="0" y="0"/>
+          <a:chExt cx="0" cy="0"/>
+        </a:xfrm>
+      </p:grpSpPr>
+      <p:sp>
+        <p:nvSpPr>
+          <p:cNvPr id="2" name="Title 1">
+            <a:extLst>
+              <a:ext uri="{FF2B5EF4-FFF2-40B4-BE49-F238E27FC236}">
+                <a16:creationId xmlns:a16="http://schemas.microsoft.com/office/drawing/2014/main" id="{8FD00779-5958-F263-6DEA-3CB3806443FD}"/>
+              </a:ext>
+            </a:extLst>
+          </p:cNvPr>
+          <p:cNvSpPr>
+            <a:spLocks noGrp="1"/>
+          </p:cNvSpPr>
+          <p:nvPr>
+            <p:ph type="title"/>
+          </p:nvPr>
+        </p:nvSpPr>
+        <p:spPr/>
+        <p:txBody>
+          <a:bodyPr>
+            <a:normAutofit/>
+          </a:bodyPr>
+          <a:lstStyle/>
+          <a:p>
+            <a:r>
+              <a:rPr lang="en-US" sz="4000" dirty="0"/>
+              <a:t>E-a) </a:t>
+            </a:r>
+            <a:r>
+              <a:rPr lang="en-US" sz="4000" dirty="0" err="1"/>
+              <a:t>Paramètres</a:t>
+            </a:r>
+            <a:r>
+              <a:rPr lang="en-US" sz="4000" dirty="0"/>
+              <a:t> de la simulation </a:t>
+            </a:r>
+            <a:r>
+              <a:rPr lang="en-US" sz="4000" dirty="0" err="1"/>
+              <a:t>stationnaire</a:t>
+            </a:r>
+            <a:endParaRPr lang="en-CA" sz="4000" dirty="0"/>
+          </a:p>
+        </p:txBody>
+      </p:sp>
+      <p:sp>
+        <p:nvSpPr>
+          <p:cNvPr id="3" name="Content Placeholder 2">
+            <a:extLst>
+              <a:ext uri="{FF2B5EF4-FFF2-40B4-BE49-F238E27FC236}">
+                <a16:creationId xmlns:a16="http://schemas.microsoft.com/office/drawing/2014/main" id="{E6A01AB2-1BC1-1766-DF80-633ACD82EC7F}"/>
+              </a:ext>
+            </a:extLst>
+          </p:cNvPr>
+          <p:cNvSpPr>
+            <a:spLocks noGrp="1"/>
+          </p:cNvSpPr>
+          <p:nvPr>
+            <p:ph idx="1"/>
+          </p:nvPr>
+        </p:nvSpPr>
+        <p:spPr/>
+        <p:txBody>
+          <a:bodyPr>
+            <a:normAutofit/>
+          </a:bodyPr>
+          <a:lstStyle/>
+          <a:p>
+            <a:r>
+              <a:rPr lang="fr-FR" dirty="0"/>
+              <a:t>A partir de ce code générique, soit écrire un code pour résoudre le cas stationnaire directement ou soit faire rouler le code jusqu’à la solution stationnaire (c-à-d l’Eq.(3) développée avec S constant). a. préciser tous les paramètres de la simulation utilisés. </a:t>
+            </a:r>
+            <a:endParaRPr lang="en-CA" dirty="0"/>
+          </a:p>
+        </p:txBody>
+      </p:sp>
+    </p:spTree>
+    <p:extLst>
+      <p:ext uri="{BB962C8B-B14F-4D97-AF65-F5344CB8AC3E}">
+        <p14:creationId xmlns:p14="http://schemas.microsoft.com/office/powerpoint/2010/main" val="154940256"/>
+      </p:ext>
+    </p:extLst>
+  </p:cSld>
+  <p:clrMapOvr>
+    <a:masterClrMapping/>
+  </p:clrMapOvr>
+</p:sld>
+</file>
+
+<file path=ppt/slides/slide15.xml><?xml version="1.0" encoding="utf-8"?>
+<p:sld xmlns:a="http://schemas.openxmlformats.org/drawingml/2006/main" xmlns:r="http://schemas.openxmlformats.org/officeDocument/2006/relationships" xmlns:p="http://schemas.openxmlformats.org/presentationml/2006/main">
+  <p:cSld>
+    <p:spTree>
+      <p:nvGrpSpPr>
+        <p:cNvPr id="1" name=""/>
+        <p:cNvGrpSpPr/>
+        <p:nvPr/>
+      </p:nvGrpSpPr>
+      <p:grpSpPr>
+        <a:xfrm>
+          <a:off x="0" y="0"/>
+          <a:ext cx="0" cy="0"/>
+          <a:chOff x="0" y="0"/>
+          <a:chExt cx="0" cy="0"/>
+        </a:xfrm>
+      </p:grpSpPr>
+      <p:sp>
+        <p:nvSpPr>
+          <p:cNvPr id="2" name="Title 1">
+            <a:extLst>
+              <a:ext uri="{FF2B5EF4-FFF2-40B4-BE49-F238E27FC236}">
+                <a16:creationId xmlns:a16="http://schemas.microsoft.com/office/drawing/2014/main" id="{C4DADB91-2171-0585-EDF1-6999E4B93A1A}"/>
+              </a:ext>
+            </a:extLst>
+          </p:cNvPr>
+          <p:cNvSpPr>
+            <a:spLocks noGrp="1"/>
+          </p:cNvSpPr>
+          <p:nvPr>
+            <p:ph type="title"/>
+          </p:nvPr>
+        </p:nvSpPr>
+        <p:spPr/>
+        <p:txBody>
+          <a:bodyPr>
+            <a:normAutofit/>
+          </a:bodyPr>
+          <a:lstStyle/>
+          <a:p>
+            <a:r>
+              <a:rPr lang="en-US" sz="4000" dirty="0"/>
+              <a:t>E-b) </a:t>
+            </a:r>
+            <a:r>
+              <a:rPr lang="en-US" sz="4000" dirty="0" err="1"/>
+              <a:t>Vérification</a:t>
+            </a:r>
+            <a:r>
+              <a:rPr lang="en-US" sz="4000" dirty="0"/>
+              <a:t> avec la solution </a:t>
+            </a:r>
+            <a:r>
+              <a:rPr lang="en-US" sz="4000" dirty="0" err="1"/>
+              <a:t>analytique</a:t>
+            </a:r>
+            <a:endParaRPr lang="en-CA" sz="4000" dirty="0"/>
+          </a:p>
+        </p:txBody>
+      </p:sp>
+      <p:sp>
+        <p:nvSpPr>
+          <p:cNvPr id="3" name="Content Placeholder 2">
+            <a:extLst>
+              <a:ext uri="{FF2B5EF4-FFF2-40B4-BE49-F238E27FC236}">
+                <a16:creationId xmlns:a16="http://schemas.microsoft.com/office/drawing/2014/main" id="{654A8010-B541-576B-B2F1-01BEE57375C3}"/>
+              </a:ext>
+            </a:extLst>
+          </p:cNvPr>
+          <p:cNvSpPr>
+            <a:spLocks noGrp="1"/>
+          </p:cNvSpPr>
+          <p:nvPr>
+            <p:ph idx="1"/>
+          </p:nvPr>
+        </p:nvSpPr>
+        <p:spPr/>
+        <p:txBody>
+          <a:bodyPr>
+            <a:normAutofit/>
+          </a:bodyPr>
+          <a:lstStyle/>
+          <a:p>
+            <a:r>
+              <a:rPr lang="fr-FR" dirty="0">
+                <a:highlight>
+                  <a:srgbClr val="FFFF00"/>
+                </a:highlight>
+              </a:rPr>
+              <a:t>Insert</a:t>
+            </a:r>
+            <a:r>
+              <a:rPr lang="fr-FR" dirty="0"/>
+              <a:t> graphique les erreurs L1, L2 et L∞. c. constatez-vous un problème avec cette procédure de vérification ?</a:t>
+            </a:r>
+            <a:endParaRPr lang="en-CA" dirty="0"/>
+          </a:p>
+        </p:txBody>
+      </p:sp>
+    </p:spTree>
+    <p:extLst>
+      <p:ext uri="{BB962C8B-B14F-4D97-AF65-F5344CB8AC3E}">
+        <p14:creationId xmlns:p14="http://schemas.microsoft.com/office/powerpoint/2010/main" val="1758610269"/>
+      </p:ext>
+    </p:extLst>
+  </p:cSld>
+  <p:clrMapOvr>
+    <a:masterClrMapping/>
+  </p:clrMapOvr>
+</p:sld>
+</file>
+
+<file path=ppt/slides/slide16.xml><?xml version="1.0" encoding="utf-8"?>
+<p:sld xmlns:a="http://schemas.openxmlformats.org/drawingml/2006/main" xmlns:r="http://schemas.openxmlformats.org/officeDocument/2006/relationships" xmlns:p="http://schemas.openxmlformats.org/presentationml/2006/main">
+  <p:cSld>
+    <p:spTree>
+      <p:nvGrpSpPr>
+        <p:cNvPr id="1" name="">
+          <a:extLst>
+            <a:ext uri="{FF2B5EF4-FFF2-40B4-BE49-F238E27FC236}">
+              <a16:creationId xmlns:a16="http://schemas.microsoft.com/office/drawing/2014/main" id="{5E347E2E-AC85-D215-CAF4-7ED0DD47EBAE}"/>
+            </a:ext>
+          </a:extLst>
+        </p:cNvPr>
+        <p:cNvGrpSpPr/>
+        <p:nvPr/>
+      </p:nvGrpSpPr>
+      <p:grpSpPr>
+        <a:xfrm>
+          <a:off x="0" y="0"/>
+          <a:ext cx="0" cy="0"/>
+          <a:chOff x="0" y="0"/>
+          <a:chExt cx="0" cy="0"/>
+        </a:xfrm>
+      </p:grpSpPr>
+      <p:sp>
+        <p:nvSpPr>
+          <p:cNvPr id="2" name="Title 1">
+            <a:extLst>
+              <a:ext uri="{FF2B5EF4-FFF2-40B4-BE49-F238E27FC236}">
+                <a16:creationId xmlns:a16="http://schemas.microsoft.com/office/drawing/2014/main" id="{C009CC3B-A4AF-17FC-9AE2-F22D28CBB55B}"/>
+              </a:ext>
+            </a:extLst>
+          </p:cNvPr>
+          <p:cNvSpPr>
+            <a:spLocks noGrp="1"/>
+          </p:cNvSpPr>
+          <p:nvPr>
+            <p:ph type="title"/>
+          </p:nvPr>
+        </p:nvSpPr>
+        <p:spPr/>
+        <p:txBody>
+          <a:bodyPr>
+            <a:normAutofit/>
+          </a:bodyPr>
+          <a:lstStyle/>
+          <a:p>
+            <a:r>
+              <a:rPr lang="en-US" sz="4000" dirty="0"/>
+              <a:t>F-a) Reprise avec </a:t>
+            </a:r>
+            <a:r>
+              <a:rPr lang="en-US" sz="4000" dirty="0" err="1"/>
+              <a:t>schémas</a:t>
+            </a:r>
+            <a:r>
+              <a:rPr lang="en-US" sz="4000" dirty="0"/>
+              <a:t> </a:t>
+            </a:r>
+            <a:r>
+              <a:rPr lang="en-US" sz="4000" dirty="0" err="1"/>
+              <a:t>d’ordre</a:t>
+            </a:r>
+            <a:r>
+              <a:rPr lang="en-US" sz="4000" dirty="0"/>
+              <a:t> 2 - </a:t>
+            </a:r>
+            <a:r>
+              <a:rPr lang="en-US" sz="4000" dirty="0" err="1"/>
+              <a:t>vérification</a:t>
+            </a:r>
+            <a:endParaRPr lang="en-CA" sz="4000" dirty="0"/>
+          </a:p>
+        </p:txBody>
+      </p:sp>
+      <p:sp>
+        <p:nvSpPr>
+          <p:cNvPr id="3" name="Content Placeholder 2">
+            <a:extLst>
+              <a:ext uri="{FF2B5EF4-FFF2-40B4-BE49-F238E27FC236}">
+                <a16:creationId xmlns:a16="http://schemas.microsoft.com/office/drawing/2014/main" id="{EF4481F0-0D98-CC04-2113-7B69D1ACA235}"/>
+              </a:ext>
+            </a:extLst>
+          </p:cNvPr>
+          <p:cNvSpPr>
+            <a:spLocks noGrp="1"/>
+          </p:cNvSpPr>
+          <p:nvPr>
+            <p:ph idx="1"/>
+          </p:nvPr>
+        </p:nvSpPr>
+        <p:spPr/>
+        <p:txBody>
+          <a:bodyPr>
+            <a:normAutofit/>
+          </a:bodyPr>
+          <a:lstStyle/>
+          <a:p>
+            <a:r>
+              <a:rPr lang="fr-FR" dirty="0"/>
+              <a:t>a. refaire les vérifications</a:t>
+            </a:r>
+            <a:endParaRPr lang="en-CA" dirty="0"/>
+          </a:p>
+        </p:txBody>
+      </p:sp>
+    </p:spTree>
+    <p:extLst>
+      <p:ext uri="{BB962C8B-B14F-4D97-AF65-F5344CB8AC3E}">
+        <p14:creationId xmlns:p14="http://schemas.microsoft.com/office/powerpoint/2010/main" val="1371653187"/>
+      </p:ext>
+    </p:extLst>
+  </p:cSld>
+  <p:clrMapOvr>
+    <a:masterClrMapping/>
+  </p:clrMapOvr>
+</p:sld>
+</file>
+
+<file path=ppt/slides/slide17.xml><?xml version="1.0" encoding="utf-8"?>
+<p:sld xmlns:a="http://schemas.openxmlformats.org/drawingml/2006/main" xmlns:r="http://schemas.openxmlformats.org/officeDocument/2006/relationships" xmlns:p="http://schemas.openxmlformats.org/presentationml/2006/main">
+  <p:cSld>
+    <p:spTree>
+      <p:nvGrpSpPr>
+        <p:cNvPr id="1" name="">
+          <a:extLst>
+            <a:ext uri="{FF2B5EF4-FFF2-40B4-BE49-F238E27FC236}">
+              <a16:creationId xmlns:a16="http://schemas.microsoft.com/office/drawing/2014/main" id="{44564F1C-57DC-EAEA-CF3E-47F854D4475D}"/>
+            </a:ext>
+          </a:extLst>
+        </p:cNvPr>
+        <p:cNvGrpSpPr/>
+        <p:nvPr/>
+      </p:nvGrpSpPr>
+      <p:grpSpPr>
+        <a:xfrm>
+          <a:off x="0" y="0"/>
+          <a:ext cx="0" cy="0"/>
+          <a:chOff x="0" y="0"/>
+          <a:chExt cx="0" cy="0"/>
+        </a:xfrm>
+      </p:grpSpPr>
+      <p:sp>
+        <p:nvSpPr>
+          <p:cNvPr id="2" name="Title 1">
+            <a:extLst>
+              <a:ext uri="{FF2B5EF4-FFF2-40B4-BE49-F238E27FC236}">
+                <a16:creationId xmlns:a16="http://schemas.microsoft.com/office/drawing/2014/main" id="{E0EE2BA8-0946-602E-EB84-4324B372F7E6}"/>
+              </a:ext>
+            </a:extLst>
+          </p:cNvPr>
+          <p:cNvSpPr>
+            <a:spLocks noGrp="1"/>
+          </p:cNvSpPr>
+          <p:nvPr>
+            <p:ph type="title"/>
+          </p:nvPr>
+        </p:nvSpPr>
+        <p:spPr/>
+        <p:txBody>
+          <a:bodyPr>
+            <a:normAutofit/>
+          </a:bodyPr>
+          <a:lstStyle/>
+          <a:p>
+            <a:r>
+              <a:rPr lang="en-US" sz="4000" dirty="0"/>
+              <a:t>F-b) </a:t>
+            </a:r>
+            <a:r>
+              <a:rPr lang="en-US" sz="4000" dirty="0" err="1"/>
+              <a:t>Comparaison</a:t>
+            </a:r>
+            <a:r>
+              <a:rPr lang="en-US" sz="4000" dirty="0"/>
+              <a:t> des </a:t>
+            </a:r>
+            <a:r>
+              <a:rPr lang="en-US" sz="4000" dirty="0" err="1"/>
+              <a:t>profils</a:t>
+            </a:r>
+            <a:r>
+              <a:rPr lang="en-US" sz="4000" dirty="0"/>
+              <a:t> de concentration</a:t>
+            </a:r>
+            <a:endParaRPr lang="en-CA" sz="4000" dirty="0"/>
+          </a:p>
+        </p:txBody>
+      </p:sp>
+      <p:sp>
+        <p:nvSpPr>
+          <p:cNvPr id="3" name="Content Placeholder 2">
+            <a:extLst>
+              <a:ext uri="{FF2B5EF4-FFF2-40B4-BE49-F238E27FC236}">
+                <a16:creationId xmlns:a16="http://schemas.microsoft.com/office/drawing/2014/main" id="{EAEAA665-25F9-39EB-C3E3-C120EBF82C28}"/>
+              </a:ext>
+            </a:extLst>
+          </p:cNvPr>
+          <p:cNvSpPr>
+            <a:spLocks noGrp="1"/>
+          </p:cNvSpPr>
+          <p:nvPr>
+            <p:ph idx="1"/>
+          </p:nvPr>
+        </p:nvSpPr>
+        <p:spPr/>
+        <p:txBody>
+          <a:bodyPr>
+            <a:normAutofit/>
+          </a:bodyPr>
+          <a:lstStyle/>
+          <a:p>
+            <a:r>
+              <a:rPr lang="fr-FR" dirty="0"/>
+              <a:t>b. tracer les profils de concentration obtenus avec les deux schémas numériques. </a:t>
+            </a:r>
+            <a:r>
+              <a:rPr lang="fr-FR" dirty="0">
+                <a:highlight>
+                  <a:srgbClr val="FFFF00"/>
+                </a:highlight>
+              </a:rPr>
+              <a:t>INSERT graphs</a:t>
+            </a:r>
+            <a:endParaRPr lang="en-CA" dirty="0">
+              <a:highlight>
+                <a:srgbClr val="FFFF00"/>
+              </a:highlight>
+            </a:endParaRPr>
+          </a:p>
+        </p:txBody>
+      </p:sp>
+    </p:spTree>
+    <p:extLst>
+      <p:ext uri="{BB962C8B-B14F-4D97-AF65-F5344CB8AC3E}">
+        <p14:creationId xmlns:p14="http://schemas.microsoft.com/office/powerpoint/2010/main" val="2642193640"/>
+      </p:ext>
+    </p:extLst>
+  </p:cSld>
+  <p:clrMapOvr>
+    <a:masterClrMapping/>
+  </p:clrMapOvr>
+</p:sld>
+</file>
+
+<file path=ppt/slides/slide18.xml><?xml version="1.0" encoding="utf-8"?>
+<p:sld xmlns:a="http://schemas.openxmlformats.org/drawingml/2006/main" xmlns:r="http://schemas.openxmlformats.org/officeDocument/2006/relationships" xmlns:p="http://schemas.openxmlformats.org/presentationml/2006/main">
+  <p:cSld>
+    <p:spTree>
+      <p:nvGrpSpPr>
+        <p:cNvPr id="1" name="">
+          <a:extLst>
+            <a:ext uri="{FF2B5EF4-FFF2-40B4-BE49-F238E27FC236}">
+              <a16:creationId xmlns:a16="http://schemas.microsoft.com/office/drawing/2014/main" id="{7F0B8EE4-930B-6D97-EB2B-1B03CE236D15}"/>
+            </a:ext>
+          </a:extLst>
+        </p:cNvPr>
+        <p:cNvGrpSpPr/>
+        <p:nvPr/>
+      </p:nvGrpSpPr>
+      <p:grpSpPr>
+        <a:xfrm>
+          <a:off x="0" y="0"/>
+          <a:ext cx="0" cy="0"/>
+          <a:chOff x="0" y="0"/>
+          <a:chExt cx="0" cy="0"/>
+        </a:xfrm>
+      </p:grpSpPr>
+      <p:sp>
+        <p:nvSpPr>
+          <p:cNvPr id="2" name="Title 1">
+            <a:extLst>
+              <a:ext uri="{FF2B5EF4-FFF2-40B4-BE49-F238E27FC236}">
+                <a16:creationId xmlns:a16="http://schemas.microsoft.com/office/drawing/2014/main" id="{BAF1B1AF-8E5A-D995-180C-39E557D09817}"/>
+              </a:ext>
+            </a:extLst>
+          </p:cNvPr>
+          <p:cNvSpPr>
+            <a:spLocks noGrp="1"/>
+          </p:cNvSpPr>
+          <p:nvPr>
+            <p:ph type="title"/>
+          </p:nvPr>
+        </p:nvSpPr>
+        <p:spPr/>
+        <p:txBody>
+          <a:bodyPr>
+            <a:normAutofit/>
+          </a:bodyPr>
+          <a:lstStyle/>
+          <a:p>
+            <a:r>
+              <a:rPr lang="en-US" sz="4000" dirty="0"/>
+              <a:t>F-c) </a:t>
+            </a:r>
+            <a:r>
+              <a:rPr lang="en-US" sz="4000" dirty="0" err="1"/>
+              <a:t>Commentaire</a:t>
+            </a:r>
+            <a:endParaRPr lang="en-CA" sz="4000" dirty="0"/>
+          </a:p>
+        </p:txBody>
+      </p:sp>
+      <p:sp>
+        <p:nvSpPr>
+          <p:cNvPr id="3" name="Content Placeholder 2">
+            <a:extLst>
+              <a:ext uri="{FF2B5EF4-FFF2-40B4-BE49-F238E27FC236}">
+                <a16:creationId xmlns:a16="http://schemas.microsoft.com/office/drawing/2014/main" id="{8BF5A1EC-E298-0AA9-CD0B-613EFE7549AA}"/>
+              </a:ext>
+            </a:extLst>
+          </p:cNvPr>
+          <p:cNvSpPr>
+            <a:spLocks noGrp="1"/>
+          </p:cNvSpPr>
+          <p:nvPr>
+            <p:ph idx="1"/>
+          </p:nvPr>
+        </p:nvSpPr>
+        <p:spPr/>
+        <p:txBody>
+          <a:bodyPr>
+            <a:normAutofit/>
+          </a:bodyPr>
+          <a:lstStyle/>
+          <a:p>
+            <a:r>
+              <a:rPr lang="fr-FR" dirty="0"/>
+              <a:t> c. que constatez-vous maintenant ? </a:t>
+            </a:r>
+            <a:endParaRPr lang="en-CA" dirty="0"/>
+          </a:p>
+        </p:txBody>
+      </p:sp>
+    </p:spTree>
+    <p:extLst>
+      <p:ext uri="{BB962C8B-B14F-4D97-AF65-F5344CB8AC3E}">
+        <p14:creationId xmlns:p14="http://schemas.microsoft.com/office/powerpoint/2010/main" val="628067341"/>
+      </p:ext>
+    </p:extLst>
+  </p:cSld>
+  <p:clrMapOvr>
+    <a:masterClrMapping/>
+  </p:clrMapOvr>
 </p:sld>
 </file>
 
@@ -9227,23 +10121,25 @@
         </p:nvSpPr>
         <p:spPr/>
         <p:txBody>
-          <a:bodyPr/>
+          <a:bodyPr>
+            <a:normAutofit/>
+          </a:bodyPr>
           <a:lstStyle/>
           <a:p>
             <a:r>
-              <a:rPr lang="en-CA" dirty="0"/>
+              <a:rPr lang="en-CA" sz="4000" dirty="0"/>
               <a:t>A-a) Type de </a:t>
             </a:r>
             <a:r>
-              <a:rPr lang="en-CA" dirty="0" err="1"/>
+              <a:rPr lang="en-CA" sz="4000" dirty="0" err="1"/>
               <a:t>l’équation</a:t>
             </a:r>
-            <a:endParaRPr lang="en-CA" dirty="0"/>
+            <a:endParaRPr lang="en-CA" sz="4000" dirty="0"/>
           </a:p>
         </p:txBody>
       </p:sp>
-      <mc:AlternateContent xmlns:mc="http://schemas.openxmlformats.org/markup-compatibility/2006">
-        <mc:Choice xmlns:a14="http://schemas.microsoft.com/office/drawing/2010/main" Requires="a14">
+      <mc:AlternateContent xmlns:mc="http://schemas.openxmlformats.org/markup-compatibility/2006" xmlns:a14="http://schemas.microsoft.com/office/drawing/2010/main">
+        <mc:Choice Requires="a14">
           <p:sp>
             <p:nvSpPr>
               <p:cNvPr id="3" name="Content Placeholder 2">
@@ -10726,7 +11622,7 @@
             </p:txBody>
           </p:sp>
         </mc:Choice>
-        <mc:Fallback>
+        <mc:Fallback xmlns="">
           <p:sp>
             <p:nvSpPr>
               <p:cNvPr id="3" name="Content Placeholder 2">
@@ -10824,22 +11720,22 @@
           <a:lstStyle/>
           <a:p>
             <a:r>
-              <a:rPr lang="en-CA" dirty="0"/>
+              <a:rPr lang="en-CA" sz="4000" dirty="0"/>
               <a:t>A-b) Dimension du </a:t>
             </a:r>
             <a:r>
-              <a:rPr lang="en-CA" dirty="0" err="1"/>
+              <a:rPr lang="en-CA" sz="4000" dirty="0" err="1"/>
               <a:t>problème</a:t>
             </a:r>
             <a:r>
-              <a:rPr lang="en-CA" dirty="0"/>
+              <a:rPr lang="en-CA" sz="4000" dirty="0"/>
               <a:t> et  </a:t>
             </a:r>
             <a:r>
-              <a:rPr lang="en-CA" dirty="0" err="1"/>
+              <a:rPr lang="en-CA" sz="4000" dirty="0" err="1"/>
               <a:t>symétrie</a:t>
             </a:r>
-            <a:endParaRPr lang="en-CA" dirty="0"/>
+            <a:endParaRPr lang="en-CA" sz="4000" dirty="0"/>
           </a:p>
         </p:txBody>
       </p:sp>
@@ -12093,31 +12989,33 @@
         </p:nvSpPr>
         <p:spPr/>
         <p:txBody>
-          <a:bodyPr/>
+          <a:bodyPr>
+            <a:normAutofit/>
+          </a:bodyPr>
           <a:lstStyle/>
           <a:p>
             <a:r>
-              <a:rPr lang="en-CA" dirty="0"/>
+              <a:rPr lang="en-CA" sz="4000" dirty="0"/>
               <a:t>A-c) </a:t>
             </a:r>
             <a:r>
-              <a:rPr lang="en-CA" dirty="0" err="1"/>
+              <a:rPr lang="en-CA" sz="4000" dirty="0" err="1"/>
               <a:t>Discrétisation</a:t>
             </a:r>
             <a:r>
-              <a:rPr lang="en-CA" dirty="0"/>
+              <a:rPr lang="en-CA" sz="4000" dirty="0"/>
               <a:t> du </a:t>
             </a:r>
             <a:r>
-              <a:rPr lang="en-CA" dirty="0" err="1"/>
+              <a:rPr lang="en-CA" sz="4000" dirty="0" err="1"/>
               <a:t>domaine</a:t>
             </a:r>
-            <a:endParaRPr lang="en-CA" dirty="0"/>
+            <a:endParaRPr lang="en-CA" sz="4000" dirty="0"/>
           </a:p>
         </p:txBody>
       </p:sp>
-      <mc:AlternateContent xmlns:mc="http://schemas.openxmlformats.org/markup-compatibility/2006">
-        <mc:Choice xmlns:a14="http://schemas.microsoft.com/office/drawing/2010/main" Requires="a14">
+      <mc:AlternateContent xmlns:mc="http://schemas.openxmlformats.org/markup-compatibility/2006" xmlns:a14="http://schemas.microsoft.com/office/drawing/2010/main">
+        <mc:Choice Requires="a14">
           <p:sp>
             <p:nvSpPr>
               <p:cNvPr id="3" name="Content Placeholder 2">
@@ -12243,7 +13141,7 @@
             </p:txBody>
           </p:sp>
         </mc:Choice>
-        <mc:Fallback>
+        <mc:Fallback xmlns="">
           <p:sp>
             <p:nvSpPr>
               <p:cNvPr id="3" name="Content Placeholder 2">
@@ -13131,26 +14029,28 @@
         </p:nvSpPr>
         <p:spPr/>
         <p:txBody>
-          <a:bodyPr/>
+          <a:bodyPr>
+            <a:normAutofit/>
+          </a:bodyPr>
           <a:lstStyle/>
           <a:p>
             <a:r>
-              <a:rPr lang="en-CA" dirty="0"/>
+              <a:rPr lang="en-CA" sz="4000" dirty="0"/>
               <a:t>A-d) Conditions </a:t>
             </a:r>
             <a:r>
-              <a:rPr lang="en-CA" dirty="0" err="1"/>
+              <a:rPr lang="en-CA" sz="4000" dirty="0" err="1"/>
               <a:t>frontières</a:t>
             </a:r>
             <a:r>
-              <a:rPr lang="en-CA" dirty="0"/>
+              <a:rPr lang="en-CA" sz="4000" dirty="0"/>
               <a:t> et </a:t>
             </a:r>
             <a:r>
-              <a:rPr lang="en-CA" dirty="0" err="1"/>
+              <a:rPr lang="en-CA" sz="4000" dirty="0" err="1"/>
               <a:t>initiale</a:t>
             </a:r>
-            <a:endParaRPr lang="en-CA" dirty="0"/>
+            <a:endParaRPr lang="en-CA" sz="4000" dirty="0"/>
           </a:p>
         </p:txBody>
       </p:sp>
@@ -13569,26 +14469,28 @@
         </p:nvSpPr>
         <p:spPr/>
         <p:txBody>
-          <a:bodyPr/>
+          <a:bodyPr>
+            <a:normAutofit/>
+          </a:bodyPr>
           <a:lstStyle/>
           <a:p>
             <a:r>
-              <a:rPr lang="en-CA" dirty="0"/>
+              <a:rPr lang="en-CA" sz="4000" dirty="0"/>
               <a:t>B-a) Equation aux </a:t>
             </a:r>
             <a:r>
-              <a:rPr lang="en-CA" dirty="0" err="1"/>
+              <a:rPr lang="en-CA" sz="4000" dirty="0" err="1"/>
               <a:t>différences</a:t>
             </a:r>
             <a:r>
-              <a:rPr lang="en-CA" dirty="0"/>
+              <a:rPr lang="en-CA" sz="4000" dirty="0"/>
               <a:t> </a:t>
             </a:r>
             <a:r>
-              <a:rPr lang="en-CA" dirty="0" err="1"/>
+              <a:rPr lang="en-CA" sz="4000" dirty="0" err="1"/>
               <a:t>finies</a:t>
             </a:r>
-            <a:endParaRPr lang="en-CA" dirty="0"/>
+            <a:endParaRPr lang="en-CA" sz="4000" dirty="0"/>
           </a:p>
         </p:txBody>
       </p:sp>
@@ -17290,34 +18192,36 @@
         </p:nvSpPr>
         <p:spPr/>
         <p:txBody>
-          <a:bodyPr/>
+          <a:bodyPr>
+            <a:normAutofit/>
+          </a:bodyPr>
           <a:lstStyle/>
           <a:p>
             <a:r>
-              <a:rPr lang="en-CA" dirty="0"/>
+              <a:rPr lang="en-CA" sz="4000" dirty="0"/>
               <a:t>B-a) Equation aux </a:t>
             </a:r>
             <a:r>
-              <a:rPr lang="en-CA" dirty="0" err="1"/>
+              <a:rPr lang="en-CA" sz="4000" dirty="0" err="1"/>
               <a:t>différences</a:t>
             </a:r>
             <a:r>
-              <a:rPr lang="en-CA" dirty="0"/>
+              <a:rPr lang="en-CA" sz="4000" dirty="0"/>
               <a:t> </a:t>
             </a:r>
             <a:r>
-              <a:rPr lang="en-CA" dirty="0" err="1"/>
+              <a:rPr lang="en-CA" sz="4000" dirty="0" err="1"/>
               <a:t>finies</a:t>
             </a:r>
             <a:r>
-              <a:rPr lang="en-CA" dirty="0"/>
+              <a:rPr lang="en-CA" sz="4000" dirty="0"/>
               <a:t> (suite)</a:t>
             </a:r>
           </a:p>
         </p:txBody>
       </p:sp>
-      <mc:AlternateContent xmlns:mc="http://schemas.openxmlformats.org/markup-compatibility/2006">
-        <mc:Choice xmlns:a14="http://schemas.microsoft.com/office/drawing/2010/main" Requires="a14">
+      <mc:AlternateContent xmlns:mc="http://schemas.openxmlformats.org/markup-compatibility/2006" xmlns:a14="http://schemas.microsoft.com/office/drawing/2010/main">
+        <mc:Choice Requires="a14">
           <p:sp>
             <p:nvSpPr>
               <p:cNvPr id="3" name="Content Placeholder 2">
@@ -20876,7 +21780,7 @@
             </p:txBody>
           </p:sp>
         </mc:Choice>
-        <mc:Fallback>
+        <mc:Fallback xmlns="">
           <p:sp>
             <p:nvSpPr>
               <p:cNvPr id="3" name="Content Placeholder 2">
@@ -20968,34 +21872,36 @@
         </p:nvSpPr>
         <p:spPr/>
         <p:txBody>
-          <a:bodyPr/>
+          <a:bodyPr>
+            <a:normAutofit/>
+          </a:bodyPr>
           <a:lstStyle/>
           <a:p>
             <a:r>
-              <a:rPr lang="en-CA" dirty="0"/>
+              <a:rPr lang="en-CA" sz="4000" dirty="0"/>
               <a:t>B-b) </a:t>
             </a:r>
             <a:r>
-              <a:rPr lang="en-CA" dirty="0" err="1"/>
+              <a:rPr lang="en-CA" sz="4000" dirty="0" err="1"/>
               <a:t>Méthode</a:t>
             </a:r>
             <a:r>
-              <a:rPr lang="en-CA" dirty="0"/>
+              <a:rPr lang="en-CA" sz="4000" dirty="0"/>
               <a:t> </a:t>
             </a:r>
             <a:r>
-              <a:rPr lang="en-CA" dirty="0" err="1"/>
+              <a:rPr lang="en-CA" sz="4000" dirty="0" err="1"/>
               <a:t>générale</a:t>
             </a:r>
             <a:r>
-              <a:rPr lang="en-CA" dirty="0"/>
+              <a:rPr lang="en-CA" sz="4000" dirty="0"/>
               <a:t> de </a:t>
             </a:r>
             <a:r>
-              <a:rPr lang="en-CA" dirty="0" err="1"/>
+              <a:rPr lang="en-CA" sz="4000" dirty="0" err="1"/>
               <a:t>résolution</a:t>
             </a:r>
-            <a:endParaRPr lang="en-CA" dirty="0"/>
+            <a:endParaRPr lang="en-CA" sz="4000" dirty="0"/>
           </a:p>
         </p:txBody>
       </p:sp>
@@ -21022,39 +21928,41 @@
           </a:xfrm>
         </p:spPr>
         <p:txBody>
-          <a:bodyPr/>
+          <a:bodyPr>
+            <a:normAutofit/>
+          </a:bodyPr>
           <a:lstStyle/>
           <a:p>
             <a:r>
-              <a:rPr lang="en-CA" dirty="0" err="1"/>
+              <a:rPr lang="en-CA" sz="2400" dirty="0" err="1"/>
               <a:t>C’est</a:t>
             </a:r>
             <a:r>
-              <a:rPr lang="en-CA" dirty="0"/>
+              <a:rPr lang="en-CA" sz="2400" dirty="0"/>
               <a:t> la </a:t>
             </a:r>
             <a:r>
-              <a:rPr lang="en-CA" dirty="0" err="1"/>
+              <a:rPr lang="en-CA" sz="2400" dirty="0" err="1"/>
               <a:t>méthode</a:t>
             </a:r>
             <a:r>
-              <a:rPr lang="en-CA" dirty="0"/>
+              <a:rPr lang="en-CA" sz="2400" dirty="0"/>
               <a:t> des </a:t>
             </a:r>
             <a:r>
-              <a:rPr lang="en-CA" dirty="0" err="1"/>
+              <a:rPr lang="en-CA" sz="2400" dirty="0" err="1"/>
               <a:t>différences</a:t>
             </a:r>
             <a:r>
-              <a:rPr lang="en-CA" dirty="0"/>
+              <a:rPr lang="en-CA" sz="2400" dirty="0"/>
               <a:t> </a:t>
             </a:r>
             <a:r>
-              <a:rPr lang="en-CA" dirty="0" err="1"/>
+              <a:rPr lang="en-CA" sz="2400" dirty="0" err="1"/>
               <a:t>finies</a:t>
             </a:r>
             <a:r>
-              <a:rPr lang="en-CA" dirty="0"/>
+              <a:rPr lang="en-CA" sz="2400" dirty="0"/>
               <a:t> (MDF)</a:t>
             </a:r>
           </a:p>
@@ -21108,22 +22016,22 @@
           </a:lstStyle>
           <a:p>
             <a:r>
-              <a:rPr lang="en-CA" dirty="0"/>
+              <a:rPr lang="en-CA" sz="4000" dirty="0"/>
               <a:t>B-c) Ordre de </a:t>
             </a:r>
             <a:r>
-              <a:rPr lang="en-CA" dirty="0" err="1"/>
+              <a:rPr lang="en-CA" sz="4000" dirty="0" err="1"/>
               <a:t>précision</a:t>
             </a:r>
             <a:r>
-              <a:rPr lang="en-CA" dirty="0"/>
+              <a:rPr lang="en-CA" sz="4000" dirty="0"/>
               <a:t> </a:t>
             </a:r>
             <a:r>
-              <a:rPr lang="en-CA" dirty="0" err="1"/>
+              <a:rPr lang="en-CA" sz="4000" dirty="0" err="1"/>
               <a:t>attendu</a:t>
             </a:r>
-            <a:endParaRPr lang="en-CA" dirty="0"/>
+            <a:endParaRPr lang="en-CA" sz="4000" dirty="0"/>
           </a:p>
         </p:txBody>
       </p:sp>
@@ -21152,7 +22060,7 @@
         </p:spPr>
         <p:txBody>
           <a:bodyPr vert="horz" lIns="91440" tIns="45720" rIns="91440" bIns="45720" rtlCol="0">
-            <a:normAutofit fontScale="92500"/>
+            <a:normAutofit/>
           </a:bodyPr>
           <a:lstStyle>
             <a:lvl1pPr marL="228600" indent="-228600" algn="l" defTabSz="914400" rtl="0" eaLnBrk="1" latinLnBrk="0" hangingPunct="1">
@@ -21320,127 +22228,127 @@
           </a:lstStyle>
           <a:p>
             <a:r>
-              <a:rPr lang="en-CA" dirty="0"/>
+              <a:rPr lang="en-CA" sz="2400" dirty="0"/>
               <a:t>Le </a:t>
             </a:r>
             <a:r>
-              <a:rPr lang="en-CA" dirty="0" err="1"/>
+              <a:rPr lang="en-CA" sz="2400" dirty="0" err="1"/>
               <a:t>schéma</a:t>
             </a:r>
             <a:r>
-              <a:rPr lang="en-CA" dirty="0"/>
+              <a:rPr lang="en-CA" sz="2400" dirty="0"/>
               <a:t> global </a:t>
             </a:r>
             <a:r>
-              <a:rPr lang="en-CA" dirty="0" err="1"/>
+              <a:rPr lang="en-CA" sz="2400" dirty="0" err="1"/>
               <a:t>comprend</a:t>
             </a:r>
             <a:r>
-              <a:rPr lang="en-CA" dirty="0"/>
+              <a:rPr lang="en-CA" sz="2400" dirty="0"/>
               <a:t> des </a:t>
             </a:r>
             <a:r>
-              <a:rPr lang="en-CA" dirty="0" err="1"/>
+              <a:rPr lang="en-CA" sz="2400" dirty="0" err="1"/>
               <a:t>schéma</a:t>
             </a:r>
             <a:r>
-              <a:rPr lang="en-CA" dirty="0"/>
+              <a:rPr lang="en-CA" sz="2400" dirty="0"/>
               <a:t> </a:t>
             </a:r>
             <a:r>
-              <a:rPr lang="en-CA" dirty="0" err="1"/>
+              <a:rPr lang="en-CA" sz="2400" dirty="0" err="1"/>
               <a:t>d’ordre</a:t>
             </a:r>
             <a:r>
-              <a:rPr lang="en-CA" dirty="0"/>
+              <a:rPr lang="en-CA" sz="2400" dirty="0"/>
               <a:t> 1 (</a:t>
             </a:r>
             <a:r>
-              <a:rPr lang="en-CA" dirty="0" err="1"/>
+              <a:rPr lang="en-CA" sz="2400" dirty="0" err="1"/>
               <a:t>dérivée</a:t>
             </a:r>
             <a:r>
-              <a:rPr lang="en-CA" dirty="0"/>
+              <a:rPr lang="en-CA" sz="2400" dirty="0"/>
               <a:t> premiere) et des schemas </a:t>
             </a:r>
             <a:r>
-              <a:rPr lang="en-CA" dirty="0" err="1"/>
+              <a:rPr lang="en-CA" sz="2400" dirty="0" err="1"/>
               <a:t>d’ordre</a:t>
             </a:r>
             <a:r>
-              <a:rPr lang="en-CA" dirty="0"/>
+              <a:rPr lang="en-CA" sz="2400" dirty="0"/>
               <a:t> 2 (</a:t>
             </a:r>
             <a:r>
-              <a:rPr lang="en-CA" dirty="0" err="1"/>
+              <a:rPr lang="en-CA" sz="2400" dirty="0" err="1"/>
               <a:t>dérivée</a:t>
             </a:r>
             <a:r>
-              <a:rPr lang="en-CA" dirty="0"/>
+              <a:rPr lang="en-CA" sz="2400" dirty="0"/>
               <a:t> </a:t>
             </a:r>
             <a:r>
-              <a:rPr lang="en-CA" dirty="0" err="1"/>
+              <a:rPr lang="en-CA" sz="2400" dirty="0" err="1"/>
               <a:t>seconde</a:t>
             </a:r>
             <a:r>
-              <a:rPr lang="en-CA" dirty="0"/>
+              <a:rPr lang="en-CA" sz="2400" dirty="0"/>
               <a:t>). </a:t>
             </a:r>
             <a:r>
-              <a:rPr lang="en-CA" dirty="0" err="1"/>
+              <a:rPr lang="en-CA" sz="2400" dirty="0" err="1"/>
               <a:t>Ainsi</a:t>
             </a:r>
             <a:r>
-              <a:rPr lang="en-CA" dirty="0"/>
+              <a:rPr lang="en-CA" sz="2400" dirty="0"/>
               <a:t> </a:t>
             </a:r>
             <a:r>
-              <a:rPr lang="en-CA" dirty="0" err="1"/>
+              <a:rPr lang="en-CA" sz="2400" dirty="0" err="1"/>
               <a:t>l’ordre</a:t>
             </a:r>
             <a:r>
-              <a:rPr lang="en-CA" dirty="0"/>
+              <a:rPr lang="en-CA" sz="2400" dirty="0"/>
               <a:t> de precision global sera </a:t>
             </a:r>
             <a:r>
-              <a:rPr lang="en-CA" dirty="0" err="1"/>
+              <a:rPr lang="en-CA" sz="2400" dirty="0" err="1"/>
               <a:t>celui</a:t>
             </a:r>
             <a:r>
-              <a:rPr lang="en-CA" dirty="0"/>
+              <a:rPr lang="en-CA" sz="2400" dirty="0"/>
               <a:t> du </a:t>
             </a:r>
             <a:r>
-              <a:rPr lang="en-CA" dirty="0" err="1"/>
+              <a:rPr lang="en-CA" sz="2400" dirty="0" err="1"/>
               <a:t>schéma</a:t>
             </a:r>
             <a:r>
-              <a:rPr lang="en-CA" dirty="0"/>
+              <a:rPr lang="en-CA" sz="2400" dirty="0"/>
               <a:t> le </a:t>
             </a:r>
             <a:r>
-              <a:rPr lang="en-CA" dirty="0" err="1"/>
+              <a:rPr lang="en-CA" sz="2400" dirty="0" err="1"/>
               <a:t>moins</a:t>
             </a:r>
             <a:r>
-              <a:rPr lang="en-CA" dirty="0"/>
+              <a:rPr lang="en-CA" sz="2400" dirty="0"/>
               <a:t> précis </a:t>
             </a:r>
             <a:r>
-              <a:rPr lang="en-CA" dirty="0" err="1"/>
+              <a:rPr lang="en-CA" sz="2400" dirty="0" err="1"/>
               <a:t>donc</a:t>
             </a:r>
             <a:r>
-              <a:rPr lang="en-CA" dirty="0"/>
+              <a:rPr lang="en-CA" sz="2400" dirty="0"/>
               <a:t> </a:t>
             </a:r>
             <a:r>
-              <a:rPr lang="en-CA" dirty="0" err="1"/>
+              <a:rPr lang="en-CA" sz="2400" dirty="0" err="1"/>
               <a:t>d’ordre</a:t>
             </a:r>
             <a:r>
-              <a:rPr lang="en-CA" dirty="0"/>
+              <a:rPr lang="en-CA" sz="2400" dirty="0"/>
               <a:t> 1.</a:t>
             </a:r>
           </a:p>
@@ -21494,16 +22402,14 @@
         </p:nvSpPr>
         <p:spPr/>
         <p:txBody>
-          <a:bodyPr/>
+          <a:bodyPr>
+            <a:normAutofit/>
+          </a:bodyPr>
           <a:lstStyle/>
           <a:p>
             <a:r>
-              <a:rPr lang="en-CA" dirty="0"/>
-              <a:t>B-d) </a:t>
-            </a:r>
-            <a:r>
               <a:rPr lang="en-CA" sz="4000" dirty="0"/>
-              <a:t>Condition de </a:t>
+              <a:t>B-d) Condition de </a:t>
             </a:r>
             <a:r>
               <a:rPr lang="en-CA" sz="4000" dirty="0" err="1"/>
@@ -21521,7 +22427,6 @@
               <a:rPr lang="en-CA" sz="4000" dirty="0"/>
               <a:t> numérique</a:t>
             </a:r>
-            <a:endParaRPr lang="en-CA" dirty="0"/>
           </a:p>
         </p:txBody>
       </p:sp>

--- a/Devoir_1.pptx
+++ b/Devoir_1.pptx
@@ -4,6 +4,9 @@
   <p:sldMasterIdLst>
     <p:sldMasterId id="2147483648" r:id="rId1"/>
   </p:sldMasterIdLst>
+  <p:notesMasterIdLst>
+    <p:notesMasterId r:id="rId20"/>
+  </p:notesMasterIdLst>
   <p:sldIdLst>
     <p:sldId id="256" r:id="rId2"/>
     <p:sldId id="257" r:id="rId3"/>
@@ -16,6 +19,13 @@
     <p:sldId id="264" r:id="rId10"/>
     <p:sldId id="265" r:id="rId11"/>
     <p:sldId id="266" r:id="rId12"/>
+    <p:sldId id="267" r:id="rId13"/>
+    <p:sldId id="268" r:id="rId14"/>
+    <p:sldId id="270" r:id="rId15"/>
+    <p:sldId id="269" r:id="rId16"/>
+    <p:sldId id="271" r:id="rId17"/>
+    <p:sldId id="272" r:id="rId18"/>
+    <p:sldId id="273" r:id="rId19"/>
   </p:sldIdLst>
   <p:sldSz cx="12192000" cy="6858000"/>
   <p:notesSz cx="6858000" cy="9144000"/>
@@ -120,6 +130,498 @@
     </p:ext>
   </p:extLst>
 </p:presentation>
+</file>
+
+<file path=ppt/authors.xml><?xml version="1.0" encoding="utf-8"?>
+<p188:authorLst xmlns:a="http://schemas.openxmlformats.org/drawingml/2006/main" xmlns:r="http://schemas.openxmlformats.org/officeDocument/2006/relationships" xmlns:p188="http://schemas.microsoft.com/office/powerpoint/2018/8/main">
+  <p188:author id="{4BB11620-EFBC-D13A-7B93-45F2C922ABDE}" name="ACILE SFEIR" initials="AS" userId="b5e2f9be0f86ab7e" providerId="Windows Live"/>
+</p188:authorLst>
+</file>
+
+<file path=ppt/comments/modernComment_109_409E946B.xml><?xml version="1.0" encoding="utf-8"?>
+<p188:cmLst xmlns:a="http://schemas.openxmlformats.org/drawingml/2006/main" xmlns:r="http://schemas.openxmlformats.org/officeDocument/2006/relationships" xmlns:p188="http://schemas.microsoft.com/office/powerpoint/2018/8/main">
+  <p188:cm id="{965F2D25-9387-4F3A-AA35-51B59F244A7B}" authorId="{4BB11620-EFBC-D13A-7B93-45F2C922ABDE}" created="2024-02-10T16:51:52.769">
+    <ac:txMkLst xmlns:ac="http://schemas.microsoft.com/office/drawing/2013/main/command">
+      <pc:docMk xmlns:pc="http://schemas.microsoft.com/office/powerpoint/2013/main/command"/>
+      <pc:sldMk xmlns:pc="http://schemas.microsoft.com/office/powerpoint/2013/main/command" cId="1084134507" sldId="265"/>
+      <ac:spMk id="2" creationId="{E8BE38DA-0E02-BE2C-5452-27F9E9A93F4E}"/>
+      <ac:txMk cp="1" len="65">
+        <ac:context len="68" hash="1021209261"/>
+      </ac:txMk>
+    </ac:txMkLst>
+    <p188:pos x="10194235" y="598971"/>
+    <p188:txBody>
+      <a:bodyPr/>
+      <a:lstStyle/>
+      <a:p>
+        <a:r>
+          <a:rPr lang="en-CA"/>
+          <a:t>Diapo a effacer-j’essayais juste de voir si la methode de l’equation caracteristique donne bien une equation elliptique, mais bon</a:t>
+        </a:r>
+      </a:p>
+    </p188:txBody>
+  </p188:cm>
+</p188:cmLst>
+</file>
+
+<file path=ppt/comments/modernComment_10B_C87708A9.xml><?xml version="1.0" encoding="utf-8"?>
+<p188:cmLst xmlns:a="http://schemas.openxmlformats.org/drawingml/2006/main" xmlns:r="http://schemas.openxmlformats.org/officeDocument/2006/relationships" xmlns:p188="http://schemas.microsoft.com/office/powerpoint/2018/8/main">
+  <p188:cm id="{98BD1A06-B519-4206-802E-9D9ABCD0FD39}" authorId="{4BB11620-EFBC-D13A-7B93-45F2C922ABDE}" created="2024-02-10T16:48:26.734">
+    <ac:txMkLst xmlns:ac="http://schemas.microsoft.com/office/drawing/2013/main/command">
+      <pc:docMk xmlns:pc="http://schemas.microsoft.com/office/powerpoint/2013/main/command"/>
+      <pc:sldMk xmlns:pc="http://schemas.microsoft.com/office/powerpoint/2013/main/command" cId="3363244201" sldId="267"/>
+      <ac:spMk id="3" creationId="{76F15E12-CFE4-B5CB-D479-9E8928859D5C}"/>
+      <ac:txMk cp="151" len="58">
+        <ac:context len="739" hash="234191038"/>
+      </ac:txMk>
+    </ac:txMkLst>
+    <p188:pos x="5353878" y="1225689"/>
+    <p188:txBody>
+      <a:bodyPr/>
+      <a:lstStyle/>
+      <a:p>
+        <a:r>
+          <a:rPr lang="en-CA"/>
+          <a:t>C'est la seule astuce que j'ai trouvé pour ne pas diviser par 0. mais je ne suis pas tres convaincue</a:t>
+        </a:r>
+      </a:p>
+    </p188:txBody>
+  </p188:cm>
+</p188:cmLst>
+</file>
+
+<file path=ppt/notesMasters/notesMaster1.xml><?xml version="1.0" encoding="utf-8"?>
+<p:notesMaster xmlns:a="http://schemas.openxmlformats.org/drawingml/2006/main" xmlns:r="http://schemas.openxmlformats.org/officeDocument/2006/relationships" xmlns:p="http://schemas.openxmlformats.org/presentationml/2006/main">
+  <p:cSld>
+    <p:bg>
+      <p:bgRef idx="1001">
+        <a:schemeClr val="bg1"/>
+      </p:bgRef>
+    </p:bg>
+    <p:spTree>
+      <p:nvGrpSpPr>
+        <p:cNvPr id="1" name=""/>
+        <p:cNvGrpSpPr/>
+        <p:nvPr/>
+      </p:nvGrpSpPr>
+      <p:grpSpPr>
+        <a:xfrm>
+          <a:off x="0" y="0"/>
+          <a:ext cx="0" cy="0"/>
+          <a:chOff x="0" y="0"/>
+          <a:chExt cx="0" cy="0"/>
+        </a:xfrm>
+      </p:grpSpPr>
+      <p:sp>
+        <p:nvSpPr>
+          <p:cNvPr id="2" name="Header Placeholder 1"/>
+          <p:cNvSpPr>
+            <a:spLocks noGrp="1"/>
+          </p:cNvSpPr>
+          <p:nvPr>
+            <p:ph type="hdr" sz="quarter"/>
+          </p:nvPr>
+        </p:nvSpPr>
+        <p:spPr>
+          <a:xfrm>
+            <a:off x="0" y="0"/>
+            <a:ext cx="2971800" cy="458788"/>
+          </a:xfrm>
+          <a:prstGeom prst="rect">
+            <a:avLst/>
+          </a:prstGeom>
+        </p:spPr>
+        <p:txBody>
+          <a:bodyPr vert="horz" lIns="91440" tIns="45720" rIns="91440" bIns="45720" rtlCol="0"/>
+          <a:lstStyle>
+            <a:lvl1pPr algn="l">
+              <a:defRPr sz="1200"/>
+            </a:lvl1pPr>
+          </a:lstStyle>
+          <a:p>
+            <a:endParaRPr lang="en-CA"/>
+          </a:p>
+        </p:txBody>
+      </p:sp>
+      <p:sp>
+        <p:nvSpPr>
+          <p:cNvPr id="3" name="Date Placeholder 2"/>
+          <p:cNvSpPr>
+            <a:spLocks noGrp="1"/>
+          </p:cNvSpPr>
+          <p:nvPr>
+            <p:ph type="dt" idx="1"/>
+          </p:nvPr>
+        </p:nvSpPr>
+        <p:spPr>
+          <a:xfrm>
+            <a:off x="3884613" y="0"/>
+            <a:ext cx="2971800" cy="458788"/>
+          </a:xfrm>
+          <a:prstGeom prst="rect">
+            <a:avLst/>
+          </a:prstGeom>
+        </p:spPr>
+        <p:txBody>
+          <a:bodyPr vert="horz" lIns="91440" tIns="45720" rIns="91440" bIns="45720" rtlCol="0"/>
+          <a:lstStyle>
+            <a:lvl1pPr algn="r">
+              <a:defRPr sz="1200"/>
+            </a:lvl1pPr>
+          </a:lstStyle>
+          <a:p>
+            <a:fld id="{DAB5DE69-65B2-445A-B9D2-BC2BC199D49F}" type="datetimeFigureOut">
+              <a:rPr lang="en-CA" smtClean="0"/>
+              <a:t>2024-02-10</a:t>
+            </a:fld>
+            <a:endParaRPr lang="en-CA"/>
+          </a:p>
+        </p:txBody>
+      </p:sp>
+      <p:sp>
+        <p:nvSpPr>
+          <p:cNvPr id="4" name="Slide Image Placeholder 3"/>
+          <p:cNvSpPr>
+            <a:spLocks noGrp="1" noRot="1" noChangeAspect="1"/>
+          </p:cNvSpPr>
+          <p:nvPr>
+            <p:ph type="sldImg" idx="2"/>
+          </p:nvPr>
+        </p:nvSpPr>
+        <p:spPr>
+          <a:xfrm>
+            <a:off x="685800" y="1143000"/>
+            <a:ext cx="5486400" cy="3086100"/>
+          </a:xfrm>
+          <a:prstGeom prst="rect">
+            <a:avLst/>
+          </a:prstGeom>
+          <a:noFill/>
+          <a:ln w="12700">
+            <a:solidFill>
+              <a:prstClr val="black"/>
+            </a:solidFill>
+          </a:ln>
+        </p:spPr>
+        <p:txBody>
+          <a:bodyPr vert="horz" lIns="91440" tIns="45720" rIns="91440" bIns="45720" rtlCol="0" anchor="ctr"/>
+          <a:lstStyle/>
+          <a:p>
+            <a:endParaRPr lang="en-CA"/>
+          </a:p>
+        </p:txBody>
+      </p:sp>
+      <p:sp>
+        <p:nvSpPr>
+          <p:cNvPr id="5" name="Notes Placeholder 4"/>
+          <p:cNvSpPr>
+            <a:spLocks noGrp="1"/>
+          </p:cNvSpPr>
+          <p:nvPr>
+            <p:ph type="body" sz="quarter" idx="3"/>
+          </p:nvPr>
+        </p:nvSpPr>
+        <p:spPr>
+          <a:xfrm>
+            <a:off x="685800" y="4400550"/>
+            <a:ext cx="5486400" cy="3600450"/>
+          </a:xfrm>
+          <a:prstGeom prst="rect">
+            <a:avLst/>
+          </a:prstGeom>
+        </p:spPr>
+        <p:txBody>
+          <a:bodyPr vert="horz" lIns="91440" tIns="45720" rIns="91440" bIns="45720" rtlCol="0"/>
+          <a:lstStyle/>
+          <a:p>
+            <a:pPr lvl="0"/>
+            <a:r>
+              <a:rPr lang="en-US"/>
+              <a:t>Click to edit Master text styles</a:t>
+            </a:r>
+          </a:p>
+          <a:p>
+            <a:pPr lvl="1"/>
+            <a:r>
+              <a:rPr lang="en-US"/>
+              <a:t>Second level</a:t>
+            </a:r>
+          </a:p>
+          <a:p>
+            <a:pPr lvl="2"/>
+            <a:r>
+              <a:rPr lang="en-US"/>
+              <a:t>Third level</a:t>
+            </a:r>
+          </a:p>
+          <a:p>
+            <a:pPr lvl="3"/>
+            <a:r>
+              <a:rPr lang="en-US"/>
+              <a:t>Fourth level</a:t>
+            </a:r>
+          </a:p>
+          <a:p>
+            <a:pPr lvl="4"/>
+            <a:r>
+              <a:rPr lang="en-US"/>
+              <a:t>Fifth level</a:t>
+            </a:r>
+            <a:endParaRPr lang="en-CA"/>
+          </a:p>
+        </p:txBody>
+      </p:sp>
+      <p:sp>
+        <p:nvSpPr>
+          <p:cNvPr id="6" name="Footer Placeholder 5"/>
+          <p:cNvSpPr>
+            <a:spLocks noGrp="1"/>
+          </p:cNvSpPr>
+          <p:nvPr>
+            <p:ph type="ftr" sz="quarter" idx="4"/>
+          </p:nvPr>
+        </p:nvSpPr>
+        <p:spPr>
+          <a:xfrm>
+            <a:off x="0" y="8685213"/>
+            <a:ext cx="2971800" cy="458787"/>
+          </a:xfrm>
+          <a:prstGeom prst="rect">
+            <a:avLst/>
+          </a:prstGeom>
+        </p:spPr>
+        <p:txBody>
+          <a:bodyPr vert="horz" lIns="91440" tIns="45720" rIns="91440" bIns="45720" rtlCol="0" anchor="b"/>
+          <a:lstStyle>
+            <a:lvl1pPr algn="l">
+              <a:defRPr sz="1200"/>
+            </a:lvl1pPr>
+          </a:lstStyle>
+          <a:p>
+            <a:endParaRPr lang="en-CA"/>
+          </a:p>
+        </p:txBody>
+      </p:sp>
+      <p:sp>
+        <p:nvSpPr>
+          <p:cNvPr id="7" name="Slide Number Placeholder 6"/>
+          <p:cNvSpPr>
+            <a:spLocks noGrp="1"/>
+          </p:cNvSpPr>
+          <p:nvPr>
+            <p:ph type="sldNum" sz="quarter" idx="5"/>
+          </p:nvPr>
+        </p:nvSpPr>
+        <p:spPr>
+          <a:xfrm>
+            <a:off x="3884613" y="8685213"/>
+            <a:ext cx="2971800" cy="458787"/>
+          </a:xfrm>
+          <a:prstGeom prst="rect">
+            <a:avLst/>
+          </a:prstGeom>
+        </p:spPr>
+        <p:txBody>
+          <a:bodyPr vert="horz" lIns="91440" tIns="45720" rIns="91440" bIns="45720" rtlCol="0" anchor="b"/>
+          <a:lstStyle>
+            <a:lvl1pPr algn="r">
+              <a:defRPr sz="1200"/>
+            </a:lvl1pPr>
+          </a:lstStyle>
+          <a:p>
+            <a:fld id="{603E9730-38DB-4F77-A139-6CE923099591}" type="slidenum">
+              <a:rPr lang="en-CA" smtClean="0"/>
+              <a:t>‹#›</a:t>
+            </a:fld>
+            <a:endParaRPr lang="en-CA"/>
+          </a:p>
+        </p:txBody>
+      </p:sp>
+    </p:spTree>
+    <p:extLst>
+      <p:ext uri="{BB962C8B-B14F-4D97-AF65-F5344CB8AC3E}">
+        <p14:creationId xmlns:p14="http://schemas.microsoft.com/office/powerpoint/2010/main" val="3924088535"/>
+      </p:ext>
+    </p:extLst>
+  </p:cSld>
+  <p:clrMap bg1="lt1" tx1="dk1" bg2="lt2" tx2="dk2" accent1="accent1" accent2="accent2" accent3="accent3" accent4="accent4" accent5="accent5" accent6="accent6" hlink="hlink" folHlink="folHlink"/>
+  <p:notesStyle>
+    <a:lvl1pPr marL="0" algn="l" defTabSz="914400" rtl="0" eaLnBrk="1" latinLnBrk="0" hangingPunct="1">
+      <a:defRPr sz="1200" kern="1200">
+        <a:solidFill>
+          <a:schemeClr val="tx1"/>
+        </a:solidFill>
+        <a:latin typeface="+mn-lt"/>
+        <a:ea typeface="+mn-ea"/>
+        <a:cs typeface="+mn-cs"/>
+      </a:defRPr>
+    </a:lvl1pPr>
+    <a:lvl2pPr marL="457200" algn="l" defTabSz="914400" rtl="0" eaLnBrk="1" latinLnBrk="0" hangingPunct="1">
+      <a:defRPr sz="1200" kern="1200">
+        <a:solidFill>
+          <a:schemeClr val="tx1"/>
+        </a:solidFill>
+        <a:latin typeface="+mn-lt"/>
+        <a:ea typeface="+mn-ea"/>
+        <a:cs typeface="+mn-cs"/>
+      </a:defRPr>
+    </a:lvl2pPr>
+    <a:lvl3pPr marL="914400" algn="l" defTabSz="914400" rtl="0" eaLnBrk="1" latinLnBrk="0" hangingPunct="1">
+      <a:defRPr sz="1200" kern="1200">
+        <a:solidFill>
+          <a:schemeClr val="tx1"/>
+        </a:solidFill>
+        <a:latin typeface="+mn-lt"/>
+        <a:ea typeface="+mn-ea"/>
+        <a:cs typeface="+mn-cs"/>
+      </a:defRPr>
+    </a:lvl3pPr>
+    <a:lvl4pPr marL="1371600" algn="l" defTabSz="914400" rtl="0" eaLnBrk="1" latinLnBrk="0" hangingPunct="1">
+      <a:defRPr sz="1200" kern="1200">
+        <a:solidFill>
+          <a:schemeClr val="tx1"/>
+        </a:solidFill>
+        <a:latin typeface="+mn-lt"/>
+        <a:ea typeface="+mn-ea"/>
+        <a:cs typeface="+mn-cs"/>
+      </a:defRPr>
+    </a:lvl4pPr>
+    <a:lvl5pPr marL="1828800" algn="l" defTabSz="914400" rtl="0" eaLnBrk="1" latinLnBrk="0" hangingPunct="1">
+      <a:defRPr sz="1200" kern="1200">
+        <a:solidFill>
+          <a:schemeClr val="tx1"/>
+        </a:solidFill>
+        <a:latin typeface="+mn-lt"/>
+        <a:ea typeface="+mn-ea"/>
+        <a:cs typeface="+mn-cs"/>
+      </a:defRPr>
+    </a:lvl5pPr>
+    <a:lvl6pPr marL="2286000" algn="l" defTabSz="914400" rtl="0" eaLnBrk="1" latinLnBrk="0" hangingPunct="1">
+      <a:defRPr sz="1200" kern="1200">
+        <a:solidFill>
+          <a:schemeClr val="tx1"/>
+        </a:solidFill>
+        <a:latin typeface="+mn-lt"/>
+        <a:ea typeface="+mn-ea"/>
+        <a:cs typeface="+mn-cs"/>
+      </a:defRPr>
+    </a:lvl6pPr>
+    <a:lvl7pPr marL="2743200" algn="l" defTabSz="914400" rtl="0" eaLnBrk="1" latinLnBrk="0" hangingPunct="1">
+      <a:defRPr sz="1200" kern="1200">
+        <a:solidFill>
+          <a:schemeClr val="tx1"/>
+        </a:solidFill>
+        <a:latin typeface="+mn-lt"/>
+        <a:ea typeface="+mn-ea"/>
+        <a:cs typeface="+mn-cs"/>
+      </a:defRPr>
+    </a:lvl7pPr>
+    <a:lvl8pPr marL="3200400" algn="l" defTabSz="914400" rtl="0" eaLnBrk="1" latinLnBrk="0" hangingPunct="1">
+      <a:defRPr sz="1200" kern="1200">
+        <a:solidFill>
+          <a:schemeClr val="tx1"/>
+        </a:solidFill>
+        <a:latin typeface="+mn-lt"/>
+        <a:ea typeface="+mn-ea"/>
+        <a:cs typeface="+mn-cs"/>
+      </a:defRPr>
+    </a:lvl8pPr>
+    <a:lvl9pPr marL="3657600" algn="l" defTabSz="914400" rtl="0" eaLnBrk="1" latinLnBrk="0" hangingPunct="1">
+      <a:defRPr sz="1200" kern="1200">
+        <a:solidFill>
+          <a:schemeClr val="tx1"/>
+        </a:solidFill>
+        <a:latin typeface="+mn-lt"/>
+        <a:ea typeface="+mn-ea"/>
+        <a:cs typeface="+mn-cs"/>
+      </a:defRPr>
+    </a:lvl9pPr>
+  </p:notesStyle>
+</p:notesMaster>
+</file>
+
+<file path=ppt/notesSlides/notesSlide1.xml><?xml version="1.0" encoding="utf-8"?>
+<p:notes xmlns:a="http://schemas.openxmlformats.org/drawingml/2006/main" xmlns:r="http://schemas.openxmlformats.org/officeDocument/2006/relationships" xmlns:p="http://schemas.openxmlformats.org/presentationml/2006/main">
+  <p:cSld>
+    <p:spTree>
+      <p:nvGrpSpPr>
+        <p:cNvPr id="1" name=""/>
+        <p:cNvGrpSpPr/>
+        <p:nvPr/>
+      </p:nvGrpSpPr>
+      <p:grpSpPr>
+        <a:xfrm>
+          <a:off x="0" y="0"/>
+          <a:ext cx="0" cy="0"/>
+          <a:chOff x="0" y="0"/>
+          <a:chExt cx="0" cy="0"/>
+        </a:xfrm>
+      </p:grpSpPr>
+      <p:sp>
+        <p:nvSpPr>
+          <p:cNvPr id="2" name="Slide Image Placeholder 1"/>
+          <p:cNvSpPr>
+            <a:spLocks noGrp="1" noRot="1" noChangeAspect="1"/>
+          </p:cNvSpPr>
+          <p:nvPr>
+            <p:ph type="sldImg"/>
+          </p:nvPr>
+        </p:nvSpPr>
+        <p:spPr/>
+      </p:sp>
+      <p:sp>
+        <p:nvSpPr>
+          <p:cNvPr id="3" name="Notes Placeholder 2"/>
+          <p:cNvSpPr>
+            <a:spLocks noGrp="1"/>
+          </p:cNvSpPr>
+          <p:nvPr>
+            <p:ph type="body" idx="1"/>
+          </p:nvPr>
+        </p:nvSpPr>
+        <p:spPr/>
+        <p:txBody>
+          <a:bodyPr/>
+          <a:lstStyle/>
+          <a:p>
+            <a:endParaRPr lang="en-CA" dirty="0"/>
+          </a:p>
+        </p:txBody>
+      </p:sp>
+      <p:sp>
+        <p:nvSpPr>
+          <p:cNvPr id="4" name="Slide Number Placeholder 3"/>
+          <p:cNvSpPr>
+            <a:spLocks noGrp="1"/>
+          </p:cNvSpPr>
+          <p:nvPr>
+            <p:ph type="sldNum" sz="quarter" idx="5"/>
+          </p:nvPr>
+        </p:nvSpPr>
+        <p:spPr/>
+        <p:txBody>
+          <a:bodyPr/>
+          <a:lstStyle/>
+          <a:p>
+            <a:fld id="{603E9730-38DB-4F77-A139-6CE923099591}" type="slidenum">
+              <a:rPr lang="en-CA" smtClean="0"/>
+              <a:t>10</a:t>
+            </a:fld>
+            <a:endParaRPr lang="en-CA"/>
+          </a:p>
+        </p:txBody>
+      </p:sp>
+    </p:spTree>
+    <p:extLst>
+      <p:ext uri="{BB962C8B-B14F-4D97-AF65-F5344CB8AC3E}">
+        <p14:creationId xmlns:p14="http://schemas.microsoft.com/office/powerpoint/2010/main" val="3059898523"/>
+      </p:ext>
+    </p:extLst>
+  </p:cSld>
+  <p:clrMapOvr>
+    <a:masterClrMapping/>
+  </p:clrMapOvr>
+</p:notes>
 </file>
 
 <file path=ppt/slideLayouts/slideLayout1.xml><?xml version="1.0" encoding="utf-8"?>
@@ -271,7 +773,7 @@
           <a:p>
             <a:fld id="{CF633E34-DD75-4254-AB88-C9D2090F6CC5}" type="datetimeFigureOut">
               <a:rPr lang="en-CA" smtClean="0"/>
-              <a:t>2024-02-09</a:t>
+              <a:t>2024-02-10</a:t>
             </a:fld>
             <a:endParaRPr lang="en-CA"/>
           </a:p>
@@ -471,7 +973,7 @@
           <a:p>
             <a:fld id="{CF633E34-DD75-4254-AB88-C9D2090F6CC5}" type="datetimeFigureOut">
               <a:rPr lang="en-CA" smtClean="0"/>
-              <a:t>2024-02-09</a:t>
+              <a:t>2024-02-10</a:t>
             </a:fld>
             <a:endParaRPr lang="en-CA"/>
           </a:p>
@@ -681,7 +1183,7 @@
           <a:p>
             <a:fld id="{CF633E34-DD75-4254-AB88-C9D2090F6CC5}" type="datetimeFigureOut">
               <a:rPr lang="en-CA" smtClean="0"/>
-              <a:t>2024-02-09</a:t>
+              <a:t>2024-02-10</a:t>
             </a:fld>
             <a:endParaRPr lang="en-CA"/>
           </a:p>
@@ -881,7 +1383,7 @@
           <a:p>
             <a:fld id="{CF633E34-DD75-4254-AB88-C9D2090F6CC5}" type="datetimeFigureOut">
               <a:rPr lang="en-CA" smtClean="0"/>
-              <a:t>2024-02-09</a:t>
+              <a:t>2024-02-10</a:t>
             </a:fld>
             <a:endParaRPr lang="en-CA"/>
           </a:p>
@@ -1157,7 +1659,7 @@
           <a:p>
             <a:fld id="{CF633E34-DD75-4254-AB88-C9D2090F6CC5}" type="datetimeFigureOut">
               <a:rPr lang="en-CA" smtClean="0"/>
-              <a:t>2024-02-09</a:t>
+              <a:t>2024-02-10</a:t>
             </a:fld>
             <a:endParaRPr lang="en-CA"/>
           </a:p>
@@ -1425,7 +1927,7 @@
           <a:p>
             <a:fld id="{CF633E34-DD75-4254-AB88-C9D2090F6CC5}" type="datetimeFigureOut">
               <a:rPr lang="en-CA" smtClean="0"/>
-              <a:t>2024-02-09</a:t>
+              <a:t>2024-02-10</a:t>
             </a:fld>
             <a:endParaRPr lang="en-CA"/>
           </a:p>
@@ -1840,7 +2342,7 @@
           <a:p>
             <a:fld id="{CF633E34-DD75-4254-AB88-C9D2090F6CC5}" type="datetimeFigureOut">
               <a:rPr lang="en-CA" smtClean="0"/>
-              <a:t>2024-02-09</a:t>
+              <a:t>2024-02-10</a:t>
             </a:fld>
             <a:endParaRPr lang="en-CA"/>
           </a:p>
@@ -1982,7 +2484,7 @@
           <a:p>
             <a:fld id="{CF633E34-DD75-4254-AB88-C9D2090F6CC5}" type="datetimeFigureOut">
               <a:rPr lang="en-CA" smtClean="0"/>
-              <a:t>2024-02-09</a:t>
+              <a:t>2024-02-10</a:t>
             </a:fld>
             <a:endParaRPr lang="en-CA"/>
           </a:p>
@@ -2095,7 +2597,7 @@
           <a:p>
             <a:fld id="{CF633E34-DD75-4254-AB88-C9D2090F6CC5}" type="datetimeFigureOut">
               <a:rPr lang="en-CA" smtClean="0"/>
-              <a:t>2024-02-09</a:t>
+              <a:t>2024-02-10</a:t>
             </a:fld>
             <a:endParaRPr lang="en-CA"/>
           </a:p>
@@ -2408,7 +2910,7 @@
           <a:p>
             <a:fld id="{CF633E34-DD75-4254-AB88-C9D2090F6CC5}" type="datetimeFigureOut">
               <a:rPr lang="en-CA" smtClean="0"/>
-              <a:t>2024-02-09</a:t>
+              <a:t>2024-02-10</a:t>
             </a:fld>
             <a:endParaRPr lang="en-CA"/>
           </a:p>
@@ -2697,7 +3199,7 @@
           <a:p>
             <a:fld id="{CF633E34-DD75-4254-AB88-C9D2090F6CC5}" type="datetimeFigureOut">
               <a:rPr lang="en-CA" smtClean="0"/>
-              <a:t>2024-02-09</a:t>
+              <a:t>2024-02-10</a:t>
             </a:fld>
             <a:endParaRPr lang="en-CA"/>
           </a:p>
@@ -2940,7 +3442,7 @@
           <a:p>
             <a:fld id="{CF633E34-DD75-4254-AB88-C9D2090F6CC5}" type="datetimeFigureOut">
               <a:rPr lang="en-CA" smtClean="0"/>
-              <a:t>2024-02-09</a:t>
+              <a:t>2024-02-10</a:t>
             </a:fld>
             <a:endParaRPr lang="en-CA"/>
           </a:p>
@@ -3343,6 +3845,14 @@
 <file path=ppt/slides/slide1.xml><?xml version="1.0" encoding="utf-8"?>
 <p:sld xmlns:a="http://schemas.openxmlformats.org/drawingml/2006/main" xmlns:r="http://schemas.openxmlformats.org/officeDocument/2006/relationships" xmlns:p="http://schemas.openxmlformats.org/presentationml/2006/main">
   <p:cSld>
+    <p:bg>
+      <p:bgPr>
+        <a:solidFill>
+          <a:schemeClr val="bg1"/>
+        </a:solidFill>
+        <a:effectLst/>
+      </p:bgPr>
+    </p:bg>
     <p:spTree>
       <p:nvGrpSpPr>
         <p:cNvPr id="1" name=""/>
@@ -3359,6 +3869,72 @@
       </p:grpSpPr>
       <p:sp>
         <p:nvSpPr>
+          <p:cNvPr id="8" name="Rectangle 7">
+            <a:extLst>
+              <a:ext uri="{FF2B5EF4-FFF2-40B4-BE49-F238E27FC236}">
+                <a16:creationId xmlns:a16="http://schemas.microsoft.com/office/drawing/2014/main" id="{5AADD842-7469-481F-AEF2-DDA7D3A9ABB0}"/>
+              </a:ext>
+              <a:ext uri="{C183D7F6-B498-43B3-948B-1728B52AA6E4}">
+                <adec:decorative xmlns:adec="http://schemas.microsoft.com/office/drawing/2017/decorative" val="1"/>
+              </a:ext>
+            </a:extLst>
+          </p:cNvPr>
+          <p:cNvSpPr>
+            <a:spLocks noGrp="1" noRot="1" noChangeAspect="1" noMove="1" noResize="1" noEditPoints="1" noAdjustHandles="1" noChangeArrowheads="1" noChangeShapeType="1" noTextEdit="1"/>
+          </p:cNvSpPr>
+          <p:nvPr>
+            <p:extLst>
+              <p:ext uri="{386F3935-93C4-4BCD-93E2-E3B085C9AB24}">
+                <p16:designElem xmlns:p16="http://schemas.microsoft.com/office/powerpoint/2015/main" val="1"/>
+              </p:ext>
+            </p:extLst>
+          </p:nvPr>
+        </p:nvSpPr>
+        <p:spPr>
+          <a:xfrm>
+            <a:off x="10" y="0"/>
+            <a:ext cx="12191990" cy="2358677"/>
+          </a:xfrm>
+          <a:prstGeom prst="rect">
+            <a:avLst/>
+          </a:prstGeom>
+          <a:solidFill>
+            <a:schemeClr val="tx1">
+              <a:lumMod val="85000"/>
+              <a:lumOff val="15000"/>
+            </a:schemeClr>
+          </a:solidFill>
+          <a:ln>
+            <a:noFill/>
+          </a:ln>
+        </p:spPr>
+        <p:style>
+          <a:lnRef idx="2">
+            <a:schemeClr val="accent1">
+              <a:shade val="50000"/>
+            </a:schemeClr>
+          </a:lnRef>
+          <a:fillRef idx="1">
+            <a:schemeClr val="accent1"/>
+          </a:fillRef>
+          <a:effectRef idx="0">
+            <a:schemeClr val="accent1"/>
+          </a:effectRef>
+          <a:fontRef idx="minor">
+            <a:schemeClr val="lt1"/>
+          </a:fontRef>
+        </p:style>
+        <p:txBody>
+          <a:bodyPr rtlCol="0" anchor="ctr"/>
+          <a:lstStyle/>
+          <a:p>
+            <a:pPr algn="ctr"/>
+            <a:endParaRPr lang="en-US"/>
+          </a:p>
+        </p:txBody>
+      </p:sp>
+      <p:sp>
+        <p:nvSpPr>
           <p:cNvPr id="2" name="Title 1">
             <a:extLst>
               <a:ext uri="{FF2B5EF4-FFF2-40B4-BE49-F238E27FC236}">
@@ -3373,15 +3949,97 @@
             <p:ph type="ctrTitle"/>
           </p:nvPr>
         </p:nvSpPr>
-        <p:spPr/>
+        <p:spPr>
+          <a:xfrm>
+            <a:off x="1155558" y="637763"/>
+            <a:ext cx="9889797" cy="1413144"/>
+          </a:xfrm>
+        </p:spPr>
         <p:txBody>
-          <a:bodyPr/>
+          <a:bodyPr anchor="b">
+            <a:normAutofit/>
+          </a:bodyPr>
           <a:lstStyle/>
           <a:p>
+            <a:pPr algn="l"/>
             <a:r>
-              <a:rPr lang="en-CA" dirty="0"/>
-              <a:t>Devoir 1</a:t>
+              <a:rPr lang="en-CA" sz="4400">
+                <a:solidFill>
+                  <a:schemeClr val="bg1"/>
+                </a:solidFill>
+              </a:rPr>
+              <a:t>Devoir 1 – Vérification de code</a:t>
             </a:r>
+            <a:endParaRPr lang="en-CA" sz="4400" dirty="0">
+              <a:solidFill>
+                <a:schemeClr val="bg1"/>
+              </a:solidFill>
+            </a:endParaRPr>
+          </a:p>
+        </p:txBody>
+      </p:sp>
+      <p:sp>
+        <p:nvSpPr>
+          <p:cNvPr id="10" name="Rectangle 9">
+            <a:extLst>
+              <a:ext uri="{FF2B5EF4-FFF2-40B4-BE49-F238E27FC236}">
+                <a16:creationId xmlns:a16="http://schemas.microsoft.com/office/drawing/2014/main" id="{94058847-87A2-48B5-B733-C9FC6F0FF769}"/>
+              </a:ext>
+              <a:ext uri="{C183D7F6-B498-43B3-948B-1728B52AA6E4}">
+                <adec:decorative xmlns:adec="http://schemas.microsoft.com/office/drawing/2017/decorative" val="1"/>
+              </a:ext>
+            </a:extLst>
+          </p:cNvPr>
+          <p:cNvSpPr>
+            <a:spLocks noGrp="1" noRot="1" noChangeAspect="1" noMove="1" noResize="1" noEditPoints="1" noAdjustHandles="1" noChangeArrowheads="1" noChangeShapeType="1" noTextEdit="1"/>
+          </p:cNvSpPr>
+          <p:nvPr>
+            <p:extLst>
+              <p:ext uri="{386F3935-93C4-4BCD-93E2-E3B085C9AB24}">
+                <p16:designElem xmlns:p16="http://schemas.microsoft.com/office/powerpoint/2015/main" val="1"/>
+              </p:ext>
+            </p:extLst>
+          </p:nvPr>
+        </p:nvSpPr>
+        <p:spPr>
+          <a:xfrm>
+            <a:off x="0" y="2358676"/>
+            <a:ext cx="12191990" cy="4545429"/>
+          </a:xfrm>
+          <a:prstGeom prst="rect">
+            <a:avLst/>
+          </a:prstGeom>
+          <a:solidFill>
+            <a:schemeClr val="bg1">
+              <a:lumMod val="95000"/>
+            </a:schemeClr>
+          </a:solidFill>
+          <a:ln>
+            <a:noFill/>
+          </a:ln>
+        </p:spPr>
+        <p:style>
+          <a:lnRef idx="2">
+            <a:schemeClr val="accent1">
+              <a:shade val="50000"/>
+            </a:schemeClr>
+          </a:lnRef>
+          <a:fillRef idx="1">
+            <a:schemeClr val="accent1"/>
+          </a:fillRef>
+          <a:effectRef idx="0">
+            <a:schemeClr val="accent1"/>
+          </a:effectRef>
+          <a:fontRef idx="minor">
+            <a:schemeClr val="lt1"/>
+          </a:fontRef>
+        </p:style>
+        <p:txBody>
+          <a:bodyPr rtlCol="0" anchor="ctr"/>
+          <a:lstStyle/>
+          <a:p>
+            <a:pPr algn="ctr"/>
+            <a:endParaRPr lang="en-US"/>
           </a:p>
         </p:txBody>
       </p:sp>
@@ -3401,15 +4059,112 @@
             <p:ph type="subTitle" idx="1"/>
           </p:nvPr>
         </p:nvSpPr>
-        <p:spPr/>
+        <p:spPr>
+          <a:xfrm>
+            <a:off x="1155558" y="3100284"/>
+            <a:ext cx="9889793" cy="3114237"/>
+          </a:xfrm>
+        </p:spPr>
         <p:txBody>
-          <a:bodyPr/>
+          <a:bodyPr anchor="t">
+            <a:normAutofit/>
+          </a:bodyPr>
           <a:lstStyle/>
           <a:p>
+            <a:pPr algn="l"/>
             <a:r>
-              <a:rPr lang="en-CA" dirty="0"/>
+              <a:rPr lang="en-CA"/>
               <a:t>MEC8211 – Hiver 2024</a:t>
             </a:r>
+          </a:p>
+          <a:p>
+            <a:pPr algn="l"/>
+            <a:endParaRPr lang="en-CA"/>
+          </a:p>
+          <a:p>
+            <a:pPr algn="l"/>
+            <a:r>
+              <a:rPr lang="en-CA" sz="1800"/>
+              <a:t>Présenté par</a:t>
+            </a:r>
+          </a:p>
+          <a:p>
+            <a:pPr algn="l"/>
+            <a:r>
+              <a:rPr lang="en-CA"/>
+              <a:t>Ben Daya, Mohammed Mahdi Sahbi</a:t>
+            </a:r>
+          </a:p>
+          <a:p>
+            <a:pPr algn="l"/>
+            <a:r>
+              <a:rPr lang="en-CA"/>
+              <a:t>Sfeir, Acile</a:t>
+            </a:r>
+            <a:endParaRPr lang="en-CA" dirty="0"/>
+          </a:p>
+        </p:txBody>
+      </p:sp>
+      <p:sp>
+        <p:nvSpPr>
+          <p:cNvPr id="12" name="Rectangle 11">
+            <a:extLst>
+              <a:ext uri="{FF2B5EF4-FFF2-40B4-BE49-F238E27FC236}">
+                <a16:creationId xmlns:a16="http://schemas.microsoft.com/office/drawing/2014/main" id="{38CE886A-266A-45DB-B141-3271799F49BD}"/>
+              </a:ext>
+              <a:ext uri="{C183D7F6-B498-43B3-948B-1728B52AA6E4}">
+                <adec:decorative xmlns:adec="http://schemas.microsoft.com/office/drawing/2017/decorative" val="1"/>
+              </a:ext>
+            </a:extLst>
+          </p:cNvPr>
+          <p:cNvSpPr>
+            <a:spLocks noGrp="1" noRot="1" noChangeAspect="1" noMove="1" noResize="1" noEditPoints="1" noAdjustHandles="1" noChangeArrowheads="1" noChangeShapeType="1" noTextEdit="1"/>
+          </p:cNvSpPr>
+          <p:nvPr>
+            <p:extLst>
+              <p:ext uri="{386F3935-93C4-4BCD-93E2-E3B085C9AB24}">
+                <p16:designElem xmlns:p16="http://schemas.microsoft.com/office/powerpoint/2015/main" val="1"/>
+              </p:ext>
+            </p:extLst>
+          </p:nvPr>
+        </p:nvSpPr>
+        <p:spPr>
+          <a:xfrm>
+            <a:off x="1156851" y="2893697"/>
+            <a:ext cx="457200" cy="45720"/>
+          </a:xfrm>
+          <a:prstGeom prst="rect">
+            <a:avLst/>
+          </a:prstGeom>
+          <a:solidFill>
+            <a:schemeClr val="tx1"/>
+          </a:solidFill>
+          <a:ln>
+            <a:noFill/>
+          </a:ln>
+        </p:spPr>
+        <p:style>
+          <a:lnRef idx="2">
+            <a:schemeClr val="accent1">
+              <a:shade val="50000"/>
+            </a:schemeClr>
+          </a:lnRef>
+          <a:fillRef idx="1">
+            <a:schemeClr val="accent1"/>
+          </a:fillRef>
+          <a:effectRef idx="0">
+            <a:schemeClr val="accent1"/>
+          </a:effectRef>
+          <a:fontRef idx="minor">
+            <a:schemeClr val="lt1"/>
+          </a:fontRef>
+        </p:style>
+        <p:txBody>
+          <a:bodyPr rtlCol="0" anchor="ctr"/>
+          <a:lstStyle/>
+          <a:p>
+            <a:pPr algn="ctr"/>
+            <a:endParaRPr lang="en-US"/>
           </a:p>
         </p:txBody>
       </p:sp>
@@ -3461,16 +4216,14 @@
         </p:nvSpPr>
         <p:spPr/>
         <p:txBody>
-          <a:bodyPr/>
+          <a:bodyPr>
+            <a:normAutofit/>
+          </a:bodyPr>
           <a:lstStyle/>
           <a:p>
             <a:r>
-              <a:rPr lang="en-CA" dirty="0"/>
-              <a:t>C) </a:t>
-            </a:r>
-            <a:r>
               <a:rPr lang="en-CA" sz="3000" dirty="0"/>
-              <a:t>Solution </a:t>
+              <a:t>C) Solution </a:t>
             </a:r>
             <a:r>
               <a:rPr lang="en-CA" sz="3000" dirty="0" err="1"/>
@@ -3523,8 +4276,8 @@
           </a:p>
         </p:txBody>
       </p:sp>
-      <mc:AlternateContent xmlns:mc="http://schemas.openxmlformats.org/markup-compatibility/2006">
-        <mc:Choice xmlns:a14="http://schemas.microsoft.com/office/drawing/2010/main" Requires="a14">
+      <mc:AlternateContent xmlns:mc="http://schemas.openxmlformats.org/markup-compatibility/2006" xmlns:a14="http://schemas.microsoft.com/office/drawing/2010/main">
+        <mc:Choice Requires="a14">
           <p:sp>
             <p:nvSpPr>
               <p:cNvPr id="3" name="Content Placeholder 2">
@@ -4644,7 +5397,7 @@
                     <m:d>
                       <m:dPr>
                         <m:ctrlPr>
-                          <a:rPr lang="en-CA" b="0" i="0" smtClean="0">
+                          <a:rPr lang="en-CA" b="0" i="1" smtClean="0">
                             <a:highlight>
                               <a:srgbClr val="FFFF00"/>
                             </a:highlight>
@@ -4802,7 +5555,7 @@
             </p:txBody>
           </p:sp>
         </mc:Choice>
-        <mc:Fallback>
+        <mc:Fallback xmlns="">
           <p:sp>
             <p:nvSpPr>
               <p:cNvPr id="3" name="Content Placeholder 2">
@@ -4821,7 +5574,7 @@
             </p:nvSpPr>
             <p:spPr>
               <a:blipFill>
-                <a:blip r:embed="rId2"/>
+                <a:blip r:embed="rId4"/>
                 <a:stretch>
                   <a:fillRect l="-1217" t="-3081" r="-638" b="-3081"/>
                 </a:stretch>
@@ -4852,6 +5605,11 @@
   <p:clrMapOvr>
     <a:masterClrMapping/>
   </p:clrMapOvr>
+  <p:extLst>
+    <p:ext uri="{6950BFC3-D8DA-4A85-94F7-54DA5524770B}">
+      <p188:commentRel xmlns:p188="http://schemas.microsoft.com/office/powerpoint/2018/8/main" r:id="rId3"/>
+    </p:ext>
+  </p:extLst>
 </p:sld>
 </file>
 
@@ -4896,16 +5654,14 @@
         </p:nvSpPr>
         <p:spPr/>
         <p:txBody>
-          <a:bodyPr/>
+          <a:bodyPr>
+            <a:normAutofit/>
+          </a:bodyPr>
           <a:lstStyle/>
           <a:p>
             <a:r>
-              <a:rPr lang="en-CA" dirty="0"/>
-              <a:t>C) </a:t>
-            </a:r>
-            <a:r>
               <a:rPr lang="en-CA" sz="3000" dirty="0"/>
-              <a:t>Solution </a:t>
+              <a:t>C) Solution </a:t>
             </a:r>
             <a:r>
               <a:rPr lang="en-CA" sz="3000" dirty="0" err="1"/>
@@ -4953,80 +5709,18 @@
             </a:r>
             <a:r>
               <a:rPr lang="en-CA" sz="3000" dirty="0"/>
-              <a:t>)</a:t>
+              <a:t>):</a:t>
             </a:r>
-            <a:br>
-              <a:rPr lang="en-CA" sz="3000" dirty="0"/>
-            </a:br>
-            <a:r>
-              <a:rPr lang="en-CA" sz="3000" dirty="0" err="1">
-                <a:highlight>
-                  <a:srgbClr val="FFFF00"/>
-                </a:highlight>
-              </a:rPr>
-              <a:t>j’arrive</a:t>
-            </a:r>
-            <a:r>
-              <a:rPr lang="en-CA" sz="3000" dirty="0">
-                <a:highlight>
-                  <a:srgbClr val="FFFF00"/>
-                </a:highlight>
-              </a:rPr>
-              <a:t> avec un </a:t>
-            </a:r>
-            <a:r>
-              <a:rPr lang="en-CA" sz="3000" dirty="0" err="1">
-                <a:highlight>
-                  <a:srgbClr val="FFFF00"/>
-                </a:highlight>
-              </a:rPr>
-              <a:t>terme</a:t>
-            </a:r>
-            <a:r>
-              <a:rPr lang="en-CA" sz="3000" dirty="0">
-                <a:highlight>
-                  <a:srgbClr val="FFFF00"/>
-                </a:highlight>
-              </a:rPr>
-              <a:t> </a:t>
-            </a:r>
-            <a:r>
-              <a:rPr lang="en-CA" sz="3000" dirty="0" err="1">
-                <a:highlight>
-                  <a:srgbClr val="FFFF00"/>
-                </a:highlight>
-              </a:rPr>
-              <a:t>en</a:t>
-            </a:r>
-            <a:r>
-              <a:rPr lang="en-CA" sz="3000" dirty="0">
-                <a:highlight>
-                  <a:srgbClr val="FFFF00"/>
-                </a:highlight>
-              </a:rPr>
-              <a:t> ln() qui </a:t>
-            </a:r>
-            <a:r>
-              <a:rPr lang="en-CA" sz="3000" dirty="0" err="1">
-                <a:highlight>
-                  <a:srgbClr val="FFFF00"/>
-                </a:highlight>
-              </a:rPr>
-              <a:t>n’existe</a:t>
-            </a:r>
-            <a:r>
-              <a:rPr lang="en-CA" sz="3000" dirty="0">
-                <a:highlight>
-                  <a:srgbClr val="FFFF00"/>
-                </a:highlight>
-              </a:rPr>
-              <a:t> pas dans la solution du prof</a:t>
-            </a:r>
+            <a:endParaRPr lang="en-CA" sz="3000" dirty="0">
+              <a:highlight>
+                <a:srgbClr val="FFFF00"/>
+              </a:highlight>
+            </a:endParaRPr>
           </a:p>
         </p:txBody>
       </p:sp>
-      <mc:AlternateContent xmlns:mc="http://schemas.openxmlformats.org/markup-compatibility/2006">
-        <mc:Choice xmlns:a14="http://schemas.microsoft.com/office/drawing/2010/main" Requires="a14">
+      <mc:AlternateContent xmlns:mc="http://schemas.openxmlformats.org/markup-compatibility/2006" xmlns:a14="http://schemas.microsoft.com/office/drawing/2010/main">
+        <mc:Choice Requires="a14">
           <p:sp>
             <p:nvSpPr>
               <p:cNvPr id="3" name="Content Placeholder 2">
@@ -5043,10 +5737,15 @@
                 <p:ph idx="1"/>
               </p:nvPr>
             </p:nvSpPr>
-            <p:spPr/>
+            <p:spPr>
+              <a:xfrm>
+                <a:off x="838200" y="1825624"/>
+                <a:ext cx="10515600" cy="5032375"/>
+              </a:xfrm>
+            </p:spPr>
             <p:txBody>
               <a:bodyPr>
-                <a:normAutofit/>
+                <a:normAutofit fontScale="62500" lnSpcReduction="20000"/>
               </a:bodyPr>
               <a:lstStyle/>
               <a:p>
@@ -5479,12 +6178,544 @@
               </a:p>
               <a:p>
                 <a:pPr marL="0" indent="0">
+                  <a:lnSpc>
+                    <a:spcPct val="100000"/>
+                  </a:lnSpc>
                   <a:buNone/>
                 </a:pPr>
+                <a:r>
+                  <a:rPr lang="en-CA" dirty="0"/>
+                  <a:t>EDO </a:t>
+                </a:r>
+                <a:r>
+                  <a:rPr lang="en-CA" dirty="0" err="1"/>
+                  <a:t>d’ordre</a:t>
+                </a:r>
+                <a:r>
+                  <a:rPr lang="en-CA" dirty="0"/>
+                  <a:t> 2 sans variable </a:t>
+                </a:r>
+                <a:r>
+                  <a:rPr lang="en-CA" dirty="0" err="1"/>
+                  <a:t>dépendante</a:t>
+                </a:r>
+                <a:r>
+                  <a:rPr lang="en-CA" dirty="0"/>
+                  <a:t> et non </a:t>
+                </a:r>
+                <a:r>
+                  <a:rPr lang="en-CA" dirty="0" err="1"/>
+                  <a:t>homogène</a:t>
+                </a:r>
+                <a:r>
+                  <a:rPr lang="en-CA" dirty="0"/>
+                  <a:t>, on </a:t>
+                </a:r>
+                <a:r>
+                  <a:rPr lang="en-CA" dirty="0" err="1"/>
+                  <a:t>effectue</a:t>
+                </a:r>
+                <a:r>
+                  <a:rPr lang="en-CA" dirty="0"/>
+                  <a:t> un </a:t>
+                </a:r>
+                <a:r>
+                  <a:rPr lang="en-CA" dirty="0" err="1"/>
+                  <a:t>changement</a:t>
+                </a:r>
+                <a:r>
+                  <a:rPr lang="en-CA" dirty="0"/>
+                  <a:t> de variables: </a:t>
+                </a:r>
+              </a:p>
+              <a:p>
+                <a:pPr marL="0" indent="0">
+                  <a:lnSpc>
+                    <a:spcPct val="100000"/>
+                  </a:lnSpc>
+                  <a:buNone/>
+                </a:pPr>
+                <a14:m>
+                  <m:oMath xmlns:m="http://schemas.openxmlformats.org/officeDocument/2006/math">
+                    <m:f>
+                      <m:fPr>
+                        <m:ctrlPr>
+                          <a:rPr lang="en-CA" i="1" smtClean="0">
+                            <a:latin typeface="Cambria Math" panose="02040503050406030204" pitchFamily="18" charset="0"/>
+                          </a:rPr>
+                        </m:ctrlPr>
+                      </m:fPr>
+                      <m:num>
+                        <m:r>
+                          <a:rPr lang="en-CA" i="1">
+                            <a:latin typeface="Cambria Math" panose="02040503050406030204" pitchFamily="18" charset="0"/>
+                          </a:rPr>
+                          <m:t>𝜕</m:t>
+                        </m:r>
+                        <m:r>
+                          <a:rPr lang="en-CA" i="1">
+                            <a:latin typeface="Cambria Math" panose="02040503050406030204" pitchFamily="18" charset="0"/>
+                          </a:rPr>
+                          <m:t>𝐶</m:t>
+                        </m:r>
+                      </m:num>
+                      <m:den>
+                        <m:r>
+                          <a:rPr lang="en-CA" i="1">
+                            <a:latin typeface="Cambria Math" panose="02040503050406030204" pitchFamily="18" charset="0"/>
+                          </a:rPr>
+                          <m:t>𝜕</m:t>
+                        </m:r>
+                        <m:r>
+                          <a:rPr lang="en-CA" i="1">
+                            <a:latin typeface="Cambria Math" panose="02040503050406030204" pitchFamily="18" charset="0"/>
+                          </a:rPr>
+                          <m:t>𝑟</m:t>
+                        </m:r>
+                      </m:den>
+                    </m:f>
+                    <m:r>
+                      <a:rPr lang="en-CA" b="0" i="1" smtClean="0">
+                        <a:latin typeface="Cambria Math" panose="02040503050406030204" pitchFamily="18" charset="0"/>
+                      </a:rPr>
+                      <m:t>=</m:t>
+                    </m:r>
+                    <m:r>
+                      <a:rPr lang="en-US" b="0" i="1" smtClean="0">
+                        <a:latin typeface="Cambria Math" panose="02040503050406030204" pitchFamily="18" charset="0"/>
+                      </a:rPr>
+                      <m:t>𝑢</m:t>
+                    </m:r>
+                    <m:r>
+                      <a:rPr lang="en-US" b="0" i="1" smtClean="0">
+                        <a:latin typeface="Cambria Math" panose="02040503050406030204" pitchFamily="18" charset="0"/>
+                      </a:rPr>
+                      <m:t>→</m:t>
+                    </m:r>
+                    <m:f>
+                      <m:fPr>
+                        <m:ctrlPr>
+                          <a:rPr lang="en-CA" i="1">
+                            <a:latin typeface="Cambria Math" panose="02040503050406030204" pitchFamily="18" charset="0"/>
+                          </a:rPr>
+                        </m:ctrlPr>
+                      </m:fPr>
+                      <m:num>
+                        <m:sSup>
+                          <m:sSupPr>
+                            <m:ctrlPr>
+                              <a:rPr lang="en-CA" i="1">
+                                <a:latin typeface="Cambria Math" panose="02040503050406030204" pitchFamily="18" charset="0"/>
+                              </a:rPr>
+                            </m:ctrlPr>
+                          </m:sSupPr>
+                          <m:e>
+                            <m:r>
+                              <a:rPr lang="en-CA" i="1">
+                                <a:latin typeface="Cambria Math" panose="02040503050406030204" pitchFamily="18" charset="0"/>
+                              </a:rPr>
+                              <m:t>𝜕</m:t>
+                            </m:r>
+                          </m:e>
+                          <m:sup>
+                            <m:r>
+                              <a:rPr lang="en-CA" i="1">
+                                <a:latin typeface="Cambria Math" panose="02040503050406030204" pitchFamily="18" charset="0"/>
+                              </a:rPr>
+                              <m:t>2</m:t>
+                            </m:r>
+                          </m:sup>
+                        </m:sSup>
+                        <m:r>
+                          <a:rPr lang="en-CA" i="1">
+                            <a:latin typeface="Cambria Math" panose="02040503050406030204" pitchFamily="18" charset="0"/>
+                          </a:rPr>
+                          <m:t>𝐶</m:t>
+                        </m:r>
+                      </m:num>
+                      <m:den>
+                        <m:r>
+                          <a:rPr lang="en-CA" i="1">
+                            <a:latin typeface="Cambria Math" panose="02040503050406030204" pitchFamily="18" charset="0"/>
+                          </a:rPr>
+                          <m:t>𝜕</m:t>
+                        </m:r>
+                        <m:sSup>
+                          <m:sSupPr>
+                            <m:ctrlPr>
+                              <a:rPr lang="en-CA" i="1">
+                                <a:latin typeface="Cambria Math" panose="02040503050406030204" pitchFamily="18" charset="0"/>
+                              </a:rPr>
+                            </m:ctrlPr>
+                          </m:sSupPr>
+                          <m:e>
+                            <m:r>
+                              <a:rPr lang="en-CA" i="1">
+                                <a:latin typeface="Cambria Math" panose="02040503050406030204" pitchFamily="18" charset="0"/>
+                              </a:rPr>
+                              <m:t>𝑟</m:t>
+                            </m:r>
+                          </m:e>
+                          <m:sup>
+                            <m:r>
+                              <a:rPr lang="en-CA" i="1">
+                                <a:latin typeface="Cambria Math" panose="02040503050406030204" pitchFamily="18" charset="0"/>
+                              </a:rPr>
+                              <m:t>2</m:t>
+                            </m:r>
+                          </m:sup>
+                        </m:sSup>
+                      </m:den>
+                    </m:f>
+                    <m:r>
+                      <a:rPr lang="en-US" b="0" i="1" smtClean="0">
+                        <a:latin typeface="Cambria Math" panose="02040503050406030204" pitchFamily="18" charset="0"/>
+                      </a:rPr>
+                      <m:t>=</m:t>
+                    </m:r>
+                    <m:r>
+                      <a:rPr lang="en-US" b="0" i="1" smtClean="0">
+                        <a:latin typeface="Cambria Math" panose="02040503050406030204" pitchFamily="18" charset="0"/>
+                      </a:rPr>
+                      <m:t>𝑢</m:t>
+                    </m:r>
+                    <m:r>
+                      <a:rPr lang="en-US" b="0" i="1" smtClean="0">
+                        <a:latin typeface="Cambria Math" panose="02040503050406030204" pitchFamily="18" charset="0"/>
+                      </a:rPr>
+                      <m:t>′</m:t>
+                    </m:r>
+                  </m:oMath>
+                </a14:m>
+                <a:r>
+                  <a:rPr lang="en-CA" b="0" dirty="0"/>
+                  <a:t>. </a:t>
+                </a:r>
+                <a:r>
+                  <a:rPr lang="en-CA" b="0" dirty="0" err="1"/>
+                  <a:t>L’équation</a:t>
+                </a:r>
+                <a:r>
+                  <a:rPr lang="en-CA" b="0" dirty="0"/>
+                  <a:t> </a:t>
+                </a:r>
+                <a:r>
+                  <a:rPr lang="en-CA" b="0" dirty="0" err="1"/>
+                  <a:t>devient</a:t>
+                </a:r>
+                <a:r>
+                  <a:rPr lang="en-CA" b="0" dirty="0"/>
+                  <a:t>:</a:t>
+                </a:r>
+              </a:p>
+              <a:p>
+                <a:pPr marL="0" indent="0">
+                  <a:lnSpc>
+                    <a:spcPct val="100000"/>
+                  </a:lnSpc>
+                  <a:buNone/>
+                </a:pPr>
+                <a14:m>
+                  <m:oMathPara xmlns:m="http://schemas.openxmlformats.org/officeDocument/2006/math">
+                    <m:oMathParaPr>
+                      <m:jc m:val="centerGroup"/>
+                    </m:oMathParaPr>
+                    <m:oMath xmlns:m="http://schemas.openxmlformats.org/officeDocument/2006/math">
+                      <m:sSup>
+                        <m:sSupPr>
+                          <m:ctrlPr>
+                            <a:rPr lang="en-US" b="0" i="1" smtClean="0">
+                              <a:latin typeface="Cambria Math" panose="02040503050406030204" pitchFamily="18" charset="0"/>
+                            </a:rPr>
+                          </m:ctrlPr>
+                        </m:sSupPr>
+                        <m:e>
+                          <m:r>
+                            <a:rPr lang="en-US" b="0" i="1" smtClean="0">
+                              <a:latin typeface="Cambria Math" panose="02040503050406030204" pitchFamily="18" charset="0"/>
+                            </a:rPr>
+                            <m:t>𝑢</m:t>
+                          </m:r>
+                        </m:e>
+                        <m:sup>
+                          <m:r>
+                            <a:rPr lang="en-US" b="0" i="1" smtClean="0">
+                              <a:latin typeface="Cambria Math" panose="02040503050406030204" pitchFamily="18" charset="0"/>
+                            </a:rPr>
+                            <m:t>′</m:t>
+                          </m:r>
+                        </m:sup>
+                      </m:sSup>
+                      <m:r>
+                        <a:rPr lang="en-US" b="0" i="1" smtClean="0">
+                          <a:latin typeface="Cambria Math" panose="02040503050406030204" pitchFamily="18" charset="0"/>
+                        </a:rPr>
+                        <m:t>+</m:t>
+                      </m:r>
+                      <m:f>
+                        <m:fPr>
+                          <m:ctrlPr>
+                            <a:rPr lang="en-US" b="0" i="1" smtClean="0">
+                              <a:latin typeface="Cambria Math" panose="02040503050406030204" pitchFamily="18" charset="0"/>
+                            </a:rPr>
+                          </m:ctrlPr>
+                        </m:fPr>
+                        <m:num>
+                          <m:r>
+                            <a:rPr lang="en-US" b="0" i="1" smtClean="0">
+                              <a:latin typeface="Cambria Math" panose="02040503050406030204" pitchFamily="18" charset="0"/>
+                            </a:rPr>
+                            <m:t>1</m:t>
+                          </m:r>
+                        </m:num>
+                        <m:den>
+                          <m:r>
+                            <a:rPr lang="en-US" b="0" i="1" smtClean="0">
+                              <a:latin typeface="Cambria Math" panose="02040503050406030204" pitchFamily="18" charset="0"/>
+                            </a:rPr>
+                            <m:t>𝑟</m:t>
+                          </m:r>
+                        </m:den>
+                      </m:f>
+                      <m:r>
+                        <a:rPr lang="en-US" b="0" i="1" smtClean="0">
+                          <a:latin typeface="Cambria Math" panose="02040503050406030204" pitchFamily="18" charset="0"/>
+                        </a:rPr>
+                        <m:t>𝑢</m:t>
+                      </m:r>
+                      <m:r>
+                        <a:rPr lang="en-US" b="0" i="1" smtClean="0">
+                          <a:latin typeface="Cambria Math" panose="02040503050406030204" pitchFamily="18" charset="0"/>
+                        </a:rPr>
+                        <m:t>=</m:t>
+                      </m:r>
+                      <m:f>
+                        <m:fPr>
+                          <m:ctrlPr>
+                            <a:rPr lang="en-US" b="0" i="1" smtClean="0">
+                              <a:latin typeface="Cambria Math" panose="02040503050406030204" pitchFamily="18" charset="0"/>
+                            </a:rPr>
+                          </m:ctrlPr>
+                        </m:fPr>
+                        <m:num>
+                          <m:r>
+                            <a:rPr lang="en-US" b="0" i="1" smtClean="0">
+                              <a:latin typeface="Cambria Math" panose="02040503050406030204" pitchFamily="18" charset="0"/>
+                            </a:rPr>
+                            <m:t>𝑆</m:t>
+                          </m:r>
+                        </m:num>
+                        <m:den>
+                          <m:sSub>
+                            <m:sSubPr>
+                              <m:ctrlPr>
+                                <a:rPr lang="en-US" b="0" i="1" smtClean="0">
+                                  <a:latin typeface="Cambria Math" panose="02040503050406030204" pitchFamily="18" charset="0"/>
+                                </a:rPr>
+                              </m:ctrlPr>
+                            </m:sSubPr>
+                            <m:e>
+                              <m:r>
+                                <a:rPr lang="en-US" b="0" i="1" smtClean="0">
+                                  <a:latin typeface="Cambria Math" panose="02040503050406030204" pitchFamily="18" charset="0"/>
+                                </a:rPr>
+                                <m:t>𝐷</m:t>
+                              </m:r>
+                            </m:e>
+                            <m:sub>
+                              <m:r>
+                                <a:rPr lang="en-US" b="0" i="1" smtClean="0">
+                                  <a:latin typeface="Cambria Math" panose="02040503050406030204" pitchFamily="18" charset="0"/>
+                                </a:rPr>
+                                <m:t>𝑒𝑓𝑓</m:t>
+                              </m:r>
+                            </m:sub>
+                          </m:sSub>
+                        </m:den>
+                      </m:f>
+                    </m:oMath>
+                  </m:oMathPara>
+                </a14:m>
                 <a:endParaRPr lang="en-CA" b="0" dirty="0"/>
               </a:p>
               <a:p>
                 <a:pPr marL="0" indent="0">
+                  <a:lnSpc>
+                    <a:spcPct val="100000"/>
+                  </a:lnSpc>
+                  <a:buNone/>
+                </a:pPr>
+                <a:r>
+                  <a:rPr lang="en-CA" b="0" dirty="0"/>
+                  <a:t>On </a:t>
+                </a:r>
+                <a:r>
+                  <a:rPr lang="en-CA" b="0" dirty="0" err="1"/>
+                  <a:t>multiplie</a:t>
+                </a:r>
+                <a:r>
+                  <a:rPr lang="en-CA" b="0" dirty="0"/>
+                  <a:t> par le </a:t>
+                </a:r>
+                <a:r>
+                  <a:rPr lang="en-CA" b="0" dirty="0" err="1"/>
+                  <a:t>facteur</a:t>
+                </a:r>
+                <a:r>
+                  <a:rPr lang="en-CA" b="0" dirty="0"/>
+                  <a:t> </a:t>
+                </a:r>
+                <a:r>
+                  <a:rPr lang="en-CA" b="0" dirty="0" err="1"/>
+                  <a:t>intégrant</a:t>
+                </a:r>
+                <a:r>
+                  <a:rPr lang="en-CA" b="0" dirty="0"/>
+                  <a:t>: </a:t>
+                </a:r>
+                <a14:m>
+                  <m:oMath xmlns:m="http://schemas.openxmlformats.org/officeDocument/2006/math">
+                    <m:r>
+                      <a:rPr lang="en-US" b="0" i="1" smtClean="0">
+                        <a:latin typeface="Cambria Math" panose="02040503050406030204" pitchFamily="18" charset="0"/>
+                      </a:rPr>
+                      <m:t>𝐹</m:t>
+                    </m:r>
+                    <m:d>
+                      <m:dPr>
+                        <m:ctrlPr>
+                          <a:rPr lang="en-US" b="0" i="1" smtClean="0">
+                            <a:latin typeface="Cambria Math" panose="02040503050406030204" pitchFamily="18" charset="0"/>
+                          </a:rPr>
+                        </m:ctrlPr>
+                      </m:dPr>
+                      <m:e>
+                        <m:r>
+                          <a:rPr lang="en-US" b="0" i="1" smtClean="0">
+                            <a:latin typeface="Cambria Math" panose="02040503050406030204" pitchFamily="18" charset="0"/>
+                          </a:rPr>
+                          <m:t>𝑟</m:t>
+                        </m:r>
+                      </m:e>
+                    </m:d>
+                    <m:r>
+                      <a:rPr lang="en-US" b="0" i="1" smtClean="0">
+                        <a:latin typeface="Cambria Math" panose="02040503050406030204" pitchFamily="18" charset="0"/>
+                      </a:rPr>
+                      <m:t>=</m:t>
+                    </m:r>
+                    <m:sSup>
+                      <m:sSupPr>
+                        <m:ctrlPr>
+                          <a:rPr lang="en-US" b="0" i="1" smtClean="0">
+                            <a:latin typeface="Cambria Math" panose="02040503050406030204" pitchFamily="18" charset="0"/>
+                          </a:rPr>
+                        </m:ctrlPr>
+                      </m:sSupPr>
+                      <m:e>
+                        <m:r>
+                          <a:rPr lang="en-US" b="0" i="1" smtClean="0">
+                            <a:latin typeface="Cambria Math" panose="02040503050406030204" pitchFamily="18" charset="0"/>
+                          </a:rPr>
+                          <m:t>𝑒</m:t>
+                        </m:r>
+                      </m:e>
+                      <m:sup>
+                        <m:nary>
+                          <m:naryPr>
+                            <m:limLoc m:val="undOvr"/>
+                            <m:subHide m:val="on"/>
+                            <m:supHide m:val="on"/>
+                            <m:ctrlPr>
+                              <a:rPr lang="en-US" i="1">
+                                <a:latin typeface="Cambria Math" panose="02040503050406030204" pitchFamily="18" charset="0"/>
+                              </a:rPr>
+                            </m:ctrlPr>
+                          </m:naryPr>
+                          <m:sub/>
+                          <m:sup/>
+                          <m:e>
+                            <m:f>
+                              <m:fPr>
+                                <m:ctrlPr>
+                                  <a:rPr lang="en-US" i="1">
+                                    <a:latin typeface="Cambria Math" panose="02040503050406030204" pitchFamily="18" charset="0"/>
+                                  </a:rPr>
+                                </m:ctrlPr>
+                              </m:fPr>
+                              <m:num>
+                                <m:r>
+                                  <a:rPr lang="en-US" i="1">
+                                    <a:latin typeface="Cambria Math" panose="02040503050406030204" pitchFamily="18" charset="0"/>
+                                  </a:rPr>
+                                  <m:t>1</m:t>
+                                </m:r>
+                              </m:num>
+                              <m:den>
+                                <m:r>
+                                  <a:rPr lang="en-US" i="1">
+                                    <a:latin typeface="Cambria Math" panose="02040503050406030204" pitchFamily="18" charset="0"/>
+                                  </a:rPr>
+                                  <m:t>𝑟</m:t>
+                                </m:r>
+                              </m:den>
+                            </m:f>
+                            <m:r>
+                              <a:rPr lang="en-US" i="1">
+                                <a:latin typeface="Cambria Math" panose="02040503050406030204" pitchFamily="18" charset="0"/>
+                              </a:rPr>
+                              <m:t>𝑑𝑟</m:t>
+                            </m:r>
+                          </m:e>
+                        </m:nary>
+                      </m:sup>
+                    </m:sSup>
+                    <m:r>
+                      <a:rPr lang="en-US" b="0" i="1" smtClean="0">
+                        <a:latin typeface="Cambria Math" panose="02040503050406030204" pitchFamily="18" charset="0"/>
+                      </a:rPr>
+                      <m:t>=</m:t>
+                    </m:r>
+                    <m:r>
+                      <a:rPr lang="en-US" b="0" i="1" smtClean="0">
+                        <a:latin typeface="Cambria Math" panose="02040503050406030204" pitchFamily="18" charset="0"/>
+                      </a:rPr>
+                      <m:t>𝑟</m:t>
+                    </m:r>
+                    <m:r>
+                      <a:rPr lang="en-US" b="0" i="0" smtClean="0">
+                        <a:latin typeface="Cambria Math" panose="02040503050406030204" pitchFamily="18" charset="0"/>
+                      </a:rPr>
+                      <m:t>.</m:t>
+                    </m:r>
+                  </m:oMath>
+                </a14:m>
+                <a:r>
+                  <a:rPr lang="en-CA" b="0" dirty="0"/>
+                  <a:t> </a:t>
+                </a:r>
+                <a:r>
+                  <a:rPr lang="en-CA" b="0" dirty="0" err="1"/>
+                  <a:t>L’équation</a:t>
+                </a:r>
+                <a:r>
+                  <a:rPr lang="en-CA" b="0" dirty="0"/>
+                  <a:t> </a:t>
+                </a:r>
+                <a:r>
+                  <a:rPr lang="en-CA" b="0" dirty="0" err="1"/>
+                  <a:t>devient</a:t>
+                </a:r>
+                <a:r>
+                  <a:rPr lang="en-CA" b="0" dirty="0"/>
+                  <a:t>:</a:t>
+                </a:r>
+              </a:p>
+              <a:p>
+                <a:pPr marL="0" indent="0">
+                  <a:lnSpc>
+                    <a:spcPct val="120000"/>
+                  </a:lnSpc>
                   <a:buNone/>
                 </a:pPr>
                 <a14:m>
@@ -5494,30 +6725,50 @@
                     </m:oMathParaPr>
                     <m:oMath xmlns:m="http://schemas.openxmlformats.org/officeDocument/2006/math">
                       <m:r>
-                        <a:rPr lang="en-CA" b="0" i="1" smtClean="0">
+                        <a:rPr lang="en-US" b="0" i="1" smtClean="0">
                           <a:latin typeface="Cambria Math" panose="02040503050406030204" pitchFamily="18" charset="0"/>
                         </a:rPr>
-                        <m:t>𝐶</m:t>
+                        <m:t>𝑟</m:t>
                       </m:r>
-                      <m:d>
-                        <m:dPr>
+                      <m:sSup>
+                        <m:sSupPr>
                           <m:ctrlPr>
-                            <a:rPr lang="en-CA" b="0" i="1" smtClean="0">
+                            <a:rPr lang="en-US" b="0" i="1" smtClean="0">
                               <a:latin typeface="Cambria Math" panose="02040503050406030204" pitchFamily="18" charset="0"/>
                             </a:rPr>
                           </m:ctrlPr>
-                        </m:dPr>
+                        </m:sSupPr>
                         <m:e>
                           <m:r>
-                            <a:rPr lang="en-CA" b="0" i="1" smtClean="0">
-                              <a:latin typeface="Cambria Math" panose="02040503050406030204" pitchFamily="18" charset="0"/>
-                            </a:rPr>
-                            <m:t>𝑟</m:t>
+                            <a:rPr lang="en-US" b="0" i="1" smtClean="0">
+                              <a:latin typeface="Cambria Math" panose="02040503050406030204" pitchFamily="18" charset="0"/>
+                            </a:rPr>
+                            <m:t>𝑢</m:t>
                           </m:r>
                         </m:e>
-                      </m:d>
+                        <m:sup>
+                          <m:r>
+                            <a:rPr lang="en-US" b="0" i="1" smtClean="0">
+                              <a:latin typeface="Cambria Math" panose="02040503050406030204" pitchFamily="18" charset="0"/>
+                            </a:rPr>
+                            <m:t>′</m:t>
+                          </m:r>
+                        </m:sup>
+                      </m:sSup>
                       <m:r>
-                        <a:rPr lang="en-CA" b="0" i="1" smtClean="0">
+                        <a:rPr lang="en-US" b="0" i="1" smtClean="0">
+                          <a:latin typeface="Cambria Math" panose="02040503050406030204" pitchFamily="18" charset="0"/>
+                        </a:rPr>
+                        <m:t>+</m:t>
+                      </m:r>
+                      <m:r>
+                        <a:rPr lang="en-US" b="0" i="1" smtClean="0">
+                          <a:latin typeface="Cambria Math" panose="02040503050406030204" pitchFamily="18" charset="0"/>
+                        </a:rPr>
+                        <m:t>𝑢</m:t>
+                      </m:r>
+                      <m:r>
+                        <a:rPr lang="en-US" b="0" i="1" smtClean="0">
                           <a:latin typeface="Cambria Math" panose="02040503050406030204" pitchFamily="18" charset="0"/>
                         </a:rPr>
                         <m:t>=</m:t>
@@ -5525,56 +6776,31 @@
                       <m:f>
                         <m:fPr>
                           <m:ctrlPr>
-                            <a:rPr lang="en-CA" i="1" smtClean="0">
+                            <a:rPr lang="en-US" b="0" i="1" smtClean="0">
                               <a:latin typeface="Cambria Math" panose="02040503050406030204" pitchFamily="18" charset="0"/>
                             </a:rPr>
                           </m:ctrlPr>
                         </m:fPr>
                         <m:num>
                           <m:r>
-                            <a:rPr lang="en-CA" i="1">
-                              <a:latin typeface="Cambria Math" panose="02040503050406030204" pitchFamily="18" charset="0"/>
-                            </a:rPr>
-                            <m:t>1</m:t>
-                          </m:r>
-                        </m:num>
-                        <m:den>
-                          <m:r>
-                            <a:rPr lang="en-CA" b="0" i="1" smtClean="0">
-                              <a:latin typeface="Cambria Math" panose="02040503050406030204" pitchFamily="18" charset="0"/>
-                            </a:rPr>
-                            <m:t>4</m:t>
-                          </m:r>
-                        </m:den>
-                      </m:f>
-                      <m:f>
-                        <m:fPr>
-                          <m:ctrlPr>
-                            <a:rPr lang="en-CA" b="0" i="1" smtClean="0">
-                              <a:latin typeface="Cambria Math" panose="02040503050406030204" pitchFamily="18" charset="0"/>
-                            </a:rPr>
-                          </m:ctrlPr>
-                        </m:fPr>
-                        <m:num>
-                          <m:r>
-                            <a:rPr lang="en-CA" b="0" i="1" smtClean="0">
-                              <a:latin typeface="Cambria Math" panose="02040503050406030204" pitchFamily="18" charset="0"/>
-                            </a:rPr>
-                            <m:t>𝑆</m:t>
+                            <a:rPr lang="en-US" b="0" i="1" smtClean="0">
+                              <a:latin typeface="Cambria Math" panose="02040503050406030204" pitchFamily="18" charset="0"/>
+                            </a:rPr>
+                            <m:t>𝑟𝑆</m:t>
                           </m:r>
                         </m:num>
                         <m:den>
                           <m:sSub>
                             <m:sSubPr>
                               <m:ctrlPr>
-                                <a:rPr lang="en-CA" i="1">
+                                <a:rPr lang="en-US" b="0" i="1" smtClean="0">
                                   <a:latin typeface="Cambria Math" panose="02040503050406030204" pitchFamily="18" charset="0"/>
                                 </a:rPr>
                               </m:ctrlPr>
                             </m:sSubPr>
                             <m:e>
                               <m:r>
-                                <a:rPr lang="en-CA" i="1">
+                                <a:rPr lang="en-US" b="0" i="1" smtClean="0">
                                   <a:latin typeface="Cambria Math" panose="02040503050406030204" pitchFamily="18" charset="0"/>
                                 </a:rPr>
                                 <m:t>𝐷</m:t>
@@ -5582,7 +6808,7 @@
                             </m:e>
                             <m:sub>
                               <m:r>
-                                <a:rPr lang="en-CA" i="1">
+                                <a:rPr lang="en-US" b="0" i="1" smtClean="0">
                                   <a:latin typeface="Cambria Math" panose="02040503050406030204" pitchFamily="18" charset="0"/>
                                 </a:rPr>
                                 <m:t>𝑒𝑓𝑓</m:t>
@@ -5591,158 +6817,134 @@
                           </m:sSub>
                         </m:den>
                       </m:f>
-                      <m:sSup>
-                        <m:sSupPr>
+                    </m:oMath>
+                  </m:oMathPara>
+                </a14:m>
+                <a:endParaRPr lang="en-US" b="0" dirty="0"/>
+              </a:p>
+              <a:p>
+                <a:pPr marL="0" indent="0">
+                  <a:lnSpc>
+                    <a:spcPct val="120000"/>
+                  </a:lnSpc>
+                  <a:buNone/>
+                </a:pPr>
+                <a14:m>
+                  <m:oMathPara xmlns:m="http://schemas.openxmlformats.org/officeDocument/2006/math">
+                    <m:oMathParaPr>
+                      <m:jc m:val="centerGroup"/>
+                    </m:oMathParaPr>
+                    <m:oMath xmlns:m="http://schemas.openxmlformats.org/officeDocument/2006/math">
+                      <m:f>
+                        <m:fPr>
                           <m:ctrlPr>
-                            <a:rPr lang="en-CA" b="0" i="1" smtClean="0">
+                            <a:rPr lang="en-US" b="0" i="1" smtClean="0">
                               <a:latin typeface="Cambria Math" panose="02040503050406030204" pitchFamily="18" charset="0"/>
                             </a:rPr>
                           </m:ctrlPr>
-                        </m:sSupPr>
-                        <m:e>
-                          <m:r>
-                            <a:rPr lang="en-CA" b="0" i="1" smtClean="0">
-                              <a:latin typeface="Cambria Math" panose="02040503050406030204" pitchFamily="18" charset="0"/>
-                            </a:rPr>
-                            <m:t>𝑅</m:t>
-                          </m:r>
-                        </m:e>
-                        <m:sup>
-                          <m:r>
-                            <a:rPr lang="en-CA" b="0" i="1" smtClean="0">
-                              <a:latin typeface="Cambria Math" panose="02040503050406030204" pitchFamily="18" charset="0"/>
-                            </a:rPr>
-                            <m:t>2</m:t>
-                          </m:r>
-                        </m:sup>
-                      </m:sSup>
+                        </m:fPr>
+                        <m:num>
+                          <m:r>
+                            <a:rPr lang="en-US" b="0" i="1" smtClean="0">
+                              <a:latin typeface="Cambria Math" panose="02040503050406030204" pitchFamily="18" charset="0"/>
+                            </a:rPr>
+                            <m:t>𝑑</m:t>
+                          </m:r>
+                        </m:num>
+                        <m:den>
+                          <m:r>
+                            <a:rPr lang="en-US" b="0" i="1" smtClean="0">
+                              <a:latin typeface="Cambria Math" panose="02040503050406030204" pitchFamily="18" charset="0"/>
+                            </a:rPr>
+                            <m:t>𝑑𝑟</m:t>
+                          </m:r>
+                        </m:den>
+                      </m:f>
                       <m:d>
                         <m:dPr>
                           <m:ctrlPr>
-                            <a:rPr lang="en-CA" b="0" i="1" smtClean="0">
+                            <a:rPr lang="en-US" b="0" i="1" smtClean="0">
                               <a:latin typeface="Cambria Math" panose="02040503050406030204" pitchFamily="18" charset="0"/>
                             </a:rPr>
                           </m:ctrlPr>
                         </m:dPr>
                         <m:e>
-                          <m:f>
-                            <m:fPr>
-                              <m:ctrlPr>
-                                <a:rPr lang="en-CA" i="1">
-                                  <a:latin typeface="Cambria Math" panose="02040503050406030204" pitchFamily="18" charset="0"/>
-                                </a:rPr>
-                              </m:ctrlPr>
-                            </m:fPr>
-                            <m:num>
-                              <m:sSup>
-                                <m:sSupPr>
-                                  <m:ctrlPr>
-                                    <a:rPr lang="en-CA" b="0" i="1" smtClean="0">
-                                      <a:latin typeface="Cambria Math" panose="02040503050406030204" pitchFamily="18" charset="0"/>
-                                    </a:rPr>
-                                  </m:ctrlPr>
-                                </m:sSupPr>
-                                <m:e>
-                                  <m:r>
-                                    <a:rPr lang="en-CA" i="1">
-                                      <a:latin typeface="Cambria Math" panose="02040503050406030204" pitchFamily="18" charset="0"/>
-                                    </a:rPr>
-                                    <m:t>𝑟</m:t>
-                                  </m:r>
-                                </m:e>
-                                <m:sup>
-                                  <m:r>
-                                    <a:rPr lang="en-CA" b="0" i="1" smtClean="0">
-                                      <a:latin typeface="Cambria Math" panose="02040503050406030204" pitchFamily="18" charset="0"/>
-                                    </a:rPr>
-                                    <m:t>2</m:t>
-                                  </m:r>
-                                </m:sup>
-                              </m:sSup>
-                            </m:num>
-                            <m:den>
-                              <m:sSup>
-                                <m:sSupPr>
-                                  <m:ctrlPr>
-                                    <a:rPr lang="en-CA" b="0" i="1" smtClean="0">
-                                      <a:latin typeface="Cambria Math" panose="02040503050406030204" pitchFamily="18" charset="0"/>
-                                    </a:rPr>
-                                  </m:ctrlPr>
-                                </m:sSupPr>
-                                <m:e>
-                                  <m:r>
-                                    <a:rPr lang="en-CA" i="1">
-                                      <a:latin typeface="Cambria Math" panose="02040503050406030204" pitchFamily="18" charset="0"/>
-                                    </a:rPr>
-                                    <m:t>𝑅</m:t>
-                                  </m:r>
-                                </m:e>
-                                <m:sup>
-                                  <m:r>
-                                    <a:rPr lang="en-CA" b="0" i="1" smtClean="0">
-                                      <a:latin typeface="Cambria Math" panose="02040503050406030204" pitchFamily="18" charset="0"/>
-                                    </a:rPr>
-                                    <m:t>2</m:t>
-                                  </m:r>
-                                </m:sup>
-                              </m:sSup>
-                            </m:den>
-                          </m:f>
-                          <m:r>
-                            <a:rPr lang="en-CA" i="1">
-                              <a:latin typeface="Cambria Math" panose="02040503050406030204" pitchFamily="18" charset="0"/>
-                            </a:rPr>
-                            <m:t>−1</m:t>
-                          </m:r>
-                          <m:r>
-                            <m:rPr>
-                              <m:nor/>
-                            </m:rPr>
-                            <a:rPr lang="en-CA" dirty="0"/>
-                            <m:t> </m:t>
+                          <m:r>
+                            <a:rPr lang="en-US" b="0" i="1" smtClean="0">
+                              <a:latin typeface="Cambria Math" panose="02040503050406030204" pitchFamily="18" charset="0"/>
+                            </a:rPr>
+                            <m:t>𝑟𝑢</m:t>
                           </m:r>
                         </m:e>
                       </m:d>
                       <m:r>
-                        <a:rPr lang="en-CA" b="0" i="1" smtClean="0">
+                        <a:rPr lang="en-US" b="0" i="1" smtClean="0">
                           <a:latin typeface="Cambria Math" panose="02040503050406030204" pitchFamily="18" charset="0"/>
                         </a:rPr>
-                        <m:t>+</m:t>
+                        <m:t>=</m:t>
                       </m:r>
-                      <m:sSub>
-                        <m:sSubPr>
+                      <m:f>
+                        <m:fPr>
                           <m:ctrlPr>
-                            <a:rPr lang="en-CA" b="0" i="1" smtClean="0">
+                            <a:rPr lang="en-US" i="1">
                               <a:latin typeface="Cambria Math" panose="02040503050406030204" pitchFamily="18" charset="0"/>
                             </a:rPr>
                           </m:ctrlPr>
-                        </m:sSubPr>
-                        <m:e>
-                          <m:r>
-                            <a:rPr lang="en-CA" b="0" i="1" smtClean="0">
-                              <a:latin typeface="Cambria Math" panose="02040503050406030204" pitchFamily="18" charset="0"/>
-                            </a:rPr>
-                            <m:t>𝐶</m:t>
-                          </m:r>
-                        </m:e>
-                        <m:sub>
-                          <m:r>
-                            <a:rPr lang="en-CA" b="0" i="1" smtClean="0">
-                              <a:latin typeface="Cambria Math" panose="02040503050406030204" pitchFamily="18" charset="0"/>
-                            </a:rPr>
-                            <m:t>𝑒</m:t>
-                          </m:r>
-                        </m:sub>
-                      </m:sSub>
+                        </m:fPr>
+                        <m:num>
+                          <m:r>
+                            <a:rPr lang="en-US" i="1">
+                              <a:latin typeface="Cambria Math" panose="02040503050406030204" pitchFamily="18" charset="0"/>
+                            </a:rPr>
+                            <m:t>𝑟𝑆</m:t>
+                          </m:r>
+                        </m:num>
+                        <m:den>
+                          <m:sSub>
+                            <m:sSubPr>
+                              <m:ctrlPr>
+                                <a:rPr lang="en-US" i="1">
+                                  <a:latin typeface="Cambria Math" panose="02040503050406030204" pitchFamily="18" charset="0"/>
+                                </a:rPr>
+                              </m:ctrlPr>
+                            </m:sSubPr>
+                            <m:e>
+                              <m:r>
+                                <a:rPr lang="en-US" i="1">
+                                  <a:latin typeface="Cambria Math" panose="02040503050406030204" pitchFamily="18" charset="0"/>
+                                </a:rPr>
+                                <m:t>𝐷</m:t>
+                              </m:r>
+                            </m:e>
+                            <m:sub>
+                              <m:r>
+                                <a:rPr lang="en-US" i="1">
+                                  <a:latin typeface="Cambria Math" panose="02040503050406030204" pitchFamily="18" charset="0"/>
+                                </a:rPr>
+                                <m:t>𝑒𝑓𝑓</m:t>
+                              </m:r>
+                            </m:sub>
+                          </m:sSub>
+                        </m:den>
+                      </m:f>
                     </m:oMath>
                   </m:oMathPara>
                 </a14:m>
                 <a:endParaRPr lang="en-CA" b="0" dirty="0"/>
               </a:p>
+              <a:p>
+                <a:pPr marL="0" indent="0">
+                  <a:lnSpc>
+                    <a:spcPct val="120000"/>
+                  </a:lnSpc>
+                  <a:buNone/>
+                </a:pPr>
+                <a:endParaRPr lang="en-CA" b="0" dirty="0"/>
+              </a:p>
             </p:txBody>
           </p:sp>
         </mc:Choice>
-        <mc:Fallback>
+        <mc:Fallback xmlns="">
           <p:sp>
             <p:nvSpPr>
               <p:cNvPr id="3" name="Content Placeholder 2">
@@ -5760,10 +6962,14 @@
               </p:nvPr>
             </p:nvSpPr>
             <p:spPr>
+              <a:xfrm>
+                <a:off x="838200" y="1825624"/>
+                <a:ext cx="10515600" cy="5032375"/>
+              </a:xfrm>
               <a:blipFill>
                 <a:blip r:embed="rId2"/>
                 <a:stretch>
-                  <a:fillRect/>
+                  <a:fillRect l="-522"/>
                 </a:stretch>
               </a:blipFill>
             </p:spPr>
@@ -5786,6 +6992,3091 @@
     <p:extLst>
       <p:ext uri="{BB962C8B-B14F-4D97-AF65-F5344CB8AC3E}">
         <p14:creationId xmlns:p14="http://schemas.microsoft.com/office/powerpoint/2010/main" val="2988674960"/>
+      </p:ext>
+    </p:extLst>
+  </p:cSld>
+  <p:clrMapOvr>
+    <a:masterClrMapping/>
+  </p:clrMapOvr>
+</p:sld>
+</file>
+
+<file path=ppt/slides/slide12.xml><?xml version="1.0" encoding="utf-8"?>
+<p:sld xmlns:a="http://schemas.openxmlformats.org/drawingml/2006/main" xmlns:r="http://schemas.openxmlformats.org/officeDocument/2006/relationships" xmlns:p="http://schemas.openxmlformats.org/presentationml/2006/main">
+  <p:cSld>
+    <p:spTree>
+      <p:nvGrpSpPr>
+        <p:cNvPr id="1" name="">
+          <a:extLst>
+            <a:ext uri="{FF2B5EF4-FFF2-40B4-BE49-F238E27FC236}">
+              <a16:creationId xmlns:a16="http://schemas.microsoft.com/office/drawing/2014/main" id="{E2DBFEC6-8B41-2833-2E13-FCE043A17F82}"/>
+            </a:ext>
+          </a:extLst>
+        </p:cNvPr>
+        <p:cNvGrpSpPr/>
+        <p:nvPr/>
+      </p:nvGrpSpPr>
+      <p:grpSpPr>
+        <a:xfrm>
+          <a:off x="0" y="0"/>
+          <a:ext cx="0" cy="0"/>
+          <a:chOff x="0" y="0"/>
+          <a:chExt cx="0" cy="0"/>
+        </a:xfrm>
+      </p:grpSpPr>
+      <p:sp>
+        <p:nvSpPr>
+          <p:cNvPr id="2" name="Title 1">
+            <a:extLst>
+              <a:ext uri="{FF2B5EF4-FFF2-40B4-BE49-F238E27FC236}">
+                <a16:creationId xmlns:a16="http://schemas.microsoft.com/office/drawing/2014/main" id="{896793E2-A2AA-FCBC-76ED-29F41AA44CEA}"/>
+              </a:ext>
+            </a:extLst>
+          </p:cNvPr>
+          <p:cNvSpPr>
+            <a:spLocks noGrp="1"/>
+          </p:cNvSpPr>
+          <p:nvPr>
+            <p:ph type="title"/>
+          </p:nvPr>
+        </p:nvSpPr>
+        <p:spPr/>
+        <p:txBody>
+          <a:bodyPr>
+            <a:normAutofit/>
+          </a:bodyPr>
+          <a:lstStyle/>
+          <a:p>
+            <a:r>
+              <a:rPr lang="en-CA" sz="3000" dirty="0"/>
+              <a:t>C) Solution </a:t>
+            </a:r>
+            <a:r>
+              <a:rPr lang="en-CA" sz="3000" dirty="0" err="1"/>
+              <a:t>analytique</a:t>
+            </a:r>
+            <a:r>
+              <a:rPr lang="en-CA" sz="3000" dirty="0"/>
+              <a:t> </a:t>
+            </a:r>
+            <a:r>
+              <a:rPr lang="en-CA" sz="3000" dirty="0" err="1"/>
+              <a:t>en</a:t>
+            </a:r>
+            <a:r>
+              <a:rPr lang="en-CA" sz="3000" dirty="0"/>
+              <a:t> </a:t>
+            </a:r>
+            <a:r>
+              <a:rPr lang="en-CA" sz="3000" dirty="0" err="1"/>
+              <a:t>régime</a:t>
+            </a:r>
+            <a:r>
+              <a:rPr lang="en-CA" sz="3000" dirty="0"/>
+              <a:t> </a:t>
+            </a:r>
+            <a:r>
+              <a:rPr lang="en-CA" sz="3000" dirty="0" err="1"/>
+              <a:t>stationnaire</a:t>
+            </a:r>
+            <a:r>
+              <a:rPr lang="en-CA" sz="3000" dirty="0"/>
+              <a:t> (suite):</a:t>
+            </a:r>
+            <a:endParaRPr lang="en-CA" sz="3000" dirty="0">
+              <a:highlight>
+                <a:srgbClr val="FFFF00"/>
+              </a:highlight>
+            </a:endParaRPr>
+          </a:p>
+        </p:txBody>
+      </p:sp>
+      <mc:AlternateContent xmlns:mc="http://schemas.openxmlformats.org/markup-compatibility/2006" xmlns:a14="http://schemas.microsoft.com/office/drawing/2010/main">
+        <mc:Choice Requires="a14">
+          <p:sp>
+            <p:nvSpPr>
+              <p:cNvPr id="3" name="Content Placeholder 2">
+                <a:extLst>
+                  <a:ext uri="{FF2B5EF4-FFF2-40B4-BE49-F238E27FC236}">
+                    <a16:creationId xmlns:a16="http://schemas.microsoft.com/office/drawing/2014/main" id="{76F15E12-CFE4-B5CB-D479-9E8928859D5C}"/>
+                  </a:ext>
+                </a:extLst>
+              </p:cNvPr>
+              <p:cNvSpPr>
+                <a:spLocks noGrp="1"/>
+              </p:cNvSpPr>
+              <p:nvPr>
+                <p:ph idx="1"/>
+              </p:nvPr>
+            </p:nvSpPr>
+            <p:spPr>
+              <a:xfrm>
+                <a:off x="838200" y="1825624"/>
+                <a:ext cx="10515600" cy="5032375"/>
+              </a:xfrm>
+            </p:spPr>
+            <p:txBody>
+              <a:bodyPr>
+                <a:normAutofit fontScale="55000" lnSpcReduction="20000"/>
+              </a:bodyPr>
+              <a:lstStyle/>
+              <a:p>
+                <a:pPr marL="0" indent="0">
+                  <a:buNone/>
+                </a:pPr>
+                <a14:m>
+                  <m:oMathPara xmlns:m="http://schemas.openxmlformats.org/officeDocument/2006/math">
+                    <m:oMathParaPr>
+                      <m:jc m:val="centerGroup"/>
+                    </m:oMathParaPr>
+                    <m:oMath xmlns:m="http://schemas.openxmlformats.org/officeDocument/2006/math">
+                      <m:r>
+                        <a:rPr lang="en-US" b="1" i="1" smtClean="0">
+                          <a:latin typeface="Cambria Math" panose="02040503050406030204" pitchFamily="18" charset="0"/>
+                        </a:rPr>
+                        <m:t>𝒓𝒖</m:t>
+                      </m:r>
+                      <m:r>
+                        <a:rPr lang="en-US" b="0" i="1" smtClean="0">
+                          <a:latin typeface="Cambria Math" panose="02040503050406030204" pitchFamily="18" charset="0"/>
+                        </a:rPr>
+                        <m:t>=∫</m:t>
+                      </m:r>
+                      <m:f>
+                        <m:fPr>
+                          <m:ctrlPr>
+                            <a:rPr lang="en-US" i="1">
+                              <a:latin typeface="Cambria Math" panose="02040503050406030204" pitchFamily="18" charset="0"/>
+                            </a:rPr>
+                          </m:ctrlPr>
+                        </m:fPr>
+                        <m:num>
+                          <m:r>
+                            <a:rPr lang="en-US" i="1">
+                              <a:latin typeface="Cambria Math" panose="02040503050406030204" pitchFamily="18" charset="0"/>
+                            </a:rPr>
+                            <m:t>𝑟𝑆</m:t>
+                          </m:r>
+                        </m:num>
+                        <m:den>
+                          <m:sSub>
+                            <m:sSubPr>
+                              <m:ctrlPr>
+                                <a:rPr lang="en-US" i="1">
+                                  <a:latin typeface="Cambria Math" panose="02040503050406030204" pitchFamily="18" charset="0"/>
+                                </a:rPr>
+                              </m:ctrlPr>
+                            </m:sSubPr>
+                            <m:e>
+                              <m:r>
+                                <a:rPr lang="en-US" i="1">
+                                  <a:latin typeface="Cambria Math" panose="02040503050406030204" pitchFamily="18" charset="0"/>
+                                </a:rPr>
+                                <m:t>𝐷</m:t>
+                              </m:r>
+                            </m:e>
+                            <m:sub>
+                              <m:r>
+                                <a:rPr lang="en-US" i="1">
+                                  <a:latin typeface="Cambria Math" panose="02040503050406030204" pitchFamily="18" charset="0"/>
+                                </a:rPr>
+                                <m:t>𝑒𝑓𝑓</m:t>
+                              </m:r>
+                            </m:sub>
+                          </m:sSub>
+                        </m:den>
+                      </m:f>
+                      <m:r>
+                        <a:rPr lang="en-US" b="0" i="1" smtClean="0">
+                          <a:latin typeface="Cambria Math" panose="02040503050406030204" pitchFamily="18" charset="0"/>
+                        </a:rPr>
+                        <m:t>𝑑𝑟</m:t>
+                      </m:r>
+                      <m:r>
+                        <a:rPr lang="en-US" b="0" i="1" smtClean="0">
+                          <a:latin typeface="Cambria Math" panose="02040503050406030204" pitchFamily="18" charset="0"/>
+                        </a:rPr>
+                        <m:t>+</m:t>
+                      </m:r>
+                      <m:sSub>
+                        <m:sSubPr>
+                          <m:ctrlPr>
+                            <a:rPr lang="en-US" b="0" i="1" smtClean="0">
+                              <a:latin typeface="Cambria Math" panose="02040503050406030204" pitchFamily="18" charset="0"/>
+                            </a:rPr>
+                          </m:ctrlPr>
+                        </m:sSubPr>
+                        <m:e>
+                          <m:r>
+                            <a:rPr lang="en-US" b="0" i="1" smtClean="0">
+                              <a:latin typeface="Cambria Math" panose="02040503050406030204" pitchFamily="18" charset="0"/>
+                            </a:rPr>
+                            <m:t>𝐾</m:t>
+                          </m:r>
+                        </m:e>
+                        <m:sub>
+                          <m:r>
+                            <a:rPr lang="en-US" b="0" i="1" smtClean="0">
+                              <a:latin typeface="Cambria Math" panose="02040503050406030204" pitchFamily="18" charset="0"/>
+                            </a:rPr>
+                            <m:t>1</m:t>
+                          </m:r>
+                        </m:sub>
+                      </m:sSub>
+                      <m:r>
+                        <a:rPr lang="en-US" b="0" i="1" smtClean="0">
+                          <a:latin typeface="Cambria Math" panose="02040503050406030204" pitchFamily="18" charset="0"/>
+                        </a:rPr>
+                        <m:t>=</m:t>
+                      </m:r>
+                      <m:f>
+                        <m:fPr>
+                          <m:ctrlPr>
+                            <a:rPr lang="en-US" b="1" i="1">
+                              <a:latin typeface="Cambria Math" panose="02040503050406030204" pitchFamily="18" charset="0"/>
+                            </a:rPr>
+                          </m:ctrlPr>
+                        </m:fPr>
+                        <m:num>
+                          <m:r>
+                            <a:rPr lang="en-US" b="1" i="1">
+                              <a:latin typeface="Cambria Math" panose="02040503050406030204" pitchFamily="18" charset="0"/>
+                            </a:rPr>
+                            <m:t>𝑺</m:t>
+                          </m:r>
+                        </m:num>
+                        <m:den>
+                          <m:sSub>
+                            <m:sSubPr>
+                              <m:ctrlPr>
+                                <a:rPr lang="en-US" b="1" i="1">
+                                  <a:latin typeface="Cambria Math" panose="02040503050406030204" pitchFamily="18" charset="0"/>
+                                </a:rPr>
+                              </m:ctrlPr>
+                            </m:sSubPr>
+                            <m:e>
+                              <m:r>
+                                <a:rPr lang="en-US" b="1" i="1">
+                                  <a:latin typeface="Cambria Math" panose="02040503050406030204" pitchFamily="18" charset="0"/>
+                                </a:rPr>
+                                <m:t>𝑫</m:t>
+                              </m:r>
+                            </m:e>
+                            <m:sub>
+                              <m:r>
+                                <a:rPr lang="en-US" b="1" i="1">
+                                  <a:latin typeface="Cambria Math" panose="02040503050406030204" pitchFamily="18" charset="0"/>
+                                </a:rPr>
+                                <m:t>𝒆𝒇𝒇</m:t>
+                              </m:r>
+                            </m:sub>
+                          </m:sSub>
+                        </m:den>
+                      </m:f>
+                      <m:f>
+                        <m:fPr>
+                          <m:ctrlPr>
+                            <a:rPr lang="en-US" b="1" i="1" smtClean="0">
+                              <a:latin typeface="Cambria Math" panose="02040503050406030204" pitchFamily="18" charset="0"/>
+                            </a:rPr>
+                          </m:ctrlPr>
+                        </m:fPr>
+                        <m:num>
+                          <m:sSup>
+                            <m:sSupPr>
+                              <m:ctrlPr>
+                                <a:rPr lang="en-US" b="1" i="1" smtClean="0">
+                                  <a:latin typeface="Cambria Math" panose="02040503050406030204" pitchFamily="18" charset="0"/>
+                                </a:rPr>
+                              </m:ctrlPr>
+                            </m:sSupPr>
+                            <m:e>
+                              <m:r>
+                                <a:rPr lang="en-US" b="1" i="1" smtClean="0">
+                                  <a:latin typeface="Cambria Math" panose="02040503050406030204" pitchFamily="18" charset="0"/>
+                                </a:rPr>
+                                <m:t>𝒓</m:t>
+                              </m:r>
+                            </m:e>
+                            <m:sup>
+                              <m:r>
+                                <a:rPr lang="en-US" b="1" i="1" smtClean="0">
+                                  <a:latin typeface="Cambria Math" panose="02040503050406030204" pitchFamily="18" charset="0"/>
+                                </a:rPr>
+                                <m:t>𝟐</m:t>
+                              </m:r>
+                            </m:sup>
+                          </m:sSup>
+                        </m:num>
+                        <m:den>
+                          <m:r>
+                            <a:rPr lang="en-US" b="1" i="1" smtClean="0">
+                              <a:latin typeface="Cambria Math" panose="02040503050406030204" pitchFamily="18" charset="0"/>
+                            </a:rPr>
+                            <m:t>𝟐</m:t>
+                          </m:r>
+                        </m:den>
+                      </m:f>
+                      <m:r>
+                        <a:rPr lang="en-US" b="1" i="1" smtClean="0">
+                          <a:latin typeface="Cambria Math" panose="02040503050406030204" pitchFamily="18" charset="0"/>
+                        </a:rPr>
+                        <m:t>+</m:t>
+                      </m:r>
+                      <m:sSub>
+                        <m:sSubPr>
+                          <m:ctrlPr>
+                            <a:rPr lang="en-US" b="1" i="1" smtClean="0">
+                              <a:latin typeface="Cambria Math" panose="02040503050406030204" pitchFamily="18" charset="0"/>
+                            </a:rPr>
+                          </m:ctrlPr>
+                        </m:sSubPr>
+                        <m:e>
+                          <m:r>
+                            <a:rPr lang="en-US" b="1" i="1" smtClean="0">
+                              <a:latin typeface="Cambria Math" panose="02040503050406030204" pitchFamily="18" charset="0"/>
+                            </a:rPr>
+                            <m:t>𝑲</m:t>
+                          </m:r>
+                        </m:e>
+                        <m:sub>
+                          <m:r>
+                            <a:rPr lang="en-US" b="1" i="1" smtClean="0">
+                              <a:latin typeface="Cambria Math" panose="02040503050406030204" pitchFamily="18" charset="0"/>
+                            </a:rPr>
+                            <m:t>𝟐</m:t>
+                          </m:r>
+                        </m:sub>
+                      </m:sSub>
+                    </m:oMath>
+                  </m:oMathPara>
+                </a14:m>
+                <a:endParaRPr lang="en-US" b="1" dirty="0"/>
+              </a:p>
+              <a:p>
+                <a:pPr marL="0" indent="0">
+                  <a:lnSpc>
+                    <a:spcPct val="120000"/>
+                  </a:lnSpc>
+                  <a:buNone/>
+                </a:pPr>
+                <a:r>
+                  <a:rPr lang="en-US" dirty="0" err="1"/>
+                  <a:t>Puisque</a:t>
+                </a:r>
+                <a:r>
+                  <a:rPr lang="en-US" dirty="0"/>
+                  <a:t> </a:t>
+                </a:r>
+                <a14:m>
+                  <m:oMath xmlns:m="http://schemas.openxmlformats.org/officeDocument/2006/math">
+                    <m:r>
+                      <a:rPr lang="en-US" b="0" i="1" smtClean="0">
+                        <a:latin typeface="Cambria Math" panose="02040503050406030204" pitchFamily="18" charset="0"/>
+                      </a:rPr>
+                      <m:t>𝑢</m:t>
+                    </m:r>
+                    <m:r>
+                      <a:rPr lang="en-US" b="0" i="1" smtClean="0">
+                        <a:latin typeface="Cambria Math" panose="02040503050406030204" pitchFamily="18" charset="0"/>
+                      </a:rPr>
+                      <m:t>=</m:t>
+                    </m:r>
+                    <m:f>
+                      <m:fPr>
+                        <m:ctrlPr>
+                          <a:rPr lang="en-US" b="0" i="1" smtClean="0">
+                            <a:latin typeface="Cambria Math" panose="02040503050406030204" pitchFamily="18" charset="0"/>
+                          </a:rPr>
+                        </m:ctrlPr>
+                      </m:fPr>
+                      <m:num>
+                        <m:r>
+                          <a:rPr lang="en-US" b="0" i="1" smtClean="0">
+                            <a:latin typeface="Cambria Math" panose="02040503050406030204" pitchFamily="18" charset="0"/>
+                          </a:rPr>
+                          <m:t>𝜕</m:t>
+                        </m:r>
+                        <m:r>
+                          <a:rPr lang="en-US" b="0" i="1" smtClean="0">
+                            <a:latin typeface="Cambria Math" panose="02040503050406030204" pitchFamily="18" charset="0"/>
+                          </a:rPr>
+                          <m:t>𝐶</m:t>
+                        </m:r>
+                      </m:num>
+                      <m:den>
+                        <m:r>
+                          <a:rPr lang="en-US" b="0" i="1" smtClean="0">
+                            <a:latin typeface="Cambria Math" panose="02040503050406030204" pitchFamily="18" charset="0"/>
+                          </a:rPr>
+                          <m:t>𝜕</m:t>
+                        </m:r>
+                        <m:r>
+                          <a:rPr lang="en-US" b="0" i="1" smtClean="0">
+                            <a:latin typeface="Cambria Math" panose="02040503050406030204" pitchFamily="18" charset="0"/>
+                          </a:rPr>
+                          <m:t>𝑟</m:t>
+                        </m:r>
+                      </m:den>
+                    </m:f>
+                  </m:oMath>
+                </a14:m>
+                <a:r>
+                  <a:rPr lang="en-US" b="0" dirty="0"/>
+                  <a:t>, on applique la condition </a:t>
+                </a:r>
+                <a:r>
+                  <a:rPr lang="en-US" b="0" dirty="0" err="1"/>
+                  <a:t>frontière</a:t>
+                </a:r>
+                <a:r>
+                  <a:rPr lang="en-US" b="0" dirty="0"/>
+                  <a:t> de Neumann </a:t>
+                </a:r>
+                <a:r>
+                  <a:rPr lang="en-US" b="0" dirty="0" err="1"/>
+                  <a:t>en</a:t>
+                </a:r>
+                <a:r>
+                  <a:rPr lang="en-US" b="0" dirty="0"/>
+                  <a:t> r=0:</a:t>
+                </a:r>
+              </a:p>
+              <a:p>
+                <a:pPr marL="0" indent="0">
+                  <a:lnSpc>
+                    <a:spcPct val="120000"/>
+                  </a:lnSpc>
+                  <a:buNone/>
+                </a:pPr>
+                <a14:m>
+                  <m:oMathPara xmlns:m="http://schemas.openxmlformats.org/officeDocument/2006/math">
+                    <m:oMathParaPr>
+                      <m:jc m:val="centerGroup"/>
+                    </m:oMathParaPr>
+                    <m:oMath xmlns:m="http://schemas.openxmlformats.org/officeDocument/2006/math">
+                      <m:r>
+                        <a:rPr lang="en-US" b="0" i="1" smtClean="0">
+                          <a:latin typeface="Cambria Math" panose="02040503050406030204" pitchFamily="18" charset="0"/>
+                        </a:rPr>
+                        <m:t>0∗</m:t>
+                      </m:r>
+                      <m:sSub>
+                        <m:sSubPr>
+                          <m:ctrlPr>
+                            <a:rPr lang="en-US" b="0" i="1" smtClean="0">
+                              <a:latin typeface="Cambria Math" panose="02040503050406030204" pitchFamily="18" charset="0"/>
+                            </a:rPr>
+                          </m:ctrlPr>
+                        </m:sSubPr>
+                        <m:e>
+                          <m:d>
+                            <m:dPr>
+                              <m:begChr m:val=""/>
+                              <m:endChr m:val="|"/>
+                              <m:ctrlPr>
+                                <a:rPr lang="en-US" i="1" smtClean="0">
+                                  <a:latin typeface="Cambria Math" panose="02040503050406030204" pitchFamily="18" charset="0"/>
+                                </a:rPr>
+                              </m:ctrlPr>
+                            </m:dPr>
+                            <m:e>
+                              <m:f>
+                                <m:fPr>
+                                  <m:ctrlPr>
+                                    <a:rPr lang="en-US" i="1">
+                                      <a:latin typeface="Cambria Math" panose="02040503050406030204" pitchFamily="18" charset="0"/>
+                                    </a:rPr>
+                                  </m:ctrlPr>
+                                </m:fPr>
+                                <m:num>
+                                  <m:r>
+                                    <a:rPr lang="en-US" i="1">
+                                      <a:latin typeface="Cambria Math" panose="02040503050406030204" pitchFamily="18" charset="0"/>
+                                    </a:rPr>
+                                    <m:t>𝜕</m:t>
+                                  </m:r>
+                                  <m:r>
+                                    <a:rPr lang="en-US" i="1">
+                                      <a:latin typeface="Cambria Math" panose="02040503050406030204" pitchFamily="18" charset="0"/>
+                                    </a:rPr>
+                                    <m:t>𝐶</m:t>
+                                  </m:r>
+                                </m:num>
+                                <m:den>
+                                  <m:r>
+                                    <a:rPr lang="en-US" i="1">
+                                      <a:latin typeface="Cambria Math" panose="02040503050406030204" pitchFamily="18" charset="0"/>
+                                    </a:rPr>
+                                    <m:t>𝜕</m:t>
+                                  </m:r>
+                                  <m:r>
+                                    <a:rPr lang="en-US" i="1">
+                                      <a:latin typeface="Cambria Math" panose="02040503050406030204" pitchFamily="18" charset="0"/>
+                                    </a:rPr>
+                                    <m:t>𝑟</m:t>
+                                  </m:r>
+                                </m:den>
+                              </m:f>
+                            </m:e>
+                          </m:d>
+                        </m:e>
+                        <m:sub>
+                          <m:r>
+                            <a:rPr lang="en-US" b="0" i="1" smtClean="0">
+                              <a:latin typeface="Cambria Math" panose="02040503050406030204" pitchFamily="18" charset="0"/>
+                            </a:rPr>
+                            <m:t>𝑟</m:t>
+                          </m:r>
+                          <m:r>
+                            <a:rPr lang="en-US" b="0" i="1" smtClean="0">
+                              <a:latin typeface="Cambria Math" panose="02040503050406030204" pitchFamily="18" charset="0"/>
+                            </a:rPr>
+                            <m:t>=0</m:t>
+                          </m:r>
+                        </m:sub>
+                      </m:sSub>
+                      <m:r>
+                        <a:rPr lang="en-US" b="0" i="1" smtClean="0">
+                          <a:latin typeface="Cambria Math" panose="02040503050406030204" pitchFamily="18" charset="0"/>
+                        </a:rPr>
+                        <m:t>=</m:t>
+                      </m:r>
+                      <m:f>
+                        <m:fPr>
+                          <m:ctrlPr>
+                            <a:rPr lang="en-US" i="1">
+                              <a:latin typeface="Cambria Math" panose="02040503050406030204" pitchFamily="18" charset="0"/>
+                            </a:rPr>
+                          </m:ctrlPr>
+                        </m:fPr>
+                        <m:num>
+                          <m:r>
+                            <a:rPr lang="en-US" i="1">
+                              <a:latin typeface="Cambria Math" panose="02040503050406030204" pitchFamily="18" charset="0"/>
+                            </a:rPr>
+                            <m:t>𝑆</m:t>
+                          </m:r>
+                        </m:num>
+                        <m:den>
+                          <m:sSub>
+                            <m:sSubPr>
+                              <m:ctrlPr>
+                                <a:rPr lang="en-US" i="1">
+                                  <a:latin typeface="Cambria Math" panose="02040503050406030204" pitchFamily="18" charset="0"/>
+                                </a:rPr>
+                              </m:ctrlPr>
+                            </m:sSubPr>
+                            <m:e>
+                              <m:r>
+                                <a:rPr lang="en-US" i="1">
+                                  <a:latin typeface="Cambria Math" panose="02040503050406030204" pitchFamily="18" charset="0"/>
+                                </a:rPr>
+                                <m:t>𝐷</m:t>
+                              </m:r>
+                            </m:e>
+                            <m:sub>
+                              <m:r>
+                                <a:rPr lang="en-US" i="1">
+                                  <a:latin typeface="Cambria Math" panose="02040503050406030204" pitchFamily="18" charset="0"/>
+                                </a:rPr>
+                                <m:t>𝑒𝑓𝑓</m:t>
+                              </m:r>
+                            </m:sub>
+                          </m:sSub>
+                        </m:den>
+                      </m:f>
+                      <m:r>
+                        <a:rPr lang="en-US" b="0" i="1" smtClean="0">
+                          <a:latin typeface="Cambria Math" panose="02040503050406030204" pitchFamily="18" charset="0"/>
+                        </a:rPr>
+                        <m:t>∗0</m:t>
+                      </m:r>
+                      <m:r>
+                        <a:rPr lang="en-US" i="1">
+                          <a:latin typeface="Cambria Math" panose="02040503050406030204" pitchFamily="18" charset="0"/>
+                        </a:rPr>
+                        <m:t>+</m:t>
+                      </m:r>
+                      <m:sSub>
+                        <m:sSubPr>
+                          <m:ctrlPr>
+                            <a:rPr lang="en-US" i="1">
+                              <a:latin typeface="Cambria Math" panose="02040503050406030204" pitchFamily="18" charset="0"/>
+                            </a:rPr>
+                          </m:ctrlPr>
+                        </m:sSubPr>
+                        <m:e>
+                          <m:r>
+                            <a:rPr lang="en-US" i="1">
+                              <a:latin typeface="Cambria Math" panose="02040503050406030204" pitchFamily="18" charset="0"/>
+                            </a:rPr>
+                            <m:t>𝐾</m:t>
+                          </m:r>
+                        </m:e>
+                        <m:sub>
+                          <m:r>
+                            <a:rPr lang="en-US" i="1">
+                              <a:latin typeface="Cambria Math" panose="02040503050406030204" pitchFamily="18" charset="0"/>
+                            </a:rPr>
+                            <m:t>2</m:t>
+                          </m:r>
+                        </m:sub>
+                      </m:sSub>
+                      <m:r>
+                        <a:rPr lang="en-US" b="0" i="1" smtClean="0">
+                          <a:latin typeface="Cambria Math" panose="02040503050406030204" pitchFamily="18" charset="0"/>
+                        </a:rPr>
+                        <m:t> →</m:t>
+                      </m:r>
+                      <m:sSub>
+                        <m:sSubPr>
+                          <m:ctrlPr>
+                            <a:rPr lang="en-US" b="0" i="1" smtClean="0">
+                              <a:latin typeface="Cambria Math" panose="02040503050406030204" pitchFamily="18" charset="0"/>
+                            </a:rPr>
+                          </m:ctrlPr>
+                        </m:sSubPr>
+                        <m:e>
+                          <m:r>
+                            <a:rPr lang="en-US" b="0" i="1" smtClean="0">
+                              <a:latin typeface="Cambria Math" panose="02040503050406030204" pitchFamily="18" charset="0"/>
+                            </a:rPr>
+                            <m:t>𝐾</m:t>
+                          </m:r>
+                        </m:e>
+                        <m:sub>
+                          <m:r>
+                            <a:rPr lang="en-US" b="0" i="1" smtClean="0">
+                              <a:latin typeface="Cambria Math" panose="02040503050406030204" pitchFamily="18" charset="0"/>
+                            </a:rPr>
+                            <m:t>2</m:t>
+                          </m:r>
+                        </m:sub>
+                      </m:sSub>
+                      <m:r>
+                        <a:rPr lang="en-US" b="0" i="1" smtClean="0">
+                          <a:latin typeface="Cambria Math" panose="02040503050406030204" pitchFamily="18" charset="0"/>
+                        </a:rPr>
+                        <m:t>=0 →</m:t>
+                      </m:r>
+                      <m:r>
+                        <a:rPr lang="en-US" b="0" i="1" smtClean="0">
+                          <a:latin typeface="Cambria Math" panose="02040503050406030204" pitchFamily="18" charset="0"/>
+                        </a:rPr>
+                        <m:t>𝑟</m:t>
+                      </m:r>
+                      <m:f>
+                        <m:fPr>
+                          <m:ctrlPr>
+                            <a:rPr lang="en-US" i="1">
+                              <a:latin typeface="Cambria Math" panose="02040503050406030204" pitchFamily="18" charset="0"/>
+                            </a:rPr>
+                          </m:ctrlPr>
+                        </m:fPr>
+                        <m:num>
+                          <m:r>
+                            <a:rPr lang="en-US" i="1">
+                              <a:latin typeface="Cambria Math" panose="02040503050406030204" pitchFamily="18" charset="0"/>
+                            </a:rPr>
+                            <m:t>𝜕</m:t>
+                          </m:r>
+                          <m:r>
+                            <a:rPr lang="en-US" i="1">
+                              <a:latin typeface="Cambria Math" panose="02040503050406030204" pitchFamily="18" charset="0"/>
+                            </a:rPr>
+                            <m:t>𝐶</m:t>
+                          </m:r>
+                        </m:num>
+                        <m:den>
+                          <m:r>
+                            <a:rPr lang="en-US" i="1">
+                              <a:latin typeface="Cambria Math" panose="02040503050406030204" pitchFamily="18" charset="0"/>
+                            </a:rPr>
+                            <m:t>𝜕</m:t>
+                          </m:r>
+                          <m:r>
+                            <a:rPr lang="en-US" i="1">
+                              <a:latin typeface="Cambria Math" panose="02040503050406030204" pitchFamily="18" charset="0"/>
+                            </a:rPr>
+                            <m:t>𝑟</m:t>
+                          </m:r>
+                        </m:den>
+                      </m:f>
+                      <m:r>
+                        <a:rPr lang="en-US" b="0" i="1" smtClean="0">
+                          <a:latin typeface="Cambria Math" panose="02040503050406030204" pitchFamily="18" charset="0"/>
+                        </a:rPr>
+                        <m:t>=</m:t>
+                      </m:r>
+                      <m:f>
+                        <m:fPr>
+                          <m:ctrlPr>
+                            <a:rPr lang="en-US" i="1" smtClean="0">
+                              <a:latin typeface="Cambria Math" panose="02040503050406030204" pitchFamily="18" charset="0"/>
+                            </a:rPr>
+                          </m:ctrlPr>
+                        </m:fPr>
+                        <m:num>
+                          <m:r>
+                            <a:rPr lang="en-US" i="1">
+                              <a:latin typeface="Cambria Math" panose="02040503050406030204" pitchFamily="18" charset="0"/>
+                            </a:rPr>
+                            <m:t>𝑆</m:t>
+                          </m:r>
+                        </m:num>
+                        <m:den>
+                          <m:sSub>
+                            <m:sSubPr>
+                              <m:ctrlPr>
+                                <a:rPr lang="en-US" i="1">
+                                  <a:latin typeface="Cambria Math" panose="02040503050406030204" pitchFamily="18" charset="0"/>
+                                </a:rPr>
+                              </m:ctrlPr>
+                            </m:sSubPr>
+                            <m:e>
+                              <m:r>
+                                <a:rPr lang="en-US" i="1">
+                                  <a:latin typeface="Cambria Math" panose="02040503050406030204" pitchFamily="18" charset="0"/>
+                                </a:rPr>
+                                <m:t>𝐷</m:t>
+                              </m:r>
+                            </m:e>
+                            <m:sub>
+                              <m:r>
+                                <a:rPr lang="en-US" i="1">
+                                  <a:latin typeface="Cambria Math" panose="02040503050406030204" pitchFamily="18" charset="0"/>
+                                </a:rPr>
+                                <m:t>𝑒𝑓𝑓</m:t>
+                              </m:r>
+                            </m:sub>
+                          </m:sSub>
+                        </m:den>
+                      </m:f>
+                      <m:f>
+                        <m:fPr>
+                          <m:ctrlPr>
+                            <a:rPr lang="en-US" b="0" i="1" smtClean="0">
+                              <a:latin typeface="Cambria Math" panose="02040503050406030204" pitchFamily="18" charset="0"/>
+                            </a:rPr>
+                          </m:ctrlPr>
+                        </m:fPr>
+                        <m:num>
+                          <m:sSup>
+                            <m:sSupPr>
+                              <m:ctrlPr>
+                                <a:rPr lang="en-US" b="0" i="1" smtClean="0">
+                                  <a:latin typeface="Cambria Math" panose="02040503050406030204" pitchFamily="18" charset="0"/>
+                                </a:rPr>
+                              </m:ctrlPr>
+                            </m:sSupPr>
+                            <m:e>
+                              <m:r>
+                                <a:rPr lang="en-US" b="0" i="1" smtClean="0">
+                                  <a:latin typeface="Cambria Math" panose="02040503050406030204" pitchFamily="18" charset="0"/>
+                                </a:rPr>
+                                <m:t>𝑟</m:t>
+                              </m:r>
+                            </m:e>
+                            <m:sup>
+                              <m:r>
+                                <a:rPr lang="en-US" b="0" i="1" smtClean="0">
+                                  <a:latin typeface="Cambria Math" panose="02040503050406030204" pitchFamily="18" charset="0"/>
+                                </a:rPr>
+                                <m:t>2</m:t>
+                              </m:r>
+                            </m:sup>
+                          </m:sSup>
+                        </m:num>
+                        <m:den>
+                          <m:r>
+                            <a:rPr lang="en-US" b="0" i="1" smtClean="0">
+                              <a:latin typeface="Cambria Math" panose="02040503050406030204" pitchFamily="18" charset="0"/>
+                            </a:rPr>
+                            <m:t>2</m:t>
+                          </m:r>
+                        </m:den>
+                      </m:f>
+                      <m:r>
+                        <a:rPr lang="en-US" b="0" i="1" smtClean="0">
+                          <a:latin typeface="Cambria Math" panose="02040503050406030204" pitchFamily="18" charset="0"/>
+                        </a:rPr>
+                        <m:t> →</m:t>
+                      </m:r>
+                      <m:f>
+                        <m:fPr>
+                          <m:ctrlPr>
+                            <a:rPr lang="en-US" b="1" i="1">
+                              <a:latin typeface="Cambria Math" panose="02040503050406030204" pitchFamily="18" charset="0"/>
+                            </a:rPr>
+                          </m:ctrlPr>
+                        </m:fPr>
+                        <m:num>
+                          <m:r>
+                            <a:rPr lang="en-US" b="1" i="1">
+                              <a:latin typeface="Cambria Math" panose="02040503050406030204" pitchFamily="18" charset="0"/>
+                            </a:rPr>
+                            <m:t>𝝏</m:t>
+                          </m:r>
+                          <m:r>
+                            <a:rPr lang="en-US" b="1" i="1">
+                              <a:latin typeface="Cambria Math" panose="02040503050406030204" pitchFamily="18" charset="0"/>
+                            </a:rPr>
+                            <m:t>𝑪</m:t>
+                          </m:r>
+                        </m:num>
+                        <m:den>
+                          <m:r>
+                            <a:rPr lang="en-US" b="1" i="1">
+                              <a:latin typeface="Cambria Math" panose="02040503050406030204" pitchFamily="18" charset="0"/>
+                            </a:rPr>
+                            <m:t>𝝏</m:t>
+                          </m:r>
+                          <m:r>
+                            <a:rPr lang="en-US" b="1" i="1">
+                              <a:latin typeface="Cambria Math" panose="02040503050406030204" pitchFamily="18" charset="0"/>
+                            </a:rPr>
+                            <m:t>𝒓</m:t>
+                          </m:r>
+                        </m:den>
+                      </m:f>
+                      <m:r>
+                        <a:rPr lang="en-US" b="1" i="1">
+                          <a:latin typeface="Cambria Math" panose="02040503050406030204" pitchFamily="18" charset="0"/>
+                        </a:rPr>
+                        <m:t>=</m:t>
+                      </m:r>
+                      <m:f>
+                        <m:fPr>
+                          <m:ctrlPr>
+                            <a:rPr lang="en-US" b="1" i="1">
+                              <a:latin typeface="Cambria Math" panose="02040503050406030204" pitchFamily="18" charset="0"/>
+                            </a:rPr>
+                          </m:ctrlPr>
+                        </m:fPr>
+                        <m:num>
+                          <m:r>
+                            <a:rPr lang="en-US" b="1" i="1">
+                              <a:latin typeface="Cambria Math" panose="02040503050406030204" pitchFamily="18" charset="0"/>
+                            </a:rPr>
+                            <m:t>𝑺</m:t>
+                          </m:r>
+                        </m:num>
+                        <m:den>
+                          <m:sSub>
+                            <m:sSubPr>
+                              <m:ctrlPr>
+                                <a:rPr lang="en-US" b="1" i="1">
+                                  <a:latin typeface="Cambria Math" panose="02040503050406030204" pitchFamily="18" charset="0"/>
+                                </a:rPr>
+                              </m:ctrlPr>
+                            </m:sSubPr>
+                            <m:e>
+                              <m:r>
+                                <a:rPr lang="en-US" b="1" i="1" smtClean="0">
+                                  <a:latin typeface="Cambria Math" panose="02040503050406030204" pitchFamily="18" charset="0"/>
+                                </a:rPr>
+                                <m:t>𝟐</m:t>
+                              </m:r>
+                              <m:r>
+                                <a:rPr lang="en-US" b="1" i="1">
+                                  <a:latin typeface="Cambria Math" panose="02040503050406030204" pitchFamily="18" charset="0"/>
+                                </a:rPr>
+                                <m:t>𝑫</m:t>
+                              </m:r>
+                            </m:e>
+                            <m:sub>
+                              <m:r>
+                                <a:rPr lang="en-US" b="1" i="1">
+                                  <a:latin typeface="Cambria Math" panose="02040503050406030204" pitchFamily="18" charset="0"/>
+                                </a:rPr>
+                                <m:t>𝒆𝒇𝒇</m:t>
+                              </m:r>
+                            </m:sub>
+                          </m:sSub>
+                        </m:den>
+                      </m:f>
+                      <m:r>
+                        <a:rPr lang="en-US" b="1" i="1" smtClean="0">
+                          <a:latin typeface="Cambria Math" panose="02040503050406030204" pitchFamily="18" charset="0"/>
+                        </a:rPr>
+                        <m:t>𝒓</m:t>
+                      </m:r>
+                    </m:oMath>
+                  </m:oMathPara>
+                </a14:m>
+                <a:endParaRPr lang="en-US" b="1" dirty="0"/>
+              </a:p>
+              <a:p>
+                <a:pPr marL="0" indent="0">
+                  <a:lnSpc>
+                    <a:spcPct val="120000"/>
+                  </a:lnSpc>
+                  <a:buNone/>
+                </a:pPr>
+                <a:r>
+                  <a:rPr lang="en-US" dirty="0"/>
+                  <a:t>On </a:t>
+                </a:r>
+                <a:r>
+                  <a:rPr lang="en-US" dirty="0" err="1"/>
+                  <a:t>intègre</a:t>
+                </a:r>
+                <a:r>
+                  <a:rPr lang="en-US" dirty="0"/>
+                  <a:t> </a:t>
+                </a:r>
+                <a:r>
+                  <a:rPr lang="en-US" dirty="0" err="1"/>
+                  <a:t>une</a:t>
+                </a:r>
+                <a:r>
+                  <a:rPr lang="en-US" dirty="0"/>
+                  <a:t> </a:t>
+                </a:r>
+                <a:r>
+                  <a:rPr lang="en-US" dirty="0" err="1"/>
+                  <a:t>deuxième</a:t>
+                </a:r>
+                <a:r>
+                  <a:rPr lang="en-US" dirty="0"/>
+                  <a:t> </a:t>
+                </a:r>
+                <a:r>
+                  <a:rPr lang="en-US" dirty="0" err="1"/>
+                  <a:t>fois</a:t>
+                </a:r>
+                <a:r>
+                  <a:rPr lang="en-US" dirty="0"/>
+                  <a:t>:</a:t>
+                </a:r>
+              </a:p>
+              <a:p>
+                <a:pPr marL="0" indent="0">
+                  <a:lnSpc>
+                    <a:spcPct val="120000"/>
+                  </a:lnSpc>
+                  <a:buNone/>
+                </a:pPr>
+                <a14:m>
+                  <m:oMathPara xmlns:m="http://schemas.openxmlformats.org/officeDocument/2006/math">
+                    <m:oMathParaPr>
+                      <m:jc m:val="centerGroup"/>
+                    </m:oMathParaPr>
+                    <m:oMath xmlns:m="http://schemas.openxmlformats.org/officeDocument/2006/math">
+                      <m:r>
+                        <a:rPr lang="en-US" b="1" i="1" smtClean="0">
+                          <a:latin typeface="Cambria Math" panose="02040503050406030204" pitchFamily="18" charset="0"/>
+                        </a:rPr>
+                        <m:t>𝑪</m:t>
+                      </m:r>
+                      <m:d>
+                        <m:dPr>
+                          <m:ctrlPr>
+                            <a:rPr lang="en-US" b="1" i="1" smtClean="0">
+                              <a:latin typeface="Cambria Math" panose="02040503050406030204" pitchFamily="18" charset="0"/>
+                            </a:rPr>
+                          </m:ctrlPr>
+                        </m:dPr>
+                        <m:e>
+                          <m:r>
+                            <a:rPr lang="en-US" b="1" i="1" smtClean="0">
+                              <a:latin typeface="Cambria Math" panose="02040503050406030204" pitchFamily="18" charset="0"/>
+                            </a:rPr>
+                            <m:t>𝒓</m:t>
+                          </m:r>
+                        </m:e>
+                      </m:d>
+                      <m:r>
+                        <a:rPr lang="en-US" i="1">
+                          <a:latin typeface="Cambria Math" panose="02040503050406030204" pitchFamily="18" charset="0"/>
+                        </a:rPr>
+                        <m:t>=</m:t>
+                      </m:r>
+                      <m:f>
+                        <m:fPr>
+                          <m:ctrlPr>
+                            <a:rPr lang="en-US" i="1">
+                              <a:latin typeface="Cambria Math" panose="02040503050406030204" pitchFamily="18" charset="0"/>
+                            </a:rPr>
+                          </m:ctrlPr>
+                        </m:fPr>
+                        <m:num>
+                          <m:r>
+                            <a:rPr lang="en-US" i="1">
+                              <a:latin typeface="Cambria Math" panose="02040503050406030204" pitchFamily="18" charset="0"/>
+                            </a:rPr>
+                            <m:t>𝑆</m:t>
+                          </m:r>
+                        </m:num>
+                        <m:den>
+                          <m:sSub>
+                            <m:sSubPr>
+                              <m:ctrlPr>
+                                <a:rPr lang="en-US" i="1">
+                                  <a:latin typeface="Cambria Math" panose="02040503050406030204" pitchFamily="18" charset="0"/>
+                                </a:rPr>
+                              </m:ctrlPr>
+                            </m:sSubPr>
+                            <m:e>
+                              <m:r>
+                                <a:rPr lang="en-US" i="1">
+                                  <a:latin typeface="Cambria Math" panose="02040503050406030204" pitchFamily="18" charset="0"/>
+                                </a:rPr>
+                                <m:t>2</m:t>
+                              </m:r>
+                              <m:r>
+                                <a:rPr lang="en-US" i="1">
+                                  <a:latin typeface="Cambria Math" panose="02040503050406030204" pitchFamily="18" charset="0"/>
+                                </a:rPr>
+                                <m:t>𝐷</m:t>
+                              </m:r>
+                            </m:e>
+                            <m:sub>
+                              <m:r>
+                                <a:rPr lang="en-US" i="1">
+                                  <a:latin typeface="Cambria Math" panose="02040503050406030204" pitchFamily="18" charset="0"/>
+                                </a:rPr>
+                                <m:t>𝑒𝑓𝑓</m:t>
+                              </m:r>
+                            </m:sub>
+                          </m:sSub>
+                        </m:den>
+                      </m:f>
+                      <m:r>
+                        <a:rPr lang="en-US" b="0" i="1" smtClean="0">
+                          <a:latin typeface="Cambria Math" panose="02040503050406030204" pitchFamily="18" charset="0"/>
+                        </a:rPr>
+                        <m:t>∫</m:t>
+                      </m:r>
+                      <m:r>
+                        <a:rPr lang="en-US" i="1">
+                          <a:latin typeface="Cambria Math" panose="02040503050406030204" pitchFamily="18" charset="0"/>
+                        </a:rPr>
+                        <m:t>𝑟</m:t>
+                      </m:r>
+                      <m:r>
+                        <a:rPr lang="en-US" b="0" i="1" smtClean="0">
+                          <a:latin typeface="Cambria Math" panose="02040503050406030204" pitchFamily="18" charset="0"/>
+                        </a:rPr>
+                        <m:t>𝑑𝑟</m:t>
+                      </m:r>
+                      <m:r>
+                        <a:rPr lang="en-US" b="0" i="1" smtClean="0">
+                          <a:latin typeface="Cambria Math" panose="02040503050406030204" pitchFamily="18" charset="0"/>
+                        </a:rPr>
+                        <m:t>+</m:t>
+                      </m:r>
+                      <m:sSub>
+                        <m:sSubPr>
+                          <m:ctrlPr>
+                            <a:rPr lang="en-US" b="0" i="1" smtClean="0">
+                              <a:latin typeface="Cambria Math" panose="02040503050406030204" pitchFamily="18" charset="0"/>
+                            </a:rPr>
+                          </m:ctrlPr>
+                        </m:sSubPr>
+                        <m:e>
+                          <m:r>
+                            <a:rPr lang="en-US" b="0" i="1" smtClean="0">
+                              <a:latin typeface="Cambria Math" panose="02040503050406030204" pitchFamily="18" charset="0"/>
+                            </a:rPr>
+                            <m:t>𝐾</m:t>
+                          </m:r>
+                        </m:e>
+                        <m:sub>
+                          <m:r>
+                            <a:rPr lang="en-US" b="0" i="1" smtClean="0">
+                              <a:latin typeface="Cambria Math" panose="02040503050406030204" pitchFamily="18" charset="0"/>
+                            </a:rPr>
+                            <m:t>3</m:t>
+                          </m:r>
+                        </m:sub>
+                      </m:sSub>
+                      <m:r>
+                        <a:rPr lang="en-US" b="0" i="1" smtClean="0">
+                          <a:latin typeface="Cambria Math" panose="02040503050406030204" pitchFamily="18" charset="0"/>
+                        </a:rPr>
+                        <m:t>=</m:t>
+                      </m:r>
+                      <m:f>
+                        <m:fPr>
+                          <m:ctrlPr>
+                            <a:rPr lang="en-US" i="1">
+                              <a:latin typeface="Cambria Math" panose="02040503050406030204" pitchFamily="18" charset="0"/>
+                            </a:rPr>
+                          </m:ctrlPr>
+                        </m:fPr>
+                        <m:num>
+                          <m:r>
+                            <a:rPr lang="en-US" i="1">
+                              <a:latin typeface="Cambria Math" panose="02040503050406030204" pitchFamily="18" charset="0"/>
+                            </a:rPr>
+                            <m:t>𝑆</m:t>
+                          </m:r>
+                        </m:num>
+                        <m:den>
+                          <m:sSub>
+                            <m:sSubPr>
+                              <m:ctrlPr>
+                                <a:rPr lang="en-US" i="1">
+                                  <a:latin typeface="Cambria Math" panose="02040503050406030204" pitchFamily="18" charset="0"/>
+                                </a:rPr>
+                              </m:ctrlPr>
+                            </m:sSubPr>
+                            <m:e>
+                              <m:r>
+                                <a:rPr lang="en-US" i="1">
+                                  <a:latin typeface="Cambria Math" panose="02040503050406030204" pitchFamily="18" charset="0"/>
+                                </a:rPr>
+                                <m:t>2</m:t>
+                              </m:r>
+                              <m:r>
+                                <a:rPr lang="en-US" i="1">
+                                  <a:latin typeface="Cambria Math" panose="02040503050406030204" pitchFamily="18" charset="0"/>
+                                </a:rPr>
+                                <m:t>𝐷</m:t>
+                              </m:r>
+                            </m:e>
+                            <m:sub>
+                              <m:r>
+                                <a:rPr lang="en-US" i="1">
+                                  <a:latin typeface="Cambria Math" panose="02040503050406030204" pitchFamily="18" charset="0"/>
+                                </a:rPr>
+                                <m:t>𝑒𝑓𝑓</m:t>
+                              </m:r>
+                            </m:sub>
+                          </m:sSub>
+                        </m:den>
+                      </m:f>
+                      <m:r>
+                        <a:rPr lang="en-US" b="0" i="1" smtClean="0">
+                          <a:latin typeface="Cambria Math" panose="02040503050406030204" pitchFamily="18" charset="0"/>
+                        </a:rPr>
+                        <m:t>.</m:t>
+                      </m:r>
+                      <m:f>
+                        <m:fPr>
+                          <m:ctrlPr>
+                            <a:rPr lang="en-US" b="0" i="1" smtClean="0">
+                              <a:latin typeface="Cambria Math" panose="02040503050406030204" pitchFamily="18" charset="0"/>
+                            </a:rPr>
+                          </m:ctrlPr>
+                        </m:fPr>
+                        <m:num>
+                          <m:sSup>
+                            <m:sSupPr>
+                              <m:ctrlPr>
+                                <a:rPr lang="en-US" b="0" i="1" smtClean="0">
+                                  <a:latin typeface="Cambria Math" panose="02040503050406030204" pitchFamily="18" charset="0"/>
+                                </a:rPr>
+                              </m:ctrlPr>
+                            </m:sSupPr>
+                            <m:e>
+                              <m:r>
+                                <a:rPr lang="en-US" b="0" i="1" smtClean="0">
+                                  <a:latin typeface="Cambria Math" panose="02040503050406030204" pitchFamily="18" charset="0"/>
+                                </a:rPr>
+                                <m:t>𝑟</m:t>
+                              </m:r>
+                            </m:e>
+                            <m:sup>
+                              <m:r>
+                                <a:rPr lang="en-US" b="0" i="1" smtClean="0">
+                                  <a:latin typeface="Cambria Math" panose="02040503050406030204" pitchFamily="18" charset="0"/>
+                                </a:rPr>
+                                <m:t>2</m:t>
+                              </m:r>
+                            </m:sup>
+                          </m:sSup>
+                        </m:num>
+                        <m:den>
+                          <m:r>
+                            <a:rPr lang="en-US" b="0" i="1" smtClean="0">
+                              <a:latin typeface="Cambria Math" panose="02040503050406030204" pitchFamily="18" charset="0"/>
+                            </a:rPr>
+                            <m:t>2</m:t>
+                          </m:r>
+                        </m:den>
+                      </m:f>
+                      <m:r>
+                        <a:rPr lang="en-US" b="0" i="1" smtClean="0">
+                          <a:latin typeface="Cambria Math" panose="02040503050406030204" pitchFamily="18" charset="0"/>
+                        </a:rPr>
+                        <m:t>+</m:t>
+                      </m:r>
+                      <m:sSub>
+                        <m:sSubPr>
+                          <m:ctrlPr>
+                            <a:rPr lang="en-US" b="0" i="1" smtClean="0">
+                              <a:latin typeface="Cambria Math" panose="02040503050406030204" pitchFamily="18" charset="0"/>
+                            </a:rPr>
+                          </m:ctrlPr>
+                        </m:sSubPr>
+                        <m:e>
+                          <m:r>
+                            <a:rPr lang="en-US" b="0" i="1" smtClean="0">
+                              <a:latin typeface="Cambria Math" panose="02040503050406030204" pitchFamily="18" charset="0"/>
+                            </a:rPr>
+                            <m:t>𝐾</m:t>
+                          </m:r>
+                        </m:e>
+                        <m:sub>
+                          <m:r>
+                            <a:rPr lang="en-US" b="0" i="1" smtClean="0">
+                              <a:latin typeface="Cambria Math" panose="02040503050406030204" pitchFamily="18" charset="0"/>
+                            </a:rPr>
+                            <m:t>4</m:t>
+                          </m:r>
+                        </m:sub>
+                      </m:sSub>
+                      <m:r>
+                        <a:rPr lang="en-US" b="0" i="1" smtClean="0">
+                          <a:latin typeface="Cambria Math" panose="02040503050406030204" pitchFamily="18" charset="0"/>
+                        </a:rPr>
+                        <m:t>=</m:t>
+                      </m:r>
+                      <m:f>
+                        <m:fPr>
+                          <m:ctrlPr>
+                            <a:rPr lang="en-US" b="1" i="1" smtClean="0">
+                              <a:latin typeface="Cambria Math" panose="02040503050406030204" pitchFamily="18" charset="0"/>
+                            </a:rPr>
+                          </m:ctrlPr>
+                        </m:fPr>
+                        <m:num>
+                          <m:r>
+                            <a:rPr lang="en-US" b="1" i="1" smtClean="0">
+                              <a:latin typeface="Cambria Math" panose="02040503050406030204" pitchFamily="18" charset="0"/>
+                            </a:rPr>
+                            <m:t>𝟏</m:t>
+                          </m:r>
+                        </m:num>
+                        <m:den>
+                          <m:r>
+                            <a:rPr lang="en-US" b="1" i="1" smtClean="0">
+                              <a:latin typeface="Cambria Math" panose="02040503050406030204" pitchFamily="18" charset="0"/>
+                            </a:rPr>
+                            <m:t>𝟒</m:t>
+                          </m:r>
+                        </m:den>
+                      </m:f>
+                      <m:r>
+                        <a:rPr lang="en-US" b="1" i="1" smtClean="0">
+                          <a:latin typeface="Cambria Math" panose="02040503050406030204" pitchFamily="18" charset="0"/>
+                        </a:rPr>
+                        <m:t>.</m:t>
+                      </m:r>
+                      <m:f>
+                        <m:fPr>
+                          <m:ctrlPr>
+                            <a:rPr lang="en-US" b="1" i="1" smtClean="0">
+                              <a:latin typeface="Cambria Math" panose="02040503050406030204" pitchFamily="18" charset="0"/>
+                            </a:rPr>
+                          </m:ctrlPr>
+                        </m:fPr>
+                        <m:num>
+                          <m:r>
+                            <a:rPr lang="en-US" b="1" i="1" smtClean="0">
+                              <a:latin typeface="Cambria Math" panose="02040503050406030204" pitchFamily="18" charset="0"/>
+                            </a:rPr>
+                            <m:t>𝑺</m:t>
+                          </m:r>
+                        </m:num>
+                        <m:den>
+                          <m:sSub>
+                            <m:sSubPr>
+                              <m:ctrlPr>
+                                <a:rPr lang="en-US" b="1" i="1" smtClean="0">
+                                  <a:latin typeface="Cambria Math" panose="02040503050406030204" pitchFamily="18" charset="0"/>
+                                </a:rPr>
+                              </m:ctrlPr>
+                            </m:sSubPr>
+                            <m:e>
+                              <m:r>
+                                <a:rPr lang="en-US" b="1" i="1" smtClean="0">
+                                  <a:latin typeface="Cambria Math" panose="02040503050406030204" pitchFamily="18" charset="0"/>
+                                </a:rPr>
+                                <m:t>𝑫</m:t>
+                              </m:r>
+                            </m:e>
+                            <m:sub>
+                              <m:r>
+                                <a:rPr lang="en-US" b="1" i="1" smtClean="0">
+                                  <a:latin typeface="Cambria Math" panose="02040503050406030204" pitchFamily="18" charset="0"/>
+                                </a:rPr>
+                                <m:t>𝒆𝒇𝒇</m:t>
+                              </m:r>
+                            </m:sub>
+                          </m:sSub>
+                        </m:den>
+                      </m:f>
+                      <m:sSup>
+                        <m:sSupPr>
+                          <m:ctrlPr>
+                            <a:rPr lang="en-US" b="1" i="1" smtClean="0">
+                              <a:latin typeface="Cambria Math" panose="02040503050406030204" pitchFamily="18" charset="0"/>
+                            </a:rPr>
+                          </m:ctrlPr>
+                        </m:sSupPr>
+                        <m:e>
+                          <m:r>
+                            <a:rPr lang="en-US" b="1" i="1" smtClean="0">
+                              <a:latin typeface="Cambria Math" panose="02040503050406030204" pitchFamily="18" charset="0"/>
+                            </a:rPr>
+                            <m:t>𝒓</m:t>
+                          </m:r>
+                        </m:e>
+                        <m:sup>
+                          <m:r>
+                            <a:rPr lang="en-US" b="1" i="1" smtClean="0">
+                              <a:latin typeface="Cambria Math" panose="02040503050406030204" pitchFamily="18" charset="0"/>
+                            </a:rPr>
+                            <m:t>𝟐</m:t>
+                          </m:r>
+                        </m:sup>
+                      </m:sSup>
+                      <m:r>
+                        <a:rPr lang="en-US" b="1" i="1" smtClean="0">
+                          <a:latin typeface="Cambria Math" panose="02040503050406030204" pitchFamily="18" charset="0"/>
+                        </a:rPr>
+                        <m:t>+</m:t>
+                      </m:r>
+                      <m:sSub>
+                        <m:sSubPr>
+                          <m:ctrlPr>
+                            <a:rPr lang="en-US" b="1" i="1" smtClean="0">
+                              <a:latin typeface="Cambria Math" panose="02040503050406030204" pitchFamily="18" charset="0"/>
+                            </a:rPr>
+                          </m:ctrlPr>
+                        </m:sSubPr>
+                        <m:e>
+                          <m:r>
+                            <a:rPr lang="en-US" b="1" i="1" smtClean="0">
+                              <a:latin typeface="Cambria Math" panose="02040503050406030204" pitchFamily="18" charset="0"/>
+                            </a:rPr>
+                            <m:t>𝑲</m:t>
+                          </m:r>
+                        </m:e>
+                        <m:sub>
+                          <m:r>
+                            <a:rPr lang="en-US" b="1" i="1" smtClean="0">
+                              <a:latin typeface="Cambria Math" panose="02040503050406030204" pitchFamily="18" charset="0"/>
+                            </a:rPr>
+                            <m:t>𝟒</m:t>
+                          </m:r>
+                        </m:sub>
+                      </m:sSub>
+                    </m:oMath>
+                  </m:oMathPara>
+                </a14:m>
+                <a:endParaRPr lang="en-US" b="1" dirty="0"/>
+              </a:p>
+              <a:p>
+                <a:pPr marL="0" indent="0">
+                  <a:lnSpc>
+                    <a:spcPct val="120000"/>
+                  </a:lnSpc>
+                  <a:buNone/>
+                </a:pPr>
+                <a:r>
+                  <a:rPr lang="en-US" dirty="0"/>
+                  <a:t>On applique la condition </a:t>
+                </a:r>
+                <a:r>
+                  <a:rPr lang="en-US" dirty="0" err="1"/>
+                  <a:t>frontière</a:t>
+                </a:r>
+                <a:r>
+                  <a:rPr lang="en-US" dirty="0"/>
+                  <a:t> de Dirichlet </a:t>
+                </a:r>
+                <a:r>
+                  <a:rPr lang="en-US" dirty="0" err="1"/>
+                  <a:t>en</a:t>
+                </a:r>
+                <a:r>
+                  <a:rPr lang="en-US" dirty="0"/>
+                  <a:t> r=R:</a:t>
+                </a:r>
+              </a:p>
+              <a:p>
+                <a:pPr marL="0" indent="0">
+                  <a:lnSpc>
+                    <a:spcPct val="120000"/>
+                  </a:lnSpc>
+                  <a:buNone/>
+                </a:pPr>
+                <a14:m>
+                  <m:oMathPara xmlns:m="http://schemas.openxmlformats.org/officeDocument/2006/math">
+                    <m:oMathParaPr>
+                      <m:jc m:val="centerGroup"/>
+                    </m:oMathParaPr>
+                    <m:oMath xmlns:m="http://schemas.openxmlformats.org/officeDocument/2006/math">
+                      <m:r>
+                        <a:rPr lang="en-US" b="0" i="1" smtClean="0">
+                          <a:latin typeface="Cambria Math" panose="02040503050406030204" pitchFamily="18" charset="0"/>
+                        </a:rPr>
+                        <m:t>𝐶</m:t>
+                      </m:r>
+                      <m:d>
+                        <m:dPr>
+                          <m:ctrlPr>
+                            <a:rPr lang="en-US" b="0" i="1" smtClean="0">
+                              <a:latin typeface="Cambria Math" panose="02040503050406030204" pitchFamily="18" charset="0"/>
+                            </a:rPr>
+                          </m:ctrlPr>
+                        </m:dPr>
+                        <m:e>
+                          <m:r>
+                            <a:rPr lang="en-US" b="0" i="1" smtClean="0">
+                              <a:latin typeface="Cambria Math" panose="02040503050406030204" pitchFamily="18" charset="0"/>
+                            </a:rPr>
+                            <m:t>𝑅</m:t>
+                          </m:r>
+                        </m:e>
+                      </m:d>
+                      <m:r>
+                        <a:rPr lang="en-US" b="0" i="1" smtClean="0">
+                          <a:latin typeface="Cambria Math" panose="02040503050406030204" pitchFamily="18" charset="0"/>
+                        </a:rPr>
+                        <m:t>=</m:t>
+                      </m:r>
+                      <m:sSub>
+                        <m:sSubPr>
+                          <m:ctrlPr>
+                            <a:rPr lang="en-US" b="0" i="1" smtClean="0">
+                              <a:latin typeface="Cambria Math" panose="02040503050406030204" pitchFamily="18" charset="0"/>
+                            </a:rPr>
+                          </m:ctrlPr>
+                        </m:sSubPr>
+                        <m:e>
+                          <m:r>
+                            <a:rPr lang="en-US" b="0" i="1" smtClean="0">
+                              <a:latin typeface="Cambria Math" panose="02040503050406030204" pitchFamily="18" charset="0"/>
+                            </a:rPr>
+                            <m:t>𝐶</m:t>
+                          </m:r>
+                        </m:e>
+                        <m:sub>
+                          <m:r>
+                            <a:rPr lang="en-US" b="0" i="1" smtClean="0">
+                              <a:latin typeface="Cambria Math" panose="02040503050406030204" pitchFamily="18" charset="0"/>
+                            </a:rPr>
+                            <m:t>𝑒</m:t>
+                          </m:r>
+                        </m:sub>
+                      </m:sSub>
+                      <m:r>
+                        <a:rPr lang="en-US" b="0" i="1" smtClean="0">
+                          <a:latin typeface="Cambria Math" panose="02040503050406030204" pitchFamily="18" charset="0"/>
+                        </a:rPr>
+                        <m:t>=</m:t>
+                      </m:r>
+                      <m:f>
+                        <m:fPr>
+                          <m:ctrlPr>
+                            <a:rPr lang="en-US" i="1">
+                              <a:latin typeface="Cambria Math" panose="02040503050406030204" pitchFamily="18" charset="0"/>
+                            </a:rPr>
+                          </m:ctrlPr>
+                        </m:fPr>
+                        <m:num>
+                          <m:r>
+                            <a:rPr lang="en-US" i="1">
+                              <a:latin typeface="Cambria Math" panose="02040503050406030204" pitchFamily="18" charset="0"/>
+                            </a:rPr>
+                            <m:t>1</m:t>
+                          </m:r>
+                        </m:num>
+                        <m:den>
+                          <m:r>
+                            <a:rPr lang="en-US" i="1">
+                              <a:latin typeface="Cambria Math" panose="02040503050406030204" pitchFamily="18" charset="0"/>
+                            </a:rPr>
+                            <m:t>4</m:t>
+                          </m:r>
+                        </m:den>
+                      </m:f>
+                      <m:r>
+                        <a:rPr lang="en-US" i="1">
+                          <a:latin typeface="Cambria Math" panose="02040503050406030204" pitchFamily="18" charset="0"/>
+                        </a:rPr>
+                        <m:t>.</m:t>
+                      </m:r>
+                      <m:f>
+                        <m:fPr>
+                          <m:ctrlPr>
+                            <a:rPr lang="en-US" i="1">
+                              <a:latin typeface="Cambria Math" panose="02040503050406030204" pitchFamily="18" charset="0"/>
+                            </a:rPr>
+                          </m:ctrlPr>
+                        </m:fPr>
+                        <m:num>
+                          <m:r>
+                            <a:rPr lang="en-US" i="1">
+                              <a:latin typeface="Cambria Math" panose="02040503050406030204" pitchFamily="18" charset="0"/>
+                            </a:rPr>
+                            <m:t>𝑆</m:t>
+                          </m:r>
+                        </m:num>
+                        <m:den>
+                          <m:sSub>
+                            <m:sSubPr>
+                              <m:ctrlPr>
+                                <a:rPr lang="en-US" i="1">
+                                  <a:latin typeface="Cambria Math" panose="02040503050406030204" pitchFamily="18" charset="0"/>
+                                </a:rPr>
+                              </m:ctrlPr>
+                            </m:sSubPr>
+                            <m:e>
+                              <m:r>
+                                <a:rPr lang="en-US" i="1">
+                                  <a:latin typeface="Cambria Math" panose="02040503050406030204" pitchFamily="18" charset="0"/>
+                                </a:rPr>
+                                <m:t>𝐷</m:t>
+                              </m:r>
+                            </m:e>
+                            <m:sub>
+                              <m:r>
+                                <a:rPr lang="en-US" i="1">
+                                  <a:latin typeface="Cambria Math" panose="02040503050406030204" pitchFamily="18" charset="0"/>
+                                </a:rPr>
+                                <m:t>𝑒𝑓𝑓</m:t>
+                              </m:r>
+                            </m:sub>
+                          </m:sSub>
+                        </m:den>
+                      </m:f>
+                      <m:sSup>
+                        <m:sSupPr>
+                          <m:ctrlPr>
+                            <a:rPr lang="en-US" i="1">
+                              <a:latin typeface="Cambria Math" panose="02040503050406030204" pitchFamily="18" charset="0"/>
+                            </a:rPr>
+                          </m:ctrlPr>
+                        </m:sSupPr>
+                        <m:e>
+                          <m:r>
+                            <a:rPr lang="en-US" b="0" i="1" smtClean="0">
+                              <a:latin typeface="Cambria Math" panose="02040503050406030204" pitchFamily="18" charset="0"/>
+                            </a:rPr>
+                            <m:t>𝑅</m:t>
+                          </m:r>
+                        </m:e>
+                        <m:sup>
+                          <m:r>
+                            <a:rPr lang="en-US" i="1">
+                              <a:latin typeface="Cambria Math" panose="02040503050406030204" pitchFamily="18" charset="0"/>
+                            </a:rPr>
+                            <m:t>2</m:t>
+                          </m:r>
+                        </m:sup>
+                      </m:sSup>
+                      <m:r>
+                        <a:rPr lang="en-US" i="1">
+                          <a:latin typeface="Cambria Math" panose="02040503050406030204" pitchFamily="18" charset="0"/>
+                        </a:rPr>
+                        <m:t>+</m:t>
+                      </m:r>
+                      <m:sSub>
+                        <m:sSubPr>
+                          <m:ctrlPr>
+                            <a:rPr lang="en-US" i="1">
+                              <a:latin typeface="Cambria Math" panose="02040503050406030204" pitchFamily="18" charset="0"/>
+                            </a:rPr>
+                          </m:ctrlPr>
+                        </m:sSubPr>
+                        <m:e>
+                          <m:r>
+                            <a:rPr lang="en-US" i="1">
+                              <a:latin typeface="Cambria Math" panose="02040503050406030204" pitchFamily="18" charset="0"/>
+                            </a:rPr>
+                            <m:t>𝐾</m:t>
+                          </m:r>
+                        </m:e>
+                        <m:sub>
+                          <m:r>
+                            <a:rPr lang="en-US" i="1">
+                              <a:latin typeface="Cambria Math" panose="02040503050406030204" pitchFamily="18" charset="0"/>
+                            </a:rPr>
+                            <m:t>4</m:t>
+                          </m:r>
+                        </m:sub>
+                      </m:sSub>
+                      <m:r>
+                        <a:rPr lang="en-US" b="0" i="1" smtClean="0">
+                          <a:latin typeface="Cambria Math" panose="02040503050406030204" pitchFamily="18" charset="0"/>
+                        </a:rPr>
+                        <m:t>→</m:t>
+                      </m:r>
+                      <m:sSub>
+                        <m:sSubPr>
+                          <m:ctrlPr>
+                            <a:rPr lang="en-US" b="1" i="1" smtClean="0">
+                              <a:latin typeface="Cambria Math" panose="02040503050406030204" pitchFamily="18" charset="0"/>
+                            </a:rPr>
+                          </m:ctrlPr>
+                        </m:sSubPr>
+                        <m:e>
+                          <m:r>
+                            <a:rPr lang="en-US" b="1" i="1" smtClean="0">
+                              <a:latin typeface="Cambria Math" panose="02040503050406030204" pitchFamily="18" charset="0"/>
+                            </a:rPr>
+                            <m:t>𝑲</m:t>
+                          </m:r>
+                        </m:e>
+                        <m:sub>
+                          <m:r>
+                            <a:rPr lang="en-US" b="1" i="1" smtClean="0">
+                              <a:latin typeface="Cambria Math" panose="02040503050406030204" pitchFamily="18" charset="0"/>
+                            </a:rPr>
+                            <m:t>𝟒</m:t>
+                          </m:r>
+                        </m:sub>
+                      </m:sSub>
+                      <m:r>
+                        <a:rPr lang="en-US" b="1" i="1" smtClean="0">
+                          <a:latin typeface="Cambria Math" panose="02040503050406030204" pitchFamily="18" charset="0"/>
+                        </a:rPr>
+                        <m:t>=</m:t>
+                      </m:r>
+                      <m:sSub>
+                        <m:sSubPr>
+                          <m:ctrlPr>
+                            <a:rPr lang="en-US" b="1" i="1">
+                              <a:latin typeface="Cambria Math" panose="02040503050406030204" pitchFamily="18" charset="0"/>
+                            </a:rPr>
+                          </m:ctrlPr>
+                        </m:sSubPr>
+                        <m:e>
+                          <m:r>
+                            <a:rPr lang="en-US" b="1" i="1">
+                              <a:latin typeface="Cambria Math" panose="02040503050406030204" pitchFamily="18" charset="0"/>
+                            </a:rPr>
+                            <m:t>𝑪</m:t>
+                          </m:r>
+                        </m:e>
+                        <m:sub>
+                          <m:r>
+                            <a:rPr lang="en-US" b="1" i="1">
+                              <a:latin typeface="Cambria Math" panose="02040503050406030204" pitchFamily="18" charset="0"/>
+                            </a:rPr>
+                            <m:t>𝒆</m:t>
+                          </m:r>
+                        </m:sub>
+                      </m:sSub>
+                      <m:r>
+                        <a:rPr lang="en-US" b="1" i="1" smtClean="0">
+                          <a:latin typeface="Cambria Math" panose="02040503050406030204" pitchFamily="18" charset="0"/>
+                        </a:rPr>
+                        <m:t>−</m:t>
+                      </m:r>
+                      <m:f>
+                        <m:fPr>
+                          <m:ctrlPr>
+                            <a:rPr lang="en-US" b="1" i="1">
+                              <a:latin typeface="Cambria Math" panose="02040503050406030204" pitchFamily="18" charset="0"/>
+                            </a:rPr>
+                          </m:ctrlPr>
+                        </m:fPr>
+                        <m:num>
+                          <m:r>
+                            <a:rPr lang="en-US" b="1" i="1">
+                              <a:latin typeface="Cambria Math" panose="02040503050406030204" pitchFamily="18" charset="0"/>
+                            </a:rPr>
+                            <m:t>𝟏</m:t>
+                          </m:r>
+                        </m:num>
+                        <m:den>
+                          <m:r>
+                            <a:rPr lang="en-US" b="1" i="1">
+                              <a:latin typeface="Cambria Math" panose="02040503050406030204" pitchFamily="18" charset="0"/>
+                            </a:rPr>
+                            <m:t>𝟒</m:t>
+                          </m:r>
+                        </m:den>
+                      </m:f>
+                      <m:r>
+                        <a:rPr lang="en-US" b="1" i="1">
+                          <a:latin typeface="Cambria Math" panose="02040503050406030204" pitchFamily="18" charset="0"/>
+                        </a:rPr>
+                        <m:t>.</m:t>
+                      </m:r>
+                      <m:f>
+                        <m:fPr>
+                          <m:ctrlPr>
+                            <a:rPr lang="en-US" b="1" i="1">
+                              <a:latin typeface="Cambria Math" panose="02040503050406030204" pitchFamily="18" charset="0"/>
+                            </a:rPr>
+                          </m:ctrlPr>
+                        </m:fPr>
+                        <m:num>
+                          <m:r>
+                            <a:rPr lang="en-US" b="1" i="1">
+                              <a:latin typeface="Cambria Math" panose="02040503050406030204" pitchFamily="18" charset="0"/>
+                            </a:rPr>
+                            <m:t>𝑺</m:t>
+                          </m:r>
+                        </m:num>
+                        <m:den>
+                          <m:sSub>
+                            <m:sSubPr>
+                              <m:ctrlPr>
+                                <a:rPr lang="en-US" b="1" i="1">
+                                  <a:latin typeface="Cambria Math" panose="02040503050406030204" pitchFamily="18" charset="0"/>
+                                </a:rPr>
+                              </m:ctrlPr>
+                            </m:sSubPr>
+                            <m:e>
+                              <m:r>
+                                <a:rPr lang="en-US" b="1" i="1">
+                                  <a:latin typeface="Cambria Math" panose="02040503050406030204" pitchFamily="18" charset="0"/>
+                                </a:rPr>
+                                <m:t>𝑫</m:t>
+                              </m:r>
+                            </m:e>
+                            <m:sub>
+                              <m:r>
+                                <a:rPr lang="en-US" b="1" i="1">
+                                  <a:latin typeface="Cambria Math" panose="02040503050406030204" pitchFamily="18" charset="0"/>
+                                </a:rPr>
+                                <m:t>𝒆𝒇𝒇</m:t>
+                              </m:r>
+                            </m:sub>
+                          </m:sSub>
+                        </m:den>
+                      </m:f>
+                      <m:sSup>
+                        <m:sSupPr>
+                          <m:ctrlPr>
+                            <a:rPr lang="en-US" b="1" i="1">
+                              <a:latin typeface="Cambria Math" panose="02040503050406030204" pitchFamily="18" charset="0"/>
+                            </a:rPr>
+                          </m:ctrlPr>
+                        </m:sSupPr>
+                        <m:e>
+                          <m:r>
+                            <a:rPr lang="en-US" b="1" i="1">
+                              <a:latin typeface="Cambria Math" panose="02040503050406030204" pitchFamily="18" charset="0"/>
+                            </a:rPr>
+                            <m:t>𝑹</m:t>
+                          </m:r>
+                        </m:e>
+                        <m:sup>
+                          <m:r>
+                            <a:rPr lang="en-US" b="1" i="1">
+                              <a:latin typeface="Cambria Math" panose="02040503050406030204" pitchFamily="18" charset="0"/>
+                            </a:rPr>
+                            <m:t>𝟐</m:t>
+                          </m:r>
+                        </m:sup>
+                      </m:sSup>
+                    </m:oMath>
+                  </m:oMathPara>
+                </a14:m>
+                <a:endParaRPr lang="en-US" b="1" i="1" dirty="0">
+                  <a:latin typeface="Cambria Math" panose="02040503050406030204" pitchFamily="18" charset="0"/>
+                </a:endParaRPr>
+              </a:p>
+              <a:p>
+                <a:pPr marL="0" indent="0">
+                  <a:lnSpc>
+                    <a:spcPct val="120000"/>
+                  </a:lnSpc>
+                  <a:buNone/>
+                </a:pPr>
+                <a14:m>
+                  <m:oMathPara xmlns:m="http://schemas.openxmlformats.org/officeDocument/2006/math">
+                    <m:oMathParaPr>
+                      <m:jc m:val="centerGroup"/>
+                    </m:oMathParaPr>
+                    <m:oMath xmlns:m="http://schemas.openxmlformats.org/officeDocument/2006/math">
+                      <m:r>
+                        <a:rPr lang="en-US" b="0" i="1" smtClean="0">
+                          <a:latin typeface="Cambria Math" panose="02040503050406030204" pitchFamily="18" charset="0"/>
+                        </a:rPr>
+                        <m:t>𝐶</m:t>
+                      </m:r>
+                      <m:d>
+                        <m:dPr>
+                          <m:ctrlPr>
+                            <a:rPr lang="en-US" b="0" i="1" smtClean="0">
+                              <a:latin typeface="Cambria Math" panose="02040503050406030204" pitchFamily="18" charset="0"/>
+                            </a:rPr>
+                          </m:ctrlPr>
+                        </m:dPr>
+                        <m:e>
+                          <m:r>
+                            <a:rPr lang="en-US" b="0" i="1" smtClean="0">
+                              <a:latin typeface="Cambria Math" panose="02040503050406030204" pitchFamily="18" charset="0"/>
+                            </a:rPr>
+                            <m:t>𝑟</m:t>
+                          </m:r>
+                        </m:e>
+                      </m:d>
+                      <m:r>
+                        <a:rPr lang="en-US" b="0" i="1" smtClean="0">
+                          <a:latin typeface="Cambria Math" panose="02040503050406030204" pitchFamily="18" charset="0"/>
+                        </a:rPr>
+                        <m:t>=</m:t>
+                      </m:r>
+                      <m:f>
+                        <m:fPr>
+                          <m:ctrlPr>
+                            <a:rPr lang="en-US" i="1">
+                              <a:latin typeface="Cambria Math" panose="02040503050406030204" pitchFamily="18" charset="0"/>
+                            </a:rPr>
+                          </m:ctrlPr>
+                        </m:fPr>
+                        <m:num>
+                          <m:r>
+                            <a:rPr lang="en-US" i="1">
+                              <a:latin typeface="Cambria Math" panose="02040503050406030204" pitchFamily="18" charset="0"/>
+                            </a:rPr>
+                            <m:t>1</m:t>
+                          </m:r>
+                        </m:num>
+                        <m:den>
+                          <m:r>
+                            <a:rPr lang="en-US" i="1">
+                              <a:latin typeface="Cambria Math" panose="02040503050406030204" pitchFamily="18" charset="0"/>
+                            </a:rPr>
+                            <m:t>4</m:t>
+                          </m:r>
+                        </m:den>
+                      </m:f>
+                      <m:r>
+                        <a:rPr lang="en-US" i="1">
+                          <a:latin typeface="Cambria Math" panose="02040503050406030204" pitchFamily="18" charset="0"/>
+                        </a:rPr>
+                        <m:t>.</m:t>
+                      </m:r>
+                      <m:f>
+                        <m:fPr>
+                          <m:ctrlPr>
+                            <a:rPr lang="en-US" i="1">
+                              <a:latin typeface="Cambria Math" panose="02040503050406030204" pitchFamily="18" charset="0"/>
+                            </a:rPr>
+                          </m:ctrlPr>
+                        </m:fPr>
+                        <m:num>
+                          <m:r>
+                            <a:rPr lang="en-US" i="1">
+                              <a:latin typeface="Cambria Math" panose="02040503050406030204" pitchFamily="18" charset="0"/>
+                            </a:rPr>
+                            <m:t>𝑆</m:t>
+                          </m:r>
+                        </m:num>
+                        <m:den>
+                          <m:sSub>
+                            <m:sSubPr>
+                              <m:ctrlPr>
+                                <a:rPr lang="en-US" i="1">
+                                  <a:latin typeface="Cambria Math" panose="02040503050406030204" pitchFamily="18" charset="0"/>
+                                </a:rPr>
+                              </m:ctrlPr>
+                            </m:sSubPr>
+                            <m:e>
+                              <m:r>
+                                <a:rPr lang="en-US" i="1">
+                                  <a:latin typeface="Cambria Math" panose="02040503050406030204" pitchFamily="18" charset="0"/>
+                                </a:rPr>
+                                <m:t>𝐷</m:t>
+                              </m:r>
+                            </m:e>
+                            <m:sub>
+                              <m:r>
+                                <a:rPr lang="en-US" i="1">
+                                  <a:latin typeface="Cambria Math" panose="02040503050406030204" pitchFamily="18" charset="0"/>
+                                </a:rPr>
+                                <m:t>𝑒𝑓𝑓</m:t>
+                              </m:r>
+                            </m:sub>
+                          </m:sSub>
+                        </m:den>
+                      </m:f>
+                      <m:sSup>
+                        <m:sSupPr>
+                          <m:ctrlPr>
+                            <a:rPr lang="en-US" i="1">
+                              <a:latin typeface="Cambria Math" panose="02040503050406030204" pitchFamily="18" charset="0"/>
+                            </a:rPr>
+                          </m:ctrlPr>
+                        </m:sSupPr>
+                        <m:e>
+                          <m:r>
+                            <a:rPr lang="en-US" i="1">
+                              <a:latin typeface="Cambria Math" panose="02040503050406030204" pitchFamily="18" charset="0"/>
+                            </a:rPr>
+                            <m:t>𝑟</m:t>
+                          </m:r>
+                        </m:e>
+                        <m:sup>
+                          <m:r>
+                            <a:rPr lang="en-US" i="1">
+                              <a:latin typeface="Cambria Math" panose="02040503050406030204" pitchFamily="18" charset="0"/>
+                            </a:rPr>
+                            <m:t>2</m:t>
+                          </m:r>
+                        </m:sup>
+                      </m:sSup>
+                      <m:r>
+                        <a:rPr lang="en-US" i="1">
+                          <a:latin typeface="Cambria Math" panose="02040503050406030204" pitchFamily="18" charset="0"/>
+                        </a:rPr>
+                        <m:t>+</m:t>
+                      </m:r>
+                      <m:sSub>
+                        <m:sSubPr>
+                          <m:ctrlPr>
+                            <a:rPr lang="en-US" b="0" i="1" smtClean="0">
+                              <a:latin typeface="Cambria Math" panose="02040503050406030204" pitchFamily="18" charset="0"/>
+                            </a:rPr>
+                          </m:ctrlPr>
+                        </m:sSubPr>
+                        <m:e>
+                          <m:r>
+                            <a:rPr lang="en-US" b="0" i="1" smtClean="0">
+                              <a:latin typeface="Cambria Math" panose="02040503050406030204" pitchFamily="18" charset="0"/>
+                            </a:rPr>
+                            <m:t>𝐶</m:t>
+                          </m:r>
+                        </m:e>
+                        <m:sub>
+                          <m:r>
+                            <a:rPr lang="en-US" b="0" i="1" smtClean="0">
+                              <a:latin typeface="Cambria Math" panose="02040503050406030204" pitchFamily="18" charset="0"/>
+                            </a:rPr>
+                            <m:t>𝑒</m:t>
+                          </m:r>
+                        </m:sub>
+                      </m:sSub>
+                      <m:r>
+                        <a:rPr lang="en-US" b="0" i="1" smtClean="0">
+                          <a:latin typeface="Cambria Math" panose="02040503050406030204" pitchFamily="18" charset="0"/>
+                        </a:rPr>
+                        <m:t>−</m:t>
+                      </m:r>
+                      <m:f>
+                        <m:fPr>
+                          <m:ctrlPr>
+                            <a:rPr lang="en-US" i="1">
+                              <a:latin typeface="Cambria Math" panose="02040503050406030204" pitchFamily="18" charset="0"/>
+                            </a:rPr>
+                          </m:ctrlPr>
+                        </m:fPr>
+                        <m:num>
+                          <m:r>
+                            <a:rPr lang="en-US" i="1">
+                              <a:latin typeface="Cambria Math" panose="02040503050406030204" pitchFamily="18" charset="0"/>
+                            </a:rPr>
+                            <m:t>1</m:t>
+                          </m:r>
+                        </m:num>
+                        <m:den>
+                          <m:r>
+                            <a:rPr lang="en-US" i="1">
+                              <a:latin typeface="Cambria Math" panose="02040503050406030204" pitchFamily="18" charset="0"/>
+                            </a:rPr>
+                            <m:t>4</m:t>
+                          </m:r>
+                        </m:den>
+                      </m:f>
+                      <m:r>
+                        <a:rPr lang="en-US" i="1">
+                          <a:latin typeface="Cambria Math" panose="02040503050406030204" pitchFamily="18" charset="0"/>
+                        </a:rPr>
+                        <m:t>.</m:t>
+                      </m:r>
+                      <m:f>
+                        <m:fPr>
+                          <m:ctrlPr>
+                            <a:rPr lang="en-US" i="1">
+                              <a:latin typeface="Cambria Math" panose="02040503050406030204" pitchFamily="18" charset="0"/>
+                            </a:rPr>
+                          </m:ctrlPr>
+                        </m:fPr>
+                        <m:num>
+                          <m:r>
+                            <a:rPr lang="en-US" i="1">
+                              <a:latin typeface="Cambria Math" panose="02040503050406030204" pitchFamily="18" charset="0"/>
+                            </a:rPr>
+                            <m:t>𝑆</m:t>
+                          </m:r>
+                        </m:num>
+                        <m:den>
+                          <m:sSub>
+                            <m:sSubPr>
+                              <m:ctrlPr>
+                                <a:rPr lang="en-US" i="1">
+                                  <a:latin typeface="Cambria Math" panose="02040503050406030204" pitchFamily="18" charset="0"/>
+                                </a:rPr>
+                              </m:ctrlPr>
+                            </m:sSubPr>
+                            <m:e>
+                              <m:r>
+                                <a:rPr lang="en-US" i="1">
+                                  <a:latin typeface="Cambria Math" panose="02040503050406030204" pitchFamily="18" charset="0"/>
+                                </a:rPr>
+                                <m:t>𝐷</m:t>
+                              </m:r>
+                            </m:e>
+                            <m:sub>
+                              <m:r>
+                                <a:rPr lang="en-US" i="1">
+                                  <a:latin typeface="Cambria Math" panose="02040503050406030204" pitchFamily="18" charset="0"/>
+                                </a:rPr>
+                                <m:t>𝑒𝑓𝑓</m:t>
+                              </m:r>
+                            </m:sub>
+                          </m:sSub>
+                        </m:den>
+                      </m:f>
+                      <m:sSup>
+                        <m:sSupPr>
+                          <m:ctrlPr>
+                            <a:rPr lang="en-US" i="1">
+                              <a:latin typeface="Cambria Math" panose="02040503050406030204" pitchFamily="18" charset="0"/>
+                            </a:rPr>
+                          </m:ctrlPr>
+                        </m:sSupPr>
+                        <m:e>
+                          <m:r>
+                            <a:rPr lang="en-US" b="0" i="1" smtClean="0">
+                              <a:latin typeface="Cambria Math" panose="02040503050406030204" pitchFamily="18" charset="0"/>
+                            </a:rPr>
+                            <m:t>𝑅</m:t>
+                          </m:r>
+                        </m:e>
+                        <m:sup>
+                          <m:r>
+                            <a:rPr lang="en-US" i="1">
+                              <a:latin typeface="Cambria Math" panose="02040503050406030204" pitchFamily="18" charset="0"/>
+                            </a:rPr>
+                            <m:t>2</m:t>
+                          </m:r>
+                        </m:sup>
+                      </m:sSup>
+                    </m:oMath>
+                  </m:oMathPara>
+                </a14:m>
+                <a:endParaRPr lang="en-US" b="0" i="1" dirty="0">
+                  <a:latin typeface="Cambria Math" panose="02040503050406030204" pitchFamily="18" charset="0"/>
+                </a:endParaRPr>
+              </a:p>
+              <a:p>
+                <a:pPr marL="0" indent="0" algn="ctr">
+                  <a:lnSpc>
+                    <a:spcPct val="120000"/>
+                  </a:lnSpc>
+                  <a:buNone/>
+                </a:pPr>
+                <a14:m>
+                  <m:oMath xmlns:m="http://schemas.openxmlformats.org/officeDocument/2006/math">
+                    <m:r>
+                      <a:rPr lang="en-CA" b="1" i="1" smtClean="0">
+                        <a:latin typeface="Cambria Math" panose="02040503050406030204" pitchFamily="18" charset="0"/>
+                      </a:rPr>
+                      <m:t>𝑪</m:t>
+                    </m:r>
+                    <m:d>
+                      <m:dPr>
+                        <m:ctrlPr>
+                          <a:rPr lang="en-CA" b="1" i="1" smtClean="0">
+                            <a:latin typeface="Cambria Math" panose="02040503050406030204" pitchFamily="18" charset="0"/>
+                          </a:rPr>
+                        </m:ctrlPr>
+                      </m:dPr>
+                      <m:e>
+                        <m:r>
+                          <a:rPr lang="en-CA" b="1" i="1" smtClean="0">
+                            <a:latin typeface="Cambria Math" panose="02040503050406030204" pitchFamily="18" charset="0"/>
+                          </a:rPr>
+                          <m:t>𝒓</m:t>
+                        </m:r>
+                      </m:e>
+                    </m:d>
+                    <m:r>
+                      <a:rPr lang="en-CA" b="1" i="1" smtClean="0">
+                        <a:latin typeface="Cambria Math" panose="02040503050406030204" pitchFamily="18" charset="0"/>
+                      </a:rPr>
+                      <m:t>=</m:t>
+                    </m:r>
+                    <m:f>
+                      <m:fPr>
+                        <m:ctrlPr>
+                          <a:rPr lang="en-CA" b="1" i="1" smtClean="0">
+                            <a:latin typeface="Cambria Math" panose="02040503050406030204" pitchFamily="18" charset="0"/>
+                          </a:rPr>
+                        </m:ctrlPr>
+                      </m:fPr>
+                      <m:num>
+                        <m:r>
+                          <a:rPr lang="en-CA" b="1" i="1">
+                            <a:latin typeface="Cambria Math" panose="02040503050406030204" pitchFamily="18" charset="0"/>
+                          </a:rPr>
+                          <m:t>𝟏</m:t>
+                        </m:r>
+                      </m:num>
+                      <m:den>
+                        <m:r>
+                          <a:rPr lang="en-CA" b="1" i="1" smtClean="0">
+                            <a:latin typeface="Cambria Math" panose="02040503050406030204" pitchFamily="18" charset="0"/>
+                          </a:rPr>
+                          <m:t>𝟒</m:t>
+                        </m:r>
+                      </m:den>
+                    </m:f>
+                    <m:f>
+                      <m:fPr>
+                        <m:ctrlPr>
+                          <a:rPr lang="en-CA" b="1" i="1" smtClean="0">
+                            <a:latin typeface="Cambria Math" panose="02040503050406030204" pitchFamily="18" charset="0"/>
+                          </a:rPr>
+                        </m:ctrlPr>
+                      </m:fPr>
+                      <m:num>
+                        <m:r>
+                          <a:rPr lang="en-CA" b="1" i="1" smtClean="0">
+                            <a:latin typeface="Cambria Math" panose="02040503050406030204" pitchFamily="18" charset="0"/>
+                          </a:rPr>
+                          <m:t>𝑺</m:t>
+                        </m:r>
+                      </m:num>
+                      <m:den>
+                        <m:sSub>
+                          <m:sSubPr>
+                            <m:ctrlPr>
+                              <a:rPr lang="en-CA" b="1" i="1">
+                                <a:latin typeface="Cambria Math" panose="02040503050406030204" pitchFamily="18" charset="0"/>
+                              </a:rPr>
+                            </m:ctrlPr>
+                          </m:sSubPr>
+                          <m:e>
+                            <m:r>
+                              <a:rPr lang="en-CA" b="1" i="1">
+                                <a:latin typeface="Cambria Math" panose="02040503050406030204" pitchFamily="18" charset="0"/>
+                              </a:rPr>
+                              <m:t>𝑫</m:t>
+                            </m:r>
+                          </m:e>
+                          <m:sub>
+                            <m:r>
+                              <a:rPr lang="en-CA" b="1" i="1">
+                                <a:latin typeface="Cambria Math" panose="02040503050406030204" pitchFamily="18" charset="0"/>
+                              </a:rPr>
+                              <m:t>𝒆𝒇𝒇</m:t>
+                            </m:r>
+                          </m:sub>
+                        </m:sSub>
+                      </m:den>
+                    </m:f>
+                    <m:sSup>
+                      <m:sSupPr>
+                        <m:ctrlPr>
+                          <a:rPr lang="en-CA" b="1" i="1" smtClean="0">
+                            <a:latin typeface="Cambria Math" panose="02040503050406030204" pitchFamily="18" charset="0"/>
+                          </a:rPr>
+                        </m:ctrlPr>
+                      </m:sSupPr>
+                      <m:e>
+                        <m:r>
+                          <a:rPr lang="en-CA" b="1" i="1" smtClean="0">
+                            <a:latin typeface="Cambria Math" panose="02040503050406030204" pitchFamily="18" charset="0"/>
+                          </a:rPr>
+                          <m:t>𝑹</m:t>
+                        </m:r>
+                      </m:e>
+                      <m:sup>
+                        <m:r>
+                          <a:rPr lang="en-CA" b="1" i="1" smtClean="0">
+                            <a:latin typeface="Cambria Math" panose="02040503050406030204" pitchFamily="18" charset="0"/>
+                          </a:rPr>
+                          <m:t>𝟐</m:t>
+                        </m:r>
+                      </m:sup>
+                    </m:sSup>
+                    <m:d>
+                      <m:dPr>
+                        <m:ctrlPr>
+                          <a:rPr lang="en-CA" b="1" i="1" smtClean="0">
+                            <a:latin typeface="Cambria Math" panose="02040503050406030204" pitchFamily="18" charset="0"/>
+                          </a:rPr>
+                        </m:ctrlPr>
+                      </m:dPr>
+                      <m:e>
+                        <m:f>
+                          <m:fPr>
+                            <m:ctrlPr>
+                              <a:rPr lang="en-CA" b="1" i="1">
+                                <a:latin typeface="Cambria Math" panose="02040503050406030204" pitchFamily="18" charset="0"/>
+                              </a:rPr>
+                            </m:ctrlPr>
+                          </m:fPr>
+                          <m:num>
+                            <m:sSup>
+                              <m:sSupPr>
+                                <m:ctrlPr>
+                                  <a:rPr lang="en-CA" b="1" i="1" smtClean="0">
+                                    <a:latin typeface="Cambria Math" panose="02040503050406030204" pitchFamily="18" charset="0"/>
+                                  </a:rPr>
+                                </m:ctrlPr>
+                              </m:sSupPr>
+                              <m:e>
+                                <m:r>
+                                  <a:rPr lang="en-CA" b="1" i="1">
+                                    <a:latin typeface="Cambria Math" panose="02040503050406030204" pitchFamily="18" charset="0"/>
+                                  </a:rPr>
+                                  <m:t>𝒓</m:t>
+                                </m:r>
+                              </m:e>
+                              <m:sup>
+                                <m:r>
+                                  <a:rPr lang="en-CA" b="1" i="1" smtClean="0">
+                                    <a:latin typeface="Cambria Math" panose="02040503050406030204" pitchFamily="18" charset="0"/>
+                                  </a:rPr>
+                                  <m:t>𝟐</m:t>
+                                </m:r>
+                              </m:sup>
+                            </m:sSup>
+                          </m:num>
+                          <m:den>
+                            <m:sSup>
+                              <m:sSupPr>
+                                <m:ctrlPr>
+                                  <a:rPr lang="en-CA" b="1" i="1" smtClean="0">
+                                    <a:latin typeface="Cambria Math" panose="02040503050406030204" pitchFamily="18" charset="0"/>
+                                  </a:rPr>
+                                </m:ctrlPr>
+                              </m:sSupPr>
+                              <m:e>
+                                <m:r>
+                                  <a:rPr lang="en-CA" b="1" i="1">
+                                    <a:latin typeface="Cambria Math" panose="02040503050406030204" pitchFamily="18" charset="0"/>
+                                  </a:rPr>
+                                  <m:t>𝑹</m:t>
+                                </m:r>
+                              </m:e>
+                              <m:sup>
+                                <m:r>
+                                  <a:rPr lang="en-CA" b="1" i="1" smtClean="0">
+                                    <a:latin typeface="Cambria Math" panose="02040503050406030204" pitchFamily="18" charset="0"/>
+                                  </a:rPr>
+                                  <m:t>𝟐</m:t>
+                                </m:r>
+                              </m:sup>
+                            </m:sSup>
+                          </m:den>
+                        </m:f>
+                        <m:r>
+                          <a:rPr lang="en-CA" b="1" i="1">
+                            <a:latin typeface="Cambria Math" panose="02040503050406030204" pitchFamily="18" charset="0"/>
+                          </a:rPr>
+                          <m:t>−</m:t>
+                        </m:r>
+                        <m:r>
+                          <a:rPr lang="en-CA" b="1" i="1">
+                            <a:latin typeface="Cambria Math" panose="02040503050406030204" pitchFamily="18" charset="0"/>
+                          </a:rPr>
+                          <m:t>𝟏</m:t>
+                        </m:r>
+                        <m:r>
+                          <m:rPr>
+                            <m:nor/>
+                          </m:rPr>
+                          <a:rPr lang="en-CA" b="1" dirty="0"/>
+                          <m:t> </m:t>
+                        </m:r>
+                      </m:e>
+                    </m:d>
+                    <m:r>
+                      <a:rPr lang="en-CA" b="1" i="1" smtClean="0">
+                        <a:latin typeface="Cambria Math" panose="02040503050406030204" pitchFamily="18" charset="0"/>
+                      </a:rPr>
+                      <m:t>+</m:t>
+                    </m:r>
+                    <m:sSub>
+                      <m:sSubPr>
+                        <m:ctrlPr>
+                          <a:rPr lang="en-CA" b="1" i="1" smtClean="0">
+                            <a:latin typeface="Cambria Math" panose="02040503050406030204" pitchFamily="18" charset="0"/>
+                          </a:rPr>
+                        </m:ctrlPr>
+                      </m:sSubPr>
+                      <m:e>
+                        <m:r>
+                          <a:rPr lang="en-CA" b="1" i="1" smtClean="0">
+                            <a:latin typeface="Cambria Math" panose="02040503050406030204" pitchFamily="18" charset="0"/>
+                          </a:rPr>
+                          <m:t>𝑪</m:t>
+                        </m:r>
+                      </m:e>
+                      <m:sub>
+                        <m:r>
+                          <a:rPr lang="en-CA" b="1" i="1" smtClean="0">
+                            <a:latin typeface="Cambria Math" panose="02040503050406030204" pitchFamily="18" charset="0"/>
+                          </a:rPr>
+                          <m:t>𝒆</m:t>
+                        </m:r>
+                      </m:sub>
+                    </m:sSub>
+                  </m:oMath>
+                </a14:m>
+                <a:r>
+                  <a:rPr lang="en-CA" b="1" dirty="0"/>
+                  <a:t>     (CQFD)</a:t>
+                </a:r>
+              </a:p>
+            </p:txBody>
+          </p:sp>
+        </mc:Choice>
+        <mc:Fallback xmlns="">
+          <p:sp>
+            <p:nvSpPr>
+              <p:cNvPr id="3" name="Content Placeholder 2">
+                <a:extLst>
+                  <a:ext uri="{FF2B5EF4-FFF2-40B4-BE49-F238E27FC236}">
+                    <a16:creationId xmlns:a16="http://schemas.microsoft.com/office/drawing/2014/main" id="{76F15E12-CFE4-B5CB-D479-9E8928859D5C}"/>
+                  </a:ext>
+                </a:extLst>
+              </p:cNvPr>
+              <p:cNvSpPr>
+                <a:spLocks noGrp="1" noRot="1" noChangeAspect="1" noMove="1" noResize="1" noEditPoints="1" noAdjustHandles="1" noChangeArrowheads="1" noChangeShapeType="1" noTextEdit="1"/>
+              </p:cNvSpPr>
+              <p:nvPr>
+                <p:ph idx="1"/>
+              </p:nvPr>
+            </p:nvSpPr>
+            <p:spPr>
+              <a:xfrm>
+                <a:off x="838200" y="1825624"/>
+                <a:ext cx="10515600" cy="5032375"/>
+              </a:xfrm>
+              <a:blipFill>
+                <a:blip r:embed="rId3"/>
+                <a:stretch>
+                  <a:fillRect l="-232"/>
+                </a:stretch>
+              </a:blipFill>
+            </p:spPr>
+            <p:txBody>
+              <a:bodyPr/>
+              <a:lstStyle/>
+              <a:p>
+                <a:r>
+                  <a:rPr lang="en-CA">
+                    <a:noFill/>
+                  </a:rPr>
+                  <a:t> </a:t>
+                </a:r>
+              </a:p>
+            </p:txBody>
+          </p:sp>
+        </mc:Fallback>
+      </mc:AlternateContent>
+    </p:spTree>
+    <p:extLst>
+      <p:ext uri="{BB962C8B-B14F-4D97-AF65-F5344CB8AC3E}">
+        <p14:creationId xmlns:p14="http://schemas.microsoft.com/office/powerpoint/2010/main" val="3363244201"/>
+      </p:ext>
+    </p:extLst>
+  </p:cSld>
+  <p:clrMapOvr>
+    <a:masterClrMapping/>
+  </p:clrMapOvr>
+  <p:extLst>
+    <p:ext uri="{6950BFC3-D8DA-4A85-94F7-54DA5524770B}">
+      <p188:commentRel xmlns:p188="http://schemas.microsoft.com/office/powerpoint/2018/8/main" r:id="rId2"/>
+    </p:ext>
+  </p:extLst>
+</p:sld>
+</file>
+
+<file path=ppt/slides/slide13.xml><?xml version="1.0" encoding="utf-8"?>
+<p:sld xmlns:a="http://schemas.openxmlformats.org/drawingml/2006/main" xmlns:r="http://schemas.openxmlformats.org/officeDocument/2006/relationships" xmlns:p="http://schemas.openxmlformats.org/presentationml/2006/main">
+  <p:cSld>
+    <p:spTree>
+      <p:nvGrpSpPr>
+        <p:cNvPr id="1" name=""/>
+        <p:cNvGrpSpPr/>
+        <p:nvPr/>
+      </p:nvGrpSpPr>
+      <p:grpSpPr>
+        <a:xfrm>
+          <a:off x="0" y="0"/>
+          <a:ext cx="0" cy="0"/>
+          <a:chOff x="0" y="0"/>
+          <a:chExt cx="0" cy="0"/>
+        </a:xfrm>
+      </p:grpSpPr>
+      <p:sp>
+        <p:nvSpPr>
+          <p:cNvPr id="2" name="Title 1">
+            <a:extLst>
+              <a:ext uri="{FF2B5EF4-FFF2-40B4-BE49-F238E27FC236}">
+                <a16:creationId xmlns:a16="http://schemas.microsoft.com/office/drawing/2014/main" id="{9E2C54F0-3E66-F13E-0173-C98843B0C7D0}"/>
+              </a:ext>
+            </a:extLst>
+          </p:cNvPr>
+          <p:cNvSpPr>
+            <a:spLocks noGrp="1"/>
+          </p:cNvSpPr>
+          <p:nvPr>
+            <p:ph type="title"/>
+          </p:nvPr>
+        </p:nvSpPr>
+        <p:spPr/>
+        <p:txBody>
+          <a:bodyPr>
+            <a:normAutofit/>
+          </a:bodyPr>
+          <a:lstStyle/>
+          <a:p>
+            <a:r>
+              <a:rPr lang="en-US" sz="4000" dirty="0"/>
+              <a:t>D) </a:t>
+            </a:r>
+            <a:r>
+              <a:rPr lang="en-US" sz="4000" dirty="0" err="1"/>
+              <a:t>Profil</a:t>
+            </a:r>
+            <a:r>
+              <a:rPr lang="en-US" sz="4000" dirty="0"/>
+              <a:t> de concentration à </a:t>
+            </a:r>
+            <a:r>
+              <a:rPr lang="en-US" sz="4000" dirty="0" err="1"/>
+              <a:t>l’état</a:t>
+            </a:r>
+            <a:r>
+              <a:rPr lang="en-US" sz="4000" dirty="0"/>
+              <a:t> </a:t>
+            </a:r>
+            <a:r>
+              <a:rPr lang="en-US" sz="4000" dirty="0" err="1"/>
+              <a:t>stationnaire</a:t>
+            </a:r>
+            <a:endParaRPr lang="en-CA" sz="4000" dirty="0"/>
+          </a:p>
+        </p:txBody>
+      </p:sp>
+      <p:sp>
+        <p:nvSpPr>
+          <p:cNvPr id="3" name="Content Placeholder 2">
+            <a:extLst>
+              <a:ext uri="{FF2B5EF4-FFF2-40B4-BE49-F238E27FC236}">
+                <a16:creationId xmlns:a16="http://schemas.microsoft.com/office/drawing/2014/main" id="{90B36E41-3413-6A8B-DFA4-896DBF955A38}"/>
+              </a:ext>
+            </a:extLst>
+          </p:cNvPr>
+          <p:cNvSpPr>
+            <a:spLocks noGrp="1"/>
+          </p:cNvSpPr>
+          <p:nvPr>
+            <p:ph idx="1"/>
+          </p:nvPr>
+        </p:nvSpPr>
+        <p:spPr/>
+        <p:txBody>
+          <a:bodyPr/>
+          <a:lstStyle/>
+          <a:p>
+            <a:r>
+              <a:rPr lang="en-US" dirty="0" err="1">
+                <a:highlight>
+                  <a:srgbClr val="FFFF00"/>
+                </a:highlight>
+              </a:rPr>
+              <a:t>Inserer</a:t>
+            </a:r>
+            <a:r>
+              <a:rPr lang="en-US" dirty="0">
+                <a:highlight>
+                  <a:srgbClr val="FFFF00"/>
+                </a:highlight>
+              </a:rPr>
+              <a:t> image</a:t>
+            </a:r>
+            <a:endParaRPr lang="en-CA" dirty="0">
+              <a:highlight>
+                <a:srgbClr val="FFFF00"/>
+              </a:highlight>
+            </a:endParaRPr>
+          </a:p>
+        </p:txBody>
+      </p:sp>
+    </p:spTree>
+    <p:extLst>
+      <p:ext uri="{BB962C8B-B14F-4D97-AF65-F5344CB8AC3E}">
+        <p14:creationId xmlns:p14="http://schemas.microsoft.com/office/powerpoint/2010/main" val="3682234797"/>
+      </p:ext>
+    </p:extLst>
+  </p:cSld>
+  <p:clrMapOvr>
+    <a:masterClrMapping/>
+  </p:clrMapOvr>
+</p:sld>
+</file>
+
+<file path=ppt/slides/slide14.xml><?xml version="1.0" encoding="utf-8"?>
+<p:sld xmlns:a="http://schemas.openxmlformats.org/drawingml/2006/main" xmlns:r="http://schemas.openxmlformats.org/officeDocument/2006/relationships" xmlns:p="http://schemas.openxmlformats.org/presentationml/2006/main">
+  <p:cSld>
+    <p:spTree>
+      <p:nvGrpSpPr>
+        <p:cNvPr id="1" name="">
+          <a:extLst>
+            <a:ext uri="{FF2B5EF4-FFF2-40B4-BE49-F238E27FC236}">
+              <a16:creationId xmlns:a16="http://schemas.microsoft.com/office/drawing/2014/main" id="{9C7A5AC1-4B88-82EA-D1C5-B84A8384BE01}"/>
+            </a:ext>
+          </a:extLst>
+        </p:cNvPr>
+        <p:cNvGrpSpPr/>
+        <p:nvPr/>
+      </p:nvGrpSpPr>
+      <p:grpSpPr>
+        <a:xfrm>
+          <a:off x="0" y="0"/>
+          <a:ext cx="0" cy="0"/>
+          <a:chOff x="0" y="0"/>
+          <a:chExt cx="0" cy="0"/>
+        </a:xfrm>
+      </p:grpSpPr>
+      <p:sp>
+        <p:nvSpPr>
+          <p:cNvPr id="2" name="Title 1">
+            <a:extLst>
+              <a:ext uri="{FF2B5EF4-FFF2-40B4-BE49-F238E27FC236}">
+                <a16:creationId xmlns:a16="http://schemas.microsoft.com/office/drawing/2014/main" id="{8FD00779-5958-F263-6DEA-3CB3806443FD}"/>
+              </a:ext>
+            </a:extLst>
+          </p:cNvPr>
+          <p:cNvSpPr>
+            <a:spLocks noGrp="1"/>
+          </p:cNvSpPr>
+          <p:nvPr>
+            <p:ph type="title"/>
+          </p:nvPr>
+        </p:nvSpPr>
+        <p:spPr/>
+        <p:txBody>
+          <a:bodyPr>
+            <a:normAutofit/>
+          </a:bodyPr>
+          <a:lstStyle/>
+          <a:p>
+            <a:r>
+              <a:rPr lang="en-US" sz="4000" dirty="0"/>
+              <a:t>E-a) </a:t>
+            </a:r>
+            <a:r>
+              <a:rPr lang="en-US" sz="4000" dirty="0" err="1"/>
+              <a:t>Paramètres</a:t>
+            </a:r>
+            <a:r>
+              <a:rPr lang="en-US" sz="4000" dirty="0"/>
+              <a:t> de la simulation </a:t>
+            </a:r>
+            <a:r>
+              <a:rPr lang="en-US" sz="4000" dirty="0" err="1"/>
+              <a:t>stationnaire</a:t>
+            </a:r>
+            <a:endParaRPr lang="en-CA" sz="4000" dirty="0"/>
+          </a:p>
+        </p:txBody>
+      </p:sp>
+      <p:sp>
+        <p:nvSpPr>
+          <p:cNvPr id="3" name="Content Placeholder 2">
+            <a:extLst>
+              <a:ext uri="{FF2B5EF4-FFF2-40B4-BE49-F238E27FC236}">
+                <a16:creationId xmlns:a16="http://schemas.microsoft.com/office/drawing/2014/main" id="{E6A01AB2-1BC1-1766-DF80-633ACD82EC7F}"/>
+              </a:ext>
+            </a:extLst>
+          </p:cNvPr>
+          <p:cNvSpPr>
+            <a:spLocks noGrp="1"/>
+          </p:cNvSpPr>
+          <p:nvPr>
+            <p:ph idx="1"/>
+          </p:nvPr>
+        </p:nvSpPr>
+        <p:spPr/>
+        <p:txBody>
+          <a:bodyPr>
+            <a:normAutofit/>
+          </a:bodyPr>
+          <a:lstStyle/>
+          <a:p>
+            <a:r>
+              <a:rPr lang="fr-FR" dirty="0"/>
+              <a:t>A partir de ce code générique, soit écrire un code pour résoudre le cas stationnaire directement ou soit faire rouler le code jusqu’à la solution stationnaire (c-à-d l’Eq.(3) développée avec S constant). a. préciser tous les paramètres de la simulation utilisés. </a:t>
+            </a:r>
+            <a:endParaRPr lang="en-CA" dirty="0"/>
+          </a:p>
+        </p:txBody>
+      </p:sp>
+    </p:spTree>
+    <p:extLst>
+      <p:ext uri="{BB962C8B-B14F-4D97-AF65-F5344CB8AC3E}">
+        <p14:creationId xmlns:p14="http://schemas.microsoft.com/office/powerpoint/2010/main" val="154940256"/>
+      </p:ext>
+    </p:extLst>
+  </p:cSld>
+  <p:clrMapOvr>
+    <a:masterClrMapping/>
+  </p:clrMapOvr>
+</p:sld>
+</file>
+
+<file path=ppt/slides/slide15.xml><?xml version="1.0" encoding="utf-8"?>
+<p:sld xmlns:a="http://schemas.openxmlformats.org/drawingml/2006/main" xmlns:r="http://schemas.openxmlformats.org/officeDocument/2006/relationships" xmlns:p="http://schemas.openxmlformats.org/presentationml/2006/main">
+  <p:cSld>
+    <p:spTree>
+      <p:nvGrpSpPr>
+        <p:cNvPr id="1" name=""/>
+        <p:cNvGrpSpPr/>
+        <p:nvPr/>
+      </p:nvGrpSpPr>
+      <p:grpSpPr>
+        <a:xfrm>
+          <a:off x="0" y="0"/>
+          <a:ext cx="0" cy="0"/>
+          <a:chOff x="0" y="0"/>
+          <a:chExt cx="0" cy="0"/>
+        </a:xfrm>
+      </p:grpSpPr>
+      <p:sp>
+        <p:nvSpPr>
+          <p:cNvPr id="2" name="Title 1">
+            <a:extLst>
+              <a:ext uri="{FF2B5EF4-FFF2-40B4-BE49-F238E27FC236}">
+                <a16:creationId xmlns:a16="http://schemas.microsoft.com/office/drawing/2014/main" id="{C4DADB91-2171-0585-EDF1-6999E4B93A1A}"/>
+              </a:ext>
+            </a:extLst>
+          </p:cNvPr>
+          <p:cNvSpPr>
+            <a:spLocks noGrp="1"/>
+          </p:cNvSpPr>
+          <p:nvPr>
+            <p:ph type="title"/>
+          </p:nvPr>
+        </p:nvSpPr>
+        <p:spPr/>
+        <p:txBody>
+          <a:bodyPr>
+            <a:normAutofit/>
+          </a:bodyPr>
+          <a:lstStyle/>
+          <a:p>
+            <a:r>
+              <a:rPr lang="en-US" sz="4000" dirty="0"/>
+              <a:t>E-b) </a:t>
+            </a:r>
+            <a:r>
+              <a:rPr lang="en-US" sz="4000" dirty="0" err="1"/>
+              <a:t>Vérification</a:t>
+            </a:r>
+            <a:r>
+              <a:rPr lang="en-US" sz="4000" dirty="0"/>
+              <a:t> avec la solution </a:t>
+            </a:r>
+            <a:r>
+              <a:rPr lang="en-US" sz="4000" dirty="0" err="1"/>
+              <a:t>analytique</a:t>
+            </a:r>
+            <a:endParaRPr lang="en-CA" sz="4000" dirty="0"/>
+          </a:p>
+        </p:txBody>
+      </p:sp>
+      <p:sp>
+        <p:nvSpPr>
+          <p:cNvPr id="3" name="Content Placeholder 2">
+            <a:extLst>
+              <a:ext uri="{FF2B5EF4-FFF2-40B4-BE49-F238E27FC236}">
+                <a16:creationId xmlns:a16="http://schemas.microsoft.com/office/drawing/2014/main" id="{654A8010-B541-576B-B2F1-01BEE57375C3}"/>
+              </a:ext>
+            </a:extLst>
+          </p:cNvPr>
+          <p:cNvSpPr>
+            <a:spLocks noGrp="1"/>
+          </p:cNvSpPr>
+          <p:nvPr>
+            <p:ph idx="1"/>
+          </p:nvPr>
+        </p:nvSpPr>
+        <p:spPr/>
+        <p:txBody>
+          <a:bodyPr>
+            <a:normAutofit/>
+          </a:bodyPr>
+          <a:lstStyle/>
+          <a:p>
+            <a:r>
+              <a:rPr lang="fr-FR" dirty="0">
+                <a:highlight>
+                  <a:srgbClr val="FFFF00"/>
+                </a:highlight>
+              </a:rPr>
+              <a:t>Insert</a:t>
+            </a:r>
+            <a:r>
+              <a:rPr lang="fr-FR" dirty="0"/>
+              <a:t> graphique les erreurs L1, L2 et L∞. c. constatez-vous un problème avec cette procédure de vérification ?</a:t>
+            </a:r>
+            <a:endParaRPr lang="en-CA" dirty="0"/>
+          </a:p>
+        </p:txBody>
+      </p:sp>
+    </p:spTree>
+    <p:extLst>
+      <p:ext uri="{BB962C8B-B14F-4D97-AF65-F5344CB8AC3E}">
+        <p14:creationId xmlns:p14="http://schemas.microsoft.com/office/powerpoint/2010/main" val="1758610269"/>
+      </p:ext>
+    </p:extLst>
+  </p:cSld>
+  <p:clrMapOvr>
+    <a:masterClrMapping/>
+  </p:clrMapOvr>
+</p:sld>
+</file>
+
+<file path=ppt/slides/slide16.xml><?xml version="1.0" encoding="utf-8"?>
+<p:sld xmlns:a="http://schemas.openxmlformats.org/drawingml/2006/main" xmlns:r="http://schemas.openxmlformats.org/officeDocument/2006/relationships" xmlns:p="http://schemas.openxmlformats.org/presentationml/2006/main">
+  <p:cSld>
+    <p:spTree>
+      <p:nvGrpSpPr>
+        <p:cNvPr id="1" name="">
+          <a:extLst>
+            <a:ext uri="{FF2B5EF4-FFF2-40B4-BE49-F238E27FC236}">
+              <a16:creationId xmlns:a16="http://schemas.microsoft.com/office/drawing/2014/main" id="{5E347E2E-AC85-D215-CAF4-7ED0DD47EBAE}"/>
+            </a:ext>
+          </a:extLst>
+        </p:cNvPr>
+        <p:cNvGrpSpPr/>
+        <p:nvPr/>
+      </p:nvGrpSpPr>
+      <p:grpSpPr>
+        <a:xfrm>
+          <a:off x="0" y="0"/>
+          <a:ext cx="0" cy="0"/>
+          <a:chOff x="0" y="0"/>
+          <a:chExt cx="0" cy="0"/>
+        </a:xfrm>
+      </p:grpSpPr>
+      <p:sp>
+        <p:nvSpPr>
+          <p:cNvPr id="2" name="Title 1">
+            <a:extLst>
+              <a:ext uri="{FF2B5EF4-FFF2-40B4-BE49-F238E27FC236}">
+                <a16:creationId xmlns:a16="http://schemas.microsoft.com/office/drawing/2014/main" id="{C009CC3B-A4AF-17FC-9AE2-F22D28CBB55B}"/>
+              </a:ext>
+            </a:extLst>
+          </p:cNvPr>
+          <p:cNvSpPr>
+            <a:spLocks noGrp="1"/>
+          </p:cNvSpPr>
+          <p:nvPr>
+            <p:ph type="title"/>
+          </p:nvPr>
+        </p:nvSpPr>
+        <p:spPr/>
+        <p:txBody>
+          <a:bodyPr>
+            <a:normAutofit/>
+          </a:bodyPr>
+          <a:lstStyle/>
+          <a:p>
+            <a:r>
+              <a:rPr lang="en-US" sz="4000" dirty="0"/>
+              <a:t>F-a) Reprise avec </a:t>
+            </a:r>
+            <a:r>
+              <a:rPr lang="en-US" sz="4000" dirty="0" err="1"/>
+              <a:t>schémas</a:t>
+            </a:r>
+            <a:r>
+              <a:rPr lang="en-US" sz="4000" dirty="0"/>
+              <a:t> </a:t>
+            </a:r>
+            <a:r>
+              <a:rPr lang="en-US" sz="4000" dirty="0" err="1"/>
+              <a:t>d’ordre</a:t>
+            </a:r>
+            <a:r>
+              <a:rPr lang="en-US" sz="4000" dirty="0"/>
+              <a:t> 2 - </a:t>
+            </a:r>
+            <a:r>
+              <a:rPr lang="en-US" sz="4000" dirty="0" err="1"/>
+              <a:t>vérification</a:t>
+            </a:r>
+            <a:endParaRPr lang="en-CA" sz="4000" dirty="0"/>
+          </a:p>
+        </p:txBody>
+      </p:sp>
+      <p:sp>
+        <p:nvSpPr>
+          <p:cNvPr id="3" name="Content Placeholder 2">
+            <a:extLst>
+              <a:ext uri="{FF2B5EF4-FFF2-40B4-BE49-F238E27FC236}">
+                <a16:creationId xmlns:a16="http://schemas.microsoft.com/office/drawing/2014/main" id="{EF4481F0-0D98-CC04-2113-7B69D1ACA235}"/>
+              </a:ext>
+            </a:extLst>
+          </p:cNvPr>
+          <p:cNvSpPr>
+            <a:spLocks noGrp="1"/>
+          </p:cNvSpPr>
+          <p:nvPr>
+            <p:ph idx="1"/>
+          </p:nvPr>
+        </p:nvSpPr>
+        <p:spPr/>
+        <p:txBody>
+          <a:bodyPr>
+            <a:normAutofit/>
+          </a:bodyPr>
+          <a:lstStyle/>
+          <a:p>
+            <a:r>
+              <a:rPr lang="fr-FR" dirty="0"/>
+              <a:t>a. refaire les vérifications</a:t>
+            </a:r>
+            <a:endParaRPr lang="en-CA" dirty="0"/>
+          </a:p>
+        </p:txBody>
+      </p:sp>
+    </p:spTree>
+    <p:extLst>
+      <p:ext uri="{BB962C8B-B14F-4D97-AF65-F5344CB8AC3E}">
+        <p14:creationId xmlns:p14="http://schemas.microsoft.com/office/powerpoint/2010/main" val="1371653187"/>
+      </p:ext>
+    </p:extLst>
+  </p:cSld>
+  <p:clrMapOvr>
+    <a:masterClrMapping/>
+  </p:clrMapOvr>
+</p:sld>
+</file>
+
+<file path=ppt/slides/slide17.xml><?xml version="1.0" encoding="utf-8"?>
+<p:sld xmlns:a="http://schemas.openxmlformats.org/drawingml/2006/main" xmlns:r="http://schemas.openxmlformats.org/officeDocument/2006/relationships" xmlns:p="http://schemas.openxmlformats.org/presentationml/2006/main">
+  <p:cSld>
+    <p:spTree>
+      <p:nvGrpSpPr>
+        <p:cNvPr id="1" name="">
+          <a:extLst>
+            <a:ext uri="{FF2B5EF4-FFF2-40B4-BE49-F238E27FC236}">
+              <a16:creationId xmlns:a16="http://schemas.microsoft.com/office/drawing/2014/main" id="{44564F1C-57DC-EAEA-CF3E-47F854D4475D}"/>
+            </a:ext>
+          </a:extLst>
+        </p:cNvPr>
+        <p:cNvGrpSpPr/>
+        <p:nvPr/>
+      </p:nvGrpSpPr>
+      <p:grpSpPr>
+        <a:xfrm>
+          <a:off x="0" y="0"/>
+          <a:ext cx="0" cy="0"/>
+          <a:chOff x="0" y="0"/>
+          <a:chExt cx="0" cy="0"/>
+        </a:xfrm>
+      </p:grpSpPr>
+      <p:sp>
+        <p:nvSpPr>
+          <p:cNvPr id="2" name="Title 1">
+            <a:extLst>
+              <a:ext uri="{FF2B5EF4-FFF2-40B4-BE49-F238E27FC236}">
+                <a16:creationId xmlns:a16="http://schemas.microsoft.com/office/drawing/2014/main" id="{E0EE2BA8-0946-602E-EB84-4324B372F7E6}"/>
+              </a:ext>
+            </a:extLst>
+          </p:cNvPr>
+          <p:cNvSpPr>
+            <a:spLocks noGrp="1"/>
+          </p:cNvSpPr>
+          <p:nvPr>
+            <p:ph type="title"/>
+          </p:nvPr>
+        </p:nvSpPr>
+        <p:spPr/>
+        <p:txBody>
+          <a:bodyPr>
+            <a:normAutofit/>
+          </a:bodyPr>
+          <a:lstStyle/>
+          <a:p>
+            <a:r>
+              <a:rPr lang="en-US" sz="4000" dirty="0"/>
+              <a:t>F-b) </a:t>
+            </a:r>
+            <a:r>
+              <a:rPr lang="en-US" sz="4000" dirty="0" err="1"/>
+              <a:t>Comparaison</a:t>
+            </a:r>
+            <a:r>
+              <a:rPr lang="en-US" sz="4000" dirty="0"/>
+              <a:t> des </a:t>
+            </a:r>
+            <a:r>
+              <a:rPr lang="en-US" sz="4000" dirty="0" err="1"/>
+              <a:t>profils</a:t>
+            </a:r>
+            <a:r>
+              <a:rPr lang="en-US" sz="4000" dirty="0"/>
+              <a:t> de concentration</a:t>
+            </a:r>
+            <a:endParaRPr lang="en-CA" sz="4000" dirty="0"/>
+          </a:p>
+        </p:txBody>
+      </p:sp>
+      <p:sp>
+        <p:nvSpPr>
+          <p:cNvPr id="3" name="Content Placeholder 2">
+            <a:extLst>
+              <a:ext uri="{FF2B5EF4-FFF2-40B4-BE49-F238E27FC236}">
+                <a16:creationId xmlns:a16="http://schemas.microsoft.com/office/drawing/2014/main" id="{EAEAA665-25F9-39EB-C3E3-C120EBF82C28}"/>
+              </a:ext>
+            </a:extLst>
+          </p:cNvPr>
+          <p:cNvSpPr>
+            <a:spLocks noGrp="1"/>
+          </p:cNvSpPr>
+          <p:nvPr>
+            <p:ph idx="1"/>
+          </p:nvPr>
+        </p:nvSpPr>
+        <p:spPr/>
+        <p:txBody>
+          <a:bodyPr>
+            <a:normAutofit/>
+          </a:bodyPr>
+          <a:lstStyle/>
+          <a:p>
+            <a:r>
+              <a:rPr lang="fr-FR" dirty="0"/>
+              <a:t>b. tracer les profils de concentration obtenus avec les deux schémas numériques. </a:t>
+            </a:r>
+            <a:r>
+              <a:rPr lang="fr-FR" dirty="0">
+                <a:highlight>
+                  <a:srgbClr val="FFFF00"/>
+                </a:highlight>
+              </a:rPr>
+              <a:t>INSERT graphs</a:t>
+            </a:r>
+            <a:endParaRPr lang="en-CA" dirty="0">
+              <a:highlight>
+                <a:srgbClr val="FFFF00"/>
+              </a:highlight>
+            </a:endParaRPr>
+          </a:p>
+        </p:txBody>
+      </p:sp>
+    </p:spTree>
+    <p:extLst>
+      <p:ext uri="{BB962C8B-B14F-4D97-AF65-F5344CB8AC3E}">
+        <p14:creationId xmlns:p14="http://schemas.microsoft.com/office/powerpoint/2010/main" val="2642193640"/>
+      </p:ext>
+    </p:extLst>
+  </p:cSld>
+  <p:clrMapOvr>
+    <a:masterClrMapping/>
+  </p:clrMapOvr>
+</p:sld>
+</file>
+
+<file path=ppt/slides/slide18.xml><?xml version="1.0" encoding="utf-8"?>
+<p:sld xmlns:a="http://schemas.openxmlformats.org/drawingml/2006/main" xmlns:r="http://schemas.openxmlformats.org/officeDocument/2006/relationships" xmlns:p="http://schemas.openxmlformats.org/presentationml/2006/main">
+  <p:cSld>
+    <p:spTree>
+      <p:nvGrpSpPr>
+        <p:cNvPr id="1" name="">
+          <a:extLst>
+            <a:ext uri="{FF2B5EF4-FFF2-40B4-BE49-F238E27FC236}">
+              <a16:creationId xmlns:a16="http://schemas.microsoft.com/office/drawing/2014/main" id="{7F0B8EE4-930B-6D97-EB2B-1B03CE236D15}"/>
+            </a:ext>
+          </a:extLst>
+        </p:cNvPr>
+        <p:cNvGrpSpPr/>
+        <p:nvPr/>
+      </p:nvGrpSpPr>
+      <p:grpSpPr>
+        <a:xfrm>
+          <a:off x="0" y="0"/>
+          <a:ext cx="0" cy="0"/>
+          <a:chOff x="0" y="0"/>
+          <a:chExt cx="0" cy="0"/>
+        </a:xfrm>
+      </p:grpSpPr>
+      <p:sp>
+        <p:nvSpPr>
+          <p:cNvPr id="2" name="Title 1">
+            <a:extLst>
+              <a:ext uri="{FF2B5EF4-FFF2-40B4-BE49-F238E27FC236}">
+                <a16:creationId xmlns:a16="http://schemas.microsoft.com/office/drawing/2014/main" id="{BAF1B1AF-8E5A-D995-180C-39E557D09817}"/>
+              </a:ext>
+            </a:extLst>
+          </p:cNvPr>
+          <p:cNvSpPr>
+            <a:spLocks noGrp="1"/>
+          </p:cNvSpPr>
+          <p:nvPr>
+            <p:ph type="title"/>
+          </p:nvPr>
+        </p:nvSpPr>
+        <p:spPr/>
+        <p:txBody>
+          <a:bodyPr>
+            <a:normAutofit/>
+          </a:bodyPr>
+          <a:lstStyle/>
+          <a:p>
+            <a:r>
+              <a:rPr lang="en-US" sz="4000" dirty="0"/>
+              <a:t>F-c) </a:t>
+            </a:r>
+            <a:r>
+              <a:rPr lang="en-US" sz="4000" dirty="0" err="1"/>
+              <a:t>Commentaire</a:t>
+            </a:r>
+            <a:endParaRPr lang="en-CA" sz="4000" dirty="0"/>
+          </a:p>
+        </p:txBody>
+      </p:sp>
+      <p:sp>
+        <p:nvSpPr>
+          <p:cNvPr id="3" name="Content Placeholder 2">
+            <a:extLst>
+              <a:ext uri="{FF2B5EF4-FFF2-40B4-BE49-F238E27FC236}">
+                <a16:creationId xmlns:a16="http://schemas.microsoft.com/office/drawing/2014/main" id="{8BF5A1EC-E298-0AA9-CD0B-613EFE7549AA}"/>
+              </a:ext>
+            </a:extLst>
+          </p:cNvPr>
+          <p:cNvSpPr>
+            <a:spLocks noGrp="1"/>
+          </p:cNvSpPr>
+          <p:nvPr>
+            <p:ph idx="1"/>
+          </p:nvPr>
+        </p:nvSpPr>
+        <p:spPr/>
+        <p:txBody>
+          <a:bodyPr>
+            <a:normAutofit/>
+          </a:bodyPr>
+          <a:lstStyle/>
+          <a:p>
+            <a:r>
+              <a:rPr lang="fr-FR" dirty="0"/>
+              <a:t> c. que constatez-vous maintenant ? </a:t>
+            </a:r>
+            <a:endParaRPr lang="en-CA" dirty="0"/>
+          </a:p>
+        </p:txBody>
+      </p:sp>
+    </p:spTree>
+    <p:extLst>
+      <p:ext uri="{BB962C8B-B14F-4D97-AF65-F5344CB8AC3E}">
+        <p14:creationId xmlns:p14="http://schemas.microsoft.com/office/powerpoint/2010/main" val="628067341"/>
       </p:ext>
     </p:extLst>
   </p:cSld>
@@ -5830,23 +10121,25 @@
         </p:nvSpPr>
         <p:spPr/>
         <p:txBody>
-          <a:bodyPr/>
+          <a:bodyPr>
+            <a:normAutofit/>
+          </a:bodyPr>
           <a:lstStyle/>
           <a:p>
             <a:r>
-              <a:rPr lang="en-CA" dirty="0"/>
+              <a:rPr lang="en-CA" sz="4000" dirty="0"/>
               <a:t>A-a) Type de </a:t>
             </a:r>
             <a:r>
-              <a:rPr lang="en-CA" dirty="0" err="1"/>
+              <a:rPr lang="en-CA" sz="4000" dirty="0" err="1"/>
               <a:t>l’équation</a:t>
             </a:r>
-            <a:endParaRPr lang="en-CA" dirty="0"/>
+            <a:endParaRPr lang="en-CA" sz="4000" dirty="0"/>
           </a:p>
         </p:txBody>
       </p:sp>
-      <mc:AlternateContent xmlns:mc="http://schemas.openxmlformats.org/markup-compatibility/2006">
-        <mc:Choice xmlns:a14="http://schemas.microsoft.com/office/drawing/2010/main" Requires="a14">
+      <mc:AlternateContent xmlns:mc="http://schemas.openxmlformats.org/markup-compatibility/2006" xmlns:a14="http://schemas.microsoft.com/office/drawing/2010/main">
+        <mc:Choice Requires="a14">
           <p:sp>
             <p:nvSpPr>
               <p:cNvPr id="3" name="Content Placeholder 2">
@@ -5865,8 +10158,8 @@
             </p:nvSpPr>
             <p:spPr>
               <a:xfrm>
-                <a:off x="838200" y="1386347"/>
-                <a:ext cx="10515600" cy="4987260"/>
+                <a:off x="838200" y="1543665"/>
+                <a:ext cx="10515600" cy="4829942"/>
               </a:xfrm>
             </p:spPr>
             <p:txBody>
@@ -5880,7 +10173,137 @@
                 </a:pPr>
                 <a:r>
                   <a:rPr lang="en-CA" dirty="0"/>
-                  <a:t>Forme </a:t>
+                  <a:t>Le </a:t>
+                </a:r>
+                <a:r>
+                  <a:rPr lang="en-CA" dirty="0" err="1"/>
+                  <a:t>problème</a:t>
+                </a:r>
+                <a:r>
+                  <a:rPr lang="en-CA" dirty="0"/>
+                  <a:t> </a:t>
+                </a:r>
+                <a:r>
+                  <a:rPr lang="en-CA" dirty="0" err="1"/>
+                  <a:t>est</a:t>
+                </a:r>
+                <a:r>
+                  <a:rPr lang="en-CA" dirty="0"/>
+                  <a:t> un </a:t>
+                </a:r>
+                <a:r>
+                  <a:rPr lang="en-CA" dirty="0" err="1"/>
+                  <a:t>problème</a:t>
+                </a:r>
+                <a:r>
+                  <a:rPr lang="en-CA" dirty="0"/>
+                  <a:t> </a:t>
+                </a:r>
+                <a:r>
+                  <a:rPr lang="en-CA" dirty="0" err="1"/>
+                  <a:t>instationnaire</a:t>
+                </a:r>
+                <a:r>
+                  <a:rPr lang="en-CA" dirty="0"/>
+                  <a:t> de diffusion, </a:t>
+                </a:r>
+                <a:r>
+                  <a:rPr lang="en-CA" dirty="0" err="1"/>
+                  <a:t>l’équation</a:t>
+                </a:r>
+                <a:r>
+                  <a:rPr lang="en-CA" dirty="0"/>
+                  <a:t> </a:t>
+                </a:r>
+                <a:r>
+                  <a:rPr lang="en-CA" dirty="0" err="1"/>
+                  <a:t>différentielle</a:t>
+                </a:r>
+                <a:r>
+                  <a:rPr lang="en-CA" dirty="0"/>
+                  <a:t> qui </a:t>
+                </a:r>
+                <a:r>
+                  <a:rPr lang="en-CA" dirty="0" err="1"/>
+                  <a:t>l’illustre</a:t>
+                </a:r>
+                <a:r>
+                  <a:rPr lang="en-CA" dirty="0"/>
+                  <a:t> </a:t>
+                </a:r>
+                <a:r>
+                  <a:rPr lang="en-CA" dirty="0" err="1"/>
+                  <a:t>est</a:t>
+                </a:r>
+                <a:r>
+                  <a:rPr lang="en-CA" dirty="0"/>
+                  <a:t> </a:t>
+                </a:r>
+                <a:r>
+                  <a:rPr lang="en-CA" dirty="0" err="1"/>
+                  <a:t>donc</a:t>
+                </a:r>
+                <a:r>
+                  <a:rPr lang="en-CA" dirty="0"/>
+                  <a:t> </a:t>
+                </a:r>
+                <a:r>
+                  <a:rPr lang="en-CA" b="1" dirty="0" err="1"/>
+                  <a:t>parabolique</a:t>
+                </a:r>
+                <a:r>
+                  <a:rPr lang="en-CA" dirty="0"/>
+                  <a:t>.</a:t>
+                </a:r>
+              </a:p>
+              <a:p>
+                <a:pPr marL="0" indent="0">
+                  <a:buNone/>
+                </a:pPr>
+                <a:r>
+                  <a:rPr lang="en-CA" b="1" u="sng" dirty="0" err="1"/>
+                  <a:t>Preuve</a:t>
+                </a:r>
+                <a:r>
+                  <a:rPr lang="en-CA" b="1" u="sng" dirty="0"/>
+                  <a:t> avec la </a:t>
+                </a:r>
+                <a:r>
+                  <a:rPr lang="en-CA" b="1" u="sng" dirty="0" err="1"/>
+                  <a:t>méthode</a:t>
+                </a:r>
+                <a:r>
+                  <a:rPr lang="en-CA" b="1" u="sng" dirty="0"/>
+                  <a:t> de </a:t>
+                </a:r>
+                <a:r>
+                  <a:rPr lang="en-CA" b="1" u="sng" dirty="0" err="1"/>
+                  <a:t>l’équation</a:t>
+                </a:r>
+                <a:r>
+                  <a:rPr lang="en-CA" b="1" u="sng" dirty="0"/>
+                  <a:t> </a:t>
+                </a:r>
+                <a:r>
+                  <a:rPr lang="en-CA" b="1" u="sng" dirty="0" err="1"/>
+                  <a:t>caractéristique</a:t>
+                </a:r>
+                <a:r>
+                  <a:rPr lang="en-CA" b="1" u="sng" dirty="0"/>
+                  <a:t>:</a:t>
+                </a:r>
+              </a:p>
+              <a:p>
+                <a:pPr marL="0" indent="0">
+                  <a:buNone/>
+                </a:pPr>
+                <a:r>
+                  <a:rPr lang="en-CA" dirty="0" err="1"/>
+                  <a:t>Forme</a:t>
+                </a:r>
+                <a:r>
+                  <a:rPr lang="en-CA" dirty="0"/>
+                  <a:t> </a:t>
                 </a:r>
                 <a:r>
                   <a:rPr lang="en-CA" dirty="0" err="1"/>
@@ -5912,7 +10335,7 @@
                 </a:r>
                 <a:r>
                   <a:rPr lang="en-CA" dirty="0"/>
-                  <a:t> 1D + temps)</a:t>
+                  <a:t> 1D + temps):</a:t>
                 </a:r>
               </a:p>
               <a:p>
@@ -6358,281 +10781,265 @@
                 </a:r>
                 <a:r>
                   <a:rPr lang="en-CA" dirty="0"/>
-                  <a:t>:</a:t>
-                </a:r>
-              </a:p>
-              <a:p>
-                <a:pPr marL="0" indent="0">
-                  <a:buNone/>
-                </a:pPr>
-                <a:endParaRPr lang="en-CA" dirty="0"/>
-              </a:p>
-              <a:p>
-                <a:pPr marL="0" indent="0">
-                  <a:buNone/>
-                </a:pPr>
+                  <a:t> par : </a:t>
+                </a:r>
                 <a14:m>
-                  <m:oMathPara xmlns:m="http://schemas.openxmlformats.org/officeDocument/2006/math">
-                    <m:oMathParaPr>
-                      <m:jc m:val="centerGroup"/>
-                    </m:oMathParaPr>
-                    <m:oMath xmlns:m="http://schemas.openxmlformats.org/officeDocument/2006/math">
-                      <m:r>
-                        <a:rPr lang="en-CA" b="0" i="1" smtClean="0">
-                          <a:latin typeface="Cambria Math" panose="02040503050406030204" pitchFamily="18" charset="0"/>
-                        </a:rPr>
-                        <m:t>𝐴</m:t>
-                      </m:r>
-                      <m:f>
-                        <m:fPr>
-                          <m:ctrlPr>
-                            <a:rPr lang="en-CA" b="0" i="1" smtClean="0">
-                              <a:latin typeface="Cambria Math" panose="02040503050406030204" pitchFamily="18" charset="0"/>
-                            </a:rPr>
-                          </m:ctrlPr>
-                        </m:fPr>
-                        <m:num>
-                          <m:sSup>
-                            <m:sSupPr>
-                              <m:ctrlPr>
-                                <a:rPr lang="en-CA" b="0" i="1" smtClean="0">
-                                  <a:latin typeface="Cambria Math" panose="02040503050406030204" pitchFamily="18" charset="0"/>
-                                </a:rPr>
-                              </m:ctrlPr>
-                            </m:sSupPr>
-                            <m:e>
-                              <m:r>
-                                <a:rPr lang="en-CA" b="0" i="1" smtClean="0">
-                                  <a:latin typeface="Cambria Math" panose="02040503050406030204" pitchFamily="18" charset="0"/>
-                                </a:rPr>
-                                <m:t>𝜕</m:t>
-                              </m:r>
-                            </m:e>
-                            <m:sup>
-                              <m:r>
-                                <a:rPr lang="en-CA" b="0" i="1" smtClean="0">
-                                  <a:latin typeface="Cambria Math" panose="02040503050406030204" pitchFamily="18" charset="0"/>
-                                </a:rPr>
-                                <m:t>2</m:t>
-                              </m:r>
-                            </m:sup>
-                          </m:sSup>
-                          <m:r>
-                            <a:rPr lang="en-CA" b="0" i="1" smtClean="0">
-                              <a:latin typeface="Cambria Math" panose="02040503050406030204" pitchFamily="18" charset="0"/>
-                            </a:rPr>
-                            <m:t>𝑓</m:t>
-                          </m:r>
-                        </m:num>
-                        <m:den>
-                          <m:r>
-                            <a:rPr lang="en-CA" b="0" i="1" smtClean="0">
-                              <a:latin typeface="Cambria Math" panose="02040503050406030204" pitchFamily="18" charset="0"/>
-                            </a:rPr>
-                            <m:t>𝜕</m:t>
-                          </m:r>
-                          <m:sSup>
-                            <m:sSupPr>
-                              <m:ctrlPr>
-                                <a:rPr lang="en-CA" b="0" i="1" smtClean="0">
-                                  <a:latin typeface="Cambria Math" panose="02040503050406030204" pitchFamily="18" charset="0"/>
-                                </a:rPr>
-                              </m:ctrlPr>
-                            </m:sSupPr>
-                            <m:e>
-                              <m:r>
-                                <a:rPr lang="en-CA" b="0" i="1" smtClean="0">
-                                  <a:latin typeface="Cambria Math" panose="02040503050406030204" pitchFamily="18" charset="0"/>
-                                </a:rPr>
-                                <m:t>𝑥</m:t>
-                              </m:r>
-                            </m:e>
-                            <m:sup>
-                              <m:r>
-                                <a:rPr lang="en-CA" b="0" i="1" smtClean="0">
-                                  <a:latin typeface="Cambria Math" panose="02040503050406030204" pitchFamily="18" charset="0"/>
-                                </a:rPr>
-                                <m:t>2</m:t>
-                              </m:r>
-                            </m:sup>
-                          </m:sSup>
-                        </m:den>
-                      </m:f>
-                      <m:r>
-                        <a:rPr lang="en-CA" b="0" i="1" smtClean="0">
-                          <a:latin typeface="Cambria Math" panose="02040503050406030204" pitchFamily="18" charset="0"/>
-                        </a:rPr>
-                        <m:t>+</m:t>
-                      </m:r>
-                      <m:r>
-                        <a:rPr lang="en-CA" b="0" i="1" smtClean="0">
-                          <a:latin typeface="Cambria Math" panose="02040503050406030204" pitchFamily="18" charset="0"/>
-                        </a:rPr>
-                        <m:t>𝐵</m:t>
-                      </m:r>
-                      <m:f>
-                        <m:fPr>
-                          <m:ctrlPr>
-                            <a:rPr lang="en-CA" b="0" i="1" smtClean="0">
-                              <a:latin typeface="Cambria Math" panose="02040503050406030204" pitchFamily="18" charset="0"/>
-                            </a:rPr>
-                          </m:ctrlPr>
-                        </m:fPr>
-                        <m:num>
-                          <m:sSup>
-                            <m:sSupPr>
-                              <m:ctrlPr>
-                                <a:rPr lang="en-CA" b="0" i="1" smtClean="0">
-                                  <a:latin typeface="Cambria Math" panose="02040503050406030204" pitchFamily="18" charset="0"/>
-                                </a:rPr>
-                              </m:ctrlPr>
-                            </m:sSupPr>
-                            <m:e>
-                              <m:r>
-                                <a:rPr lang="en-CA" b="0" i="1" smtClean="0">
-                                  <a:latin typeface="Cambria Math" panose="02040503050406030204" pitchFamily="18" charset="0"/>
-                                </a:rPr>
-                                <m:t>𝜕</m:t>
-                              </m:r>
-                            </m:e>
-                            <m:sup>
-                              <m:r>
-                                <a:rPr lang="en-CA" b="0" i="1" smtClean="0">
-                                  <a:latin typeface="Cambria Math" panose="02040503050406030204" pitchFamily="18" charset="0"/>
-                                </a:rPr>
-                                <m:t>2</m:t>
-                              </m:r>
-                            </m:sup>
-                          </m:sSup>
-                          <m:r>
-                            <a:rPr lang="en-CA" b="0" i="1" smtClean="0">
-                              <a:latin typeface="Cambria Math" panose="02040503050406030204" pitchFamily="18" charset="0"/>
-                            </a:rPr>
-                            <m:t>𝑓</m:t>
-                          </m:r>
-                        </m:num>
-                        <m:den>
-                          <m:r>
-                            <a:rPr lang="en-CA" b="0" i="1" smtClean="0">
-                              <a:latin typeface="Cambria Math" panose="02040503050406030204" pitchFamily="18" charset="0"/>
-                            </a:rPr>
-                            <m:t>𝜕</m:t>
-                          </m:r>
-                          <m:r>
-                            <a:rPr lang="en-CA" b="0" i="1" smtClean="0">
-                              <a:latin typeface="Cambria Math" panose="02040503050406030204" pitchFamily="18" charset="0"/>
-                            </a:rPr>
-                            <m:t>𝑥</m:t>
-                          </m:r>
-                          <m:r>
-                            <a:rPr lang="en-CA" b="0" i="1" smtClean="0">
-                              <a:latin typeface="Cambria Math" panose="02040503050406030204" pitchFamily="18" charset="0"/>
-                            </a:rPr>
-                            <m:t>𝜕</m:t>
-                          </m:r>
-                          <m:r>
-                            <a:rPr lang="en-CA" b="0" i="1" smtClean="0">
-                              <a:latin typeface="Cambria Math" panose="02040503050406030204" pitchFamily="18" charset="0"/>
-                            </a:rPr>
-                            <m:t>𝑡</m:t>
-                          </m:r>
-                        </m:den>
-                      </m:f>
-                      <m:r>
-                        <a:rPr lang="en-CA" b="0" i="1" smtClean="0">
-                          <a:latin typeface="Cambria Math" panose="02040503050406030204" pitchFamily="18" charset="0"/>
-                        </a:rPr>
-                        <m:t>+</m:t>
-                      </m:r>
-                      <m:r>
-                        <a:rPr lang="en-CA" b="0" i="1" smtClean="0">
-                          <a:latin typeface="Cambria Math" panose="02040503050406030204" pitchFamily="18" charset="0"/>
-                        </a:rPr>
-                        <m:t>𝐶</m:t>
-                      </m:r>
-                      <m:f>
-                        <m:fPr>
-                          <m:ctrlPr>
-                            <a:rPr lang="en-CA" b="0" i="1" smtClean="0">
-                              <a:latin typeface="Cambria Math" panose="02040503050406030204" pitchFamily="18" charset="0"/>
-                            </a:rPr>
-                          </m:ctrlPr>
-                        </m:fPr>
-                        <m:num>
-                          <m:sSup>
-                            <m:sSupPr>
-                              <m:ctrlPr>
-                                <a:rPr lang="en-CA" b="0" i="1" smtClean="0">
-                                  <a:latin typeface="Cambria Math" panose="02040503050406030204" pitchFamily="18" charset="0"/>
-                                </a:rPr>
-                              </m:ctrlPr>
-                            </m:sSupPr>
-                            <m:e>
-                              <m:r>
-                                <a:rPr lang="en-CA" b="0" i="1" smtClean="0">
-                                  <a:latin typeface="Cambria Math" panose="02040503050406030204" pitchFamily="18" charset="0"/>
-                                </a:rPr>
-                                <m:t>𝜕</m:t>
-                              </m:r>
-                            </m:e>
-                            <m:sup>
-                              <m:r>
-                                <a:rPr lang="en-CA" b="0" i="1" smtClean="0">
-                                  <a:latin typeface="Cambria Math" panose="02040503050406030204" pitchFamily="18" charset="0"/>
-                                </a:rPr>
-                                <m:t>2</m:t>
-                              </m:r>
-                            </m:sup>
-                          </m:sSup>
-                          <m:r>
-                            <a:rPr lang="en-CA" b="0" i="1" smtClean="0">
-                              <a:latin typeface="Cambria Math" panose="02040503050406030204" pitchFamily="18" charset="0"/>
-                            </a:rPr>
-                            <m:t>𝑓</m:t>
-                          </m:r>
-                        </m:num>
-                        <m:den>
-                          <m:r>
-                            <a:rPr lang="en-CA" b="0" i="1" smtClean="0">
-                              <a:latin typeface="Cambria Math" panose="02040503050406030204" pitchFamily="18" charset="0"/>
-                            </a:rPr>
-                            <m:t>𝜕</m:t>
-                          </m:r>
-                          <m:sSup>
-                            <m:sSupPr>
-                              <m:ctrlPr>
-                                <a:rPr lang="en-CA" b="0" i="1" smtClean="0">
-                                  <a:latin typeface="Cambria Math" panose="02040503050406030204" pitchFamily="18" charset="0"/>
-                                </a:rPr>
-                              </m:ctrlPr>
-                            </m:sSupPr>
-                            <m:e>
-                              <m:r>
-                                <a:rPr lang="en-CA" b="0" i="1" smtClean="0">
-                                  <a:latin typeface="Cambria Math" panose="02040503050406030204" pitchFamily="18" charset="0"/>
-                                </a:rPr>
-                                <m:t>𝑡</m:t>
-                              </m:r>
-                            </m:e>
-                            <m:sup>
-                              <m:r>
-                                <a:rPr lang="en-CA" b="0" i="1" smtClean="0">
-                                  <a:latin typeface="Cambria Math" panose="02040503050406030204" pitchFamily="18" charset="0"/>
-                                </a:rPr>
-                                <m:t>2</m:t>
-                              </m:r>
-                            </m:sup>
-                          </m:sSup>
-                        </m:den>
-                      </m:f>
-                      <m:r>
-                        <a:rPr lang="en-CA" b="0" i="1" smtClean="0">
-                          <a:latin typeface="Cambria Math" panose="02040503050406030204" pitchFamily="18" charset="0"/>
-                        </a:rPr>
-                        <m:t>=0</m:t>
-                      </m:r>
-                    </m:oMath>
-                  </m:oMathPara>
+                  <m:oMath xmlns:m="http://schemas.openxmlformats.org/officeDocument/2006/math">
+                    <m:r>
+                      <a:rPr lang="en-CA" b="0" i="1" smtClean="0">
+                        <a:latin typeface="Cambria Math" panose="02040503050406030204" pitchFamily="18" charset="0"/>
+                      </a:rPr>
+                      <m:t>𝐴</m:t>
+                    </m:r>
+                    <m:f>
+                      <m:fPr>
+                        <m:ctrlPr>
+                          <a:rPr lang="en-CA" b="0" i="1" smtClean="0">
+                            <a:latin typeface="Cambria Math" panose="02040503050406030204" pitchFamily="18" charset="0"/>
+                          </a:rPr>
+                        </m:ctrlPr>
+                      </m:fPr>
+                      <m:num>
+                        <m:sSup>
+                          <m:sSupPr>
+                            <m:ctrlPr>
+                              <a:rPr lang="en-CA" b="0" i="1" smtClean="0">
+                                <a:latin typeface="Cambria Math" panose="02040503050406030204" pitchFamily="18" charset="0"/>
+                              </a:rPr>
+                            </m:ctrlPr>
+                          </m:sSupPr>
+                          <m:e>
+                            <m:r>
+                              <a:rPr lang="en-CA" b="0" i="1" smtClean="0">
+                                <a:latin typeface="Cambria Math" panose="02040503050406030204" pitchFamily="18" charset="0"/>
+                              </a:rPr>
+                              <m:t>𝜕</m:t>
+                            </m:r>
+                          </m:e>
+                          <m:sup>
+                            <m:r>
+                              <a:rPr lang="en-CA" b="0" i="1" smtClean="0">
+                                <a:latin typeface="Cambria Math" panose="02040503050406030204" pitchFamily="18" charset="0"/>
+                              </a:rPr>
+                              <m:t>2</m:t>
+                            </m:r>
+                          </m:sup>
+                        </m:sSup>
+                        <m:r>
+                          <a:rPr lang="en-CA" b="0" i="1" smtClean="0">
+                            <a:latin typeface="Cambria Math" panose="02040503050406030204" pitchFamily="18" charset="0"/>
+                          </a:rPr>
+                          <m:t>𝑓</m:t>
+                        </m:r>
+                      </m:num>
+                      <m:den>
+                        <m:r>
+                          <a:rPr lang="en-CA" b="0" i="1" smtClean="0">
+                            <a:latin typeface="Cambria Math" panose="02040503050406030204" pitchFamily="18" charset="0"/>
+                          </a:rPr>
+                          <m:t>𝜕</m:t>
+                        </m:r>
+                        <m:sSup>
+                          <m:sSupPr>
+                            <m:ctrlPr>
+                              <a:rPr lang="en-CA" b="0" i="1" smtClean="0">
+                                <a:latin typeface="Cambria Math" panose="02040503050406030204" pitchFamily="18" charset="0"/>
+                              </a:rPr>
+                            </m:ctrlPr>
+                          </m:sSupPr>
+                          <m:e>
+                            <m:r>
+                              <a:rPr lang="en-CA" b="0" i="1" smtClean="0">
+                                <a:latin typeface="Cambria Math" panose="02040503050406030204" pitchFamily="18" charset="0"/>
+                              </a:rPr>
+                              <m:t>𝑥</m:t>
+                            </m:r>
+                          </m:e>
+                          <m:sup>
+                            <m:r>
+                              <a:rPr lang="en-CA" b="0" i="1" smtClean="0">
+                                <a:latin typeface="Cambria Math" panose="02040503050406030204" pitchFamily="18" charset="0"/>
+                              </a:rPr>
+                              <m:t>2</m:t>
+                            </m:r>
+                          </m:sup>
+                        </m:sSup>
+                      </m:den>
+                    </m:f>
+                    <m:r>
+                      <a:rPr lang="en-CA" b="0" i="1" smtClean="0">
+                        <a:latin typeface="Cambria Math" panose="02040503050406030204" pitchFamily="18" charset="0"/>
+                      </a:rPr>
+                      <m:t>+</m:t>
+                    </m:r>
+                    <m:r>
+                      <a:rPr lang="en-CA" b="0" i="1" smtClean="0">
+                        <a:latin typeface="Cambria Math" panose="02040503050406030204" pitchFamily="18" charset="0"/>
+                      </a:rPr>
+                      <m:t>𝐵</m:t>
+                    </m:r>
+                    <m:f>
+                      <m:fPr>
+                        <m:ctrlPr>
+                          <a:rPr lang="en-CA" b="0" i="1" smtClean="0">
+                            <a:latin typeface="Cambria Math" panose="02040503050406030204" pitchFamily="18" charset="0"/>
+                          </a:rPr>
+                        </m:ctrlPr>
+                      </m:fPr>
+                      <m:num>
+                        <m:sSup>
+                          <m:sSupPr>
+                            <m:ctrlPr>
+                              <a:rPr lang="en-CA" b="0" i="1" smtClean="0">
+                                <a:latin typeface="Cambria Math" panose="02040503050406030204" pitchFamily="18" charset="0"/>
+                              </a:rPr>
+                            </m:ctrlPr>
+                          </m:sSupPr>
+                          <m:e>
+                            <m:r>
+                              <a:rPr lang="en-CA" b="0" i="1" smtClean="0">
+                                <a:latin typeface="Cambria Math" panose="02040503050406030204" pitchFamily="18" charset="0"/>
+                              </a:rPr>
+                              <m:t>𝜕</m:t>
+                            </m:r>
+                          </m:e>
+                          <m:sup>
+                            <m:r>
+                              <a:rPr lang="en-CA" b="0" i="1" smtClean="0">
+                                <a:latin typeface="Cambria Math" panose="02040503050406030204" pitchFamily="18" charset="0"/>
+                              </a:rPr>
+                              <m:t>2</m:t>
+                            </m:r>
+                          </m:sup>
+                        </m:sSup>
+                        <m:r>
+                          <a:rPr lang="en-CA" b="0" i="1" smtClean="0">
+                            <a:latin typeface="Cambria Math" panose="02040503050406030204" pitchFamily="18" charset="0"/>
+                          </a:rPr>
+                          <m:t>𝑓</m:t>
+                        </m:r>
+                      </m:num>
+                      <m:den>
+                        <m:r>
+                          <a:rPr lang="en-CA" b="0" i="1" smtClean="0">
+                            <a:latin typeface="Cambria Math" panose="02040503050406030204" pitchFamily="18" charset="0"/>
+                          </a:rPr>
+                          <m:t>𝜕</m:t>
+                        </m:r>
+                        <m:r>
+                          <a:rPr lang="en-CA" b="0" i="1" smtClean="0">
+                            <a:latin typeface="Cambria Math" panose="02040503050406030204" pitchFamily="18" charset="0"/>
+                          </a:rPr>
+                          <m:t>𝑥</m:t>
+                        </m:r>
+                        <m:r>
+                          <a:rPr lang="en-CA" b="0" i="1" smtClean="0">
+                            <a:latin typeface="Cambria Math" panose="02040503050406030204" pitchFamily="18" charset="0"/>
+                          </a:rPr>
+                          <m:t>𝜕</m:t>
+                        </m:r>
+                        <m:r>
+                          <a:rPr lang="en-CA" b="0" i="1" smtClean="0">
+                            <a:latin typeface="Cambria Math" panose="02040503050406030204" pitchFamily="18" charset="0"/>
+                          </a:rPr>
+                          <m:t>𝑡</m:t>
+                        </m:r>
+                      </m:den>
+                    </m:f>
+                    <m:r>
+                      <a:rPr lang="en-CA" b="0" i="1" smtClean="0">
+                        <a:latin typeface="Cambria Math" panose="02040503050406030204" pitchFamily="18" charset="0"/>
+                      </a:rPr>
+                      <m:t>+</m:t>
+                    </m:r>
+                    <m:r>
+                      <a:rPr lang="en-CA" b="0" i="1" smtClean="0">
+                        <a:latin typeface="Cambria Math" panose="02040503050406030204" pitchFamily="18" charset="0"/>
+                      </a:rPr>
+                      <m:t>𝐶</m:t>
+                    </m:r>
+                    <m:f>
+                      <m:fPr>
+                        <m:ctrlPr>
+                          <a:rPr lang="en-CA" b="0" i="1" smtClean="0">
+                            <a:latin typeface="Cambria Math" panose="02040503050406030204" pitchFamily="18" charset="0"/>
+                          </a:rPr>
+                        </m:ctrlPr>
+                      </m:fPr>
+                      <m:num>
+                        <m:sSup>
+                          <m:sSupPr>
+                            <m:ctrlPr>
+                              <a:rPr lang="en-CA" b="0" i="1" smtClean="0">
+                                <a:latin typeface="Cambria Math" panose="02040503050406030204" pitchFamily="18" charset="0"/>
+                              </a:rPr>
+                            </m:ctrlPr>
+                          </m:sSupPr>
+                          <m:e>
+                            <m:r>
+                              <a:rPr lang="en-CA" b="0" i="1" smtClean="0">
+                                <a:latin typeface="Cambria Math" panose="02040503050406030204" pitchFamily="18" charset="0"/>
+                              </a:rPr>
+                              <m:t>𝜕</m:t>
+                            </m:r>
+                          </m:e>
+                          <m:sup>
+                            <m:r>
+                              <a:rPr lang="en-CA" b="0" i="1" smtClean="0">
+                                <a:latin typeface="Cambria Math" panose="02040503050406030204" pitchFamily="18" charset="0"/>
+                              </a:rPr>
+                              <m:t>2</m:t>
+                            </m:r>
+                          </m:sup>
+                        </m:sSup>
+                        <m:r>
+                          <a:rPr lang="en-CA" b="0" i="1" smtClean="0">
+                            <a:latin typeface="Cambria Math" panose="02040503050406030204" pitchFamily="18" charset="0"/>
+                          </a:rPr>
+                          <m:t>𝑓</m:t>
+                        </m:r>
+                      </m:num>
+                      <m:den>
+                        <m:r>
+                          <a:rPr lang="en-CA" b="0" i="1" smtClean="0">
+                            <a:latin typeface="Cambria Math" panose="02040503050406030204" pitchFamily="18" charset="0"/>
+                          </a:rPr>
+                          <m:t>𝜕</m:t>
+                        </m:r>
+                        <m:sSup>
+                          <m:sSupPr>
+                            <m:ctrlPr>
+                              <a:rPr lang="en-CA" b="0" i="1" smtClean="0">
+                                <a:latin typeface="Cambria Math" panose="02040503050406030204" pitchFamily="18" charset="0"/>
+                              </a:rPr>
+                            </m:ctrlPr>
+                          </m:sSupPr>
+                          <m:e>
+                            <m:r>
+                              <a:rPr lang="en-CA" b="0" i="1" smtClean="0">
+                                <a:latin typeface="Cambria Math" panose="02040503050406030204" pitchFamily="18" charset="0"/>
+                              </a:rPr>
+                              <m:t>𝑡</m:t>
+                            </m:r>
+                          </m:e>
+                          <m:sup>
+                            <m:r>
+                              <a:rPr lang="en-CA" b="0" i="1" smtClean="0">
+                                <a:latin typeface="Cambria Math" panose="02040503050406030204" pitchFamily="18" charset="0"/>
+                              </a:rPr>
+                              <m:t>2</m:t>
+                            </m:r>
+                          </m:sup>
+                        </m:sSup>
+                      </m:den>
+                    </m:f>
+                    <m:r>
+                      <a:rPr lang="en-CA" b="0" i="1" smtClean="0">
+                        <a:latin typeface="Cambria Math" panose="02040503050406030204" pitchFamily="18" charset="0"/>
+                      </a:rPr>
+                      <m:t>=0</m:t>
+                    </m:r>
+                  </m:oMath>
                 </a14:m>
                 <a:endParaRPr lang="en-CA" b="0" dirty="0"/>
               </a:p>
@@ -6720,7 +11127,7 @@
               <a:p>
                 <a:r>
                   <a:rPr lang="en-CA" dirty="0"/>
-                  <a:t>Si EC &lt;0 : EDP </a:t>
+                  <a:t>Si EC &lt; 0 : EDP </a:t>
                 </a:r>
                 <a:r>
                   <a:rPr lang="en-CA" dirty="0" err="1"/>
@@ -6731,7 +11138,7 @@
               <a:p>
                 <a:r>
                   <a:rPr lang="en-CA" dirty="0"/>
-                  <a:t>Si EC =0 : EDP </a:t>
+                  <a:t>Si EC = 0 : EDP </a:t>
                 </a:r>
                 <a:r>
                   <a:rPr lang="en-CA" dirty="0" err="1"/>
@@ -6742,7 +11149,7 @@
               <a:p>
                 <a:r>
                   <a:rPr lang="en-CA" dirty="0"/>
-                  <a:t>Si EC &gt;0 : EDP </a:t>
+                  <a:t>Si EC &gt; 0 : EDP </a:t>
                 </a:r>
                 <a:r>
                   <a:rPr lang="en-CA" dirty="0" err="1"/>
@@ -7139,7 +11546,7 @@
                         <a:rPr lang="en-CA" b="0" i="1" smtClean="0">
                           <a:latin typeface="Cambria Math" panose="02040503050406030204" pitchFamily="18" charset="0"/>
                         </a:rPr>
-                        <m:t>=0−0</m:t>
+                        <m:t>=0−4∗0∗</m:t>
                       </m:r>
                       <m:d>
                         <m:dPr>
@@ -7215,7 +11622,7 @@
             </p:txBody>
           </p:sp>
         </mc:Choice>
-        <mc:Fallback>
+        <mc:Fallback xmlns="">
           <p:sp>
             <p:nvSpPr>
               <p:cNvPr id="3" name="Content Placeholder 2">
@@ -7234,13 +11641,13 @@
             </p:nvSpPr>
             <p:spPr>
               <a:xfrm>
-                <a:off x="838200" y="1386347"/>
-                <a:ext cx="10515600" cy="4987260"/>
+                <a:off x="838200" y="1543665"/>
+                <a:ext cx="10515600" cy="4829942"/>
               </a:xfrm>
               <a:blipFill>
                 <a:blip r:embed="rId2"/>
                 <a:stretch>
-                  <a:fillRect l="-232" t="-1221"/>
+                  <a:fillRect l="-232" t="-1261"/>
                 </a:stretch>
               </a:blipFill>
             </p:spPr>
@@ -7313,27 +11720,27 @@
           <a:lstStyle/>
           <a:p>
             <a:r>
-              <a:rPr lang="en-CA" dirty="0"/>
+              <a:rPr lang="en-CA" sz="4000" dirty="0"/>
               <a:t>A-b) Dimension du </a:t>
             </a:r>
             <a:r>
-              <a:rPr lang="en-CA" dirty="0" err="1"/>
+              <a:rPr lang="en-CA" sz="4000" dirty="0" err="1"/>
               <a:t>problème</a:t>
             </a:r>
             <a:r>
-              <a:rPr lang="en-CA" dirty="0"/>
+              <a:rPr lang="en-CA" sz="4000" dirty="0"/>
               <a:t> et  </a:t>
             </a:r>
             <a:r>
-              <a:rPr lang="en-CA" dirty="0" err="1"/>
+              <a:rPr lang="en-CA" sz="4000" dirty="0" err="1"/>
               <a:t>symétrie</a:t>
             </a:r>
-            <a:endParaRPr lang="en-CA" dirty="0"/>
+            <a:endParaRPr lang="en-CA" sz="4000" dirty="0"/>
           </a:p>
         </p:txBody>
       </p:sp>
-      <mc:AlternateContent xmlns:mc="http://schemas.openxmlformats.org/markup-compatibility/2006">
-        <mc:Choice xmlns:a14="http://schemas.microsoft.com/office/drawing/2010/main" Requires="a14">
+      <mc:AlternateContent xmlns:mc="http://schemas.openxmlformats.org/markup-compatibility/2006" xmlns:a14="http://schemas.microsoft.com/office/drawing/2010/main">
+        <mc:Choice Requires="a14">
           <p:sp>
             <p:nvSpPr>
               <p:cNvPr id="3" name="Content Placeholder 2">
@@ -8490,7 +12897,7 @@
             </p:txBody>
           </p:sp>
         </mc:Choice>
-        <mc:Fallback>
+        <mc:Fallback xmlns="">
           <p:sp>
             <p:nvSpPr>
               <p:cNvPr id="3" name="Content Placeholder 2">
@@ -8582,24 +12989,546 @@
         </p:nvSpPr>
         <p:spPr/>
         <p:txBody>
-          <a:bodyPr/>
+          <a:bodyPr>
+            <a:normAutofit/>
+          </a:bodyPr>
           <a:lstStyle/>
           <a:p>
             <a:r>
-              <a:rPr lang="en-CA" dirty="0"/>
+              <a:rPr lang="en-CA" sz="4000" dirty="0"/>
               <a:t>A-c) </a:t>
             </a:r>
             <a:r>
-              <a:rPr lang="en-CA" dirty="0" err="1"/>
+              <a:rPr lang="en-CA" sz="4000" dirty="0" err="1"/>
               <a:t>Discrétisation</a:t>
             </a:r>
             <a:r>
-              <a:rPr lang="en-CA" dirty="0"/>
+              <a:rPr lang="en-CA" sz="4000" dirty="0"/>
               <a:t> du </a:t>
             </a:r>
             <a:r>
-              <a:rPr lang="en-CA" dirty="0" err="1"/>
+              <a:rPr lang="en-CA" sz="4000" dirty="0" err="1"/>
               <a:t>domaine</a:t>
+            </a:r>
+            <a:endParaRPr lang="en-CA" sz="4000" dirty="0"/>
+          </a:p>
+        </p:txBody>
+      </p:sp>
+      <mc:AlternateContent xmlns:mc="http://schemas.openxmlformats.org/markup-compatibility/2006" xmlns:a14="http://schemas.microsoft.com/office/drawing/2010/main">
+        <mc:Choice Requires="a14">
+          <p:sp>
+            <p:nvSpPr>
+              <p:cNvPr id="3" name="Content Placeholder 2">
+                <a:extLst>
+                  <a:ext uri="{FF2B5EF4-FFF2-40B4-BE49-F238E27FC236}">
+                    <a16:creationId xmlns:a16="http://schemas.microsoft.com/office/drawing/2014/main" id="{A288ADA9-69BB-35AD-3B5E-4F651B79D01C}"/>
+                  </a:ext>
+                </a:extLst>
+              </p:cNvPr>
+              <p:cNvSpPr>
+                <a:spLocks noGrp="1"/>
+              </p:cNvSpPr>
+              <p:nvPr>
+                <p:ph idx="1"/>
+              </p:nvPr>
+            </p:nvSpPr>
+            <p:spPr>
+              <a:xfrm>
+                <a:off x="838200" y="1550322"/>
+                <a:ext cx="10515600" cy="947072"/>
+              </a:xfrm>
+            </p:spPr>
+            <p:txBody>
+              <a:bodyPr/>
+              <a:lstStyle/>
+              <a:p>
+                <a:pPr marL="0" indent="0">
+                  <a:buNone/>
+                </a:pPr>
+                <a:r>
+                  <a:rPr lang="en-CA" dirty="0"/>
+                  <a:t>A cause de </a:t>
+                </a:r>
+                <a:r>
+                  <a:rPr lang="en-CA" dirty="0" err="1"/>
+                  <a:t>l’axisymétrie</a:t>
+                </a:r>
+                <a:r>
+                  <a:rPr lang="en-CA" dirty="0"/>
+                  <a:t>, et </a:t>
+                </a:r>
+                <a:r>
+                  <a:rPr lang="en-CA" dirty="0" err="1"/>
+                  <a:t>l’unidimensionnalité</a:t>
+                </a:r>
+                <a:r>
+                  <a:rPr lang="en-CA" dirty="0"/>
+                  <a:t> du </a:t>
+                </a:r>
+                <a:r>
+                  <a:rPr lang="en-CA" dirty="0" err="1"/>
+                  <a:t>problème</a:t>
+                </a:r>
+                <a:r>
+                  <a:rPr lang="en-CA" dirty="0"/>
+                  <a:t>, le </a:t>
+                </a:r>
+                <a:r>
+                  <a:rPr lang="en-CA" dirty="0" err="1"/>
+                  <a:t>domaine</a:t>
+                </a:r>
+                <a:r>
+                  <a:rPr lang="en-CA" dirty="0"/>
+                  <a:t> </a:t>
+                </a:r>
+                <a:r>
+                  <a:rPr lang="en-CA" dirty="0" err="1"/>
+                  <a:t>est</a:t>
+                </a:r>
+                <a:r>
+                  <a:rPr lang="en-CA" dirty="0"/>
+                  <a:t> </a:t>
+                </a:r>
+                <a14:m>
+                  <m:oMath xmlns:m="http://schemas.openxmlformats.org/officeDocument/2006/math">
+                    <m:r>
+                      <a:rPr lang="en-US" b="0" i="1" smtClean="0">
+                        <a:latin typeface="Cambria Math" panose="02040503050406030204" pitchFamily="18" charset="0"/>
+                      </a:rPr>
+                      <m:t>𝑟</m:t>
+                    </m:r>
+                    <m:r>
+                      <a:rPr lang="en-US" b="0" i="1" smtClean="0">
+                        <a:latin typeface="Cambria Math" panose="02040503050406030204" pitchFamily="18" charset="0"/>
+                      </a:rPr>
+                      <m:t>∈[0,</m:t>
+                    </m:r>
+                    <m:r>
+                      <a:rPr lang="en-US" b="0" i="1" smtClean="0">
+                        <a:latin typeface="Cambria Math" panose="02040503050406030204" pitchFamily="18" charset="0"/>
+                      </a:rPr>
+                      <m:t>𝑅</m:t>
+                    </m:r>
+                    <m:r>
+                      <a:rPr lang="en-US" b="0" i="1" smtClean="0">
+                        <a:latin typeface="Cambria Math" panose="02040503050406030204" pitchFamily="18" charset="0"/>
+                      </a:rPr>
+                      <m:t>]</m:t>
+                    </m:r>
+                  </m:oMath>
+                </a14:m>
+                <a:r>
+                  <a:rPr lang="en-CA" dirty="0"/>
+                  <a:t> avec R=1m. </a:t>
+                </a:r>
+                <a:r>
+                  <a:rPr lang="en-CA" dirty="0" err="1"/>
+                  <a:t>D’où</a:t>
+                </a:r>
+                <a:r>
+                  <a:rPr lang="en-CA" dirty="0"/>
+                  <a:t> la </a:t>
+                </a:r>
+                <a:r>
+                  <a:rPr lang="en-CA" dirty="0" err="1"/>
+                  <a:t>discrétisation</a:t>
+                </a:r>
+                <a:r>
+                  <a:rPr lang="en-CA" dirty="0"/>
+                  <a:t>:</a:t>
+                </a:r>
+              </a:p>
+            </p:txBody>
+          </p:sp>
+        </mc:Choice>
+        <mc:Fallback xmlns="">
+          <p:sp>
+            <p:nvSpPr>
+              <p:cNvPr id="3" name="Content Placeholder 2">
+                <a:extLst>
+                  <a:ext uri="{FF2B5EF4-FFF2-40B4-BE49-F238E27FC236}">
+                    <a16:creationId xmlns:a16="http://schemas.microsoft.com/office/drawing/2014/main" id="{A288ADA9-69BB-35AD-3B5E-4F651B79D01C}"/>
+                  </a:ext>
+                </a:extLst>
+              </p:cNvPr>
+              <p:cNvSpPr>
+                <a:spLocks noGrp="1" noRot="1" noChangeAspect="1" noMove="1" noResize="1" noEditPoints="1" noAdjustHandles="1" noChangeArrowheads="1" noChangeShapeType="1" noTextEdit="1"/>
+              </p:cNvSpPr>
+              <p:nvPr>
+                <p:ph idx="1"/>
+              </p:nvPr>
+            </p:nvSpPr>
+            <p:spPr>
+              <a:xfrm>
+                <a:off x="838200" y="1550322"/>
+                <a:ext cx="10515600" cy="947072"/>
+              </a:xfrm>
+              <a:blipFill>
+                <a:blip r:embed="rId2"/>
+                <a:stretch>
+                  <a:fillRect l="-1217" t="-10897" b="-8333"/>
+                </a:stretch>
+              </a:blipFill>
+            </p:spPr>
+            <p:txBody>
+              <a:bodyPr/>
+              <a:lstStyle/>
+              <a:p>
+                <a:r>
+                  <a:rPr lang="en-CA">
+                    <a:noFill/>
+                  </a:rPr>
+                  <a:t> </a:t>
+                </a:r>
+              </a:p>
+            </p:txBody>
+          </p:sp>
+        </mc:Fallback>
+      </mc:AlternateContent>
+      <p:sp>
+        <p:nvSpPr>
+          <p:cNvPr id="4" name="Oval 3">
+            <a:extLst>
+              <a:ext uri="{FF2B5EF4-FFF2-40B4-BE49-F238E27FC236}">
+                <a16:creationId xmlns:a16="http://schemas.microsoft.com/office/drawing/2014/main" id="{216AF41A-CB93-8178-E01E-30B8BAA55803}"/>
+              </a:ext>
+            </a:extLst>
+          </p:cNvPr>
+          <p:cNvSpPr/>
+          <p:nvPr/>
+        </p:nvSpPr>
+        <p:spPr>
+          <a:xfrm>
+            <a:off x="3637935" y="2497394"/>
+            <a:ext cx="4041058" cy="4041058"/>
+          </a:xfrm>
+          <a:prstGeom prst="ellipse">
+            <a:avLst/>
+          </a:prstGeom>
+        </p:spPr>
+        <p:style>
+          <a:lnRef idx="2">
+            <a:schemeClr val="accent1"/>
+          </a:lnRef>
+          <a:fillRef idx="1">
+            <a:schemeClr val="lt1"/>
+          </a:fillRef>
+          <a:effectRef idx="0">
+            <a:schemeClr val="accent1"/>
+          </a:effectRef>
+          <a:fontRef idx="minor">
+            <a:schemeClr val="dk1"/>
+          </a:fontRef>
+        </p:style>
+        <p:txBody>
+          <a:bodyPr rtlCol="0" anchor="ctr"/>
+          <a:lstStyle/>
+          <a:p>
+            <a:pPr algn="ctr"/>
+            <a:endParaRPr lang="en-CA"/>
+          </a:p>
+        </p:txBody>
+      </p:sp>
+      <p:cxnSp>
+        <p:nvCxnSpPr>
+          <p:cNvPr id="6" name="Straight Arrow Connector 5">
+            <a:extLst>
+              <a:ext uri="{FF2B5EF4-FFF2-40B4-BE49-F238E27FC236}">
+                <a16:creationId xmlns:a16="http://schemas.microsoft.com/office/drawing/2014/main" id="{843B6F68-F014-E7C3-620C-F01934B5721F}"/>
+              </a:ext>
+            </a:extLst>
+          </p:cNvPr>
+          <p:cNvCxnSpPr/>
+          <p:nvPr/>
+        </p:nvCxnSpPr>
+        <p:spPr>
+          <a:xfrm>
+            <a:off x="5658464" y="4517923"/>
+            <a:ext cx="3505201" cy="0"/>
+          </a:xfrm>
+          <a:prstGeom prst="straightConnector1">
+            <a:avLst/>
+          </a:prstGeom>
+          <a:ln>
+            <a:tailEnd type="triangle"/>
+          </a:ln>
+        </p:spPr>
+        <p:style>
+          <a:lnRef idx="2">
+            <a:schemeClr val="accent1"/>
+          </a:lnRef>
+          <a:fillRef idx="0">
+            <a:schemeClr val="accent1"/>
+          </a:fillRef>
+          <a:effectRef idx="1">
+            <a:schemeClr val="accent1"/>
+          </a:effectRef>
+          <a:fontRef idx="minor">
+            <a:schemeClr val="tx1"/>
+          </a:fontRef>
+        </p:style>
+      </p:cxnSp>
+      <p:sp>
+        <p:nvSpPr>
+          <p:cNvPr id="7" name="Oval 6">
+            <a:extLst>
+              <a:ext uri="{FF2B5EF4-FFF2-40B4-BE49-F238E27FC236}">
+                <a16:creationId xmlns:a16="http://schemas.microsoft.com/office/drawing/2014/main" id="{243B0658-BF75-B86C-65F1-30C6DA48C0DA}"/>
+              </a:ext>
+            </a:extLst>
+          </p:cNvPr>
+          <p:cNvSpPr/>
+          <p:nvPr/>
+        </p:nvSpPr>
+        <p:spPr>
+          <a:xfrm>
+            <a:off x="5599582" y="4459041"/>
+            <a:ext cx="117764" cy="117764"/>
+          </a:xfrm>
+          <a:prstGeom prst="ellipse">
+            <a:avLst/>
+          </a:prstGeom>
+        </p:spPr>
+        <p:style>
+          <a:lnRef idx="2">
+            <a:schemeClr val="accent1">
+              <a:shade val="15000"/>
+            </a:schemeClr>
+          </a:lnRef>
+          <a:fillRef idx="1">
+            <a:schemeClr val="accent1"/>
+          </a:fillRef>
+          <a:effectRef idx="0">
+            <a:schemeClr val="accent1"/>
+          </a:effectRef>
+          <a:fontRef idx="minor">
+            <a:schemeClr val="lt1"/>
+          </a:fontRef>
+        </p:style>
+        <p:txBody>
+          <a:bodyPr rtlCol="0" anchor="ctr"/>
+          <a:lstStyle/>
+          <a:p>
+            <a:pPr algn="ctr"/>
+            <a:endParaRPr lang="en-CA"/>
+          </a:p>
+        </p:txBody>
+      </p:sp>
+      <p:sp>
+        <p:nvSpPr>
+          <p:cNvPr id="8" name="Oval 7">
+            <a:extLst>
+              <a:ext uri="{FF2B5EF4-FFF2-40B4-BE49-F238E27FC236}">
+                <a16:creationId xmlns:a16="http://schemas.microsoft.com/office/drawing/2014/main" id="{C9D1F5B6-3219-5A1E-A7FB-31C696A28270}"/>
+              </a:ext>
+            </a:extLst>
+          </p:cNvPr>
+          <p:cNvSpPr/>
+          <p:nvPr/>
+        </p:nvSpPr>
+        <p:spPr>
+          <a:xfrm>
+            <a:off x="7620111" y="4459041"/>
+            <a:ext cx="117764" cy="117764"/>
+          </a:xfrm>
+          <a:prstGeom prst="ellipse">
+            <a:avLst/>
+          </a:prstGeom>
+        </p:spPr>
+        <p:style>
+          <a:lnRef idx="2">
+            <a:schemeClr val="accent1">
+              <a:shade val="15000"/>
+            </a:schemeClr>
+          </a:lnRef>
+          <a:fillRef idx="1">
+            <a:schemeClr val="accent1"/>
+          </a:fillRef>
+          <a:effectRef idx="0">
+            <a:schemeClr val="accent1"/>
+          </a:effectRef>
+          <a:fontRef idx="minor">
+            <a:schemeClr val="lt1"/>
+          </a:fontRef>
+        </p:style>
+        <p:txBody>
+          <a:bodyPr rtlCol="0" anchor="ctr"/>
+          <a:lstStyle/>
+          <a:p>
+            <a:pPr algn="ctr"/>
+            <a:endParaRPr lang="en-CA"/>
+          </a:p>
+        </p:txBody>
+      </p:sp>
+      <p:sp>
+        <p:nvSpPr>
+          <p:cNvPr id="9" name="Oval 8">
+            <a:extLst>
+              <a:ext uri="{FF2B5EF4-FFF2-40B4-BE49-F238E27FC236}">
+                <a16:creationId xmlns:a16="http://schemas.microsoft.com/office/drawing/2014/main" id="{57B4549F-B091-6BFB-6F29-4471620DE77C}"/>
+              </a:ext>
+            </a:extLst>
+          </p:cNvPr>
+          <p:cNvSpPr/>
+          <p:nvPr/>
+        </p:nvSpPr>
+        <p:spPr>
+          <a:xfrm>
+            <a:off x="6609846" y="4459041"/>
+            <a:ext cx="117764" cy="117764"/>
+          </a:xfrm>
+          <a:prstGeom prst="ellipse">
+            <a:avLst/>
+          </a:prstGeom>
+        </p:spPr>
+        <p:style>
+          <a:lnRef idx="2">
+            <a:schemeClr val="accent1">
+              <a:shade val="15000"/>
+            </a:schemeClr>
+          </a:lnRef>
+          <a:fillRef idx="1">
+            <a:schemeClr val="accent1"/>
+          </a:fillRef>
+          <a:effectRef idx="0">
+            <a:schemeClr val="accent1"/>
+          </a:effectRef>
+          <a:fontRef idx="minor">
+            <a:schemeClr val="lt1"/>
+          </a:fontRef>
+        </p:style>
+        <p:txBody>
+          <a:bodyPr rtlCol="0" anchor="ctr"/>
+          <a:lstStyle/>
+          <a:p>
+            <a:pPr algn="ctr"/>
+            <a:endParaRPr lang="en-CA"/>
+          </a:p>
+        </p:txBody>
+      </p:sp>
+      <p:sp>
+        <p:nvSpPr>
+          <p:cNvPr id="10" name="Oval 9">
+            <a:extLst>
+              <a:ext uri="{FF2B5EF4-FFF2-40B4-BE49-F238E27FC236}">
+                <a16:creationId xmlns:a16="http://schemas.microsoft.com/office/drawing/2014/main" id="{4B158A76-8642-2705-BFBC-3FA1A0EA7050}"/>
+              </a:ext>
+            </a:extLst>
+          </p:cNvPr>
+          <p:cNvSpPr/>
+          <p:nvPr/>
+        </p:nvSpPr>
+        <p:spPr>
+          <a:xfrm>
+            <a:off x="6104714" y="4459041"/>
+            <a:ext cx="117764" cy="117764"/>
+          </a:xfrm>
+          <a:prstGeom prst="ellipse">
+            <a:avLst/>
+          </a:prstGeom>
+        </p:spPr>
+        <p:style>
+          <a:lnRef idx="2">
+            <a:schemeClr val="accent1">
+              <a:shade val="15000"/>
+            </a:schemeClr>
+          </a:lnRef>
+          <a:fillRef idx="1">
+            <a:schemeClr val="accent1"/>
+          </a:fillRef>
+          <a:effectRef idx="0">
+            <a:schemeClr val="accent1"/>
+          </a:effectRef>
+          <a:fontRef idx="minor">
+            <a:schemeClr val="lt1"/>
+          </a:fontRef>
+        </p:style>
+        <p:txBody>
+          <a:bodyPr rtlCol="0" anchor="ctr"/>
+          <a:lstStyle/>
+          <a:p>
+            <a:pPr algn="ctr"/>
+            <a:endParaRPr lang="en-CA"/>
+          </a:p>
+        </p:txBody>
+      </p:sp>
+      <p:sp>
+        <p:nvSpPr>
+          <p:cNvPr id="11" name="Oval 10">
+            <a:extLst>
+              <a:ext uri="{FF2B5EF4-FFF2-40B4-BE49-F238E27FC236}">
+                <a16:creationId xmlns:a16="http://schemas.microsoft.com/office/drawing/2014/main" id="{0A303E3F-711A-6C06-D255-88807746A908}"/>
+              </a:ext>
+            </a:extLst>
+          </p:cNvPr>
+          <p:cNvSpPr/>
+          <p:nvPr/>
+        </p:nvSpPr>
+        <p:spPr>
+          <a:xfrm>
+            <a:off x="7114978" y="4459041"/>
+            <a:ext cx="117764" cy="117764"/>
+          </a:xfrm>
+          <a:prstGeom prst="ellipse">
+            <a:avLst/>
+          </a:prstGeom>
+        </p:spPr>
+        <p:style>
+          <a:lnRef idx="2">
+            <a:schemeClr val="accent1">
+              <a:shade val="15000"/>
+            </a:schemeClr>
+          </a:lnRef>
+          <a:fillRef idx="1">
+            <a:schemeClr val="accent1"/>
+          </a:fillRef>
+          <a:effectRef idx="0">
+            <a:schemeClr val="accent1"/>
+          </a:effectRef>
+          <a:fontRef idx="minor">
+            <a:schemeClr val="lt1"/>
+          </a:fontRef>
+        </p:style>
+        <p:txBody>
+          <a:bodyPr rtlCol="0" anchor="ctr"/>
+          <a:lstStyle/>
+          <a:p>
+            <a:pPr algn="ctr"/>
+            <a:endParaRPr lang="en-CA"/>
+          </a:p>
+        </p:txBody>
+      </p:sp>
+      <p:sp>
+        <p:nvSpPr>
+          <p:cNvPr id="12" name="TextBox 11">
+            <a:extLst>
+              <a:ext uri="{FF2B5EF4-FFF2-40B4-BE49-F238E27FC236}">
+                <a16:creationId xmlns:a16="http://schemas.microsoft.com/office/drawing/2014/main" id="{8784DC65-6C3E-61E9-0D0E-E165BF9E7734}"/>
+              </a:ext>
+            </a:extLst>
+          </p:cNvPr>
+          <p:cNvSpPr txBox="1"/>
+          <p:nvPr/>
+        </p:nvSpPr>
+        <p:spPr>
+          <a:xfrm>
+            <a:off x="9146571" y="4333257"/>
+            <a:ext cx="482562" cy="369332"/>
+          </a:xfrm>
+          <a:prstGeom prst="rect">
+            <a:avLst/>
+          </a:prstGeom>
+          <a:noFill/>
+        </p:spPr>
+        <p:txBody>
+          <a:bodyPr wrap="square" rtlCol="0">
+            <a:spAutoFit/>
+          </a:bodyPr>
+          <a:lstStyle/>
+          <a:p>
+            <a:r>
+              <a:rPr lang="en-US" dirty="0"/>
+              <a:t>r</a:t>
             </a:r>
             <a:endParaRPr lang="en-CA" dirty="0"/>
           </a:p>
@@ -8607,105 +13536,448 @@
       </p:sp>
       <p:sp>
         <p:nvSpPr>
-          <p:cNvPr id="3" name="Content Placeholder 2">
+          <p:cNvPr id="13" name="TextBox 12">
             <a:extLst>
               <a:ext uri="{FF2B5EF4-FFF2-40B4-BE49-F238E27FC236}">
-                <a16:creationId xmlns:a16="http://schemas.microsoft.com/office/drawing/2014/main" id="{A288ADA9-69BB-35AD-3B5E-4F651B79D01C}"/>
+                <a16:creationId xmlns:a16="http://schemas.microsoft.com/office/drawing/2014/main" id="{E09B3318-E873-2E6A-CEEC-CB7267227DD8}"/>
               </a:ext>
             </a:extLst>
           </p:cNvPr>
-          <p:cNvSpPr>
-            <a:spLocks noGrp="1"/>
-          </p:cNvSpPr>
-          <p:nvPr>
-            <p:ph idx="1"/>
-          </p:nvPr>
+          <p:cNvSpPr txBox="1"/>
+          <p:nvPr/>
         </p:nvSpPr>
-        <p:spPr/>
+        <p:spPr>
+          <a:xfrm>
+            <a:off x="5396461" y="4576805"/>
+            <a:ext cx="482562" cy="261610"/>
+          </a:xfrm>
+          <a:prstGeom prst="rect">
+            <a:avLst/>
+          </a:prstGeom>
+          <a:noFill/>
+        </p:spPr>
         <p:txBody>
-          <a:bodyPr/>
+          <a:bodyPr wrap="square" rtlCol="0">
+            <a:spAutoFit/>
+          </a:bodyPr>
+          <a:lstStyle/>
+          <a:p>
+            <a:pPr algn="ctr"/>
+            <a:r>
+              <a:rPr lang="en-US" sz="1100" dirty="0"/>
+              <a:t>r1=0</a:t>
+            </a:r>
+            <a:endParaRPr lang="en-CA" sz="1100" dirty="0"/>
+          </a:p>
+        </p:txBody>
+      </p:sp>
+      <p:sp>
+        <p:nvSpPr>
+          <p:cNvPr id="15" name="TextBox 14">
+            <a:extLst>
+              <a:ext uri="{FF2B5EF4-FFF2-40B4-BE49-F238E27FC236}">
+                <a16:creationId xmlns:a16="http://schemas.microsoft.com/office/drawing/2014/main" id="{6F204BA9-04B4-85AF-B83C-4A867E95F100}"/>
+              </a:ext>
+            </a:extLst>
+          </p:cNvPr>
+          <p:cNvSpPr txBox="1"/>
+          <p:nvPr/>
+        </p:nvSpPr>
+        <p:spPr>
+          <a:xfrm>
+            <a:off x="5837463" y="4576805"/>
+            <a:ext cx="650562" cy="261610"/>
+          </a:xfrm>
+          <a:prstGeom prst="rect">
+            <a:avLst/>
+          </a:prstGeom>
+          <a:noFill/>
+        </p:spPr>
+        <p:txBody>
+          <a:bodyPr wrap="square" rtlCol="0">
+            <a:spAutoFit/>
+          </a:bodyPr>
+          <a:lstStyle/>
+          <a:p>
+            <a:pPr algn="ctr"/>
+            <a:r>
+              <a:rPr lang="en-US" sz="1100" dirty="0"/>
+              <a:t>r2=0.25</a:t>
+            </a:r>
+            <a:endParaRPr lang="en-CA" sz="1100" dirty="0"/>
+          </a:p>
+        </p:txBody>
+      </p:sp>
+      <p:sp>
+        <p:nvSpPr>
+          <p:cNvPr id="16" name="TextBox 15">
+            <a:extLst>
+              <a:ext uri="{FF2B5EF4-FFF2-40B4-BE49-F238E27FC236}">
+                <a16:creationId xmlns:a16="http://schemas.microsoft.com/office/drawing/2014/main" id="{184ED807-0A71-5AC3-7381-905C827CAFFC}"/>
+              </a:ext>
+            </a:extLst>
+          </p:cNvPr>
+          <p:cNvSpPr txBox="1"/>
+          <p:nvPr/>
+        </p:nvSpPr>
+        <p:spPr>
+          <a:xfrm>
+            <a:off x="6395836" y="4586910"/>
+            <a:ext cx="568034" cy="261610"/>
+          </a:xfrm>
+          <a:prstGeom prst="rect">
+            <a:avLst/>
+          </a:prstGeom>
+          <a:noFill/>
+        </p:spPr>
+        <p:txBody>
+          <a:bodyPr wrap="square" rtlCol="0">
+            <a:spAutoFit/>
+          </a:bodyPr>
+          <a:lstStyle/>
+          <a:p>
+            <a:pPr algn="ctr"/>
+            <a:r>
+              <a:rPr lang="en-US" sz="1100" dirty="0"/>
+              <a:t>r3=0.5</a:t>
+            </a:r>
+            <a:endParaRPr lang="en-CA" sz="1100" dirty="0"/>
+          </a:p>
+        </p:txBody>
+      </p:sp>
+      <p:sp>
+        <p:nvSpPr>
+          <p:cNvPr id="17" name="TextBox 16">
+            <a:extLst>
+              <a:ext uri="{FF2B5EF4-FFF2-40B4-BE49-F238E27FC236}">
+                <a16:creationId xmlns:a16="http://schemas.microsoft.com/office/drawing/2014/main" id="{788E24B3-A210-F515-62DA-A74E4BE73812}"/>
+              </a:ext>
+            </a:extLst>
+          </p:cNvPr>
+          <p:cNvSpPr txBox="1"/>
+          <p:nvPr/>
+        </p:nvSpPr>
+        <p:spPr>
+          <a:xfrm>
+            <a:off x="6882915" y="4571784"/>
+            <a:ext cx="678313" cy="261610"/>
+          </a:xfrm>
+          <a:prstGeom prst="rect">
+            <a:avLst/>
+          </a:prstGeom>
+          <a:noFill/>
+        </p:spPr>
+        <p:txBody>
+          <a:bodyPr wrap="square" rtlCol="0">
+            <a:spAutoFit/>
+          </a:bodyPr>
           <a:lstStyle/>
           <a:p>
             <a:r>
-              <a:rPr lang="fr-FR" dirty="0"/>
-              <a:t>c. présenter en conséquence une discrétisation du domaine en </a:t>
+              <a:rPr lang="en-US" sz="1100" dirty="0"/>
+              <a:t>r4=0.75</a:t>
             </a:r>
+            <a:endParaRPr lang="en-CA" sz="1100" dirty="0"/>
+          </a:p>
+        </p:txBody>
+      </p:sp>
+      <p:sp>
+        <p:nvSpPr>
+          <p:cNvPr id="18" name="TextBox 17">
+            <a:extLst>
+              <a:ext uri="{FF2B5EF4-FFF2-40B4-BE49-F238E27FC236}">
+                <a16:creationId xmlns:a16="http://schemas.microsoft.com/office/drawing/2014/main" id="{576F252F-775C-9036-C0CB-6CD620D03D97}"/>
+              </a:ext>
+            </a:extLst>
+          </p:cNvPr>
+          <p:cNvSpPr txBox="1"/>
+          <p:nvPr/>
+        </p:nvSpPr>
+        <p:spPr>
+          <a:xfrm>
+            <a:off x="7627633" y="4571784"/>
+            <a:ext cx="568034" cy="261610"/>
+          </a:xfrm>
+          <a:prstGeom prst="rect">
+            <a:avLst/>
+          </a:prstGeom>
+          <a:noFill/>
+        </p:spPr>
+        <p:txBody>
+          <a:bodyPr wrap="square" rtlCol="0">
+            <a:spAutoFit/>
+          </a:bodyPr>
+          <a:lstStyle/>
+          <a:p>
             <a:r>
-              <a:rPr lang="fr-FR" dirty="0" err="1"/>
-              <a:t>Ntot</a:t>
+              <a:rPr lang="en-US" sz="1100" dirty="0"/>
+              <a:t>r5=1</a:t>
             </a:r>
+            <a:endParaRPr lang="en-CA" sz="1100" dirty="0"/>
+          </a:p>
+        </p:txBody>
+      </p:sp>
+      <p:sp>
+        <p:nvSpPr>
+          <p:cNvPr id="19" name="TextBox 18">
+            <a:extLst>
+              <a:ext uri="{FF2B5EF4-FFF2-40B4-BE49-F238E27FC236}">
+                <a16:creationId xmlns:a16="http://schemas.microsoft.com/office/drawing/2014/main" id="{5E9BF3A9-E225-C6E6-0BC7-1C03568ABF3D}"/>
+              </a:ext>
+            </a:extLst>
+          </p:cNvPr>
+          <p:cNvSpPr txBox="1"/>
+          <p:nvPr/>
+        </p:nvSpPr>
+        <p:spPr>
+          <a:xfrm>
+            <a:off x="5411769" y="4149261"/>
+            <a:ext cx="482562" cy="261610"/>
+          </a:xfrm>
+          <a:prstGeom prst="rect">
+            <a:avLst/>
+          </a:prstGeom>
+          <a:noFill/>
+        </p:spPr>
+        <p:txBody>
+          <a:bodyPr wrap="square" rtlCol="0">
+            <a:spAutoFit/>
+          </a:bodyPr>
+          <a:lstStyle/>
+          <a:p>
+            <a:pPr algn="ctr"/>
             <a:r>
-              <a:rPr lang="fr-FR" dirty="0"/>
-              <a:t>=5 nœuds (faire un schéma et montrer la position exacte de tous les nœuds) tout en veillant à minimiser la taille des intervalles dans le but de maximiser la précision. Préciser la taille des intervalles choisis</a:t>
+              <a:rPr lang="en-US" sz="1100" dirty="0"/>
+              <a:t>1</a:t>
             </a:r>
-            <a:endParaRPr lang="en-CA" dirty="0"/>
+            <a:endParaRPr lang="en-CA" sz="1100" dirty="0"/>
           </a:p>
+        </p:txBody>
+      </p:sp>
+      <p:sp>
+        <p:nvSpPr>
+          <p:cNvPr id="20" name="TextBox 19">
+            <a:extLst>
+              <a:ext uri="{FF2B5EF4-FFF2-40B4-BE49-F238E27FC236}">
+                <a16:creationId xmlns:a16="http://schemas.microsoft.com/office/drawing/2014/main" id="{4C3C64CF-F327-601A-1F07-CE5C72D9CC7D}"/>
+              </a:ext>
+            </a:extLst>
+          </p:cNvPr>
+          <p:cNvSpPr txBox="1"/>
+          <p:nvPr/>
+        </p:nvSpPr>
+        <p:spPr>
+          <a:xfrm>
+            <a:off x="5873556" y="4142334"/>
+            <a:ext cx="568034" cy="261610"/>
+          </a:xfrm>
+          <a:prstGeom prst="rect">
+            <a:avLst/>
+          </a:prstGeom>
+          <a:noFill/>
+        </p:spPr>
+        <p:txBody>
+          <a:bodyPr wrap="square" rtlCol="0">
+            <a:spAutoFit/>
+          </a:bodyPr>
+          <a:lstStyle/>
           <a:p>
-            <a:endParaRPr lang="en-CA" dirty="0"/>
+            <a:pPr algn="ctr"/>
+            <a:r>
+              <a:rPr lang="en-US" sz="1100" dirty="0"/>
+              <a:t>2</a:t>
+            </a:r>
+            <a:endParaRPr lang="en-CA" sz="1100" dirty="0"/>
           </a:p>
+        </p:txBody>
+      </p:sp>
+      <p:sp>
+        <p:nvSpPr>
+          <p:cNvPr id="21" name="TextBox 20">
+            <a:extLst>
+              <a:ext uri="{FF2B5EF4-FFF2-40B4-BE49-F238E27FC236}">
+                <a16:creationId xmlns:a16="http://schemas.microsoft.com/office/drawing/2014/main" id="{CF1B165E-0988-8C39-1B8E-B2AAF5C88114}"/>
+              </a:ext>
+            </a:extLst>
+          </p:cNvPr>
+          <p:cNvSpPr txBox="1"/>
+          <p:nvPr/>
+        </p:nvSpPr>
+        <p:spPr>
+          <a:xfrm>
+            <a:off x="6376513" y="4152439"/>
+            <a:ext cx="568034" cy="261610"/>
+          </a:xfrm>
+          <a:prstGeom prst="rect">
+            <a:avLst/>
+          </a:prstGeom>
+          <a:noFill/>
+        </p:spPr>
+        <p:txBody>
+          <a:bodyPr wrap="square" rtlCol="0">
+            <a:spAutoFit/>
+          </a:bodyPr>
+          <a:lstStyle/>
           <a:p>
-            <a:endParaRPr lang="en-CA" dirty="0"/>
+            <a:pPr algn="ctr"/>
+            <a:r>
+              <a:rPr lang="en-US" sz="1100" dirty="0"/>
+              <a:t>3</a:t>
+            </a:r>
+            <a:endParaRPr lang="en-CA" sz="1100" dirty="0"/>
           </a:p>
+        </p:txBody>
+      </p:sp>
+      <p:sp>
+        <p:nvSpPr>
+          <p:cNvPr id="22" name="TextBox 21">
+            <a:extLst>
+              <a:ext uri="{FF2B5EF4-FFF2-40B4-BE49-F238E27FC236}">
+                <a16:creationId xmlns:a16="http://schemas.microsoft.com/office/drawing/2014/main" id="{F3B0DDF4-DDF6-FA9F-F814-752620D83C50}"/>
+              </a:ext>
+            </a:extLst>
+          </p:cNvPr>
+          <p:cNvSpPr txBox="1"/>
+          <p:nvPr/>
+        </p:nvSpPr>
+        <p:spPr>
+          <a:xfrm>
+            <a:off x="6863593" y="4137313"/>
+            <a:ext cx="568034" cy="261610"/>
+          </a:xfrm>
+          <a:prstGeom prst="rect">
+            <a:avLst/>
+          </a:prstGeom>
+          <a:noFill/>
+        </p:spPr>
+        <p:txBody>
+          <a:bodyPr wrap="square" rtlCol="0">
+            <a:spAutoFit/>
+          </a:bodyPr>
+          <a:lstStyle/>
           <a:p>
-            <a:pPr marL="0" indent="0">
-              <a:buNone/>
-            </a:pPr>
+            <a:pPr algn="ctr"/>
             <a:r>
-              <a:rPr lang="en-CA" dirty="0">
-                <a:highlight>
-                  <a:srgbClr val="FFFF00"/>
-                </a:highlight>
-              </a:rPr>
-              <a:t>&gt;&gt;&gt; schema à faire: cercle avec 5 </a:t>
+              <a:rPr lang="en-US" sz="1100" dirty="0"/>
+              <a:t>4</a:t>
             </a:r>
+            <a:endParaRPr lang="en-CA" sz="1100" dirty="0"/>
+          </a:p>
+        </p:txBody>
+      </p:sp>
+      <p:sp>
+        <p:nvSpPr>
+          <p:cNvPr id="23" name="TextBox 22">
+            <a:extLst>
+              <a:ext uri="{FF2B5EF4-FFF2-40B4-BE49-F238E27FC236}">
+                <a16:creationId xmlns:a16="http://schemas.microsoft.com/office/drawing/2014/main" id="{C643983C-B988-03EA-FE29-2A044F249A2F}"/>
+              </a:ext>
+            </a:extLst>
+          </p:cNvPr>
+          <p:cNvSpPr txBox="1"/>
+          <p:nvPr/>
+        </p:nvSpPr>
+        <p:spPr>
+          <a:xfrm>
+            <a:off x="7303027" y="4142793"/>
+            <a:ext cx="568034" cy="261610"/>
+          </a:xfrm>
+          <a:prstGeom prst="rect">
+            <a:avLst/>
+          </a:prstGeom>
+          <a:noFill/>
+        </p:spPr>
+        <p:txBody>
+          <a:bodyPr wrap="square" rtlCol="0">
+            <a:spAutoFit/>
+          </a:bodyPr>
+          <a:lstStyle/>
+          <a:p>
+            <a:pPr algn="ctr"/>
             <a:r>
-              <a:rPr lang="en-CA" dirty="0" err="1">
-                <a:highlight>
-                  <a:srgbClr val="FFFF00"/>
-                </a:highlight>
-              </a:rPr>
-              <a:t>noeuds</a:t>
+              <a:rPr lang="en-US" sz="1100" dirty="0"/>
+              <a:t>5</a:t>
             </a:r>
+            <a:endParaRPr lang="en-CA" sz="1100" dirty="0"/>
+          </a:p>
+        </p:txBody>
+      </p:sp>
+      <p:cxnSp>
+        <p:nvCxnSpPr>
+          <p:cNvPr id="25" name="Straight Arrow Connector 24">
+            <a:extLst>
+              <a:ext uri="{FF2B5EF4-FFF2-40B4-BE49-F238E27FC236}">
+                <a16:creationId xmlns:a16="http://schemas.microsoft.com/office/drawing/2014/main" id="{E83DD17F-81B4-6D18-62E5-F2DC1331DF27}"/>
+              </a:ext>
+            </a:extLst>
+          </p:cNvPr>
+          <p:cNvCxnSpPr>
+            <a:stCxn id="7" idx="0"/>
+            <a:endCxn id="4" idx="1"/>
+          </p:cNvCxnSpPr>
+          <p:nvPr/>
+        </p:nvCxnSpPr>
+        <p:spPr>
+          <a:xfrm flipH="1" flipV="1">
+            <a:off x="4229734" y="3089193"/>
+            <a:ext cx="1428730" cy="1369848"/>
+          </a:xfrm>
+          <a:prstGeom prst="straightConnector1">
+            <a:avLst/>
+          </a:prstGeom>
+          <a:ln>
+            <a:headEnd type="triangle"/>
+            <a:tailEnd type="triangle"/>
+          </a:ln>
+        </p:spPr>
+        <p:style>
+          <a:lnRef idx="2">
+            <a:schemeClr val="accent1"/>
+          </a:lnRef>
+          <a:fillRef idx="0">
+            <a:schemeClr val="accent1"/>
+          </a:fillRef>
+          <a:effectRef idx="1">
+            <a:schemeClr val="accent1"/>
+          </a:effectRef>
+          <a:fontRef idx="minor">
+            <a:schemeClr val="tx1"/>
+          </a:fontRef>
+        </p:style>
+      </p:cxnSp>
+      <p:sp>
+        <p:nvSpPr>
+          <p:cNvPr id="26" name="TextBox 25">
+            <a:extLst>
+              <a:ext uri="{FF2B5EF4-FFF2-40B4-BE49-F238E27FC236}">
+                <a16:creationId xmlns:a16="http://schemas.microsoft.com/office/drawing/2014/main" id="{FB093B9A-D8D5-C836-5F9D-94729728C433}"/>
+              </a:ext>
+            </a:extLst>
+          </p:cNvPr>
+          <p:cNvSpPr txBox="1"/>
+          <p:nvPr/>
+        </p:nvSpPr>
+        <p:spPr>
+          <a:xfrm rot="2662248">
+            <a:off x="4670381" y="3450410"/>
+            <a:ext cx="727961" cy="338554"/>
+          </a:xfrm>
+          <a:prstGeom prst="rect">
+            <a:avLst/>
+          </a:prstGeom>
+          <a:noFill/>
+        </p:spPr>
+        <p:txBody>
+          <a:bodyPr wrap="square" rtlCol="0">
+            <a:spAutoFit/>
+          </a:bodyPr>
+          <a:lstStyle/>
+          <a:p>
             <a:r>
-              <a:rPr lang="en-CA" dirty="0">
-                <a:highlight>
-                  <a:srgbClr val="FFFF00"/>
-                </a:highlight>
-              </a:rPr>
-              <a:t> </a:t>
+              <a:rPr lang="en-US" sz="1600" dirty="0"/>
+              <a:t>R=1m</a:t>
             </a:r>
-            <a:r>
-              <a:rPr lang="en-CA" dirty="0" err="1">
-                <a:highlight>
-                  <a:srgbClr val="FFFF00"/>
-                </a:highlight>
-              </a:rPr>
-              <a:t>equidistants</a:t>
-            </a:r>
-            <a:r>
-              <a:rPr lang="en-CA" dirty="0">
-                <a:highlight>
-                  <a:srgbClr val="FFFF00"/>
-                </a:highlight>
-              </a:rPr>
-              <a:t> sur un rayon </a:t>
-            </a:r>
-            <a:r>
-              <a:rPr lang="en-CA" dirty="0" err="1">
-                <a:highlight>
-                  <a:srgbClr val="FFFF00"/>
-                </a:highlight>
-              </a:rPr>
-              <a:t>allant</a:t>
-            </a:r>
-            <a:r>
-              <a:rPr lang="en-CA" dirty="0">
-                <a:highlight>
-                  <a:srgbClr val="FFFF00"/>
-                </a:highlight>
-              </a:rPr>
-              <a:t> de r=0 à r=1m</a:t>
-            </a:r>
+            <a:endParaRPr lang="en-CA" sz="1600" dirty="0"/>
           </a:p>
         </p:txBody>
       </p:sp>
@@ -8757,31 +14029,33 @@
         </p:nvSpPr>
         <p:spPr/>
         <p:txBody>
-          <a:bodyPr/>
+          <a:bodyPr>
+            <a:normAutofit/>
+          </a:bodyPr>
           <a:lstStyle/>
           <a:p>
             <a:r>
-              <a:rPr lang="en-CA" dirty="0"/>
+              <a:rPr lang="en-CA" sz="4000" dirty="0"/>
               <a:t>A-d) Conditions </a:t>
             </a:r>
             <a:r>
-              <a:rPr lang="en-CA" dirty="0" err="1"/>
+              <a:rPr lang="en-CA" sz="4000" dirty="0" err="1"/>
               <a:t>frontières</a:t>
             </a:r>
             <a:r>
-              <a:rPr lang="en-CA" dirty="0"/>
+              <a:rPr lang="en-CA" sz="4000" dirty="0"/>
               <a:t> et </a:t>
             </a:r>
             <a:r>
-              <a:rPr lang="en-CA" dirty="0" err="1"/>
+              <a:rPr lang="en-CA" sz="4000" dirty="0" err="1"/>
               <a:t>initiale</a:t>
             </a:r>
-            <a:endParaRPr lang="en-CA" dirty="0"/>
+            <a:endParaRPr lang="en-CA" sz="4000" dirty="0"/>
           </a:p>
         </p:txBody>
       </p:sp>
-      <mc:AlternateContent xmlns:mc="http://schemas.openxmlformats.org/markup-compatibility/2006">
-        <mc:Choice xmlns:a14="http://schemas.microsoft.com/office/drawing/2010/main" Requires="a14">
+      <mc:AlternateContent xmlns:mc="http://schemas.openxmlformats.org/markup-compatibility/2006" xmlns:a14="http://schemas.microsoft.com/office/drawing/2010/main">
+        <mc:Choice Requires="a14">
           <p:sp>
             <p:nvSpPr>
               <p:cNvPr id="3" name="Content Placeholder 2">
@@ -9107,7 +14381,7 @@
             </p:txBody>
           </p:sp>
         </mc:Choice>
-        <mc:Fallback>
+        <mc:Fallback xmlns="">
           <p:sp>
             <p:nvSpPr>
               <p:cNvPr id="3" name="Content Placeholder 2">
@@ -9195,31 +14469,33 @@
         </p:nvSpPr>
         <p:spPr/>
         <p:txBody>
-          <a:bodyPr/>
+          <a:bodyPr>
+            <a:normAutofit/>
+          </a:bodyPr>
           <a:lstStyle/>
           <a:p>
             <a:r>
-              <a:rPr lang="en-CA" dirty="0"/>
+              <a:rPr lang="en-CA" sz="4000" dirty="0"/>
               <a:t>B-a) Equation aux </a:t>
             </a:r>
             <a:r>
-              <a:rPr lang="en-CA" dirty="0" err="1"/>
+              <a:rPr lang="en-CA" sz="4000" dirty="0" err="1"/>
               <a:t>différences</a:t>
             </a:r>
             <a:r>
-              <a:rPr lang="en-CA" dirty="0"/>
+              <a:rPr lang="en-CA" sz="4000" dirty="0"/>
               <a:t> </a:t>
             </a:r>
             <a:r>
-              <a:rPr lang="en-CA" dirty="0" err="1"/>
+              <a:rPr lang="en-CA" sz="4000" dirty="0" err="1"/>
               <a:t>finies</a:t>
             </a:r>
-            <a:endParaRPr lang="en-CA" dirty="0"/>
+            <a:endParaRPr lang="en-CA" sz="4000" dirty="0"/>
           </a:p>
         </p:txBody>
       </p:sp>
-      <mc:AlternateContent xmlns:mc="http://schemas.openxmlformats.org/markup-compatibility/2006">
-        <mc:Choice xmlns:a14="http://schemas.microsoft.com/office/drawing/2010/main" Requires="a14">
+      <mc:AlternateContent xmlns:mc="http://schemas.openxmlformats.org/markup-compatibility/2006" xmlns:a14="http://schemas.microsoft.com/office/drawing/2010/main">
+        <mc:Choice Requires="a14">
           <p:sp>
             <p:nvSpPr>
               <p:cNvPr id="3" name="Content Placeholder 2">
@@ -12818,7 +18094,7 @@
             </p:txBody>
           </p:sp>
         </mc:Choice>
-        <mc:Fallback>
+        <mc:Fallback xmlns="">
           <p:sp>
             <p:nvSpPr>
               <p:cNvPr id="3" name="Content Placeholder 2">
@@ -12916,34 +18192,36 @@
         </p:nvSpPr>
         <p:spPr/>
         <p:txBody>
-          <a:bodyPr/>
+          <a:bodyPr>
+            <a:normAutofit/>
+          </a:bodyPr>
           <a:lstStyle/>
           <a:p>
             <a:r>
-              <a:rPr lang="en-CA" dirty="0"/>
+              <a:rPr lang="en-CA" sz="4000" dirty="0"/>
               <a:t>B-a) Equation aux </a:t>
             </a:r>
             <a:r>
-              <a:rPr lang="en-CA" dirty="0" err="1"/>
+              <a:rPr lang="en-CA" sz="4000" dirty="0" err="1"/>
               <a:t>différences</a:t>
             </a:r>
             <a:r>
-              <a:rPr lang="en-CA" dirty="0"/>
+              <a:rPr lang="en-CA" sz="4000" dirty="0"/>
               <a:t> </a:t>
             </a:r>
             <a:r>
-              <a:rPr lang="en-CA" dirty="0" err="1"/>
+              <a:rPr lang="en-CA" sz="4000" dirty="0" err="1"/>
               <a:t>finies</a:t>
             </a:r>
             <a:r>
-              <a:rPr lang="en-CA" dirty="0"/>
+              <a:rPr lang="en-CA" sz="4000" dirty="0"/>
               <a:t> (suite)</a:t>
             </a:r>
           </a:p>
         </p:txBody>
       </p:sp>
-      <mc:AlternateContent xmlns:mc="http://schemas.openxmlformats.org/markup-compatibility/2006">
-        <mc:Choice xmlns:a14="http://schemas.microsoft.com/office/drawing/2010/main" Requires="a14">
+      <mc:AlternateContent xmlns:mc="http://schemas.openxmlformats.org/markup-compatibility/2006" xmlns:a14="http://schemas.microsoft.com/office/drawing/2010/main">
+        <mc:Choice Requires="a14">
           <p:sp>
             <p:nvSpPr>
               <p:cNvPr id="3" name="Content Placeholder 2">
@@ -12968,7 +18246,7 @@
             </p:spPr>
             <p:txBody>
               <a:bodyPr>
-                <a:normAutofit fontScale="92500" lnSpcReduction="10000"/>
+                <a:normAutofit fontScale="85000" lnSpcReduction="10000"/>
               </a:bodyPr>
               <a:lstStyle/>
               <a:p>
@@ -13028,7 +18306,6 @@
                 </a:r>
               </a:p>
               <a:p>
-                <a:pPr/>
                 <a14:m>
                   <m:oMath xmlns:m="http://schemas.openxmlformats.org/officeDocument/2006/math">
                     <m:sSub>
@@ -13265,6 +18542,9 @@
               </a:p>
               <a:p>
                 <a:pPr marL="0" indent="0">
+                  <a:lnSpc>
+                    <a:spcPct val="170000"/>
+                  </a:lnSpc>
                   <a:spcBef>
                     <a:spcPts val="600"/>
                   </a:spcBef>
@@ -13627,16 +18907,7 @@
                           </a:solidFill>
                           <a:latin typeface="Cambria Math" panose="02040503050406030204" pitchFamily="18" charset="0"/>
                         </a:rPr>
-                        <m:t>=</m:t>
-                      </m:r>
-                      <m:r>
-                        <a:rPr lang="en-CA" sz="1800" b="0" i="1" smtClean="0">
-                          <a:solidFill>
-                            <a:schemeClr val="tx1"/>
-                          </a:solidFill>
-                          <a:latin typeface="Cambria Math" panose="02040503050406030204" pitchFamily="18" charset="0"/>
-                        </a:rPr>
-                        <m:t>0</m:t>
+                        <m:t>=0</m:t>
                       </m:r>
                     </m:oMath>
                   </m:oMathPara>
@@ -13648,7 +18919,6 @@
                 </a:endParaRPr>
               </a:p>
               <a:p>
-                <a:pPr/>
                 <a:r>
                   <a:rPr lang="en-CA" sz="1800" b="1" dirty="0"/>
                   <a:t>Noeud 2:</a:t>
@@ -14543,7 +19813,6 @@
                 <a:endParaRPr lang="en-CA" sz="1800" dirty="0"/>
               </a:p>
               <a:p>
-                <a:pPr/>
                 <a:r>
                   <a:rPr lang="en-CA" sz="1800" b="1" dirty="0" err="1"/>
                   <a:t>Noeud</a:t>
@@ -15442,7 +20711,6 @@
                 <a:endParaRPr lang="en-CA" sz="1800" dirty="0"/>
               </a:p>
               <a:p>
-                <a:pPr/>
                 <a:r>
                   <a:rPr lang="en-CA" sz="1800" b="1" dirty="0" err="1"/>
                   <a:t>Noeud</a:t>
@@ -16344,6 +21612,9 @@
               </a:p>
               <a:p>
                 <a:pPr>
+                  <a:lnSpc>
+                    <a:spcPct val="160000"/>
+                  </a:lnSpc>
                   <a:spcAft>
                     <a:spcPts val="600"/>
                   </a:spcAft>
@@ -16509,7 +21780,7 @@
             </p:txBody>
           </p:sp>
         </mc:Choice>
-        <mc:Fallback>
+        <mc:Fallback xmlns="">
           <p:sp>
             <p:nvSpPr>
               <p:cNvPr id="3" name="Content Placeholder 2">
@@ -16534,7 +21805,7 @@
               <a:blipFill>
                 <a:blip r:embed="rId2"/>
                 <a:stretch>
-                  <a:fillRect l="-1797" t="-1613"/>
+                  <a:fillRect l="-1217" t="-1498"/>
                 </a:stretch>
               </a:blipFill>
             </p:spPr>
@@ -16601,34 +21872,36 @@
         </p:nvSpPr>
         <p:spPr/>
         <p:txBody>
-          <a:bodyPr/>
+          <a:bodyPr>
+            <a:normAutofit/>
+          </a:bodyPr>
           <a:lstStyle/>
           <a:p>
             <a:r>
-              <a:rPr lang="en-CA" dirty="0"/>
+              <a:rPr lang="en-CA" sz="4000" dirty="0"/>
               <a:t>B-b) </a:t>
             </a:r>
             <a:r>
-              <a:rPr lang="en-CA" dirty="0" err="1"/>
+              <a:rPr lang="en-CA" sz="4000" dirty="0" err="1"/>
               <a:t>Méthode</a:t>
             </a:r>
             <a:r>
-              <a:rPr lang="en-CA" dirty="0"/>
+              <a:rPr lang="en-CA" sz="4000" dirty="0"/>
               <a:t> </a:t>
             </a:r>
             <a:r>
-              <a:rPr lang="en-CA" dirty="0" err="1"/>
+              <a:rPr lang="en-CA" sz="4000" dirty="0" err="1"/>
               <a:t>générale</a:t>
             </a:r>
             <a:r>
-              <a:rPr lang="en-CA" dirty="0"/>
+              <a:rPr lang="en-CA" sz="4000" dirty="0"/>
               <a:t> de </a:t>
             </a:r>
             <a:r>
-              <a:rPr lang="en-CA" dirty="0" err="1"/>
+              <a:rPr lang="en-CA" sz="4000" dirty="0" err="1"/>
               <a:t>résolution</a:t>
             </a:r>
-            <a:endParaRPr lang="en-CA" dirty="0"/>
+            <a:endParaRPr lang="en-CA" sz="4000" dirty="0"/>
           </a:p>
         </p:txBody>
       </p:sp>
@@ -16655,39 +21928,41 @@
           </a:xfrm>
         </p:spPr>
         <p:txBody>
-          <a:bodyPr/>
+          <a:bodyPr>
+            <a:normAutofit/>
+          </a:bodyPr>
           <a:lstStyle/>
           <a:p>
             <a:r>
-              <a:rPr lang="en-CA" dirty="0" err="1"/>
+              <a:rPr lang="en-CA" sz="2400" dirty="0" err="1"/>
               <a:t>C’est</a:t>
             </a:r>
             <a:r>
-              <a:rPr lang="en-CA" dirty="0"/>
+              <a:rPr lang="en-CA" sz="2400" dirty="0"/>
               <a:t> la </a:t>
             </a:r>
             <a:r>
-              <a:rPr lang="en-CA" dirty="0" err="1"/>
+              <a:rPr lang="en-CA" sz="2400" dirty="0" err="1"/>
               <a:t>méthode</a:t>
             </a:r>
             <a:r>
-              <a:rPr lang="en-CA" dirty="0"/>
+              <a:rPr lang="en-CA" sz="2400" dirty="0"/>
               <a:t> des </a:t>
             </a:r>
             <a:r>
-              <a:rPr lang="en-CA" dirty="0" err="1"/>
+              <a:rPr lang="en-CA" sz="2400" dirty="0" err="1"/>
               <a:t>différences</a:t>
             </a:r>
             <a:r>
-              <a:rPr lang="en-CA" dirty="0"/>
+              <a:rPr lang="en-CA" sz="2400" dirty="0"/>
               <a:t> </a:t>
             </a:r>
             <a:r>
-              <a:rPr lang="en-CA" dirty="0" err="1"/>
+              <a:rPr lang="en-CA" sz="2400" dirty="0" err="1"/>
               <a:t>finies</a:t>
             </a:r>
             <a:r>
-              <a:rPr lang="en-CA" dirty="0"/>
+              <a:rPr lang="en-CA" sz="2400" dirty="0"/>
               <a:t> (MDF)</a:t>
             </a:r>
           </a:p>
@@ -16741,22 +22016,22 @@
           </a:lstStyle>
           <a:p>
             <a:r>
-              <a:rPr lang="en-CA" dirty="0"/>
+              <a:rPr lang="en-CA" sz="4000" dirty="0"/>
               <a:t>B-c) Ordre de </a:t>
             </a:r>
             <a:r>
-              <a:rPr lang="en-CA" dirty="0" err="1"/>
+              <a:rPr lang="en-CA" sz="4000" dirty="0" err="1"/>
               <a:t>précision</a:t>
             </a:r>
             <a:r>
-              <a:rPr lang="en-CA" dirty="0"/>
+              <a:rPr lang="en-CA" sz="4000" dirty="0"/>
               <a:t> </a:t>
             </a:r>
             <a:r>
-              <a:rPr lang="en-CA" dirty="0" err="1"/>
+              <a:rPr lang="en-CA" sz="4000" dirty="0" err="1"/>
               <a:t>attendu</a:t>
             </a:r>
-            <a:endParaRPr lang="en-CA" dirty="0"/>
+            <a:endParaRPr lang="en-CA" sz="4000" dirty="0"/>
           </a:p>
         </p:txBody>
       </p:sp>
@@ -16785,7 +22060,7 @@
         </p:spPr>
         <p:txBody>
           <a:bodyPr vert="horz" lIns="91440" tIns="45720" rIns="91440" bIns="45720" rtlCol="0">
-            <a:normAutofit fontScale="92500"/>
+            <a:normAutofit/>
           </a:bodyPr>
           <a:lstStyle>
             <a:lvl1pPr marL="228600" indent="-228600" algn="l" defTabSz="914400" rtl="0" eaLnBrk="1" latinLnBrk="0" hangingPunct="1">
@@ -16953,127 +22228,127 @@
           </a:lstStyle>
           <a:p>
             <a:r>
-              <a:rPr lang="en-CA" dirty="0"/>
+              <a:rPr lang="en-CA" sz="2400" dirty="0"/>
               <a:t>Le </a:t>
             </a:r>
             <a:r>
-              <a:rPr lang="en-CA" dirty="0" err="1"/>
+              <a:rPr lang="en-CA" sz="2400" dirty="0" err="1"/>
               <a:t>schéma</a:t>
             </a:r>
             <a:r>
-              <a:rPr lang="en-CA" dirty="0"/>
+              <a:rPr lang="en-CA" sz="2400" dirty="0"/>
               <a:t> global </a:t>
             </a:r>
             <a:r>
-              <a:rPr lang="en-CA" dirty="0" err="1"/>
+              <a:rPr lang="en-CA" sz="2400" dirty="0" err="1"/>
               <a:t>comprend</a:t>
             </a:r>
             <a:r>
-              <a:rPr lang="en-CA" dirty="0"/>
+              <a:rPr lang="en-CA" sz="2400" dirty="0"/>
               <a:t> des </a:t>
             </a:r>
             <a:r>
-              <a:rPr lang="en-CA" dirty="0" err="1"/>
+              <a:rPr lang="en-CA" sz="2400" dirty="0" err="1"/>
               <a:t>schéma</a:t>
             </a:r>
             <a:r>
-              <a:rPr lang="en-CA" dirty="0"/>
+              <a:rPr lang="en-CA" sz="2400" dirty="0"/>
               <a:t> </a:t>
             </a:r>
             <a:r>
-              <a:rPr lang="en-CA" dirty="0" err="1"/>
+              <a:rPr lang="en-CA" sz="2400" dirty="0" err="1"/>
               <a:t>d’ordre</a:t>
             </a:r>
             <a:r>
-              <a:rPr lang="en-CA" dirty="0"/>
+              <a:rPr lang="en-CA" sz="2400" dirty="0"/>
               <a:t> 1 (</a:t>
             </a:r>
             <a:r>
-              <a:rPr lang="en-CA" dirty="0" err="1"/>
+              <a:rPr lang="en-CA" sz="2400" dirty="0" err="1"/>
               <a:t>dérivée</a:t>
             </a:r>
             <a:r>
-              <a:rPr lang="en-CA" dirty="0"/>
+              <a:rPr lang="en-CA" sz="2400" dirty="0"/>
               <a:t> premiere) et des schemas </a:t>
             </a:r>
             <a:r>
-              <a:rPr lang="en-CA" dirty="0" err="1"/>
+              <a:rPr lang="en-CA" sz="2400" dirty="0" err="1"/>
               <a:t>d’ordre</a:t>
             </a:r>
             <a:r>
-              <a:rPr lang="en-CA" dirty="0"/>
+              <a:rPr lang="en-CA" sz="2400" dirty="0"/>
               <a:t> 2 (</a:t>
             </a:r>
             <a:r>
-              <a:rPr lang="en-CA" dirty="0" err="1"/>
+              <a:rPr lang="en-CA" sz="2400" dirty="0" err="1"/>
               <a:t>dérivée</a:t>
             </a:r>
             <a:r>
-              <a:rPr lang="en-CA" dirty="0"/>
+              <a:rPr lang="en-CA" sz="2400" dirty="0"/>
               <a:t> </a:t>
             </a:r>
             <a:r>
-              <a:rPr lang="en-CA" dirty="0" err="1"/>
+              <a:rPr lang="en-CA" sz="2400" dirty="0" err="1"/>
               <a:t>seconde</a:t>
             </a:r>
             <a:r>
-              <a:rPr lang="en-CA" dirty="0"/>
+              <a:rPr lang="en-CA" sz="2400" dirty="0"/>
               <a:t>). </a:t>
             </a:r>
             <a:r>
-              <a:rPr lang="en-CA" dirty="0" err="1"/>
+              <a:rPr lang="en-CA" sz="2400" dirty="0" err="1"/>
               <a:t>Ainsi</a:t>
             </a:r>
             <a:r>
-              <a:rPr lang="en-CA" dirty="0"/>
+              <a:rPr lang="en-CA" sz="2400" dirty="0"/>
               <a:t> </a:t>
             </a:r>
             <a:r>
-              <a:rPr lang="en-CA" dirty="0" err="1"/>
+              <a:rPr lang="en-CA" sz="2400" dirty="0" err="1"/>
               <a:t>l’ordre</a:t>
             </a:r>
             <a:r>
-              <a:rPr lang="en-CA" dirty="0"/>
+              <a:rPr lang="en-CA" sz="2400" dirty="0"/>
               <a:t> de precision global sera </a:t>
             </a:r>
             <a:r>
-              <a:rPr lang="en-CA" dirty="0" err="1"/>
+              <a:rPr lang="en-CA" sz="2400" dirty="0" err="1"/>
               <a:t>celui</a:t>
             </a:r>
             <a:r>
-              <a:rPr lang="en-CA" dirty="0"/>
+              <a:rPr lang="en-CA" sz="2400" dirty="0"/>
               <a:t> du </a:t>
             </a:r>
             <a:r>
-              <a:rPr lang="en-CA" dirty="0" err="1"/>
+              <a:rPr lang="en-CA" sz="2400" dirty="0" err="1"/>
               <a:t>schéma</a:t>
             </a:r>
             <a:r>
-              <a:rPr lang="en-CA" dirty="0"/>
+              <a:rPr lang="en-CA" sz="2400" dirty="0"/>
               <a:t> le </a:t>
             </a:r>
             <a:r>
-              <a:rPr lang="en-CA" dirty="0" err="1"/>
+              <a:rPr lang="en-CA" sz="2400" dirty="0" err="1"/>
               <a:t>moins</a:t>
             </a:r>
             <a:r>
-              <a:rPr lang="en-CA" dirty="0"/>
+              <a:rPr lang="en-CA" sz="2400" dirty="0"/>
               <a:t> précis </a:t>
             </a:r>
             <a:r>
-              <a:rPr lang="en-CA" dirty="0" err="1"/>
+              <a:rPr lang="en-CA" sz="2400" dirty="0" err="1"/>
               <a:t>donc</a:t>
             </a:r>
             <a:r>
-              <a:rPr lang="en-CA" dirty="0"/>
+              <a:rPr lang="en-CA" sz="2400" dirty="0"/>
               <a:t> </a:t>
             </a:r>
             <a:r>
-              <a:rPr lang="en-CA" dirty="0" err="1"/>
+              <a:rPr lang="en-CA" sz="2400" dirty="0" err="1"/>
               <a:t>d’ordre</a:t>
             </a:r>
             <a:r>
-              <a:rPr lang="en-CA" dirty="0"/>
+              <a:rPr lang="en-CA" sz="2400" dirty="0"/>
               <a:t> 1.</a:t>
             </a:r>
           </a:p>
@@ -17127,16 +22402,14 @@
         </p:nvSpPr>
         <p:spPr/>
         <p:txBody>
-          <a:bodyPr/>
+          <a:bodyPr>
+            <a:normAutofit/>
+          </a:bodyPr>
           <a:lstStyle/>
           <a:p>
             <a:r>
-              <a:rPr lang="en-CA" dirty="0"/>
-              <a:t>B-d) </a:t>
-            </a:r>
-            <a:r>
               <a:rPr lang="en-CA" sz="4000" dirty="0"/>
-              <a:t>Condition de </a:t>
+              <a:t>B-d) Condition de </a:t>
             </a:r>
             <a:r>
               <a:rPr lang="en-CA" sz="4000" dirty="0" err="1"/>
@@ -17154,12 +22427,11 @@
               <a:rPr lang="en-CA" sz="4000" dirty="0"/>
               <a:t> numérique</a:t>
             </a:r>
-            <a:endParaRPr lang="en-CA" dirty="0"/>
           </a:p>
         </p:txBody>
       </p:sp>
-      <mc:AlternateContent xmlns:mc="http://schemas.openxmlformats.org/markup-compatibility/2006">
-        <mc:Choice xmlns:a14="http://schemas.microsoft.com/office/drawing/2010/main" Requires="a14">
+      <mc:AlternateContent xmlns:mc="http://schemas.openxmlformats.org/markup-compatibility/2006" xmlns:a14="http://schemas.microsoft.com/office/drawing/2010/main">
+        <mc:Choice Requires="a14">
           <p:sp>
             <p:nvSpPr>
               <p:cNvPr id="3" name="Content Placeholder 2">
@@ -17313,7 +22585,7 @@
             </p:txBody>
           </p:sp>
         </mc:Choice>
-        <mc:Fallback>
+        <mc:Fallback xmlns="">
           <p:sp>
             <p:nvSpPr>
               <p:cNvPr id="3" name="Content Placeholder 2">
@@ -17679,4 +22951,319 @@
     </a:ext>
   </a:extLst>
 </a:theme>
+</file>
+
+<file path=ppt/theme/theme2.xml><?xml version="1.0" encoding="utf-8"?>
+<a:theme xmlns:a="http://schemas.openxmlformats.org/drawingml/2006/main" name="Office Theme">
+  <a:themeElements>
+    <a:clrScheme name="Office">
+      <a:dk1>
+        <a:sysClr val="windowText" lastClr="000000"/>
+      </a:dk1>
+      <a:lt1>
+        <a:sysClr val="window" lastClr="FFFFFF"/>
+      </a:lt1>
+      <a:dk2>
+        <a:srgbClr val="0E2841"/>
+      </a:dk2>
+      <a:lt2>
+        <a:srgbClr val="E8E8E8"/>
+      </a:lt2>
+      <a:accent1>
+        <a:srgbClr val="156082"/>
+      </a:accent1>
+      <a:accent2>
+        <a:srgbClr val="E97132"/>
+      </a:accent2>
+      <a:accent3>
+        <a:srgbClr val="196B24"/>
+      </a:accent3>
+      <a:accent4>
+        <a:srgbClr val="0F9ED5"/>
+      </a:accent4>
+      <a:accent5>
+        <a:srgbClr val="A02B93"/>
+      </a:accent5>
+      <a:accent6>
+        <a:srgbClr val="4EA72E"/>
+      </a:accent6>
+      <a:hlink>
+        <a:srgbClr val="467886"/>
+      </a:hlink>
+      <a:folHlink>
+        <a:srgbClr val="96607D"/>
+      </a:folHlink>
+    </a:clrScheme>
+    <a:fontScheme name="Office">
+      <a:majorFont>
+        <a:latin typeface="Aptos Display" panose="02110004020202020204"/>
+        <a:ea typeface=""/>
+        <a:cs typeface=""/>
+        <a:font script="Jpan" typeface="游ゴシック Light"/>
+        <a:font script="Hang" typeface="맑은 고딕"/>
+        <a:font script="Hans" typeface="等线 Light"/>
+        <a:font script="Hant" typeface="新細明體"/>
+        <a:font script="Arab" typeface="Times New Roman"/>
+        <a:font script="Hebr" typeface="Times New Roman"/>
+        <a:font script="Thai" typeface="Angsana New"/>
+        <a:font script="Ethi" typeface="Nyala"/>
+        <a:font script="Beng" typeface="Vrinda"/>
+        <a:font script="Gujr" typeface="Shruti"/>
+        <a:font script="Khmr" typeface="MoolBoran"/>
+        <a:font script="Knda" typeface="Tunga"/>
+        <a:font script="Guru" typeface="Raavi"/>
+        <a:font script="Cans" typeface="Euphemia"/>
+        <a:font script="Cher" typeface="Plantagenet Cherokee"/>
+        <a:font script="Yiii" typeface="Microsoft Yi Baiti"/>
+        <a:font script="Tibt" typeface="Microsoft Himalaya"/>
+        <a:font script="Thaa" typeface="MV Boli"/>
+        <a:font script="Deva" typeface="Mangal"/>
+        <a:font script="Telu" typeface="Gautami"/>
+        <a:font script="Taml" typeface="Latha"/>
+        <a:font script="Syrc" typeface="Estrangelo Edessa"/>
+        <a:font script="Orya" typeface="Kalinga"/>
+        <a:font script="Mlym" typeface="Kartika"/>
+        <a:font script="Laoo" typeface="DokChampa"/>
+        <a:font script="Sinh" typeface="Iskoola Pota"/>
+        <a:font script="Mong" typeface="Mongolian Baiti"/>
+        <a:font script="Viet" typeface="Times New Roman"/>
+        <a:font script="Uigh" typeface="Microsoft Uighur"/>
+        <a:font script="Geor" typeface="Sylfaen"/>
+        <a:font script="Armn" typeface="Arial"/>
+        <a:font script="Bugi" typeface="Leelawadee UI"/>
+        <a:font script="Bopo" typeface="Microsoft JhengHei"/>
+        <a:font script="Java" typeface="Javanese Text"/>
+        <a:font script="Lisu" typeface="Segoe UI"/>
+        <a:font script="Mymr" typeface="Myanmar Text"/>
+        <a:font script="Nkoo" typeface="Ebrima"/>
+        <a:font script="Olck" typeface="Nirmala UI"/>
+        <a:font script="Osma" typeface="Ebrima"/>
+        <a:font script="Phag" typeface="Phagspa"/>
+        <a:font script="Syrn" typeface="Estrangelo Edessa"/>
+        <a:font script="Syrj" typeface="Estrangelo Edessa"/>
+        <a:font script="Syre" typeface="Estrangelo Edessa"/>
+        <a:font script="Sora" typeface="Nirmala UI"/>
+        <a:font script="Tale" typeface="Microsoft Tai Le"/>
+        <a:font script="Talu" typeface="Microsoft New Tai Lue"/>
+        <a:font script="Tfng" typeface="Ebrima"/>
+      </a:majorFont>
+      <a:minorFont>
+        <a:latin typeface="Aptos" panose="02110004020202020204"/>
+        <a:ea typeface=""/>
+        <a:cs typeface=""/>
+        <a:font script="Jpan" typeface="游ゴシック"/>
+        <a:font script="Hang" typeface="맑은 고딕"/>
+        <a:font script="Hans" typeface="等线"/>
+        <a:font script="Hant" typeface="新細明體"/>
+        <a:font script="Arab" typeface="Arial"/>
+        <a:font script="Hebr" typeface="Arial"/>
+        <a:font script="Thai" typeface="Cordia New"/>
+        <a:font script="Ethi" typeface="Nyala"/>
+        <a:font script="Beng" typeface="Vrinda"/>
+        <a:font script="Gujr" typeface="Shruti"/>
+        <a:font script="Khmr" typeface="DaunPenh"/>
+        <a:font script="Knda" typeface="Tunga"/>
+        <a:font script="Guru" typeface="Raavi"/>
+        <a:font script="Cans" typeface="Euphemia"/>
+        <a:font script="Cher" typeface="Plantagenet Cherokee"/>
+        <a:font script="Yiii" typeface="Microsoft Yi Baiti"/>
+        <a:font script="Tibt" typeface="Microsoft Himalaya"/>
+        <a:font script="Thaa" typeface="MV Boli"/>
+        <a:font script="Deva" typeface="Mangal"/>
+        <a:font script="Telu" typeface="Gautami"/>
+        <a:font script="Taml" typeface="Latha"/>
+        <a:font script="Syrc" typeface="Estrangelo Edessa"/>
+        <a:font script="Orya" typeface="Kalinga"/>
+        <a:font script="Mlym" typeface="Kartika"/>
+        <a:font script="Laoo" typeface="DokChampa"/>
+        <a:font script="Sinh" typeface="Iskoola Pota"/>
+        <a:font script="Mong" typeface="Mongolian Baiti"/>
+        <a:font script="Viet" typeface="Arial"/>
+        <a:font script="Uigh" typeface="Microsoft Uighur"/>
+        <a:font script="Geor" typeface="Sylfaen"/>
+        <a:font script="Armn" typeface="Arial"/>
+        <a:font script="Bugi" typeface="Leelawadee UI"/>
+        <a:font script="Bopo" typeface="Microsoft JhengHei"/>
+        <a:font script="Java" typeface="Javanese Text"/>
+        <a:font script="Lisu" typeface="Segoe UI"/>
+        <a:font script="Mymr" typeface="Myanmar Text"/>
+        <a:font script="Nkoo" typeface="Ebrima"/>
+        <a:font script="Olck" typeface="Nirmala UI"/>
+        <a:font script="Osma" typeface="Ebrima"/>
+        <a:font script="Phag" typeface="Phagspa"/>
+        <a:font script="Syrn" typeface="Estrangelo Edessa"/>
+        <a:font script="Syrj" typeface="Estrangelo Edessa"/>
+        <a:font script="Syre" typeface="Estrangelo Edessa"/>
+        <a:font script="Sora" typeface="Nirmala UI"/>
+        <a:font script="Tale" typeface="Microsoft Tai Le"/>
+        <a:font script="Talu" typeface="Microsoft New Tai Lue"/>
+        <a:font script="Tfng" typeface="Ebrima"/>
+      </a:minorFont>
+    </a:fontScheme>
+    <a:fmtScheme name="Office">
+      <a:fillStyleLst>
+        <a:solidFill>
+          <a:schemeClr val="phClr"/>
+        </a:solidFill>
+        <a:gradFill rotWithShape="1">
+          <a:gsLst>
+            <a:gs pos="0">
+              <a:schemeClr val="phClr">
+                <a:lumMod val="110000"/>
+                <a:satMod val="105000"/>
+                <a:tint val="67000"/>
+              </a:schemeClr>
+            </a:gs>
+            <a:gs pos="50000">
+              <a:schemeClr val="phClr">
+                <a:lumMod val="105000"/>
+                <a:satMod val="103000"/>
+                <a:tint val="73000"/>
+              </a:schemeClr>
+            </a:gs>
+            <a:gs pos="100000">
+              <a:schemeClr val="phClr">
+                <a:lumMod val="105000"/>
+                <a:satMod val="109000"/>
+                <a:tint val="81000"/>
+              </a:schemeClr>
+            </a:gs>
+          </a:gsLst>
+          <a:lin ang="5400000" scaled="0"/>
+        </a:gradFill>
+        <a:gradFill rotWithShape="1">
+          <a:gsLst>
+            <a:gs pos="0">
+              <a:schemeClr val="phClr">
+                <a:satMod val="103000"/>
+                <a:lumMod val="102000"/>
+                <a:tint val="94000"/>
+              </a:schemeClr>
+            </a:gs>
+            <a:gs pos="50000">
+              <a:schemeClr val="phClr">
+                <a:satMod val="110000"/>
+                <a:lumMod val="100000"/>
+                <a:shade val="100000"/>
+              </a:schemeClr>
+            </a:gs>
+            <a:gs pos="100000">
+              <a:schemeClr val="phClr">
+                <a:lumMod val="99000"/>
+                <a:satMod val="120000"/>
+                <a:shade val="78000"/>
+              </a:schemeClr>
+            </a:gs>
+          </a:gsLst>
+          <a:lin ang="5400000" scaled="0"/>
+        </a:gradFill>
+      </a:fillStyleLst>
+      <a:lnStyleLst>
+        <a:ln w="12700" cap="flat" cmpd="sng" algn="ctr">
+          <a:solidFill>
+            <a:schemeClr val="phClr"/>
+          </a:solidFill>
+          <a:prstDash val="solid"/>
+          <a:miter lim="800000"/>
+        </a:ln>
+        <a:ln w="19050" cap="flat" cmpd="sng" algn="ctr">
+          <a:solidFill>
+            <a:schemeClr val="phClr"/>
+          </a:solidFill>
+          <a:prstDash val="solid"/>
+          <a:miter lim="800000"/>
+        </a:ln>
+        <a:ln w="25400" cap="flat" cmpd="sng" algn="ctr">
+          <a:solidFill>
+            <a:schemeClr val="phClr"/>
+          </a:solidFill>
+          <a:prstDash val="solid"/>
+          <a:miter lim="800000"/>
+        </a:ln>
+      </a:lnStyleLst>
+      <a:effectStyleLst>
+        <a:effectStyle>
+          <a:effectLst/>
+        </a:effectStyle>
+        <a:effectStyle>
+          <a:effectLst/>
+        </a:effectStyle>
+        <a:effectStyle>
+          <a:effectLst>
+            <a:outerShdw blurRad="57150" dist="19050" dir="5400000" algn="ctr" rotWithShape="0">
+              <a:srgbClr val="000000">
+                <a:alpha val="63000"/>
+              </a:srgbClr>
+            </a:outerShdw>
+          </a:effectLst>
+        </a:effectStyle>
+      </a:effectStyleLst>
+      <a:bgFillStyleLst>
+        <a:solidFill>
+          <a:schemeClr val="phClr"/>
+        </a:solidFill>
+        <a:solidFill>
+          <a:schemeClr val="phClr">
+            <a:tint val="95000"/>
+            <a:satMod val="170000"/>
+          </a:schemeClr>
+        </a:solidFill>
+        <a:gradFill rotWithShape="1">
+          <a:gsLst>
+            <a:gs pos="0">
+              <a:schemeClr val="phClr">
+                <a:tint val="93000"/>
+                <a:satMod val="150000"/>
+                <a:shade val="98000"/>
+                <a:lumMod val="102000"/>
+              </a:schemeClr>
+            </a:gs>
+            <a:gs pos="50000">
+              <a:schemeClr val="phClr">
+                <a:tint val="98000"/>
+                <a:satMod val="130000"/>
+                <a:shade val="90000"/>
+                <a:lumMod val="103000"/>
+              </a:schemeClr>
+            </a:gs>
+            <a:gs pos="100000">
+              <a:schemeClr val="phClr">
+                <a:shade val="63000"/>
+                <a:satMod val="120000"/>
+              </a:schemeClr>
+            </a:gs>
+          </a:gsLst>
+          <a:lin ang="5400000" scaled="0"/>
+        </a:gradFill>
+      </a:bgFillStyleLst>
+    </a:fmtScheme>
+  </a:themeElements>
+  <a:objectDefaults>
+    <a:lnDef>
+      <a:spPr/>
+      <a:bodyPr/>
+      <a:lstStyle/>
+      <a:style>
+        <a:lnRef idx="2">
+          <a:schemeClr val="accent1"/>
+        </a:lnRef>
+        <a:fillRef idx="0">
+          <a:schemeClr val="accent1"/>
+        </a:fillRef>
+        <a:effectRef idx="1">
+          <a:schemeClr val="accent1"/>
+        </a:effectRef>
+        <a:fontRef idx="minor">
+          <a:schemeClr val="tx1"/>
+        </a:fontRef>
+      </a:style>
+    </a:lnDef>
+  </a:objectDefaults>
+  <a:extraClrSchemeLst/>
+  <a:extLst>
+    <a:ext uri="{05A4C25C-085E-4340-85A3-A5531E510DB2}">
+      <thm15:themeFamily xmlns:thm15="http://schemas.microsoft.com/office/thememl/2012/main" name="Office Theme" id="{2E142A2C-CD16-42D6-873A-C26D2A0506FA}" vid="{1BDDFF52-6CD6-40A5-AB3C-68EB2F1E4D0A}"/>
+    </a:ext>
+  </a:extLst>
+</a:theme>
 </file>
--- a/Devoir_1.pptx
+++ b/Devoir_1.pptx
@@ -5,7 +5,7 @@
     <p:sldMasterId id="2147483648" r:id="rId1"/>
   </p:sldMasterIdLst>
   <p:notesMasterIdLst>
-    <p:notesMasterId r:id="rId20"/>
+    <p:notesMasterId r:id="rId26"/>
   </p:notesMasterIdLst>
   <p:sldIdLst>
     <p:sldId id="256" r:id="rId2"/>
@@ -23,9 +23,15 @@
     <p:sldId id="268" r:id="rId14"/>
     <p:sldId id="270" r:id="rId15"/>
     <p:sldId id="269" r:id="rId16"/>
-    <p:sldId id="271" r:id="rId17"/>
-    <p:sldId id="272" r:id="rId18"/>
-    <p:sldId id="273" r:id="rId19"/>
+    <p:sldId id="277" r:id="rId17"/>
+    <p:sldId id="278" r:id="rId18"/>
+    <p:sldId id="279" r:id="rId19"/>
+    <p:sldId id="271" r:id="rId20"/>
+    <p:sldId id="274" r:id="rId21"/>
+    <p:sldId id="276" r:id="rId22"/>
+    <p:sldId id="275" r:id="rId23"/>
+    <p:sldId id="272" r:id="rId24"/>
+    <p:sldId id="273" r:id="rId25"/>
   </p:sldIdLst>
   <p:sldSz cx="12192000" cy="6858000"/>
   <p:notesSz cx="6858000" cy="9144000"/>
@@ -431,7 +437,7 @@
           <a:p>
             <a:fld id="{603E9730-38DB-4F77-A139-6CE923099591}" type="slidenum">
               <a:rPr lang="en-CA" smtClean="0"/>
-              <a:t>‹#›</a:t>
+              <a:t>‹N°›</a:t>
             </a:fld>
             <a:endParaRPr lang="en-CA"/>
           </a:p>
@@ -827,7 +833,7 @@
           <a:p>
             <a:fld id="{4BD3201E-7DF8-462B-AC18-61E63795AE0D}" type="slidenum">
               <a:rPr lang="en-CA" smtClean="0"/>
-              <a:t>‹#›</a:t>
+              <a:t>‹N°›</a:t>
             </a:fld>
             <a:endParaRPr lang="en-CA"/>
           </a:p>
@@ -1027,7 +1033,7 @@
           <a:p>
             <a:fld id="{4BD3201E-7DF8-462B-AC18-61E63795AE0D}" type="slidenum">
               <a:rPr lang="en-CA" smtClean="0"/>
-              <a:t>‹#›</a:t>
+              <a:t>‹N°›</a:t>
             </a:fld>
             <a:endParaRPr lang="en-CA"/>
           </a:p>
@@ -1237,7 +1243,7 @@
           <a:p>
             <a:fld id="{4BD3201E-7DF8-462B-AC18-61E63795AE0D}" type="slidenum">
               <a:rPr lang="en-CA" smtClean="0"/>
-              <a:t>‹#›</a:t>
+              <a:t>‹N°›</a:t>
             </a:fld>
             <a:endParaRPr lang="en-CA"/>
           </a:p>
@@ -1437,7 +1443,7 @@
           <a:p>
             <a:fld id="{4BD3201E-7DF8-462B-AC18-61E63795AE0D}" type="slidenum">
               <a:rPr lang="en-CA" smtClean="0"/>
-              <a:t>‹#›</a:t>
+              <a:t>‹N°›</a:t>
             </a:fld>
             <a:endParaRPr lang="en-CA"/>
           </a:p>
@@ -1713,7 +1719,7 @@
           <a:p>
             <a:fld id="{4BD3201E-7DF8-462B-AC18-61E63795AE0D}" type="slidenum">
               <a:rPr lang="en-CA" smtClean="0"/>
-              <a:t>‹#›</a:t>
+              <a:t>‹N°›</a:t>
             </a:fld>
             <a:endParaRPr lang="en-CA"/>
           </a:p>
@@ -1981,7 +1987,7 @@
           <a:p>
             <a:fld id="{4BD3201E-7DF8-462B-AC18-61E63795AE0D}" type="slidenum">
               <a:rPr lang="en-CA" smtClean="0"/>
-              <a:t>‹#›</a:t>
+              <a:t>‹N°›</a:t>
             </a:fld>
             <a:endParaRPr lang="en-CA"/>
           </a:p>
@@ -2396,7 +2402,7 @@
           <a:p>
             <a:fld id="{4BD3201E-7DF8-462B-AC18-61E63795AE0D}" type="slidenum">
               <a:rPr lang="en-CA" smtClean="0"/>
-              <a:t>‹#›</a:t>
+              <a:t>‹N°›</a:t>
             </a:fld>
             <a:endParaRPr lang="en-CA"/>
           </a:p>
@@ -2538,7 +2544,7 @@
           <a:p>
             <a:fld id="{4BD3201E-7DF8-462B-AC18-61E63795AE0D}" type="slidenum">
               <a:rPr lang="en-CA" smtClean="0"/>
-              <a:t>‹#›</a:t>
+              <a:t>‹N°›</a:t>
             </a:fld>
             <a:endParaRPr lang="en-CA"/>
           </a:p>
@@ -2651,7 +2657,7 @@
           <a:p>
             <a:fld id="{4BD3201E-7DF8-462B-AC18-61E63795AE0D}" type="slidenum">
               <a:rPr lang="en-CA" smtClean="0"/>
-              <a:t>‹#›</a:t>
+              <a:t>‹N°›</a:t>
             </a:fld>
             <a:endParaRPr lang="en-CA"/>
           </a:p>
@@ -2964,7 +2970,7 @@
           <a:p>
             <a:fld id="{4BD3201E-7DF8-462B-AC18-61E63795AE0D}" type="slidenum">
               <a:rPr lang="en-CA" smtClean="0"/>
-              <a:t>‹#›</a:t>
+              <a:t>‹N°›</a:t>
             </a:fld>
             <a:endParaRPr lang="en-CA"/>
           </a:p>
@@ -3253,7 +3259,7 @@
           <a:p>
             <a:fld id="{4BD3201E-7DF8-462B-AC18-61E63795AE0D}" type="slidenum">
               <a:rPr lang="en-CA" smtClean="0"/>
-              <a:t>‹#›</a:t>
+              <a:t>‹N°›</a:t>
             </a:fld>
             <a:endParaRPr lang="en-CA"/>
           </a:p>
@@ -3532,7 +3538,7 @@
           <a:p>
             <a:fld id="{4BD3201E-7DF8-462B-AC18-61E63795AE0D}" type="slidenum">
               <a:rPr lang="en-CA" smtClean="0"/>
-              <a:t>‹#›</a:t>
+              <a:t>‹N°›</a:t>
             </a:fld>
             <a:endParaRPr lang="en-CA"/>
           </a:p>
@@ -9727,6 +9733,42 @@
           </a:p>
         </p:txBody>
       </p:sp>
+      <p:pic>
+        <p:nvPicPr>
+          <p:cNvPr id="5" name="Image 4" descr="Une image contenant texte, ligne, diagramme, Tracé&#10;&#10;Description générée automatiquement">
+            <a:extLst>
+              <a:ext uri="{FF2B5EF4-FFF2-40B4-BE49-F238E27FC236}">
+                <a16:creationId xmlns:a16="http://schemas.microsoft.com/office/drawing/2014/main" id="{CA785013-FBC3-FEA2-4380-0189AB658ED2}"/>
+              </a:ext>
+            </a:extLst>
+          </p:cNvPr>
+          <p:cNvPicPr>
+            <a:picLocks noChangeAspect="1"/>
+          </p:cNvPicPr>
+          <p:nvPr/>
+        </p:nvPicPr>
+        <p:blipFill>
+          <a:blip r:embed="rId2">
+            <a:extLst>
+              <a:ext uri="{28A0092B-C50C-407E-A947-70E740481C1C}">
+                <a14:useLocalDpi xmlns:a14="http://schemas.microsoft.com/office/drawing/2010/main" val="0"/>
+              </a:ext>
+            </a:extLst>
+          </a:blip>
+          <a:stretch>
+            <a:fillRect/>
+          </a:stretch>
+        </p:blipFill>
+        <p:spPr>
+          <a:xfrm>
+            <a:off x="3352794" y="2754623"/>
+            <a:ext cx="5486411" cy="3657607"/>
+          </a:xfrm>
+          <a:prstGeom prst="rect">
+            <a:avLst/>
+          </a:prstGeom>
+        </p:spPr>
+      </p:pic>
     </p:spTree>
     <p:extLst>
       <p:ext uri="{BB962C8B-B14F-4D97-AF65-F5344CB8AC3E}">
@@ -9741,6 +9783,201 @@
 </file>
 
 <file path=ppt/slides/slide16.xml><?xml version="1.0" encoding="utf-8"?>
+<p:sld xmlns:a="http://schemas.openxmlformats.org/drawingml/2006/main" xmlns:r="http://schemas.openxmlformats.org/officeDocument/2006/relationships" xmlns:p="http://schemas.openxmlformats.org/presentationml/2006/main">
+  <p:cSld>
+    <p:spTree>
+      <p:nvGrpSpPr>
+        <p:cNvPr id="1" name=""/>
+        <p:cNvGrpSpPr/>
+        <p:nvPr/>
+      </p:nvGrpSpPr>
+      <p:grpSpPr>
+        <a:xfrm>
+          <a:off x="0" y="0"/>
+          <a:ext cx="0" cy="0"/>
+          <a:chOff x="0" y="0"/>
+          <a:chExt cx="0" cy="0"/>
+        </a:xfrm>
+      </p:grpSpPr>
+      <p:pic>
+        <p:nvPicPr>
+          <p:cNvPr id="5" name="Espace réservé du contenu 4" descr="Une image contenant texte, capture d’écran, ligne, nombre&#10;&#10;Description générée automatiquement">
+            <a:extLst>
+              <a:ext uri="{FF2B5EF4-FFF2-40B4-BE49-F238E27FC236}">
+                <a16:creationId xmlns:a16="http://schemas.microsoft.com/office/drawing/2014/main" id="{A588A501-4E8A-2B99-416F-E2E91B281F82}"/>
+              </a:ext>
+            </a:extLst>
+          </p:cNvPr>
+          <p:cNvPicPr>
+            <a:picLocks noGrp="1" noChangeAspect="1"/>
+          </p:cNvPicPr>
+          <p:nvPr>
+            <p:ph idx="1"/>
+          </p:nvPr>
+        </p:nvPicPr>
+        <p:blipFill>
+          <a:blip r:embed="rId2">
+            <a:extLst>
+              <a:ext uri="{28A0092B-C50C-407E-A947-70E740481C1C}">
+                <a14:useLocalDpi xmlns:a14="http://schemas.microsoft.com/office/drawing/2010/main" val="0"/>
+              </a:ext>
+            </a:extLst>
+          </a:blip>
+          <a:stretch>
+            <a:fillRect/>
+          </a:stretch>
+        </p:blipFill>
+        <p:spPr>
+          <a:xfrm>
+            <a:off x="2477807" y="1016871"/>
+            <a:ext cx="7236386" cy="4824257"/>
+          </a:xfrm>
+        </p:spPr>
+      </p:pic>
+    </p:spTree>
+    <p:extLst>
+      <p:ext uri="{BB962C8B-B14F-4D97-AF65-F5344CB8AC3E}">
+        <p14:creationId xmlns:p14="http://schemas.microsoft.com/office/powerpoint/2010/main" val="1071017560"/>
+      </p:ext>
+    </p:extLst>
+  </p:cSld>
+  <p:clrMapOvr>
+    <a:masterClrMapping/>
+  </p:clrMapOvr>
+</p:sld>
+</file>
+
+<file path=ppt/slides/slide17.xml><?xml version="1.0" encoding="utf-8"?>
+<p:sld xmlns:a="http://schemas.openxmlformats.org/drawingml/2006/main" xmlns:r="http://schemas.openxmlformats.org/officeDocument/2006/relationships" xmlns:p="http://schemas.openxmlformats.org/presentationml/2006/main">
+  <p:cSld>
+    <p:spTree>
+      <p:nvGrpSpPr>
+        <p:cNvPr id="1" name=""/>
+        <p:cNvGrpSpPr/>
+        <p:nvPr/>
+      </p:nvGrpSpPr>
+      <p:grpSpPr>
+        <a:xfrm>
+          <a:off x="0" y="0"/>
+          <a:ext cx="0" cy="0"/>
+          <a:chOff x="0" y="0"/>
+          <a:chExt cx="0" cy="0"/>
+        </a:xfrm>
+      </p:grpSpPr>
+      <p:pic>
+        <p:nvPicPr>
+          <p:cNvPr id="5" name="Espace réservé du contenu 4" descr="Une image contenant texte, capture d’écran, ligne, Police&#10;&#10;Description générée automatiquement">
+            <a:extLst>
+              <a:ext uri="{FF2B5EF4-FFF2-40B4-BE49-F238E27FC236}">
+                <a16:creationId xmlns:a16="http://schemas.microsoft.com/office/drawing/2014/main" id="{4E01F67E-E309-D62C-424F-A2B5EE4111EC}"/>
+              </a:ext>
+            </a:extLst>
+          </p:cNvPr>
+          <p:cNvPicPr>
+            <a:picLocks noGrp="1" noChangeAspect="1"/>
+          </p:cNvPicPr>
+          <p:nvPr>
+            <p:ph idx="1"/>
+          </p:nvPr>
+        </p:nvPicPr>
+        <p:blipFill>
+          <a:blip r:embed="rId2">
+            <a:extLst>
+              <a:ext uri="{28A0092B-C50C-407E-A947-70E740481C1C}">
+                <a14:useLocalDpi xmlns:a14="http://schemas.microsoft.com/office/drawing/2010/main" val="0"/>
+              </a:ext>
+            </a:extLst>
+          </a:blip>
+          <a:stretch>
+            <a:fillRect/>
+          </a:stretch>
+        </p:blipFill>
+        <p:spPr>
+          <a:xfrm>
+            <a:off x="2521859" y="1046240"/>
+            <a:ext cx="7148281" cy="4765520"/>
+          </a:xfrm>
+        </p:spPr>
+      </p:pic>
+    </p:spTree>
+    <p:extLst>
+      <p:ext uri="{BB962C8B-B14F-4D97-AF65-F5344CB8AC3E}">
+        <p14:creationId xmlns:p14="http://schemas.microsoft.com/office/powerpoint/2010/main" val="2398622078"/>
+      </p:ext>
+    </p:extLst>
+  </p:cSld>
+  <p:clrMapOvr>
+    <a:masterClrMapping/>
+  </p:clrMapOvr>
+</p:sld>
+</file>
+
+<file path=ppt/slides/slide18.xml><?xml version="1.0" encoding="utf-8"?>
+<p:sld xmlns:a="http://schemas.openxmlformats.org/drawingml/2006/main" xmlns:r="http://schemas.openxmlformats.org/officeDocument/2006/relationships" xmlns:p="http://schemas.openxmlformats.org/presentationml/2006/main">
+  <p:cSld>
+    <p:spTree>
+      <p:nvGrpSpPr>
+        <p:cNvPr id="1" name=""/>
+        <p:cNvGrpSpPr/>
+        <p:nvPr/>
+      </p:nvGrpSpPr>
+      <p:grpSpPr>
+        <a:xfrm>
+          <a:off x="0" y="0"/>
+          <a:ext cx="0" cy="0"/>
+          <a:chOff x="0" y="0"/>
+          <a:chExt cx="0" cy="0"/>
+        </a:xfrm>
+      </p:grpSpPr>
+      <p:pic>
+        <p:nvPicPr>
+          <p:cNvPr id="5" name="Espace réservé du contenu 4" descr="Une image contenant texte, capture d’écran, ligne, Police&#10;&#10;Description générée automatiquement">
+            <a:extLst>
+              <a:ext uri="{FF2B5EF4-FFF2-40B4-BE49-F238E27FC236}">
+                <a16:creationId xmlns:a16="http://schemas.microsoft.com/office/drawing/2014/main" id="{9256B85A-79D8-1C35-47E0-31CC9452E090}"/>
+              </a:ext>
+            </a:extLst>
+          </p:cNvPr>
+          <p:cNvPicPr>
+            <a:picLocks noGrp="1" noChangeAspect="1"/>
+          </p:cNvPicPr>
+          <p:nvPr>
+            <p:ph idx="1"/>
+          </p:nvPr>
+        </p:nvPicPr>
+        <p:blipFill>
+          <a:blip r:embed="rId2">
+            <a:extLst>
+              <a:ext uri="{28A0092B-C50C-407E-A947-70E740481C1C}">
+                <a14:useLocalDpi xmlns:a14="http://schemas.microsoft.com/office/drawing/2010/main" val="0"/>
+              </a:ext>
+            </a:extLst>
+          </a:blip>
+          <a:stretch>
+            <a:fillRect/>
+          </a:stretch>
+        </p:blipFill>
+        <p:spPr>
+          <a:xfrm>
+            <a:off x="2388867" y="957578"/>
+            <a:ext cx="7414266" cy="4942844"/>
+          </a:xfrm>
+        </p:spPr>
+      </p:pic>
+    </p:spTree>
+    <p:extLst>
+      <p:ext uri="{BB962C8B-B14F-4D97-AF65-F5344CB8AC3E}">
+        <p14:creationId xmlns:p14="http://schemas.microsoft.com/office/powerpoint/2010/main" val="3815969556"/>
+      </p:ext>
+    </p:extLst>
+  </p:cSld>
+  <p:clrMapOvr>
+    <a:masterClrMapping/>
+  </p:clrMapOvr>
+</p:sld>
+</file>
+
+<file path=ppt/slides/slide19.xml><?xml version="1.0" encoding="utf-8"?>
 <p:sld xmlns:a="http://schemas.openxmlformats.org/drawingml/2006/main" xmlns:r="http://schemas.openxmlformats.org/officeDocument/2006/relationships" xmlns:p="http://schemas.openxmlformats.org/presentationml/2006/main">
   <p:cSld>
     <p:spTree>
@@ -9845,238 +10082,45 @@
           </a:p>
         </p:txBody>
       </p:sp>
+      <p:pic>
+        <p:nvPicPr>
+          <p:cNvPr id="4" name="Image 3" descr="Une image contenant texte, ligne, diagramme, Tracé&#10;&#10;Description générée automatiquement">
+            <a:extLst>
+              <a:ext uri="{FF2B5EF4-FFF2-40B4-BE49-F238E27FC236}">
+                <a16:creationId xmlns:a16="http://schemas.microsoft.com/office/drawing/2014/main" id="{AF38EE74-2160-9C10-D71D-0573388C5779}"/>
+              </a:ext>
+            </a:extLst>
+          </p:cNvPr>
+          <p:cNvPicPr>
+            <a:picLocks noChangeAspect="1"/>
+          </p:cNvPicPr>
+          <p:nvPr/>
+        </p:nvPicPr>
+        <p:blipFill rotWithShape="1">
+          <a:blip r:embed="rId2">
+            <a:extLst>
+              <a:ext uri="{28A0092B-C50C-407E-A947-70E740481C1C}">
+                <a14:useLocalDpi xmlns:a14="http://schemas.microsoft.com/office/drawing/2010/main" val="0"/>
+              </a:ext>
+            </a:extLst>
+          </a:blip>
+          <a:srcRect t="3993" r="5486"/>
+          <a:stretch/>
+        </p:blipFill>
+        <p:spPr>
+          <a:xfrm>
+            <a:off x="3101334" y="2800349"/>
+            <a:ext cx="5745485" cy="3890827"/>
+          </a:xfrm>
+          <a:prstGeom prst="rect">
+            <a:avLst/>
+          </a:prstGeom>
+        </p:spPr>
+      </p:pic>
     </p:spTree>
     <p:extLst>
       <p:ext uri="{BB962C8B-B14F-4D97-AF65-F5344CB8AC3E}">
         <p14:creationId xmlns:p14="http://schemas.microsoft.com/office/powerpoint/2010/main" val="1371653187"/>
-      </p:ext>
-    </p:extLst>
-  </p:cSld>
-  <p:clrMapOvr>
-    <a:masterClrMapping/>
-  </p:clrMapOvr>
-</p:sld>
-</file>
-
-<file path=ppt/slides/slide17.xml><?xml version="1.0" encoding="utf-8"?>
-<p:sld xmlns:a="http://schemas.openxmlformats.org/drawingml/2006/main" xmlns:r="http://schemas.openxmlformats.org/officeDocument/2006/relationships" xmlns:p="http://schemas.openxmlformats.org/presentationml/2006/main">
-  <p:cSld>
-    <p:spTree>
-      <p:nvGrpSpPr>
-        <p:cNvPr id="1" name="">
-          <a:extLst>
-            <a:ext uri="{FF2B5EF4-FFF2-40B4-BE49-F238E27FC236}">
-              <a16:creationId xmlns:a16="http://schemas.microsoft.com/office/drawing/2014/main" id="{44564F1C-57DC-EAEA-CF3E-47F854D4475D}"/>
-            </a:ext>
-          </a:extLst>
-        </p:cNvPr>
-        <p:cNvGrpSpPr/>
-        <p:nvPr/>
-      </p:nvGrpSpPr>
-      <p:grpSpPr>
-        <a:xfrm>
-          <a:off x="0" y="0"/>
-          <a:ext cx="0" cy="0"/>
-          <a:chOff x="0" y="0"/>
-          <a:chExt cx="0" cy="0"/>
-        </a:xfrm>
-      </p:grpSpPr>
-      <p:sp>
-        <p:nvSpPr>
-          <p:cNvPr id="2" name="Title 1">
-            <a:extLst>
-              <a:ext uri="{FF2B5EF4-FFF2-40B4-BE49-F238E27FC236}">
-                <a16:creationId xmlns:a16="http://schemas.microsoft.com/office/drawing/2014/main" id="{E0EE2BA8-0946-602E-EB84-4324B372F7E6}"/>
-              </a:ext>
-            </a:extLst>
-          </p:cNvPr>
-          <p:cNvSpPr>
-            <a:spLocks noGrp="1"/>
-          </p:cNvSpPr>
-          <p:nvPr>
-            <p:ph type="title"/>
-          </p:nvPr>
-        </p:nvSpPr>
-        <p:spPr/>
-        <p:txBody>
-          <a:bodyPr>
-            <a:normAutofit/>
-          </a:bodyPr>
-          <a:lstStyle/>
-          <a:p>
-            <a:r>
-              <a:rPr lang="en-US" sz="4000" dirty="0"/>
-              <a:t>F-b) </a:t>
-            </a:r>
-            <a:r>
-              <a:rPr lang="en-US" sz="4000" dirty="0" err="1"/>
-              <a:t>Comparaison</a:t>
-            </a:r>
-            <a:r>
-              <a:rPr lang="en-US" sz="4000" dirty="0"/>
-              <a:t> des </a:t>
-            </a:r>
-            <a:r>
-              <a:rPr lang="en-US" sz="4000" dirty="0" err="1"/>
-              <a:t>profils</a:t>
-            </a:r>
-            <a:r>
-              <a:rPr lang="en-US" sz="4000" dirty="0"/>
-              <a:t> de concentration</a:t>
-            </a:r>
-            <a:endParaRPr lang="en-CA" sz="4000" dirty="0"/>
-          </a:p>
-        </p:txBody>
-      </p:sp>
-      <p:sp>
-        <p:nvSpPr>
-          <p:cNvPr id="3" name="Content Placeholder 2">
-            <a:extLst>
-              <a:ext uri="{FF2B5EF4-FFF2-40B4-BE49-F238E27FC236}">
-                <a16:creationId xmlns:a16="http://schemas.microsoft.com/office/drawing/2014/main" id="{EAEAA665-25F9-39EB-C3E3-C120EBF82C28}"/>
-              </a:ext>
-            </a:extLst>
-          </p:cNvPr>
-          <p:cNvSpPr>
-            <a:spLocks noGrp="1"/>
-          </p:cNvSpPr>
-          <p:nvPr>
-            <p:ph idx="1"/>
-          </p:nvPr>
-        </p:nvSpPr>
-        <p:spPr/>
-        <p:txBody>
-          <a:bodyPr>
-            <a:normAutofit/>
-          </a:bodyPr>
-          <a:lstStyle/>
-          <a:p>
-            <a:r>
-              <a:rPr lang="fr-FR" dirty="0"/>
-              <a:t>b. tracer les profils de concentration obtenus avec les deux schémas numériques. </a:t>
-            </a:r>
-            <a:r>
-              <a:rPr lang="fr-FR" dirty="0">
-                <a:highlight>
-                  <a:srgbClr val="FFFF00"/>
-                </a:highlight>
-              </a:rPr>
-              <a:t>INSERT graphs</a:t>
-            </a:r>
-            <a:endParaRPr lang="en-CA" dirty="0">
-              <a:highlight>
-                <a:srgbClr val="FFFF00"/>
-              </a:highlight>
-            </a:endParaRPr>
-          </a:p>
-        </p:txBody>
-      </p:sp>
-    </p:spTree>
-    <p:extLst>
-      <p:ext uri="{BB962C8B-B14F-4D97-AF65-F5344CB8AC3E}">
-        <p14:creationId xmlns:p14="http://schemas.microsoft.com/office/powerpoint/2010/main" val="2642193640"/>
-      </p:ext>
-    </p:extLst>
-  </p:cSld>
-  <p:clrMapOvr>
-    <a:masterClrMapping/>
-  </p:clrMapOvr>
-</p:sld>
-</file>
-
-<file path=ppt/slides/slide18.xml><?xml version="1.0" encoding="utf-8"?>
-<p:sld xmlns:a="http://schemas.openxmlformats.org/drawingml/2006/main" xmlns:r="http://schemas.openxmlformats.org/officeDocument/2006/relationships" xmlns:p="http://schemas.openxmlformats.org/presentationml/2006/main">
-  <p:cSld>
-    <p:spTree>
-      <p:nvGrpSpPr>
-        <p:cNvPr id="1" name="">
-          <a:extLst>
-            <a:ext uri="{FF2B5EF4-FFF2-40B4-BE49-F238E27FC236}">
-              <a16:creationId xmlns:a16="http://schemas.microsoft.com/office/drawing/2014/main" id="{7F0B8EE4-930B-6D97-EB2B-1B03CE236D15}"/>
-            </a:ext>
-          </a:extLst>
-        </p:cNvPr>
-        <p:cNvGrpSpPr/>
-        <p:nvPr/>
-      </p:nvGrpSpPr>
-      <p:grpSpPr>
-        <a:xfrm>
-          <a:off x="0" y="0"/>
-          <a:ext cx="0" cy="0"/>
-          <a:chOff x="0" y="0"/>
-          <a:chExt cx="0" cy="0"/>
-        </a:xfrm>
-      </p:grpSpPr>
-      <p:sp>
-        <p:nvSpPr>
-          <p:cNvPr id="2" name="Title 1">
-            <a:extLst>
-              <a:ext uri="{FF2B5EF4-FFF2-40B4-BE49-F238E27FC236}">
-                <a16:creationId xmlns:a16="http://schemas.microsoft.com/office/drawing/2014/main" id="{BAF1B1AF-8E5A-D995-180C-39E557D09817}"/>
-              </a:ext>
-            </a:extLst>
-          </p:cNvPr>
-          <p:cNvSpPr>
-            <a:spLocks noGrp="1"/>
-          </p:cNvSpPr>
-          <p:nvPr>
-            <p:ph type="title"/>
-          </p:nvPr>
-        </p:nvSpPr>
-        <p:spPr/>
-        <p:txBody>
-          <a:bodyPr>
-            <a:normAutofit/>
-          </a:bodyPr>
-          <a:lstStyle/>
-          <a:p>
-            <a:r>
-              <a:rPr lang="en-US" sz="4000" dirty="0"/>
-              <a:t>F-c) </a:t>
-            </a:r>
-            <a:r>
-              <a:rPr lang="en-US" sz="4000" dirty="0" err="1"/>
-              <a:t>Commentaire</a:t>
-            </a:r>
-            <a:endParaRPr lang="en-CA" sz="4000" dirty="0"/>
-          </a:p>
-        </p:txBody>
-      </p:sp>
-      <p:sp>
-        <p:nvSpPr>
-          <p:cNvPr id="3" name="Content Placeholder 2">
-            <a:extLst>
-              <a:ext uri="{FF2B5EF4-FFF2-40B4-BE49-F238E27FC236}">
-                <a16:creationId xmlns:a16="http://schemas.microsoft.com/office/drawing/2014/main" id="{8BF5A1EC-E298-0AA9-CD0B-613EFE7549AA}"/>
-              </a:ext>
-            </a:extLst>
-          </p:cNvPr>
-          <p:cNvSpPr>
-            <a:spLocks noGrp="1"/>
-          </p:cNvSpPr>
-          <p:nvPr>
-            <p:ph idx="1"/>
-          </p:nvPr>
-        </p:nvSpPr>
-        <p:spPr/>
-        <p:txBody>
-          <a:bodyPr>
-            <a:normAutofit/>
-          </a:bodyPr>
-          <a:lstStyle/>
-          <a:p>
-            <a:r>
-              <a:rPr lang="fr-FR" dirty="0"/>
-              <a:t> c. que constatez-vous maintenant ? </a:t>
-            </a:r>
-            <a:endParaRPr lang="en-CA" dirty="0"/>
-          </a:p>
-        </p:txBody>
-      </p:sp>
-    </p:spTree>
-    <p:extLst>
-      <p:ext uri="{BB962C8B-B14F-4D97-AF65-F5344CB8AC3E}">
-        <p14:creationId xmlns:p14="http://schemas.microsoft.com/office/powerpoint/2010/main" val="628067341"/>
       </p:ext>
     </p:extLst>
   </p:cSld>
@@ -11670,6 +11714,429 @@
     <p:extLst>
       <p:ext uri="{BB962C8B-B14F-4D97-AF65-F5344CB8AC3E}">
         <p14:creationId xmlns:p14="http://schemas.microsoft.com/office/powerpoint/2010/main" val="2767786287"/>
+      </p:ext>
+    </p:extLst>
+  </p:cSld>
+  <p:clrMapOvr>
+    <a:masterClrMapping/>
+  </p:clrMapOvr>
+</p:sld>
+</file>
+
+<file path=ppt/slides/slide20.xml><?xml version="1.0" encoding="utf-8"?>
+<p:sld xmlns:a="http://schemas.openxmlformats.org/drawingml/2006/main" xmlns:r="http://schemas.openxmlformats.org/officeDocument/2006/relationships" xmlns:p="http://schemas.openxmlformats.org/presentationml/2006/main">
+  <p:cSld>
+    <p:spTree>
+      <p:nvGrpSpPr>
+        <p:cNvPr id="1" name=""/>
+        <p:cNvGrpSpPr/>
+        <p:nvPr/>
+      </p:nvGrpSpPr>
+      <p:grpSpPr>
+        <a:xfrm>
+          <a:off x="0" y="0"/>
+          <a:ext cx="0" cy="0"/>
+          <a:chOff x="0" y="0"/>
+          <a:chExt cx="0" cy="0"/>
+        </a:xfrm>
+      </p:grpSpPr>
+      <p:pic>
+        <p:nvPicPr>
+          <p:cNvPr id="17" name="Espace réservé du contenu 16" descr="Une image contenant texte, capture d’écran, ligne, nombre&#10;&#10;Description générée automatiquement">
+            <a:extLst>
+              <a:ext uri="{FF2B5EF4-FFF2-40B4-BE49-F238E27FC236}">
+                <a16:creationId xmlns:a16="http://schemas.microsoft.com/office/drawing/2014/main" id="{1919E274-B0D4-8C89-9C26-986B12AB23D0}"/>
+              </a:ext>
+            </a:extLst>
+          </p:cNvPr>
+          <p:cNvPicPr>
+            <a:picLocks noGrp="1" noChangeAspect="1"/>
+          </p:cNvPicPr>
+          <p:nvPr>
+            <p:ph idx="1"/>
+          </p:nvPr>
+        </p:nvPicPr>
+        <p:blipFill>
+          <a:blip r:embed="rId2">
+            <a:extLst>
+              <a:ext uri="{28A0092B-C50C-407E-A947-70E740481C1C}">
+                <a14:useLocalDpi xmlns:a14="http://schemas.microsoft.com/office/drawing/2010/main" val="0"/>
+              </a:ext>
+            </a:extLst>
+          </a:blip>
+          <a:stretch>
+            <a:fillRect/>
+          </a:stretch>
+        </p:blipFill>
+        <p:spPr>
+          <a:xfrm>
+            <a:off x="2137410" y="594360"/>
+            <a:ext cx="9068990" cy="6045993"/>
+          </a:xfrm>
+        </p:spPr>
+      </p:pic>
+    </p:spTree>
+    <p:extLst>
+      <p:ext uri="{BB962C8B-B14F-4D97-AF65-F5344CB8AC3E}">
+        <p14:creationId xmlns:p14="http://schemas.microsoft.com/office/powerpoint/2010/main" val="4096237354"/>
+      </p:ext>
+    </p:extLst>
+  </p:cSld>
+  <p:clrMapOvr>
+    <a:masterClrMapping/>
+  </p:clrMapOvr>
+</p:sld>
+</file>
+
+<file path=ppt/slides/slide21.xml><?xml version="1.0" encoding="utf-8"?>
+<p:sld xmlns:a="http://schemas.openxmlformats.org/drawingml/2006/main" xmlns:r="http://schemas.openxmlformats.org/officeDocument/2006/relationships" xmlns:p="http://schemas.openxmlformats.org/presentationml/2006/main">
+  <p:cSld>
+    <p:spTree>
+      <p:nvGrpSpPr>
+        <p:cNvPr id="1" name=""/>
+        <p:cNvGrpSpPr/>
+        <p:nvPr/>
+      </p:nvGrpSpPr>
+      <p:grpSpPr>
+        <a:xfrm>
+          <a:off x="0" y="0"/>
+          <a:ext cx="0" cy="0"/>
+          <a:chOff x="0" y="0"/>
+          <a:chExt cx="0" cy="0"/>
+        </a:xfrm>
+      </p:grpSpPr>
+      <p:pic>
+        <p:nvPicPr>
+          <p:cNvPr id="8" name="Espace réservé du contenu 7" descr="Une image contenant texte, capture d’écran, ligne, Police&#10;&#10;Description générée automatiquement">
+            <a:extLst>
+              <a:ext uri="{FF2B5EF4-FFF2-40B4-BE49-F238E27FC236}">
+                <a16:creationId xmlns:a16="http://schemas.microsoft.com/office/drawing/2014/main" id="{3B534559-435F-FC53-9280-AB2646750465}"/>
+              </a:ext>
+            </a:extLst>
+          </p:cNvPr>
+          <p:cNvPicPr>
+            <a:picLocks noGrp="1" noChangeAspect="1"/>
+          </p:cNvPicPr>
+          <p:nvPr>
+            <p:ph idx="1"/>
+          </p:nvPr>
+        </p:nvPicPr>
+        <p:blipFill>
+          <a:blip r:embed="rId2">
+            <a:extLst>
+              <a:ext uri="{28A0092B-C50C-407E-A947-70E740481C1C}">
+                <a14:useLocalDpi xmlns:a14="http://schemas.microsoft.com/office/drawing/2010/main" val="0"/>
+              </a:ext>
+            </a:extLst>
+          </a:blip>
+          <a:stretch>
+            <a:fillRect/>
+          </a:stretch>
+        </p:blipFill>
+        <p:spPr>
+          <a:xfrm>
+            <a:off x="2080260" y="696754"/>
+            <a:ext cx="8972550" cy="5981700"/>
+          </a:xfrm>
+        </p:spPr>
+      </p:pic>
+    </p:spTree>
+    <p:extLst>
+      <p:ext uri="{BB962C8B-B14F-4D97-AF65-F5344CB8AC3E}">
+        <p14:creationId xmlns:p14="http://schemas.microsoft.com/office/powerpoint/2010/main" val="3808195617"/>
+      </p:ext>
+    </p:extLst>
+  </p:cSld>
+  <p:clrMapOvr>
+    <a:masterClrMapping/>
+  </p:clrMapOvr>
+</p:sld>
+</file>
+
+<file path=ppt/slides/slide22.xml><?xml version="1.0" encoding="utf-8"?>
+<p:sld xmlns:a="http://schemas.openxmlformats.org/drawingml/2006/main" xmlns:r="http://schemas.openxmlformats.org/officeDocument/2006/relationships" xmlns:p="http://schemas.openxmlformats.org/presentationml/2006/main">
+  <p:cSld>
+    <p:spTree>
+      <p:nvGrpSpPr>
+        <p:cNvPr id="1" name=""/>
+        <p:cNvGrpSpPr/>
+        <p:nvPr/>
+      </p:nvGrpSpPr>
+      <p:grpSpPr>
+        <a:xfrm>
+          <a:off x="0" y="0"/>
+          <a:ext cx="0" cy="0"/>
+          <a:chOff x="0" y="0"/>
+          <a:chExt cx="0" cy="0"/>
+        </a:xfrm>
+      </p:grpSpPr>
+      <p:pic>
+        <p:nvPicPr>
+          <p:cNvPr id="7" name="Espace réservé du contenu 6" descr="Une image contenant texte, capture d’écran, ligne, Tracé&#10;&#10;Description générée automatiquement">
+            <a:extLst>
+              <a:ext uri="{FF2B5EF4-FFF2-40B4-BE49-F238E27FC236}">
+                <a16:creationId xmlns:a16="http://schemas.microsoft.com/office/drawing/2014/main" id="{75F4BEA6-F2FA-674B-96BB-3BF28BD81D49}"/>
+              </a:ext>
+            </a:extLst>
+          </p:cNvPr>
+          <p:cNvPicPr>
+            <a:picLocks noGrp="1" noChangeAspect="1"/>
+          </p:cNvPicPr>
+          <p:nvPr>
+            <p:ph idx="1"/>
+          </p:nvPr>
+        </p:nvPicPr>
+        <p:blipFill>
+          <a:blip r:embed="rId2">
+            <a:extLst>
+              <a:ext uri="{28A0092B-C50C-407E-A947-70E740481C1C}">
+                <a14:useLocalDpi xmlns:a14="http://schemas.microsoft.com/office/drawing/2010/main" val="0"/>
+              </a:ext>
+            </a:extLst>
+          </a:blip>
+          <a:stretch>
+            <a:fillRect/>
+          </a:stretch>
+        </p:blipFill>
+        <p:spPr>
+          <a:xfrm>
+            <a:off x="1748790" y="380524"/>
+            <a:ext cx="9429750" cy="6286500"/>
+          </a:xfrm>
+        </p:spPr>
+      </p:pic>
+    </p:spTree>
+    <p:extLst>
+      <p:ext uri="{BB962C8B-B14F-4D97-AF65-F5344CB8AC3E}">
+        <p14:creationId xmlns:p14="http://schemas.microsoft.com/office/powerpoint/2010/main" val="1917324526"/>
+      </p:ext>
+    </p:extLst>
+  </p:cSld>
+  <p:clrMapOvr>
+    <a:masterClrMapping/>
+  </p:clrMapOvr>
+</p:sld>
+</file>
+
+<file path=ppt/slides/slide23.xml><?xml version="1.0" encoding="utf-8"?>
+<p:sld xmlns:a="http://schemas.openxmlformats.org/drawingml/2006/main" xmlns:r="http://schemas.openxmlformats.org/officeDocument/2006/relationships" xmlns:p="http://schemas.openxmlformats.org/presentationml/2006/main">
+  <p:cSld>
+    <p:spTree>
+      <p:nvGrpSpPr>
+        <p:cNvPr id="1" name="">
+          <a:extLst>
+            <a:ext uri="{FF2B5EF4-FFF2-40B4-BE49-F238E27FC236}">
+              <a16:creationId xmlns:a16="http://schemas.microsoft.com/office/drawing/2014/main" id="{44564F1C-57DC-EAEA-CF3E-47F854D4475D}"/>
+            </a:ext>
+          </a:extLst>
+        </p:cNvPr>
+        <p:cNvGrpSpPr/>
+        <p:nvPr/>
+      </p:nvGrpSpPr>
+      <p:grpSpPr>
+        <a:xfrm>
+          <a:off x="0" y="0"/>
+          <a:ext cx="0" cy="0"/>
+          <a:chOff x="0" y="0"/>
+          <a:chExt cx="0" cy="0"/>
+        </a:xfrm>
+      </p:grpSpPr>
+      <p:sp>
+        <p:nvSpPr>
+          <p:cNvPr id="2" name="Title 1">
+            <a:extLst>
+              <a:ext uri="{FF2B5EF4-FFF2-40B4-BE49-F238E27FC236}">
+                <a16:creationId xmlns:a16="http://schemas.microsoft.com/office/drawing/2014/main" id="{E0EE2BA8-0946-602E-EB84-4324B372F7E6}"/>
+              </a:ext>
+            </a:extLst>
+          </p:cNvPr>
+          <p:cNvSpPr>
+            <a:spLocks noGrp="1"/>
+          </p:cNvSpPr>
+          <p:nvPr>
+            <p:ph type="title"/>
+          </p:nvPr>
+        </p:nvSpPr>
+        <p:spPr/>
+        <p:txBody>
+          <a:bodyPr>
+            <a:normAutofit/>
+          </a:bodyPr>
+          <a:lstStyle/>
+          <a:p>
+            <a:r>
+              <a:rPr lang="en-US" sz="4000" dirty="0"/>
+              <a:t>F-b) </a:t>
+            </a:r>
+            <a:r>
+              <a:rPr lang="en-US" sz="4000" dirty="0" err="1"/>
+              <a:t>Comparaison</a:t>
+            </a:r>
+            <a:r>
+              <a:rPr lang="en-US" sz="4000" dirty="0"/>
+              <a:t> des </a:t>
+            </a:r>
+            <a:r>
+              <a:rPr lang="en-US" sz="4000" dirty="0" err="1"/>
+              <a:t>profils</a:t>
+            </a:r>
+            <a:r>
+              <a:rPr lang="en-US" sz="4000" dirty="0"/>
+              <a:t> de concentration</a:t>
+            </a:r>
+            <a:endParaRPr lang="en-CA" sz="4000" dirty="0"/>
+          </a:p>
+        </p:txBody>
+      </p:sp>
+      <p:sp>
+        <p:nvSpPr>
+          <p:cNvPr id="3" name="Content Placeholder 2">
+            <a:extLst>
+              <a:ext uri="{FF2B5EF4-FFF2-40B4-BE49-F238E27FC236}">
+                <a16:creationId xmlns:a16="http://schemas.microsoft.com/office/drawing/2014/main" id="{EAEAA665-25F9-39EB-C3E3-C120EBF82C28}"/>
+              </a:ext>
+            </a:extLst>
+          </p:cNvPr>
+          <p:cNvSpPr>
+            <a:spLocks noGrp="1"/>
+          </p:cNvSpPr>
+          <p:nvPr>
+            <p:ph idx="1"/>
+          </p:nvPr>
+        </p:nvSpPr>
+        <p:spPr/>
+        <p:txBody>
+          <a:bodyPr>
+            <a:normAutofit/>
+          </a:bodyPr>
+          <a:lstStyle/>
+          <a:p>
+            <a:r>
+              <a:rPr lang="fr-FR" dirty="0"/>
+              <a:t>b. tracer les profils de concentration obtenus avec les deux schémas numériques. </a:t>
+            </a:r>
+            <a:r>
+              <a:rPr lang="fr-FR" dirty="0">
+                <a:highlight>
+                  <a:srgbClr val="FFFF00"/>
+                </a:highlight>
+              </a:rPr>
+              <a:t>INSERT graphs</a:t>
+            </a:r>
+            <a:endParaRPr lang="en-CA" dirty="0">
+              <a:highlight>
+                <a:srgbClr val="FFFF00"/>
+              </a:highlight>
+            </a:endParaRPr>
+          </a:p>
+        </p:txBody>
+      </p:sp>
+    </p:spTree>
+    <p:extLst>
+      <p:ext uri="{BB962C8B-B14F-4D97-AF65-F5344CB8AC3E}">
+        <p14:creationId xmlns:p14="http://schemas.microsoft.com/office/powerpoint/2010/main" val="2642193640"/>
+      </p:ext>
+    </p:extLst>
+  </p:cSld>
+  <p:clrMapOvr>
+    <a:masterClrMapping/>
+  </p:clrMapOvr>
+</p:sld>
+</file>
+
+<file path=ppt/slides/slide24.xml><?xml version="1.0" encoding="utf-8"?>
+<p:sld xmlns:a="http://schemas.openxmlformats.org/drawingml/2006/main" xmlns:r="http://schemas.openxmlformats.org/officeDocument/2006/relationships" xmlns:p="http://schemas.openxmlformats.org/presentationml/2006/main">
+  <p:cSld>
+    <p:spTree>
+      <p:nvGrpSpPr>
+        <p:cNvPr id="1" name="">
+          <a:extLst>
+            <a:ext uri="{FF2B5EF4-FFF2-40B4-BE49-F238E27FC236}">
+              <a16:creationId xmlns:a16="http://schemas.microsoft.com/office/drawing/2014/main" id="{7F0B8EE4-930B-6D97-EB2B-1B03CE236D15}"/>
+            </a:ext>
+          </a:extLst>
+        </p:cNvPr>
+        <p:cNvGrpSpPr/>
+        <p:nvPr/>
+      </p:nvGrpSpPr>
+      <p:grpSpPr>
+        <a:xfrm>
+          <a:off x="0" y="0"/>
+          <a:ext cx="0" cy="0"/>
+          <a:chOff x="0" y="0"/>
+          <a:chExt cx="0" cy="0"/>
+        </a:xfrm>
+      </p:grpSpPr>
+      <p:sp>
+        <p:nvSpPr>
+          <p:cNvPr id="2" name="Title 1">
+            <a:extLst>
+              <a:ext uri="{FF2B5EF4-FFF2-40B4-BE49-F238E27FC236}">
+                <a16:creationId xmlns:a16="http://schemas.microsoft.com/office/drawing/2014/main" id="{BAF1B1AF-8E5A-D995-180C-39E557D09817}"/>
+              </a:ext>
+            </a:extLst>
+          </p:cNvPr>
+          <p:cNvSpPr>
+            <a:spLocks noGrp="1"/>
+          </p:cNvSpPr>
+          <p:nvPr>
+            <p:ph type="title"/>
+          </p:nvPr>
+        </p:nvSpPr>
+        <p:spPr/>
+        <p:txBody>
+          <a:bodyPr>
+            <a:normAutofit/>
+          </a:bodyPr>
+          <a:lstStyle/>
+          <a:p>
+            <a:r>
+              <a:rPr lang="en-US" sz="4000" dirty="0"/>
+              <a:t>F-c) </a:t>
+            </a:r>
+            <a:r>
+              <a:rPr lang="en-US" sz="4000" dirty="0" err="1"/>
+              <a:t>Commentaire</a:t>
+            </a:r>
+            <a:endParaRPr lang="en-CA" sz="4000" dirty="0"/>
+          </a:p>
+        </p:txBody>
+      </p:sp>
+      <p:sp>
+        <p:nvSpPr>
+          <p:cNvPr id="3" name="Content Placeholder 2">
+            <a:extLst>
+              <a:ext uri="{FF2B5EF4-FFF2-40B4-BE49-F238E27FC236}">
+                <a16:creationId xmlns:a16="http://schemas.microsoft.com/office/drawing/2014/main" id="{8BF5A1EC-E298-0AA9-CD0B-613EFE7549AA}"/>
+              </a:ext>
+            </a:extLst>
+          </p:cNvPr>
+          <p:cNvSpPr>
+            <a:spLocks noGrp="1"/>
+          </p:cNvSpPr>
+          <p:nvPr>
+            <p:ph idx="1"/>
+          </p:nvPr>
+        </p:nvSpPr>
+        <p:spPr/>
+        <p:txBody>
+          <a:bodyPr>
+            <a:normAutofit/>
+          </a:bodyPr>
+          <a:lstStyle/>
+          <a:p>
+            <a:r>
+              <a:rPr lang="fr-FR" dirty="0"/>
+              <a:t> c. que constatez-vous maintenant ? </a:t>
+            </a:r>
+            <a:endParaRPr lang="en-CA" dirty="0"/>
+          </a:p>
+        </p:txBody>
+      </p:sp>
+    </p:spTree>
+    <p:extLst>
+      <p:ext uri="{BB962C8B-B14F-4D97-AF65-F5344CB8AC3E}">
+        <p14:creationId xmlns:p14="http://schemas.microsoft.com/office/powerpoint/2010/main" val="628067341"/>
       </p:ext>
     </p:extLst>
   </p:cSld>

--- a/Devoir_1.pptx
+++ b/Devoir_1.pptx
@@ -5,7 +5,7 @@
     <p:sldMasterId id="2147483648" r:id="rId1"/>
   </p:sldMasterIdLst>
   <p:notesMasterIdLst>
-    <p:notesMasterId r:id="rId26"/>
+    <p:notesMasterId r:id="rId25"/>
   </p:notesMasterIdLst>
   <p:sldIdLst>
     <p:sldId id="256" r:id="rId2"/>
@@ -17,21 +17,20 @@
     <p:sldId id="263" r:id="rId8"/>
     <p:sldId id="262" r:id="rId9"/>
     <p:sldId id="264" r:id="rId10"/>
-    <p:sldId id="265" r:id="rId11"/>
-    <p:sldId id="266" r:id="rId12"/>
-    <p:sldId id="267" r:id="rId13"/>
-    <p:sldId id="268" r:id="rId14"/>
-    <p:sldId id="270" r:id="rId15"/>
-    <p:sldId id="269" r:id="rId16"/>
-    <p:sldId id="277" r:id="rId17"/>
-    <p:sldId id="278" r:id="rId18"/>
-    <p:sldId id="279" r:id="rId19"/>
-    <p:sldId id="271" r:id="rId20"/>
-    <p:sldId id="274" r:id="rId21"/>
-    <p:sldId id="276" r:id="rId22"/>
-    <p:sldId id="275" r:id="rId23"/>
-    <p:sldId id="272" r:id="rId24"/>
-    <p:sldId id="273" r:id="rId25"/>
+    <p:sldId id="266" r:id="rId11"/>
+    <p:sldId id="267" r:id="rId12"/>
+    <p:sldId id="268" r:id="rId13"/>
+    <p:sldId id="270" r:id="rId14"/>
+    <p:sldId id="269" r:id="rId15"/>
+    <p:sldId id="277" r:id="rId16"/>
+    <p:sldId id="278" r:id="rId17"/>
+    <p:sldId id="279" r:id="rId18"/>
+    <p:sldId id="271" r:id="rId19"/>
+    <p:sldId id="274" r:id="rId20"/>
+    <p:sldId id="276" r:id="rId21"/>
+    <p:sldId id="275" r:id="rId22"/>
+    <p:sldId id="272" r:id="rId23"/>
+    <p:sldId id="273" r:id="rId24"/>
   </p:sldIdLst>
   <p:sldSz cx="12192000" cy="6858000"/>
   <p:notesSz cx="6858000" cy="9144000"/>
@@ -142,32 +141,6 @@
 <p188:authorLst xmlns:a="http://schemas.openxmlformats.org/drawingml/2006/main" xmlns:r="http://schemas.openxmlformats.org/officeDocument/2006/relationships" xmlns:p188="http://schemas.microsoft.com/office/powerpoint/2018/8/main">
   <p188:author id="{4BB11620-EFBC-D13A-7B93-45F2C922ABDE}" name="ACILE SFEIR" initials="AS" userId="b5e2f9be0f86ab7e" providerId="Windows Live"/>
 </p188:authorLst>
-</file>
-
-<file path=ppt/comments/modernComment_109_409E946B.xml><?xml version="1.0" encoding="utf-8"?>
-<p188:cmLst xmlns:a="http://schemas.openxmlformats.org/drawingml/2006/main" xmlns:r="http://schemas.openxmlformats.org/officeDocument/2006/relationships" xmlns:p188="http://schemas.microsoft.com/office/powerpoint/2018/8/main">
-  <p188:cm id="{965F2D25-9387-4F3A-AA35-51B59F244A7B}" authorId="{4BB11620-EFBC-D13A-7B93-45F2C922ABDE}" created="2024-02-10T16:51:52.769">
-    <ac:txMkLst xmlns:ac="http://schemas.microsoft.com/office/drawing/2013/main/command">
-      <pc:docMk xmlns:pc="http://schemas.microsoft.com/office/powerpoint/2013/main/command"/>
-      <pc:sldMk xmlns:pc="http://schemas.microsoft.com/office/powerpoint/2013/main/command" cId="1084134507" sldId="265"/>
-      <ac:spMk id="2" creationId="{E8BE38DA-0E02-BE2C-5452-27F9E9A93F4E}"/>
-      <ac:txMk cp="1" len="65">
-        <ac:context len="68" hash="1021209261"/>
-      </ac:txMk>
-    </ac:txMkLst>
-    <p188:pos x="10194235" y="598971"/>
-    <p188:txBody>
-      <a:bodyPr/>
-      <a:lstStyle/>
-      <a:p>
-        <a:r>
-          <a:rPr lang="en-CA"/>
-          <a:t>Diapo a effacer-j’essayais juste de voir si la methode de l’equation caracteristique donne bien une equation elliptique, mais bon</a:t>
-        </a:r>
-      </a:p>
-    </p188:txBody>
-  </p188:cm>
-</p188:cmLst>
 </file>
 
 <file path=ppt/comments/modernComment_10B_C87708A9.xml><?xml version="1.0" encoding="utf-8"?>
@@ -437,7 +410,7 @@
           <a:p>
             <a:fld id="{603E9730-38DB-4F77-A139-6CE923099591}" type="slidenum">
               <a:rPr lang="en-CA" smtClean="0"/>
-              <a:t>‹N°›</a:t>
+              <a:t>‹#›</a:t>
             </a:fld>
             <a:endParaRPr lang="en-CA"/>
           </a:p>
@@ -590,6 +563,37 @@
           <a:bodyPr/>
           <a:lstStyle/>
           <a:p>
+            <a:pPr marL="0" marR="0" lvl="0" indent="0" algn="l" defTabSz="914400" rtl="0" eaLnBrk="1" fontAlgn="auto" latinLnBrk="0" hangingPunct="1">
+              <a:lnSpc>
+                <a:spcPct val="100000"/>
+              </a:lnSpc>
+              <a:spcBef>
+                <a:spcPts val="0"/>
+              </a:spcBef>
+              <a:spcAft>
+                <a:spcPts val="0"/>
+              </a:spcAft>
+              <a:buClrTx/>
+              <a:buSzTx/>
+              <a:buFontTx/>
+              <a:buNone/>
+              <a:tabLst/>
+              <a:defRPr/>
+            </a:pPr>
+            <a:r>
+              <a:rPr lang="en-CA" dirty="0"/>
+              <a:t>Delta r </a:t>
+            </a:r>
+            <a:r>
+              <a:rPr lang="en-CA" dirty="0" err="1"/>
+              <a:t>c’est</a:t>
+            </a:r>
+            <a:r>
+              <a:rPr lang="en-CA" dirty="0"/>
+              <a:t> des metres pas des m-1</a:t>
+            </a:r>
+          </a:p>
+          <a:p>
             <a:endParaRPr lang="en-CA" dirty="0"/>
           </a:p>
         </p:txBody>
@@ -611,7 +615,7 @@
           <a:p>
             <a:fld id="{603E9730-38DB-4F77-A139-6CE923099591}" type="slidenum">
               <a:rPr lang="en-CA" smtClean="0"/>
-              <a:t>10</a:t>
+              <a:t>12</a:t>
             </a:fld>
             <a:endParaRPr lang="en-CA"/>
           </a:p>
@@ -620,7 +624,91 @@
     </p:spTree>
     <p:extLst>
       <p:ext uri="{BB962C8B-B14F-4D97-AF65-F5344CB8AC3E}">
-        <p14:creationId xmlns:p14="http://schemas.microsoft.com/office/powerpoint/2010/main" val="3059898523"/>
+        <p14:creationId xmlns:p14="http://schemas.microsoft.com/office/powerpoint/2010/main" val="1318281760"/>
+      </p:ext>
+    </p:extLst>
+  </p:cSld>
+  <p:clrMapOvr>
+    <a:masterClrMapping/>
+  </p:clrMapOvr>
+</p:notes>
+</file>
+
+<file path=ppt/notesSlides/notesSlide2.xml><?xml version="1.0" encoding="utf-8"?>
+<p:notes xmlns:a="http://schemas.openxmlformats.org/drawingml/2006/main" xmlns:r="http://schemas.openxmlformats.org/officeDocument/2006/relationships" xmlns:p="http://schemas.openxmlformats.org/presentationml/2006/main">
+  <p:cSld>
+    <p:spTree>
+      <p:nvGrpSpPr>
+        <p:cNvPr id="1" name=""/>
+        <p:cNvGrpSpPr/>
+        <p:nvPr/>
+      </p:nvGrpSpPr>
+      <p:grpSpPr>
+        <a:xfrm>
+          <a:off x="0" y="0"/>
+          <a:ext cx="0" cy="0"/>
+          <a:chOff x="0" y="0"/>
+          <a:chExt cx="0" cy="0"/>
+        </a:xfrm>
+      </p:grpSpPr>
+      <p:sp>
+        <p:nvSpPr>
+          <p:cNvPr id="2" name="Slide Image Placeholder 1"/>
+          <p:cNvSpPr>
+            <a:spLocks noGrp="1" noRot="1" noChangeAspect="1"/>
+          </p:cNvSpPr>
+          <p:nvPr>
+            <p:ph type="sldImg"/>
+          </p:nvPr>
+        </p:nvSpPr>
+        <p:spPr/>
+      </p:sp>
+      <p:sp>
+        <p:nvSpPr>
+          <p:cNvPr id="3" name="Notes Placeholder 2"/>
+          <p:cNvSpPr>
+            <a:spLocks noGrp="1"/>
+          </p:cNvSpPr>
+          <p:nvPr>
+            <p:ph type="body" idx="1"/>
+          </p:nvPr>
+        </p:nvSpPr>
+        <p:spPr/>
+        <p:txBody>
+          <a:bodyPr/>
+          <a:lstStyle/>
+          <a:p>
+            <a:endParaRPr lang="en-CA" dirty="0"/>
+          </a:p>
+        </p:txBody>
+      </p:sp>
+      <p:sp>
+        <p:nvSpPr>
+          <p:cNvPr id="4" name="Slide Number Placeholder 3"/>
+          <p:cNvSpPr>
+            <a:spLocks noGrp="1"/>
+          </p:cNvSpPr>
+          <p:nvPr>
+            <p:ph type="sldNum" sz="quarter" idx="5"/>
+          </p:nvPr>
+        </p:nvSpPr>
+        <p:spPr/>
+        <p:txBody>
+          <a:bodyPr/>
+          <a:lstStyle/>
+          <a:p>
+            <a:fld id="{603E9730-38DB-4F77-A139-6CE923099591}" type="slidenum">
+              <a:rPr lang="en-CA" smtClean="0"/>
+              <a:t>14</a:t>
+            </a:fld>
+            <a:endParaRPr lang="en-CA"/>
+          </a:p>
+        </p:txBody>
+      </p:sp>
+    </p:spTree>
+    <p:extLst>
+      <p:ext uri="{BB962C8B-B14F-4D97-AF65-F5344CB8AC3E}">
+        <p14:creationId xmlns:p14="http://schemas.microsoft.com/office/powerpoint/2010/main" val="1096799506"/>
       </p:ext>
     </p:extLst>
   </p:cSld>
@@ -833,7 +921,7 @@
           <a:p>
             <a:fld id="{4BD3201E-7DF8-462B-AC18-61E63795AE0D}" type="slidenum">
               <a:rPr lang="en-CA" smtClean="0"/>
-              <a:t>‹N°›</a:t>
+              <a:t>‹#›</a:t>
             </a:fld>
             <a:endParaRPr lang="en-CA"/>
           </a:p>
@@ -1033,7 +1121,7 @@
           <a:p>
             <a:fld id="{4BD3201E-7DF8-462B-AC18-61E63795AE0D}" type="slidenum">
               <a:rPr lang="en-CA" smtClean="0"/>
-              <a:t>‹N°›</a:t>
+              <a:t>‹#›</a:t>
             </a:fld>
             <a:endParaRPr lang="en-CA"/>
           </a:p>
@@ -1243,7 +1331,7 @@
           <a:p>
             <a:fld id="{4BD3201E-7DF8-462B-AC18-61E63795AE0D}" type="slidenum">
               <a:rPr lang="en-CA" smtClean="0"/>
-              <a:t>‹N°›</a:t>
+              <a:t>‹#›</a:t>
             </a:fld>
             <a:endParaRPr lang="en-CA"/>
           </a:p>
@@ -1443,7 +1531,7 @@
           <a:p>
             <a:fld id="{4BD3201E-7DF8-462B-AC18-61E63795AE0D}" type="slidenum">
               <a:rPr lang="en-CA" smtClean="0"/>
-              <a:t>‹N°›</a:t>
+              <a:t>‹#›</a:t>
             </a:fld>
             <a:endParaRPr lang="en-CA"/>
           </a:p>
@@ -1719,7 +1807,7 @@
           <a:p>
             <a:fld id="{4BD3201E-7DF8-462B-AC18-61E63795AE0D}" type="slidenum">
               <a:rPr lang="en-CA" smtClean="0"/>
-              <a:t>‹N°›</a:t>
+              <a:t>‹#›</a:t>
             </a:fld>
             <a:endParaRPr lang="en-CA"/>
           </a:p>
@@ -1987,7 +2075,7 @@
           <a:p>
             <a:fld id="{4BD3201E-7DF8-462B-AC18-61E63795AE0D}" type="slidenum">
               <a:rPr lang="en-CA" smtClean="0"/>
-              <a:t>‹N°›</a:t>
+              <a:t>‹#›</a:t>
             </a:fld>
             <a:endParaRPr lang="en-CA"/>
           </a:p>
@@ -2402,7 +2490,7 @@
           <a:p>
             <a:fld id="{4BD3201E-7DF8-462B-AC18-61E63795AE0D}" type="slidenum">
               <a:rPr lang="en-CA" smtClean="0"/>
-              <a:t>‹N°›</a:t>
+              <a:t>‹#›</a:t>
             </a:fld>
             <a:endParaRPr lang="en-CA"/>
           </a:p>
@@ -2544,7 +2632,7 @@
           <a:p>
             <a:fld id="{4BD3201E-7DF8-462B-AC18-61E63795AE0D}" type="slidenum">
               <a:rPr lang="en-CA" smtClean="0"/>
-              <a:t>‹N°›</a:t>
+              <a:t>‹#›</a:t>
             </a:fld>
             <a:endParaRPr lang="en-CA"/>
           </a:p>
@@ -2657,7 +2745,7 @@
           <a:p>
             <a:fld id="{4BD3201E-7DF8-462B-AC18-61E63795AE0D}" type="slidenum">
               <a:rPr lang="en-CA" smtClean="0"/>
-              <a:t>‹N°›</a:t>
+              <a:t>‹#›</a:t>
             </a:fld>
             <a:endParaRPr lang="en-CA"/>
           </a:p>
@@ -2970,7 +3058,7 @@
           <a:p>
             <a:fld id="{4BD3201E-7DF8-462B-AC18-61E63795AE0D}" type="slidenum">
               <a:rPr lang="en-CA" smtClean="0"/>
-              <a:t>‹N°›</a:t>
+              <a:t>‹#›</a:t>
             </a:fld>
             <a:endParaRPr lang="en-CA"/>
           </a:p>
@@ -3259,7 +3347,7 @@
           <a:p>
             <a:fld id="{4BD3201E-7DF8-462B-AC18-61E63795AE0D}" type="slidenum">
               <a:rPr lang="en-CA" smtClean="0"/>
-              <a:t>‹N°›</a:t>
+              <a:t>‹#›</a:t>
             </a:fld>
             <a:endParaRPr lang="en-CA"/>
           </a:p>
@@ -3538,7 +3626,7 @@
           <a:p>
             <a:fld id="{4BD3201E-7DF8-462B-AC18-61E63795AE0D}" type="slidenum">
               <a:rPr lang="en-CA" smtClean="0"/>
-              <a:t>‹N°›</a:t>
+              <a:t>‹#›</a:t>
             </a:fld>
             <a:endParaRPr lang="en-CA"/>
           </a:p>
@@ -4192,1438 +4280,6 @@
   <p:cSld>
     <p:spTree>
       <p:nvGrpSpPr>
-        <p:cNvPr id="1" name=""/>
-        <p:cNvGrpSpPr/>
-        <p:nvPr/>
-      </p:nvGrpSpPr>
-      <p:grpSpPr>
-        <a:xfrm>
-          <a:off x="0" y="0"/>
-          <a:ext cx="0" cy="0"/>
-          <a:chOff x="0" y="0"/>
-          <a:chExt cx="0" cy="0"/>
-        </a:xfrm>
-      </p:grpSpPr>
-      <p:sp>
-        <p:nvSpPr>
-          <p:cNvPr id="2" name="Title 1">
-            <a:extLst>
-              <a:ext uri="{FF2B5EF4-FFF2-40B4-BE49-F238E27FC236}">
-                <a16:creationId xmlns:a16="http://schemas.microsoft.com/office/drawing/2014/main" id="{E8BE38DA-0E02-BE2C-5452-27F9E9A93F4E}"/>
-              </a:ext>
-            </a:extLst>
-          </p:cNvPr>
-          <p:cNvSpPr>
-            <a:spLocks noGrp="1"/>
-          </p:cNvSpPr>
-          <p:nvPr>
-            <p:ph type="title"/>
-          </p:nvPr>
-        </p:nvSpPr>
-        <p:spPr/>
-        <p:txBody>
-          <a:bodyPr>
-            <a:normAutofit/>
-          </a:bodyPr>
-          <a:lstStyle/>
-          <a:p>
-            <a:r>
-              <a:rPr lang="en-CA" sz="3000" dirty="0"/>
-              <a:t>C) Solution </a:t>
-            </a:r>
-            <a:r>
-              <a:rPr lang="en-CA" sz="3000" dirty="0" err="1"/>
-              <a:t>analytique</a:t>
-            </a:r>
-            <a:r>
-              <a:rPr lang="en-CA" sz="3000" dirty="0"/>
-              <a:t> </a:t>
-            </a:r>
-            <a:r>
-              <a:rPr lang="en-CA" sz="3000" dirty="0" err="1"/>
-              <a:t>en</a:t>
-            </a:r>
-            <a:r>
-              <a:rPr lang="en-CA" sz="3000" dirty="0"/>
-              <a:t> </a:t>
-            </a:r>
-            <a:r>
-              <a:rPr lang="en-CA" sz="3000" dirty="0" err="1"/>
-              <a:t>régime</a:t>
-            </a:r>
-            <a:r>
-              <a:rPr lang="en-CA" sz="3000" dirty="0"/>
-              <a:t> </a:t>
-            </a:r>
-            <a:r>
-              <a:rPr lang="en-CA" sz="3000" dirty="0" err="1"/>
-              <a:t>stationnaire</a:t>
-            </a:r>
-            <a:r>
-              <a:rPr lang="en-CA" sz="3000" dirty="0"/>
-              <a:t> (</a:t>
-            </a:r>
-            <a:r>
-              <a:rPr lang="en-CA" sz="3000" dirty="0" err="1"/>
-              <a:t>équation</a:t>
-            </a:r>
-            <a:r>
-              <a:rPr lang="en-CA" sz="3000" dirty="0"/>
-              <a:t> </a:t>
-            </a:r>
-            <a:r>
-              <a:rPr lang="en-CA" sz="3000" dirty="0" err="1"/>
-              <a:t>elliptique</a:t>
-            </a:r>
-            <a:r>
-              <a:rPr lang="en-CA" sz="3000" dirty="0"/>
-              <a:t>)</a:t>
-            </a:r>
-          </a:p>
-        </p:txBody>
-      </p:sp>
-      <mc:AlternateContent xmlns:mc="http://schemas.openxmlformats.org/markup-compatibility/2006" xmlns:a14="http://schemas.microsoft.com/office/drawing/2010/main">
-        <mc:Choice Requires="a14">
-          <p:sp>
-            <p:nvSpPr>
-              <p:cNvPr id="3" name="Content Placeholder 2">
-                <a:extLst>
-                  <a:ext uri="{FF2B5EF4-FFF2-40B4-BE49-F238E27FC236}">
-                    <a16:creationId xmlns:a16="http://schemas.microsoft.com/office/drawing/2014/main" id="{A988F132-4FDD-A105-FA93-7917FF72289B}"/>
-                  </a:ext>
-                </a:extLst>
-              </p:cNvPr>
-              <p:cNvSpPr>
-                <a:spLocks noGrp="1"/>
-              </p:cNvSpPr>
-              <p:nvPr>
-                <p:ph idx="1"/>
-              </p:nvPr>
-            </p:nvSpPr>
-            <p:spPr/>
-            <p:txBody>
-              <a:bodyPr>
-                <a:normAutofit lnSpcReduction="10000"/>
-              </a:bodyPr>
-              <a:lstStyle/>
-              <a:p>
-                <a:pPr marL="0" indent="0">
-                  <a:buNone/>
-                </a:pPr>
-                <a:r>
-                  <a:rPr lang="en-CA" dirty="0">
-                    <a:highlight>
-                      <a:srgbClr val="FFFF00"/>
-                    </a:highlight>
-                  </a:rPr>
-                  <a:t>En </a:t>
-                </a:r>
-                <a:r>
-                  <a:rPr lang="en-CA" dirty="0" err="1">
-                    <a:highlight>
-                      <a:srgbClr val="FFFF00"/>
-                    </a:highlight>
-                  </a:rPr>
-                  <a:t>régime</a:t>
-                </a:r>
-                <a:r>
-                  <a:rPr lang="en-CA" dirty="0">
-                    <a:highlight>
-                      <a:srgbClr val="FFFF00"/>
-                    </a:highlight>
-                  </a:rPr>
-                  <a:t> </a:t>
-                </a:r>
-                <a:r>
-                  <a:rPr lang="en-CA" dirty="0" err="1">
-                    <a:highlight>
-                      <a:srgbClr val="FFFF00"/>
-                    </a:highlight>
-                  </a:rPr>
-                  <a:t>stationnaire</a:t>
-                </a:r>
-                <a:r>
-                  <a:rPr lang="en-CA" dirty="0">
-                    <a:highlight>
-                      <a:srgbClr val="FFFF00"/>
-                    </a:highlight>
-                  </a:rPr>
-                  <a:t> les </a:t>
-                </a:r>
-                <a:r>
-                  <a:rPr lang="en-CA" dirty="0" err="1">
-                    <a:highlight>
-                      <a:srgbClr val="FFFF00"/>
-                    </a:highlight>
-                  </a:rPr>
-                  <a:t>dérivées</a:t>
-                </a:r>
-                <a:r>
-                  <a:rPr lang="en-CA" dirty="0">
-                    <a:highlight>
-                      <a:srgbClr val="FFFF00"/>
-                    </a:highlight>
-                  </a:rPr>
-                  <a:t> </a:t>
-                </a:r>
-                <a:r>
-                  <a:rPr lang="en-CA" dirty="0" err="1">
-                    <a:highlight>
-                      <a:srgbClr val="FFFF00"/>
-                    </a:highlight>
-                  </a:rPr>
-                  <a:t>temporelles</a:t>
-                </a:r>
-                <a:r>
-                  <a:rPr lang="en-CA" dirty="0">
-                    <a:highlight>
-                      <a:srgbClr val="FFFF00"/>
-                    </a:highlight>
-                  </a:rPr>
-                  <a:t> </a:t>
-                </a:r>
-                <a:r>
-                  <a:rPr lang="en-CA" dirty="0" err="1">
-                    <a:highlight>
-                      <a:srgbClr val="FFFF00"/>
-                    </a:highlight>
-                  </a:rPr>
-                  <a:t>sont</a:t>
-                </a:r>
-                <a:r>
-                  <a:rPr lang="en-CA" dirty="0">
-                    <a:highlight>
-                      <a:srgbClr val="FFFF00"/>
-                    </a:highlight>
-                  </a:rPr>
-                  <a:t> </a:t>
-                </a:r>
-                <a:r>
-                  <a:rPr lang="en-CA" dirty="0" err="1">
-                    <a:highlight>
-                      <a:srgbClr val="FFFF00"/>
-                    </a:highlight>
-                  </a:rPr>
-                  <a:t>nulles</a:t>
-                </a:r>
-                <a:r>
-                  <a:rPr lang="en-CA" dirty="0">
-                    <a:highlight>
-                      <a:srgbClr val="FFFF00"/>
-                    </a:highlight>
-                  </a:rPr>
-                  <a:t> </a:t>
-                </a:r>
-                <a:r>
-                  <a:rPr lang="en-CA" dirty="0" err="1">
-                    <a:highlight>
-                      <a:srgbClr val="FFFF00"/>
-                    </a:highlight>
-                  </a:rPr>
-                  <a:t>donc</a:t>
-                </a:r>
-                <a:r>
-                  <a:rPr lang="en-CA" dirty="0">
-                    <a:highlight>
-                      <a:srgbClr val="FFFF00"/>
-                    </a:highlight>
-                  </a:rPr>
-                  <a:t> la </a:t>
-                </a:r>
-                <a:r>
-                  <a:rPr lang="en-CA" dirty="0" err="1">
-                    <a:highlight>
-                      <a:srgbClr val="FFFF00"/>
-                    </a:highlight>
-                  </a:rPr>
-                  <a:t>forme</a:t>
-                </a:r>
-                <a:r>
-                  <a:rPr lang="en-CA" dirty="0">
-                    <a:highlight>
-                      <a:srgbClr val="FFFF00"/>
-                    </a:highlight>
-                  </a:rPr>
-                  <a:t> </a:t>
-                </a:r>
-                <a:r>
-                  <a:rPr lang="en-CA" dirty="0" err="1">
-                    <a:highlight>
-                      <a:srgbClr val="FFFF00"/>
-                    </a:highlight>
-                  </a:rPr>
-                  <a:t>generale</a:t>
-                </a:r>
-                <a:r>
-                  <a:rPr lang="en-CA" dirty="0">
-                    <a:highlight>
-                      <a:srgbClr val="FFFF00"/>
-                    </a:highlight>
-                  </a:rPr>
-                  <a:t> de </a:t>
-                </a:r>
-                <a:r>
-                  <a:rPr lang="en-CA" dirty="0" err="1">
-                    <a:highlight>
-                      <a:srgbClr val="FFFF00"/>
-                    </a:highlight>
-                  </a:rPr>
-                  <a:t>l’EDP</a:t>
-                </a:r>
-                <a:r>
-                  <a:rPr lang="en-CA" dirty="0">
-                    <a:highlight>
-                      <a:srgbClr val="FFFF00"/>
-                    </a:highlight>
-                  </a:rPr>
-                  <a:t> (</a:t>
-                </a:r>
-                <a:r>
-                  <a:rPr lang="en-CA" dirty="0" err="1">
-                    <a:highlight>
-                      <a:srgbClr val="FFFF00"/>
-                    </a:highlight>
-                  </a:rPr>
-                  <a:t>diapo</a:t>
-                </a:r>
-                <a:r>
-                  <a:rPr lang="en-CA" dirty="0">
-                    <a:highlight>
-                      <a:srgbClr val="FFFF00"/>
-                    </a:highlight>
-                  </a:rPr>
-                  <a:t> 2) se </a:t>
-                </a:r>
-                <a:r>
-                  <a:rPr lang="en-CA" dirty="0" err="1">
-                    <a:highlight>
-                      <a:srgbClr val="FFFF00"/>
-                    </a:highlight>
-                  </a:rPr>
-                  <a:t>simplifie</a:t>
-                </a:r>
-                <a:r>
-                  <a:rPr lang="en-CA" dirty="0">
-                    <a:highlight>
-                      <a:srgbClr val="FFFF00"/>
-                    </a:highlight>
-                  </a:rPr>
-                  <a:t> à:</a:t>
-                </a:r>
-              </a:p>
-              <a:p>
-                <a:pPr marL="0" indent="0">
-                  <a:buNone/>
-                </a:pPr>
-                <a14:m>
-                  <m:oMathPara xmlns:m="http://schemas.openxmlformats.org/officeDocument/2006/math">
-                    <m:oMathParaPr>
-                      <m:jc m:val="centerGroup"/>
-                    </m:oMathParaPr>
-                    <m:oMath xmlns:m="http://schemas.openxmlformats.org/officeDocument/2006/math">
-                      <m:r>
-                        <a:rPr lang="en-CA" b="0" i="1" smtClean="0">
-                          <a:highlight>
-                            <a:srgbClr val="FFFF00"/>
-                          </a:highlight>
-                          <a:latin typeface="Cambria Math" panose="02040503050406030204" pitchFamily="18" charset="0"/>
-                        </a:rPr>
-                        <m:t>𝐴</m:t>
-                      </m:r>
-                      <m:f>
-                        <m:fPr>
-                          <m:ctrlPr>
-                            <a:rPr lang="en-CA" b="0" i="1" smtClean="0">
-                              <a:highlight>
-                                <a:srgbClr val="FFFF00"/>
-                              </a:highlight>
-                              <a:latin typeface="Cambria Math" panose="02040503050406030204" pitchFamily="18" charset="0"/>
-                            </a:rPr>
-                          </m:ctrlPr>
-                        </m:fPr>
-                        <m:num>
-                          <m:sSup>
-                            <m:sSupPr>
-                              <m:ctrlPr>
-                                <a:rPr lang="en-CA" b="0" i="1" smtClean="0">
-                                  <a:highlight>
-                                    <a:srgbClr val="FFFF00"/>
-                                  </a:highlight>
-                                  <a:latin typeface="Cambria Math" panose="02040503050406030204" pitchFamily="18" charset="0"/>
-                                </a:rPr>
-                              </m:ctrlPr>
-                            </m:sSupPr>
-                            <m:e>
-                              <m:r>
-                                <a:rPr lang="en-CA" b="0" i="1" smtClean="0">
-                                  <a:highlight>
-                                    <a:srgbClr val="FFFF00"/>
-                                  </a:highlight>
-                                  <a:latin typeface="Cambria Math" panose="02040503050406030204" pitchFamily="18" charset="0"/>
-                                </a:rPr>
-                                <m:t>𝜕</m:t>
-                              </m:r>
-                            </m:e>
-                            <m:sup>
-                              <m:r>
-                                <a:rPr lang="en-CA" b="0" i="1" smtClean="0">
-                                  <a:highlight>
-                                    <a:srgbClr val="FFFF00"/>
-                                  </a:highlight>
-                                  <a:latin typeface="Cambria Math" panose="02040503050406030204" pitchFamily="18" charset="0"/>
-                                </a:rPr>
-                                <m:t>2</m:t>
-                              </m:r>
-                            </m:sup>
-                          </m:sSup>
-                          <m:r>
-                            <a:rPr lang="en-CA" b="0" i="1" smtClean="0">
-                              <a:highlight>
-                                <a:srgbClr val="FFFF00"/>
-                              </a:highlight>
-                              <a:latin typeface="Cambria Math" panose="02040503050406030204" pitchFamily="18" charset="0"/>
-                            </a:rPr>
-                            <m:t>𝑓</m:t>
-                          </m:r>
-                        </m:num>
-                        <m:den>
-                          <m:r>
-                            <a:rPr lang="en-CA" b="0" i="1" smtClean="0">
-                              <a:highlight>
-                                <a:srgbClr val="FFFF00"/>
-                              </a:highlight>
-                              <a:latin typeface="Cambria Math" panose="02040503050406030204" pitchFamily="18" charset="0"/>
-                            </a:rPr>
-                            <m:t>𝜕</m:t>
-                          </m:r>
-                          <m:sSup>
-                            <m:sSupPr>
-                              <m:ctrlPr>
-                                <a:rPr lang="en-CA" b="0" i="1" smtClean="0">
-                                  <a:highlight>
-                                    <a:srgbClr val="FFFF00"/>
-                                  </a:highlight>
-                                  <a:latin typeface="Cambria Math" panose="02040503050406030204" pitchFamily="18" charset="0"/>
-                                </a:rPr>
-                              </m:ctrlPr>
-                            </m:sSupPr>
-                            <m:e>
-                              <m:r>
-                                <a:rPr lang="en-CA" b="0" i="1" smtClean="0">
-                                  <a:highlight>
-                                    <a:srgbClr val="FFFF00"/>
-                                  </a:highlight>
-                                  <a:latin typeface="Cambria Math" panose="02040503050406030204" pitchFamily="18" charset="0"/>
-                                </a:rPr>
-                                <m:t>𝑥</m:t>
-                              </m:r>
-                            </m:e>
-                            <m:sup>
-                              <m:r>
-                                <a:rPr lang="en-CA" b="0" i="1" smtClean="0">
-                                  <a:highlight>
-                                    <a:srgbClr val="FFFF00"/>
-                                  </a:highlight>
-                                  <a:latin typeface="Cambria Math" panose="02040503050406030204" pitchFamily="18" charset="0"/>
-                                </a:rPr>
-                                <m:t>2</m:t>
-                              </m:r>
-                            </m:sup>
-                          </m:sSup>
-                        </m:den>
-                      </m:f>
-                      <m:r>
-                        <a:rPr lang="en-CA" b="0" i="1" smtClean="0">
-                          <a:highlight>
-                            <a:srgbClr val="FFFF00"/>
-                          </a:highlight>
-                          <a:latin typeface="Cambria Math" panose="02040503050406030204" pitchFamily="18" charset="0"/>
-                        </a:rPr>
-                        <m:t>+</m:t>
-                      </m:r>
-                      <m:r>
-                        <a:rPr lang="en-CA" b="0" i="1" smtClean="0">
-                          <a:highlight>
-                            <a:srgbClr val="FFFF00"/>
-                          </a:highlight>
-                          <a:latin typeface="Cambria Math" panose="02040503050406030204" pitchFamily="18" charset="0"/>
-                        </a:rPr>
-                        <m:t>𝐷</m:t>
-                      </m:r>
-                      <m:f>
-                        <m:fPr>
-                          <m:ctrlPr>
-                            <a:rPr lang="en-CA" b="0" i="1" smtClean="0">
-                              <a:highlight>
-                                <a:srgbClr val="FFFF00"/>
-                              </a:highlight>
-                              <a:latin typeface="Cambria Math" panose="02040503050406030204" pitchFamily="18" charset="0"/>
-                            </a:rPr>
-                          </m:ctrlPr>
-                        </m:fPr>
-                        <m:num>
-                          <m:r>
-                            <a:rPr lang="en-CA" b="0" i="1" smtClean="0">
-                              <a:highlight>
-                                <a:srgbClr val="FFFF00"/>
-                              </a:highlight>
-                              <a:latin typeface="Cambria Math" panose="02040503050406030204" pitchFamily="18" charset="0"/>
-                            </a:rPr>
-                            <m:t>𝜕</m:t>
-                          </m:r>
-                        </m:num>
-                        <m:den>
-                          <m:r>
-                            <a:rPr lang="en-CA" b="0" i="1" smtClean="0">
-                              <a:highlight>
-                                <a:srgbClr val="FFFF00"/>
-                              </a:highlight>
-                              <a:latin typeface="Cambria Math" panose="02040503050406030204" pitchFamily="18" charset="0"/>
-                            </a:rPr>
-                            <m:t>𝜕</m:t>
-                          </m:r>
-                          <m:r>
-                            <a:rPr lang="en-CA" b="0" i="1" smtClean="0">
-                              <a:highlight>
-                                <a:srgbClr val="FFFF00"/>
-                              </a:highlight>
-                              <a:latin typeface="Cambria Math" panose="02040503050406030204" pitchFamily="18" charset="0"/>
-                            </a:rPr>
-                            <m:t>𝑥</m:t>
-                          </m:r>
-                        </m:den>
-                      </m:f>
-                      <m:r>
-                        <a:rPr lang="en-CA" b="0" i="1" smtClean="0">
-                          <a:highlight>
-                            <a:srgbClr val="FFFF00"/>
-                          </a:highlight>
-                          <a:latin typeface="Cambria Math" panose="02040503050406030204" pitchFamily="18" charset="0"/>
-                        </a:rPr>
-                        <m:t>+</m:t>
-                      </m:r>
-                      <m:r>
-                        <a:rPr lang="en-CA" b="0" i="1" smtClean="0">
-                          <a:highlight>
-                            <a:srgbClr val="FFFF00"/>
-                          </a:highlight>
-                          <a:latin typeface="Cambria Math" panose="02040503050406030204" pitchFamily="18" charset="0"/>
-                        </a:rPr>
-                        <m:t>𝐹𝑓</m:t>
-                      </m:r>
-                      <m:r>
-                        <a:rPr lang="en-CA" b="0" i="1" smtClean="0">
-                          <a:highlight>
-                            <a:srgbClr val="FFFF00"/>
-                          </a:highlight>
-                          <a:latin typeface="Cambria Math" panose="02040503050406030204" pitchFamily="18" charset="0"/>
-                        </a:rPr>
-                        <m:t>=0</m:t>
-                      </m:r>
-                    </m:oMath>
-                  </m:oMathPara>
-                </a14:m>
-                <a:endParaRPr lang="en-CA" dirty="0">
-                  <a:highlight>
-                    <a:srgbClr val="FFFF00"/>
-                  </a:highlight>
-                </a:endParaRPr>
-              </a:p>
-              <a:p>
-                <a:pPr marL="0" indent="0">
-                  <a:buNone/>
-                </a:pPr>
-                <a:r>
-                  <a:rPr lang="en-CA" dirty="0">
-                    <a:highlight>
-                      <a:srgbClr val="FFFF00"/>
-                    </a:highlight>
-                  </a:rPr>
-                  <a:t>Et on </a:t>
-                </a:r>
-                <a:r>
-                  <a:rPr lang="en-CA" dirty="0" err="1">
-                    <a:highlight>
-                      <a:srgbClr val="FFFF00"/>
-                    </a:highlight>
-                  </a:rPr>
-                  <a:t>étudie</a:t>
-                </a:r>
-                <a:r>
-                  <a:rPr lang="en-CA" dirty="0">
-                    <a:highlight>
-                      <a:srgbClr val="FFFF00"/>
-                    </a:highlight>
-                  </a:rPr>
-                  <a:t> le </a:t>
-                </a:r>
-                <a:r>
-                  <a:rPr lang="en-CA" dirty="0" err="1">
-                    <a:highlight>
-                      <a:srgbClr val="FFFF00"/>
-                    </a:highlight>
-                  </a:rPr>
-                  <a:t>signe</a:t>
-                </a:r>
-                <a:r>
-                  <a:rPr lang="en-CA" dirty="0">
-                    <a:highlight>
-                      <a:srgbClr val="FFFF00"/>
-                    </a:highlight>
-                  </a:rPr>
-                  <a:t> de  </a:t>
-                </a:r>
-                <a:r>
-                  <a:rPr lang="en-CA" dirty="0" err="1">
-                    <a:highlight>
-                      <a:srgbClr val="FFFF00"/>
-                    </a:highlight>
-                  </a:rPr>
-                  <a:t>l’équation</a:t>
-                </a:r>
-                <a:r>
-                  <a:rPr lang="en-CA" dirty="0">
-                    <a:highlight>
-                      <a:srgbClr val="FFFF00"/>
-                    </a:highlight>
-                  </a:rPr>
-                  <a:t> </a:t>
-                </a:r>
-                <a:r>
-                  <a:rPr lang="en-CA" dirty="0" err="1">
-                    <a:highlight>
-                      <a:srgbClr val="FFFF00"/>
-                    </a:highlight>
-                  </a:rPr>
-                  <a:t>caractéristique</a:t>
-                </a:r>
-                <a:r>
-                  <a:rPr lang="en-CA" dirty="0">
-                    <a:highlight>
-                      <a:srgbClr val="FFFF00"/>
-                    </a:highlight>
-                  </a:rPr>
-                  <a:t>: </a:t>
-                </a:r>
-                <a14:m>
-                  <m:oMath xmlns:m="http://schemas.openxmlformats.org/officeDocument/2006/math">
-                    <m:sSup>
-                      <m:sSupPr>
-                        <m:ctrlPr>
-                          <a:rPr lang="en-CA" b="0" i="1" smtClean="0">
-                            <a:highlight>
-                              <a:srgbClr val="FFFF00"/>
-                            </a:highlight>
-                            <a:latin typeface="Cambria Math" panose="02040503050406030204" pitchFamily="18" charset="0"/>
-                          </a:rPr>
-                        </m:ctrlPr>
-                      </m:sSupPr>
-                      <m:e>
-                        <m:r>
-                          <a:rPr lang="en-CA" b="0" i="1" smtClean="0">
-                            <a:highlight>
-                              <a:srgbClr val="FFFF00"/>
-                            </a:highlight>
-                            <a:latin typeface="Cambria Math" panose="02040503050406030204" pitchFamily="18" charset="0"/>
-                          </a:rPr>
-                          <m:t>𝐷</m:t>
-                        </m:r>
-                      </m:e>
-                      <m:sup>
-                        <m:r>
-                          <a:rPr lang="en-CA" b="0" i="1" smtClean="0">
-                            <a:highlight>
-                              <a:srgbClr val="FFFF00"/>
-                            </a:highlight>
-                            <a:latin typeface="Cambria Math" panose="02040503050406030204" pitchFamily="18" charset="0"/>
-                          </a:rPr>
-                          <m:t>2</m:t>
-                        </m:r>
-                      </m:sup>
-                    </m:sSup>
-                    <m:r>
-                      <a:rPr lang="en-CA" b="0" i="1" smtClean="0">
-                        <a:highlight>
-                          <a:srgbClr val="FFFF00"/>
-                        </a:highlight>
-                        <a:latin typeface="Cambria Math" panose="02040503050406030204" pitchFamily="18" charset="0"/>
-                      </a:rPr>
-                      <m:t>−4</m:t>
-                    </m:r>
-                    <m:r>
-                      <a:rPr lang="en-CA" b="0" i="1" smtClean="0">
-                        <a:highlight>
-                          <a:srgbClr val="FFFF00"/>
-                        </a:highlight>
-                        <a:latin typeface="Cambria Math" panose="02040503050406030204" pitchFamily="18" charset="0"/>
-                      </a:rPr>
-                      <m:t>𝐴𝐹</m:t>
-                    </m:r>
-                  </m:oMath>
-                </a14:m>
-                <a:endParaRPr lang="en-CA" dirty="0">
-                  <a:highlight>
-                    <a:srgbClr val="FFFF00"/>
-                  </a:highlight>
-                </a:endParaRPr>
-              </a:p>
-              <a:p>
-                <a:pPr marL="0" indent="0">
-                  <a:buNone/>
-                </a:pPr>
-                <a:r>
-                  <a:rPr lang="en-CA" dirty="0" err="1">
-                    <a:highlight>
-                      <a:srgbClr val="FFFF00"/>
-                    </a:highlight>
-                  </a:rPr>
-                  <a:t>L’équation</a:t>
-                </a:r>
-                <a:r>
-                  <a:rPr lang="en-CA" dirty="0">
-                    <a:highlight>
-                      <a:srgbClr val="FFFF00"/>
-                    </a:highlight>
-                  </a:rPr>
-                  <a:t> de diffusion </a:t>
-                </a:r>
-                <a:r>
-                  <a:rPr lang="en-CA" dirty="0" err="1">
-                    <a:highlight>
-                      <a:srgbClr val="FFFF00"/>
-                    </a:highlight>
-                  </a:rPr>
-                  <a:t>en</a:t>
-                </a:r>
-                <a:r>
-                  <a:rPr lang="en-CA" dirty="0">
-                    <a:highlight>
-                      <a:srgbClr val="FFFF00"/>
-                    </a:highlight>
-                  </a:rPr>
-                  <a:t> </a:t>
-                </a:r>
-                <a:r>
-                  <a:rPr lang="en-CA" dirty="0" err="1">
-                    <a:highlight>
-                      <a:srgbClr val="FFFF00"/>
-                    </a:highlight>
-                  </a:rPr>
-                  <a:t>stationnaire</a:t>
-                </a:r>
-                <a:r>
-                  <a:rPr lang="en-CA" dirty="0">
-                    <a:highlight>
-                      <a:srgbClr val="FFFF00"/>
-                    </a:highlight>
-                  </a:rPr>
-                  <a:t> </a:t>
-                </a:r>
-                <a:r>
-                  <a:rPr lang="en-CA" dirty="0" err="1">
-                    <a:highlight>
-                      <a:srgbClr val="FFFF00"/>
-                    </a:highlight>
-                  </a:rPr>
-                  <a:t>devient</a:t>
-                </a:r>
-                <a:r>
-                  <a:rPr lang="en-CA" dirty="0">
-                    <a:highlight>
-                      <a:srgbClr val="FFFF00"/>
-                    </a:highlight>
-                  </a:rPr>
-                  <a:t>:</a:t>
-                </a:r>
-              </a:p>
-              <a:p>
-                <a:pPr marL="0" indent="0">
-                  <a:buNone/>
-                </a:pPr>
-                <a14:m>
-                  <m:oMathPara xmlns:m="http://schemas.openxmlformats.org/officeDocument/2006/math">
-                    <m:oMathParaPr>
-                      <m:jc m:val="centerGroup"/>
-                    </m:oMathParaPr>
-                    <m:oMath xmlns:m="http://schemas.openxmlformats.org/officeDocument/2006/math">
-                      <m:sSub>
-                        <m:sSubPr>
-                          <m:ctrlPr>
-                            <a:rPr lang="en-CA" i="1">
-                              <a:highlight>
-                                <a:srgbClr val="FFFF00"/>
-                              </a:highlight>
-                              <a:latin typeface="Cambria Math" panose="02040503050406030204" pitchFamily="18" charset="0"/>
-                            </a:rPr>
-                          </m:ctrlPr>
-                        </m:sSubPr>
-                        <m:e>
-                          <m:r>
-                            <a:rPr lang="en-CA" i="1">
-                              <a:highlight>
-                                <a:srgbClr val="FFFF00"/>
-                              </a:highlight>
-                              <a:latin typeface="Cambria Math" panose="02040503050406030204" pitchFamily="18" charset="0"/>
-                            </a:rPr>
-                            <m:t>𝐷</m:t>
-                          </m:r>
-                        </m:e>
-                        <m:sub>
-                          <m:r>
-                            <a:rPr lang="en-CA" i="1">
-                              <a:highlight>
-                                <a:srgbClr val="FFFF00"/>
-                              </a:highlight>
-                              <a:latin typeface="Cambria Math" panose="02040503050406030204" pitchFamily="18" charset="0"/>
-                            </a:rPr>
-                            <m:t>𝑒𝑓𝑓</m:t>
-                          </m:r>
-                        </m:sub>
-                      </m:sSub>
-                      <m:f>
-                        <m:fPr>
-                          <m:ctrlPr>
-                            <a:rPr lang="en-CA" i="1">
-                              <a:highlight>
-                                <a:srgbClr val="FFFF00"/>
-                              </a:highlight>
-                              <a:latin typeface="Cambria Math" panose="02040503050406030204" pitchFamily="18" charset="0"/>
-                            </a:rPr>
-                          </m:ctrlPr>
-                        </m:fPr>
-                        <m:num>
-                          <m:sSup>
-                            <m:sSupPr>
-                              <m:ctrlPr>
-                                <a:rPr lang="en-CA" i="1">
-                                  <a:highlight>
-                                    <a:srgbClr val="FFFF00"/>
-                                  </a:highlight>
-                                  <a:latin typeface="Cambria Math" panose="02040503050406030204" pitchFamily="18" charset="0"/>
-                                </a:rPr>
-                              </m:ctrlPr>
-                            </m:sSupPr>
-                            <m:e>
-                              <m:r>
-                                <a:rPr lang="en-CA" i="1">
-                                  <a:highlight>
-                                    <a:srgbClr val="FFFF00"/>
-                                  </a:highlight>
-                                  <a:latin typeface="Cambria Math" panose="02040503050406030204" pitchFamily="18" charset="0"/>
-                                </a:rPr>
-                                <m:t>𝜕</m:t>
-                              </m:r>
-                            </m:e>
-                            <m:sup>
-                              <m:r>
-                                <a:rPr lang="en-CA" i="1">
-                                  <a:highlight>
-                                    <a:srgbClr val="FFFF00"/>
-                                  </a:highlight>
-                                  <a:latin typeface="Cambria Math" panose="02040503050406030204" pitchFamily="18" charset="0"/>
-                                </a:rPr>
-                                <m:t>2</m:t>
-                              </m:r>
-                            </m:sup>
-                          </m:sSup>
-                          <m:r>
-                            <a:rPr lang="en-CA" i="1">
-                              <a:highlight>
-                                <a:srgbClr val="FFFF00"/>
-                              </a:highlight>
-                              <a:latin typeface="Cambria Math" panose="02040503050406030204" pitchFamily="18" charset="0"/>
-                            </a:rPr>
-                            <m:t>𝐶</m:t>
-                          </m:r>
-                        </m:num>
-                        <m:den>
-                          <m:r>
-                            <a:rPr lang="en-CA" i="1">
-                              <a:highlight>
-                                <a:srgbClr val="FFFF00"/>
-                              </a:highlight>
-                              <a:latin typeface="Cambria Math" panose="02040503050406030204" pitchFamily="18" charset="0"/>
-                            </a:rPr>
-                            <m:t>𝜕</m:t>
-                          </m:r>
-                          <m:sSup>
-                            <m:sSupPr>
-                              <m:ctrlPr>
-                                <a:rPr lang="en-CA" i="1">
-                                  <a:highlight>
-                                    <a:srgbClr val="FFFF00"/>
-                                  </a:highlight>
-                                  <a:latin typeface="Cambria Math" panose="02040503050406030204" pitchFamily="18" charset="0"/>
-                                </a:rPr>
-                              </m:ctrlPr>
-                            </m:sSupPr>
-                            <m:e>
-                              <m:r>
-                                <a:rPr lang="en-CA" i="1">
-                                  <a:highlight>
-                                    <a:srgbClr val="FFFF00"/>
-                                  </a:highlight>
-                                  <a:latin typeface="Cambria Math" panose="02040503050406030204" pitchFamily="18" charset="0"/>
-                                </a:rPr>
-                                <m:t>𝑟</m:t>
-                              </m:r>
-                            </m:e>
-                            <m:sup>
-                              <m:r>
-                                <a:rPr lang="en-CA" i="1">
-                                  <a:highlight>
-                                    <a:srgbClr val="FFFF00"/>
-                                  </a:highlight>
-                                  <a:latin typeface="Cambria Math" panose="02040503050406030204" pitchFamily="18" charset="0"/>
-                                </a:rPr>
-                                <m:t>2</m:t>
-                              </m:r>
-                            </m:sup>
-                          </m:sSup>
-                        </m:den>
-                      </m:f>
-                      <m:sSub>
-                        <m:sSubPr>
-                          <m:ctrlPr>
-                            <a:rPr lang="en-CA" i="1">
-                              <a:highlight>
-                                <a:srgbClr val="FFFF00"/>
-                              </a:highlight>
-                              <a:latin typeface="Cambria Math" panose="02040503050406030204" pitchFamily="18" charset="0"/>
-                            </a:rPr>
-                          </m:ctrlPr>
-                        </m:sSubPr>
-                        <m:e>
-                          <m:r>
-                            <a:rPr lang="en-CA" b="0" i="1" smtClean="0">
-                              <a:highlight>
-                                <a:srgbClr val="FFFF00"/>
-                              </a:highlight>
-                              <a:latin typeface="Cambria Math" panose="02040503050406030204" pitchFamily="18" charset="0"/>
-                            </a:rPr>
-                            <m:t>+</m:t>
-                          </m:r>
-                          <m:r>
-                            <a:rPr lang="en-CA" i="1">
-                              <a:highlight>
-                                <a:srgbClr val="FFFF00"/>
-                              </a:highlight>
-                              <a:latin typeface="Cambria Math" panose="02040503050406030204" pitchFamily="18" charset="0"/>
-                            </a:rPr>
-                            <m:t>𝐷</m:t>
-                          </m:r>
-                        </m:e>
-                        <m:sub>
-                          <m:r>
-                            <a:rPr lang="en-CA" i="1">
-                              <a:highlight>
-                                <a:srgbClr val="FFFF00"/>
-                              </a:highlight>
-                              <a:latin typeface="Cambria Math" panose="02040503050406030204" pitchFamily="18" charset="0"/>
-                            </a:rPr>
-                            <m:t>𝑒𝑓𝑓</m:t>
-                          </m:r>
-                        </m:sub>
-                      </m:sSub>
-                      <m:f>
-                        <m:fPr>
-                          <m:ctrlPr>
-                            <a:rPr lang="en-CA" i="1">
-                              <a:highlight>
-                                <a:srgbClr val="FFFF00"/>
-                              </a:highlight>
-                              <a:latin typeface="Cambria Math" panose="02040503050406030204" pitchFamily="18" charset="0"/>
-                            </a:rPr>
-                          </m:ctrlPr>
-                        </m:fPr>
-                        <m:num>
-                          <m:r>
-                            <a:rPr lang="en-CA" i="1">
-                              <a:highlight>
-                                <a:srgbClr val="FFFF00"/>
-                              </a:highlight>
-                              <a:latin typeface="Cambria Math" panose="02040503050406030204" pitchFamily="18" charset="0"/>
-                            </a:rPr>
-                            <m:t>1</m:t>
-                          </m:r>
-                        </m:num>
-                        <m:den>
-                          <m:r>
-                            <a:rPr lang="en-CA" i="1">
-                              <a:highlight>
-                                <a:srgbClr val="FFFF00"/>
-                              </a:highlight>
-                              <a:latin typeface="Cambria Math" panose="02040503050406030204" pitchFamily="18" charset="0"/>
-                            </a:rPr>
-                            <m:t>𝑟</m:t>
-                          </m:r>
-                        </m:den>
-                      </m:f>
-                      <m:f>
-                        <m:fPr>
-                          <m:ctrlPr>
-                            <a:rPr lang="en-CA" i="1">
-                              <a:highlight>
-                                <a:srgbClr val="FFFF00"/>
-                              </a:highlight>
-                              <a:latin typeface="Cambria Math" panose="02040503050406030204" pitchFamily="18" charset="0"/>
-                            </a:rPr>
-                          </m:ctrlPr>
-                        </m:fPr>
-                        <m:num>
-                          <m:r>
-                            <a:rPr lang="en-CA" i="1">
-                              <a:highlight>
-                                <a:srgbClr val="FFFF00"/>
-                              </a:highlight>
-                              <a:latin typeface="Cambria Math" panose="02040503050406030204" pitchFamily="18" charset="0"/>
-                            </a:rPr>
-                            <m:t>𝜕</m:t>
-                          </m:r>
-                          <m:r>
-                            <a:rPr lang="en-CA" i="1">
-                              <a:highlight>
-                                <a:srgbClr val="FFFF00"/>
-                              </a:highlight>
-                              <a:latin typeface="Cambria Math" panose="02040503050406030204" pitchFamily="18" charset="0"/>
-                            </a:rPr>
-                            <m:t>𝐶</m:t>
-                          </m:r>
-                        </m:num>
-                        <m:den>
-                          <m:r>
-                            <a:rPr lang="en-CA" i="1">
-                              <a:highlight>
-                                <a:srgbClr val="FFFF00"/>
-                              </a:highlight>
-                              <a:latin typeface="Cambria Math" panose="02040503050406030204" pitchFamily="18" charset="0"/>
-                            </a:rPr>
-                            <m:t>𝜕</m:t>
-                          </m:r>
-                          <m:r>
-                            <a:rPr lang="en-CA" i="1">
-                              <a:highlight>
-                                <a:srgbClr val="FFFF00"/>
-                              </a:highlight>
-                              <a:latin typeface="Cambria Math" panose="02040503050406030204" pitchFamily="18" charset="0"/>
-                            </a:rPr>
-                            <m:t>𝑟</m:t>
-                          </m:r>
-                        </m:den>
-                      </m:f>
-                      <m:r>
-                        <a:rPr lang="en-CA" b="0" i="1" smtClean="0">
-                          <a:highlight>
-                            <a:srgbClr val="FFFF00"/>
-                          </a:highlight>
-                          <a:latin typeface="Cambria Math" panose="02040503050406030204" pitchFamily="18" charset="0"/>
-                        </a:rPr>
-                        <m:t>−</m:t>
-                      </m:r>
-                      <m:r>
-                        <a:rPr lang="en-CA" b="0" i="1" smtClean="0">
-                          <a:highlight>
-                            <a:srgbClr val="FFFF00"/>
-                          </a:highlight>
-                          <a:latin typeface="Cambria Math" panose="02040503050406030204" pitchFamily="18" charset="0"/>
-                        </a:rPr>
-                        <m:t>𝑆</m:t>
-                      </m:r>
-                      <m:r>
-                        <a:rPr lang="en-CA" b="0" i="1" smtClean="0">
-                          <a:highlight>
-                            <a:srgbClr val="FFFF00"/>
-                          </a:highlight>
-                          <a:latin typeface="Cambria Math" panose="02040503050406030204" pitchFamily="18" charset="0"/>
-                        </a:rPr>
-                        <m:t>=0</m:t>
-                      </m:r>
-                    </m:oMath>
-                  </m:oMathPara>
-                </a14:m>
-                <a:endParaRPr lang="en-CA" dirty="0">
-                  <a:highlight>
-                    <a:srgbClr val="FFFF00"/>
-                  </a:highlight>
-                </a:endParaRPr>
-              </a:p>
-              <a:p>
-                <a:pPr marL="0" indent="0">
-                  <a:buNone/>
-                </a:pPr>
-                <a14:m>
-                  <m:oMath xmlns:m="http://schemas.openxmlformats.org/officeDocument/2006/math">
-                    <m:f>
-                      <m:fPr>
-                        <m:ctrlPr>
-                          <a:rPr lang="en-CA" i="1">
-                            <a:highlight>
-                              <a:srgbClr val="FFFF00"/>
-                            </a:highlight>
-                            <a:latin typeface="Cambria Math" panose="02040503050406030204" pitchFamily="18" charset="0"/>
-                          </a:rPr>
-                        </m:ctrlPr>
-                      </m:fPr>
-                      <m:num>
-                        <m:sSubSup>
-                          <m:sSubSupPr>
-                            <m:ctrlPr>
-                              <a:rPr lang="en-CA" b="0" i="1" smtClean="0">
-                                <a:highlight>
-                                  <a:srgbClr val="FFFF00"/>
-                                </a:highlight>
-                                <a:latin typeface="Cambria Math" panose="02040503050406030204" pitchFamily="18" charset="0"/>
-                              </a:rPr>
-                            </m:ctrlPr>
-                          </m:sSubSupPr>
-                          <m:e>
-                            <m:r>
-                              <a:rPr lang="en-CA" i="1">
-                                <a:highlight>
-                                  <a:srgbClr val="FFFF00"/>
-                                </a:highlight>
-                                <a:latin typeface="Cambria Math" panose="02040503050406030204" pitchFamily="18" charset="0"/>
-                              </a:rPr>
-                              <m:t>𝐷</m:t>
-                            </m:r>
-                          </m:e>
-                          <m:sub>
-                            <m:r>
-                              <a:rPr lang="en-CA" i="1">
-                                <a:highlight>
-                                  <a:srgbClr val="FFFF00"/>
-                                </a:highlight>
-                                <a:latin typeface="Cambria Math" panose="02040503050406030204" pitchFamily="18" charset="0"/>
-                              </a:rPr>
-                              <m:t>𝑒𝑓𝑓</m:t>
-                            </m:r>
-                          </m:sub>
-                          <m:sup>
-                            <m:r>
-                              <a:rPr lang="en-CA" b="0" i="1" smtClean="0">
-                                <a:highlight>
-                                  <a:srgbClr val="FFFF00"/>
-                                </a:highlight>
-                                <a:latin typeface="Cambria Math" panose="02040503050406030204" pitchFamily="18" charset="0"/>
-                              </a:rPr>
-                              <m:t>2</m:t>
-                            </m:r>
-                          </m:sup>
-                        </m:sSubSup>
-                      </m:num>
-                      <m:den>
-                        <m:sSup>
-                          <m:sSupPr>
-                            <m:ctrlPr>
-                              <a:rPr lang="en-CA" b="0" i="1" smtClean="0">
-                                <a:highlight>
-                                  <a:srgbClr val="FFFF00"/>
-                                </a:highlight>
-                                <a:latin typeface="Cambria Math" panose="02040503050406030204" pitchFamily="18" charset="0"/>
-                              </a:rPr>
-                            </m:ctrlPr>
-                          </m:sSupPr>
-                          <m:e>
-                            <m:r>
-                              <a:rPr lang="en-CA" i="1">
-                                <a:highlight>
-                                  <a:srgbClr val="FFFF00"/>
-                                </a:highlight>
-                                <a:latin typeface="Cambria Math" panose="02040503050406030204" pitchFamily="18" charset="0"/>
-                              </a:rPr>
-                              <m:t>𝑟</m:t>
-                            </m:r>
-                          </m:e>
-                          <m:sup>
-                            <m:r>
-                              <a:rPr lang="en-CA" b="0" i="1" smtClean="0">
-                                <a:highlight>
-                                  <a:srgbClr val="FFFF00"/>
-                                </a:highlight>
-                                <a:latin typeface="Cambria Math" panose="02040503050406030204" pitchFamily="18" charset="0"/>
-                              </a:rPr>
-                              <m:t>2</m:t>
-                            </m:r>
-                          </m:sup>
-                        </m:sSup>
-                      </m:den>
-                    </m:f>
-                    <m:r>
-                      <a:rPr lang="en-CA" b="0" i="1" smtClean="0">
-                        <a:highlight>
-                          <a:srgbClr val="FFFF00"/>
-                        </a:highlight>
-                        <a:latin typeface="Cambria Math" panose="02040503050406030204" pitchFamily="18" charset="0"/>
-                      </a:rPr>
-                      <m:t>−</m:t>
-                    </m:r>
-                    <m:sSub>
-                      <m:sSubPr>
-                        <m:ctrlPr>
-                          <a:rPr lang="en-CA" i="1">
-                            <a:highlight>
-                              <a:srgbClr val="FFFF00"/>
-                            </a:highlight>
-                            <a:latin typeface="Cambria Math" panose="02040503050406030204" pitchFamily="18" charset="0"/>
-                          </a:rPr>
-                        </m:ctrlPr>
-                      </m:sSubPr>
-                      <m:e>
-                        <m:r>
-                          <a:rPr lang="en-CA" b="0" i="1" smtClean="0">
-                            <a:highlight>
-                              <a:srgbClr val="FFFF00"/>
-                            </a:highlight>
-                            <a:latin typeface="Cambria Math" panose="02040503050406030204" pitchFamily="18" charset="0"/>
-                          </a:rPr>
-                          <m:t>4</m:t>
-                        </m:r>
-                        <m:r>
-                          <a:rPr lang="en-CA" i="1">
-                            <a:highlight>
-                              <a:srgbClr val="FFFF00"/>
-                            </a:highlight>
-                            <a:latin typeface="Cambria Math" panose="02040503050406030204" pitchFamily="18" charset="0"/>
-                          </a:rPr>
-                          <m:t>𝐷</m:t>
-                        </m:r>
-                      </m:e>
-                      <m:sub>
-                        <m:r>
-                          <a:rPr lang="en-CA" i="1">
-                            <a:highlight>
-                              <a:srgbClr val="FFFF00"/>
-                            </a:highlight>
-                            <a:latin typeface="Cambria Math" panose="02040503050406030204" pitchFamily="18" charset="0"/>
-                          </a:rPr>
-                          <m:t>𝑒𝑓𝑓</m:t>
-                        </m:r>
-                      </m:sub>
-                    </m:sSub>
-                    <m:d>
-                      <m:dPr>
-                        <m:ctrlPr>
-                          <a:rPr lang="en-CA" b="0" i="1" smtClean="0">
-                            <a:highlight>
-                              <a:srgbClr val="FFFF00"/>
-                            </a:highlight>
-                            <a:latin typeface="Cambria Math" panose="02040503050406030204" pitchFamily="18" charset="0"/>
-                          </a:rPr>
-                        </m:ctrlPr>
-                      </m:dPr>
-                      <m:e>
-                        <m:r>
-                          <a:rPr lang="en-CA" b="0" i="0" smtClean="0">
-                            <a:highlight>
-                              <a:srgbClr val="FFFF00"/>
-                            </a:highlight>
-                            <a:latin typeface="Cambria Math" panose="02040503050406030204" pitchFamily="18" charset="0"/>
-                          </a:rPr>
-                          <m:t>−</m:t>
-                        </m:r>
-                        <m:r>
-                          <m:rPr>
-                            <m:sty m:val="p"/>
-                          </m:rPr>
-                          <a:rPr lang="en-CA" b="0" i="0" smtClean="0">
-                            <a:highlight>
-                              <a:srgbClr val="FFFF00"/>
-                            </a:highlight>
-                            <a:latin typeface="Cambria Math" panose="02040503050406030204" pitchFamily="18" charset="0"/>
-                          </a:rPr>
-                          <m:t>S</m:t>
-                        </m:r>
-                      </m:e>
-                    </m:d>
-                    <m:r>
-                      <a:rPr lang="en-CA" b="0" i="0" smtClean="0">
-                        <a:highlight>
-                          <a:srgbClr val="FFFF00"/>
-                        </a:highlight>
-                        <a:latin typeface="Cambria Math" panose="02040503050406030204" pitchFamily="18" charset="0"/>
-                      </a:rPr>
-                      <m:t>&gt;0</m:t>
-                    </m:r>
-                  </m:oMath>
-                </a14:m>
-                <a:r>
-                  <a:rPr lang="en-CA" b="0" dirty="0">
-                    <a:highlight>
-                      <a:srgbClr val="FFFF00"/>
-                    </a:highlight>
-                  </a:rPr>
-                  <a:t> -&gt; </a:t>
-                </a:r>
-                <a:r>
-                  <a:rPr lang="en-CA" b="0" dirty="0" err="1">
-                    <a:highlight>
-                      <a:srgbClr val="FFFF00"/>
-                    </a:highlight>
-                  </a:rPr>
-                  <a:t>hyperbolique</a:t>
-                </a:r>
-                <a:r>
-                  <a:rPr lang="en-CA" b="0" dirty="0">
-                    <a:highlight>
-                      <a:srgbClr val="FFFF00"/>
-                    </a:highlight>
-                  </a:rPr>
-                  <a:t>..</a:t>
-                </a:r>
-                <a:r>
-                  <a:rPr lang="en-CA" b="0" dirty="0" err="1">
-                    <a:highlight>
-                      <a:srgbClr val="FFFF00"/>
-                    </a:highlight>
-                  </a:rPr>
-                  <a:t>erreur</a:t>
-                </a:r>
-                <a:r>
-                  <a:rPr lang="en-CA" b="0" dirty="0">
-                    <a:highlight>
-                      <a:srgbClr val="FFFF00"/>
-                    </a:highlight>
-                  </a:rPr>
-                  <a:t> </a:t>
-                </a:r>
-                <a:r>
-                  <a:rPr lang="en-CA" b="0" dirty="0" err="1">
-                    <a:highlight>
-                      <a:srgbClr val="FFFF00"/>
-                    </a:highlight>
-                  </a:rPr>
-                  <a:t>qqpart</a:t>
-                </a:r>
-                <a:r>
-                  <a:rPr lang="en-CA" dirty="0">
-                    <a:highlight>
-                      <a:srgbClr val="FFFF00"/>
-                    </a:highlight>
-                  </a:rPr>
-                  <a:t>….</a:t>
-                </a:r>
-                <a:r>
-                  <a:rPr lang="en-CA" dirty="0" err="1">
-                    <a:highlight>
-                      <a:srgbClr val="FFFF00"/>
-                    </a:highlight>
-                  </a:rPr>
-                  <a:t>mauvaise</a:t>
-                </a:r>
-                <a:r>
-                  <a:rPr lang="en-CA" dirty="0">
-                    <a:highlight>
-                      <a:srgbClr val="FFFF00"/>
-                    </a:highlight>
-                  </a:rPr>
-                  <a:t> </a:t>
-                </a:r>
-                <a:r>
-                  <a:rPr lang="en-CA" dirty="0" err="1">
-                    <a:highlight>
-                      <a:srgbClr val="FFFF00"/>
-                    </a:highlight>
-                  </a:rPr>
-                  <a:t>methode</a:t>
-                </a:r>
-                <a:r>
-                  <a:rPr lang="en-CA" dirty="0">
-                    <a:highlight>
-                      <a:srgbClr val="FFFF00"/>
-                    </a:highlight>
-                  </a:rPr>
-                  <a:t>…</a:t>
-                </a:r>
-                <a:endParaRPr lang="en-CA" b="0" dirty="0">
-                  <a:highlight>
-                    <a:srgbClr val="FFFF00"/>
-                  </a:highlight>
-                </a:endParaRPr>
-              </a:p>
-              <a:p>
-                <a:pPr marL="0" indent="0">
-                  <a:buNone/>
-                </a:pPr>
-                <a:endParaRPr lang="en-CA" dirty="0"/>
-              </a:p>
-              <a:p>
-                <a:pPr marL="0" indent="0">
-                  <a:buNone/>
-                </a:pPr>
-                <a:endParaRPr lang="en-CA" dirty="0"/>
-              </a:p>
-              <a:p>
-                <a:pPr marL="0" indent="0">
-                  <a:buNone/>
-                </a:pPr>
-                <a:endParaRPr lang="en-CA" dirty="0"/>
-              </a:p>
-            </p:txBody>
-          </p:sp>
-        </mc:Choice>
-        <mc:Fallback xmlns="">
-          <p:sp>
-            <p:nvSpPr>
-              <p:cNvPr id="3" name="Content Placeholder 2">
-                <a:extLst>
-                  <a:ext uri="{FF2B5EF4-FFF2-40B4-BE49-F238E27FC236}">
-                    <a16:creationId xmlns:a16="http://schemas.microsoft.com/office/drawing/2014/main" id="{A988F132-4FDD-A105-FA93-7917FF72289B}"/>
-                  </a:ext>
-                </a:extLst>
-              </p:cNvPr>
-              <p:cNvSpPr>
-                <a:spLocks noGrp="1" noRot="1" noChangeAspect="1" noMove="1" noResize="1" noEditPoints="1" noAdjustHandles="1" noChangeArrowheads="1" noChangeShapeType="1" noTextEdit="1"/>
-              </p:cNvSpPr>
-              <p:nvPr>
-                <p:ph idx="1"/>
-              </p:nvPr>
-            </p:nvSpPr>
-            <p:spPr>
-              <a:blipFill>
-                <a:blip r:embed="rId4"/>
-                <a:stretch>
-                  <a:fillRect l="-1217" t="-3081" r="-638" b="-3081"/>
-                </a:stretch>
-              </a:blipFill>
-            </p:spPr>
-            <p:txBody>
-              <a:bodyPr/>
-              <a:lstStyle/>
-              <a:p>
-                <a:r>
-                  <a:rPr lang="en-CA">
-                    <a:noFill/>
-                  </a:rPr>
-                  <a:t> </a:t>
-                </a:r>
-              </a:p>
-            </p:txBody>
-          </p:sp>
-        </mc:Fallback>
-      </mc:AlternateContent>
-    </p:spTree>
-    <p:extLst>
-      <p:ext uri="{BB962C8B-B14F-4D97-AF65-F5344CB8AC3E}">
-        <p14:creationId xmlns:p14="http://schemas.microsoft.com/office/powerpoint/2010/main" val="1084134507"/>
-      </p:ext>
-    </p:extLst>
-  </p:cSld>
-  <p:clrMapOvr>
-    <a:masterClrMapping/>
-  </p:clrMapOvr>
-  <p:extLst>
-    <p:ext uri="{6950BFC3-D8DA-4A85-94F7-54DA5524770B}">
-      <p188:commentRel xmlns:p188="http://schemas.microsoft.com/office/powerpoint/2018/8/main" r:id="rId3"/>
-    </p:ext>
-  </p:extLst>
-</p:sld>
-</file>
-
-<file path=ppt/slides/slide11.xml><?xml version="1.0" encoding="utf-8"?>
-<p:sld xmlns:a="http://schemas.openxmlformats.org/drawingml/2006/main" xmlns:r="http://schemas.openxmlformats.org/officeDocument/2006/relationships" xmlns:p="http://schemas.openxmlformats.org/presentationml/2006/main">
-  <p:cSld>
-    <p:spTree>
-      <p:nvGrpSpPr>
         <p:cNvPr id="1" name="">
           <a:extLst>
             <a:ext uri="{FF2B5EF4-FFF2-40B4-BE49-F238E27FC236}">
@@ -5725,8 +4381,8 @@
           </a:p>
         </p:txBody>
       </p:sp>
-      <mc:AlternateContent xmlns:mc="http://schemas.openxmlformats.org/markup-compatibility/2006" xmlns:a14="http://schemas.microsoft.com/office/drawing/2010/main">
-        <mc:Choice Requires="a14">
+      <mc:AlternateContent xmlns:mc="http://schemas.openxmlformats.org/markup-compatibility/2006">
+        <mc:Choice xmlns:a14="http://schemas.microsoft.com/office/drawing/2010/main" Requires="a14">
           <p:sp>
             <p:nvSpPr>
               <p:cNvPr id="3" name="Content Placeholder 2">
@@ -5745,7 +4401,7 @@
             </p:nvSpPr>
             <p:spPr>
               <a:xfrm>
-                <a:off x="838200" y="1825624"/>
+                <a:off x="838200" y="1690688"/>
                 <a:ext cx="10515600" cy="5032375"/>
               </a:xfrm>
             </p:spPr>
@@ -6950,7 +5606,7 @@
             </p:txBody>
           </p:sp>
         </mc:Choice>
-        <mc:Fallback xmlns="">
+        <mc:Fallback>
           <p:sp>
             <p:nvSpPr>
               <p:cNvPr id="3" name="Content Placeholder 2">
@@ -6969,7 +5625,7 @@
             </p:nvSpPr>
             <p:spPr>
               <a:xfrm>
-                <a:off x="838200" y="1825624"/>
+                <a:off x="838200" y="1690688"/>
                 <a:ext cx="10515600" cy="5032375"/>
               </a:xfrm>
               <a:blipFill>
@@ -7007,7 +5663,7 @@
 </p:sld>
 </file>
 
-<file path=ppt/slides/slide12.xml><?xml version="1.0" encoding="utf-8"?>
+<file path=ppt/slides/slide11.xml><?xml version="1.0" encoding="utf-8"?>
 <p:sld xmlns:a="http://schemas.openxmlformats.org/drawingml/2006/main" xmlns:r="http://schemas.openxmlformats.org/officeDocument/2006/relationships" xmlns:p="http://schemas.openxmlformats.org/presentationml/2006/main">
   <p:cSld>
     <p:spTree>
@@ -7097,8 +5753,8 @@
           </a:p>
         </p:txBody>
       </p:sp>
-      <mc:AlternateContent xmlns:mc="http://schemas.openxmlformats.org/markup-compatibility/2006" xmlns:a14="http://schemas.microsoft.com/office/drawing/2010/main">
-        <mc:Choice Requires="a14">
+      <mc:AlternateContent xmlns:mc="http://schemas.openxmlformats.org/markup-compatibility/2006">
+        <mc:Choice xmlns:a14="http://schemas.microsoft.com/office/drawing/2010/main" Requires="a14">
           <p:sp>
             <p:nvSpPr>
               <p:cNvPr id="3" name="Content Placeholder 2">
@@ -7117,7 +5773,7 @@
             </p:nvSpPr>
             <p:spPr>
               <a:xfrm>
-                <a:off x="838200" y="1825624"/>
+                <a:off x="838200" y="1621115"/>
                 <a:ext cx="10515600" cy="5032375"/>
               </a:xfrm>
             </p:spPr>
@@ -9336,7 +7992,7 @@
             </p:txBody>
           </p:sp>
         </mc:Choice>
-        <mc:Fallback xmlns="">
+        <mc:Fallback>
           <p:sp>
             <p:nvSpPr>
               <p:cNvPr id="3" name="Content Placeholder 2">
@@ -9355,7 +8011,7 @@
             </p:nvSpPr>
             <p:spPr>
               <a:xfrm>
-                <a:off x="838200" y="1825624"/>
+                <a:off x="838200" y="1621115"/>
                 <a:ext cx="10515600" cy="5032375"/>
               </a:xfrm>
               <a:blipFill>
@@ -9398,7 +8054,7 @@
 </p:sld>
 </file>
 
-<file path=ppt/slides/slide13.xml><?xml version="1.0" encoding="utf-8"?>
+<file path=ppt/slides/slide12.xml><?xml version="1.0" encoding="utf-8"?>
 <p:sld xmlns:a="http://schemas.openxmlformats.org/drawingml/2006/main" xmlns:r="http://schemas.openxmlformats.org/officeDocument/2006/relationships" xmlns:p="http://schemas.openxmlformats.org/presentationml/2006/main">
   <p:cSld>
     <p:spTree>
@@ -9511,6 +8167,42 @@
           </a:p>
         </p:txBody>
       </p:sp>
+      <p:pic>
+        <p:nvPicPr>
+          <p:cNvPr id="5" name="Image 4" descr="Une image contenant texte, ligne, diagramme, Tracé&#10;&#10;Description générée automatiquement">
+            <a:extLst>
+              <a:ext uri="{FF2B5EF4-FFF2-40B4-BE49-F238E27FC236}">
+                <a16:creationId xmlns:a16="http://schemas.microsoft.com/office/drawing/2014/main" id="{CA785013-FBC3-FEA2-4380-0189AB658ED2}"/>
+              </a:ext>
+            </a:extLst>
+          </p:cNvPr>
+          <p:cNvPicPr>
+            <a:picLocks noChangeAspect="1"/>
+          </p:cNvPicPr>
+          <p:nvPr/>
+        </p:nvPicPr>
+        <p:blipFill>
+          <a:blip r:embed="rId3">
+            <a:extLst>
+              <a:ext uri="{28A0092B-C50C-407E-A947-70E740481C1C}">
+                <a14:useLocalDpi xmlns:a14="http://schemas.microsoft.com/office/drawing/2010/main" val="0"/>
+              </a:ext>
+            </a:extLst>
+          </a:blip>
+          <a:stretch>
+            <a:fillRect/>
+          </a:stretch>
+        </p:blipFill>
+        <p:spPr>
+          <a:xfrm>
+            <a:off x="3352794" y="1928717"/>
+            <a:ext cx="6725271" cy="4483514"/>
+          </a:xfrm>
+          <a:prstGeom prst="rect">
+            <a:avLst/>
+          </a:prstGeom>
+        </p:spPr>
+      </p:pic>
     </p:spTree>
     <p:extLst>
       <p:ext uri="{BB962C8B-B14F-4D97-AF65-F5344CB8AC3E}">
@@ -9524,7 +8216,7 @@
 </p:sld>
 </file>
 
-<file path=ppt/slides/slide14.xml><?xml version="1.0" encoding="utf-8"?>
+<file path=ppt/slides/slide13.xml><?xml version="1.0" encoding="utf-8"?>
 <p:sld xmlns:a="http://schemas.openxmlformats.org/drawingml/2006/main" xmlns:r="http://schemas.openxmlformats.org/officeDocument/2006/relationships" xmlns:p="http://schemas.openxmlformats.org/presentationml/2006/main">
   <p:cSld>
     <p:spTree>
@@ -9615,7 +8307,19 @@
           <a:p>
             <a:r>
               <a:rPr lang="fr-FR" dirty="0"/>
-              <a:t>A partir de ce code générique, soit écrire un code pour résoudre le cas stationnaire directement ou soit faire rouler le code jusqu’à la solution stationnaire (c-à-d l’Eq.(3) développée avec S constant). a. préciser tous les paramètres de la simulation utilisés. </a:t>
+              <a:t>A partir de ce code générique, soit écrire un code pour résoudre le cas stationnaire directement ou soit faire rouler le code jusqu’à la solution stationnaire (c-à-d l’Eq.(3) développée avec S constant). a. </a:t>
+            </a:r>
+            <a:r>
+              <a:rPr lang="fr-FR" dirty="0">
+                <a:highlight>
+                  <a:srgbClr val="FFFF00"/>
+                </a:highlight>
+              </a:rPr>
+              <a:t>préciser tous les paramètres de la simulation utilisés</a:t>
+            </a:r>
+            <a:r>
+              <a:rPr lang="fr-FR" dirty="0"/>
+              <a:t>. </a:t>
             </a:r>
             <a:endParaRPr lang="en-CA" dirty="0"/>
           </a:p>
@@ -9634,7 +8338,7 @@
 </p:sld>
 </file>
 
-<file path=ppt/slides/slide15.xml><?xml version="1.0" encoding="utf-8"?>
+<file path=ppt/slides/slide14.xml><?xml version="1.0" encoding="utf-8"?>
 <p:sld xmlns:a="http://schemas.openxmlformats.org/drawingml/2006/main" xmlns:r="http://schemas.openxmlformats.org/officeDocument/2006/relationships" xmlns:p="http://schemas.openxmlformats.org/presentationml/2006/main">
   <p:cSld>
     <p:spTree>
@@ -9733,42 +8437,6 @@
           </a:p>
         </p:txBody>
       </p:sp>
-      <p:pic>
-        <p:nvPicPr>
-          <p:cNvPr id="5" name="Image 4" descr="Une image contenant texte, ligne, diagramme, Tracé&#10;&#10;Description générée automatiquement">
-            <a:extLst>
-              <a:ext uri="{FF2B5EF4-FFF2-40B4-BE49-F238E27FC236}">
-                <a16:creationId xmlns:a16="http://schemas.microsoft.com/office/drawing/2014/main" id="{CA785013-FBC3-FEA2-4380-0189AB658ED2}"/>
-              </a:ext>
-            </a:extLst>
-          </p:cNvPr>
-          <p:cNvPicPr>
-            <a:picLocks noChangeAspect="1"/>
-          </p:cNvPicPr>
-          <p:nvPr/>
-        </p:nvPicPr>
-        <p:blipFill>
-          <a:blip r:embed="rId2">
-            <a:extLst>
-              <a:ext uri="{28A0092B-C50C-407E-A947-70E740481C1C}">
-                <a14:useLocalDpi xmlns:a14="http://schemas.microsoft.com/office/drawing/2010/main" val="0"/>
-              </a:ext>
-            </a:extLst>
-          </a:blip>
-          <a:stretch>
-            <a:fillRect/>
-          </a:stretch>
-        </p:blipFill>
-        <p:spPr>
-          <a:xfrm>
-            <a:off x="3352794" y="2754623"/>
-            <a:ext cx="5486411" cy="3657607"/>
-          </a:xfrm>
-          <a:prstGeom prst="rect">
-            <a:avLst/>
-          </a:prstGeom>
-        </p:spPr>
-      </p:pic>
     </p:spTree>
     <p:extLst>
       <p:ext uri="{BB962C8B-B14F-4D97-AF65-F5344CB8AC3E}">
@@ -9782,7 +8450,7 @@
 </p:sld>
 </file>
 
-<file path=ppt/slides/slide16.xml><?xml version="1.0" encoding="utf-8"?>
+<file path=ppt/slides/slide15.xml><?xml version="1.0" encoding="utf-8"?>
 <p:sld xmlns:a="http://schemas.openxmlformats.org/drawingml/2006/main" xmlns:r="http://schemas.openxmlformats.org/officeDocument/2006/relationships" xmlns:p="http://schemas.openxmlformats.org/presentationml/2006/main">
   <p:cSld>
     <p:spTree>
@@ -9847,7 +8515,7 @@
 </p:sld>
 </file>
 
-<file path=ppt/slides/slide17.xml><?xml version="1.0" encoding="utf-8"?>
+<file path=ppt/slides/slide16.xml><?xml version="1.0" encoding="utf-8"?>
 <p:sld xmlns:a="http://schemas.openxmlformats.org/drawingml/2006/main" xmlns:r="http://schemas.openxmlformats.org/officeDocument/2006/relationships" xmlns:p="http://schemas.openxmlformats.org/presentationml/2006/main">
   <p:cSld>
     <p:spTree>
@@ -9912,7 +8580,7 @@
 </p:sld>
 </file>
 
-<file path=ppt/slides/slide18.xml><?xml version="1.0" encoding="utf-8"?>
+<file path=ppt/slides/slide17.xml><?xml version="1.0" encoding="utf-8"?>
 <p:sld xmlns:a="http://schemas.openxmlformats.org/drawingml/2006/main" xmlns:r="http://schemas.openxmlformats.org/officeDocument/2006/relationships" xmlns:p="http://schemas.openxmlformats.org/presentationml/2006/main">
   <p:cSld>
     <p:spTree>
@@ -9977,7 +8645,7 @@
 </p:sld>
 </file>
 
-<file path=ppt/slides/slide19.xml><?xml version="1.0" encoding="utf-8"?>
+<file path=ppt/slides/slide18.xml><?xml version="1.0" encoding="utf-8"?>
 <p:sld xmlns:a="http://schemas.openxmlformats.org/drawingml/2006/main" xmlns:r="http://schemas.openxmlformats.org/officeDocument/2006/relationships" xmlns:p="http://schemas.openxmlformats.org/presentationml/2006/main">
   <p:cSld>
     <p:spTree>
@@ -10121,6 +8789,71 @@
     <p:extLst>
       <p:ext uri="{BB962C8B-B14F-4D97-AF65-F5344CB8AC3E}">
         <p14:creationId xmlns:p14="http://schemas.microsoft.com/office/powerpoint/2010/main" val="1371653187"/>
+      </p:ext>
+    </p:extLst>
+  </p:cSld>
+  <p:clrMapOvr>
+    <a:masterClrMapping/>
+  </p:clrMapOvr>
+</p:sld>
+</file>
+
+<file path=ppt/slides/slide19.xml><?xml version="1.0" encoding="utf-8"?>
+<p:sld xmlns:a="http://schemas.openxmlformats.org/drawingml/2006/main" xmlns:r="http://schemas.openxmlformats.org/officeDocument/2006/relationships" xmlns:p="http://schemas.openxmlformats.org/presentationml/2006/main">
+  <p:cSld>
+    <p:spTree>
+      <p:nvGrpSpPr>
+        <p:cNvPr id="1" name=""/>
+        <p:cNvGrpSpPr/>
+        <p:nvPr/>
+      </p:nvGrpSpPr>
+      <p:grpSpPr>
+        <a:xfrm>
+          <a:off x="0" y="0"/>
+          <a:ext cx="0" cy="0"/>
+          <a:chOff x="0" y="0"/>
+          <a:chExt cx="0" cy="0"/>
+        </a:xfrm>
+      </p:grpSpPr>
+      <p:pic>
+        <p:nvPicPr>
+          <p:cNvPr id="17" name="Espace réservé du contenu 16" descr="Une image contenant texte, capture d’écran, ligne, nombre&#10;&#10;Description générée automatiquement">
+            <a:extLst>
+              <a:ext uri="{FF2B5EF4-FFF2-40B4-BE49-F238E27FC236}">
+                <a16:creationId xmlns:a16="http://schemas.microsoft.com/office/drawing/2014/main" id="{1919E274-B0D4-8C89-9C26-986B12AB23D0}"/>
+              </a:ext>
+            </a:extLst>
+          </p:cNvPr>
+          <p:cNvPicPr>
+            <a:picLocks noGrp="1" noChangeAspect="1"/>
+          </p:cNvPicPr>
+          <p:nvPr>
+            <p:ph idx="1"/>
+          </p:nvPr>
+        </p:nvPicPr>
+        <p:blipFill>
+          <a:blip r:embed="rId2">
+            <a:extLst>
+              <a:ext uri="{28A0092B-C50C-407E-A947-70E740481C1C}">
+                <a14:useLocalDpi xmlns:a14="http://schemas.microsoft.com/office/drawing/2010/main" val="0"/>
+              </a:ext>
+            </a:extLst>
+          </a:blip>
+          <a:stretch>
+            <a:fillRect/>
+          </a:stretch>
+        </p:blipFill>
+        <p:spPr>
+          <a:xfrm>
+            <a:off x="2137410" y="594360"/>
+            <a:ext cx="9068990" cy="6045993"/>
+          </a:xfrm>
+        </p:spPr>
+      </p:pic>
+    </p:spTree>
+    <p:extLst>
+      <p:ext uri="{BB962C8B-B14F-4D97-AF65-F5344CB8AC3E}">
+        <p14:creationId xmlns:p14="http://schemas.microsoft.com/office/powerpoint/2010/main" val="4096237354"/>
       </p:ext>
     </p:extLst>
   </p:cSld>
@@ -11742,71 +10475,6 @@
       </p:grpSpPr>
       <p:pic>
         <p:nvPicPr>
-          <p:cNvPr id="17" name="Espace réservé du contenu 16" descr="Une image contenant texte, capture d’écran, ligne, nombre&#10;&#10;Description générée automatiquement">
-            <a:extLst>
-              <a:ext uri="{FF2B5EF4-FFF2-40B4-BE49-F238E27FC236}">
-                <a16:creationId xmlns:a16="http://schemas.microsoft.com/office/drawing/2014/main" id="{1919E274-B0D4-8C89-9C26-986B12AB23D0}"/>
-              </a:ext>
-            </a:extLst>
-          </p:cNvPr>
-          <p:cNvPicPr>
-            <a:picLocks noGrp="1" noChangeAspect="1"/>
-          </p:cNvPicPr>
-          <p:nvPr>
-            <p:ph idx="1"/>
-          </p:nvPr>
-        </p:nvPicPr>
-        <p:blipFill>
-          <a:blip r:embed="rId2">
-            <a:extLst>
-              <a:ext uri="{28A0092B-C50C-407E-A947-70E740481C1C}">
-                <a14:useLocalDpi xmlns:a14="http://schemas.microsoft.com/office/drawing/2010/main" val="0"/>
-              </a:ext>
-            </a:extLst>
-          </a:blip>
-          <a:stretch>
-            <a:fillRect/>
-          </a:stretch>
-        </p:blipFill>
-        <p:spPr>
-          <a:xfrm>
-            <a:off x="2137410" y="594360"/>
-            <a:ext cx="9068990" cy="6045993"/>
-          </a:xfrm>
-        </p:spPr>
-      </p:pic>
-    </p:spTree>
-    <p:extLst>
-      <p:ext uri="{BB962C8B-B14F-4D97-AF65-F5344CB8AC3E}">
-        <p14:creationId xmlns:p14="http://schemas.microsoft.com/office/powerpoint/2010/main" val="4096237354"/>
-      </p:ext>
-    </p:extLst>
-  </p:cSld>
-  <p:clrMapOvr>
-    <a:masterClrMapping/>
-  </p:clrMapOvr>
-</p:sld>
-</file>
-
-<file path=ppt/slides/slide21.xml><?xml version="1.0" encoding="utf-8"?>
-<p:sld xmlns:a="http://schemas.openxmlformats.org/drawingml/2006/main" xmlns:r="http://schemas.openxmlformats.org/officeDocument/2006/relationships" xmlns:p="http://schemas.openxmlformats.org/presentationml/2006/main">
-  <p:cSld>
-    <p:spTree>
-      <p:nvGrpSpPr>
-        <p:cNvPr id="1" name=""/>
-        <p:cNvGrpSpPr/>
-        <p:nvPr/>
-      </p:nvGrpSpPr>
-      <p:grpSpPr>
-        <a:xfrm>
-          <a:off x="0" y="0"/>
-          <a:ext cx="0" cy="0"/>
-          <a:chOff x="0" y="0"/>
-          <a:chExt cx="0" cy="0"/>
-        </a:xfrm>
-      </p:grpSpPr>
-      <p:pic>
-        <p:nvPicPr>
           <p:cNvPr id="8" name="Espace réservé du contenu 7" descr="Une image contenant texte, capture d’écran, ligne, Police&#10;&#10;Description générée automatiquement">
             <a:extLst>
               <a:ext uri="{FF2B5EF4-FFF2-40B4-BE49-F238E27FC236}">
@@ -11853,7 +10521,7 @@
 </p:sld>
 </file>
 
-<file path=ppt/slides/slide22.xml><?xml version="1.0" encoding="utf-8"?>
+<file path=ppt/slides/slide21.xml><?xml version="1.0" encoding="utf-8"?>
 <p:sld xmlns:a="http://schemas.openxmlformats.org/drawingml/2006/main" xmlns:r="http://schemas.openxmlformats.org/officeDocument/2006/relationships" xmlns:p="http://schemas.openxmlformats.org/presentationml/2006/main">
   <p:cSld>
     <p:spTree>
@@ -11918,7 +10586,7 @@
 </p:sld>
 </file>
 
-<file path=ppt/slides/slide23.xml><?xml version="1.0" encoding="utf-8"?>
+<file path=ppt/slides/slide22.xml><?xml version="1.0" encoding="utf-8"?>
 <p:sld xmlns:a="http://schemas.openxmlformats.org/drawingml/2006/main" xmlns:r="http://schemas.openxmlformats.org/officeDocument/2006/relationships" xmlns:p="http://schemas.openxmlformats.org/presentationml/2006/main">
   <p:cSld>
     <p:spTree>
@@ -12044,7 +10712,7 @@
 </p:sld>
 </file>
 
-<file path=ppt/slides/slide24.xml><?xml version="1.0" encoding="utf-8"?>
+<file path=ppt/slides/slide23.xml><?xml version="1.0" encoding="utf-8"?>
 <p:sld xmlns:a="http://schemas.openxmlformats.org/drawingml/2006/main" xmlns:r="http://schemas.openxmlformats.org/officeDocument/2006/relationships" xmlns:p="http://schemas.openxmlformats.org/presentationml/2006/main">
   <p:cSld>
     <p:spTree>
@@ -13481,8 +12149,8 @@
           </a:p>
         </p:txBody>
       </p:sp>
-      <mc:AlternateContent xmlns:mc="http://schemas.openxmlformats.org/markup-compatibility/2006" xmlns:a14="http://schemas.microsoft.com/office/drawing/2010/main">
-        <mc:Choice Requires="a14">
+      <mc:AlternateContent xmlns:mc="http://schemas.openxmlformats.org/markup-compatibility/2006">
+        <mc:Choice xmlns:a14="http://schemas.microsoft.com/office/drawing/2010/main" Requires="a14">
           <p:sp>
             <p:nvSpPr>
               <p:cNvPr id="3" name="Content Placeholder 2">
@@ -13586,7 +12254,7 @@
                 </a14:m>
                 <a:r>
                   <a:rPr lang="en-CA" dirty="0"/>
-                  <a:t> avec R=1m. </a:t>
+                  <a:t> avec R=0.5m. </a:t>
                 </a:r>
                 <a:r>
                   <a:rPr lang="en-CA" dirty="0" err="1"/>
@@ -13608,7 +12276,7 @@
             </p:txBody>
           </p:sp>
         </mc:Choice>
-        <mc:Fallback xmlns="">
+        <mc:Fallback>
           <p:sp>
             <p:nvSpPr>
               <p:cNvPr id="3" name="Content Placeholder 2">
@@ -14053,7 +12721,7 @@
         <p:spPr>
           <a:xfrm>
             <a:off x="5837463" y="4576805"/>
-            <a:ext cx="650562" cy="261610"/>
+            <a:ext cx="650562" cy="430887"/>
           </a:xfrm>
           <a:prstGeom prst="rect">
             <a:avLst/>
@@ -14069,7 +12737,14 @@
             <a:pPr algn="ctr"/>
             <a:r>
               <a:rPr lang="en-US" sz="1100" dirty="0"/>
-              <a:t>r2=0.25</a:t>
+              <a:t>r2=</a:t>
+            </a:r>
+          </a:p>
+          <a:p>
+            <a:pPr algn="ctr"/>
+            <a:r>
+              <a:rPr lang="en-US" sz="1100" dirty="0"/>
+              <a:t>0.125</a:t>
             </a:r>
             <a:endParaRPr lang="en-CA" sz="1100" dirty="0"/>
           </a:p>
@@ -14089,8 +12764,8 @@
         </p:nvSpPr>
         <p:spPr>
           <a:xfrm>
-            <a:off x="6395836" y="4586910"/>
-            <a:ext cx="568034" cy="261610"/>
+            <a:off x="6425332" y="4586910"/>
+            <a:ext cx="482562" cy="430887"/>
           </a:xfrm>
           <a:prstGeom prst="rect">
             <a:avLst/>
@@ -14106,7 +12781,14 @@
             <a:pPr algn="ctr"/>
             <a:r>
               <a:rPr lang="en-US" sz="1100" dirty="0"/>
-              <a:t>r3=0.5</a:t>
+              <a:t>r3=</a:t>
+            </a:r>
+          </a:p>
+          <a:p>
+            <a:pPr algn="ctr"/>
+            <a:r>
+              <a:rPr lang="en-US" sz="1100" dirty="0"/>
+              <a:t>0.25</a:t>
             </a:r>
             <a:endParaRPr lang="en-CA" sz="1100" dirty="0"/>
           </a:p>
@@ -14127,7 +12809,7 @@
         <p:spPr>
           <a:xfrm>
             <a:off x="6882915" y="4571784"/>
-            <a:ext cx="678313" cy="261610"/>
+            <a:ext cx="678313" cy="430887"/>
           </a:xfrm>
           <a:prstGeom prst="rect">
             <a:avLst/>
@@ -14140,9 +12822,17 @@
           </a:bodyPr>
           <a:lstStyle/>
           <a:p>
+            <a:pPr algn="ctr"/>
             <a:r>
               <a:rPr lang="en-US" sz="1100" dirty="0"/>
-              <a:t>r4=0.75</a:t>
+              <a:t>r4=</a:t>
+            </a:r>
+          </a:p>
+          <a:p>
+            <a:pPr algn="ctr"/>
+            <a:r>
+              <a:rPr lang="en-US" sz="1100" dirty="0"/>
+              <a:t>0.375</a:t>
             </a:r>
             <a:endParaRPr lang="en-CA" sz="1100" dirty="0"/>
           </a:p>
@@ -14162,8 +12852,8 @@
         </p:nvSpPr>
         <p:spPr>
           <a:xfrm>
-            <a:off x="7627633" y="4571784"/>
-            <a:ext cx="568034" cy="261610"/>
+            <a:off x="7529313" y="4571784"/>
+            <a:ext cx="568034" cy="430887"/>
           </a:xfrm>
           <a:prstGeom prst="rect">
             <a:avLst/>
@@ -14176,9 +12866,17 @@
           </a:bodyPr>
           <a:lstStyle/>
           <a:p>
+            <a:pPr algn="ctr"/>
             <a:r>
               <a:rPr lang="en-US" sz="1100" dirty="0"/>
-              <a:t>r5=1</a:t>
+              <a:t>r5=</a:t>
+            </a:r>
+          </a:p>
+          <a:p>
+            <a:pPr algn="ctr"/>
+            <a:r>
+              <a:rPr lang="en-US" sz="1100" dirty="0"/>
+              <a:t>0.5</a:t>
             </a:r>
             <a:endParaRPr lang="en-CA" sz="1100" dirty="0"/>
           </a:p>
@@ -14426,8 +13124,8 @@
         </p:nvSpPr>
         <p:spPr>
           <a:xfrm rot="2662248">
-            <a:off x="4670381" y="3450410"/>
-            <a:ext cx="727961" cy="338554"/>
+            <a:off x="4635189" y="3536707"/>
+            <a:ext cx="974771" cy="338554"/>
           </a:xfrm>
           <a:prstGeom prst="rect">
             <a:avLst/>
@@ -14442,7 +13140,7 @@
           <a:p>
             <a:r>
               <a:rPr lang="en-US" sz="1600" dirty="0"/>
-              <a:t>R=1m</a:t>
+              <a:t>R=0.5m</a:t>
             </a:r>
             <a:endParaRPr lang="en-CA" sz="1600" dirty="0"/>
           </a:p>
@@ -18687,8 +17385,8 @@
           </a:p>
         </p:txBody>
       </p:sp>
-      <mc:AlternateContent xmlns:mc="http://schemas.openxmlformats.org/markup-compatibility/2006" xmlns:a14="http://schemas.microsoft.com/office/drawing/2010/main">
-        <mc:Choice Requires="a14">
+      <mc:AlternateContent xmlns:mc="http://schemas.openxmlformats.org/markup-compatibility/2006">
+        <mc:Choice xmlns:a14="http://schemas.microsoft.com/office/drawing/2010/main" Requires="a14">
           <p:sp>
             <p:nvSpPr>
               <p:cNvPr id="3" name="Content Placeholder 2">
@@ -18773,6 +17471,15 @@
                 </a:r>
               </a:p>
               <a:p>
+                <a:pPr marL="0" indent="0">
+                  <a:buNone/>
+                </a:pPr>
+                <a:r>
+                  <a:rPr lang="en-CA" sz="1800" i="1" dirty="0">
+                    <a:latin typeface="Cambria Math" panose="02040503050406030204" pitchFamily="18" charset="0"/>
+                  </a:rPr>
+                  <a:t>    </a:t>
+                </a:r>
                 <a14:m>
                   <m:oMath xmlns:m="http://schemas.openxmlformats.org/officeDocument/2006/math">
                     <m:sSub>
@@ -18854,18 +17561,12 @@
                       <a:rPr lang="en-CA" sz="1800" i="1">
                         <a:latin typeface="Cambria Math" panose="02040503050406030204" pitchFamily="18" charset="0"/>
                       </a:rPr>
-                      <m:t>=</m:t>
-                    </m:r>
-                    <m:r>
-                      <a:rPr lang="en-CA" sz="1800" b="0" i="1" smtClean="0">
-                        <a:latin typeface="Cambria Math" panose="02040503050406030204" pitchFamily="18" charset="0"/>
-                      </a:rPr>
-                      <m:t>0 ≅</m:t>
+                      <m:t>=0 ≅</m:t>
                     </m:r>
                     <m:f>
                       <m:fPr>
                         <m:ctrlPr>
-                          <a:rPr lang="en-CA" sz="1800" b="0" i="1" smtClean="0">
+                          <a:rPr lang="en-CA" sz="1800" i="1">
                             <a:latin typeface="Cambria Math" panose="02040503050406030204" pitchFamily="18" charset="0"/>
                           </a:rPr>
                         </m:ctrlPr>
@@ -18874,20 +17575,20 @@
                         <m:sSub>
                           <m:sSubPr>
                             <m:ctrlPr>
-                              <a:rPr lang="en-CA" sz="1800" b="0" i="1" smtClean="0">
+                              <a:rPr lang="en-CA" sz="1800" i="1">
                                 <a:latin typeface="Cambria Math" panose="02040503050406030204" pitchFamily="18" charset="0"/>
                               </a:rPr>
                             </m:ctrlPr>
                           </m:sSubPr>
                           <m:e>
                             <m:r>
-                              <a:rPr lang="en-CA" sz="1800" b="0" i="1" smtClean="0">
+                              <a:rPr lang="en-CA" sz="1800" i="1">
                                 <a:latin typeface="Cambria Math" panose="02040503050406030204" pitchFamily="18" charset="0"/>
                               </a:rPr>
                               <m:t>−</m:t>
                             </m:r>
                             <m:r>
-                              <a:rPr lang="en-CA" sz="1800" b="0" i="1" smtClean="0">
+                              <a:rPr lang="en-CA" sz="1800" i="1">
                                 <a:latin typeface="Cambria Math" panose="02040503050406030204" pitchFamily="18" charset="0"/>
                               </a:rPr>
                               <m:t>𝐶</m:t>
@@ -18895,13 +17596,13 @@
                           </m:e>
                           <m:sub>
                             <m:r>
-                              <a:rPr lang="en-CA" sz="1800" b="0" i="1" smtClean="0">
+                              <a:rPr lang="en-CA" sz="1800" i="1">
                                 <a:latin typeface="Cambria Math" panose="02040503050406030204" pitchFamily="18" charset="0"/>
                               </a:rPr>
                               <m:t>𝑖</m:t>
                             </m:r>
                             <m:r>
-                              <a:rPr lang="en-CA" sz="1800" b="0" i="1" smtClean="0">
+                              <a:rPr lang="en-CA" sz="1800" i="1">
                                 <a:latin typeface="Cambria Math" panose="02040503050406030204" pitchFamily="18" charset="0"/>
                               </a:rPr>
                               <m:t>+2</m:t>
@@ -18909,7 +17610,7 @@
                           </m:sub>
                         </m:sSub>
                         <m:r>
-                          <a:rPr lang="en-CA" sz="1800" b="0" i="1" smtClean="0">
+                          <a:rPr lang="en-CA" sz="1800" i="1">
                             <a:latin typeface="Cambria Math" panose="02040503050406030204" pitchFamily="18" charset="0"/>
                           </a:rPr>
                           <m:t>+4</m:t>
@@ -18917,14 +17618,14 @@
                         <m:sSub>
                           <m:sSubPr>
                             <m:ctrlPr>
-                              <a:rPr lang="en-CA" sz="1800" b="0" i="1" smtClean="0">
+                              <a:rPr lang="en-CA" sz="1800" i="1">
                                 <a:latin typeface="Cambria Math" panose="02040503050406030204" pitchFamily="18" charset="0"/>
                               </a:rPr>
                             </m:ctrlPr>
                           </m:sSubPr>
                           <m:e>
                             <m:r>
-                              <a:rPr lang="en-CA" sz="1800" b="0" i="1" smtClean="0">
+                              <a:rPr lang="en-CA" sz="1800" i="1">
                                 <a:latin typeface="Cambria Math" panose="02040503050406030204" pitchFamily="18" charset="0"/>
                               </a:rPr>
                               <m:t>𝐶</m:t>
@@ -18932,13 +17633,13 @@
                           </m:e>
                           <m:sub>
                             <m:r>
-                              <a:rPr lang="en-CA" sz="1800" b="0" i="1" smtClean="0">
+                              <a:rPr lang="en-CA" sz="1800" i="1">
                                 <a:latin typeface="Cambria Math" panose="02040503050406030204" pitchFamily="18" charset="0"/>
                               </a:rPr>
                               <m:t>𝑖</m:t>
                             </m:r>
                             <m:r>
-                              <a:rPr lang="en-CA" sz="1800" b="0" i="1" smtClean="0">
+                              <a:rPr lang="en-CA" sz="1800" i="1">
                                 <a:latin typeface="Cambria Math" panose="02040503050406030204" pitchFamily="18" charset="0"/>
                               </a:rPr>
                               <m:t>+1</m:t>
@@ -18946,7 +17647,7 @@
                           </m:sub>
                         </m:sSub>
                         <m:r>
-                          <a:rPr lang="en-CA" sz="1800" b="0" i="1" smtClean="0">
+                          <a:rPr lang="en-CA" sz="1800" i="1">
                             <a:latin typeface="Cambria Math" panose="02040503050406030204" pitchFamily="18" charset="0"/>
                           </a:rPr>
                           <m:t>−3</m:t>
@@ -18954,14 +17655,14 @@
                         <m:sSub>
                           <m:sSubPr>
                             <m:ctrlPr>
-                              <a:rPr lang="en-CA" sz="1800" b="0" i="1" smtClean="0">
+                              <a:rPr lang="en-CA" sz="1800" i="1">
                                 <a:latin typeface="Cambria Math" panose="02040503050406030204" pitchFamily="18" charset="0"/>
                               </a:rPr>
                             </m:ctrlPr>
                           </m:sSubPr>
                           <m:e>
                             <m:r>
-                              <a:rPr lang="en-CA" sz="1800" b="0" i="1" smtClean="0">
+                              <a:rPr lang="en-CA" sz="1800" i="1">
                                 <a:latin typeface="Cambria Math" panose="02040503050406030204" pitchFamily="18" charset="0"/>
                               </a:rPr>
                               <m:t>𝐶</m:t>
@@ -18969,7 +17670,7 @@
                           </m:e>
                           <m:sub>
                             <m:r>
-                              <a:rPr lang="en-CA" sz="1800" b="0" i="1" smtClean="0">
+                              <a:rPr lang="en-CA" sz="1800" i="1">
                                 <a:latin typeface="Cambria Math" panose="02040503050406030204" pitchFamily="18" charset="0"/>
                               </a:rPr>
                               <m:t>𝑖</m:t>
@@ -18979,7 +17680,7 @@
                       </m:num>
                       <m:den>
                         <m:r>
-                          <a:rPr lang="en-CA" sz="1800" b="0" i="1" smtClean="0">
+                          <a:rPr lang="en-CA" sz="1800" i="1">
                             <a:latin typeface="Cambria Math" panose="02040503050406030204" pitchFamily="18" charset="0"/>
                           </a:rPr>
                           <m:t>2</m:t>
@@ -18988,13 +17689,13 @@
                           <m:rPr>
                             <m:sty m:val="p"/>
                           </m:rPr>
-                          <a:rPr lang="en-CA" sz="1800" b="0" i="0" smtClean="0">
+                          <a:rPr lang="en-CA" sz="1800" i="1">
                             <a:latin typeface="Cambria Math" panose="02040503050406030204" pitchFamily="18" charset="0"/>
                           </a:rPr>
                           <m:t>Δ</m:t>
                         </m:r>
                         <m:r>
-                          <a:rPr lang="en-CA" sz="1800" b="0" i="1" smtClean="0">
+                          <a:rPr lang="en-CA" sz="1800" i="1">
                             <a:latin typeface="Cambria Math" panose="02040503050406030204" pitchFamily="18" charset="0"/>
                           </a:rPr>
                           <m:t>𝑟</m:t>
@@ -19003,7 +17704,7 @@
                     </m:f>
                   </m:oMath>
                 </a14:m>
-                <a:endParaRPr lang="en-CA" sz="1800" b="0" i="1" dirty="0">
+                <a:endParaRPr lang="en-CA" sz="1800" i="1" dirty="0">
                   <a:latin typeface="Cambria Math" panose="02040503050406030204" pitchFamily="18" charset="0"/>
                 </a:endParaRPr>
               </a:p>
@@ -22247,7 +20948,7 @@
             </p:txBody>
           </p:sp>
         </mc:Choice>
-        <mc:Fallback xmlns="">
+        <mc:Fallback>
           <p:sp>
             <p:nvSpPr>
               <p:cNvPr id="3" name="Content Placeholder 2">
@@ -22272,7 +20973,7 @@
               <a:blipFill>
                 <a:blip r:embed="rId2"/>
                 <a:stretch>
-                  <a:fillRect l="-1217" t="-1498"/>
+                  <a:fillRect l="-1855" t="-1498"/>
                 </a:stretch>
               </a:blipFill>
             </p:spPr>
@@ -22400,6 +21101,9 @@
           </a:bodyPr>
           <a:lstStyle/>
           <a:p>
+            <a:pPr marL="0" indent="0">
+              <a:buNone/>
+            </a:pPr>
             <a:r>
               <a:rPr lang="en-CA" sz="2400" dirty="0" err="1"/>
               <a:t>C’est</a:t>
@@ -22430,7 +21134,7 @@
             </a:r>
             <a:r>
               <a:rPr lang="en-CA" sz="2400" dirty="0"/>
-              <a:t> (MDF)</a:t>
+              <a:t> (MDF).</a:t>
             </a:r>
           </a:p>
         </p:txBody>
@@ -22527,7 +21231,7 @@
         </p:spPr>
         <p:txBody>
           <a:bodyPr vert="horz" lIns="91440" tIns="45720" rIns="91440" bIns="45720" rtlCol="0">
-            <a:normAutofit/>
+            <a:normAutofit fontScale="92500" lnSpcReduction="10000"/>
           </a:bodyPr>
           <a:lstStyle>
             <a:lvl1pPr marL="228600" indent="-228600" algn="l" defTabSz="914400" rtl="0" eaLnBrk="1" latinLnBrk="0" hangingPunct="1">
@@ -22694,6 +21398,9 @@
             </a:lvl9pPr>
           </a:lstStyle>
           <a:p>
+            <a:pPr marL="0" indent="0">
+              <a:buNone/>
+            </a:pPr>
             <a:r>
               <a:rPr lang="en-CA" sz="2400" dirty="0"/>
               <a:t>Le </a:t>
@@ -22716,7 +21423,7 @@
             </a:r>
             <a:r>
               <a:rPr lang="en-CA" sz="2400" dirty="0" err="1"/>
-              <a:t>schéma</a:t>
+              <a:t>schémas</a:t>
             </a:r>
             <a:r>
               <a:rPr lang="en-CA" sz="2400" dirty="0"/>
@@ -22728,7 +21435,71 @@
             </a:r>
             <a:r>
               <a:rPr lang="en-CA" sz="2400" dirty="0"/>
-              <a:t> 1 (</a:t>
+              <a:t> 1 </a:t>
+            </a:r>
+            <a:r>
+              <a:rPr lang="en-CA" sz="2400" dirty="0" err="1"/>
+              <a:t>en</a:t>
+            </a:r>
+            <a:r>
+              <a:rPr lang="en-CA" sz="2400" dirty="0"/>
+              <a:t> temps et </a:t>
+            </a:r>
+            <a:r>
+              <a:rPr lang="en-CA" sz="2400" dirty="0" err="1"/>
+              <a:t>en</a:t>
+            </a:r>
+            <a:r>
+              <a:rPr lang="en-CA" sz="2400" dirty="0"/>
+              <a:t> </a:t>
+            </a:r>
+            <a:r>
+              <a:rPr lang="en-CA" sz="2400" dirty="0" err="1"/>
+              <a:t>espace</a:t>
+            </a:r>
+            <a:r>
+              <a:rPr lang="en-CA" sz="2400" dirty="0"/>
+              <a:t> (</a:t>
+            </a:r>
+            <a:r>
+              <a:rPr lang="en-CA" sz="2400" dirty="0" err="1"/>
+              <a:t>dérivées</a:t>
+            </a:r>
+            <a:r>
+              <a:rPr lang="en-CA" sz="2400" dirty="0"/>
+              <a:t> premières) et un </a:t>
+            </a:r>
+            <a:r>
+              <a:rPr lang="en-CA" sz="2400" dirty="0" err="1"/>
+              <a:t>schéma</a:t>
+            </a:r>
+            <a:r>
+              <a:rPr lang="en-CA" sz="2400" dirty="0"/>
+              <a:t> </a:t>
+            </a:r>
+            <a:r>
+              <a:rPr lang="en-CA" sz="2400" dirty="0" err="1"/>
+              <a:t>d’ordre</a:t>
+            </a:r>
+            <a:r>
+              <a:rPr lang="en-CA" sz="2400" dirty="0"/>
+              <a:t> 2 </a:t>
+            </a:r>
+            <a:r>
+              <a:rPr lang="en-CA" sz="2400" dirty="0" err="1"/>
+              <a:t>en</a:t>
+            </a:r>
+            <a:r>
+              <a:rPr lang="en-CA" sz="2400" dirty="0"/>
+              <a:t> </a:t>
+            </a:r>
+            <a:r>
+              <a:rPr lang="en-CA" sz="2400" dirty="0" err="1"/>
+              <a:t>espace</a:t>
+            </a:r>
+            <a:r>
+              <a:rPr lang="en-CA" sz="2400" dirty="0"/>
+              <a:t> (</a:t>
             </a:r>
             <a:r>
               <a:rPr lang="en-CA" sz="2400" dirty="0" err="1"/>
@@ -22736,7 +21507,71 @@
             </a:r>
             <a:r>
               <a:rPr lang="en-CA" sz="2400" dirty="0"/>
-              <a:t> premiere) et des schemas </a:t>
+              <a:t> </a:t>
+            </a:r>
+            <a:r>
+              <a:rPr lang="en-CA" sz="2400" dirty="0" err="1"/>
+              <a:t>seconde</a:t>
+            </a:r>
+            <a:r>
+              <a:rPr lang="en-CA" sz="2400" dirty="0"/>
+              <a:t>). </a:t>
+            </a:r>
+            <a:r>
+              <a:rPr lang="en-CA" sz="2400" dirty="0" err="1"/>
+              <a:t>Ainsi</a:t>
+            </a:r>
+            <a:r>
+              <a:rPr lang="en-CA" sz="2400" dirty="0"/>
+              <a:t> </a:t>
+            </a:r>
+            <a:r>
+              <a:rPr lang="en-CA" sz="2400" dirty="0" err="1"/>
+              <a:t>l’ordre</a:t>
+            </a:r>
+            <a:r>
+              <a:rPr lang="en-CA" sz="2400" dirty="0"/>
+              <a:t> de </a:t>
+            </a:r>
+            <a:r>
+              <a:rPr lang="en-CA" sz="2400" dirty="0" err="1"/>
+              <a:t>précision</a:t>
+            </a:r>
+            <a:r>
+              <a:rPr lang="en-CA" sz="2400" dirty="0"/>
+              <a:t> global sera </a:t>
+            </a:r>
+            <a:r>
+              <a:rPr lang="en-CA" sz="2400" dirty="0" err="1"/>
+              <a:t>celui</a:t>
+            </a:r>
+            <a:r>
+              <a:rPr lang="en-CA" sz="2400" dirty="0"/>
+              <a:t> du </a:t>
+            </a:r>
+            <a:r>
+              <a:rPr lang="en-CA" sz="2400" dirty="0" err="1"/>
+              <a:t>schéma</a:t>
+            </a:r>
+            <a:r>
+              <a:rPr lang="en-CA" sz="2400" dirty="0"/>
+              <a:t> le </a:t>
+            </a:r>
+            <a:r>
+              <a:rPr lang="en-CA" sz="2400" dirty="0" err="1"/>
+              <a:t>moins</a:t>
+            </a:r>
+            <a:r>
+              <a:rPr lang="en-CA" sz="2400" dirty="0"/>
+              <a:t> précis </a:t>
+            </a:r>
+            <a:r>
+              <a:rPr lang="en-CA" sz="2400" dirty="0" err="1"/>
+              <a:t>donc</a:t>
+            </a:r>
+            <a:r>
+              <a:rPr lang="en-CA" sz="2400" dirty="0"/>
+              <a:t> </a:t>
             </a:r>
             <a:r>
               <a:rPr lang="en-CA" sz="2400" dirty="0" err="1"/>
@@ -22744,11 +21579,27 @@
             </a:r>
             <a:r>
               <a:rPr lang="en-CA" sz="2400" dirty="0"/>
-              <a:t> 2 (</a:t>
+              <a:t> 1 </a:t>
             </a:r>
             <a:r>
               <a:rPr lang="en-CA" sz="2400" dirty="0" err="1"/>
-              <a:t>dérivée</a:t>
+              <a:t>en</a:t>
+            </a:r>
+            <a:r>
+              <a:rPr lang="en-CA" sz="2400" dirty="0"/>
+              <a:t> temps et </a:t>
+            </a:r>
+            <a:r>
+              <a:rPr lang="en-CA" sz="2400" dirty="0" err="1"/>
+              <a:t>d’ordre</a:t>
+            </a:r>
+            <a:r>
+              <a:rPr lang="en-CA" sz="2400" dirty="0"/>
+              <a:t> 1 </a:t>
+            </a:r>
+            <a:r>
+              <a:rPr lang="en-CA" sz="2400" dirty="0" err="1"/>
+              <a:t>en</a:t>
             </a:r>
             <a:r>
               <a:rPr lang="en-CA" sz="2400" dirty="0"/>
@@ -22756,67 +21607,11 @@
             </a:r>
             <a:r>
               <a:rPr lang="en-CA" sz="2400" dirty="0" err="1"/>
-              <a:t>seconde</a:t>
+              <a:t>espace</a:t>
             </a:r>
             <a:r>
               <a:rPr lang="en-CA" sz="2400" dirty="0"/>
-              <a:t>). </a:t>
-            </a:r>
-            <a:r>
-              <a:rPr lang="en-CA" sz="2400" dirty="0" err="1"/>
-              <a:t>Ainsi</a:t>
-            </a:r>
-            <a:r>
-              <a:rPr lang="en-CA" sz="2400" dirty="0"/>
-              <a:t> </a:t>
-            </a:r>
-            <a:r>
-              <a:rPr lang="en-CA" sz="2400" dirty="0" err="1"/>
-              <a:t>l’ordre</a:t>
-            </a:r>
-            <a:r>
-              <a:rPr lang="en-CA" sz="2400" dirty="0"/>
-              <a:t> de precision global sera </a:t>
-            </a:r>
-            <a:r>
-              <a:rPr lang="en-CA" sz="2400" dirty="0" err="1"/>
-              <a:t>celui</a:t>
-            </a:r>
-            <a:r>
-              <a:rPr lang="en-CA" sz="2400" dirty="0"/>
-              <a:t> du </a:t>
-            </a:r>
-            <a:r>
-              <a:rPr lang="en-CA" sz="2400" dirty="0" err="1"/>
-              <a:t>schéma</a:t>
-            </a:r>
-            <a:r>
-              <a:rPr lang="en-CA" sz="2400" dirty="0"/>
-              <a:t> le </a:t>
-            </a:r>
-            <a:r>
-              <a:rPr lang="en-CA" sz="2400" dirty="0" err="1"/>
-              <a:t>moins</a:t>
-            </a:r>
-            <a:r>
-              <a:rPr lang="en-CA" sz="2400" dirty="0"/>
-              <a:t> précis </a:t>
-            </a:r>
-            <a:r>
-              <a:rPr lang="en-CA" sz="2400" dirty="0" err="1"/>
-              <a:t>donc</a:t>
-            </a:r>
-            <a:r>
-              <a:rPr lang="en-CA" sz="2400" dirty="0"/>
-              <a:t> </a:t>
-            </a:r>
-            <a:r>
-              <a:rPr lang="en-CA" sz="2400" dirty="0" err="1"/>
-              <a:t>d’ordre</a:t>
-            </a:r>
-            <a:r>
-              <a:rPr lang="en-CA" sz="2400" dirty="0"/>
-              <a:t> 1.</a:t>
+              <a:t>.</a:t>
             </a:r>
           </a:p>
         </p:txBody>

--- a/Devoir_1.pptx
+++ b/Devoir_1.pptx
@@ -5,7 +5,7 @@
     <p:sldMasterId id="2147483648" r:id="rId1"/>
   </p:sldMasterIdLst>
   <p:notesMasterIdLst>
-    <p:notesMasterId r:id="rId25"/>
+    <p:notesMasterId r:id="rId20"/>
   </p:notesMasterIdLst>
   <p:sldIdLst>
     <p:sldId id="256" r:id="rId2"/>
@@ -16,21 +16,16 @@
     <p:sldId id="261" r:id="rId7"/>
     <p:sldId id="263" r:id="rId8"/>
     <p:sldId id="262" r:id="rId9"/>
-    <p:sldId id="264" r:id="rId10"/>
-    <p:sldId id="266" r:id="rId11"/>
-    <p:sldId id="267" r:id="rId12"/>
-    <p:sldId id="268" r:id="rId13"/>
-    <p:sldId id="270" r:id="rId14"/>
-    <p:sldId id="269" r:id="rId15"/>
-    <p:sldId id="277" r:id="rId16"/>
-    <p:sldId id="278" r:id="rId17"/>
-    <p:sldId id="279" r:id="rId18"/>
-    <p:sldId id="271" r:id="rId19"/>
-    <p:sldId id="274" r:id="rId20"/>
-    <p:sldId id="276" r:id="rId21"/>
-    <p:sldId id="275" r:id="rId22"/>
-    <p:sldId id="272" r:id="rId23"/>
-    <p:sldId id="273" r:id="rId24"/>
+    <p:sldId id="266" r:id="rId10"/>
+    <p:sldId id="267" r:id="rId11"/>
+    <p:sldId id="268" r:id="rId12"/>
+    <p:sldId id="270" r:id="rId13"/>
+    <p:sldId id="269" r:id="rId14"/>
+    <p:sldId id="277" r:id="rId15"/>
+    <p:sldId id="271" r:id="rId16"/>
+    <p:sldId id="274" r:id="rId17"/>
+    <p:sldId id="272" r:id="rId18"/>
+    <p:sldId id="273" r:id="rId19"/>
   </p:sldIdLst>
   <p:sldSz cx="12192000" cy="6858000"/>
   <p:notesSz cx="6858000" cy="9144000"/>
@@ -143,32 +138,6 @@
 </p188:authorLst>
 </file>
 
-<file path=ppt/comments/modernComment_10B_C87708A9.xml><?xml version="1.0" encoding="utf-8"?>
-<p188:cmLst xmlns:a="http://schemas.openxmlformats.org/drawingml/2006/main" xmlns:r="http://schemas.openxmlformats.org/officeDocument/2006/relationships" xmlns:p188="http://schemas.microsoft.com/office/powerpoint/2018/8/main">
-  <p188:cm id="{98BD1A06-B519-4206-802E-9D9ABCD0FD39}" authorId="{4BB11620-EFBC-D13A-7B93-45F2C922ABDE}" created="2024-02-10T16:48:26.734">
-    <ac:txMkLst xmlns:ac="http://schemas.microsoft.com/office/drawing/2013/main/command">
-      <pc:docMk xmlns:pc="http://schemas.microsoft.com/office/powerpoint/2013/main/command"/>
-      <pc:sldMk xmlns:pc="http://schemas.microsoft.com/office/powerpoint/2013/main/command" cId="3363244201" sldId="267"/>
-      <ac:spMk id="3" creationId="{76F15E12-CFE4-B5CB-D479-9E8928859D5C}"/>
-      <ac:txMk cp="151" len="58">
-        <ac:context len="739" hash="234191038"/>
-      </ac:txMk>
-    </ac:txMkLst>
-    <p188:pos x="5353878" y="1225689"/>
-    <p188:txBody>
-      <a:bodyPr/>
-      <a:lstStyle/>
-      <a:p>
-        <a:r>
-          <a:rPr lang="en-CA"/>
-          <a:t>C'est la seule astuce que j'ai trouvé pour ne pas diviser par 0. mais je ne suis pas tres convaincue</a:t>
-        </a:r>
-      </a:p>
-    </p188:txBody>
-  </p188:cm>
-</p188:cmLst>
-</file>
-
 <file path=ppt/notesMasters/notesMaster1.xml><?xml version="1.0" encoding="utf-8"?>
 <p:notesMaster xmlns:a="http://schemas.openxmlformats.org/drawingml/2006/main" xmlns:r="http://schemas.openxmlformats.org/officeDocument/2006/relationships" xmlns:p="http://schemas.openxmlformats.org/presentationml/2006/main">
   <p:cSld>
@@ -251,7 +220,7 @@
           <a:p>
             <a:fld id="{DAB5DE69-65B2-445A-B9D2-BC2BC199D49F}" type="datetimeFigureOut">
               <a:rPr lang="en-CA" smtClean="0"/>
-              <a:t>2024-02-10</a:t>
+              <a:t>2024-02-11</a:t>
             </a:fld>
             <a:endParaRPr lang="en-CA"/>
           </a:p>
@@ -615,7 +584,7 @@
           <a:p>
             <a:fld id="{603E9730-38DB-4F77-A139-6CE923099591}" type="slidenum">
               <a:rPr lang="en-CA" smtClean="0"/>
-              <a:t>12</a:t>
+              <a:t>11</a:t>
             </a:fld>
             <a:endParaRPr lang="en-CA"/>
           </a:p>
@@ -699,6 +668,90 @@
           <a:p>
             <a:fld id="{603E9730-38DB-4F77-A139-6CE923099591}" type="slidenum">
               <a:rPr lang="en-CA" smtClean="0"/>
+              <a:t>13</a:t>
+            </a:fld>
+            <a:endParaRPr lang="en-CA"/>
+          </a:p>
+        </p:txBody>
+      </p:sp>
+    </p:spTree>
+    <p:extLst>
+      <p:ext uri="{BB962C8B-B14F-4D97-AF65-F5344CB8AC3E}">
+        <p14:creationId xmlns:p14="http://schemas.microsoft.com/office/powerpoint/2010/main" val="1096799506"/>
+      </p:ext>
+    </p:extLst>
+  </p:cSld>
+  <p:clrMapOvr>
+    <a:masterClrMapping/>
+  </p:clrMapOvr>
+</p:notes>
+</file>
+
+<file path=ppt/notesSlides/notesSlide3.xml><?xml version="1.0" encoding="utf-8"?>
+<p:notes xmlns:a="http://schemas.openxmlformats.org/drawingml/2006/main" xmlns:r="http://schemas.openxmlformats.org/officeDocument/2006/relationships" xmlns:p="http://schemas.openxmlformats.org/presentationml/2006/main">
+  <p:cSld>
+    <p:spTree>
+      <p:nvGrpSpPr>
+        <p:cNvPr id="1" name=""/>
+        <p:cNvGrpSpPr/>
+        <p:nvPr/>
+      </p:nvGrpSpPr>
+      <p:grpSpPr>
+        <a:xfrm>
+          <a:off x="0" y="0"/>
+          <a:ext cx="0" cy="0"/>
+          <a:chOff x="0" y="0"/>
+          <a:chExt cx="0" cy="0"/>
+        </a:xfrm>
+      </p:grpSpPr>
+      <p:sp>
+        <p:nvSpPr>
+          <p:cNvPr id="2" name="Slide Image Placeholder 1"/>
+          <p:cNvSpPr>
+            <a:spLocks noGrp="1" noRot="1" noChangeAspect="1"/>
+          </p:cNvSpPr>
+          <p:nvPr>
+            <p:ph type="sldImg"/>
+          </p:nvPr>
+        </p:nvSpPr>
+        <p:spPr/>
+      </p:sp>
+      <p:sp>
+        <p:nvSpPr>
+          <p:cNvPr id="3" name="Notes Placeholder 2"/>
+          <p:cNvSpPr>
+            <a:spLocks noGrp="1"/>
+          </p:cNvSpPr>
+          <p:nvPr>
+            <p:ph type="body" idx="1"/>
+          </p:nvPr>
+        </p:nvSpPr>
+        <p:spPr/>
+        <p:txBody>
+          <a:bodyPr/>
+          <a:lstStyle/>
+          <a:p>
+            <a:endParaRPr lang="en-CA" dirty="0"/>
+          </a:p>
+        </p:txBody>
+      </p:sp>
+      <p:sp>
+        <p:nvSpPr>
+          <p:cNvPr id="4" name="Slide Number Placeholder 3"/>
+          <p:cNvSpPr>
+            <a:spLocks noGrp="1"/>
+          </p:cNvSpPr>
+          <p:nvPr>
+            <p:ph type="sldNum" sz="quarter" idx="5"/>
+          </p:nvPr>
+        </p:nvSpPr>
+        <p:spPr/>
+        <p:txBody>
+          <a:bodyPr/>
+          <a:lstStyle/>
+          <a:p>
+            <a:fld id="{603E9730-38DB-4F77-A139-6CE923099591}" type="slidenum">
+              <a:rPr lang="en-CA" smtClean="0"/>
               <a:t>14</a:t>
             </a:fld>
             <a:endParaRPr lang="en-CA"/>
@@ -708,7 +761,7 @@
     </p:spTree>
     <p:extLst>
       <p:ext uri="{BB962C8B-B14F-4D97-AF65-F5344CB8AC3E}">
-        <p14:creationId xmlns:p14="http://schemas.microsoft.com/office/powerpoint/2010/main" val="1096799506"/>
+        <p14:creationId xmlns:p14="http://schemas.microsoft.com/office/powerpoint/2010/main" val="22907382"/>
       </p:ext>
     </p:extLst>
   </p:cSld>
@@ -867,7 +920,7 @@
           <a:p>
             <a:fld id="{CF633E34-DD75-4254-AB88-C9D2090F6CC5}" type="datetimeFigureOut">
               <a:rPr lang="en-CA" smtClean="0"/>
-              <a:t>2024-02-10</a:t>
+              <a:t>2024-02-11</a:t>
             </a:fld>
             <a:endParaRPr lang="en-CA"/>
           </a:p>
@@ -1067,7 +1120,7 @@
           <a:p>
             <a:fld id="{CF633E34-DD75-4254-AB88-C9D2090F6CC5}" type="datetimeFigureOut">
               <a:rPr lang="en-CA" smtClean="0"/>
-              <a:t>2024-02-10</a:t>
+              <a:t>2024-02-11</a:t>
             </a:fld>
             <a:endParaRPr lang="en-CA"/>
           </a:p>
@@ -1277,7 +1330,7 @@
           <a:p>
             <a:fld id="{CF633E34-DD75-4254-AB88-C9D2090F6CC5}" type="datetimeFigureOut">
               <a:rPr lang="en-CA" smtClean="0"/>
-              <a:t>2024-02-10</a:t>
+              <a:t>2024-02-11</a:t>
             </a:fld>
             <a:endParaRPr lang="en-CA"/>
           </a:p>
@@ -1477,7 +1530,7 @@
           <a:p>
             <a:fld id="{CF633E34-DD75-4254-AB88-C9D2090F6CC5}" type="datetimeFigureOut">
               <a:rPr lang="en-CA" smtClean="0"/>
-              <a:t>2024-02-10</a:t>
+              <a:t>2024-02-11</a:t>
             </a:fld>
             <a:endParaRPr lang="en-CA"/>
           </a:p>
@@ -1753,7 +1806,7 @@
           <a:p>
             <a:fld id="{CF633E34-DD75-4254-AB88-C9D2090F6CC5}" type="datetimeFigureOut">
               <a:rPr lang="en-CA" smtClean="0"/>
-              <a:t>2024-02-10</a:t>
+              <a:t>2024-02-11</a:t>
             </a:fld>
             <a:endParaRPr lang="en-CA"/>
           </a:p>
@@ -2021,7 +2074,7 @@
           <a:p>
             <a:fld id="{CF633E34-DD75-4254-AB88-C9D2090F6CC5}" type="datetimeFigureOut">
               <a:rPr lang="en-CA" smtClean="0"/>
-              <a:t>2024-02-10</a:t>
+              <a:t>2024-02-11</a:t>
             </a:fld>
             <a:endParaRPr lang="en-CA"/>
           </a:p>
@@ -2436,7 +2489,7 @@
           <a:p>
             <a:fld id="{CF633E34-DD75-4254-AB88-C9D2090F6CC5}" type="datetimeFigureOut">
               <a:rPr lang="en-CA" smtClean="0"/>
-              <a:t>2024-02-10</a:t>
+              <a:t>2024-02-11</a:t>
             </a:fld>
             <a:endParaRPr lang="en-CA"/>
           </a:p>
@@ -2578,7 +2631,7 @@
           <a:p>
             <a:fld id="{CF633E34-DD75-4254-AB88-C9D2090F6CC5}" type="datetimeFigureOut">
               <a:rPr lang="en-CA" smtClean="0"/>
-              <a:t>2024-02-10</a:t>
+              <a:t>2024-02-11</a:t>
             </a:fld>
             <a:endParaRPr lang="en-CA"/>
           </a:p>
@@ -2691,7 +2744,7 @@
           <a:p>
             <a:fld id="{CF633E34-DD75-4254-AB88-C9D2090F6CC5}" type="datetimeFigureOut">
               <a:rPr lang="en-CA" smtClean="0"/>
-              <a:t>2024-02-10</a:t>
+              <a:t>2024-02-11</a:t>
             </a:fld>
             <a:endParaRPr lang="en-CA"/>
           </a:p>
@@ -3004,7 +3057,7 @@
           <a:p>
             <a:fld id="{CF633E34-DD75-4254-AB88-C9D2090F6CC5}" type="datetimeFigureOut">
               <a:rPr lang="en-CA" smtClean="0"/>
-              <a:t>2024-02-10</a:t>
+              <a:t>2024-02-11</a:t>
             </a:fld>
             <a:endParaRPr lang="en-CA"/>
           </a:p>
@@ -3293,7 +3346,7 @@
           <a:p>
             <a:fld id="{CF633E34-DD75-4254-AB88-C9D2090F6CC5}" type="datetimeFigureOut">
               <a:rPr lang="en-CA" smtClean="0"/>
-              <a:t>2024-02-10</a:t>
+              <a:t>2024-02-11</a:t>
             </a:fld>
             <a:endParaRPr lang="en-CA"/>
           </a:p>
@@ -3536,7 +3589,7 @@
           <a:p>
             <a:fld id="{CF633E34-DD75-4254-AB88-C9D2090F6CC5}" type="datetimeFigureOut">
               <a:rPr lang="en-CA" smtClean="0"/>
-              <a:t>2024-02-10</a:t>
+              <a:t>2024-02-11</a:t>
             </a:fld>
             <a:endParaRPr lang="en-CA"/>
           </a:p>
@@ -4156,45 +4209,83 @@
         <p:spPr>
           <a:xfrm>
             <a:off x="1155558" y="3100284"/>
-            <a:ext cx="9889793" cy="3114237"/>
+            <a:ext cx="9889793" cy="3437676"/>
           </a:xfrm>
         </p:spPr>
         <p:txBody>
           <a:bodyPr anchor="t">
-            <a:normAutofit/>
+            <a:normAutofit lnSpcReduction="10000"/>
           </a:bodyPr>
           <a:lstStyle/>
           <a:p>
             <a:pPr algn="l"/>
             <a:r>
-              <a:rPr lang="en-CA"/>
+              <a:rPr lang="en-CA" dirty="0"/>
               <a:t>MEC8211 – Hiver 2024</a:t>
             </a:r>
           </a:p>
           <a:p>
             <a:pPr algn="l"/>
-            <a:endParaRPr lang="en-CA"/>
+            <a:endParaRPr lang="en-CA" dirty="0"/>
           </a:p>
           <a:p>
             <a:pPr algn="l"/>
             <a:r>
-              <a:rPr lang="en-CA" sz="1800"/>
-              <a:t>Présenté par</a:t>
+              <a:rPr lang="en-CA" sz="1800" dirty="0" err="1"/>
+              <a:t>Présenté</a:t>
+            </a:r>
+            <a:r>
+              <a:rPr lang="en-CA" sz="1800" dirty="0"/>
+              <a:t> par</a:t>
             </a:r>
           </a:p>
           <a:p>
             <a:pPr algn="l"/>
             <a:r>
-              <a:rPr lang="en-CA"/>
-              <a:t>Ben Daya, Mohammed Mahdi Sahbi</a:t>
-            </a:r>
+              <a:rPr lang="en-CA" dirty="0"/>
+              <a:t>Ben Daya, Mohammed Mahdi </a:t>
+            </a:r>
+            <a:r>
+              <a:rPr lang="en-CA" dirty="0" err="1"/>
+              <a:t>Sahbi</a:t>
+            </a:r>
+            <a:endParaRPr lang="en-CA" dirty="0"/>
           </a:p>
           <a:p>
             <a:pPr algn="l"/>
             <a:r>
-              <a:rPr lang="en-CA"/>
-              <a:t>Sfeir, Acile</a:t>
-            </a:r>
+              <a:rPr lang="en-CA" dirty="0"/>
+              <a:t>Sfeir, </a:t>
+            </a:r>
+            <a:r>
+              <a:rPr lang="en-CA" dirty="0" err="1"/>
+              <a:t>Acile</a:t>
+            </a:r>
+            <a:endParaRPr lang="en-CA" dirty="0"/>
+          </a:p>
+          <a:p>
+            <a:pPr algn="l"/>
+            <a:r>
+              <a:rPr lang="en-CA" dirty="0"/>
+              <a:t>Deschenes, Alexandre</a:t>
+            </a:r>
+          </a:p>
+          <a:p>
+            <a:pPr algn="l"/>
+            <a:endParaRPr lang="en-CA" dirty="0"/>
+          </a:p>
+          <a:p>
+            <a:pPr algn="l"/>
+            <a:r>
+              <a:rPr lang="en-CA" sz="2000" i="1" dirty="0">
+                <a:hlinkClick r:id="rId2"/>
+              </a:rPr>
+              <a:t>https://github.com/mehdibendaya/MEC8211-DEV1.git</a:t>
+            </a:r>
+            <a:endParaRPr lang="en-CA" sz="2000" i="1" dirty="0"/>
+          </a:p>
+          <a:p>
+            <a:pPr algn="l"/>
             <a:endParaRPr lang="en-CA" dirty="0"/>
           </a:p>
         </p:txBody>
@@ -4283,1394 +4374,6 @@
         <p:cNvPr id="1" name="">
           <a:extLst>
             <a:ext uri="{FF2B5EF4-FFF2-40B4-BE49-F238E27FC236}">
-              <a16:creationId xmlns:a16="http://schemas.microsoft.com/office/drawing/2014/main" id="{79268BEF-A106-76C3-3F06-95F5465E1619}"/>
-            </a:ext>
-          </a:extLst>
-        </p:cNvPr>
-        <p:cNvGrpSpPr/>
-        <p:nvPr/>
-      </p:nvGrpSpPr>
-      <p:grpSpPr>
-        <a:xfrm>
-          <a:off x="0" y="0"/>
-          <a:ext cx="0" cy="0"/>
-          <a:chOff x="0" y="0"/>
-          <a:chExt cx="0" cy="0"/>
-        </a:xfrm>
-      </p:grpSpPr>
-      <p:sp>
-        <p:nvSpPr>
-          <p:cNvPr id="2" name="Title 1">
-            <a:extLst>
-              <a:ext uri="{FF2B5EF4-FFF2-40B4-BE49-F238E27FC236}">
-                <a16:creationId xmlns:a16="http://schemas.microsoft.com/office/drawing/2014/main" id="{4617B039-A432-65B1-F176-2CEA12D4C664}"/>
-              </a:ext>
-            </a:extLst>
-          </p:cNvPr>
-          <p:cNvSpPr>
-            <a:spLocks noGrp="1"/>
-          </p:cNvSpPr>
-          <p:nvPr>
-            <p:ph type="title"/>
-          </p:nvPr>
-        </p:nvSpPr>
-        <p:spPr/>
-        <p:txBody>
-          <a:bodyPr>
-            <a:normAutofit/>
-          </a:bodyPr>
-          <a:lstStyle/>
-          <a:p>
-            <a:r>
-              <a:rPr lang="en-CA" sz="3000" dirty="0"/>
-              <a:t>C) Solution </a:t>
-            </a:r>
-            <a:r>
-              <a:rPr lang="en-CA" sz="3000" dirty="0" err="1"/>
-              <a:t>analytique</a:t>
-            </a:r>
-            <a:r>
-              <a:rPr lang="en-CA" sz="3000" dirty="0"/>
-              <a:t> </a:t>
-            </a:r>
-            <a:r>
-              <a:rPr lang="en-CA" sz="3000" dirty="0" err="1"/>
-              <a:t>en</a:t>
-            </a:r>
-            <a:r>
-              <a:rPr lang="en-CA" sz="3000" dirty="0"/>
-              <a:t> </a:t>
-            </a:r>
-            <a:r>
-              <a:rPr lang="en-CA" sz="3000" dirty="0" err="1"/>
-              <a:t>régime</a:t>
-            </a:r>
-            <a:r>
-              <a:rPr lang="en-CA" sz="3000" dirty="0"/>
-              <a:t> </a:t>
-            </a:r>
-            <a:r>
-              <a:rPr lang="en-CA" sz="3000" dirty="0" err="1"/>
-              <a:t>stationnaire</a:t>
-            </a:r>
-            <a:r>
-              <a:rPr lang="en-CA" sz="3000" dirty="0"/>
-              <a:t> (</a:t>
-            </a:r>
-            <a:r>
-              <a:rPr lang="en-CA" sz="3000" dirty="0" err="1"/>
-              <a:t>équation</a:t>
-            </a:r>
-            <a:r>
-              <a:rPr lang="en-CA" sz="3000" dirty="0"/>
-              <a:t> </a:t>
-            </a:r>
-            <a:r>
-              <a:rPr lang="en-CA" sz="3000" dirty="0" err="1"/>
-              <a:t>elliptique</a:t>
-            </a:r>
-            <a:r>
-              <a:rPr lang="en-CA" sz="3000" dirty="0"/>
-              <a:t>):</a:t>
-            </a:r>
-            <a:endParaRPr lang="en-CA" sz="3000" dirty="0">
-              <a:highlight>
-                <a:srgbClr val="FFFF00"/>
-              </a:highlight>
-            </a:endParaRPr>
-          </a:p>
-        </p:txBody>
-      </p:sp>
-      <mc:AlternateContent xmlns:mc="http://schemas.openxmlformats.org/markup-compatibility/2006">
-        <mc:Choice xmlns:a14="http://schemas.microsoft.com/office/drawing/2010/main" Requires="a14">
-          <p:sp>
-            <p:nvSpPr>
-              <p:cNvPr id="3" name="Content Placeholder 2">
-                <a:extLst>
-                  <a:ext uri="{FF2B5EF4-FFF2-40B4-BE49-F238E27FC236}">
-                    <a16:creationId xmlns:a16="http://schemas.microsoft.com/office/drawing/2014/main" id="{A63707E9-7A4C-C84E-A286-D7B6432C9209}"/>
-                  </a:ext>
-                </a:extLst>
-              </p:cNvPr>
-              <p:cNvSpPr>
-                <a:spLocks noGrp="1"/>
-              </p:cNvSpPr>
-              <p:nvPr>
-                <p:ph idx="1"/>
-              </p:nvPr>
-            </p:nvSpPr>
-            <p:spPr>
-              <a:xfrm>
-                <a:off x="838200" y="1690688"/>
-                <a:ext cx="10515600" cy="5032375"/>
-              </a:xfrm>
-            </p:spPr>
-            <p:txBody>
-              <a:bodyPr>
-                <a:normAutofit fontScale="62500" lnSpcReduction="20000"/>
-              </a:bodyPr>
-              <a:lstStyle/>
-              <a:p>
-                <a:pPr marL="0" indent="0">
-                  <a:buNone/>
-                </a:pPr>
-                <a14:m>
-                  <m:oMathPara xmlns:m="http://schemas.openxmlformats.org/officeDocument/2006/math">
-                    <m:oMathParaPr>
-                      <m:jc m:val="centerGroup"/>
-                    </m:oMathParaPr>
-                    <m:oMath xmlns:m="http://schemas.openxmlformats.org/officeDocument/2006/math">
-                      <m:sSub>
-                        <m:sSubPr>
-                          <m:ctrlPr>
-                            <a:rPr lang="en-CA" i="1" smtClean="0">
-                              <a:latin typeface="Cambria Math" panose="02040503050406030204" pitchFamily="18" charset="0"/>
-                            </a:rPr>
-                          </m:ctrlPr>
-                        </m:sSubPr>
-                        <m:e>
-                          <m:r>
-                            <a:rPr lang="en-CA" i="1">
-                              <a:latin typeface="Cambria Math" panose="02040503050406030204" pitchFamily="18" charset="0"/>
-                            </a:rPr>
-                            <m:t>𝐷</m:t>
-                          </m:r>
-                        </m:e>
-                        <m:sub>
-                          <m:r>
-                            <a:rPr lang="en-CA" i="1">
-                              <a:latin typeface="Cambria Math" panose="02040503050406030204" pitchFamily="18" charset="0"/>
-                            </a:rPr>
-                            <m:t>𝑒𝑓𝑓</m:t>
-                          </m:r>
-                        </m:sub>
-                      </m:sSub>
-                      <m:d>
-                        <m:dPr>
-                          <m:ctrlPr>
-                            <a:rPr lang="en-CA" i="1">
-                              <a:latin typeface="Cambria Math" panose="02040503050406030204" pitchFamily="18" charset="0"/>
-                            </a:rPr>
-                          </m:ctrlPr>
-                        </m:dPr>
-                        <m:e>
-                          <m:f>
-                            <m:fPr>
-                              <m:ctrlPr>
-                                <a:rPr lang="en-CA" i="1">
-                                  <a:latin typeface="Cambria Math" panose="02040503050406030204" pitchFamily="18" charset="0"/>
-                                </a:rPr>
-                              </m:ctrlPr>
-                            </m:fPr>
-                            <m:num>
-                              <m:r>
-                                <a:rPr lang="en-CA" i="1">
-                                  <a:latin typeface="Cambria Math" panose="02040503050406030204" pitchFamily="18" charset="0"/>
-                                </a:rPr>
-                                <m:t>1</m:t>
-                              </m:r>
-                            </m:num>
-                            <m:den>
-                              <m:r>
-                                <a:rPr lang="en-CA" i="1">
-                                  <a:latin typeface="Cambria Math" panose="02040503050406030204" pitchFamily="18" charset="0"/>
-                                </a:rPr>
-                                <m:t>𝑟</m:t>
-                              </m:r>
-                            </m:den>
-                          </m:f>
-                          <m:f>
-                            <m:fPr>
-                              <m:ctrlPr>
-                                <a:rPr lang="en-CA" i="1">
-                                  <a:latin typeface="Cambria Math" panose="02040503050406030204" pitchFamily="18" charset="0"/>
-                                </a:rPr>
-                              </m:ctrlPr>
-                            </m:fPr>
-                            <m:num>
-                              <m:r>
-                                <a:rPr lang="en-CA" i="1">
-                                  <a:latin typeface="Cambria Math" panose="02040503050406030204" pitchFamily="18" charset="0"/>
-                                </a:rPr>
-                                <m:t>𝜕</m:t>
-                              </m:r>
-                              <m:r>
-                                <a:rPr lang="en-CA" i="1">
-                                  <a:latin typeface="Cambria Math" panose="02040503050406030204" pitchFamily="18" charset="0"/>
-                                </a:rPr>
-                                <m:t>𝐶</m:t>
-                              </m:r>
-                            </m:num>
-                            <m:den>
-                              <m:r>
-                                <a:rPr lang="en-CA" i="1">
-                                  <a:latin typeface="Cambria Math" panose="02040503050406030204" pitchFamily="18" charset="0"/>
-                                </a:rPr>
-                                <m:t>𝜕</m:t>
-                              </m:r>
-                              <m:r>
-                                <a:rPr lang="en-CA" i="1">
-                                  <a:latin typeface="Cambria Math" panose="02040503050406030204" pitchFamily="18" charset="0"/>
-                                </a:rPr>
-                                <m:t>𝑟</m:t>
-                              </m:r>
-                            </m:den>
-                          </m:f>
-                          <m:r>
-                            <a:rPr lang="en-CA" i="1">
-                              <a:latin typeface="Cambria Math" panose="02040503050406030204" pitchFamily="18" charset="0"/>
-                            </a:rPr>
-                            <m:t>+</m:t>
-                          </m:r>
-                          <m:f>
-                            <m:fPr>
-                              <m:ctrlPr>
-                                <a:rPr lang="en-CA" i="1">
-                                  <a:latin typeface="Cambria Math" panose="02040503050406030204" pitchFamily="18" charset="0"/>
-                                </a:rPr>
-                              </m:ctrlPr>
-                            </m:fPr>
-                            <m:num>
-                              <m:sSup>
-                                <m:sSupPr>
-                                  <m:ctrlPr>
-                                    <a:rPr lang="en-CA" i="1">
-                                      <a:latin typeface="Cambria Math" panose="02040503050406030204" pitchFamily="18" charset="0"/>
-                                    </a:rPr>
-                                  </m:ctrlPr>
-                                </m:sSupPr>
-                                <m:e>
-                                  <m:r>
-                                    <a:rPr lang="en-CA" i="1">
-                                      <a:latin typeface="Cambria Math" panose="02040503050406030204" pitchFamily="18" charset="0"/>
-                                    </a:rPr>
-                                    <m:t>𝜕</m:t>
-                                  </m:r>
-                                </m:e>
-                                <m:sup>
-                                  <m:r>
-                                    <a:rPr lang="en-CA" i="1">
-                                      <a:latin typeface="Cambria Math" panose="02040503050406030204" pitchFamily="18" charset="0"/>
-                                    </a:rPr>
-                                    <m:t>2</m:t>
-                                  </m:r>
-                                </m:sup>
-                              </m:sSup>
-                              <m:r>
-                                <a:rPr lang="en-CA" i="1">
-                                  <a:latin typeface="Cambria Math" panose="02040503050406030204" pitchFamily="18" charset="0"/>
-                                </a:rPr>
-                                <m:t>𝐶</m:t>
-                              </m:r>
-                            </m:num>
-                            <m:den>
-                              <m:r>
-                                <a:rPr lang="en-CA" i="1">
-                                  <a:latin typeface="Cambria Math" panose="02040503050406030204" pitchFamily="18" charset="0"/>
-                                </a:rPr>
-                                <m:t>𝜕</m:t>
-                              </m:r>
-                              <m:sSup>
-                                <m:sSupPr>
-                                  <m:ctrlPr>
-                                    <a:rPr lang="en-CA" i="1">
-                                      <a:latin typeface="Cambria Math" panose="02040503050406030204" pitchFamily="18" charset="0"/>
-                                    </a:rPr>
-                                  </m:ctrlPr>
-                                </m:sSupPr>
-                                <m:e>
-                                  <m:r>
-                                    <a:rPr lang="en-CA" i="1">
-                                      <a:latin typeface="Cambria Math" panose="02040503050406030204" pitchFamily="18" charset="0"/>
-                                    </a:rPr>
-                                    <m:t>𝑟</m:t>
-                                  </m:r>
-                                </m:e>
-                                <m:sup>
-                                  <m:r>
-                                    <a:rPr lang="en-CA" i="1">
-                                      <a:latin typeface="Cambria Math" panose="02040503050406030204" pitchFamily="18" charset="0"/>
-                                    </a:rPr>
-                                    <m:t>2</m:t>
-                                  </m:r>
-                                </m:sup>
-                              </m:sSup>
-                            </m:den>
-                          </m:f>
-                        </m:e>
-                      </m:d>
-                      <m:r>
-                        <a:rPr lang="en-CA" i="1">
-                          <a:latin typeface="Cambria Math" panose="02040503050406030204" pitchFamily="18" charset="0"/>
-                        </a:rPr>
-                        <m:t>−</m:t>
-                      </m:r>
-                      <m:r>
-                        <a:rPr lang="en-CA" i="1">
-                          <a:latin typeface="Cambria Math" panose="02040503050406030204" pitchFamily="18" charset="0"/>
-                        </a:rPr>
-                        <m:t>𝑆</m:t>
-                      </m:r>
-                      <m:r>
-                        <a:rPr lang="en-CA" b="0" i="1" smtClean="0">
-                          <a:latin typeface="Cambria Math" panose="02040503050406030204" pitchFamily="18" charset="0"/>
-                        </a:rPr>
-                        <m:t>=0</m:t>
-                      </m:r>
-                    </m:oMath>
-                  </m:oMathPara>
-                </a14:m>
-                <a:endParaRPr lang="en-CA" dirty="0"/>
-              </a:p>
-              <a:p>
-                <a:pPr marL="0" indent="0">
-                  <a:buNone/>
-                </a:pPr>
-                <a:endParaRPr lang="en-CA" i="1" dirty="0">
-                  <a:latin typeface="Cambria Math" panose="02040503050406030204" pitchFamily="18" charset="0"/>
-                </a:endParaRPr>
-              </a:p>
-              <a:p>
-                <a:pPr marL="0" indent="0">
-                  <a:buNone/>
-                </a:pPr>
-                <a14:m>
-                  <m:oMathPara xmlns:m="http://schemas.openxmlformats.org/officeDocument/2006/math">
-                    <m:oMathParaPr>
-                      <m:jc m:val="centerGroup"/>
-                    </m:oMathParaPr>
-                    <m:oMath xmlns:m="http://schemas.openxmlformats.org/officeDocument/2006/math">
-                      <m:f>
-                        <m:fPr>
-                          <m:ctrlPr>
-                            <a:rPr lang="en-CA" i="1">
-                              <a:latin typeface="Cambria Math" panose="02040503050406030204" pitchFamily="18" charset="0"/>
-                            </a:rPr>
-                          </m:ctrlPr>
-                        </m:fPr>
-                        <m:num>
-                          <m:sSup>
-                            <m:sSupPr>
-                              <m:ctrlPr>
-                                <a:rPr lang="en-CA" i="1">
-                                  <a:latin typeface="Cambria Math" panose="02040503050406030204" pitchFamily="18" charset="0"/>
-                                </a:rPr>
-                              </m:ctrlPr>
-                            </m:sSupPr>
-                            <m:e>
-                              <m:r>
-                                <a:rPr lang="en-CA" i="1">
-                                  <a:latin typeface="Cambria Math" panose="02040503050406030204" pitchFamily="18" charset="0"/>
-                                </a:rPr>
-                                <m:t>𝜕</m:t>
-                              </m:r>
-                            </m:e>
-                            <m:sup>
-                              <m:r>
-                                <a:rPr lang="en-CA" i="1">
-                                  <a:latin typeface="Cambria Math" panose="02040503050406030204" pitchFamily="18" charset="0"/>
-                                </a:rPr>
-                                <m:t>2</m:t>
-                              </m:r>
-                            </m:sup>
-                          </m:sSup>
-                          <m:r>
-                            <a:rPr lang="en-CA" i="1">
-                              <a:latin typeface="Cambria Math" panose="02040503050406030204" pitchFamily="18" charset="0"/>
-                            </a:rPr>
-                            <m:t>𝐶</m:t>
-                          </m:r>
-                        </m:num>
-                        <m:den>
-                          <m:r>
-                            <a:rPr lang="en-CA" i="1">
-                              <a:latin typeface="Cambria Math" panose="02040503050406030204" pitchFamily="18" charset="0"/>
-                            </a:rPr>
-                            <m:t>𝜕</m:t>
-                          </m:r>
-                          <m:sSup>
-                            <m:sSupPr>
-                              <m:ctrlPr>
-                                <a:rPr lang="en-CA" i="1">
-                                  <a:latin typeface="Cambria Math" panose="02040503050406030204" pitchFamily="18" charset="0"/>
-                                </a:rPr>
-                              </m:ctrlPr>
-                            </m:sSupPr>
-                            <m:e>
-                              <m:r>
-                                <a:rPr lang="en-CA" i="1">
-                                  <a:latin typeface="Cambria Math" panose="02040503050406030204" pitchFamily="18" charset="0"/>
-                                </a:rPr>
-                                <m:t>𝑟</m:t>
-                              </m:r>
-                            </m:e>
-                            <m:sup>
-                              <m:r>
-                                <a:rPr lang="en-CA" i="1">
-                                  <a:latin typeface="Cambria Math" panose="02040503050406030204" pitchFamily="18" charset="0"/>
-                                </a:rPr>
-                                <m:t>2</m:t>
-                              </m:r>
-                            </m:sup>
-                          </m:sSup>
-                        </m:den>
-                      </m:f>
-                      <m:r>
-                        <a:rPr lang="en-CA" b="0" i="1" smtClean="0">
-                          <a:latin typeface="Cambria Math" panose="02040503050406030204" pitchFamily="18" charset="0"/>
-                        </a:rPr>
-                        <m:t>+</m:t>
-                      </m:r>
-                      <m:f>
-                        <m:fPr>
-                          <m:ctrlPr>
-                            <a:rPr lang="en-CA" i="1">
-                              <a:latin typeface="Cambria Math" panose="02040503050406030204" pitchFamily="18" charset="0"/>
-                            </a:rPr>
-                          </m:ctrlPr>
-                        </m:fPr>
-                        <m:num>
-                          <m:r>
-                            <a:rPr lang="en-CA" i="1">
-                              <a:latin typeface="Cambria Math" panose="02040503050406030204" pitchFamily="18" charset="0"/>
-                            </a:rPr>
-                            <m:t>1</m:t>
-                          </m:r>
-                        </m:num>
-                        <m:den>
-                          <m:r>
-                            <a:rPr lang="en-CA" i="1">
-                              <a:latin typeface="Cambria Math" panose="02040503050406030204" pitchFamily="18" charset="0"/>
-                            </a:rPr>
-                            <m:t>𝑟</m:t>
-                          </m:r>
-                        </m:den>
-                      </m:f>
-                      <m:f>
-                        <m:fPr>
-                          <m:ctrlPr>
-                            <a:rPr lang="en-CA" i="1">
-                              <a:latin typeface="Cambria Math" panose="02040503050406030204" pitchFamily="18" charset="0"/>
-                            </a:rPr>
-                          </m:ctrlPr>
-                        </m:fPr>
-                        <m:num>
-                          <m:r>
-                            <a:rPr lang="en-CA" i="1">
-                              <a:latin typeface="Cambria Math" panose="02040503050406030204" pitchFamily="18" charset="0"/>
-                            </a:rPr>
-                            <m:t>𝜕</m:t>
-                          </m:r>
-                          <m:r>
-                            <a:rPr lang="en-CA" i="1">
-                              <a:latin typeface="Cambria Math" panose="02040503050406030204" pitchFamily="18" charset="0"/>
-                            </a:rPr>
-                            <m:t>𝐶</m:t>
-                          </m:r>
-                        </m:num>
-                        <m:den>
-                          <m:r>
-                            <a:rPr lang="en-CA" i="1">
-                              <a:latin typeface="Cambria Math" panose="02040503050406030204" pitchFamily="18" charset="0"/>
-                            </a:rPr>
-                            <m:t>𝜕</m:t>
-                          </m:r>
-                          <m:r>
-                            <a:rPr lang="en-CA" i="1">
-                              <a:latin typeface="Cambria Math" panose="02040503050406030204" pitchFamily="18" charset="0"/>
-                            </a:rPr>
-                            <m:t>𝑟</m:t>
-                          </m:r>
-                        </m:den>
-                      </m:f>
-                      <m:r>
-                        <a:rPr lang="en-CA" b="0" i="1" smtClean="0">
-                          <a:latin typeface="Cambria Math" panose="02040503050406030204" pitchFamily="18" charset="0"/>
-                        </a:rPr>
-                        <m:t>=</m:t>
-                      </m:r>
-                      <m:f>
-                        <m:fPr>
-                          <m:ctrlPr>
-                            <a:rPr lang="en-CA" b="0" i="1" smtClean="0">
-                              <a:latin typeface="Cambria Math" panose="02040503050406030204" pitchFamily="18" charset="0"/>
-                            </a:rPr>
-                          </m:ctrlPr>
-                        </m:fPr>
-                        <m:num>
-                          <m:r>
-                            <a:rPr lang="en-CA" b="0" i="1" smtClean="0">
-                              <a:latin typeface="Cambria Math" panose="02040503050406030204" pitchFamily="18" charset="0"/>
-                            </a:rPr>
-                            <m:t>𝑆</m:t>
-                          </m:r>
-                        </m:num>
-                        <m:den>
-                          <m:sSub>
-                            <m:sSubPr>
-                              <m:ctrlPr>
-                                <a:rPr lang="en-CA" i="1">
-                                  <a:latin typeface="Cambria Math" panose="02040503050406030204" pitchFamily="18" charset="0"/>
-                                </a:rPr>
-                              </m:ctrlPr>
-                            </m:sSubPr>
-                            <m:e>
-                              <m:r>
-                                <a:rPr lang="en-CA" i="1">
-                                  <a:latin typeface="Cambria Math" panose="02040503050406030204" pitchFamily="18" charset="0"/>
-                                </a:rPr>
-                                <m:t>𝐷</m:t>
-                              </m:r>
-                            </m:e>
-                            <m:sub>
-                              <m:r>
-                                <a:rPr lang="en-CA" i="1">
-                                  <a:latin typeface="Cambria Math" panose="02040503050406030204" pitchFamily="18" charset="0"/>
-                                </a:rPr>
-                                <m:t>𝑒𝑓𝑓</m:t>
-                              </m:r>
-                            </m:sub>
-                          </m:sSub>
-                        </m:den>
-                      </m:f>
-                    </m:oMath>
-                  </m:oMathPara>
-                </a14:m>
-                <a:endParaRPr lang="en-CA" b="0" dirty="0"/>
-              </a:p>
-              <a:p>
-                <a:pPr marL="0" indent="0">
-                  <a:lnSpc>
-                    <a:spcPct val="100000"/>
-                  </a:lnSpc>
-                  <a:buNone/>
-                </a:pPr>
-                <a:r>
-                  <a:rPr lang="en-CA" dirty="0"/>
-                  <a:t>EDO </a:t>
-                </a:r>
-                <a:r>
-                  <a:rPr lang="en-CA" dirty="0" err="1"/>
-                  <a:t>d’ordre</a:t>
-                </a:r>
-                <a:r>
-                  <a:rPr lang="en-CA" dirty="0"/>
-                  <a:t> 2 sans variable </a:t>
-                </a:r>
-                <a:r>
-                  <a:rPr lang="en-CA" dirty="0" err="1"/>
-                  <a:t>dépendante</a:t>
-                </a:r>
-                <a:r>
-                  <a:rPr lang="en-CA" dirty="0"/>
-                  <a:t> et non </a:t>
-                </a:r>
-                <a:r>
-                  <a:rPr lang="en-CA" dirty="0" err="1"/>
-                  <a:t>homogène</a:t>
-                </a:r>
-                <a:r>
-                  <a:rPr lang="en-CA" dirty="0"/>
-                  <a:t>, on </a:t>
-                </a:r>
-                <a:r>
-                  <a:rPr lang="en-CA" dirty="0" err="1"/>
-                  <a:t>effectue</a:t>
-                </a:r>
-                <a:r>
-                  <a:rPr lang="en-CA" dirty="0"/>
-                  <a:t> un </a:t>
-                </a:r>
-                <a:r>
-                  <a:rPr lang="en-CA" dirty="0" err="1"/>
-                  <a:t>changement</a:t>
-                </a:r>
-                <a:r>
-                  <a:rPr lang="en-CA" dirty="0"/>
-                  <a:t> de variables: </a:t>
-                </a:r>
-              </a:p>
-              <a:p>
-                <a:pPr marL="0" indent="0">
-                  <a:lnSpc>
-                    <a:spcPct val="100000"/>
-                  </a:lnSpc>
-                  <a:buNone/>
-                </a:pPr>
-                <a14:m>
-                  <m:oMath xmlns:m="http://schemas.openxmlformats.org/officeDocument/2006/math">
-                    <m:f>
-                      <m:fPr>
-                        <m:ctrlPr>
-                          <a:rPr lang="en-CA" i="1" smtClean="0">
-                            <a:latin typeface="Cambria Math" panose="02040503050406030204" pitchFamily="18" charset="0"/>
-                          </a:rPr>
-                        </m:ctrlPr>
-                      </m:fPr>
-                      <m:num>
-                        <m:r>
-                          <a:rPr lang="en-CA" i="1">
-                            <a:latin typeface="Cambria Math" panose="02040503050406030204" pitchFamily="18" charset="0"/>
-                          </a:rPr>
-                          <m:t>𝜕</m:t>
-                        </m:r>
-                        <m:r>
-                          <a:rPr lang="en-CA" i="1">
-                            <a:latin typeface="Cambria Math" panose="02040503050406030204" pitchFamily="18" charset="0"/>
-                          </a:rPr>
-                          <m:t>𝐶</m:t>
-                        </m:r>
-                      </m:num>
-                      <m:den>
-                        <m:r>
-                          <a:rPr lang="en-CA" i="1">
-                            <a:latin typeface="Cambria Math" panose="02040503050406030204" pitchFamily="18" charset="0"/>
-                          </a:rPr>
-                          <m:t>𝜕</m:t>
-                        </m:r>
-                        <m:r>
-                          <a:rPr lang="en-CA" i="1">
-                            <a:latin typeface="Cambria Math" panose="02040503050406030204" pitchFamily="18" charset="0"/>
-                          </a:rPr>
-                          <m:t>𝑟</m:t>
-                        </m:r>
-                      </m:den>
-                    </m:f>
-                    <m:r>
-                      <a:rPr lang="en-CA" b="0" i="1" smtClean="0">
-                        <a:latin typeface="Cambria Math" panose="02040503050406030204" pitchFamily="18" charset="0"/>
-                      </a:rPr>
-                      <m:t>=</m:t>
-                    </m:r>
-                    <m:r>
-                      <a:rPr lang="en-US" b="0" i="1" smtClean="0">
-                        <a:latin typeface="Cambria Math" panose="02040503050406030204" pitchFamily="18" charset="0"/>
-                      </a:rPr>
-                      <m:t>𝑢</m:t>
-                    </m:r>
-                    <m:r>
-                      <a:rPr lang="en-US" b="0" i="1" smtClean="0">
-                        <a:latin typeface="Cambria Math" panose="02040503050406030204" pitchFamily="18" charset="0"/>
-                      </a:rPr>
-                      <m:t>→</m:t>
-                    </m:r>
-                    <m:f>
-                      <m:fPr>
-                        <m:ctrlPr>
-                          <a:rPr lang="en-CA" i="1">
-                            <a:latin typeface="Cambria Math" panose="02040503050406030204" pitchFamily="18" charset="0"/>
-                          </a:rPr>
-                        </m:ctrlPr>
-                      </m:fPr>
-                      <m:num>
-                        <m:sSup>
-                          <m:sSupPr>
-                            <m:ctrlPr>
-                              <a:rPr lang="en-CA" i="1">
-                                <a:latin typeface="Cambria Math" panose="02040503050406030204" pitchFamily="18" charset="0"/>
-                              </a:rPr>
-                            </m:ctrlPr>
-                          </m:sSupPr>
-                          <m:e>
-                            <m:r>
-                              <a:rPr lang="en-CA" i="1">
-                                <a:latin typeface="Cambria Math" panose="02040503050406030204" pitchFamily="18" charset="0"/>
-                              </a:rPr>
-                              <m:t>𝜕</m:t>
-                            </m:r>
-                          </m:e>
-                          <m:sup>
-                            <m:r>
-                              <a:rPr lang="en-CA" i="1">
-                                <a:latin typeface="Cambria Math" panose="02040503050406030204" pitchFamily="18" charset="0"/>
-                              </a:rPr>
-                              <m:t>2</m:t>
-                            </m:r>
-                          </m:sup>
-                        </m:sSup>
-                        <m:r>
-                          <a:rPr lang="en-CA" i="1">
-                            <a:latin typeface="Cambria Math" panose="02040503050406030204" pitchFamily="18" charset="0"/>
-                          </a:rPr>
-                          <m:t>𝐶</m:t>
-                        </m:r>
-                      </m:num>
-                      <m:den>
-                        <m:r>
-                          <a:rPr lang="en-CA" i="1">
-                            <a:latin typeface="Cambria Math" panose="02040503050406030204" pitchFamily="18" charset="0"/>
-                          </a:rPr>
-                          <m:t>𝜕</m:t>
-                        </m:r>
-                        <m:sSup>
-                          <m:sSupPr>
-                            <m:ctrlPr>
-                              <a:rPr lang="en-CA" i="1">
-                                <a:latin typeface="Cambria Math" panose="02040503050406030204" pitchFamily="18" charset="0"/>
-                              </a:rPr>
-                            </m:ctrlPr>
-                          </m:sSupPr>
-                          <m:e>
-                            <m:r>
-                              <a:rPr lang="en-CA" i="1">
-                                <a:latin typeface="Cambria Math" panose="02040503050406030204" pitchFamily="18" charset="0"/>
-                              </a:rPr>
-                              <m:t>𝑟</m:t>
-                            </m:r>
-                          </m:e>
-                          <m:sup>
-                            <m:r>
-                              <a:rPr lang="en-CA" i="1">
-                                <a:latin typeface="Cambria Math" panose="02040503050406030204" pitchFamily="18" charset="0"/>
-                              </a:rPr>
-                              <m:t>2</m:t>
-                            </m:r>
-                          </m:sup>
-                        </m:sSup>
-                      </m:den>
-                    </m:f>
-                    <m:r>
-                      <a:rPr lang="en-US" b="0" i="1" smtClean="0">
-                        <a:latin typeface="Cambria Math" panose="02040503050406030204" pitchFamily="18" charset="0"/>
-                      </a:rPr>
-                      <m:t>=</m:t>
-                    </m:r>
-                    <m:r>
-                      <a:rPr lang="en-US" b="0" i="1" smtClean="0">
-                        <a:latin typeface="Cambria Math" panose="02040503050406030204" pitchFamily="18" charset="0"/>
-                      </a:rPr>
-                      <m:t>𝑢</m:t>
-                    </m:r>
-                    <m:r>
-                      <a:rPr lang="en-US" b="0" i="1" smtClean="0">
-                        <a:latin typeface="Cambria Math" panose="02040503050406030204" pitchFamily="18" charset="0"/>
-                      </a:rPr>
-                      <m:t>′</m:t>
-                    </m:r>
-                  </m:oMath>
-                </a14:m>
-                <a:r>
-                  <a:rPr lang="en-CA" b="0" dirty="0"/>
-                  <a:t>. </a:t>
-                </a:r>
-                <a:r>
-                  <a:rPr lang="en-CA" b="0" dirty="0" err="1"/>
-                  <a:t>L’équation</a:t>
-                </a:r>
-                <a:r>
-                  <a:rPr lang="en-CA" b="0" dirty="0"/>
-                  <a:t> </a:t>
-                </a:r>
-                <a:r>
-                  <a:rPr lang="en-CA" b="0" dirty="0" err="1"/>
-                  <a:t>devient</a:t>
-                </a:r>
-                <a:r>
-                  <a:rPr lang="en-CA" b="0" dirty="0"/>
-                  <a:t>:</a:t>
-                </a:r>
-              </a:p>
-              <a:p>
-                <a:pPr marL="0" indent="0">
-                  <a:lnSpc>
-                    <a:spcPct val="100000"/>
-                  </a:lnSpc>
-                  <a:buNone/>
-                </a:pPr>
-                <a14:m>
-                  <m:oMathPara xmlns:m="http://schemas.openxmlformats.org/officeDocument/2006/math">
-                    <m:oMathParaPr>
-                      <m:jc m:val="centerGroup"/>
-                    </m:oMathParaPr>
-                    <m:oMath xmlns:m="http://schemas.openxmlformats.org/officeDocument/2006/math">
-                      <m:sSup>
-                        <m:sSupPr>
-                          <m:ctrlPr>
-                            <a:rPr lang="en-US" b="0" i="1" smtClean="0">
-                              <a:latin typeface="Cambria Math" panose="02040503050406030204" pitchFamily="18" charset="0"/>
-                            </a:rPr>
-                          </m:ctrlPr>
-                        </m:sSupPr>
-                        <m:e>
-                          <m:r>
-                            <a:rPr lang="en-US" b="0" i="1" smtClean="0">
-                              <a:latin typeface="Cambria Math" panose="02040503050406030204" pitchFamily="18" charset="0"/>
-                            </a:rPr>
-                            <m:t>𝑢</m:t>
-                          </m:r>
-                        </m:e>
-                        <m:sup>
-                          <m:r>
-                            <a:rPr lang="en-US" b="0" i="1" smtClean="0">
-                              <a:latin typeface="Cambria Math" panose="02040503050406030204" pitchFamily="18" charset="0"/>
-                            </a:rPr>
-                            <m:t>′</m:t>
-                          </m:r>
-                        </m:sup>
-                      </m:sSup>
-                      <m:r>
-                        <a:rPr lang="en-US" b="0" i="1" smtClean="0">
-                          <a:latin typeface="Cambria Math" panose="02040503050406030204" pitchFamily="18" charset="0"/>
-                        </a:rPr>
-                        <m:t>+</m:t>
-                      </m:r>
-                      <m:f>
-                        <m:fPr>
-                          <m:ctrlPr>
-                            <a:rPr lang="en-US" b="0" i="1" smtClean="0">
-                              <a:latin typeface="Cambria Math" panose="02040503050406030204" pitchFamily="18" charset="0"/>
-                            </a:rPr>
-                          </m:ctrlPr>
-                        </m:fPr>
-                        <m:num>
-                          <m:r>
-                            <a:rPr lang="en-US" b="0" i="1" smtClean="0">
-                              <a:latin typeface="Cambria Math" panose="02040503050406030204" pitchFamily="18" charset="0"/>
-                            </a:rPr>
-                            <m:t>1</m:t>
-                          </m:r>
-                        </m:num>
-                        <m:den>
-                          <m:r>
-                            <a:rPr lang="en-US" b="0" i="1" smtClean="0">
-                              <a:latin typeface="Cambria Math" panose="02040503050406030204" pitchFamily="18" charset="0"/>
-                            </a:rPr>
-                            <m:t>𝑟</m:t>
-                          </m:r>
-                        </m:den>
-                      </m:f>
-                      <m:r>
-                        <a:rPr lang="en-US" b="0" i="1" smtClean="0">
-                          <a:latin typeface="Cambria Math" panose="02040503050406030204" pitchFamily="18" charset="0"/>
-                        </a:rPr>
-                        <m:t>𝑢</m:t>
-                      </m:r>
-                      <m:r>
-                        <a:rPr lang="en-US" b="0" i="1" smtClean="0">
-                          <a:latin typeface="Cambria Math" panose="02040503050406030204" pitchFamily="18" charset="0"/>
-                        </a:rPr>
-                        <m:t>=</m:t>
-                      </m:r>
-                      <m:f>
-                        <m:fPr>
-                          <m:ctrlPr>
-                            <a:rPr lang="en-US" b="0" i="1" smtClean="0">
-                              <a:latin typeface="Cambria Math" panose="02040503050406030204" pitchFamily="18" charset="0"/>
-                            </a:rPr>
-                          </m:ctrlPr>
-                        </m:fPr>
-                        <m:num>
-                          <m:r>
-                            <a:rPr lang="en-US" b="0" i="1" smtClean="0">
-                              <a:latin typeface="Cambria Math" panose="02040503050406030204" pitchFamily="18" charset="0"/>
-                            </a:rPr>
-                            <m:t>𝑆</m:t>
-                          </m:r>
-                        </m:num>
-                        <m:den>
-                          <m:sSub>
-                            <m:sSubPr>
-                              <m:ctrlPr>
-                                <a:rPr lang="en-US" b="0" i="1" smtClean="0">
-                                  <a:latin typeface="Cambria Math" panose="02040503050406030204" pitchFamily="18" charset="0"/>
-                                </a:rPr>
-                              </m:ctrlPr>
-                            </m:sSubPr>
-                            <m:e>
-                              <m:r>
-                                <a:rPr lang="en-US" b="0" i="1" smtClean="0">
-                                  <a:latin typeface="Cambria Math" panose="02040503050406030204" pitchFamily="18" charset="0"/>
-                                </a:rPr>
-                                <m:t>𝐷</m:t>
-                              </m:r>
-                            </m:e>
-                            <m:sub>
-                              <m:r>
-                                <a:rPr lang="en-US" b="0" i="1" smtClean="0">
-                                  <a:latin typeface="Cambria Math" panose="02040503050406030204" pitchFamily="18" charset="0"/>
-                                </a:rPr>
-                                <m:t>𝑒𝑓𝑓</m:t>
-                              </m:r>
-                            </m:sub>
-                          </m:sSub>
-                        </m:den>
-                      </m:f>
-                    </m:oMath>
-                  </m:oMathPara>
-                </a14:m>
-                <a:endParaRPr lang="en-CA" b="0" dirty="0"/>
-              </a:p>
-              <a:p>
-                <a:pPr marL="0" indent="0">
-                  <a:lnSpc>
-                    <a:spcPct val="100000"/>
-                  </a:lnSpc>
-                  <a:buNone/>
-                </a:pPr>
-                <a:r>
-                  <a:rPr lang="en-CA" b="0" dirty="0"/>
-                  <a:t>On </a:t>
-                </a:r>
-                <a:r>
-                  <a:rPr lang="en-CA" b="0" dirty="0" err="1"/>
-                  <a:t>multiplie</a:t>
-                </a:r>
-                <a:r>
-                  <a:rPr lang="en-CA" b="0" dirty="0"/>
-                  <a:t> par le </a:t>
-                </a:r>
-                <a:r>
-                  <a:rPr lang="en-CA" b="0" dirty="0" err="1"/>
-                  <a:t>facteur</a:t>
-                </a:r>
-                <a:r>
-                  <a:rPr lang="en-CA" b="0" dirty="0"/>
-                  <a:t> </a:t>
-                </a:r>
-                <a:r>
-                  <a:rPr lang="en-CA" b="0" dirty="0" err="1"/>
-                  <a:t>intégrant</a:t>
-                </a:r>
-                <a:r>
-                  <a:rPr lang="en-CA" b="0" dirty="0"/>
-                  <a:t>: </a:t>
-                </a:r>
-                <a14:m>
-                  <m:oMath xmlns:m="http://schemas.openxmlformats.org/officeDocument/2006/math">
-                    <m:r>
-                      <a:rPr lang="en-US" b="0" i="1" smtClean="0">
-                        <a:latin typeface="Cambria Math" panose="02040503050406030204" pitchFamily="18" charset="0"/>
-                      </a:rPr>
-                      <m:t>𝐹</m:t>
-                    </m:r>
-                    <m:d>
-                      <m:dPr>
-                        <m:ctrlPr>
-                          <a:rPr lang="en-US" b="0" i="1" smtClean="0">
-                            <a:latin typeface="Cambria Math" panose="02040503050406030204" pitchFamily="18" charset="0"/>
-                          </a:rPr>
-                        </m:ctrlPr>
-                      </m:dPr>
-                      <m:e>
-                        <m:r>
-                          <a:rPr lang="en-US" b="0" i="1" smtClean="0">
-                            <a:latin typeface="Cambria Math" panose="02040503050406030204" pitchFamily="18" charset="0"/>
-                          </a:rPr>
-                          <m:t>𝑟</m:t>
-                        </m:r>
-                      </m:e>
-                    </m:d>
-                    <m:r>
-                      <a:rPr lang="en-US" b="0" i="1" smtClean="0">
-                        <a:latin typeface="Cambria Math" panose="02040503050406030204" pitchFamily="18" charset="0"/>
-                      </a:rPr>
-                      <m:t>=</m:t>
-                    </m:r>
-                    <m:sSup>
-                      <m:sSupPr>
-                        <m:ctrlPr>
-                          <a:rPr lang="en-US" b="0" i="1" smtClean="0">
-                            <a:latin typeface="Cambria Math" panose="02040503050406030204" pitchFamily="18" charset="0"/>
-                          </a:rPr>
-                        </m:ctrlPr>
-                      </m:sSupPr>
-                      <m:e>
-                        <m:r>
-                          <a:rPr lang="en-US" b="0" i="1" smtClean="0">
-                            <a:latin typeface="Cambria Math" panose="02040503050406030204" pitchFamily="18" charset="0"/>
-                          </a:rPr>
-                          <m:t>𝑒</m:t>
-                        </m:r>
-                      </m:e>
-                      <m:sup>
-                        <m:nary>
-                          <m:naryPr>
-                            <m:limLoc m:val="undOvr"/>
-                            <m:subHide m:val="on"/>
-                            <m:supHide m:val="on"/>
-                            <m:ctrlPr>
-                              <a:rPr lang="en-US" i="1">
-                                <a:latin typeface="Cambria Math" panose="02040503050406030204" pitchFamily="18" charset="0"/>
-                              </a:rPr>
-                            </m:ctrlPr>
-                          </m:naryPr>
-                          <m:sub/>
-                          <m:sup/>
-                          <m:e>
-                            <m:f>
-                              <m:fPr>
-                                <m:ctrlPr>
-                                  <a:rPr lang="en-US" i="1">
-                                    <a:latin typeface="Cambria Math" panose="02040503050406030204" pitchFamily="18" charset="0"/>
-                                  </a:rPr>
-                                </m:ctrlPr>
-                              </m:fPr>
-                              <m:num>
-                                <m:r>
-                                  <a:rPr lang="en-US" i="1">
-                                    <a:latin typeface="Cambria Math" panose="02040503050406030204" pitchFamily="18" charset="0"/>
-                                  </a:rPr>
-                                  <m:t>1</m:t>
-                                </m:r>
-                              </m:num>
-                              <m:den>
-                                <m:r>
-                                  <a:rPr lang="en-US" i="1">
-                                    <a:latin typeface="Cambria Math" panose="02040503050406030204" pitchFamily="18" charset="0"/>
-                                  </a:rPr>
-                                  <m:t>𝑟</m:t>
-                                </m:r>
-                              </m:den>
-                            </m:f>
-                            <m:r>
-                              <a:rPr lang="en-US" i="1">
-                                <a:latin typeface="Cambria Math" panose="02040503050406030204" pitchFamily="18" charset="0"/>
-                              </a:rPr>
-                              <m:t>𝑑𝑟</m:t>
-                            </m:r>
-                          </m:e>
-                        </m:nary>
-                      </m:sup>
-                    </m:sSup>
-                    <m:r>
-                      <a:rPr lang="en-US" b="0" i="1" smtClean="0">
-                        <a:latin typeface="Cambria Math" panose="02040503050406030204" pitchFamily="18" charset="0"/>
-                      </a:rPr>
-                      <m:t>=</m:t>
-                    </m:r>
-                    <m:r>
-                      <a:rPr lang="en-US" b="0" i="1" smtClean="0">
-                        <a:latin typeface="Cambria Math" panose="02040503050406030204" pitchFamily="18" charset="0"/>
-                      </a:rPr>
-                      <m:t>𝑟</m:t>
-                    </m:r>
-                    <m:r>
-                      <a:rPr lang="en-US" b="0" i="0" smtClean="0">
-                        <a:latin typeface="Cambria Math" panose="02040503050406030204" pitchFamily="18" charset="0"/>
-                      </a:rPr>
-                      <m:t>.</m:t>
-                    </m:r>
-                  </m:oMath>
-                </a14:m>
-                <a:r>
-                  <a:rPr lang="en-CA" b="0" dirty="0"/>
-                  <a:t> </a:t>
-                </a:r>
-                <a:r>
-                  <a:rPr lang="en-CA" b="0" dirty="0" err="1"/>
-                  <a:t>L’équation</a:t>
-                </a:r>
-                <a:r>
-                  <a:rPr lang="en-CA" b="0" dirty="0"/>
-                  <a:t> </a:t>
-                </a:r>
-                <a:r>
-                  <a:rPr lang="en-CA" b="0" dirty="0" err="1"/>
-                  <a:t>devient</a:t>
-                </a:r>
-                <a:r>
-                  <a:rPr lang="en-CA" b="0" dirty="0"/>
-                  <a:t>:</a:t>
-                </a:r>
-              </a:p>
-              <a:p>
-                <a:pPr marL="0" indent="0">
-                  <a:lnSpc>
-                    <a:spcPct val="120000"/>
-                  </a:lnSpc>
-                  <a:buNone/>
-                </a:pPr>
-                <a14:m>
-                  <m:oMathPara xmlns:m="http://schemas.openxmlformats.org/officeDocument/2006/math">
-                    <m:oMathParaPr>
-                      <m:jc m:val="centerGroup"/>
-                    </m:oMathParaPr>
-                    <m:oMath xmlns:m="http://schemas.openxmlformats.org/officeDocument/2006/math">
-                      <m:r>
-                        <a:rPr lang="en-US" b="0" i="1" smtClean="0">
-                          <a:latin typeface="Cambria Math" panose="02040503050406030204" pitchFamily="18" charset="0"/>
-                        </a:rPr>
-                        <m:t>𝑟</m:t>
-                      </m:r>
-                      <m:sSup>
-                        <m:sSupPr>
-                          <m:ctrlPr>
-                            <a:rPr lang="en-US" b="0" i="1" smtClean="0">
-                              <a:latin typeface="Cambria Math" panose="02040503050406030204" pitchFamily="18" charset="0"/>
-                            </a:rPr>
-                          </m:ctrlPr>
-                        </m:sSupPr>
-                        <m:e>
-                          <m:r>
-                            <a:rPr lang="en-US" b="0" i="1" smtClean="0">
-                              <a:latin typeface="Cambria Math" panose="02040503050406030204" pitchFamily="18" charset="0"/>
-                            </a:rPr>
-                            <m:t>𝑢</m:t>
-                          </m:r>
-                        </m:e>
-                        <m:sup>
-                          <m:r>
-                            <a:rPr lang="en-US" b="0" i="1" smtClean="0">
-                              <a:latin typeface="Cambria Math" panose="02040503050406030204" pitchFamily="18" charset="0"/>
-                            </a:rPr>
-                            <m:t>′</m:t>
-                          </m:r>
-                        </m:sup>
-                      </m:sSup>
-                      <m:r>
-                        <a:rPr lang="en-US" b="0" i="1" smtClean="0">
-                          <a:latin typeface="Cambria Math" panose="02040503050406030204" pitchFamily="18" charset="0"/>
-                        </a:rPr>
-                        <m:t>+</m:t>
-                      </m:r>
-                      <m:r>
-                        <a:rPr lang="en-US" b="0" i="1" smtClean="0">
-                          <a:latin typeface="Cambria Math" panose="02040503050406030204" pitchFamily="18" charset="0"/>
-                        </a:rPr>
-                        <m:t>𝑢</m:t>
-                      </m:r>
-                      <m:r>
-                        <a:rPr lang="en-US" b="0" i="1" smtClean="0">
-                          <a:latin typeface="Cambria Math" panose="02040503050406030204" pitchFamily="18" charset="0"/>
-                        </a:rPr>
-                        <m:t>=</m:t>
-                      </m:r>
-                      <m:f>
-                        <m:fPr>
-                          <m:ctrlPr>
-                            <a:rPr lang="en-US" b="0" i="1" smtClean="0">
-                              <a:latin typeface="Cambria Math" panose="02040503050406030204" pitchFamily="18" charset="0"/>
-                            </a:rPr>
-                          </m:ctrlPr>
-                        </m:fPr>
-                        <m:num>
-                          <m:r>
-                            <a:rPr lang="en-US" b="0" i="1" smtClean="0">
-                              <a:latin typeface="Cambria Math" panose="02040503050406030204" pitchFamily="18" charset="0"/>
-                            </a:rPr>
-                            <m:t>𝑟𝑆</m:t>
-                          </m:r>
-                        </m:num>
-                        <m:den>
-                          <m:sSub>
-                            <m:sSubPr>
-                              <m:ctrlPr>
-                                <a:rPr lang="en-US" b="0" i="1" smtClean="0">
-                                  <a:latin typeface="Cambria Math" panose="02040503050406030204" pitchFamily="18" charset="0"/>
-                                </a:rPr>
-                              </m:ctrlPr>
-                            </m:sSubPr>
-                            <m:e>
-                              <m:r>
-                                <a:rPr lang="en-US" b="0" i="1" smtClean="0">
-                                  <a:latin typeface="Cambria Math" panose="02040503050406030204" pitchFamily="18" charset="0"/>
-                                </a:rPr>
-                                <m:t>𝐷</m:t>
-                              </m:r>
-                            </m:e>
-                            <m:sub>
-                              <m:r>
-                                <a:rPr lang="en-US" b="0" i="1" smtClean="0">
-                                  <a:latin typeface="Cambria Math" panose="02040503050406030204" pitchFamily="18" charset="0"/>
-                                </a:rPr>
-                                <m:t>𝑒𝑓𝑓</m:t>
-                              </m:r>
-                            </m:sub>
-                          </m:sSub>
-                        </m:den>
-                      </m:f>
-                    </m:oMath>
-                  </m:oMathPara>
-                </a14:m>
-                <a:endParaRPr lang="en-US" b="0" dirty="0"/>
-              </a:p>
-              <a:p>
-                <a:pPr marL="0" indent="0">
-                  <a:lnSpc>
-                    <a:spcPct val="120000"/>
-                  </a:lnSpc>
-                  <a:buNone/>
-                </a:pPr>
-                <a14:m>
-                  <m:oMathPara xmlns:m="http://schemas.openxmlformats.org/officeDocument/2006/math">
-                    <m:oMathParaPr>
-                      <m:jc m:val="centerGroup"/>
-                    </m:oMathParaPr>
-                    <m:oMath xmlns:m="http://schemas.openxmlformats.org/officeDocument/2006/math">
-                      <m:f>
-                        <m:fPr>
-                          <m:ctrlPr>
-                            <a:rPr lang="en-US" b="0" i="1" smtClean="0">
-                              <a:latin typeface="Cambria Math" panose="02040503050406030204" pitchFamily="18" charset="0"/>
-                            </a:rPr>
-                          </m:ctrlPr>
-                        </m:fPr>
-                        <m:num>
-                          <m:r>
-                            <a:rPr lang="en-US" b="0" i="1" smtClean="0">
-                              <a:latin typeface="Cambria Math" panose="02040503050406030204" pitchFamily="18" charset="0"/>
-                            </a:rPr>
-                            <m:t>𝑑</m:t>
-                          </m:r>
-                        </m:num>
-                        <m:den>
-                          <m:r>
-                            <a:rPr lang="en-US" b="0" i="1" smtClean="0">
-                              <a:latin typeface="Cambria Math" panose="02040503050406030204" pitchFamily="18" charset="0"/>
-                            </a:rPr>
-                            <m:t>𝑑𝑟</m:t>
-                          </m:r>
-                        </m:den>
-                      </m:f>
-                      <m:d>
-                        <m:dPr>
-                          <m:ctrlPr>
-                            <a:rPr lang="en-US" b="0" i="1" smtClean="0">
-                              <a:latin typeface="Cambria Math" panose="02040503050406030204" pitchFamily="18" charset="0"/>
-                            </a:rPr>
-                          </m:ctrlPr>
-                        </m:dPr>
-                        <m:e>
-                          <m:r>
-                            <a:rPr lang="en-US" b="0" i="1" smtClean="0">
-                              <a:latin typeface="Cambria Math" panose="02040503050406030204" pitchFamily="18" charset="0"/>
-                            </a:rPr>
-                            <m:t>𝑟𝑢</m:t>
-                          </m:r>
-                        </m:e>
-                      </m:d>
-                      <m:r>
-                        <a:rPr lang="en-US" b="0" i="1" smtClean="0">
-                          <a:latin typeface="Cambria Math" panose="02040503050406030204" pitchFamily="18" charset="0"/>
-                        </a:rPr>
-                        <m:t>=</m:t>
-                      </m:r>
-                      <m:f>
-                        <m:fPr>
-                          <m:ctrlPr>
-                            <a:rPr lang="en-US" i="1">
-                              <a:latin typeface="Cambria Math" panose="02040503050406030204" pitchFamily="18" charset="0"/>
-                            </a:rPr>
-                          </m:ctrlPr>
-                        </m:fPr>
-                        <m:num>
-                          <m:r>
-                            <a:rPr lang="en-US" i="1">
-                              <a:latin typeface="Cambria Math" panose="02040503050406030204" pitchFamily="18" charset="0"/>
-                            </a:rPr>
-                            <m:t>𝑟𝑆</m:t>
-                          </m:r>
-                        </m:num>
-                        <m:den>
-                          <m:sSub>
-                            <m:sSubPr>
-                              <m:ctrlPr>
-                                <a:rPr lang="en-US" i="1">
-                                  <a:latin typeface="Cambria Math" panose="02040503050406030204" pitchFamily="18" charset="0"/>
-                                </a:rPr>
-                              </m:ctrlPr>
-                            </m:sSubPr>
-                            <m:e>
-                              <m:r>
-                                <a:rPr lang="en-US" i="1">
-                                  <a:latin typeface="Cambria Math" panose="02040503050406030204" pitchFamily="18" charset="0"/>
-                                </a:rPr>
-                                <m:t>𝐷</m:t>
-                              </m:r>
-                            </m:e>
-                            <m:sub>
-                              <m:r>
-                                <a:rPr lang="en-US" i="1">
-                                  <a:latin typeface="Cambria Math" panose="02040503050406030204" pitchFamily="18" charset="0"/>
-                                </a:rPr>
-                                <m:t>𝑒𝑓𝑓</m:t>
-                              </m:r>
-                            </m:sub>
-                          </m:sSub>
-                        </m:den>
-                      </m:f>
-                    </m:oMath>
-                  </m:oMathPara>
-                </a14:m>
-                <a:endParaRPr lang="en-CA" b="0" dirty="0"/>
-              </a:p>
-              <a:p>
-                <a:pPr marL="0" indent="0">
-                  <a:lnSpc>
-                    <a:spcPct val="120000"/>
-                  </a:lnSpc>
-                  <a:buNone/>
-                </a:pPr>
-                <a:endParaRPr lang="en-CA" b="0" dirty="0"/>
-              </a:p>
-            </p:txBody>
-          </p:sp>
-        </mc:Choice>
-        <mc:Fallback>
-          <p:sp>
-            <p:nvSpPr>
-              <p:cNvPr id="3" name="Content Placeholder 2">
-                <a:extLst>
-                  <a:ext uri="{FF2B5EF4-FFF2-40B4-BE49-F238E27FC236}">
-                    <a16:creationId xmlns:a16="http://schemas.microsoft.com/office/drawing/2014/main" id="{A63707E9-7A4C-C84E-A286-D7B6432C9209}"/>
-                  </a:ext>
-                </a:extLst>
-              </p:cNvPr>
-              <p:cNvSpPr>
-                <a:spLocks noGrp="1" noRot="1" noChangeAspect="1" noMove="1" noResize="1" noEditPoints="1" noAdjustHandles="1" noChangeArrowheads="1" noChangeShapeType="1" noTextEdit="1"/>
-              </p:cNvSpPr>
-              <p:nvPr>
-                <p:ph idx="1"/>
-              </p:nvPr>
-            </p:nvSpPr>
-            <p:spPr>
-              <a:xfrm>
-                <a:off x="838200" y="1690688"/>
-                <a:ext cx="10515600" cy="5032375"/>
-              </a:xfrm>
-              <a:blipFill>
-                <a:blip r:embed="rId2"/>
-                <a:stretch>
-                  <a:fillRect l="-522"/>
-                </a:stretch>
-              </a:blipFill>
-            </p:spPr>
-            <p:txBody>
-              <a:bodyPr/>
-              <a:lstStyle/>
-              <a:p>
-                <a:r>
-                  <a:rPr lang="en-CA">
-                    <a:noFill/>
-                  </a:rPr>
-                  <a:t> </a:t>
-                </a:r>
-              </a:p>
-            </p:txBody>
-          </p:sp>
-        </mc:Fallback>
-      </mc:AlternateContent>
-    </p:spTree>
-    <p:extLst>
-      <p:ext uri="{BB962C8B-B14F-4D97-AF65-F5344CB8AC3E}">
-        <p14:creationId xmlns:p14="http://schemas.microsoft.com/office/powerpoint/2010/main" val="2988674960"/>
-      </p:ext>
-    </p:extLst>
-  </p:cSld>
-  <p:clrMapOvr>
-    <a:masterClrMapping/>
-  </p:clrMapOvr>
-</p:sld>
-</file>
-
-<file path=ppt/slides/slide11.xml><?xml version="1.0" encoding="utf-8"?>
-<p:sld xmlns:a="http://schemas.openxmlformats.org/drawingml/2006/main" xmlns:r="http://schemas.openxmlformats.org/officeDocument/2006/relationships" xmlns:p="http://schemas.openxmlformats.org/presentationml/2006/main">
-  <p:cSld>
-    <p:spTree>
-      <p:nvGrpSpPr>
-        <p:cNvPr id="1" name="">
-          <a:extLst>
-            <a:ext uri="{FF2B5EF4-FFF2-40B4-BE49-F238E27FC236}">
               <a16:creationId xmlns:a16="http://schemas.microsoft.com/office/drawing/2014/main" id="{E2DBFEC6-8B41-2833-2E13-FCE043A17F82}"/>
             </a:ext>
           </a:extLst>
@@ -5710,42 +4413,42 @@
           <a:lstStyle/>
           <a:p>
             <a:r>
-              <a:rPr lang="en-CA" sz="3000" dirty="0"/>
+              <a:rPr lang="en-CA" sz="3600" dirty="0"/>
               <a:t>C) Solution </a:t>
             </a:r>
             <a:r>
-              <a:rPr lang="en-CA" sz="3000" dirty="0" err="1"/>
+              <a:rPr lang="en-CA" sz="3600" dirty="0" err="1"/>
               <a:t>analytique</a:t>
             </a:r>
             <a:r>
-              <a:rPr lang="en-CA" sz="3000" dirty="0"/>
+              <a:rPr lang="en-CA" sz="3600" dirty="0"/>
               <a:t> </a:t>
             </a:r>
             <a:r>
-              <a:rPr lang="en-CA" sz="3000" dirty="0" err="1"/>
+              <a:rPr lang="en-CA" sz="3600" dirty="0" err="1"/>
               <a:t>en</a:t>
             </a:r>
             <a:r>
-              <a:rPr lang="en-CA" sz="3000" dirty="0"/>
+              <a:rPr lang="en-CA" sz="3600" dirty="0"/>
               <a:t> </a:t>
             </a:r>
             <a:r>
-              <a:rPr lang="en-CA" sz="3000" dirty="0" err="1"/>
+              <a:rPr lang="en-CA" sz="3600" dirty="0" err="1"/>
               <a:t>régime</a:t>
             </a:r>
             <a:r>
-              <a:rPr lang="en-CA" sz="3000" dirty="0"/>
+              <a:rPr lang="en-CA" sz="3600" dirty="0"/>
               <a:t> </a:t>
             </a:r>
             <a:r>
-              <a:rPr lang="en-CA" sz="3000" dirty="0" err="1"/>
+              <a:rPr lang="en-CA" sz="3600" dirty="0" err="1"/>
               <a:t>stationnaire</a:t>
             </a:r>
             <a:r>
-              <a:rPr lang="en-CA" sz="3000" dirty="0"/>
-              <a:t> (suite):</a:t>
-            </a:r>
-            <a:endParaRPr lang="en-CA" sz="3000" dirty="0">
+              <a:rPr lang="en-CA" sz="3600" dirty="0"/>
+              <a:t> (suite)</a:t>
+            </a:r>
+            <a:endParaRPr lang="en-CA" sz="3600" dirty="0">
               <a:highlight>
                 <a:srgbClr val="FFFF00"/>
               </a:highlight>
@@ -5753,8 +4456,8 @@
           </a:p>
         </p:txBody>
       </p:sp>
-      <mc:AlternateContent xmlns:mc="http://schemas.openxmlformats.org/markup-compatibility/2006">
-        <mc:Choice xmlns:a14="http://schemas.microsoft.com/office/drawing/2010/main" Requires="a14">
+      <mc:AlternateContent xmlns:mc="http://schemas.openxmlformats.org/markup-compatibility/2006" xmlns:a14="http://schemas.microsoft.com/office/drawing/2010/main">
+        <mc:Choice Requires="a14">
           <p:sp>
             <p:nvSpPr>
               <p:cNvPr id="3" name="Content Placeholder 2">
@@ -7992,7 +6695,7 @@
             </p:txBody>
           </p:sp>
         </mc:Choice>
-        <mc:Fallback>
+        <mc:Fallback xmlns="">
           <p:sp>
             <p:nvSpPr>
               <p:cNvPr id="3" name="Content Placeholder 2">
@@ -8046,15 +6749,10 @@
   <p:clrMapOvr>
     <a:masterClrMapping/>
   </p:clrMapOvr>
-  <p:extLst>
-    <p:ext uri="{6950BFC3-D8DA-4A85-94F7-54DA5524770B}">
-      <p188:commentRel xmlns:p188="http://schemas.microsoft.com/office/powerpoint/2018/8/main" r:id="rId2"/>
-    </p:ext>
-  </p:extLst>
 </p:sld>
 </file>
 
-<file path=ppt/slides/slide12.xml><?xml version="1.0" encoding="utf-8"?>
+<file path=ppt/slides/slide11.xml><?xml version="1.0" encoding="utf-8"?>
 <p:sld xmlns:a="http://schemas.openxmlformats.org/drawingml/2006/main" xmlns:r="http://schemas.openxmlformats.org/officeDocument/2006/relationships" xmlns:p="http://schemas.openxmlformats.org/presentationml/2006/main">
   <p:cSld>
     <p:spTree>
@@ -8087,7 +6785,12 @@
             <p:ph type="title"/>
           </p:nvPr>
         </p:nvSpPr>
-        <p:spPr/>
+        <p:spPr>
+          <a:xfrm>
+            <a:off x="838200" y="158646"/>
+            <a:ext cx="10515600" cy="1325563"/>
+          </a:xfrm>
+        </p:spPr>
         <p:txBody>
           <a:bodyPr>
             <a:normAutofit/>
@@ -8095,84 +6798,39 @@
           <a:lstStyle/>
           <a:p>
             <a:r>
-              <a:rPr lang="en-US" sz="4000" dirty="0"/>
+              <a:rPr lang="en-US" sz="3600" dirty="0"/>
               <a:t>D) </a:t>
             </a:r>
             <a:r>
-              <a:rPr lang="en-US" sz="4000" dirty="0" err="1"/>
+              <a:rPr lang="en-US" sz="3600" dirty="0" err="1"/>
               <a:t>Profil</a:t>
             </a:r>
             <a:r>
-              <a:rPr lang="en-US" sz="4000" dirty="0"/>
+              <a:rPr lang="en-US" sz="3600" dirty="0"/>
               <a:t> de concentration à </a:t>
             </a:r>
             <a:r>
-              <a:rPr lang="en-US" sz="4000" dirty="0" err="1"/>
+              <a:rPr lang="en-US" sz="3600" dirty="0" err="1"/>
               <a:t>l’état</a:t>
             </a:r>
             <a:r>
-              <a:rPr lang="en-US" sz="4000" dirty="0"/>
+              <a:rPr lang="en-US" sz="3600" dirty="0"/>
               <a:t> </a:t>
             </a:r>
             <a:r>
-              <a:rPr lang="en-US" sz="4000" dirty="0" err="1"/>
+              <a:rPr lang="en-US" sz="3600" dirty="0" err="1"/>
               <a:t>stationnaire</a:t>
             </a:r>
-            <a:endParaRPr lang="en-CA" sz="4000" dirty="0"/>
-          </a:p>
-        </p:txBody>
-      </p:sp>
-      <p:sp>
-        <p:nvSpPr>
-          <p:cNvPr id="3" name="Content Placeholder 2">
-            <a:extLst>
-              <a:ext uri="{FF2B5EF4-FFF2-40B4-BE49-F238E27FC236}">
-                <a16:creationId xmlns:a16="http://schemas.microsoft.com/office/drawing/2014/main" id="{90B36E41-3413-6A8B-DFA4-896DBF955A38}"/>
-              </a:ext>
-            </a:extLst>
-          </p:cNvPr>
-          <p:cNvSpPr>
-            <a:spLocks noGrp="1"/>
-          </p:cNvSpPr>
-          <p:nvPr>
-            <p:ph idx="1"/>
-          </p:nvPr>
-        </p:nvSpPr>
-        <p:spPr/>
-        <p:txBody>
-          <a:bodyPr/>
-          <a:lstStyle/>
-          <a:p>
-            <a:r>
-              <a:rPr lang="en-US" dirty="0" err="1">
-                <a:highlight>
-                  <a:srgbClr val="FFFF00"/>
-                </a:highlight>
-              </a:rPr>
-              <a:t>Inserer</a:t>
-            </a:r>
-            <a:r>
-              <a:rPr lang="en-US" dirty="0">
-                <a:highlight>
-                  <a:srgbClr val="FFFF00"/>
-                </a:highlight>
-              </a:rPr>
-              <a:t> image</a:t>
-            </a:r>
-            <a:endParaRPr lang="en-CA" dirty="0">
-              <a:highlight>
-                <a:srgbClr val="FFFF00"/>
-              </a:highlight>
-            </a:endParaRPr>
+            <a:endParaRPr lang="en-CA" sz="3600" dirty="0"/>
           </a:p>
         </p:txBody>
       </p:sp>
       <p:pic>
         <p:nvPicPr>
-          <p:cNvPr id="5" name="Image 4" descr="Une image contenant texte, ligne, diagramme, Tracé&#10;&#10;Description générée automatiquement">
+          <p:cNvPr id="6" name="Picture 5" descr="A graph with a line&#10;&#10;Description automatically generated">
             <a:extLst>
               <a:ext uri="{FF2B5EF4-FFF2-40B4-BE49-F238E27FC236}">
-                <a16:creationId xmlns:a16="http://schemas.microsoft.com/office/drawing/2014/main" id="{CA785013-FBC3-FEA2-4380-0189AB658ED2}"/>
+                <a16:creationId xmlns:a16="http://schemas.microsoft.com/office/drawing/2014/main" id="{E99B7338-7C7C-2CB1-BE54-20F030F8F24A}"/>
               </a:ext>
             </a:extLst>
           </p:cNvPr>
@@ -8181,7 +6839,7 @@
           </p:cNvPicPr>
           <p:nvPr/>
         </p:nvPicPr>
-        <p:blipFill>
+        <p:blipFill rotWithShape="1">
           <a:blip r:embed="rId3">
             <a:extLst>
               <a:ext uri="{28A0092B-C50C-407E-A947-70E740481C1C}">
@@ -8189,14 +6847,13 @@
               </a:ext>
             </a:extLst>
           </a:blip>
-          <a:stretch>
-            <a:fillRect/>
-          </a:stretch>
+          <a:srcRect t="6059" b="1791"/>
+          <a:stretch/>
         </p:blipFill>
         <p:spPr>
           <a:xfrm>
-            <a:off x="3352794" y="1928717"/>
-            <a:ext cx="6725271" cy="4483514"/>
+            <a:off x="1248696" y="1327355"/>
+            <a:ext cx="8850591" cy="5437239"/>
           </a:xfrm>
           <a:prstGeom prst="rect">
             <a:avLst/>
@@ -8216,7 +6873,7 @@
 </p:sld>
 </file>
 
-<file path=ppt/slides/slide13.xml><?xml version="1.0" encoding="utf-8"?>
+<file path=ppt/slides/slide12.xml><?xml version="1.0" encoding="utf-8"?>
 <p:sld xmlns:a="http://schemas.openxmlformats.org/drawingml/2006/main" xmlns:r="http://schemas.openxmlformats.org/officeDocument/2006/relationships" xmlns:p="http://schemas.openxmlformats.org/presentationml/2006/main">
   <p:cSld>
     <p:spTree>
@@ -8263,68 +6920,570 @@
           <a:lstStyle/>
           <a:p>
             <a:r>
-              <a:rPr lang="en-US" sz="4000" dirty="0"/>
+              <a:rPr lang="en-US" sz="3600" dirty="0"/>
               <a:t>E-a) </a:t>
             </a:r>
             <a:r>
-              <a:rPr lang="en-US" sz="4000" dirty="0" err="1"/>
+              <a:rPr lang="en-US" sz="3600" dirty="0" err="1"/>
               <a:t>Paramètres</a:t>
             </a:r>
             <a:r>
-              <a:rPr lang="en-US" sz="4000" dirty="0"/>
+              <a:rPr lang="en-US" sz="3600" dirty="0"/>
               <a:t> de la simulation </a:t>
             </a:r>
             <a:r>
-              <a:rPr lang="en-US" sz="4000" dirty="0" err="1"/>
+              <a:rPr lang="en-US" sz="3600" dirty="0" err="1"/>
               <a:t>stationnaire</a:t>
             </a:r>
-            <a:endParaRPr lang="en-CA" sz="4000" dirty="0"/>
+            <a:endParaRPr lang="en-CA" sz="3600" dirty="0"/>
           </a:p>
         </p:txBody>
       </p:sp>
-      <p:sp>
-        <p:nvSpPr>
-          <p:cNvPr id="3" name="Content Placeholder 2">
-            <a:extLst>
-              <a:ext uri="{FF2B5EF4-FFF2-40B4-BE49-F238E27FC236}">
-                <a16:creationId xmlns:a16="http://schemas.microsoft.com/office/drawing/2014/main" id="{E6A01AB2-1BC1-1766-DF80-633ACD82EC7F}"/>
-              </a:ext>
-            </a:extLst>
-          </p:cNvPr>
-          <p:cNvSpPr>
-            <a:spLocks noGrp="1"/>
-          </p:cNvSpPr>
-          <p:nvPr>
-            <p:ph idx="1"/>
-          </p:nvPr>
-        </p:nvSpPr>
-        <p:spPr/>
-        <p:txBody>
-          <a:bodyPr>
-            <a:normAutofit/>
-          </a:bodyPr>
-          <a:lstStyle/>
-          <a:p>
-            <a:r>
-              <a:rPr lang="fr-FR" dirty="0"/>
-              <a:t>A partir de ce code générique, soit écrire un code pour résoudre le cas stationnaire directement ou soit faire rouler le code jusqu’à la solution stationnaire (c-à-d l’Eq.(3) développée avec S constant). a. </a:t>
-            </a:r>
-            <a:r>
-              <a:rPr lang="fr-FR" dirty="0">
-                <a:highlight>
-                  <a:srgbClr val="FFFF00"/>
-                </a:highlight>
-              </a:rPr>
-              <a:t>préciser tous les paramètres de la simulation utilisés</a:t>
-            </a:r>
-            <a:r>
-              <a:rPr lang="fr-FR" dirty="0"/>
-              <a:t>. </a:t>
-            </a:r>
-            <a:endParaRPr lang="en-CA" dirty="0"/>
-          </a:p>
-        </p:txBody>
-      </p:sp>
+      <mc:AlternateContent xmlns:mc="http://schemas.openxmlformats.org/markup-compatibility/2006">
+        <mc:Choice xmlns:a14="http://schemas.microsoft.com/office/drawing/2010/main" Requires="a14">
+          <p:sp>
+            <p:nvSpPr>
+              <p:cNvPr id="3" name="Content Placeholder 2">
+                <a:extLst>
+                  <a:ext uri="{FF2B5EF4-FFF2-40B4-BE49-F238E27FC236}">
+                    <a16:creationId xmlns:a16="http://schemas.microsoft.com/office/drawing/2014/main" id="{E6A01AB2-1BC1-1766-DF80-633ACD82EC7F}"/>
+                  </a:ext>
+                </a:extLst>
+              </p:cNvPr>
+              <p:cNvSpPr>
+                <a:spLocks noGrp="1"/>
+              </p:cNvSpPr>
+              <p:nvPr>
+                <p:ph idx="1"/>
+              </p:nvPr>
+            </p:nvSpPr>
+            <p:spPr>
+              <a:xfrm>
+                <a:off x="838200" y="1576251"/>
+                <a:ext cx="10515600" cy="4600712"/>
+              </a:xfrm>
+            </p:spPr>
+            <p:txBody>
+              <a:bodyPr>
+                <a:normAutofit/>
+              </a:bodyPr>
+              <a:lstStyle/>
+              <a:p>
+                <a:pPr algn="just"/>
+                <a:r>
+                  <a:rPr lang="fr-FR" sz="1800" b="1" dirty="0"/>
+                  <a:t>NOTE</a:t>
+                </a:r>
+                <a:r>
+                  <a:rPr lang="fr-FR" sz="1800" dirty="0"/>
+                  <a:t>: le code a été commencé en régime transitoire, mais pour simplifier le travail a ensuite été construit pour le régime stationnaire directement (les deux figurent dans le fichier python).</a:t>
+                </a:r>
+              </a:p>
+              <a:p>
+                <a:r>
+                  <a:rPr lang="fr-FR" sz="1800" dirty="0"/>
+                  <a:t>Param</a:t>
+                </a:r>
+                <a:r>
+                  <a:rPr lang="en-US" sz="1800" dirty="0" err="1"/>
+                  <a:t>ètres</a:t>
+                </a:r>
+                <a:r>
+                  <a:rPr lang="en-US" sz="1800" dirty="0"/>
+                  <a:t> de la simulation </a:t>
+                </a:r>
+                <a:r>
+                  <a:rPr lang="en-US" sz="1800" dirty="0" err="1"/>
+                  <a:t>stationnaire</a:t>
+                </a:r>
+                <a:r>
+                  <a:rPr lang="en-US" sz="1800" dirty="0"/>
+                  <a:t>:</a:t>
+                </a:r>
+              </a:p>
+              <a:p>
+                <a:pPr lvl="1"/>
+                <a:r>
+                  <a:rPr lang="en-CA" sz="1600" b="0" dirty="0" err="1">
+                    <a:solidFill>
+                      <a:schemeClr val="tx1">
+                        <a:lumMod val="50000"/>
+                        <a:lumOff val="50000"/>
+                      </a:schemeClr>
+                    </a:solidFill>
+                    <a:effectLst/>
+                    <a:latin typeface="Consolas" panose="020B0609020204030204" pitchFamily="49" charset="0"/>
+                  </a:rPr>
+                  <a:t>n_test</a:t>
+                </a:r>
+                <a:r>
+                  <a:rPr lang="en-CA" sz="1600" b="0" dirty="0">
+                    <a:solidFill>
+                      <a:schemeClr val="tx1">
+                        <a:lumMod val="50000"/>
+                        <a:lumOff val="50000"/>
+                      </a:schemeClr>
+                    </a:solidFill>
+                    <a:effectLst/>
+                    <a:latin typeface="Consolas" panose="020B0609020204030204" pitchFamily="49" charset="0"/>
+                  </a:rPr>
+                  <a:t>=[3,5,10,20,40,80,160,320,640,1280,2560,3000,4000,5000] : </a:t>
+                </a:r>
+                <a:r>
+                  <a:rPr lang="en-CA" sz="1600" b="0" dirty="0" err="1">
+                    <a:solidFill>
+                      <a:schemeClr val="tx1">
+                        <a:lumMod val="50000"/>
+                        <a:lumOff val="50000"/>
+                      </a:schemeClr>
+                    </a:solidFill>
+                    <a:effectLst/>
+                    <a:latin typeface="Consolas" panose="020B0609020204030204" pitchFamily="49" charset="0"/>
+                  </a:rPr>
+                  <a:t>vecteur</a:t>
+                </a:r>
+                <a:r>
+                  <a:rPr lang="en-CA" sz="1600" dirty="0">
+                    <a:solidFill>
+                      <a:schemeClr val="tx1">
+                        <a:lumMod val="50000"/>
+                        <a:lumOff val="50000"/>
+                      </a:schemeClr>
+                    </a:solidFill>
+                    <a:latin typeface="Consolas" panose="020B0609020204030204" pitchFamily="49" charset="0"/>
+                  </a:rPr>
+                  <a:t> </a:t>
+                </a:r>
+                <a:r>
+                  <a:rPr lang="en-CA" sz="1600" b="0" dirty="0" err="1">
+                    <a:solidFill>
+                      <a:schemeClr val="tx1">
+                        <a:lumMod val="50000"/>
+                        <a:lumOff val="50000"/>
+                      </a:schemeClr>
+                    </a:solidFill>
+                    <a:effectLst/>
+                    <a:latin typeface="Consolas" panose="020B0609020204030204" pitchFamily="49" charset="0"/>
+                  </a:rPr>
+                  <a:t>faisant</a:t>
+                </a:r>
+                <a:r>
+                  <a:rPr lang="en-CA" sz="1600" b="0" dirty="0">
+                    <a:solidFill>
+                      <a:schemeClr val="tx1">
+                        <a:lumMod val="50000"/>
+                        <a:lumOff val="50000"/>
+                      </a:schemeClr>
+                    </a:solidFill>
+                    <a:effectLst/>
+                    <a:latin typeface="Consolas" panose="020B0609020204030204" pitchFamily="49" charset="0"/>
+                  </a:rPr>
+                  <a:t> varier le </a:t>
+                </a:r>
+                <a:r>
+                  <a:rPr lang="en-CA" sz="1600" b="0" dirty="0" err="1">
+                    <a:solidFill>
+                      <a:schemeClr val="tx1">
+                        <a:lumMod val="50000"/>
+                        <a:lumOff val="50000"/>
+                      </a:schemeClr>
+                    </a:solidFill>
+                    <a:effectLst/>
+                    <a:latin typeface="Consolas" panose="020B0609020204030204" pitchFamily="49" charset="0"/>
+                  </a:rPr>
+                  <a:t>nombre</a:t>
+                </a:r>
+                <a:r>
+                  <a:rPr lang="en-CA" sz="1600" b="0" dirty="0">
+                    <a:solidFill>
+                      <a:schemeClr val="tx1">
+                        <a:lumMod val="50000"/>
+                        <a:lumOff val="50000"/>
+                      </a:schemeClr>
+                    </a:solidFill>
+                    <a:effectLst/>
+                    <a:latin typeface="Consolas" panose="020B0609020204030204" pitchFamily="49" charset="0"/>
+                  </a:rPr>
+                  <a:t> de </a:t>
+                </a:r>
+                <a:r>
+                  <a:rPr lang="en-CA" sz="1600" b="0" dirty="0" err="1">
+                    <a:solidFill>
+                      <a:schemeClr val="tx1">
+                        <a:lumMod val="50000"/>
+                        <a:lumOff val="50000"/>
+                      </a:schemeClr>
+                    </a:solidFill>
+                    <a:effectLst/>
+                    <a:latin typeface="Consolas" panose="020B0609020204030204" pitchFamily="49" charset="0"/>
+                  </a:rPr>
+                  <a:t>noeuds</a:t>
+                </a:r>
+                <a:r>
+                  <a:rPr lang="en-CA" sz="1600" b="0" dirty="0">
+                    <a:solidFill>
+                      <a:schemeClr val="tx1">
+                        <a:lumMod val="50000"/>
+                        <a:lumOff val="50000"/>
+                      </a:schemeClr>
+                    </a:solidFill>
+                    <a:effectLst/>
+                    <a:latin typeface="Consolas" panose="020B0609020204030204" pitchFamily="49" charset="0"/>
+                  </a:rPr>
+                  <a:t> de 3 à 5000 pou</a:t>
+                </a:r>
+                <a:r>
+                  <a:rPr lang="en-CA" sz="1600" dirty="0">
+                    <a:solidFill>
+                      <a:schemeClr val="tx1">
+                        <a:lumMod val="50000"/>
+                        <a:lumOff val="50000"/>
+                      </a:schemeClr>
+                    </a:solidFill>
+                    <a:latin typeface="Consolas" panose="020B0609020204030204" pitchFamily="49" charset="0"/>
+                  </a:rPr>
+                  <a:t>r la </a:t>
+                </a:r>
+                <a:r>
+                  <a:rPr lang="en-CA" sz="1600" dirty="0" err="1">
+                    <a:solidFill>
+                      <a:schemeClr val="tx1">
+                        <a:lumMod val="50000"/>
+                        <a:lumOff val="50000"/>
+                      </a:schemeClr>
+                    </a:solidFill>
+                    <a:latin typeface="Consolas" panose="020B0609020204030204" pitchFamily="49" charset="0"/>
+                  </a:rPr>
+                  <a:t>discrétisation</a:t>
+                </a:r>
+                <a:r>
+                  <a:rPr lang="en-CA" sz="1600" dirty="0">
+                    <a:solidFill>
+                      <a:schemeClr val="tx1">
+                        <a:lumMod val="50000"/>
+                        <a:lumOff val="50000"/>
+                      </a:schemeClr>
+                    </a:solidFill>
+                    <a:latin typeface="Consolas" panose="020B0609020204030204" pitchFamily="49" charset="0"/>
+                  </a:rPr>
+                  <a:t> de R</a:t>
+                </a:r>
+                <a:r>
+                  <a:rPr lang="en-CA" sz="1600" b="0" dirty="0">
+                    <a:solidFill>
+                      <a:schemeClr val="tx1">
+                        <a:lumMod val="50000"/>
+                        <a:lumOff val="50000"/>
+                      </a:schemeClr>
+                    </a:solidFill>
+                    <a:effectLst/>
+                    <a:latin typeface="Consolas" panose="020B0609020204030204" pitchFamily="49" charset="0"/>
+                  </a:rPr>
+                  <a:t>.</a:t>
+                </a:r>
+                <a:endParaRPr lang="en-US" sz="1600" dirty="0">
+                  <a:solidFill>
+                    <a:schemeClr val="tx1">
+                      <a:lumMod val="50000"/>
+                      <a:lumOff val="50000"/>
+                    </a:schemeClr>
+                  </a:solidFill>
+                </a:endParaRPr>
+              </a:p>
+              <a:p>
+                <a:pPr lvl="1"/>
+                <a:r>
+                  <a:rPr lang="fr-FR" sz="1600" b="0" dirty="0">
+                    <a:solidFill>
+                      <a:schemeClr val="tx1">
+                        <a:lumMod val="50000"/>
+                        <a:lumOff val="50000"/>
+                      </a:schemeClr>
+                    </a:solidFill>
+                    <a:effectLst/>
+                    <a:latin typeface="Consolas" panose="020B0609020204030204" pitchFamily="49" charset="0"/>
+                  </a:rPr>
+                  <a:t>S=8e-9   :Terme source [mol/m3/s]</a:t>
+                </a:r>
+              </a:p>
+              <a:p>
+                <a:pPr lvl="1"/>
+                <a:r>
+                  <a:rPr lang="fr-FR" sz="1600" b="0" dirty="0">
+                    <a:solidFill>
+                      <a:schemeClr val="tx1">
+                        <a:lumMod val="50000"/>
+                        <a:lumOff val="50000"/>
+                      </a:schemeClr>
+                    </a:solidFill>
+                    <a:effectLst/>
+                    <a:latin typeface="Consolas" panose="020B0609020204030204" pitchFamily="49" charset="0"/>
+                  </a:rPr>
+                  <a:t>D=1      :Diamètre de la colonne [m]</a:t>
+                </a:r>
+              </a:p>
+              <a:p>
+                <a:pPr lvl="1"/>
+                <a:r>
+                  <a:rPr lang="fr-FR" sz="1600" b="0" dirty="0">
+                    <a:solidFill>
+                      <a:schemeClr val="tx1">
+                        <a:lumMod val="50000"/>
+                        <a:lumOff val="50000"/>
+                      </a:schemeClr>
+                    </a:solidFill>
+                    <a:effectLst/>
+                    <a:latin typeface="Consolas" panose="020B0609020204030204" pitchFamily="49" charset="0"/>
+                  </a:rPr>
+                  <a:t>R=D/2    :Rayon de la colonne [m]</a:t>
+                </a:r>
+              </a:p>
+              <a:p>
+                <a:pPr lvl="1"/>
+                <a:r>
+                  <a:rPr lang="fr-FR" sz="1600" b="0" dirty="0">
+                    <a:solidFill>
+                      <a:schemeClr val="tx1">
+                        <a:lumMod val="50000"/>
+                        <a:lumOff val="50000"/>
+                      </a:schemeClr>
+                    </a:solidFill>
+                    <a:effectLst/>
+                    <a:latin typeface="Consolas" panose="020B0609020204030204" pitchFamily="49" charset="0"/>
+                  </a:rPr>
+                  <a:t>Ce=12    :Concentration en sel de l'eau [mol/m3]</a:t>
+                </a:r>
+              </a:p>
+              <a:p>
+                <a:pPr lvl="1"/>
+                <a:r>
+                  <a:rPr lang="fr-FR" sz="1600" b="0" dirty="0" err="1">
+                    <a:solidFill>
+                      <a:schemeClr val="tx1">
+                        <a:lumMod val="50000"/>
+                        <a:lumOff val="50000"/>
+                      </a:schemeClr>
+                    </a:solidFill>
+                    <a:effectLst/>
+                    <a:latin typeface="Consolas" panose="020B0609020204030204" pitchFamily="49" charset="0"/>
+                  </a:rPr>
+                  <a:t>D_eff</a:t>
+                </a:r>
+                <a:r>
+                  <a:rPr lang="fr-FR" sz="1600" b="0" dirty="0">
+                    <a:solidFill>
+                      <a:schemeClr val="tx1">
+                        <a:lumMod val="50000"/>
+                        <a:lumOff val="50000"/>
+                      </a:schemeClr>
+                    </a:solidFill>
+                    <a:effectLst/>
+                    <a:latin typeface="Consolas" panose="020B0609020204030204" pitchFamily="49" charset="0"/>
+                  </a:rPr>
+                  <a:t>=10e-10 :Coefficient de diffusion du sel dans le béton [m2/s]</a:t>
+                </a:r>
+              </a:p>
+              <a:p>
+                <a:pPr marL="0" indent="0">
+                  <a:buNone/>
+                </a:pPr>
+                <a:endParaRPr lang="fr-FR" sz="1800" dirty="0"/>
+              </a:p>
+              <a:p>
+                <a:pPr algn="just"/>
+                <a:r>
+                  <a:rPr lang="fr-FR" sz="1800" dirty="0"/>
+                  <a:t>La vérification du code de résolution a été mené par le calcul de la norme des 3 types d’erreur (</a:t>
+                </a:r>
+                <a14:m>
+                  <m:oMath xmlns:m="http://schemas.openxmlformats.org/officeDocument/2006/math">
+                    <m:sSub>
+                      <m:sSubPr>
+                        <m:ctrlPr>
+                          <a:rPr lang="en-CA" sz="1800" b="0" i="1" dirty="0" smtClean="0">
+                            <a:latin typeface="Cambria Math" panose="02040503050406030204" pitchFamily="18" charset="0"/>
+                          </a:rPr>
+                        </m:ctrlPr>
+                      </m:sSubPr>
+                      <m:e>
+                        <m:r>
+                          <a:rPr lang="fr-FR" sz="1800" i="1" dirty="0" smtClean="0">
+                            <a:latin typeface="Cambria Math" panose="02040503050406030204" pitchFamily="18" charset="0"/>
+                          </a:rPr>
+                          <m:t>𝐿</m:t>
+                        </m:r>
+                      </m:e>
+                      <m:sub>
+                        <m:r>
+                          <a:rPr lang="fr-FR" sz="1800" i="1" dirty="0" smtClean="0">
+                            <a:latin typeface="Cambria Math" panose="02040503050406030204" pitchFamily="18" charset="0"/>
+                          </a:rPr>
+                          <m:t>1</m:t>
+                        </m:r>
+                      </m:sub>
+                    </m:sSub>
+                    <m:r>
+                      <a:rPr lang="fr-FR" sz="1800" i="1" dirty="0" smtClean="0">
+                        <a:latin typeface="Cambria Math" panose="02040503050406030204" pitchFamily="18" charset="0"/>
+                      </a:rPr>
+                      <m:t>, </m:t>
+                    </m:r>
+                    <m:sSub>
+                      <m:sSubPr>
+                        <m:ctrlPr>
+                          <a:rPr lang="en-CA" sz="1800" b="0" i="1" dirty="0" smtClean="0">
+                            <a:latin typeface="Cambria Math" panose="02040503050406030204" pitchFamily="18" charset="0"/>
+                          </a:rPr>
+                        </m:ctrlPr>
+                      </m:sSubPr>
+                      <m:e>
+                        <m:r>
+                          <a:rPr lang="fr-FR" sz="1800" i="1" dirty="0" smtClean="0">
+                            <a:latin typeface="Cambria Math" panose="02040503050406030204" pitchFamily="18" charset="0"/>
+                          </a:rPr>
+                          <m:t>𝐿</m:t>
+                        </m:r>
+                      </m:e>
+                      <m:sub>
+                        <m:r>
+                          <a:rPr lang="fr-FR" sz="1800" i="1" dirty="0" smtClean="0">
+                            <a:latin typeface="Cambria Math" panose="02040503050406030204" pitchFamily="18" charset="0"/>
+                          </a:rPr>
+                          <m:t>2</m:t>
+                        </m:r>
+                      </m:sub>
+                    </m:sSub>
+                    <m:r>
+                      <a:rPr lang="fr-FR" sz="1800" i="1" dirty="0" smtClean="0">
+                        <a:latin typeface="Cambria Math" panose="02040503050406030204" pitchFamily="18" charset="0"/>
+                      </a:rPr>
+                      <m:t> </m:t>
+                    </m:r>
+                    <m:r>
+                      <a:rPr lang="fr-FR" sz="1800" i="1" dirty="0" smtClean="0">
+                        <a:latin typeface="Cambria Math" panose="02040503050406030204" pitchFamily="18" charset="0"/>
+                      </a:rPr>
+                      <m:t>𝑒𝑡</m:t>
+                    </m:r>
+                    <m:r>
+                      <a:rPr lang="fr-FR" sz="1800" i="1" dirty="0" smtClean="0">
+                        <a:latin typeface="Cambria Math" panose="02040503050406030204" pitchFamily="18" charset="0"/>
+                      </a:rPr>
+                      <m:t> </m:t>
+                    </m:r>
+                    <m:sSub>
+                      <m:sSubPr>
+                        <m:ctrlPr>
+                          <a:rPr lang="en-CA" sz="1800" b="0" i="1" dirty="0" smtClean="0">
+                            <a:latin typeface="Cambria Math" panose="02040503050406030204" pitchFamily="18" charset="0"/>
+                          </a:rPr>
+                        </m:ctrlPr>
+                      </m:sSubPr>
+                      <m:e>
+                        <m:r>
+                          <a:rPr lang="fr-FR" sz="1800" i="1" dirty="0" smtClean="0">
+                            <a:latin typeface="Cambria Math" panose="02040503050406030204" pitchFamily="18" charset="0"/>
+                          </a:rPr>
+                          <m:t>𝐿</m:t>
+                        </m:r>
+                      </m:e>
+                      <m:sub>
+                        <m:r>
+                          <a:rPr lang="fr-FR" sz="1800" i="1" dirty="0" smtClean="0">
+                            <a:latin typeface="Cambria Math" panose="02040503050406030204" pitchFamily="18" charset="0"/>
+                          </a:rPr>
+                          <m:t>∞</m:t>
+                        </m:r>
+                      </m:sub>
+                    </m:sSub>
+                  </m:oMath>
+                </a14:m>
+                <a:r>
+                  <a:rPr lang="fr-FR" sz="1800" dirty="0"/>
+                  <a:t>), une étude de convergence en utilisant l’erreur </a:t>
+                </a:r>
+                <a14:m>
+                  <m:oMath xmlns:m="http://schemas.openxmlformats.org/officeDocument/2006/math">
+                    <m:sSub>
+                      <m:sSubPr>
+                        <m:ctrlPr>
+                          <a:rPr lang="en-CA" sz="1800" b="0" i="1" dirty="0" smtClean="0">
+                            <a:latin typeface="Cambria Math" panose="02040503050406030204" pitchFamily="18" charset="0"/>
+                          </a:rPr>
+                        </m:ctrlPr>
+                      </m:sSubPr>
+                      <m:e>
+                        <m:r>
+                          <a:rPr lang="fr-FR" sz="1800" i="1" dirty="0" smtClean="0">
+                            <a:latin typeface="Cambria Math" panose="02040503050406030204" pitchFamily="18" charset="0"/>
+                          </a:rPr>
+                          <m:t>𝐿</m:t>
+                        </m:r>
+                      </m:e>
+                      <m:sub>
+                        <m:r>
+                          <a:rPr lang="fr-FR" sz="1800" i="1" dirty="0" smtClean="0">
+                            <a:latin typeface="Cambria Math" panose="02040503050406030204" pitchFamily="18" charset="0"/>
+                          </a:rPr>
+                          <m:t>2</m:t>
+                        </m:r>
+                      </m:sub>
+                    </m:sSub>
+                  </m:oMath>
+                </a14:m>
+                <a:r>
+                  <a:rPr lang="fr-FR" sz="1800" dirty="0"/>
+                  <a:t>, ainsi que quelques tests unitaires (test pour des conditions frontières nulles + test de reconnaissance du nombre d’éléments) que le code réussit sans problème. </a:t>
+                </a:r>
+                <a:endParaRPr lang="en-CA" sz="1800" dirty="0"/>
+              </a:p>
+            </p:txBody>
+          </p:sp>
+        </mc:Choice>
+        <mc:Fallback>
+          <p:sp>
+            <p:nvSpPr>
+              <p:cNvPr id="3" name="Content Placeholder 2">
+                <a:extLst>
+                  <a:ext uri="{FF2B5EF4-FFF2-40B4-BE49-F238E27FC236}">
+                    <a16:creationId xmlns:a16="http://schemas.microsoft.com/office/drawing/2014/main" id="{E6A01AB2-1BC1-1766-DF80-633ACD82EC7F}"/>
+                  </a:ext>
+                </a:extLst>
+              </p:cNvPr>
+              <p:cNvSpPr>
+                <a:spLocks noGrp="1" noRot="1" noChangeAspect="1" noMove="1" noResize="1" noEditPoints="1" noAdjustHandles="1" noChangeArrowheads="1" noChangeShapeType="1" noTextEdit="1"/>
+              </p:cNvSpPr>
+              <p:nvPr>
+                <p:ph idx="1"/>
+              </p:nvPr>
+            </p:nvSpPr>
+            <p:spPr>
+              <a:xfrm>
+                <a:off x="838200" y="1576251"/>
+                <a:ext cx="10515600" cy="4600712"/>
+              </a:xfrm>
+              <a:blipFill>
+                <a:blip r:embed="rId2"/>
+                <a:stretch>
+                  <a:fillRect l="-406" t="-1326" r="-522"/>
+                </a:stretch>
+              </a:blipFill>
+            </p:spPr>
+            <p:txBody>
+              <a:bodyPr/>
+              <a:lstStyle/>
+              <a:p>
+                <a:r>
+                  <a:rPr lang="en-CA">
+                    <a:noFill/>
+                  </a:rPr>
+                  <a:t> </a:t>
+                </a:r>
+              </a:p>
+            </p:txBody>
+          </p:sp>
+        </mc:Fallback>
+      </mc:AlternateContent>
     </p:spTree>
     <p:extLst>
       <p:ext uri="{BB962C8B-B14F-4D97-AF65-F5344CB8AC3E}">
@@ -8338,7 +7497,7 @@
 </p:sld>
 </file>
 
-<file path=ppt/slides/slide14.xml><?xml version="1.0" encoding="utf-8"?>
+<file path=ppt/slides/slide13.xml><?xml version="1.0" encoding="utf-8"?>
 <p:sld xmlns:a="http://schemas.openxmlformats.org/drawingml/2006/main" xmlns:r="http://schemas.openxmlformats.org/officeDocument/2006/relationships" xmlns:p="http://schemas.openxmlformats.org/presentationml/2006/main">
   <p:cSld>
     <p:spTree>
@@ -8379,64 +7538,490 @@
           <a:lstStyle/>
           <a:p>
             <a:r>
-              <a:rPr lang="en-US" sz="4000" dirty="0"/>
+              <a:rPr lang="en-US" sz="3600" dirty="0"/>
               <a:t>E-b) </a:t>
             </a:r>
             <a:r>
-              <a:rPr lang="en-US" sz="4000" dirty="0" err="1"/>
+              <a:rPr lang="en-US" sz="3600" dirty="0" err="1"/>
               <a:t>Vérification</a:t>
             </a:r>
             <a:r>
-              <a:rPr lang="en-US" sz="4000" dirty="0"/>
-              <a:t> avec la solution </a:t>
-            </a:r>
-            <a:r>
-              <a:rPr lang="en-US" sz="4000" dirty="0" err="1"/>
-              <a:t>analytique</a:t>
-            </a:r>
-            <a:endParaRPr lang="en-CA" sz="4000" dirty="0"/>
+              <a:rPr lang="en-US" sz="3600" dirty="0"/>
+              <a:t> avec la </a:t>
+            </a:r>
+            <a:r>
+              <a:rPr lang="en-US" sz="3600" dirty="0" err="1"/>
+              <a:t>norme</a:t>
+            </a:r>
+            <a:r>
+              <a:rPr lang="en-US" sz="3600" dirty="0"/>
+              <a:t> de </a:t>
+            </a:r>
+            <a:r>
+              <a:rPr lang="en-US" sz="3600" dirty="0" err="1"/>
+              <a:t>l’erreur</a:t>
+            </a:r>
+            <a:endParaRPr lang="en-CA" sz="3600" dirty="0"/>
           </a:p>
         </p:txBody>
       </p:sp>
-      <p:sp>
-        <p:nvSpPr>
-          <p:cNvPr id="3" name="Content Placeholder 2">
+      <mc:AlternateContent xmlns:mc="http://schemas.openxmlformats.org/markup-compatibility/2006">
+        <mc:Choice xmlns:a14="http://schemas.microsoft.com/office/drawing/2010/main" Requires="a14">
+          <p:sp>
+            <p:nvSpPr>
+              <p:cNvPr id="3" name="Content Placeholder 2">
+                <a:extLst>
+                  <a:ext uri="{FF2B5EF4-FFF2-40B4-BE49-F238E27FC236}">
+                    <a16:creationId xmlns:a16="http://schemas.microsoft.com/office/drawing/2014/main" id="{654A8010-B541-576B-B2F1-01BEE57375C3}"/>
+                  </a:ext>
+                </a:extLst>
+              </p:cNvPr>
+              <p:cNvSpPr>
+                <a:spLocks noGrp="1"/>
+              </p:cNvSpPr>
+              <p:nvPr>
+                <p:ph idx="1"/>
+              </p:nvPr>
+            </p:nvSpPr>
+            <p:spPr>
+              <a:xfrm>
+                <a:off x="6776884" y="1690688"/>
+                <a:ext cx="4576915" cy="4892992"/>
+              </a:xfrm>
+            </p:spPr>
+            <p:txBody>
+              <a:bodyPr>
+                <a:normAutofit/>
+              </a:bodyPr>
+              <a:lstStyle/>
+              <a:p>
+                <a:pPr marL="0" indent="0" algn="just">
+                  <a:buNone/>
+                </a:pPr>
+                <a:r>
+                  <a:rPr lang="fr-FR" sz="1800" dirty="0"/>
+                  <a:t>D’après le graphe des erreurs on constate l’apparition d’une zone de convergence asymptotique à partir de </a:t>
+                </a:r>
+                <a14:m>
+                  <m:oMath xmlns:m="http://schemas.openxmlformats.org/officeDocument/2006/math">
+                    <m:r>
+                      <m:rPr>
+                        <m:sty m:val="p"/>
+                      </m:rPr>
+                      <a:rPr lang="en-CA" sz="1800" b="0" i="0" dirty="0" smtClean="0">
+                        <a:latin typeface="Cambria Math" panose="02040503050406030204" pitchFamily="18" charset="0"/>
+                      </a:rPr>
+                      <m:t>Δ</m:t>
+                    </m:r>
+                    <m:r>
+                      <a:rPr lang="en-CA" sz="1800" b="0" i="1" dirty="0" smtClean="0">
+                        <a:latin typeface="Cambria Math" panose="02040503050406030204" pitchFamily="18" charset="0"/>
+                      </a:rPr>
+                      <m:t>𝑟</m:t>
+                    </m:r>
+                    <m:r>
+                      <a:rPr lang="en-CA" sz="1800" b="0" i="1" dirty="0" smtClean="0">
+                        <a:latin typeface="Cambria Math" panose="02040503050406030204" pitchFamily="18" charset="0"/>
+                      </a:rPr>
+                      <m:t>=</m:t>
+                    </m:r>
+                    <m:sSup>
+                      <m:sSupPr>
+                        <m:ctrlPr>
+                          <a:rPr lang="en-CA" sz="1800" b="0" i="1" dirty="0" smtClean="0">
+                            <a:latin typeface="Cambria Math" panose="02040503050406030204" pitchFamily="18" charset="0"/>
+                          </a:rPr>
+                        </m:ctrlPr>
+                      </m:sSupPr>
+                      <m:e>
+                        <m:r>
+                          <a:rPr lang="fr-FR" sz="1800" i="1" dirty="0" smtClean="0">
+                            <a:latin typeface="Cambria Math" panose="02040503050406030204" pitchFamily="18" charset="0"/>
+                          </a:rPr>
+                          <m:t>10</m:t>
+                        </m:r>
+                      </m:e>
+                      <m:sup>
+                        <m:r>
+                          <a:rPr lang="en-CA" sz="1800" b="0" i="1" dirty="0" smtClean="0">
+                            <a:latin typeface="Cambria Math" panose="02040503050406030204" pitchFamily="18" charset="0"/>
+                          </a:rPr>
+                          <m:t>−2</m:t>
+                        </m:r>
+                      </m:sup>
+                    </m:sSup>
+                  </m:oMath>
+                </a14:m>
+                <a:r>
+                  <a:rPr lang="fr-FR" sz="1800" dirty="0"/>
+                  <a:t> environ pour les trois types d’erreur. Comme attendu, l’erreur </a:t>
+                </a:r>
+                <a14:m>
+                  <m:oMath xmlns:m="http://schemas.openxmlformats.org/officeDocument/2006/math">
+                    <m:sSub>
+                      <m:sSubPr>
+                        <m:ctrlPr>
+                          <a:rPr lang="fr-FR" sz="1800" i="1" dirty="0" smtClean="0">
+                            <a:latin typeface="Cambria Math" panose="02040503050406030204" pitchFamily="18" charset="0"/>
+                          </a:rPr>
+                        </m:ctrlPr>
+                      </m:sSubPr>
+                      <m:e>
+                        <m:r>
+                          <a:rPr lang="fr-FR" sz="1800" i="1" dirty="0" smtClean="0">
+                            <a:latin typeface="Cambria Math" panose="02040503050406030204" pitchFamily="18" charset="0"/>
+                          </a:rPr>
+                          <m:t>𝐿</m:t>
+                        </m:r>
+                      </m:e>
+                      <m:sub>
+                        <m:r>
+                          <a:rPr lang="fr-FR" sz="1800" i="1" dirty="0" smtClean="0">
+                            <a:latin typeface="Cambria Math" panose="02040503050406030204" pitchFamily="18" charset="0"/>
+                          </a:rPr>
+                          <m:t>∞</m:t>
+                        </m:r>
+                      </m:sub>
+                    </m:sSub>
+                    <m:r>
+                      <a:rPr lang="fr-FR" sz="1800" i="1" dirty="0" smtClean="0">
+                        <a:latin typeface="Cambria Math" panose="02040503050406030204" pitchFamily="18" charset="0"/>
+                      </a:rPr>
+                      <m:t>⁡</m:t>
+                    </m:r>
+                  </m:oMath>
+                </a14:m>
+                <a:r>
+                  <a:rPr lang="fr-FR" sz="1800" dirty="0"/>
+                  <a:t>est la plus  sévère et affiche les erreurs les plus élevées. Mais pour les pas les plus petits (en dessous de </a:t>
+                </a:r>
+                <a14:m>
+                  <m:oMath xmlns:m="http://schemas.openxmlformats.org/officeDocument/2006/math">
+                    <m:sSup>
+                      <m:sSupPr>
+                        <m:ctrlPr>
+                          <a:rPr lang="en-CA" sz="1800" i="1" dirty="0">
+                            <a:latin typeface="Cambria Math" panose="02040503050406030204" pitchFamily="18" charset="0"/>
+                          </a:rPr>
+                        </m:ctrlPr>
+                      </m:sSupPr>
+                      <m:e>
+                        <m:r>
+                          <m:rPr>
+                            <m:sty m:val="p"/>
+                          </m:rPr>
+                          <a:rPr lang="en-CA" sz="1800" b="0" i="0" dirty="0" smtClean="0">
+                            <a:latin typeface="Cambria Math" panose="02040503050406030204" pitchFamily="18" charset="0"/>
+                          </a:rPr>
+                          <m:t>Δ</m:t>
+                        </m:r>
+                        <m:r>
+                          <a:rPr lang="en-CA" sz="1800" b="0" i="1" dirty="0" smtClean="0">
+                            <a:latin typeface="Cambria Math" panose="02040503050406030204" pitchFamily="18" charset="0"/>
+                          </a:rPr>
+                          <m:t>𝑟</m:t>
+                        </m:r>
+                        <m:r>
+                          <a:rPr lang="en-CA" sz="1800" b="0" i="1" dirty="0" smtClean="0">
+                            <a:latin typeface="Cambria Math" panose="02040503050406030204" pitchFamily="18" charset="0"/>
+                          </a:rPr>
+                          <m:t>=10</m:t>
+                        </m:r>
+                      </m:e>
+                      <m:sup>
+                        <m:r>
+                          <a:rPr lang="en-CA" sz="1800" i="1" dirty="0">
+                            <a:latin typeface="Cambria Math" panose="02040503050406030204" pitchFamily="18" charset="0"/>
+                          </a:rPr>
+                          <m:t>−</m:t>
+                        </m:r>
+                        <m:r>
+                          <a:rPr lang="en-CA" sz="1800" b="0" i="1" dirty="0" smtClean="0">
+                            <a:latin typeface="Cambria Math" panose="02040503050406030204" pitchFamily="18" charset="0"/>
+                          </a:rPr>
+                          <m:t>3</m:t>
+                        </m:r>
+                      </m:sup>
+                    </m:sSup>
+                    <m:r>
+                      <a:rPr lang="en-CA" sz="1800" b="0" i="1" dirty="0" smtClean="0">
+                        <a:latin typeface="Cambria Math" panose="02040503050406030204" pitchFamily="18" charset="0"/>
+                      </a:rPr>
+                      <m:t>)</m:t>
+                    </m:r>
+                  </m:oMath>
+                </a14:m>
+                <a:r>
+                  <a:rPr lang="fr-FR" sz="1800" dirty="0"/>
+                  <a:t> elle affiche quand même des valeurs d’erreur</a:t>
+                </a:r>
+                <a14:m>
+                  <m:oMath xmlns:m="http://schemas.openxmlformats.org/officeDocument/2006/math">
+                    <m:sSup>
+                      <m:sSupPr>
+                        <m:ctrlPr>
+                          <a:rPr lang="en-CA" sz="1800" i="1" dirty="0">
+                            <a:latin typeface="Cambria Math" panose="02040503050406030204" pitchFamily="18" charset="0"/>
+                          </a:rPr>
+                        </m:ctrlPr>
+                      </m:sSupPr>
+                      <m:e>
+                        <m:r>
+                          <a:rPr lang="en-CA" sz="1800" b="0" i="1" dirty="0" smtClean="0">
+                            <a:latin typeface="Cambria Math" panose="02040503050406030204" pitchFamily="18" charset="0"/>
+                          </a:rPr>
+                          <m:t> &lt;</m:t>
+                        </m:r>
+                        <m:r>
+                          <a:rPr lang="fr-FR" sz="1800" i="1" dirty="0">
+                            <a:latin typeface="Cambria Math" panose="02040503050406030204" pitchFamily="18" charset="0"/>
+                          </a:rPr>
+                          <m:t>10</m:t>
+                        </m:r>
+                      </m:e>
+                      <m:sup>
+                        <m:r>
+                          <a:rPr lang="en-CA" sz="1800" i="1" dirty="0">
+                            <a:latin typeface="Cambria Math" panose="02040503050406030204" pitchFamily="18" charset="0"/>
+                          </a:rPr>
+                          <m:t>−2</m:t>
+                        </m:r>
+                      </m:sup>
+                    </m:sSup>
+                    <m:r>
+                      <a:rPr lang="en-CA" sz="1800" b="0" i="1" dirty="0" smtClean="0">
+                        <a:latin typeface="Cambria Math" panose="02040503050406030204" pitchFamily="18" charset="0"/>
+                      </a:rPr>
+                      <m:t>,</m:t>
+                    </m:r>
+                  </m:oMath>
+                </a14:m>
+                <a:r>
+                  <a:rPr lang="fr-FR" sz="1800" dirty="0"/>
+                  <a:t> alors que </a:t>
+                </a:r>
+                <a14:m>
+                  <m:oMath xmlns:m="http://schemas.openxmlformats.org/officeDocument/2006/math">
+                    <m:sSub>
+                      <m:sSubPr>
+                        <m:ctrlPr>
+                          <a:rPr lang="en-CA" sz="1800" b="0" i="1" dirty="0" smtClean="0">
+                            <a:latin typeface="Cambria Math" panose="02040503050406030204" pitchFamily="18" charset="0"/>
+                          </a:rPr>
+                        </m:ctrlPr>
+                      </m:sSubPr>
+                      <m:e>
+                        <m:r>
+                          <a:rPr lang="en-CA" sz="1800" b="0" i="1" dirty="0" smtClean="0">
+                            <a:latin typeface="Cambria Math" panose="02040503050406030204" pitchFamily="18" charset="0"/>
+                          </a:rPr>
+                          <m:t>𝐿</m:t>
+                        </m:r>
+                      </m:e>
+                      <m:sub>
+                        <m:r>
+                          <a:rPr lang="en-CA" sz="1800" b="0" i="1" dirty="0" smtClean="0">
+                            <a:latin typeface="Cambria Math" panose="02040503050406030204" pitchFamily="18" charset="0"/>
+                          </a:rPr>
+                          <m:t>1</m:t>
+                        </m:r>
+                      </m:sub>
+                    </m:sSub>
+                    <m:r>
+                      <a:rPr lang="en-CA" sz="1800" b="0" i="1" dirty="0" smtClean="0">
+                        <a:latin typeface="Cambria Math" panose="02040503050406030204" pitchFamily="18" charset="0"/>
+                      </a:rPr>
+                      <m:t> </m:t>
+                    </m:r>
+                    <m:r>
+                      <a:rPr lang="en-CA" sz="1800" b="0" i="1" dirty="0" smtClean="0">
+                        <a:latin typeface="Cambria Math" panose="02040503050406030204" pitchFamily="18" charset="0"/>
+                      </a:rPr>
+                      <m:t>𝑒𝑡</m:t>
+                    </m:r>
+                    <m:r>
+                      <a:rPr lang="en-CA" sz="1800" b="0" i="1" dirty="0" smtClean="0">
+                        <a:latin typeface="Cambria Math" panose="02040503050406030204" pitchFamily="18" charset="0"/>
+                      </a:rPr>
+                      <m:t>  </m:t>
+                    </m:r>
+                    <m:sSub>
+                      <m:sSubPr>
+                        <m:ctrlPr>
+                          <a:rPr lang="en-CA" sz="1800" b="0" i="1" dirty="0" smtClean="0">
+                            <a:latin typeface="Cambria Math" panose="02040503050406030204" pitchFamily="18" charset="0"/>
+                          </a:rPr>
+                        </m:ctrlPr>
+                      </m:sSubPr>
+                      <m:e>
+                        <m:r>
+                          <a:rPr lang="en-CA" sz="1800" b="0" i="1" dirty="0" smtClean="0">
+                            <a:latin typeface="Cambria Math" panose="02040503050406030204" pitchFamily="18" charset="0"/>
+                          </a:rPr>
+                          <m:t>𝐿</m:t>
+                        </m:r>
+                      </m:e>
+                      <m:sub>
+                        <m:r>
+                          <a:rPr lang="en-CA" sz="1800" b="0" i="1" dirty="0" smtClean="0">
+                            <a:latin typeface="Cambria Math" panose="02040503050406030204" pitchFamily="18" charset="0"/>
+                          </a:rPr>
+                          <m:t>2</m:t>
+                        </m:r>
+                      </m:sub>
+                    </m:sSub>
+                  </m:oMath>
+                </a14:m>
+                <a:r>
+                  <a:rPr lang="fr-FR" sz="1800" dirty="0"/>
+                  <a:t> affichent des erreurs &lt;</a:t>
+                </a:r>
+                <a:r>
+                  <a:rPr lang="en-CA" sz="1800" dirty="0"/>
+                  <a:t> </a:t>
+                </a:r>
+                <a14:m>
+                  <m:oMath xmlns:m="http://schemas.openxmlformats.org/officeDocument/2006/math">
+                    <m:sSup>
+                      <m:sSupPr>
+                        <m:ctrlPr>
+                          <a:rPr lang="en-CA" sz="1800" i="1" dirty="0">
+                            <a:latin typeface="Cambria Math" panose="02040503050406030204" pitchFamily="18" charset="0"/>
+                          </a:rPr>
+                        </m:ctrlPr>
+                      </m:sSupPr>
+                      <m:e>
+                        <m:r>
+                          <a:rPr lang="fr-FR" sz="1800" i="1" dirty="0">
+                            <a:latin typeface="Cambria Math" panose="02040503050406030204" pitchFamily="18" charset="0"/>
+                          </a:rPr>
+                          <m:t>10</m:t>
+                        </m:r>
+                      </m:e>
+                      <m:sup>
+                        <m:r>
+                          <a:rPr lang="en-CA" sz="1800" i="1" dirty="0">
+                            <a:latin typeface="Cambria Math" panose="02040503050406030204" pitchFamily="18" charset="0"/>
+                          </a:rPr>
+                          <m:t>−</m:t>
+                        </m:r>
+                        <m:r>
+                          <a:rPr lang="en-CA" sz="1800" b="0" i="1" dirty="0" smtClean="0">
+                            <a:latin typeface="Cambria Math" panose="02040503050406030204" pitchFamily="18" charset="0"/>
+                          </a:rPr>
+                          <m:t>3</m:t>
+                        </m:r>
+                      </m:sup>
+                    </m:sSup>
+                  </m:oMath>
+                </a14:m>
+                <a:r>
+                  <a:rPr lang="fr-FR" sz="1800" dirty="0"/>
+                  <a:t> .</a:t>
+                </a:r>
+              </a:p>
+              <a:p>
+                <a:pPr marL="0" indent="0" algn="just">
+                  <a:buNone/>
+                </a:pPr>
+                <a:endParaRPr lang="fr-FR" sz="1800" dirty="0">
+                  <a:highlight>
+                    <a:srgbClr val="FFFF00"/>
+                  </a:highlight>
+                </a:endParaRPr>
+              </a:p>
+              <a:p>
+                <a:pPr marL="0" indent="0" algn="just">
+                  <a:buNone/>
+                </a:pPr>
+                <a:r>
+                  <a:rPr lang="fr-FR" sz="1800" dirty="0"/>
+                  <a:t>Cette évaluation à elle seule n’est pas suffisante pour la vérification du code. Dans la hiérarchie des procédures de vérification on veut idéalement réaliser une étude de convergence. Cependant, la norme de L2 déjà calculée pourra servir de base pour cette étude (voir diapo suivante).</a:t>
+                </a:r>
+                <a:endParaRPr lang="en-CA" sz="1800" dirty="0"/>
+              </a:p>
+            </p:txBody>
+          </p:sp>
+        </mc:Choice>
+        <mc:Fallback>
+          <p:sp>
+            <p:nvSpPr>
+              <p:cNvPr id="3" name="Content Placeholder 2">
+                <a:extLst>
+                  <a:ext uri="{FF2B5EF4-FFF2-40B4-BE49-F238E27FC236}">
+                    <a16:creationId xmlns:a16="http://schemas.microsoft.com/office/drawing/2014/main" id="{654A8010-B541-576B-B2F1-01BEE57375C3}"/>
+                  </a:ext>
+                </a:extLst>
+              </p:cNvPr>
+              <p:cNvSpPr>
+                <a:spLocks noGrp="1" noRot="1" noChangeAspect="1" noMove="1" noResize="1" noEditPoints="1" noAdjustHandles="1" noChangeArrowheads="1" noChangeShapeType="1" noTextEdit="1"/>
+              </p:cNvSpPr>
+              <p:nvPr>
+                <p:ph idx="1"/>
+              </p:nvPr>
+            </p:nvSpPr>
+            <p:spPr>
+              <a:xfrm>
+                <a:off x="6776884" y="1690688"/>
+                <a:ext cx="4576915" cy="4892992"/>
+              </a:xfrm>
+              <a:blipFill>
+                <a:blip r:embed="rId3"/>
+                <a:stretch>
+                  <a:fillRect l="-1200" t="-1121" r="-1200"/>
+                </a:stretch>
+              </a:blipFill>
+            </p:spPr>
+            <p:txBody>
+              <a:bodyPr/>
+              <a:lstStyle/>
+              <a:p>
+                <a:r>
+                  <a:rPr lang="en-CA">
+                    <a:noFill/>
+                  </a:rPr>
+                  <a:t> </a:t>
+                </a:r>
+              </a:p>
+            </p:txBody>
+          </p:sp>
+        </mc:Fallback>
+      </mc:AlternateContent>
+      <p:pic>
+        <p:nvPicPr>
+          <p:cNvPr id="7" name="Picture 6" descr="A graph with lines and numbers&#10;&#10;Description automatically generated">
             <a:extLst>
               <a:ext uri="{FF2B5EF4-FFF2-40B4-BE49-F238E27FC236}">
-                <a16:creationId xmlns:a16="http://schemas.microsoft.com/office/drawing/2014/main" id="{654A8010-B541-576B-B2F1-01BEE57375C3}"/>
+                <a16:creationId xmlns:a16="http://schemas.microsoft.com/office/drawing/2014/main" id="{CBA8E41D-8039-CB40-6D0C-6A9E5B42F816}"/>
               </a:ext>
             </a:extLst>
           </p:cNvPr>
-          <p:cNvSpPr>
-            <a:spLocks noGrp="1"/>
-          </p:cNvSpPr>
-          <p:nvPr>
-            <p:ph idx="1"/>
-          </p:nvPr>
-        </p:nvSpPr>
-        <p:spPr/>
-        <p:txBody>
-          <a:bodyPr>
-            <a:normAutofit/>
-          </a:bodyPr>
-          <a:lstStyle/>
-          <a:p>
-            <a:r>
-              <a:rPr lang="fr-FR" dirty="0">
-                <a:highlight>
-                  <a:srgbClr val="FFFF00"/>
-                </a:highlight>
-              </a:rPr>
-              <a:t>Insert</a:t>
-            </a:r>
-            <a:r>
-              <a:rPr lang="fr-FR" dirty="0"/>
-              <a:t> graphique les erreurs L1, L2 et L∞. c. constatez-vous un problème avec cette procédure de vérification ?</a:t>
-            </a:r>
-            <a:endParaRPr lang="en-CA" dirty="0"/>
-          </a:p>
-        </p:txBody>
-      </p:sp>
+          <p:cNvPicPr>
+            <a:picLocks noChangeAspect="1"/>
+          </p:cNvPicPr>
+          <p:nvPr/>
+        </p:nvPicPr>
+        <p:blipFill rotWithShape="1">
+          <a:blip r:embed="rId4">
+            <a:extLst>
+              <a:ext uri="{28A0092B-C50C-407E-A947-70E740481C1C}">
+                <a14:useLocalDpi xmlns:a14="http://schemas.microsoft.com/office/drawing/2010/main" val="0"/>
+              </a:ext>
+            </a:extLst>
+          </a:blip>
+          <a:srcRect l="2434" t="4331" r="7818"/>
+          <a:stretch/>
+        </p:blipFill>
+        <p:spPr>
+          <a:xfrm>
+            <a:off x="209898" y="1522483"/>
+            <a:ext cx="6566985" cy="4666847"/>
+          </a:xfrm>
+          <a:prstGeom prst="rect">
+            <a:avLst/>
+          </a:prstGeom>
+        </p:spPr>
+      </p:pic>
     </p:spTree>
     <p:extLst>
       <p:ext uri="{BB962C8B-B14F-4D97-AF65-F5344CB8AC3E}">
@@ -8450,7 +8035,7 @@
 </p:sld>
 </file>
 
-<file path=ppt/slides/slide15.xml><?xml version="1.0" encoding="utf-8"?>
+<file path=ppt/slides/slide14.xml><?xml version="1.0" encoding="utf-8"?>
 <p:sld xmlns:a="http://schemas.openxmlformats.org/drawingml/2006/main" xmlns:r="http://schemas.openxmlformats.org/officeDocument/2006/relationships" xmlns:p="http://schemas.openxmlformats.org/presentationml/2006/main">
   <p:cSld>
     <p:spTree>
@@ -8469,10 +8054,10 @@
       </p:grpSpPr>
       <p:pic>
         <p:nvPicPr>
-          <p:cNvPr id="5" name="Espace réservé du contenu 4" descr="Une image contenant texte, capture d’écran, ligne, nombre&#10;&#10;Description générée automatiquement">
+          <p:cNvPr id="4" name="Content Placeholder 3" descr="A graph with blue dots and lines&#10;&#10;Description automatically generated">
             <a:extLst>
               <a:ext uri="{FF2B5EF4-FFF2-40B4-BE49-F238E27FC236}">
-                <a16:creationId xmlns:a16="http://schemas.microsoft.com/office/drawing/2014/main" id="{A588A501-4E8A-2B99-416F-E2E91B281F82}"/>
+                <a16:creationId xmlns:a16="http://schemas.microsoft.com/office/drawing/2014/main" id="{F33DEBF9-737D-D404-561B-BACFCCBDF936}"/>
               </a:ext>
             </a:extLst>
           </p:cNvPr>
@@ -8483,25 +8068,788 @@
             <p:ph idx="1"/>
           </p:nvPr>
         </p:nvPicPr>
-        <p:blipFill>
-          <a:blip r:embed="rId2">
+        <p:blipFill rotWithShape="1">
+          <a:blip r:embed="rId3">
             <a:extLst>
               <a:ext uri="{28A0092B-C50C-407E-A947-70E740481C1C}">
                 <a14:useLocalDpi xmlns:a14="http://schemas.microsoft.com/office/drawing/2010/main" val="0"/>
               </a:ext>
             </a:extLst>
           </a:blip>
-          <a:stretch>
-            <a:fillRect/>
-          </a:stretch>
+          <a:srcRect l="2538" r="8626"/>
+          <a:stretch/>
         </p:blipFill>
         <p:spPr>
           <a:xfrm>
-            <a:off x="2477807" y="1016871"/>
-            <a:ext cx="7236386" cy="4824257"/>
+            <a:off x="432620" y="1286962"/>
+            <a:ext cx="6538452" cy="4906738"/>
+          </a:xfrm>
+          <a:prstGeom prst="rect">
+            <a:avLst/>
+          </a:prstGeom>
+        </p:spPr>
+      </p:pic>
+      <mc:AlternateContent xmlns:mc="http://schemas.openxmlformats.org/markup-compatibility/2006">
+        <mc:Choice xmlns:a14="http://schemas.microsoft.com/office/drawing/2010/main" Requires="a14">
+          <p:sp>
+            <p:nvSpPr>
+              <p:cNvPr id="6" name="Content Placeholder 2">
+                <a:extLst>
+                  <a:ext uri="{FF2B5EF4-FFF2-40B4-BE49-F238E27FC236}">
+                    <a16:creationId xmlns:a16="http://schemas.microsoft.com/office/drawing/2014/main" id="{67B85450-2852-301A-1D61-D2CC7534B14B}"/>
+                  </a:ext>
+                </a:extLst>
+              </p:cNvPr>
+              <p:cNvSpPr txBox="1">
+                <a:spLocks/>
+              </p:cNvSpPr>
+              <p:nvPr/>
+            </p:nvSpPr>
+            <p:spPr>
+              <a:xfrm>
+                <a:off x="7639664" y="1690688"/>
+                <a:ext cx="3714135" cy="4265975"/>
+              </a:xfrm>
+              <a:prstGeom prst="rect">
+                <a:avLst/>
+              </a:prstGeom>
+            </p:spPr>
+            <p:txBody>
+              <a:bodyPr vert="horz" lIns="91440" tIns="45720" rIns="91440" bIns="45720" rtlCol="0">
+                <a:normAutofit lnSpcReduction="10000"/>
+              </a:bodyPr>
+              <a:lstStyle>
+                <a:lvl1pPr marL="228600" indent="-228600" algn="l" defTabSz="914400" rtl="0" eaLnBrk="1" latinLnBrk="0" hangingPunct="1">
+                  <a:lnSpc>
+                    <a:spcPct val="90000"/>
+                  </a:lnSpc>
+                  <a:spcBef>
+                    <a:spcPts val="1000"/>
+                  </a:spcBef>
+                  <a:buFont typeface="Arial" panose="020B0604020202020204" pitchFamily="34" charset="0"/>
+                  <a:buChar char="•"/>
+                  <a:defRPr sz="2800" kern="1200">
+                    <a:solidFill>
+                      <a:schemeClr val="tx1"/>
+                    </a:solidFill>
+                    <a:latin typeface="+mn-lt"/>
+                    <a:ea typeface="+mn-ea"/>
+                    <a:cs typeface="+mn-cs"/>
+                  </a:defRPr>
+                </a:lvl1pPr>
+                <a:lvl2pPr marL="685800" indent="-228600" algn="l" defTabSz="914400" rtl="0" eaLnBrk="1" latinLnBrk="0" hangingPunct="1">
+                  <a:lnSpc>
+                    <a:spcPct val="90000"/>
+                  </a:lnSpc>
+                  <a:spcBef>
+                    <a:spcPts val="500"/>
+                  </a:spcBef>
+                  <a:buFont typeface="Arial" panose="020B0604020202020204" pitchFamily="34" charset="0"/>
+                  <a:buChar char="•"/>
+                  <a:defRPr sz="2400" kern="1200">
+                    <a:solidFill>
+                      <a:schemeClr val="tx1"/>
+                    </a:solidFill>
+                    <a:latin typeface="+mn-lt"/>
+                    <a:ea typeface="+mn-ea"/>
+                    <a:cs typeface="+mn-cs"/>
+                  </a:defRPr>
+                </a:lvl2pPr>
+                <a:lvl3pPr marL="1143000" indent="-228600" algn="l" defTabSz="914400" rtl="0" eaLnBrk="1" latinLnBrk="0" hangingPunct="1">
+                  <a:lnSpc>
+                    <a:spcPct val="90000"/>
+                  </a:lnSpc>
+                  <a:spcBef>
+                    <a:spcPts val="500"/>
+                  </a:spcBef>
+                  <a:buFont typeface="Arial" panose="020B0604020202020204" pitchFamily="34" charset="0"/>
+                  <a:buChar char="•"/>
+                  <a:defRPr sz="2000" kern="1200">
+                    <a:solidFill>
+                      <a:schemeClr val="tx1"/>
+                    </a:solidFill>
+                    <a:latin typeface="+mn-lt"/>
+                    <a:ea typeface="+mn-ea"/>
+                    <a:cs typeface="+mn-cs"/>
+                  </a:defRPr>
+                </a:lvl3pPr>
+                <a:lvl4pPr marL="1600200" indent="-228600" algn="l" defTabSz="914400" rtl="0" eaLnBrk="1" latinLnBrk="0" hangingPunct="1">
+                  <a:lnSpc>
+                    <a:spcPct val="90000"/>
+                  </a:lnSpc>
+                  <a:spcBef>
+                    <a:spcPts val="500"/>
+                  </a:spcBef>
+                  <a:buFont typeface="Arial" panose="020B0604020202020204" pitchFamily="34" charset="0"/>
+                  <a:buChar char="•"/>
+                  <a:defRPr sz="1800" kern="1200">
+                    <a:solidFill>
+                      <a:schemeClr val="tx1"/>
+                    </a:solidFill>
+                    <a:latin typeface="+mn-lt"/>
+                    <a:ea typeface="+mn-ea"/>
+                    <a:cs typeface="+mn-cs"/>
+                  </a:defRPr>
+                </a:lvl4pPr>
+                <a:lvl5pPr marL="2057400" indent="-228600" algn="l" defTabSz="914400" rtl="0" eaLnBrk="1" latinLnBrk="0" hangingPunct="1">
+                  <a:lnSpc>
+                    <a:spcPct val="90000"/>
+                  </a:lnSpc>
+                  <a:spcBef>
+                    <a:spcPts val="500"/>
+                  </a:spcBef>
+                  <a:buFont typeface="Arial" panose="020B0604020202020204" pitchFamily="34" charset="0"/>
+                  <a:buChar char="•"/>
+                  <a:defRPr sz="1800" kern="1200">
+                    <a:solidFill>
+                      <a:schemeClr val="tx1"/>
+                    </a:solidFill>
+                    <a:latin typeface="+mn-lt"/>
+                    <a:ea typeface="+mn-ea"/>
+                    <a:cs typeface="+mn-cs"/>
+                  </a:defRPr>
+                </a:lvl5pPr>
+                <a:lvl6pPr marL="2514600" indent="-228600" algn="l" defTabSz="914400" rtl="0" eaLnBrk="1" latinLnBrk="0" hangingPunct="1">
+                  <a:lnSpc>
+                    <a:spcPct val="90000"/>
+                  </a:lnSpc>
+                  <a:spcBef>
+                    <a:spcPts val="500"/>
+                  </a:spcBef>
+                  <a:buFont typeface="Arial" panose="020B0604020202020204" pitchFamily="34" charset="0"/>
+                  <a:buChar char="•"/>
+                  <a:defRPr sz="1800" kern="1200">
+                    <a:solidFill>
+                      <a:schemeClr val="tx1"/>
+                    </a:solidFill>
+                    <a:latin typeface="+mn-lt"/>
+                    <a:ea typeface="+mn-ea"/>
+                    <a:cs typeface="+mn-cs"/>
+                  </a:defRPr>
+                </a:lvl6pPr>
+                <a:lvl7pPr marL="2971800" indent="-228600" algn="l" defTabSz="914400" rtl="0" eaLnBrk="1" latinLnBrk="0" hangingPunct="1">
+                  <a:lnSpc>
+                    <a:spcPct val="90000"/>
+                  </a:lnSpc>
+                  <a:spcBef>
+                    <a:spcPts val="500"/>
+                  </a:spcBef>
+                  <a:buFont typeface="Arial" panose="020B0604020202020204" pitchFamily="34" charset="0"/>
+                  <a:buChar char="•"/>
+                  <a:defRPr sz="1800" kern="1200">
+                    <a:solidFill>
+                      <a:schemeClr val="tx1"/>
+                    </a:solidFill>
+                    <a:latin typeface="+mn-lt"/>
+                    <a:ea typeface="+mn-ea"/>
+                    <a:cs typeface="+mn-cs"/>
+                  </a:defRPr>
+                </a:lvl7pPr>
+                <a:lvl8pPr marL="3429000" indent="-228600" algn="l" defTabSz="914400" rtl="0" eaLnBrk="1" latinLnBrk="0" hangingPunct="1">
+                  <a:lnSpc>
+                    <a:spcPct val="90000"/>
+                  </a:lnSpc>
+                  <a:spcBef>
+                    <a:spcPts val="500"/>
+                  </a:spcBef>
+                  <a:buFont typeface="Arial" panose="020B0604020202020204" pitchFamily="34" charset="0"/>
+                  <a:buChar char="•"/>
+                  <a:defRPr sz="1800" kern="1200">
+                    <a:solidFill>
+                      <a:schemeClr val="tx1"/>
+                    </a:solidFill>
+                    <a:latin typeface="+mn-lt"/>
+                    <a:ea typeface="+mn-ea"/>
+                    <a:cs typeface="+mn-cs"/>
+                  </a:defRPr>
+                </a:lvl8pPr>
+                <a:lvl9pPr marL="3886200" indent="-228600" algn="l" defTabSz="914400" rtl="0" eaLnBrk="1" latinLnBrk="0" hangingPunct="1">
+                  <a:lnSpc>
+                    <a:spcPct val="90000"/>
+                  </a:lnSpc>
+                  <a:spcBef>
+                    <a:spcPts val="500"/>
+                  </a:spcBef>
+                  <a:buFont typeface="Arial" panose="020B0604020202020204" pitchFamily="34" charset="0"/>
+                  <a:buChar char="•"/>
+                  <a:defRPr sz="1800" kern="1200">
+                    <a:solidFill>
+                      <a:schemeClr val="tx1"/>
+                    </a:solidFill>
+                    <a:latin typeface="+mn-lt"/>
+                    <a:ea typeface="+mn-ea"/>
+                    <a:cs typeface="+mn-cs"/>
+                  </a:defRPr>
+                </a:lvl9pPr>
+              </a:lstStyle>
+              <a:p>
+                <a:pPr marL="0" indent="0" algn="just">
+                  <a:buNone/>
+                </a:pPr>
+                <a:r>
+                  <a:rPr lang="en-CA" sz="1800" dirty="0"/>
+                  <a:t>Calcul de la </a:t>
+                </a:r>
+                <a:r>
+                  <a:rPr lang="en-CA" sz="1800" dirty="0" err="1"/>
+                  <a:t>pente</a:t>
+                </a:r>
+                <a:r>
+                  <a:rPr lang="en-CA" sz="1800" dirty="0"/>
+                  <a:t> de la droite de regression:</a:t>
+                </a:r>
+              </a:p>
+              <a:p>
+                <a:pPr marL="0" indent="0" algn="just">
+                  <a:buNone/>
+                </a:pPr>
+                <a:endParaRPr lang="en-CA" sz="1800" dirty="0"/>
+              </a:p>
+              <a:p>
+                <a:pPr marL="0" indent="0" algn="just">
+                  <a:buNone/>
+                </a:pPr>
+                <a14:m>
+                  <m:oMathPara xmlns:m="http://schemas.openxmlformats.org/officeDocument/2006/math">
+                    <m:oMathParaPr>
+                      <m:jc m:val="centerGroup"/>
+                    </m:oMathParaPr>
+                    <m:oMath xmlns:m="http://schemas.openxmlformats.org/officeDocument/2006/math">
+                      <m:acc>
+                        <m:accPr>
+                          <m:chr m:val="̂"/>
+                          <m:ctrlPr>
+                            <a:rPr lang="en-CA" sz="1800" i="1" smtClean="0">
+                              <a:latin typeface="Cambria Math" panose="02040503050406030204" pitchFamily="18" charset="0"/>
+                            </a:rPr>
+                          </m:ctrlPr>
+                        </m:accPr>
+                        <m:e>
+                          <m:r>
+                            <a:rPr lang="en-CA" sz="1800" i="1">
+                              <a:latin typeface="Cambria Math" panose="02040503050406030204" pitchFamily="18" charset="0"/>
+                            </a:rPr>
+                            <m:t>𝑝</m:t>
+                          </m:r>
+                        </m:e>
+                      </m:acc>
+                      <m:r>
+                        <a:rPr lang="en-CA" sz="1800" b="0" i="1" smtClean="0">
+                          <a:latin typeface="Cambria Math" panose="02040503050406030204" pitchFamily="18" charset="0"/>
+                        </a:rPr>
+                        <m:t>=</m:t>
+                      </m:r>
+                      <m:f>
+                        <m:fPr>
+                          <m:ctrlPr>
+                            <a:rPr lang="en-CA" sz="1800" b="0" i="1" smtClean="0">
+                              <a:latin typeface="Cambria Math" panose="02040503050406030204" pitchFamily="18" charset="0"/>
+                            </a:rPr>
+                          </m:ctrlPr>
+                        </m:fPr>
+                        <m:num>
+                          <m:func>
+                            <m:funcPr>
+                              <m:ctrlPr>
+                                <a:rPr lang="en-CA" sz="1800" b="0" i="1" smtClean="0">
+                                  <a:latin typeface="Cambria Math" panose="02040503050406030204" pitchFamily="18" charset="0"/>
+                                </a:rPr>
+                              </m:ctrlPr>
+                            </m:funcPr>
+                            <m:fName>
+                              <m:r>
+                                <m:rPr>
+                                  <m:sty m:val="p"/>
+                                </m:rPr>
+                                <a:rPr lang="en-CA" sz="1800" b="0" i="0" smtClean="0">
+                                  <a:latin typeface="Cambria Math" panose="02040503050406030204" pitchFamily="18" charset="0"/>
+                                </a:rPr>
+                                <m:t>ln</m:t>
+                              </m:r>
+                            </m:fName>
+                            <m:e>
+                              <m:d>
+                                <m:dPr>
+                                  <m:ctrlPr>
+                                    <a:rPr lang="en-CA" sz="1800" b="0" i="1" smtClean="0">
+                                      <a:latin typeface="Cambria Math" panose="02040503050406030204" pitchFamily="18" charset="0"/>
+                                    </a:rPr>
+                                  </m:ctrlPr>
+                                </m:dPr>
+                                <m:e>
+                                  <m:f>
+                                    <m:fPr>
+                                      <m:ctrlPr>
+                                        <a:rPr lang="en-CA" sz="1800" b="0" i="1" smtClean="0">
+                                          <a:latin typeface="Cambria Math" panose="02040503050406030204" pitchFamily="18" charset="0"/>
+                                        </a:rPr>
+                                      </m:ctrlPr>
+                                    </m:fPr>
+                                    <m:num>
+                                      <m:d>
+                                        <m:dPr>
+                                          <m:begChr m:val="‖"/>
+                                          <m:endChr m:val="‖"/>
+                                          <m:ctrlPr>
+                                            <a:rPr lang="en-CA" sz="1800" b="0" i="1" smtClean="0">
+                                              <a:latin typeface="Cambria Math" panose="02040503050406030204" pitchFamily="18" charset="0"/>
+                                            </a:rPr>
+                                          </m:ctrlPr>
+                                        </m:dPr>
+                                        <m:e>
+                                          <m:sSub>
+                                            <m:sSubPr>
+                                              <m:ctrlPr>
+                                                <a:rPr lang="en-CA" sz="1800" i="1">
+                                                  <a:latin typeface="Cambria Math" panose="02040503050406030204" pitchFamily="18" charset="0"/>
+                                                </a:rPr>
+                                              </m:ctrlPr>
+                                            </m:sSubPr>
+                                            <m:e>
+                                              <m:r>
+                                                <a:rPr lang="en-CA" sz="1800" i="1">
+                                                  <a:latin typeface="Cambria Math" panose="02040503050406030204" pitchFamily="18" charset="0"/>
+                                                </a:rPr>
+                                                <m:t>𝜖</m:t>
+                                              </m:r>
+                                            </m:e>
+                                            <m:sub>
+                                              <m:r>
+                                                <a:rPr lang="en-CA" sz="1800" i="1">
+                                                  <a:latin typeface="Cambria Math" panose="02040503050406030204" pitchFamily="18" charset="0"/>
+                                                </a:rPr>
+                                                <m:t>2</m:t>
+                                              </m:r>
+                                              <m:r>
+                                                <a:rPr lang="en-CA" sz="1800" i="1">
+                                                  <a:latin typeface="Cambria Math" panose="02040503050406030204" pitchFamily="18" charset="0"/>
+                                                </a:rPr>
+                                                <m:t>h</m:t>
+                                              </m:r>
+                                            </m:sub>
+                                          </m:sSub>
+                                        </m:e>
+                                      </m:d>
+                                    </m:num>
+                                    <m:den>
+                                      <m:d>
+                                        <m:dPr>
+                                          <m:begChr m:val="‖"/>
+                                          <m:endChr m:val="‖"/>
+                                          <m:ctrlPr>
+                                            <a:rPr lang="en-CA" sz="1800" i="1">
+                                              <a:latin typeface="Cambria Math" panose="02040503050406030204" pitchFamily="18" charset="0"/>
+                                            </a:rPr>
+                                          </m:ctrlPr>
+                                        </m:dPr>
+                                        <m:e>
+                                          <m:sSub>
+                                            <m:sSubPr>
+                                              <m:ctrlPr>
+                                                <a:rPr lang="en-CA" sz="1800" i="1">
+                                                  <a:latin typeface="Cambria Math" panose="02040503050406030204" pitchFamily="18" charset="0"/>
+                                                </a:rPr>
+                                              </m:ctrlPr>
+                                            </m:sSubPr>
+                                            <m:e>
+                                              <m:r>
+                                                <a:rPr lang="en-CA" sz="1800" i="1">
+                                                  <a:latin typeface="Cambria Math" panose="02040503050406030204" pitchFamily="18" charset="0"/>
+                                                </a:rPr>
+                                                <m:t>𝜖</m:t>
+                                              </m:r>
+                                            </m:e>
+                                            <m:sub>
+                                              <m:r>
+                                                <a:rPr lang="en-CA" sz="1800" i="1">
+                                                  <a:latin typeface="Cambria Math" panose="02040503050406030204" pitchFamily="18" charset="0"/>
+                                                </a:rPr>
+                                                <m:t>h</m:t>
+                                              </m:r>
+                                            </m:sub>
+                                          </m:sSub>
+                                        </m:e>
+                                      </m:d>
+                                    </m:den>
+                                  </m:f>
+                                </m:e>
+                              </m:d>
+                            </m:e>
+                          </m:func>
+                        </m:num>
+                        <m:den>
+                          <m:func>
+                            <m:funcPr>
+                              <m:ctrlPr>
+                                <a:rPr lang="en-CA" sz="1800" i="1">
+                                  <a:latin typeface="Cambria Math" panose="02040503050406030204" pitchFamily="18" charset="0"/>
+                                </a:rPr>
+                              </m:ctrlPr>
+                            </m:funcPr>
+                            <m:fName>
+                              <m:r>
+                                <m:rPr>
+                                  <m:sty m:val="p"/>
+                                </m:rPr>
+                                <a:rPr lang="en-CA" sz="1800">
+                                  <a:latin typeface="Cambria Math" panose="02040503050406030204" pitchFamily="18" charset="0"/>
+                                </a:rPr>
+                                <m:t>ln</m:t>
+                              </m:r>
+                            </m:fName>
+                            <m:e>
+                              <m:r>
+                                <a:rPr lang="en-CA" sz="1800" b="0" i="1" smtClean="0">
+                                  <a:latin typeface="Cambria Math" panose="02040503050406030204" pitchFamily="18" charset="0"/>
+                                </a:rPr>
+                                <m:t>(2)</m:t>
+                              </m:r>
+                            </m:e>
+                          </m:func>
+                        </m:den>
+                      </m:f>
+                      <m:r>
+                        <a:rPr lang="en-CA" sz="1800" b="0" i="1" smtClean="0">
+                          <a:latin typeface="Cambria Math" panose="02040503050406030204" pitchFamily="18" charset="0"/>
+                        </a:rPr>
+                        <m:t>≅0.9994≅1</m:t>
+                      </m:r>
+                    </m:oMath>
+                  </m:oMathPara>
+                </a14:m>
+                <a:endParaRPr lang="en-CA" sz="1800" b="0" dirty="0"/>
+              </a:p>
+              <a:p>
+                <a:pPr marL="0" indent="0" algn="just">
+                  <a:buNone/>
+                </a:pPr>
+                <a:endParaRPr lang="fr-FR" sz="1800" dirty="0"/>
+              </a:p>
+              <a:p>
+                <a:pPr marL="0" indent="0" algn="just">
+                  <a:buNone/>
+                </a:pPr>
+                <a:r>
+                  <a:rPr lang="fr-FR" sz="1800" dirty="0"/>
+                  <a:t>D’où l’équation (avec b=0):</a:t>
+                </a:r>
+              </a:p>
+              <a:p>
+                <a:pPr marL="0" indent="0" algn="just">
+                  <a:buNone/>
+                </a:pPr>
+                <a:endParaRPr lang="fr-FR" sz="1800" dirty="0"/>
+              </a:p>
+              <a:p>
+                <a:pPr marL="0" indent="0" algn="just">
+                  <a:buNone/>
+                </a:pPr>
+                <a14:m>
+                  <m:oMathPara xmlns:m="http://schemas.openxmlformats.org/officeDocument/2006/math">
+                    <m:oMathParaPr>
+                      <m:jc m:val="centerGroup"/>
+                    </m:oMathParaPr>
+                    <m:oMath xmlns:m="http://schemas.openxmlformats.org/officeDocument/2006/math">
+                      <m:func>
+                        <m:funcPr>
+                          <m:ctrlPr>
+                            <a:rPr lang="en-CA" sz="1800" b="0" i="1" smtClean="0">
+                              <a:latin typeface="Cambria Math" panose="02040503050406030204" pitchFamily="18" charset="0"/>
+                            </a:rPr>
+                          </m:ctrlPr>
+                        </m:funcPr>
+                        <m:fName>
+                          <m:r>
+                            <m:rPr>
+                              <m:sty m:val="p"/>
+                            </m:rPr>
+                            <a:rPr lang="en-CA" sz="1800" b="0" i="0" smtClean="0">
+                              <a:latin typeface="Cambria Math" panose="02040503050406030204" pitchFamily="18" charset="0"/>
+                            </a:rPr>
+                            <m:t>ln</m:t>
+                          </m:r>
+                        </m:fName>
+                        <m:e>
+                          <m:d>
+                            <m:dPr>
+                              <m:ctrlPr>
+                                <a:rPr lang="en-CA" sz="1800" b="0" i="1" smtClean="0">
+                                  <a:latin typeface="Cambria Math" panose="02040503050406030204" pitchFamily="18" charset="0"/>
+                                </a:rPr>
+                              </m:ctrlPr>
+                            </m:dPr>
+                            <m:e>
+                              <m:d>
+                                <m:dPr>
+                                  <m:begChr m:val="‖"/>
+                                  <m:endChr m:val="‖"/>
+                                  <m:ctrlPr>
+                                    <a:rPr lang="en-CA" sz="1800" i="1">
+                                      <a:latin typeface="Cambria Math" panose="02040503050406030204" pitchFamily="18" charset="0"/>
+                                    </a:rPr>
+                                  </m:ctrlPr>
+                                </m:dPr>
+                                <m:e>
+                                  <m:sSub>
+                                    <m:sSubPr>
+                                      <m:ctrlPr>
+                                        <a:rPr lang="en-CA" sz="1800" i="1">
+                                          <a:latin typeface="Cambria Math" panose="02040503050406030204" pitchFamily="18" charset="0"/>
+                                        </a:rPr>
+                                      </m:ctrlPr>
+                                    </m:sSubPr>
+                                    <m:e>
+                                      <m:r>
+                                        <a:rPr lang="en-CA" sz="1800" i="1">
+                                          <a:latin typeface="Cambria Math" panose="02040503050406030204" pitchFamily="18" charset="0"/>
+                                        </a:rPr>
+                                        <m:t>𝜖</m:t>
+                                      </m:r>
+                                    </m:e>
+                                    <m:sub>
+                                      <m:r>
+                                        <a:rPr lang="en-CA" sz="1800" i="1">
+                                          <a:latin typeface="Cambria Math" panose="02040503050406030204" pitchFamily="18" charset="0"/>
+                                        </a:rPr>
+                                        <m:t>h</m:t>
+                                      </m:r>
+                                    </m:sub>
+                                  </m:sSub>
+                                </m:e>
+                              </m:d>
+                            </m:e>
+                          </m:d>
+                          <m:r>
+                            <a:rPr lang="en-CA" sz="1800" b="0" i="1" smtClean="0">
+                              <a:latin typeface="Cambria Math" panose="02040503050406030204" pitchFamily="18" charset="0"/>
+                            </a:rPr>
+                            <m:t>=</m:t>
+                          </m:r>
+                        </m:e>
+                      </m:func>
+                      <m:acc>
+                        <m:accPr>
+                          <m:chr m:val="̂"/>
+                          <m:ctrlPr>
+                            <a:rPr lang="en-CA" sz="1800" i="1">
+                              <a:latin typeface="Cambria Math" panose="02040503050406030204" pitchFamily="18" charset="0"/>
+                            </a:rPr>
+                          </m:ctrlPr>
+                        </m:accPr>
+                        <m:e>
+                          <m:r>
+                            <a:rPr lang="en-CA" sz="1800" i="1">
+                              <a:latin typeface="Cambria Math" panose="02040503050406030204" pitchFamily="18" charset="0"/>
+                            </a:rPr>
+                            <m:t>𝑝</m:t>
+                          </m:r>
+                        </m:e>
+                      </m:acc>
+                      <m:r>
+                        <a:rPr lang="en-CA" sz="1800" b="0" i="0" smtClean="0">
+                          <a:latin typeface="Cambria Math" panose="02040503050406030204" pitchFamily="18" charset="0"/>
+                        </a:rPr>
+                        <m:t>.</m:t>
+                      </m:r>
+                      <m:r>
+                        <m:rPr>
+                          <m:sty m:val="p"/>
+                        </m:rPr>
+                        <a:rPr lang="en-CA" sz="1800" b="0" i="0" smtClean="0">
+                          <a:latin typeface="Cambria Math" panose="02040503050406030204" pitchFamily="18" charset="0"/>
+                        </a:rPr>
+                        <m:t>ln</m:t>
+                      </m:r>
+                      <m:d>
+                        <m:dPr>
+                          <m:ctrlPr>
+                            <a:rPr lang="en-CA" sz="1800" b="0" i="0" smtClean="0">
+                              <a:latin typeface="Cambria Math" panose="02040503050406030204" pitchFamily="18" charset="0"/>
+                            </a:rPr>
+                          </m:ctrlPr>
+                        </m:dPr>
+                        <m:e>
+                          <m:r>
+                            <m:rPr>
+                              <m:sty m:val="p"/>
+                            </m:rPr>
+                            <a:rPr lang="en-CA" sz="1800" b="0" i="0" smtClean="0">
+                              <a:latin typeface="Cambria Math" panose="02040503050406030204" pitchFamily="18" charset="0"/>
+                            </a:rPr>
+                            <m:t>h</m:t>
+                          </m:r>
+                        </m:e>
+                      </m:d>
+                      <m:r>
+                        <a:rPr lang="en-CA" sz="1800" b="0" i="0" smtClean="0">
+                          <a:latin typeface="Cambria Math" panose="02040503050406030204" pitchFamily="18" charset="0"/>
+                        </a:rPr>
+                        <m:t>+</m:t>
+                      </m:r>
+                      <m:r>
+                        <m:rPr>
+                          <m:sty m:val="p"/>
+                        </m:rPr>
+                        <a:rPr lang="en-CA" sz="1800" b="0" i="0" smtClean="0">
+                          <a:latin typeface="Cambria Math" panose="02040503050406030204" pitchFamily="18" charset="0"/>
+                        </a:rPr>
+                        <m:t>b</m:t>
+                      </m:r>
+                    </m:oMath>
+                  </m:oMathPara>
+                </a14:m>
+                <a:endParaRPr lang="fr-FR" sz="1800" dirty="0"/>
+              </a:p>
+              <a:p>
+                <a:pPr marL="0" indent="0" algn="just">
+                  <a:buNone/>
+                </a:pPr>
+                <a:endParaRPr lang="fr-FR" sz="1800" dirty="0"/>
+              </a:p>
+              <a:p>
+                <a:pPr marL="0" indent="0" algn="just">
+                  <a:buNone/>
+                </a:pPr>
+                <a:r>
+                  <a:rPr lang="fr-FR" sz="1800" dirty="0"/>
+                  <a:t>Ainsi l’ordre de précision formel (question B-c) est presqu’égal à l’ordre de précision observé </a:t>
+                </a:r>
+                <a14:m>
+                  <m:oMath xmlns:m="http://schemas.openxmlformats.org/officeDocument/2006/math">
+                    <m:acc>
+                      <m:accPr>
+                        <m:chr m:val="̂"/>
+                        <m:ctrlPr>
+                          <a:rPr lang="en-CA" sz="1800" b="0" i="1" smtClean="0">
+                            <a:latin typeface="Cambria Math" panose="02040503050406030204" pitchFamily="18" charset="0"/>
+                          </a:rPr>
+                        </m:ctrlPr>
+                      </m:accPr>
+                      <m:e>
+                        <m:r>
+                          <a:rPr lang="en-CA" sz="1800" b="0" i="1" smtClean="0">
+                            <a:latin typeface="Cambria Math" panose="02040503050406030204" pitchFamily="18" charset="0"/>
+                          </a:rPr>
+                          <m:t>𝑝</m:t>
+                        </m:r>
+                      </m:e>
+                    </m:acc>
+                    <m:r>
+                      <a:rPr lang="en-CA" sz="1800" b="0" i="1" smtClean="0">
+                        <a:latin typeface="Cambria Math" panose="02040503050406030204" pitchFamily="18" charset="0"/>
+                      </a:rPr>
+                      <m:t>.</m:t>
+                    </m:r>
+                  </m:oMath>
+                </a14:m>
+                <a:endParaRPr lang="fr-FR" sz="1800" dirty="0"/>
+              </a:p>
+              <a:p>
+                <a:pPr marL="0" indent="0" algn="just">
+                  <a:buNone/>
+                </a:pPr>
+                <a:endParaRPr lang="en-CA" sz="1800" dirty="0"/>
+              </a:p>
+            </p:txBody>
+          </p:sp>
+        </mc:Choice>
+        <mc:Fallback>
+          <p:sp>
+            <p:nvSpPr>
+              <p:cNvPr id="6" name="Content Placeholder 2">
+                <a:extLst>
+                  <a:ext uri="{FF2B5EF4-FFF2-40B4-BE49-F238E27FC236}">
+                    <a16:creationId xmlns:a16="http://schemas.microsoft.com/office/drawing/2014/main" id="{67B85450-2852-301A-1D61-D2CC7534B14B}"/>
+                  </a:ext>
+                </a:extLst>
+              </p:cNvPr>
+              <p:cNvSpPr txBox="1">
+                <a:spLocks noRot="1" noChangeAspect="1" noMove="1" noResize="1" noEditPoints="1" noAdjustHandles="1" noChangeArrowheads="1" noChangeShapeType="1" noTextEdit="1"/>
+              </p:cNvSpPr>
+              <p:nvPr/>
+            </p:nvSpPr>
+            <p:spPr>
+              <a:xfrm>
+                <a:off x="7639664" y="1690688"/>
+                <a:ext cx="3714135" cy="4265975"/>
+              </a:xfrm>
+              <a:prstGeom prst="rect">
+                <a:avLst/>
+              </a:prstGeom>
+              <a:blipFill>
+                <a:blip r:embed="rId4"/>
+                <a:stretch>
+                  <a:fillRect l="-1314" t="-1714" r="-1478"/>
+                </a:stretch>
+              </a:blipFill>
+            </p:spPr>
+            <p:txBody>
+              <a:bodyPr/>
+              <a:lstStyle/>
+              <a:p>
+                <a:r>
+                  <a:rPr lang="en-CA">
+                    <a:noFill/>
+                  </a:rPr>
+                  <a:t> </a:t>
+                </a:r>
+              </a:p>
+            </p:txBody>
+          </p:sp>
+        </mc:Fallback>
+      </mc:AlternateContent>
+      <p:sp>
+        <p:nvSpPr>
+          <p:cNvPr id="7" name="Title 1">
+            <a:extLst>
+              <a:ext uri="{FF2B5EF4-FFF2-40B4-BE49-F238E27FC236}">
+                <a16:creationId xmlns:a16="http://schemas.microsoft.com/office/drawing/2014/main" id="{EC629024-A92A-7073-A568-0DDF11F3731E}"/>
+              </a:ext>
+            </a:extLst>
+          </p:cNvPr>
+          <p:cNvSpPr>
+            <a:spLocks noGrp="1"/>
+          </p:cNvSpPr>
+          <p:nvPr>
+            <p:ph type="title"/>
+          </p:nvPr>
+        </p:nvSpPr>
+        <p:spPr>
+          <a:xfrm>
+            <a:off x="838200" y="365125"/>
+            <a:ext cx="10515600" cy="1325563"/>
           </a:xfrm>
         </p:spPr>
-      </p:pic>
+        <p:txBody>
+          <a:bodyPr>
+            <a:normAutofit/>
+          </a:bodyPr>
+          <a:lstStyle/>
+          <a:p>
+            <a:r>
+              <a:rPr lang="en-US" sz="3600" dirty="0"/>
+              <a:t>E-b) </a:t>
+            </a:r>
+            <a:r>
+              <a:rPr lang="en-US" sz="3600" dirty="0" err="1"/>
+              <a:t>Vérification</a:t>
+            </a:r>
+            <a:r>
+              <a:rPr lang="en-US" sz="3600" dirty="0"/>
+              <a:t> avec </a:t>
+            </a:r>
+            <a:r>
+              <a:rPr lang="en-US" sz="3600" dirty="0" err="1"/>
+              <a:t>l’étude</a:t>
+            </a:r>
+            <a:r>
+              <a:rPr lang="en-US" sz="3600" dirty="0"/>
+              <a:t> de convergence</a:t>
+            </a:r>
+            <a:endParaRPr lang="en-CA" sz="3600" dirty="0"/>
+          </a:p>
+        </p:txBody>
+      </p:sp>
     </p:spTree>
     <p:extLst>
       <p:ext uri="{BB962C8B-B14F-4D97-AF65-F5344CB8AC3E}">
@@ -8515,137 +8863,7 @@
 </p:sld>
 </file>
 
-<file path=ppt/slides/slide16.xml><?xml version="1.0" encoding="utf-8"?>
-<p:sld xmlns:a="http://schemas.openxmlformats.org/drawingml/2006/main" xmlns:r="http://schemas.openxmlformats.org/officeDocument/2006/relationships" xmlns:p="http://schemas.openxmlformats.org/presentationml/2006/main">
-  <p:cSld>
-    <p:spTree>
-      <p:nvGrpSpPr>
-        <p:cNvPr id="1" name=""/>
-        <p:cNvGrpSpPr/>
-        <p:nvPr/>
-      </p:nvGrpSpPr>
-      <p:grpSpPr>
-        <a:xfrm>
-          <a:off x="0" y="0"/>
-          <a:ext cx="0" cy="0"/>
-          <a:chOff x="0" y="0"/>
-          <a:chExt cx="0" cy="0"/>
-        </a:xfrm>
-      </p:grpSpPr>
-      <p:pic>
-        <p:nvPicPr>
-          <p:cNvPr id="5" name="Espace réservé du contenu 4" descr="Une image contenant texte, capture d’écran, ligne, Police&#10;&#10;Description générée automatiquement">
-            <a:extLst>
-              <a:ext uri="{FF2B5EF4-FFF2-40B4-BE49-F238E27FC236}">
-                <a16:creationId xmlns:a16="http://schemas.microsoft.com/office/drawing/2014/main" id="{4E01F67E-E309-D62C-424F-A2B5EE4111EC}"/>
-              </a:ext>
-            </a:extLst>
-          </p:cNvPr>
-          <p:cNvPicPr>
-            <a:picLocks noGrp="1" noChangeAspect="1"/>
-          </p:cNvPicPr>
-          <p:nvPr>
-            <p:ph idx="1"/>
-          </p:nvPr>
-        </p:nvPicPr>
-        <p:blipFill>
-          <a:blip r:embed="rId2">
-            <a:extLst>
-              <a:ext uri="{28A0092B-C50C-407E-A947-70E740481C1C}">
-                <a14:useLocalDpi xmlns:a14="http://schemas.microsoft.com/office/drawing/2010/main" val="0"/>
-              </a:ext>
-            </a:extLst>
-          </a:blip>
-          <a:stretch>
-            <a:fillRect/>
-          </a:stretch>
-        </p:blipFill>
-        <p:spPr>
-          <a:xfrm>
-            <a:off x="2521859" y="1046240"/>
-            <a:ext cx="7148281" cy="4765520"/>
-          </a:xfrm>
-        </p:spPr>
-      </p:pic>
-    </p:spTree>
-    <p:extLst>
-      <p:ext uri="{BB962C8B-B14F-4D97-AF65-F5344CB8AC3E}">
-        <p14:creationId xmlns:p14="http://schemas.microsoft.com/office/powerpoint/2010/main" val="2398622078"/>
-      </p:ext>
-    </p:extLst>
-  </p:cSld>
-  <p:clrMapOvr>
-    <a:masterClrMapping/>
-  </p:clrMapOvr>
-</p:sld>
-</file>
-
-<file path=ppt/slides/slide17.xml><?xml version="1.0" encoding="utf-8"?>
-<p:sld xmlns:a="http://schemas.openxmlformats.org/drawingml/2006/main" xmlns:r="http://schemas.openxmlformats.org/officeDocument/2006/relationships" xmlns:p="http://schemas.openxmlformats.org/presentationml/2006/main">
-  <p:cSld>
-    <p:spTree>
-      <p:nvGrpSpPr>
-        <p:cNvPr id="1" name=""/>
-        <p:cNvGrpSpPr/>
-        <p:nvPr/>
-      </p:nvGrpSpPr>
-      <p:grpSpPr>
-        <a:xfrm>
-          <a:off x="0" y="0"/>
-          <a:ext cx="0" cy="0"/>
-          <a:chOff x="0" y="0"/>
-          <a:chExt cx="0" cy="0"/>
-        </a:xfrm>
-      </p:grpSpPr>
-      <p:pic>
-        <p:nvPicPr>
-          <p:cNvPr id="5" name="Espace réservé du contenu 4" descr="Une image contenant texte, capture d’écran, ligne, Police&#10;&#10;Description générée automatiquement">
-            <a:extLst>
-              <a:ext uri="{FF2B5EF4-FFF2-40B4-BE49-F238E27FC236}">
-                <a16:creationId xmlns:a16="http://schemas.microsoft.com/office/drawing/2014/main" id="{9256B85A-79D8-1C35-47E0-31CC9452E090}"/>
-              </a:ext>
-            </a:extLst>
-          </p:cNvPr>
-          <p:cNvPicPr>
-            <a:picLocks noGrp="1" noChangeAspect="1"/>
-          </p:cNvPicPr>
-          <p:nvPr>
-            <p:ph idx="1"/>
-          </p:nvPr>
-        </p:nvPicPr>
-        <p:blipFill>
-          <a:blip r:embed="rId2">
-            <a:extLst>
-              <a:ext uri="{28A0092B-C50C-407E-A947-70E740481C1C}">
-                <a14:useLocalDpi xmlns:a14="http://schemas.microsoft.com/office/drawing/2010/main" val="0"/>
-              </a:ext>
-            </a:extLst>
-          </a:blip>
-          <a:stretch>
-            <a:fillRect/>
-          </a:stretch>
-        </p:blipFill>
-        <p:spPr>
-          <a:xfrm>
-            <a:off x="2388867" y="957578"/>
-            <a:ext cx="7414266" cy="4942844"/>
-          </a:xfrm>
-        </p:spPr>
-      </p:pic>
-    </p:spTree>
-    <p:extLst>
-      <p:ext uri="{BB962C8B-B14F-4D97-AF65-F5344CB8AC3E}">
-        <p14:creationId xmlns:p14="http://schemas.microsoft.com/office/powerpoint/2010/main" val="3815969556"/>
-      </p:ext>
-    </p:extLst>
-  </p:cSld>
-  <p:clrMapOvr>
-    <a:masterClrMapping/>
-  </p:clrMapOvr>
-</p:sld>
-</file>
-
-<file path=ppt/slides/slide18.xml><?xml version="1.0" encoding="utf-8"?>
+<file path=ppt/slides/slide15.xml><?xml version="1.0" encoding="utf-8"?>
 <p:sld xmlns:a="http://schemas.openxmlformats.org/drawingml/2006/main" xmlns:r="http://schemas.openxmlformats.org/officeDocument/2006/relationships" xmlns:p="http://schemas.openxmlformats.org/presentationml/2006/main">
   <p:cSld>
     <p:spTree>
@@ -8692,70 +8910,39 @@
           <a:lstStyle/>
           <a:p>
             <a:r>
-              <a:rPr lang="en-US" sz="4000" dirty="0"/>
+              <a:rPr lang="en-US" sz="3600" dirty="0"/>
               <a:t>F-a) Reprise avec </a:t>
             </a:r>
             <a:r>
-              <a:rPr lang="en-US" sz="4000" dirty="0" err="1"/>
+              <a:rPr lang="en-US" sz="3600" dirty="0" err="1"/>
               <a:t>schémas</a:t>
             </a:r>
             <a:r>
-              <a:rPr lang="en-US" sz="4000" dirty="0"/>
+              <a:rPr lang="en-US" sz="3600" dirty="0"/>
               <a:t> </a:t>
             </a:r>
             <a:r>
-              <a:rPr lang="en-US" sz="4000" dirty="0" err="1"/>
+              <a:rPr lang="en-US" sz="3600" dirty="0" err="1"/>
               <a:t>d’ordre</a:t>
             </a:r>
             <a:r>
-              <a:rPr lang="en-US" sz="4000" dirty="0"/>
+              <a:rPr lang="en-US" sz="3600" dirty="0"/>
               <a:t> 2 - </a:t>
             </a:r>
             <a:r>
-              <a:rPr lang="en-US" sz="4000" dirty="0" err="1"/>
+              <a:rPr lang="en-US" sz="3600" dirty="0" err="1"/>
               <a:t>vérification</a:t>
             </a:r>
-            <a:endParaRPr lang="en-CA" sz="4000" dirty="0"/>
-          </a:p>
-        </p:txBody>
-      </p:sp>
-      <p:sp>
-        <p:nvSpPr>
-          <p:cNvPr id="3" name="Content Placeholder 2">
-            <a:extLst>
-              <a:ext uri="{FF2B5EF4-FFF2-40B4-BE49-F238E27FC236}">
-                <a16:creationId xmlns:a16="http://schemas.microsoft.com/office/drawing/2014/main" id="{EF4481F0-0D98-CC04-2113-7B69D1ACA235}"/>
-              </a:ext>
-            </a:extLst>
-          </p:cNvPr>
-          <p:cNvSpPr>
-            <a:spLocks noGrp="1"/>
-          </p:cNvSpPr>
-          <p:nvPr>
-            <p:ph idx="1"/>
-          </p:nvPr>
-        </p:nvSpPr>
-        <p:spPr/>
-        <p:txBody>
-          <a:bodyPr>
-            <a:normAutofit/>
-          </a:bodyPr>
-          <a:lstStyle/>
-          <a:p>
-            <a:r>
-              <a:rPr lang="fr-FR" dirty="0"/>
-              <a:t>a. refaire les vérifications</a:t>
-            </a:r>
-            <a:endParaRPr lang="en-CA" dirty="0"/>
+            <a:endParaRPr lang="en-CA" sz="3600" dirty="0"/>
           </a:p>
         </p:txBody>
       </p:sp>
       <p:pic>
         <p:nvPicPr>
-          <p:cNvPr id="4" name="Image 3" descr="Une image contenant texte, ligne, diagramme, Tracé&#10;&#10;Description générée automatiquement">
+          <p:cNvPr id="6" name="Picture 5" descr="A graph with numbers and lines&#10;&#10;Description automatically generated">
             <a:extLst>
               <a:ext uri="{FF2B5EF4-FFF2-40B4-BE49-F238E27FC236}">
-                <a16:creationId xmlns:a16="http://schemas.microsoft.com/office/drawing/2014/main" id="{AF38EE74-2160-9C10-D71D-0573388C5779}"/>
+                <a16:creationId xmlns:a16="http://schemas.microsoft.com/office/drawing/2014/main" id="{C007ECF8-467D-5DC4-CC5D-57EF45FCC80B}"/>
               </a:ext>
             </a:extLst>
           </p:cNvPr>
@@ -8772,19 +8959,71 @@
               </a:ext>
             </a:extLst>
           </a:blip>
-          <a:srcRect t="3993" r="5486"/>
+          <a:srcRect r="6965"/>
           <a:stretch/>
         </p:blipFill>
         <p:spPr>
           <a:xfrm>
-            <a:off x="3101334" y="2800349"/>
-            <a:ext cx="5745485" cy="3890827"/>
+            <a:off x="307258" y="1274404"/>
+            <a:ext cx="7224252" cy="5176684"/>
           </a:xfrm>
           <a:prstGeom prst="rect">
             <a:avLst/>
           </a:prstGeom>
         </p:spPr>
       </p:pic>
+      <p:sp>
+        <p:nvSpPr>
+          <p:cNvPr id="7" name="Content Placeholder 2">
+            <a:extLst>
+              <a:ext uri="{FF2B5EF4-FFF2-40B4-BE49-F238E27FC236}">
+                <a16:creationId xmlns:a16="http://schemas.microsoft.com/office/drawing/2014/main" id="{71D63772-1890-177A-D242-F7236EBBDBC7}"/>
+              </a:ext>
+            </a:extLst>
+          </p:cNvPr>
+          <p:cNvSpPr>
+            <a:spLocks noGrp="1"/>
+          </p:cNvSpPr>
+          <p:nvPr>
+            <p:ph idx="1"/>
+          </p:nvPr>
+        </p:nvSpPr>
+        <p:spPr>
+          <a:xfrm>
+            <a:off x="7713133" y="1690688"/>
+            <a:ext cx="3640666" cy="4030844"/>
+          </a:xfrm>
+        </p:spPr>
+        <p:txBody>
+          <a:bodyPr>
+            <a:normAutofit/>
+          </a:bodyPr>
+          <a:lstStyle/>
+          <a:p>
+            <a:pPr marL="0" indent="0" algn="just">
+              <a:buNone/>
+            </a:pPr>
+            <a:r>
+              <a:rPr lang="fr-FR" sz="1800" dirty="0"/>
+              <a:t>On observe que le schéma d’ordre 2 converge avec un nombre très petit de nœuds. Dès N=12 la solution numérique est presque confondue avec la solution analytique.</a:t>
+            </a:r>
+          </a:p>
+          <a:p>
+            <a:pPr marL="0" indent="0" algn="just">
+              <a:buNone/>
+            </a:pPr>
+            <a:r>
+              <a:rPr lang="fr-FR" sz="1800" dirty="0"/>
+              <a:t>On observe aussi que les courbes se rejoignent non seulement à r=0.5m (condition de Dirichlet), mais aussi à r=0 (condition de Neumann), et ceci grâce au schéma centré choisi pour représenter la dérivée première.</a:t>
+            </a:r>
+            <a:endParaRPr lang="en-CA" sz="1800" dirty="0">
+              <a:highlight>
+                <a:srgbClr val="FFFF00"/>
+              </a:highlight>
+            </a:endParaRPr>
+          </a:p>
+        </p:txBody>
+      </p:sp>
     </p:spTree>
     <p:extLst>
       <p:ext uri="{BB962C8B-B14F-4D97-AF65-F5344CB8AC3E}">
@@ -8798,7 +9037,7 @@
 </p:sld>
 </file>
 
-<file path=ppt/slides/slide19.xml><?xml version="1.0" encoding="utf-8"?>
+<file path=ppt/slides/slide16.xml><?xml version="1.0" encoding="utf-8"?>
 <p:sld xmlns:a="http://schemas.openxmlformats.org/drawingml/2006/main" xmlns:r="http://schemas.openxmlformats.org/officeDocument/2006/relationships" xmlns:p="http://schemas.openxmlformats.org/presentationml/2006/main">
   <p:cSld>
     <p:spTree>
@@ -8817,10 +9056,10 @@
       </p:grpSpPr>
       <p:pic>
         <p:nvPicPr>
-          <p:cNvPr id="17" name="Espace réservé du contenu 16" descr="Une image contenant texte, capture d’écran, ligne, nombre&#10;&#10;Description générée automatiquement">
+          <p:cNvPr id="5" name="Content Placeholder 4" descr="A graph with blue dots and a line&#10;&#10;Description automatically generated">
             <a:extLst>
               <a:ext uri="{FF2B5EF4-FFF2-40B4-BE49-F238E27FC236}">
-                <a16:creationId xmlns:a16="http://schemas.microsoft.com/office/drawing/2014/main" id="{1919E274-B0D4-8C89-9C26-986B12AB23D0}"/>
+                <a16:creationId xmlns:a16="http://schemas.microsoft.com/office/drawing/2014/main" id="{9301346D-CE1A-7062-6470-EE3AD3E771E0}"/>
               </a:ext>
             </a:extLst>
           </p:cNvPr>
@@ -8831,7 +9070,7 @@
             <p:ph idx="1"/>
           </p:nvPr>
         </p:nvPicPr>
-        <p:blipFill>
+        <p:blipFill rotWithShape="1">
           <a:blip r:embed="rId2">
             <a:extLst>
               <a:ext uri="{28A0092B-C50C-407E-A947-70E740481C1C}">
@@ -8839,21 +9078,1394 @@
               </a:ext>
             </a:extLst>
           </a:blip>
-          <a:stretch>
-            <a:fillRect/>
-          </a:stretch>
+          <a:srcRect t="5714" r="8413" b="1904"/>
+          <a:stretch/>
         </p:blipFill>
         <p:spPr>
           <a:xfrm>
-            <a:off x="2137410" y="594360"/>
-            <a:ext cx="9068990" cy="6045993"/>
+            <a:off x="5836831" y="1358537"/>
+            <a:ext cx="5516969" cy="3709851"/>
           </a:xfrm>
         </p:spPr>
       </p:pic>
+      <p:pic>
+        <p:nvPicPr>
+          <p:cNvPr id="7" name="Picture 6" descr="A graph with lines and dots&#10;&#10;Description automatically generated with medium confidence">
+            <a:extLst>
+              <a:ext uri="{FF2B5EF4-FFF2-40B4-BE49-F238E27FC236}">
+                <a16:creationId xmlns:a16="http://schemas.microsoft.com/office/drawing/2014/main" id="{84DCCB87-A39B-D45E-7CD0-D1A894E3BB53}"/>
+              </a:ext>
+            </a:extLst>
+          </p:cNvPr>
+          <p:cNvPicPr>
+            <a:picLocks noChangeAspect="1"/>
+          </p:cNvPicPr>
+          <p:nvPr/>
+        </p:nvPicPr>
+        <p:blipFill rotWithShape="1">
+          <a:blip r:embed="rId3">
+            <a:extLst>
+              <a:ext uri="{28A0092B-C50C-407E-A947-70E740481C1C}">
+                <a14:useLocalDpi xmlns:a14="http://schemas.microsoft.com/office/drawing/2010/main" val="0"/>
+              </a:ext>
+            </a:extLst>
+          </a:blip>
+          <a:srcRect l="1469" t="5512" r="6944" b="2107"/>
+          <a:stretch/>
+        </p:blipFill>
+        <p:spPr>
+          <a:xfrm>
+            <a:off x="354698" y="1358537"/>
+            <a:ext cx="5516969" cy="3709851"/>
+          </a:xfrm>
+          <a:prstGeom prst="rect">
+            <a:avLst/>
+          </a:prstGeom>
+        </p:spPr>
+      </p:pic>
+      <p:sp>
+        <p:nvSpPr>
+          <p:cNvPr id="8" name="Title 1">
+            <a:extLst>
+              <a:ext uri="{FF2B5EF4-FFF2-40B4-BE49-F238E27FC236}">
+                <a16:creationId xmlns:a16="http://schemas.microsoft.com/office/drawing/2014/main" id="{6F9F99F7-4512-B22E-5B48-7A179F3AED06}"/>
+              </a:ext>
+            </a:extLst>
+          </p:cNvPr>
+          <p:cNvSpPr>
+            <a:spLocks noGrp="1"/>
+          </p:cNvSpPr>
+          <p:nvPr>
+            <p:ph type="title"/>
+          </p:nvPr>
+        </p:nvSpPr>
+        <p:spPr>
+          <a:xfrm>
+            <a:off x="838200" y="365125"/>
+            <a:ext cx="10515600" cy="1325563"/>
+          </a:xfrm>
+        </p:spPr>
+        <p:txBody>
+          <a:bodyPr>
+            <a:normAutofit/>
+          </a:bodyPr>
+          <a:lstStyle/>
+          <a:p>
+            <a:r>
+              <a:rPr lang="en-US" sz="3500" dirty="0"/>
+              <a:t>F-a) Reprise avec </a:t>
+            </a:r>
+            <a:r>
+              <a:rPr lang="en-US" sz="3500" dirty="0" err="1"/>
+              <a:t>schémas</a:t>
+            </a:r>
+            <a:r>
+              <a:rPr lang="en-US" sz="3500" dirty="0"/>
+              <a:t> </a:t>
+            </a:r>
+            <a:r>
+              <a:rPr lang="en-US" sz="3500" dirty="0" err="1"/>
+              <a:t>d’ordre</a:t>
+            </a:r>
+            <a:r>
+              <a:rPr lang="en-US" sz="3500" dirty="0"/>
+              <a:t> 2 – verification (suite)</a:t>
+            </a:r>
+            <a:endParaRPr lang="en-CA" sz="3500" dirty="0"/>
+          </a:p>
+        </p:txBody>
+      </p:sp>
+      <mc:AlternateContent xmlns:mc="http://schemas.openxmlformats.org/markup-compatibility/2006">
+        <mc:Choice xmlns:a14="http://schemas.microsoft.com/office/drawing/2010/main" Requires="a14">
+          <p:sp>
+            <p:nvSpPr>
+              <p:cNvPr id="9" name="Content Placeholder 2">
+                <a:extLst>
+                  <a:ext uri="{FF2B5EF4-FFF2-40B4-BE49-F238E27FC236}">
+                    <a16:creationId xmlns:a16="http://schemas.microsoft.com/office/drawing/2014/main" id="{115C19C9-3D6B-204F-9020-7758952EB54A}"/>
+                  </a:ext>
+                </a:extLst>
+              </p:cNvPr>
+              <p:cNvSpPr txBox="1">
+                <a:spLocks/>
+              </p:cNvSpPr>
+              <p:nvPr/>
+            </p:nvSpPr>
+            <p:spPr>
+              <a:xfrm>
+                <a:off x="679268" y="5129349"/>
+                <a:ext cx="10432869" cy="1201782"/>
+              </a:xfrm>
+              <a:prstGeom prst="rect">
+                <a:avLst/>
+              </a:prstGeom>
+            </p:spPr>
+            <p:txBody>
+              <a:bodyPr vert="horz" lIns="91440" tIns="45720" rIns="91440" bIns="45720" rtlCol="0">
+                <a:normAutofit/>
+              </a:bodyPr>
+              <a:lstStyle>
+                <a:lvl1pPr marL="228600" indent="-228600" algn="l" defTabSz="914400" rtl="0" eaLnBrk="1" latinLnBrk="0" hangingPunct="1">
+                  <a:lnSpc>
+                    <a:spcPct val="90000"/>
+                  </a:lnSpc>
+                  <a:spcBef>
+                    <a:spcPts val="1000"/>
+                  </a:spcBef>
+                  <a:buFont typeface="Arial" panose="020B0604020202020204" pitchFamily="34" charset="0"/>
+                  <a:buChar char="•"/>
+                  <a:defRPr sz="2800" kern="1200">
+                    <a:solidFill>
+                      <a:schemeClr val="tx1"/>
+                    </a:solidFill>
+                    <a:latin typeface="+mn-lt"/>
+                    <a:ea typeface="+mn-ea"/>
+                    <a:cs typeface="+mn-cs"/>
+                  </a:defRPr>
+                </a:lvl1pPr>
+                <a:lvl2pPr marL="685800" indent="-228600" algn="l" defTabSz="914400" rtl="0" eaLnBrk="1" latinLnBrk="0" hangingPunct="1">
+                  <a:lnSpc>
+                    <a:spcPct val="90000"/>
+                  </a:lnSpc>
+                  <a:spcBef>
+                    <a:spcPts val="500"/>
+                  </a:spcBef>
+                  <a:buFont typeface="Arial" panose="020B0604020202020204" pitchFamily="34" charset="0"/>
+                  <a:buChar char="•"/>
+                  <a:defRPr sz="2400" kern="1200">
+                    <a:solidFill>
+                      <a:schemeClr val="tx1"/>
+                    </a:solidFill>
+                    <a:latin typeface="+mn-lt"/>
+                    <a:ea typeface="+mn-ea"/>
+                    <a:cs typeface="+mn-cs"/>
+                  </a:defRPr>
+                </a:lvl2pPr>
+                <a:lvl3pPr marL="1143000" indent="-228600" algn="l" defTabSz="914400" rtl="0" eaLnBrk="1" latinLnBrk="0" hangingPunct="1">
+                  <a:lnSpc>
+                    <a:spcPct val="90000"/>
+                  </a:lnSpc>
+                  <a:spcBef>
+                    <a:spcPts val="500"/>
+                  </a:spcBef>
+                  <a:buFont typeface="Arial" panose="020B0604020202020204" pitchFamily="34" charset="0"/>
+                  <a:buChar char="•"/>
+                  <a:defRPr sz="2000" kern="1200">
+                    <a:solidFill>
+                      <a:schemeClr val="tx1"/>
+                    </a:solidFill>
+                    <a:latin typeface="+mn-lt"/>
+                    <a:ea typeface="+mn-ea"/>
+                    <a:cs typeface="+mn-cs"/>
+                  </a:defRPr>
+                </a:lvl3pPr>
+                <a:lvl4pPr marL="1600200" indent="-228600" algn="l" defTabSz="914400" rtl="0" eaLnBrk="1" latinLnBrk="0" hangingPunct="1">
+                  <a:lnSpc>
+                    <a:spcPct val="90000"/>
+                  </a:lnSpc>
+                  <a:spcBef>
+                    <a:spcPts val="500"/>
+                  </a:spcBef>
+                  <a:buFont typeface="Arial" panose="020B0604020202020204" pitchFamily="34" charset="0"/>
+                  <a:buChar char="•"/>
+                  <a:defRPr sz="1800" kern="1200">
+                    <a:solidFill>
+                      <a:schemeClr val="tx1"/>
+                    </a:solidFill>
+                    <a:latin typeface="+mn-lt"/>
+                    <a:ea typeface="+mn-ea"/>
+                    <a:cs typeface="+mn-cs"/>
+                  </a:defRPr>
+                </a:lvl4pPr>
+                <a:lvl5pPr marL="2057400" indent="-228600" algn="l" defTabSz="914400" rtl="0" eaLnBrk="1" latinLnBrk="0" hangingPunct="1">
+                  <a:lnSpc>
+                    <a:spcPct val="90000"/>
+                  </a:lnSpc>
+                  <a:spcBef>
+                    <a:spcPts val="500"/>
+                  </a:spcBef>
+                  <a:buFont typeface="Arial" panose="020B0604020202020204" pitchFamily="34" charset="0"/>
+                  <a:buChar char="•"/>
+                  <a:defRPr sz="1800" kern="1200">
+                    <a:solidFill>
+                      <a:schemeClr val="tx1"/>
+                    </a:solidFill>
+                    <a:latin typeface="+mn-lt"/>
+                    <a:ea typeface="+mn-ea"/>
+                    <a:cs typeface="+mn-cs"/>
+                  </a:defRPr>
+                </a:lvl5pPr>
+                <a:lvl6pPr marL="2514600" indent="-228600" algn="l" defTabSz="914400" rtl="0" eaLnBrk="1" latinLnBrk="0" hangingPunct="1">
+                  <a:lnSpc>
+                    <a:spcPct val="90000"/>
+                  </a:lnSpc>
+                  <a:spcBef>
+                    <a:spcPts val="500"/>
+                  </a:spcBef>
+                  <a:buFont typeface="Arial" panose="020B0604020202020204" pitchFamily="34" charset="0"/>
+                  <a:buChar char="•"/>
+                  <a:defRPr sz="1800" kern="1200">
+                    <a:solidFill>
+                      <a:schemeClr val="tx1"/>
+                    </a:solidFill>
+                    <a:latin typeface="+mn-lt"/>
+                    <a:ea typeface="+mn-ea"/>
+                    <a:cs typeface="+mn-cs"/>
+                  </a:defRPr>
+                </a:lvl6pPr>
+                <a:lvl7pPr marL="2971800" indent="-228600" algn="l" defTabSz="914400" rtl="0" eaLnBrk="1" latinLnBrk="0" hangingPunct="1">
+                  <a:lnSpc>
+                    <a:spcPct val="90000"/>
+                  </a:lnSpc>
+                  <a:spcBef>
+                    <a:spcPts val="500"/>
+                  </a:spcBef>
+                  <a:buFont typeface="Arial" panose="020B0604020202020204" pitchFamily="34" charset="0"/>
+                  <a:buChar char="•"/>
+                  <a:defRPr sz="1800" kern="1200">
+                    <a:solidFill>
+                      <a:schemeClr val="tx1"/>
+                    </a:solidFill>
+                    <a:latin typeface="+mn-lt"/>
+                    <a:ea typeface="+mn-ea"/>
+                    <a:cs typeface="+mn-cs"/>
+                  </a:defRPr>
+                </a:lvl7pPr>
+                <a:lvl8pPr marL="3429000" indent="-228600" algn="l" defTabSz="914400" rtl="0" eaLnBrk="1" latinLnBrk="0" hangingPunct="1">
+                  <a:lnSpc>
+                    <a:spcPct val="90000"/>
+                  </a:lnSpc>
+                  <a:spcBef>
+                    <a:spcPts val="500"/>
+                  </a:spcBef>
+                  <a:buFont typeface="Arial" panose="020B0604020202020204" pitchFamily="34" charset="0"/>
+                  <a:buChar char="•"/>
+                  <a:defRPr sz="1800" kern="1200">
+                    <a:solidFill>
+                      <a:schemeClr val="tx1"/>
+                    </a:solidFill>
+                    <a:latin typeface="+mn-lt"/>
+                    <a:ea typeface="+mn-ea"/>
+                    <a:cs typeface="+mn-cs"/>
+                  </a:defRPr>
+                </a:lvl8pPr>
+                <a:lvl9pPr marL="3886200" indent="-228600" algn="l" defTabSz="914400" rtl="0" eaLnBrk="1" latinLnBrk="0" hangingPunct="1">
+                  <a:lnSpc>
+                    <a:spcPct val="90000"/>
+                  </a:lnSpc>
+                  <a:spcBef>
+                    <a:spcPts val="500"/>
+                  </a:spcBef>
+                  <a:buFont typeface="Arial" panose="020B0604020202020204" pitchFamily="34" charset="0"/>
+                  <a:buChar char="•"/>
+                  <a:defRPr sz="1800" kern="1200">
+                    <a:solidFill>
+                      <a:schemeClr val="tx1"/>
+                    </a:solidFill>
+                    <a:latin typeface="+mn-lt"/>
+                    <a:ea typeface="+mn-ea"/>
+                    <a:cs typeface="+mn-cs"/>
+                  </a:defRPr>
+                </a:lvl9pPr>
+              </a:lstStyle>
+              <a:p>
+                <a:pPr marL="0" indent="0" algn="just">
+                  <a:buNone/>
+                </a:pPr>
+                <a:r>
+                  <a:rPr lang="fr-FR" sz="1800" dirty="0"/>
+                  <a:t>En tentant la vérification par calcul des normes d’erreur</a:t>
+                </a:r>
+                <a:r>
+                  <a:rPr lang="en-CA" sz="1800" dirty="0"/>
+                  <a:t> pour le </a:t>
+                </a:r>
+                <a:r>
+                  <a:rPr lang="en-CA" sz="1800" dirty="0" err="1"/>
+                  <a:t>schéma</a:t>
+                </a:r>
+                <a:r>
+                  <a:rPr lang="en-CA" sz="1800" dirty="0"/>
+                  <a:t> </a:t>
+                </a:r>
+                <a:r>
+                  <a:rPr lang="en-CA" sz="1800" dirty="0" err="1"/>
+                  <a:t>d’ordre</a:t>
+                </a:r>
+                <a:r>
+                  <a:rPr lang="en-CA" sz="1800" dirty="0"/>
+                  <a:t> 2, on observe que </a:t>
+                </a:r>
+                <a:r>
+                  <a:rPr lang="en-CA" sz="1800" dirty="0" err="1"/>
+                  <a:t>l’erreur</a:t>
+                </a:r>
+                <a:r>
+                  <a:rPr lang="en-CA" sz="1800" dirty="0"/>
+                  <a:t> descend </a:t>
+                </a:r>
+                <a:r>
+                  <a:rPr lang="en-CA" sz="1800" dirty="0" err="1"/>
+                  <a:t>rapidement</a:t>
+                </a:r>
+                <a:r>
+                  <a:rPr lang="en-CA" sz="1800" dirty="0"/>
+                  <a:t> à des </a:t>
+                </a:r>
+                <a:r>
+                  <a:rPr lang="en-CA" sz="1800" dirty="0" err="1"/>
+                  <a:t>valeurs</a:t>
+                </a:r>
+                <a:r>
+                  <a:rPr lang="en-CA" sz="1800" dirty="0"/>
+                  <a:t> de </a:t>
+                </a:r>
+                <a:r>
+                  <a:rPr lang="en-CA" sz="1800" dirty="0" err="1"/>
+                  <a:t>l’ordre</a:t>
+                </a:r>
+                <a:r>
+                  <a:rPr lang="en-CA" sz="1800" dirty="0"/>
+                  <a:t> de </a:t>
+                </a:r>
+                <a:r>
+                  <a:rPr lang="en-CA" sz="1800" dirty="0" err="1"/>
+                  <a:t>l’erreur</a:t>
+                </a:r>
+                <a:r>
+                  <a:rPr lang="en-CA" sz="1800" dirty="0"/>
+                  <a:t> machine (</a:t>
+                </a:r>
+                <a14:m>
+                  <m:oMath xmlns:m="http://schemas.openxmlformats.org/officeDocument/2006/math">
+                    <m:sSup>
+                      <m:sSupPr>
+                        <m:ctrlPr>
+                          <a:rPr lang="en-US" sz="1800" b="0" i="1" dirty="0" smtClean="0">
+                            <a:latin typeface="Cambria Math" panose="02040503050406030204" pitchFamily="18" charset="0"/>
+                          </a:rPr>
+                        </m:ctrlPr>
+                      </m:sSupPr>
+                      <m:e>
+                        <m:r>
+                          <a:rPr lang="en-US" sz="1800" b="0" i="1" dirty="0" smtClean="0">
+                            <a:latin typeface="Cambria Math" panose="02040503050406030204" pitchFamily="18" charset="0"/>
+                          </a:rPr>
+                          <m:t>10</m:t>
+                        </m:r>
+                      </m:e>
+                      <m:sup>
+                        <m:r>
+                          <a:rPr lang="en-US" sz="1800" b="0" i="1" dirty="0" smtClean="0">
+                            <a:latin typeface="Cambria Math" panose="02040503050406030204" pitchFamily="18" charset="0"/>
+                          </a:rPr>
+                          <m:t>−14</m:t>
+                        </m:r>
+                      </m:sup>
+                    </m:sSup>
+                    <m:r>
+                      <a:rPr lang="en-US" sz="1800" b="0" i="1" dirty="0" smtClean="0">
+                        <a:latin typeface="Cambria Math" panose="02040503050406030204" pitchFamily="18" charset="0"/>
+                      </a:rPr>
+                      <m:t>)</m:t>
+                    </m:r>
+                  </m:oMath>
+                </a14:m>
+                <a:r>
+                  <a:rPr lang="en-CA" sz="1800" dirty="0"/>
+                  <a:t>, </a:t>
+                </a:r>
+                <a:r>
+                  <a:rPr lang="en-CA" sz="1800" dirty="0" err="1"/>
+                  <a:t>ce</a:t>
+                </a:r>
+                <a:r>
+                  <a:rPr lang="en-CA" sz="1800" dirty="0"/>
+                  <a:t> qui </a:t>
+                </a:r>
+                <a:r>
+                  <a:rPr lang="en-CA" sz="1800" dirty="0" err="1"/>
+                  <a:t>explique</a:t>
+                </a:r>
+                <a:r>
+                  <a:rPr lang="en-CA" sz="1800" dirty="0"/>
+                  <a:t> le  </a:t>
+                </a:r>
+                <a:r>
+                  <a:rPr lang="en-CA" sz="1800" dirty="0" err="1"/>
+                  <a:t>comportement</a:t>
+                </a:r>
+                <a:r>
+                  <a:rPr lang="en-CA" sz="1800" dirty="0"/>
+                  <a:t> </a:t>
+                </a:r>
+                <a:r>
+                  <a:rPr lang="en-CA" sz="1800" dirty="0" err="1"/>
+                  <a:t>erratique</a:t>
+                </a:r>
+                <a:r>
+                  <a:rPr lang="en-CA" sz="1800" dirty="0"/>
+                  <a:t> des </a:t>
+                </a:r>
+                <a:r>
+                  <a:rPr lang="en-CA" sz="1800" dirty="0" err="1"/>
+                  <a:t>graphes</a:t>
+                </a:r>
+                <a:r>
+                  <a:rPr lang="en-CA" sz="1800" dirty="0"/>
+                  <a:t> ci-dessus (</a:t>
+                </a:r>
+                <a:r>
+                  <a:rPr lang="en-CA" sz="1800" dirty="0" err="1"/>
+                  <a:t>voir</a:t>
+                </a:r>
+                <a:r>
+                  <a:rPr lang="en-CA" sz="1800" dirty="0"/>
+                  <a:t> explication à la question F-c). A noter que le </a:t>
+                </a:r>
+                <a:r>
+                  <a:rPr lang="en-CA" sz="1800" dirty="0" err="1"/>
+                  <a:t>schéma</a:t>
+                </a:r>
+                <a:r>
+                  <a:rPr lang="en-CA" sz="1800" dirty="0"/>
+                  <a:t> </a:t>
+                </a:r>
+                <a:r>
+                  <a:rPr lang="en-CA" sz="1800" dirty="0" err="1"/>
+                  <a:t>d’ordre</a:t>
+                </a:r>
+                <a:r>
+                  <a:rPr lang="en-CA" sz="1800" dirty="0"/>
+                  <a:t> 2 passe </a:t>
+                </a:r>
+                <a:r>
+                  <a:rPr lang="en-CA" sz="1800" dirty="0" err="1"/>
+                  <a:t>aussi</a:t>
+                </a:r>
+                <a:r>
+                  <a:rPr lang="en-CA" sz="1800" dirty="0"/>
+                  <a:t> les tests </a:t>
+                </a:r>
+                <a:r>
+                  <a:rPr lang="en-CA" sz="1800" dirty="0" err="1"/>
+                  <a:t>unitaires</a:t>
+                </a:r>
+                <a:r>
+                  <a:rPr lang="en-CA" sz="1800" dirty="0"/>
+                  <a:t>.</a:t>
+                </a:r>
+              </a:p>
+            </p:txBody>
+          </p:sp>
+        </mc:Choice>
+        <mc:Fallback>
+          <p:sp>
+            <p:nvSpPr>
+              <p:cNvPr id="9" name="Content Placeholder 2">
+                <a:extLst>
+                  <a:ext uri="{FF2B5EF4-FFF2-40B4-BE49-F238E27FC236}">
+                    <a16:creationId xmlns:a16="http://schemas.microsoft.com/office/drawing/2014/main" id="{115C19C9-3D6B-204F-9020-7758952EB54A}"/>
+                  </a:ext>
+                </a:extLst>
+              </p:cNvPr>
+              <p:cNvSpPr txBox="1">
+                <a:spLocks noRot="1" noChangeAspect="1" noMove="1" noResize="1" noEditPoints="1" noAdjustHandles="1" noChangeArrowheads="1" noChangeShapeType="1" noTextEdit="1"/>
+              </p:cNvSpPr>
+              <p:nvPr/>
+            </p:nvSpPr>
+            <p:spPr>
+              <a:xfrm>
+                <a:off x="679268" y="5129349"/>
+                <a:ext cx="10432869" cy="1201782"/>
+              </a:xfrm>
+              <a:prstGeom prst="rect">
+                <a:avLst/>
+              </a:prstGeom>
+              <a:blipFill>
+                <a:blip r:embed="rId4"/>
+                <a:stretch>
+                  <a:fillRect l="-467" t="-4545" r="-467"/>
+                </a:stretch>
+              </a:blipFill>
+            </p:spPr>
+            <p:txBody>
+              <a:bodyPr/>
+              <a:lstStyle/>
+              <a:p>
+                <a:r>
+                  <a:rPr lang="en-CA">
+                    <a:noFill/>
+                  </a:rPr>
+                  <a:t> </a:t>
+                </a:r>
+              </a:p>
+            </p:txBody>
+          </p:sp>
+        </mc:Fallback>
+      </mc:AlternateContent>
     </p:spTree>
     <p:extLst>
       <p:ext uri="{BB962C8B-B14F-4D97-AF65-F5344CB8AC3E}">
         <p14:creationId xmlns:p14="http://schemas.microsoft.com/office/powerpoint/2010/main" val="4096237354"/>
+      </p:ext>
+    </p:extLst>
+  </p:cSld>
+  <p:clrMapOvr>
+    <a:masterClrMapping/>
+  </p:clrMapOvr>
+</p:sld>
+</file>
+
+<file path=ppt/slides/slide17.xml><?xml version="1.0" encoding="utf-8"?>
+<p:sld xmlns:a="http://schemas.openxmlformats.org/drawingml/2006/main" xmlns:r="http://schemas.openxmlformats.org/officeDocument/2006/relationships" xmlns:p="http://schemas.openxmlformats.org/presentationml/2006/main">
+  <p:cSld>
+    <p:spTree>
+      <p:nvGrpSpPr>
+        <p:cNvPr id="1" name="">
+          <a:extLst>
+            <a:ext uri="{FF2B5EF4-FFF2-40B4-BE49-F238E27FC236}">
+              <a16:creationId xmlns:a16="http://schemas.microsoft.com/office/drawing/2014/main" id="{44564F1C-57DC-EAEA-CF3E-47F854D4475D}"/>
+            </a:ext>
+          </a:extLst>
+        </p:cNvPr>
+        <p:cNvGrpSpPr/>
+        <p:nvPr/>
+      </p:nvGrpSpPr>
+      <p:grpSpPr>
+        <a:xfrm>
+          <a:off x="0" y="0"/>
+          <a:ext cx="0" cy="0"/>
+          <a:chOff x="0" y="0"/>
+          <a:chExt cx="0" cy="0"/>
+        </a:xfrm>
+      </p:grpSpPr>
+      <p:sp>
+        <p:nvSpPr>
+          <p:cNvPr id="2" name="Title 1">
+            <a:extLst>
+              <a:ext uri="{FF2B5EF4-FFF2-40B4-BE49-F238E27FC236}">
+                <a16:creationId xmlns:a16="http://schemas.microsoft.com/office/drawing/2014/main" id="{E0EE2BA8-0946-602E-EB84-4324B372F7E6}"/>
+              </a:ext>
+            </a:extLst>
+          </p:cNvPr>
+          <p:cNvSpPr>
+            <a:spLocks noGrp="1"/>
+          </p:cNvSpPr>
+          <p:nvPr>
+            <p:ph type="title"/>
+          </p:nvPr>
+        </p:nvSpPr>
+        <p:spPr/>
+        <p:txBody>
+          <a:bodyPr>
+            <a:normAutofit/>
+          </a:bodyPr>
+          <a:lstStyle/>
+          <a:p>
+            <a:r>
+              <a:rPr lang="en-US" sz="3600" dirty="0"/>
+              <a:t>F-b) </a:t>
+            </a:r>
+            <a:r>
+              <a:rPr lang="en-US" sz="3600" dirty="0" err="1"/>
+              <a:t>Comparaison</a:t>
+            </a:r>
+            <a:r>
+              <a:rPr lang="en-US" sz="3600" dirty="0"/>
+              <a:t> des </a:t>
+            </a:r>
+            <a:r>
+              <a:rPr lang="en-US" sz="3600" dirty="0" err="1"/>
+              <a:t>profils</a:t>
+            </a:r>
+            <a:r>
+              <a:rPr lang="en-US" sz="3600" dirty="0"/>
+              <a:t> de concentration</a:t>
+            </a:r>
+            <a:endParaRPr lang="en-CA" sz="3600" dirty="0"/>
+          </a:p>
+        </p:txBody>
+      </p:sp>
+      <p:graphicFrame>
+        <p:nvGraphicFramePr>
+          <p:cNvPr id="10" name="Table 9">
+            <a:extLst>
+              <a:ext uri="{FF2B5EF4-FFF2-40B4-BE49-F238E27FC236}">
+                <a16:creationId xmlns:a16="http://schemas.microsoft.com/office/drawing/2014/main" id="{AB6BA399-A3CA-DBFB-E3A9-006FB746BCDC}"/>
+              </a:ext>
+            </a:extLst>
+          </p:cNvPr>
+          <p:cNvGraphicFramePr>
+            <a:graphicFrameLocks noGrp="1"/>
+          </p:cNvGraphicFramePr>
+          <p:nvPr>
+            <p:extLst>
+              <p:ext uri="{D42A27DB-BD31-4B8C-83A1-F6EECF244321}">
+                <p14:modId xmlns:p14="http://schemas.microsoft.com/office/powerpoint/2010/main" val="3828470228"/>
+              </p:ext>
+            </p:extLst>
+          </p:nvPr>
+        </p:nvGraphicFramePr>
+        <p:xfrm>
+          <a:off x="364067" y="1523999"/>
+          <a:ext cx="11201400" cy="4257867"/>
+        </p:xfrm>
+        <a:graphic>
+          <a:graphicData uri="http://schemas.openxmlformats.org/drawingml/2006/table">
+            <a:tbl>
+              <a:tblPr firstRow="1" bandRow="1">
+                <a:tableStyleId>{2D5ABB26-0587-4C30-8999-92F81FD0307C}</a:tableStyleId>
+              </a:tblPr>
+              <a:tblGrid>
+                <a:gridCol w="5600700">
+                  <a:extLst>
+                    <a:ext uri="{9D8B030D-6E8A-4147-A177-3AD203B41FA5}">
+                      <a16:colId xmlns:a16="http://schemas.microsoft.com/office/drawing/2014/main" val="2489684144"/>
+                    </a:ext>
+                  </a:extLst>
+                </a:gridCol>
+                <a:gridCol w="5600700">
+                  <a:extLst>
+                    <a:ext uri="{9D8B030D-6E8A-4147-A177-3AD203B41FA5}">
+                      <a16:colId xmlns:a16="http://schemas.microsoft.com/office/drawing/2014/main" val="1560203193"/>
+                    </a:ext>
+                  </a:extLst>
+                </a:gridCol>
+              </a:tblGrid>
+              <a:tr h="4257867">
+                <a:tc>
+                  <a:txBody>
+                    <a:bodyPr/>
+                    <a:lstStyle/>
+                    <a:p>
+                      <a:r>
+                        <a:rPr lang="en-US" b="1" dirty="0" err="1"/>
+                        <a:t>Schéma</a:t>
+                      </a:r>
+                      <a:r>
+                        <a:rPr lang="en-US" b="1" dirty="0"/>
+                        <a:t> </a:t>
+                      </a:r>
+                      <a:r>
+                        <a:rPr lang="en-US" b="1" dirty="0" err="1"/>
+                        <a:t>d’ordre</a:t>
+                      </a:r>
+                      <a:r>
+                        <a:rPr lang="en-US" b="1" dirty="0"/>
+                        <a:t> 1</a:t>
+                      </a:r>
+                      <a:endParaRPr lang="en-CA" b="1" dirty="0"/>
+                    </a:p>
+                  </a:txBody>
+                  <a:tcPr>
+                    <a:lnL w="12700" cap="flat" cmpd="sng" algn="ctr">
+                      <a:solidFill>
+                        <a:schemeClr val="tx1"/>
+                      </a:solidFill>
+                      <a:prstDash val="solid"/>
+                      <a:round/>
+                      <a:headEnd type="none" w="med" len="med"/>
+                      <a:tailEnd type="none" w="med" len="med"/>
+                    </a:lnL>
+                    <a:lnR w="12700" cap="flat" cmpd="sng" algn="ctr">
+                      <a:solidFill>
+                        <a:schemeClr val="tx1"/>
+                      </a:solidFill>
+                      <a:prstDash val="solid"/>
+                      <a:round/>
+                      <a:headEnd type="none" w="med" len="med"/>
+                      <a:tailEnd type="none" w="med" len="med"/>
+                    </a:lnR>
+                    <a:lnT w="12700" cap="flat" cmpd="sng" algn="ctr">
+                      <a:solidFill>
+                        <a:schemeClr val="tx1"/>
+                      </a:solidFill>
+                      <a:prstDash val="solid"/>
+                      <a:round/>
+                      <a:headEnd type="none" w="med" len="med"/>
+                      <a:tailEnd type="none" w="med" len="med"/>
+                    </a:lnT>
+                    <a:lnB w="12700" cap="flat" cmpd="sng" algn="ctr">
+                      <a:solidFill>
+                        <a:schemeClr val="tx1"/>
+                      </a:solidFill>
+                      <a:prstDash val="solid"/>
+                      <a:round/>
+                      <a:headEnd type="none" w="med" len="med"/>
+                      <a:tailEnd type="none" w="med" len="med"/>
+                    </a:lnB>
+                  </a:tcPr>
+                </a:tc>
+                <a:tc>
+                  <a:txBody>
+                    <a:bodyPr/>
+                    <a:lstStyle/>
+                    <a:p>
+                      <a:r>
+                        <a:rPr lang="en-US" b="1" dirty="0" err="1"/>
+                        <a:t>Schéma</a:t>
+                      </a:r>
+                      <a:r>
+                        <a:rPr lang="en-US" b="1" dirty="0"/>
+                        <a:t> </a:t>
+                      </a:r>
+                      <a:r>
+                        <a:rPr lang="en-US" b="1" dirty="0" err="1"/>
+                        <a:t>d’ordre</a:t>
+                      </a:r>
+                      <a:r>
+                        <a:rPr lang="en-US" b="1" dirty="0"/>
+                        <a:t> 2</a:t>
+                      </a:r>
+                      <a:endParaRPr lang="en-CA" b="1" dirty="0"/>
+                    </a:p>
+                  </a:txBody>
+                  <a:tcPr>
+                    <a:lnL w="12700" cap="flat" cmpd="sng" algn="ctr">
+                      <a:solidFill>
+                        <a:schemeClr val="tx1"/>
+                      </a:solidFill>
+                      <a:prstDash val="solid"/>
+                      <a:round/>
+                      <a:headEnd type="none" w="med" len="med"/>
+                      <a:tailEnd type="none" w="med" len="med"/>
+                    </a:lnL>
+                    <a:lnR w="12700" cap="flat" cmpd="sng" algn="ctr">
+                      <a:solidFill>
+                        <a:schemeClr val="tx1"/>
+                      </a:solidFill>
+                      <a:prstDash val="solid"/>
+                      <a:round/>
+                      <a:headEnd type="none" w="med" len="med"/>
+                      <a:tailEnd type="none" w="med" len="med"/>
+                    </a:lnR>
+                    <a:lnT w="12700" cap="flat" cmpd="sng" algn="ctr">
+                      <a:solidFill>
+                        <a:schemeClr val="tx1"/>
+                      </a:solidFill>
+                      <a:prstDash val="solid"/>
+                      <a:round/>
+                      <a:headEnd type="none" w="med" len="med"/>
+                      <a:tailEnd type="none" w="med" len="med"/>
+                    </a:lnT>
+                    <a:lnB w="12700" cap="flat" cmpd="sng" algn="ctr">
+                      <a:solidFill>
+                        <a:schemeClr val="tx1"/>
+                      </a:solidFill>
+                      <a:prstDash val="solid"/>
+                      <a:round/>
+                      <a:headEnd type="none" w="med" len="med"/>
+                      <a:tailEnd type="none" w="med" len="med"/>
+                    </a:lnB>
+                  </a:tcPr>
+                </a:tc>
+                <a:extLst>
+                  <a:ext uri="{0D108BD9-81ED-4DB2-BD59-A6C34878D82A}">
+                    <a16:rowId xmlns:a16="http://schemas.microsoft.com/office/drawing/2014/main" val="2437227332"/>
+                  </a:ext>
+                </a:extLst>
+              </a:tr>
+            </a:tbl>
+          </a:graphicData>
+        </a:graphic>
+      </p:graphicFrame>
+      <p:pic>
+        <p:nvPicPr>
+          <p:cNvPr id="13" name="Picture 12" descr="A graph with a line&#10;&#10;Description automatically generated">
+            <a:extLst>
+              <a:ext uri="{FF2B5EF4-FFF2-40B4-BE49-F238E27FC236}">
+                <a16:creationId xmlns:a16="http://schemas.microsoft.com/office/drawing/2014/main" id="{F12BC2C6-AF41-05C9-2CA9-ED8B3B560E3E}"/>
+              </a:ext>
+            </a:extLst>
+          </p:cNvPr>
+          <p:cNvPicPr>
+            <a:picLocks noChangeAspect="1"/>
+          </p:cNvPicPr>
+          <p:nvPr/>
+        </p:nvPicPr>
+        <p:blipFill rotWithShape="1">
+          <a:blip r:embed="rId2">
+            <a:extLst>
+              <a:ext uri="{28A0092B-C50C-407E-A947-70E740481C1C}">
+                <a14:useLocalDpi xmlns:a14="http://schemas.microsoft.com/office/drawing/2010/main" val="0"/>
+              </a:ext>
+            </a:extLst>
+          </a:blip>
+          <a:srcRect l="4249" t="6059" r="7973" b="1791"/>
+          <a:stretch/>
+        </p:blipFill>
+        <p:spPr>
+          <a:xfrm>
+            <a:off x="457199" y="1971868"/>
+            <a:ext cx="5381111" cy="3766100"/>
+          </a:xfrm>
+          <a:prstGeom prst="rect">
+            <a:avLst/>
+          </a:prstGeom>
+        </p:spPr>
+      </p:pic>
+      <p:pic>
+        <p:nvPicPr>
+          <p:cNvPr id="15" name="Picture 14" descr="A graph with numbers and lines&#10;&#10;Description automatically generated">
+            <a:extLst>
+              <a:ext uri="{FF2B5EF4-FFF2-40B4-BE49-F238E27FC236}">
+                <a16:creationId xmlns:a16="http://schemas.microsoft.com/office/drawing/2014/main" id="{A1C11A69-B7EE-53AC-9580-85E3E4004BAB}"/>
+              </a:ext>
+            </a:extLst>
+          </p:cNvPr>
+          <p:cNvPicPr>
+            <a:picLocks noChangeAspect="1"/>
+          </p:cNvPicPr>
+          <p:nvPr/>
+        </p:nvPicPr>
+        <p:blipFill rotWithShape="1">
+          <a:blip r:embed="rId3">
+            <a:extLst>
+              <a:ext uri="{28A0092B-C50C-407E-A947-70E740481C1C}">
+                <a14:useLocalDpi xmlns:a14="http://schemas.microsoft.com/office/drawing/2010/main" val="0"/>
+              </a:ext>
+            </a:extLst>
+          </a:blip>
+          <a:srcRect l="4850" t="5782" r="8380" b="1184"/>
+          <a:stretch/>
+        </p:blipFill>
+        <p:spPr>
+          <a:xfrm>
+            <a:off x="6076948" y="1946467"/>
+            <a:ext cx="5365754" cy="3835400"/>
+          </a:xfrm>
+          <a:prstGeom prst="rect">
+            <a:avLst/>
+          </a:prstGeom>
+        </p:spPr>
+      </p:pic>
+      <mc:AlternateContent xmlns:mc="http://schemas.openxmlformats.org/markup-compatibility/2006">
+        <mc:Choice xmlns:a14="http://schemas.microsoft.com/office/drawing/2010/main" Requires="a14">
+          <p:sp>
+            <p:nvSpPr>
+              <p:cNvPr id="16" name="Content Placeholder 2">
+                <a:extLst>
+                  <a:ext uri="{FF2B5EF4-FFF2-40B4-BE49-F238E27FC236}">
+                    <a16:creationId xmlns:a16="http://schemas.microsoft.com/office/drawing/2014/main" id="{B395597E-573C-91EF-8225-8AAB70E3472F}"/>
+                  </a:ext>
+                </a:extLst>
+              </p:cNvPr>
+              <p:cNvSpPr>
+                <a:spLocks noGrp="1"/>
+              </p:cNvSpPr>
+              <p:nvPr>
+                <p:ph idx="1"/>
+              </p:nvPr>
+            </p:nvSpPr>
+            <p:spPr>
+              <a:xfrm>
+                <a:off x="364068" y="5878286"/>
+                <a:ext cx="11201399" cy="835782"/>
+              </a:xfrm>
+            </p:spPr>
+            <p:txBody>
+              <a:bodyPr>
+                <a:normAutofit/>
+              </a:bodyPr>
+              <a:lstStyle/>
+              <a:p>
+                <a:pPr marL="0" indent="0" algn="just">
+                  <a:buNone/>
+                </a:pPr>
+                <a:r>
+                  <a:rPr lang="fr-FR" sz="1800" dirty="0"/>
+                  <a:t>Les deux schémas se rapprochent éventuellement de la solution analytique. Mais on observe que pour l’ordre 1, les courbes ne se superposent pas avant un pas </a:t>
+                </a:r>
+                <a14:m>
+                  <m:oMath xmlns:m="http://schemas.openxmlformats.org/officeDocument/2006/math">
+                    <m:r>
+                      <m:rPr>
+                        <m:sty m:val="p"/>
+                      </m:rPr>
+                      <a:rPr lang="en-US" sz="1800" b="0" i="0" smtClean="0">
+                        <a:latin typeface="Cambria Math" panose="02040503050406030204" pitchFamily="18" charset="0"/>
+                      </a:rPr>
+                      <m:t>Δ</m:t>
+                    </m:r>
+                    <m:r>
+                      <a:rPr lang="en-US" sz="1800" b="0" i="1" smtClean="0">
+                        <a:latin typeface="Cambria Math" panose="02040503050406030204" pitchFamily="18" charset="0"/>
+                      </a:rPr>
+                      <m:t>𝑟</m:t>
+                    </m:r>
+                    <m:r>
+                      <a:rPr lang="en-US" sz="1800" b="0" i="1" smtClean="0">
+                        <a:latin typeface="Cambria Math" panose="02040503050406030204" pitchFamily="18" charset="0"/>
+                      </a:rPr>
+                      <m:t>=0.0001 </m:t>
+                    </m:r>
+                    <m:r>
+                      <a:rPr lang="en-US" sz="1800" b="0" i="1" smtClean="0">
+                        <a:latin typeface="Cambria Math" panose="02040503050406030204" pitchFamily="18" charset="0"/>
+                      </a:rPr>
+                      <m:t>𝑚</m:t>
+                    </m:r>
+                    <m:r>
+                      <a:rPr lang="en-US" sz="1800" b="0" i="1" smtClean="0">
+                        <a:latin typeface="Cambria Math" panose="02040503050406030204" pitchFamily="18" charset="0"/>
+                      </a:rPr>
+                      <m:t> </m:t>
+                    </m:r>
+                  </m:oMath>
+                </a14:m>
+                <a:r>
+                  <a:rPr lang="fr-FR" sz="1800" dirty="0"/>
+                  <a:t>(courbe rouge: 5000 nœuds). Alors que pour l’ordre 2, il suffit de 12 points avec un pas ~ 450 fois plus grand pour atteindre le même résultat.</a:t>
+                </a:r>
+                <a:endParaRPr lang="en-CA" sz="1800" dirty="0">
+                  <a:highlight>
+                    <a:srgbClr val="FFFF00"/>
+                  </a:highlight>
+                </a:endParaRPr>
+              </a:p>
+            </p:txBody>
+          </p:sp>
+        </mc:Choice>
+        <mc:Fallback>
+          <p:sp>
+            <p:nvSpPr>
+              <p:cNvPr id="16" name="Content Placeholder 2">
+                <a:extLst>
+                  <a:ext uri="{FF2B5EF4-FFF2-40B4-BE49-F238E27FC236}">
+                    <a16:creationId xmlns:a16="http://schemas.microsoft.com/office/drawing/2014/main" id="{B395597E-573C-91EF-8225-8AAB70E3472F}"/>
+                  </a:ext>
+                </a:extLst>
+              </p:cNvPr>
+              <p:cNvSpPr>
+                <a:spLocks noGrp="1" noRot="1" noChangeAspect="1" noMove="1" noResize="1" noEditPoints="1" noAdjustHandles="1" noChangeArrowheads="1" noChangeShapeType="1" noTextEdit="1"/>
+              </p:cNvSpPr>
+              <p:nvPr>
+                <p:ph idx="1"/>
+              </p:nvPr>
+            </p:nvSpPr>
+            <p:spPr>
+              <a:xfrm>
+                <a:off x="364068" y="5878286"/>
+                <a:ext cx="11201399" cy="835782"/>
+              </a:xfrm>
+              <a:blipFill>
+                <a:blip r:embed="rId4"/>
+                <a:stretch>
+                  <a:fillRect l="-490" t="-6569" r="-435" b="-11679"/>
+                </a:stretch>
+              </a:blipFill>
+            </p:spPr>
+            <p:txBody>
+              <a:bodyPr/>
+              <a:lstStyle/>
+              <a:p>
+                <a:r>
+                  <a:rPr lang="en-CA">
+                    <a:noFill/>
+                  </a:rPr>
+                  <a:t> </a:t>
+                </a:r>
+              </a:p>
+            </p:txBody>
+          </p:sp>
+        </mc:Fallback>
+      </mc:AlternateContent>
+    </p:spTree>
+    <p:extLst>
+      <p:ext uri="{BB962C8B-B14F-4D97-AF65-F5344CB8AC3E}">
+        <p14:creationId xmlns:p14="http://schemas.microsoft.com/office/powerpoint/2010/main" val="2642193640"/>
+      </p:ext>
+    </p:extLst>
+  </p:cSld>
+  <p:clrMapOvr>
+    <a:masterClrMapping/>
+  </p:clrMapOvr>
+</p:sld>
+</file>
+
+<file path=ppt/slides/slide18.xml><?xml version="1.0" encoding="utf-8"?>
+<p:sld xmlns:a="http://schemas.openxmlformats.org/drawingml/2006/main" xmlns:r="http://schemas.openxmlformats.org/officeDocument/2006/relationships" xmlns:p="http://schemas.openxmlformats.org/presentationml/2006/main">
+  <p:cSld>
+    <p:spTree>
+      <p:nvGrpSpPr>
+        <p:cNvPr id="1" name="">
+          <a:extLst>
+            <a:ext uri="{FF2B5EF4-FFF2-40B4-BE49-F238E27FC236}">
+              <a16:creationId xmlns:a16="http://schemas.microsoft.com/office/drawing/2014/main" id="{7F0B8EE4-930B-6D97-EB2B-1B03CE236D15}"/>
+            </a:ext>
+          </a:extLst>
+        </p:cNvPr>
+        <p:cNvGrpSpPr/>
+        <p:nvPr/>
+      </p:nvGrpSpPr>
+      <p:grpSpPr>
+        <a:xfrm>
+          <a:off x="0" y="0"/>
+          <a:ext cx="0" cy="0"/>
+          <a:chOff x="0" y="0"/>
+          <a:chExt cx="0" cy="0"/>
+        </a:xfrm>
+      </p:grpSpPr>
+      <p:sp>
+        <p:nvSpPr>
+          <p:cNvPr id="2" name="Title 1">
+            <a:extLst>
+              <a:ext uri="{FF2B5EF4-FFF2-40B4-BE49-F238E27FC236}">
+                <a16:creationId xmlns:a16="http://schemas.microsoft.com/office/drawing/2014/main" id="{BAF1B1AF-8E5A-D995-180C-39E557D09817}"/>
+              </a:ext>
+            </a:extLst>
+          </p:cNvPr>
+          <p:cNvSpPr>
+            <a:spLocks noGrp="1"/>
+          </p:cNvSpPr>
+          <p:nvPr>
+            <p:ph type="title"/>
+          </p:nvPr>
+        </p:nvSpPr>
+        <p:spPr/>
+        <p:txBody>
+          <a:bodyPr>
+            <a:normAutofit/>
+          </a:bodyPr>
+          <a:lstStyle/>
+          <a:p>
+            <a:r>
+              <a:rPr lang="en-US" sz="4000" dirty="0"/>
+              <a:t>F-c) </a:t>
+            </a:r>
+            <a:r>
+              <a:rPr lang="en-US" sz="3600" dirty="0" err="1"/>
+              <a:t>Commentaires</a:t>
+            </a:r>
+            <a:endParaRPr lang="en-CA" sz="4000" dirty="0"/>
+          </a:p>
+        </p:txBody>
+      </p:sp>
+      <p:sp>
+        <p:nvSpPr>
+          <p:cNvPr id="3" name="Content Placeholder 2">
+            <a:extLst>
+              <a:ext uri="{FF2B5EF4-FFF2-40B4-BE49-F238E27FC236}">
+                <a16:creationId xmlns:a16="http://schemas.microsoft.com/office/drawing/2014/main" id="{8BF5A1EC-E298-0AA9-CD0B-613EFE7549AA}"/>
+              </a:ext>
+            </a:extLst>
+          </p:cNvPr>
+          <p:cNvSpPr>
+            <a:spLocks noGrp="1"/>
+          </p:cNvSpPr>
+          <p:nvPr>
+            <p:ph idx="1"/>
+          </p:nvPr>
+        </p:nvSpPr>
+        <p:spPr/>
+        <p:txBody>
+          <a:bodyPr>
+            <a:normAutofit/>
+          </a:bodyPr>
+          <a:lstStyle/>
+          <a:p>
+            <a:pPr marL="0" indent="0" algn="just">
+              <a:buNone/>
+            </a:pPr>
+            <a:r>
+              <a:rPr lang="en-CA" sz="2000" dirty="0"/>
+              <a:t>La solution numérique </a:t>
+            </a:r>
+            <a:r>
+              <a:rPr lang="en-CA" sz="2000" dirty="0" err="1"/>
+              <a:t>obtenue</a:t>
+            </a:r>
+            <a:r>
+              <a:rPr lang="en-CA" sz="2000" dirty="0"/>
+              <a:t> par le </a:t>
+            </a:r>
+            <a:r>
+              <a:rPr lang="en-CA" sz="2000" dirty="0" err="1"/>
+              <a:t>schéma</a:t>
+            </a:r>
+            <a:r>
+              <a:rPr lang="en-CA" sz="2000" dirty="0"/>
+              <a:t> </a:t>
+            </a:r>
+            <a:r>
+              <a:rPr lang="en-CA" sz="2000" dirty="0" err="1"/>
+              <a:t>d’ordre</a:t>
+            </a:r>
+            <a:r>
+              <a:rPr lang="en-CA" sz="2000" dirty="0"/>
+              <a:t> 2 </a:t>
+            </a:r>
+            <a:r>
+              <a:rPr lang="en-CA" sz="2000" dirty="0" err="1"/>
+              <a:t>épouse</a:t>
+            </a:r>
+            <a:r>
+              <a:rPr lang="en-CA" sz="2000" dirty="0"/>
+              <a:t> Presque </a:t>
+            </a:r>
+            <a:r>
+              <a:rPr lang="en-CA" sz="2000" dirty="0" err="1"/>
+              <a:t>parfaitement</a:t>
+            </a:r>
+            <a:r>
+              <a:rPr lang="en-CA" sz="2000" dirty="0"/>
+              <a:t> la solution </a:t>
+            </a:r>
+            <a:r>
+              <a:rPr lang="en-CA" sz="2000" dirty="0" err="1"/>
+              <a:t>analytique</a:t>
+            </a:r>
+            <a:r>
+              <a:rPr lang="en-CA" sz="2000" dirty="0"/>
+              <a:t>. Mais </a:t>
+            </a:r>
+            <a:r>
+              <a:rPr lang="en-CA" sz="2000" dirty="0" err="1"/>
+              <a:t>l’analyse</a:t>
+            </a:r>
+            <a:r>
+              <a:rPr lang="en-CA" sz="2000" dirty="0"/>
+              <a:t> de convergence </a:t>
+            </a:r>
+            <a:r>
+              <a:rPr lang="en-CA" sz="2000" dirty="0" err="1"/>
+              <a:t>n’aboutit</a:t>
+            </a:r>
+            <a:r>
+              <a:rPr lang="en-CA" sz="2000" dirty="0"/>
+              <a:t> pas. Ceci </a:t>
+            </a:r>
+            <a:r>
+              <a:rPr lang="en-CA" sz="2000" dirty="0" err="1"/>
+              <a:t>est</a:t>
+            </a:r>
+            <a:r>
+              <a:rPr lang="en-CA" sz="2000" dirty="0"/>
+              <a:t> </a:t>
+            </a:r>
+            <a:r>
+              <a:rPr lang="en-CA" sz="2000" dirty="0" err="1"/>
+              <a:t>dû</a:t>
+            </a:r>
+            <a:r>
+              <a:rPr lang="en-CA" sz="2000" dirty="0"/>
+              <a:t> au fait que </a:t>
+            </a:r>
+            <a:r>
+              <a:rPr lang="en-CA" sz="2000" dirty="0" err="1"/>
+              <a:t>l’ordre</a:t>
+            </a:r>
+            <a:r>
+              <a:rPr lang="en-CA" sz="2000" dirty="0"/>
+              <a:t> du </a:t>
+            </a:r>
+            <a:r>
+              <a:rPr lang="en-CA" sz="2000" dirty="0" err="1"/>
+              <a:t>schéma</a:t>
+            </a:r>
+            <a:r>
+              <a:rPr lang="en-CA" sz="2000" dirty="0"/>
+              <a:t> </a:t>
+            </a:r>
+            <a:r>
+              <a:rPr lang="en-CA" sz="2000" dirty="0" err="1"/>
+              <a:t>choisi</a:t>
+            </a:r>
+            <a:r>
+              <a:rPr lang="en-CA" sz="2000" dirty="0"/>
+              <a:t> pour la MDF </a:t>
+            </a:r>
+            <a:r>
+              <a:rPr lang="en-CA" sz="2000" dirty="0" err="1"/>
+              <a:t>est</a:t>
+            </a:r>
+            <a:r>
+              <a:rPr lang="en-CA" sz="2000" dirty="0"/>
+              <a:t> </a:t>
+            </a:r>
+            <a:r>
+              <a:rPr lang="en-CA" sz="2000" dirty="0" err="1"/>
+              <a:t>égal</a:t>
+            </a:r>
+            <a:r>
+              <a:rPr lang="en-CA" sz="2000" dirty="0"/>
+              <a:t> à </a:t>
+            </a:r>
+            <a:r>
+              <a:rPr lang="en-CA" sz="2000" dirty="0" err="1"/>
+              <a:t>l’ordre</a:t>
+            </a:r>
+            <a:r>
+              <a:rPr lang="en-CA" sz="2000" dirty="0"/>
+              <a:t> de </a:t>
+            </a:r>
+            <a:r>
+              <a:rPr lang="en-CA" sz="2000" dirty="0" err="1"/>
+              <a:t>l’équation</a:t>
+            </a:r>
+            <a:r>
+              <a:rPr lang="en-CA" sz="2000" dirty="0"/>
+              <a:t> </a:t>
+            </a:r>
+            <a:r>
+              <a:rPr lang="en-CA" sz="2000" dirty="0" err="1"/>
+              <a:t>différentielle</a:t>
+            </a:r>
+            <a:r>
+              <a:rPr lang="en-CA" sz="2000" dirty="0"/>
+              <a:t>, </a:t>
+            </a:r>
+            <a:r>
+              <a:rPr lang="en-CA" sz="2000" dirty="0" err="1"/>
+              <a:t>ce</a:t>
+            </a:r>
+            <a:r>
+              <a:rPr lang="en-CA" sz="2000" dirty="0"/>
+              <a:t> qui </a:t>
+            </a:r>
+            <a:r>
+              <a:rPr lang="en-CA" sz="2000" dirty="0" err="1"/>
+              <a:t>mène</a:t>
+            </a:r>
+            <a:r>
+              <a:rPr lang="en-CA" sz="2000" dirty="0"/>
+              <a:t> à </a:t>
+            </a:r>
+            <a:r>
+              <a:rPr lang="en-CA" sz="2000" dirty="0" err="1"/>
+              <a:t>une</a:t>
+            </a:r>
+            <a:r>
+              <a:rPr lang="en-CA" sz="2000" dirty="0"/>
+              <a:t> representation </a:t>
+            </a:r>
+            <a:r>
+              <a:rPr lang="en-CA" sz="2000" dirty="0" err="1"/>
+              <a:t>exacte</a:t>
+            </a:r>
+            <a:r>
+              <a:rPr lang="en-CA" sz="2000" dirty="0"/>
+              <a:t> du </a:t>
+            </a:r>
+            <a:r>
+              <a:rPr lang="en-CA" sz="2000" dirty="0" err="1"/>
+              <a:t>problème</a:t>
+            </a:r>
+            <a:r>
+              <a:rPr lang="en-CA" sz="2000" dirty="0"/>
+              <a:t> et </a:t>
+            </a:r>
+            <a:r>
+              <a:rPr lang="en-CA" sz="2000" dirty="0" err="1"/>
+              <a:t>donc</a:t>
+            </a:r>
+            <a:r>
+              <a:rPr lang="en-CA" sz="2000" dirty="0"/>
+              <a:t> à des </a:t>
+            </a:r>
+            <a:r>
+              <a:rPr lang="en-CA" sz="2000" dirty="0" err="1"/>
+              <a:t>erreurs</a:t>
+            </a:r>
+            <a:r>
+              <a:rPr lang="en-CA" sz="2000" dirty="0"/>
+              <a:t> </a:t>
+            </a:r>
+            <a:r>
+              <a:rPr lang="en-CA" sz="2000" dirty="0" err="1"/>
+              <a:t>negligeables</a:t>
+            </a:r>
+            <a:r>
+              <a:rPr lang="en-CA" sz="2000" dirty="0"/>
+              <a:t>.</a:t>
+            </a:r>
+          </a:p>
+          <a:p>
+            <a:pPr marL="0" indent="0" algn="just">
+              <a:buNone/>
+            </a:pPr>
+            <a:endParaRPr lang="en-CA" sz="2000" dirty="0"/>
+          </a:p>
+          <a:p>
+            <a:pPr marL="0" indent="0" algn="just">
+              <a:buNone/>
+            </a:pPr>
+            <a:r>
+              <a:rPr lang="en-CA" sz="2000" dirty="0"/>
+              <a:t>Le code de </a:t>
+            </a:r>
+            <a:r>
+              <a:rPr lang="en-CA" sz="2000" dirty="0" err="1"/>
+              <a:t>résolution</a:t>
+            </a:r>
+            <a:r>
+              <a:rPr lang="en-CA" sz="2000" dirty="0"/>
+              <a:t> du </a:t>
+            </a:r>
+            <a:r>
+              <a:rPr lang="en-CA" sz="2000" dirty="0" err="1"/>
+              <a:t>problème</a:t>
+            </a:r>
+            <a:r>
+              <a:rPr lang="en-CA" sz="2000" dirty="0"/>
+              <a:t> </a:t>
+            </a:r>
+            <a:r>
+              <a:rPr lang="en-CA" sz="2000" dirty="0" err="1"/>
+              <a:t>stationnaire</a:t>
+            </a:r>
+            <a:r>
+              <a:rPr lang="en-CA" sz="2000" dirty="0"/>
+              <a:t> par MDF </a:t>
+            </a:r>
+            <a:r>
+              <a:rPr lang="en-CA" sz="2000" dirty="0" err="1"/>
+              <a:t>semble</a:t>
+            </a:r>
+            <a:r>
+              <a:rPr lang="en-CA" sz="2000" dirty="0"/>
+              <a:t> </a:t>
+            </a:r>
+            <a:r>
+              <a:rPr lang="en-CA" sz="2000" dirty="0" err="1"/>
+              <a:t>donc</a:t>
+            </a:r>
+            <a:r>
+              <a:rPr lang="en-CA" sz="2000" dirty="0"/>
+              <a:t> </a:t>
+            </a:r>
+            <a:r>
+              <a:rPr lang="en-CA" sz="2000" dirty="0" err="1"/>
+              <a:t>jusqu’à</a:t>
+            </a:r>
+            <a:r>
+              <a:rPr lang="en-CA" sz="2000" dirty="0"/>
+              <a:t> </a:t>
+            </a:r>
+            <a:r>
+              <a:rPr lang="en-CA" sz="2000" dirty="0" err="1"/>
+              <a:t>là</a:t>
+            </a:r>
+            <a:r>
+              <a:rPr lang="en-CA" sz="2000" dirty="0"/>
+              <a:t> </a:t>
+            </a:r>
+            <a:r>
+              <a:rPr lang="en-CA" sz="2000" dirty="0" err="1"/>
+              <a:t>vérifié</a:t>
+            </a:r>
+            <a:r>
+              <a:rPr lang="en-CA" sz="2000" dirty="0"/>
+              <a:t>.</a:t>
+            </a:r>
+          </a:p>
+        </p:txBody>
+      </p:sp>
+    </p:spTree>
+    <p:extLst>
+      <p:ext uri="{BB962C8B-B14F-4D97-AF65-F5344CB8AC3E}">
+        <p14:creationId xmlns:p14="http://schemas.microsoft.com/office/powerpoint/2010/main" val="628067341"/>
       </p:ext>
     </p:extLst>
   </p:cSld>
@@ -8904,14 +10516,14 @@
           <a:lstStyle/>
           <a:p>
             <a:r>
-              <a:rPr lang="en-CA" sz="4000" dirty="0"/>
+              <a:rPr lang="en-CA" sz="3600" dirty="0"/>
               <a:t>A-a) Type de </a:t>
             </a:r>
             <a:r>
-              <a:rPr lang="en-CA" sz="4000" dirty="0" err="1"/>
+              <a:rPr lang="en-CA" sz="3600" dirty="0" err="1"/>
               <a:t>l’équation</a:t>
             </a:r>
-            <a:endParaRPr lang="en-CA" sz="4000" dirty="0"/>
+            <a:endParaRPr lang="en-CA" sz="3600" dirty="0"/>
           </a:p>
         </p:txBody>
       </p:sp>
@@ -10456,364 +12068,6 @@
 </p:sld>
 </file>
 
-<file path=ppt/slides/slide20.xml><?xml version="1.0" encoding="utf-8"?>
-<p:sld xmlns:a="http://schemas.openxmlformats.org/drawingml/2006/main" xmlns:r="http://schemas.openxmlformats.org/officeDocument/2006/relationships" xmlns:p="http://schemas.openxmlformats.org/presentationml/2006/main">
-  <p:cSld>
-    <p:spTree>
-      <p:nvGrpSpPr>
-        <p:cNvPr id="1" name=""/>
-        <p:cNvGrpSpPr/>
-        <p:nvPr/>
-      </p:nvGrpSpPr>
-      <p:grpSpPr>
-        <a:xfrm>
-          <a:off x="0" y="0"/>
-          <a:ext cx="0" cy="0"/>
-          <a:chOff x="0" y="0"/>
-          <a:chExt cx="0" cy="0"/>
-        </a:xfrm>
-      </p:grpSpPr>
-      <p:pic>
-        <p:nvPicPr>
-          <p:cNvPr id="8" name="Espace réservé du contenu 7" descr="Une image contenant texte, capture d’écran, ligne, Police&#10;&#10;Description générée automatiquement">
-            <a:extLst>
-              <a:ext uri="{FF2B5EF4-FFF2-40B4-BE49-F238E27FC236}">
-                <a16:creationId xmlns:a16="http://schemas.microsoft.com/office/drawing/2014/main" id="{3B534559-435F-FC53-9280-AB2646750465}"/>
-              </a:ext>
-            </a:extLst>
-          </p:cNvPr>
-          <p:cNvPicPr>
-            <a:picLocks noGrp="1" noChangeAspect="1"/>
-          </p:cNvPicPr>
-          <p:nvPr>
-            <p:ph idx="1"/>
-          </p:nvPr>
-        </p:nvPicPr>
-        <p:blipFill>
-          <a:blip r:embed="rId2">
-            <a:extLst>
-              <a:ext uri="{28A0092B-C50C-407E-A947-70E740481C1C}">
-                <a14:useLocalDpi xmlns:a14="http://schemas.microsoft.com/office/drawing/2010/main" val="0"/>
-              </a:ext>
-            </a:extLst>
-          </a:blip>
-          <a:stretch>
-            <a:fillRect/>
-          </a:stretch>
-        </p:blipFill>
-        <p:spPr>
-          <a:xfrm>
-            <a:off x="2080260" y="696754"/>
-            <a:ext cx="8972550" cy="5981700"/>
-          </a:xfrm>
-        </p:spPr>
-      </p:pic>
-    </p:spTree>
-    <p:extLst>
-      <p:ext uri="{BB962C8B-B14F-4D97-AF65-F5344CB8AC3E}">
-        <p14:creationId xmlns:p14="http://schemas.microsoft.com/office/powerpoint/2010/main" val="3808195617"/>
-      </p:ext>
-    </p:extLst>
-  </p:cSld>
-  <p:clrMapOvr>
-    <a:masterClrMapping/>
-  </p:clrMapOvr>
-</p:sld>
-</file>
-
-<file path=ppt/slides/slide21.xml><?xml version="1.0" encoding="utf-8"?>
-<p:sld xmlns:a="http://schemas.openxmlformats.org/drawingml/2006/main" xmlns:r="http://schemas.openxmlformats.org/officeDocument/2006/relationships" xmlns:p="http://schemas.openxmlformats.org/presentationml/2006/main">
-  <p:cSld>
-    <p:spTree>
-      <p:nvGrpSpPr>
-        <p:cNvPr id="1" name=""/>
-        <p:cNvGrpSpPr/>
-        <p:nvPr/>
-      </p:nvGrpSpPr>
-      <p:grpSpPr>
-        <a:xfrm>
-          <a:off x="0" y="0"/>
-          <a:ext cx="0" cy="0"/>
-          <a:chOff x="0" y="0"/>
-          <a:chExt cx="0" cy="0"/>
-        </a:xfrm>
-      </p:grpSpPr>
-      <p:pic>
-        <p:nvPicPr>
-          <p:cNvPr id="7" name="Espace réservé du contenu 6" descr="Une image contenant texte, capture d’écran, ligne, Tracé&#10;&#10;Description générée automatiquement">
-            <a:extLst>
-              <a:ext uri="{FF2B5EF4-FFF2-40B4-BE49-F238E27FC236}">
-                <a16:creationId xmlns:a16="http://schemas.microsoft.com/office/drawing/2014/main" id="{75F4BEA6-F2FA-674B-96BB-3BF28BD81D49}"/>
-              </a:ext>
-            </a:extLst>
-          </p:cNvPr>
-          <p:cNvPicPr>
-            <a:picLocks noGrp="1" noChangeAspect="1"/>
-          </p:cNvPicPr>
-          <p:nvPr>
-            <p:ph idx="1"/>
-          </p:nvPr>
-        </p:nvPicPr>
-        <p:blipFill>
-          <a:blip r:embed="rId2">
-            <a:extLst>
-              <a:ext uri="{28A0092B-C50C-407E-A947-70E740481C1C}">
-                <a14:useLocalDpi xmlns:a14="http://schemas.microsoft.com/office/drawing/2010/main" val="0"/>
-              </a:ext>
-            </a:extLst>
-          </a:blip>
-          <a:stretch>
-            <a:fillRect/>
-          </a:stretch>
-        </p:blipFill>
-        <p:spPr>
-          <a:xfrm>
-            <a:off x="1748790" y="380524"/>
-            <a:ext cx="9429750" cy="6286500"/>
-          </a:xfrm>
-        </p:spPr>
-      </p:pic>
-    </p:spTree>
-    <p:extLst>
-      <p:ext uri="{BB962C8B-B14F-4D97-AF65-F5344CB8AC3E}">
-        <p14:creationId xmlns:p14="http://schemas.microsoft.com/office/powerpoint/2010/main" val="1917324526"/>
-      </p:ext>
-    </p:extLst>
-  </p:cSld>
-  <p:clrMapOvr>
-    <a:masterClrMapping/>
-  </p:clrMapOvr>
-</p:sld>
-</file>
-
-<file path=ppt/slides/slide22.xml><?xml version="1.0" encoding="utf-8"?>
-<p:sld xmlns:a="http://schemas.openxmlformats.org/drawingml/2006/main" xmlns:r="http://schemas.openxmlformats.org/officeDocument/2006/relationships" xmlns:p="http://schemas.openxmlformats.org/presentationml/2006/main">
-  <p:cSld>
-    <p:spTree>
-      <p:nvGrpSpPr>
-        <p:cNvPr id="1" name="">
-          <a:extLst>
-            <a:ext uri="{FF2B5EF4-FFF2-40B4-BE49-F238E27FC236}">
-              <a16:creationId xmlns:a16="http://schemas.microsoft.com/office/drawing/2014/main" id="{44564F1C-57DC-EAEA-CF3E-47F854D4475D}"/>
-            </a:ext>
-          </a:extLst>
-        </p:cNvPr>
-        <p:cNvGrpSpPr/>
-        <p:nvPr/>
-      </p:nvGrpSpPr>
-      <p:grpSpPr>
-        <a:xfrm>
-          <a:off x="0" y="0"/>
-          <a:ext cx="0" cy="0"/>
-          <a:chOff x="0" y="0"/>
-          <a:chExt cx="0" cy="0"/>
-        </a:xfrm>
-      </p:grpSpPr>
-      <p:sp>
-        <p:nvSpPr>
-          <p:cNvPr id="2" name="Title 1">
-            <a:extLst>
-              <a:ext uri="{FF2B5EF4-FFF2-40B4-BE49-F238E27FC236}">
-                <a16:creationId xmlns:a16="http://schemas.microsoft.com/office/drawing/2014/main" id="{E0EE2BA8-0946-602E-EB84-4324B372F7E6}"/>
-              </a:ext>
-            </a:extLst>
-          </p:cNvPr>
-          <p:cNvSpPr>
-            <a:spLocks noGrp="1"/>
-          </p:cNvSpPr>
-          <p:nvPr>
-            <p:ph type="title"/>
-          </p:nvPr>
-        </p:nvSpPr>
-        <p:spPr/>
-        <p:txBody>
-          <a:bodyPr>
-            <a:normAutofit/>
-          </a:bodyPr>
-          <a:lstStyle/>
-          <a:p>
-            <a:r>
-              <a:rPr lang="en-US" sz="4000" dirty="0"/>
-              <a:t>F-b) </a:t>
-            </a:r>
-            <a:r>
-              <a:rPr lang="en-US" sz="4000" dirty="0" err="1"/>
-              <a:t>Comparaison</a:t>
-            </a:r>
-            <a:r>
-              <a:rPr lang="en-US" sz="4000" dirty="0"/>
-              <a:t> des </a:t>
-            </a:r>
-            <a:r>
-              <a:rPr lang="en-US" sz="4000" dirty="0" err="1"/>
-              <a:t>profils</a:t>
-            </a:r>
-            <a:r>
-              <a:rPr lang="en-US" sz="4000" dirty="0"/>
-              <a:t> de concentration</a:t>
-            </a:r>
-            <a:endParaRPr lang="en-CA" sz="4000" dirty="0"/>
-          </a:p>
-        </p:txBody>
-      </p:sp>
-      <p:sp>
-        <p:nvSpPr>
-          <p:cNvPr id="3" name="Content Placeholder 2">
-            <a:extLst>
-              <a:ext uri="{FF2B5EF4-FFF2-40B4-BE49-F238E27FC236}">
-                <a16:creationId xmlns:a16="http://schemas.microsoft.com/office/drawing/2014/main" id="{EAEAA665-25F9-39EB-C3E3-C120EBF82C28}"/>
-              </a:ext>
-            </a:extLst>
-          </p:cNvPr>
-          <p:cNvSpPr>
-            <a:spLocks noGrp="1"/>
-          </p:cNvSpPr>
-          <p:nvPr>
-            <p:ph idx="1"/>
-          </p:nvPr>
-        </p:nvSpPr>
-        <p:spPr/>
-        <p:txBody>
-          <a:bodyPr>
-            <a:normAutofit/>
-          </a:bodyPr>
-          <a:lstStyle/>
-          <a:p>
-            <a:r>
-              <a:rPr lang="fr-FR" dirty="0"/>
-              <a:t>b. tracer les profils de concentration obtenus avec les deux schémas numériques. </a:t>
-            </a:r>
-            <a:r>
-              <a:rPr lang="fr-FR" dirty="0">
-                <a:highlight>
-                  <a:srgbClr val="FFFF00"/>
-                </a:highlight>
-              </a:rPr>
-              <a:t>INSERT graphs</a:t>
-            </a:r>
-            <a:endParaRPr lang="en-CA" dirty="0">
-              <a:highlight>
-                <a:srgbClr val="FFFF00"/>
-              </a:highlight>
-            </a:endParaRPr>
-          </a:p>
-        </p:txBody>
-      </p:sp>
-    </p:spTree>
-    <p:extLst>
-      <p:ext uri="{BB962C8B-B14F-4D97-AF65-F5344CB8AC3E}">
-        <p14:creationId xmlns:p14="http://schemas.microsoft.com/office/powerpoint/2010/main" val="2642193640"/>
-      </p:ext>
-    </p:extLst>
-  </p:cSld>
-  <p:clrMapOvr>
-    <a:masterClrMapping/>
-  </p:clrMapOvr>
-</p:sld>
-</file>
-
-<file path=ppt/slides/slide23.xml><?xml version="1.0" encoding="utf-8"?>
-<p:sld xmlns:a="http://schemas.openxmlformats.org/drawingml/2006/main" xmlns:r="http://schemas.openxmlformats.org/officeDocument/2006/relationships" xmlns:p="http://schemas.openxmlformats.org/presentationml/2006/main">
-  <p:cSld>
-    <p:spTree>
-      <p:nvGrpSpPr>
-        <p:cNvPr id="1" name="">
-          <a:extLst>
-            <a:ext uri="{FF2B5EF4-FFF2-40B4-BE49-F238E27FC236}">
-              <a16:creationId xmlns:a16="http://schemas.microsoft.com/office/drawing/2014/main" id="{7F0B8EE4-930B-6D97-EB2B-1B03CE236D15}"/>
-            </a:ext>
-          </a:extLst>
-        </p:cNvPr>
-        <p:cNvGrpSpPr/>
-        <p:nvPr/>
-      </p:nvGrpSpPr>
-      <p:grpSpPr>
-        <a:xfrm>
-          <a:off x="0" y="0"/>
-          <a:ext cx="0" cy="0"/>
-          <a:chOff x="0" y="0"/>
-          <a:chExt cx="0" cy="0"/>
-        </a:xfrm>
-      </p:grpSpPr>
-      <p:sp>
-        <p:nvSpPr>
-          <p:cNvPr id="2" name="Title 1">
-            <a:extLst>
-              <a:ext uri="{FF2B5EF4-FFF2-40B4-BE49-F238E27FC236}">
-                <a16:creationId xmlns:a16="http://schemas.microsoft.com/office/drawing/2014/main" id="{BAF1B1AF-8E5A-D995-180C-39E557D09817}"/>
-              </a:ext>
-            </a:extLst>
-          </p:cNvPr>
-          <p:cNvSpPr>
-            <a:spLocks noGrp="1"/>
-          </p:cNvSpPr>
-          <p:nvPr>
-            <p:ph type="title"/>
-          </p:nvPr>
-        </p:nvSpPr>
-        <p:spPr/>
-        <p:txBody>
-          <a:bodyPr>
-            <a:normAutofit/>
-          </a:bodyPr>
-          <a:lstStyle/>
-          <a:p>
-            <a:r>
-              <a:rPr lang="en-US" sz="4000" dirty="0"/>
-              <a:t>F-c) </a:t>
-            </a:r>
-            <a:r>
-              <a:rPr lang="en-US" sz="4000" dirty="0" err="1"/>
-              <a:t>Commentaire</a:t>
-            </a:r>
-            <a:endParaRPr lang="en-CA" sz="4000" dirty="0"/>
-          </a:p>
-        </p:txBody>
-      </p:sp>
-      <p:sp>
-        <p:nvSpPr>
-          <p:cNvPr id="3" name="Content Placeholder 2">
-            <a:extLst>
-              <a:ext uri="{FF2B5EF4-FFF2-40B4-BE49-F238E27FC236}">
-                <a16:creationId xmlns:a16="http://schemas.microsoft.com/office/drawing/2014/main" id="{8BF5A1EC-E298-0AA9-CD0B-613EFE7549AA}"/>
-              </a:ext>
-            </a:extLst>
-          </p:cNvPr>
-          <p:cNvSpPr>
-            <a:spLocks noGrp="1"/>
-          </p:cNvSpPr>
-          <p:nvPr>
-            <p:ph idx="1"/>
-          </p:nvPr>
-        </p:nvSpPr>
-        <p:spPr/>
-        <p:txBody>
-          <a:bodyPr>
-            <a:normAutofit/>
-          </a:bodyPr>
-          <a:lstStyle/>
-          <a:p>
-            <a:r>
-              <a:rPr lang="fr-FR" dirty="0"/>
-              <a:t> c. que constatez-vous maintenant ? </a:t>
-            </a:r>
-            <a:endParaRPr lang="en-CA" dirty="0"/>
-          </a:p>
-        </p:txBody>
-      </p:sp>
-    </p:spTree>
-    <p:extLst>
-      <p:ext uri="{BB962C8B-B14F-4D97-AF65-F5344CB8AC3E}">
-        <p14:creationId xmlns:p14="http://schemas.microsoft.com/office/powerpoint/2010/main" val="628067341"/>
-      </p:ext>
-    </p:extLst>
-  </p:cSld>
-  <p:clrMapOvr>
-    <a:masterClrMapping/>
-  </p:clrMapOvr>
-</p:sld>
-</file>
-
 <file path=ppt/slides/slide3.xml><?xml version="1.0" encoding="utf-8"?>
 <p:sld xmlns:a="http://schemas.openxmlformats.org/drawingml/2006/main" xmlns:r="http://schemas.openxmlformats.org/officeDocument/2006/relationships" xmlns:p="http://schemas.openxmlformats.org/presentationml/2006/main">
   <p:cSld>
@@ -10855,27 +12109,27 @@
           <a:lstStyle/>
           <a:p>
             <a:r>
-              <a:rPr lang="en-CA" sz="4000" dirty="0"/>
+              <a:rPr lang="en-CA" sz="3600" dirty="0"/>
               <a:t>A-b) Dimension du </a:t>
             </a:r>
             <a:r>
-              <a:rPr lang="en-CA" sz="4000" dirty="0" err="1"/>
+              <a:rPr lang="en-CA" sz="3600" dirty="0" err="1"/>
               <a:t>problème</a:t>
             </a:r>
             <a:r>
-              <a:rPr lang="en-CA" sz="4000" dirty="0"/>
+              <a:rPr lang="en-CA" sz="3600" dirty="0"/>
               <a:t> et  </a:t>
             </a:r>
             <a:r>
-              <a:rPr lang="en-CA" sz="4000" dirty="0" err="1"/>
+              <a:rPr lang="en-CA" sz="3600" dirty="0" err="1"/>
               <a:t>symétrie</a:t>
             </a:r>
-            <a:endParaRPr lang="en-CA" sz="4000" dirty="0"/>
+            <a:endParaRPr lang="en-CA" sz="3600" dirty="0"/>
           </a:p>
         </p:txBody>
       </p:sp>
-      <mc:AlternateContent xmlns:mc="http://schemas.openxmlformats.org/markup-compatibility/2006" xmlns:a14="http://schemas.microsoft.com/office/drawing/2010/main">
-        <mc:Choice Requires="a14">
+      <mc:AlternateContent xmlns:mc="http://schemas.openxmlformats.org/markup-compatibility/2006">
+        <mc:Choice xmlns:a14="http://schemas.microsoft.com/office/drawing/2010/main" Requires="a14">
           <p:sp>
             <p:nvSpPr>
               <p:cNvPr id="3" name="Content Placeholder 2">
@@ -10894,7 +12148,7 @@
             </p:nvSpPr>
             <p:spPr>
               <a:xfrm>
-                <a:off x="838200" y="1396181"/>
+                <a:off x="838200" y="1552940"/>
                 <a:ext cx="10515600" cy="4780782"/>
               </a:xfrm>
             </p:spPr>
@@ -11988,7 +13242,7 @@
                 </a:r>
                 <a:r>
                   <a:rPr lang="en-CA" b="0" dirty="0"/>
-                  <a:t> son centre, on </a:t>
+                  <a:t> son centre; on </a:t>
                 </a:r>
                 <a:r>
                   <a:rPr lang="en-CA" b="0" dirty="0" err="1"/>
@@ -12004,7 +13258,7 @@
                 </a:r>
                 <a:r>
                   <a:rPr lang="en-CA" b="0" dirty="0"/>
-                  <a:t> = [0,R]) et la solution sera </a:t>
+                  <a:t> r = [0,R]) et la solution sera </a:t>
                 </a:r>
                 <a:r>
                   <a:rPr lang="en-CA" b="0" dirty="0" err="1"/>
@@ -12020,7 +13274,15 @@
                 </a:r>
                 <a:r>
                   <a:rPr lang="en-CA" b="0" dirty="0"/>
-                  <a:t> de son axe de revolution.</a:t>
+                  <a:t> de son axe de </a:t>
+                </a:r>
+                <a:r>
+                  <a:rPr lang="en-CA" b="0" dirty="0" err="1"/>
+                  <a:t>révolution</a:t>
+                </a:r>
+                <a:r>
+                  <a:rPr lang="en-CA" b="0" dirty="0"/>
+                  <a:t>.</a:t>
                 </a:r>
               </a:p>
               <a:p>
@@ -12032,7 +13294,7 @@
             </p:txBody>
           </p:sp>
         </mc:Choice>
-        <mc:Fallback xmlns="">
+        <mc:Fallback>
           <p:sp>
             <p:nvSpPr>
               <p:cNvPr id="3" name="Content Placeholder 2">
@@ -12051,7 +13313,7 @@
             </p:nvSpPr>
             <p:spPr>
               <a:xfrm>
-                <a:off x="838200" y="1396181"/>
+                <a:off x="838200" y="1552940"/>
                 <a:ext cx="10515600" cy="4780782"/>
               </a:xfrm>
               <a:blipFill>
@@ -12130,22 +13392,22 @@
           <a:lstStyle/>
           <a:p>
             <a:r>
-              <a:rPr lang="en-CA" sz="4000" dirty="0"/>
+              <a:rPr lang="en-CA" sz="3600" dirty="0"/>
               <a:t>A-c) </a:t>
             </a:r>
             <a:r>
-              <a:rPr lang="en-CA" sz="4000" dirty="0" err="1"/>
+              <a:rPr lang="en-CA" sz="3600" dirty="0" err="1"/>
               <a:t>Discrétisation</a:t>
             </a:r>
             <a:r>
-              <a:rPr lang="en-CA" sz="4000" dirty="0"/>
+              <a:rPr lang="en-CA" sz="3600" dirty="0"/>
               <a:t> du </a:t>
             </a:r>
             <a:r>
-              <a:rPr lang="en-CA" sz="4000" dirty="0" err="1"/>
+              <a:rPr lang="en-CA" sz="3600" dirty="0" err="1"/>
               <a:t>domaine</a:t>
             </a:r>
-            <a:endParaRPr lang="en-CA" sz="4000" dirty="0"/>
+            <a:endParaRPr lang="en-CA" sz="3600" dirty="0"/>
           </a:p>
         </p:txBody>
       </p:sp>
@@ -12174,78 +13436,80 @@
               </a:xfrm>
             </p:spPr>
             <p:txBody>
-              <a:bodyPr/>
+              <a:bodyPr>
+                <a:normAutofit/>
+              </a:bodyPr>
               <a:lstStyle/>
               <a:p>
                 <a:pPr marL="0" indent="0">
                   <a:buNone/>
                 </a:pPr>
                 <a:r>
-                  <a:rPr lang="en-CA" dirty="0"/>
+                  <a:rPr lang="en-CA" sz="2000" dirty="0"/>
                   <a:t>A cause de </a:t>
                 </a:r>
                 <a:r>
-                  <a:rPr lang="en-CA" dirty="0" err="1"/>
+                  <a:rPr lang="en-CA" sz="2000" dirty="0" err="1"/>
                   <a:t>l’axisymétrie</a:t>
                 </a:r>
                 <a:r>
-                  <a:rPr lang="en-CA" dirty="0"/>
+                  <a:rPr lang="en-CA" sz="2000" dirty="0"/>
                   <a:t>, et </a:t>
                 </a:r>
                 <a:r>
-                  <a:rPr lang="en-CA" dirty="0" err="1"/>
+                  <a:rPr lang="en-CA" sz="2000" dirty="0" err="1"/>
                   <a:t>l’unidimensionnalité</a:t>
                 </a:r>
                 <a:r>
-                  <a:rPr lang="en-CA" dirty="0"/>
+                  <a:rPr lang="en-CA" sz="2000" dirty="0"/>
                   <a:t> du </a:t>
                 </a:r>
                 <a:r>
-                  <a:rPr lang="en-CA" dirty="0" err="1"/>
+                  <a:rPr lang="en-CA" sz="2000" dirty="0" err="1"/>
                   <a:t>problème</a:t>
                 </a:r>
                 <a:r>
-                  <a:rPr lang="en-CA" dirty="0"/>
+                  <a:rPr lang="en-CA" sz="2000" dirty="0"/>
                   <a:t>, le </a:t>
                 </a:r>
                 <a:r>
-                  <a:rPr lang="en-CA" dirty="0" err="1"/>
+                  <a:rPr lang="en-CA" sz="2000" dirty="0" err="1"/>
                   <a:t>domaine</a:t>
                 </a:r>
                 <a:r>
-                  <a:rPr lang="en-CA" dirty="0"/>
+                  <a:rPr lang="en-CA" sz="2000" dirty="0"/>
                   <a:t> </a:t>
                 </a:r>
                 <a:r>
-                  <a:rPr lang="en-CA" dirty="0" err="1"/>
+                  <a:rPr lang="en-CA" sz="2000" dirty="0" err="1"/>
                   <a:t>est</a:t>
                 </a:r>
                 <a:r>
-                  <a:rPr lang="en-CA" dirty="0"/>
+                  <a:rPr lang="en-CA" sz="2000" dirty="0"/>
                   <a:t> </a:t>
                 </a:r>
                 <a14:m>
                   <m:oMath xmlns:m="http://schemas.openxmlformats.org/officeDocument/2006/math">
                     <m:r>
-                      <a:rPr lang="en-US" b="0" i="1" smtClean="0">
+                      <a:rPr lang="en-US" sz="2000" b="0" i="1" smtClean="0">
                         <a:latin typeface="Cambria Math" panose="02040503050406030204" pitchFamily="18" charset="0"/>
                       </a:rPr>
                       <m:t>𝑟</m:t>
                     </m:r>
                     <m:r>
-                      <a:rPr lang="en-US" b="0" i="1" smtClean="0">
+                      <a:rPr lang="en-US" sz="2000" b="0" i="1" smtClean="0">
                         <a:latin typeface="Cambria Math" panose="02040503050406030204" pitchFamily="18" charset="0"/>
                       </a:rPr>
                       <m:t>∈[0,</m:t>
                     </m:r>
                     <m:r>
-                      <a:rPr lang="en-US" b="0" i="1" smtClean="0">
+                      <a:rPr lang="en-US" sz="2000" b="0" i="1" smtClean="0">
                         <a:latin typeface="Cambria Math" panose="02040503050406030204" pitchFamily="18" charset="0"/>
                       </a:rPr>
                       <m:t>𝑅</m:t>
                     </m:r>
                     <m:r>
-                      <a:rPr lang="en-US" b="0" i="1" smtClean="0">
+                      <a:rPr lang="en-US" sz="2000" b="0" i="1" smtClean="0">
                         <a:latin typeface="Cambria Math" panose="02040503050406030204" pitchFamily="18" charset="0"/>
                       </a:rPr>
                       <m:t>]</m:t>
@@ -12253,23 +13517,23 @@
                   </m:oMath>
                 </a14:m>
                 <a:r>
-                  <a:rPr lang="en-CA" dirty="0"/>
+                  <a:rPr lang="en-CA" sz="2000" dirty="0"/>
                   <a:t> avec R=0.5m. </a:t>
                 </a:r>
                 <a:r>
-                  <a:rPr lang="en-CA" dirty="0" err="1"/>
+                  <a:rPr lang="en-CA" sz="2000" dirty="0" err="1"/>
                   <a:t>D’où</a:t>
                 </a:r>
                 <a:r>
-                  <a:rPr lang="en-CA" dirty="0"/>
+                  <a:rPr lang="en-CA" sz="2000" dirty="0"/>
                   <a:t> la </a:t>
                 </a:r>
                 <a:r>
-                  <a:rPr lang="en-CA" dirty="0" err="1"/>
+                  <a:rPr lang="en-CA" sz="2000" dirty="0" err="1"/>
                   <a:t>discrétisation</a:t>
                 </a:r>
                 <a:r>
-                  <a:rPr lang="en-CA" dirty="0"/>
+                  <a:rPr lang="en-CA" sz="2000" dirty="0"/>
                   <a:t>:</a:t>
                 </a:r>
               </a:p>
@@ -12301,7 +13565,7 @@
               <a:blipFill>
                 <a:blip r:embed="rId2"/>
                 <a:stretch>
-                  <a:fillRect l="-1217" t="-10897" b="-8333"/>
+                  <a:fillRect l="-638" t="-5769"/>
                 </a:stretch>
               </a:blipFill>
             </p:spPr>
@@ -13200,27 +14464,27 @@
           <a:lstStyle/>
           <a:p>
             <a:r>
-              <a:rPr lang="en-CA" sz="4000" dirty="0"/>
+              <a:rPr lang="en-CA" sz="3600" dirty="0"/>
               <a:t>A-d) Conditions </a:t>
             </a:r>
             <a:r>
-              <a:rPr lang="en-CA" sz="4000" dirty="0" err="1"/>
+              <a:rPr lang="en-CA" sz="3600" dirty="0" err="1"/>
               <a:t>frontières</a:t>
             </a:r>
             <a:r>
-              <a:rPr lang="en-CA" sz="4000" dirty="0"/>
+              <a:rPr lang="en-CA" sz="3600" dirty="0"/>
               <a:t> et </a:t>
             </a:r>
             <a:r>
-              <a:rPr lang="en-CA" sz="4000" dirty="0" err="1"/>
-              <a:t>initiale</a:t>
-            </a:r>
-            <a:endParaRPr lang="en-CA" sz="4000" dirty="0"/>
+              <a:rPr lang="en-CA" sz="3600" dirty="0" err="1"/>
+              <a:t>initiales</a:t>
+            </a:r>
+            <a:endParaRPr lang="en-CA" sz="3600" dirty="0"/>
           </a:p>
         </p:txBody>
       </p:sp>
-      <mc:AlternateContent xmlns:mc="http://schemas.openxmlformats.org/markup-compatibility/2006" xmlns:a14="http://schemas.microsoft.com/office/drawing/2010/main">
-        <mc:Choice Requires="a14">
+      <mc:AlternateContent xmlns:mc="http://schemas.openxmlformats.org/markup-compatibility/2006">
+        <mc:Choice xmlns:a14="http://schemas.microsoft.com/office/drawing/2010/main" Requires="a14">
           <p:sp>
             <p:nvSpPr>
               <p:cNvPr id="3" name="Content Placeholder 2">
@@ -13249,7 +14513,7 @@
                 </a:pPr>
                 <a:r>
                   <a:rPr lang="fr-FR" dirty="0"/>
-                  <a:t>Conditions frontières et leurs types</a:t>
+                  <a:t>Conditions frontières et leurs types:</a:t>
                 </a:r>
                 <a:br>
                   <a:rPr lang="fr-FR" dirty="0"/>
@@ -13362,6 +14626,18 @@
                       </a:rPr>
                       <m:t>=0</m:t>
                     </m:r>
+                    <m:r>
+                      <a:rPr lang="en-CA" b="0" i="1" smtClean="0">
+                        <a:latin typeface="Cambria Math" panose="02040503050406030204" pitchFamily="18" charset="0"/>
+                      </a:rPr>
+                      <m:t> ∀ </m:t>
+                    </m:r>
+                    <m:r>
+                      <a:rPr lang="en-CA" b="0" i="1" smtClean="0">
+                        <a:latin typeface="Cambria Math" panose="02040503050406030204" pitchFamily="18" charset="0"/>
+                      </a:rPr>
+                      <m:t>𝑡</m:t>
+                    </m:r>
                   </m:oMath>
                 </a14:m>
                 <a:endParaRPr lang="fr-FR" dirty="0"/>
@@ -13442,6 +14718,18 @@
                         </m:r>
                       </m:sub>
                     </m:sSub>
+                    <m:r>
+                      <a:rPr lang="en-CA" b="0" i="1" smtClean="0">
+                        <a:latin typeface="Cambria Math" panose="02040503050406030204" pitchFamily="18" charset="0"/>
+                      </a:rPr>
+                      <m:t> ∀ </m:t>
+                    </m:r>
+                    <m:r>
+                      <a:rPr lang="en-CA" b="0" i="1" smtClean="0">
+                        <a:latin typeface="Cambria Math" panose="02040503050406030204" pitchFamily="18" charset="0"/>
+                      </a:rPr>
+                      <m:t>𝑡</m:t>
+                    </m:r>
                   </m:oMath>
                 </a14:m>
                 <a:endParaRPr lang="fr-FR" dirty="0"/>
@@ -13456,22 +14744,16 @@
                 <a:pPr marL="571500" indent="-571500">
                   <a:buAutoNum type="romanLcPeriod"/>
                 </a:pPr>
-                <a:endParaRPr lang="fr-FR" dirty="0"/>
-              </a:p>
-              <a:p>
-                <a:pPr marL="571500" indent="-571500">
-                  <a:buAutoNum type="romanLcPeriod"/>
-                </a:pPr>
                 <a:r>
                   <a:rPr lang="fr-FR" dirty="0"/>
-                  <a:t>Condition initiale requise</a:t>
+                  <a:t>Conditions initiales requises:</a:t>
                 </a:r>
                 <a:br>
                   <a:rPr lang="fr-FR" dirty="0"/>
                 </a:br>
                 <a:r>
                   <a:rPr lang="fr-FR" dirty="0"/>
-                  <a:t>La condition initiale est nécessaire pour la résolution du problème à cause de la dérivée temporelle:</a:t>
+                  <a:t>La condition initiale est nécessaire pour la résolution du problème transitoire à cause de la dérivée temporelle:</a:t>
                 </a:r>
               </a:p>
               <a:p>
@@ -13531,7 +14813,56 @@
                       <a:rPr lang="en-CA" b="0" i="1" smtClean="0">
                         <a:latin typeface="Cambria Math" panose="02040503050406030204" pitchFamily="18" charset="0"/>
                       </a:rPr>
-                      <m:t>=0 ∀ </m:t>
+                      <m:t>=0</m:t>
+                    </m:r>
+                    <m:r>
+                      <a:rPr lang="en-CA" b="0" i="1" smtClean="0">
+                        <a:latin typeface="Cambria Math" panose="02040503050406030204" pitchFamily="18" charset="0"/>
+                      </a:rPr>
+                      <m:t> </m:t>
+                    </m:r>
+                    <m:r>
+                      <a:rPr lang="en-CA" b="0" i="1" smtClean="0">
+                        <a:latin typeface="Cambria Math" panose="02040503050406030204" pitchFamily="18" charset="0"/>
+                      </a:rPr>
+                      <m:t>𝑚𝑜𝑙</m:t>
+                    </m:r>
+                    <m:r>
+                      <a:rPr lang="en-CA" b="0" i="1" smtClean="0">
+                        <a:latin typeface="Cambria Math" panose="02040503050406030204" pitchFamily="18" charset="0"/>
+                      </a:rPr>
+                      <m:t>/</m:t>
+                    </m:r>
+                    <m:sSup>
+                      <m:sSupPr>
+                        <m:ctrlPr>
+                          <a:rPr lang="en-CA" b="0" i="1" smtClean="0">
+                            <a:latin typeface="Cambria Math" panose="02040503050406030204" pitchFamily="18" charset="0"/>
+                          </a:rPr>
+                        </m:ctrlPr>
+                      </m:sSupPr>
+                      <m:e>
+                        <m:r>
+                          <a:rPr lang="en-CA" b="0" i="1" smtClean="0">
+                            <a:latin typeface="Cambria Math" panose="02040503050406030204" pitchFamily="18" charset="0"/>
+                          </a:rPr>
+                          <m:t>𝑚</m:t>
+                        </m:r>
+                      </m:e>
+                      <m:sup>
+                        <m:r>
+                          <a:rPr lang="en-CA" b="0" i="1" smtClean="0">
+                            <a:latin typeface="Cambria Math" panose="02040503050406030204" pitchFamily="18" charset="0"/>
+                          </a:rPr>
+                          <m:t>3</m:t>
+                        </m:r>
+                      </m:sup>
+                    </m:sSup>
+                    <m:r>
+                      <a:rPr lang="en-CA" b="0" i="1" smtClean="0">
+                        <a:latin typeface="Cambria Math" panose="02040503050406030204" pitchFamily="18" charset="0"/>
+                      </a:rPr>
+                      <m:t> ∀ </m:t>
                     </m:r>
                     <m:r>
                       <a:rPr lang="en-CA" b="0" i="1" smtClean="0">
@@ -13539,6 +14870,124 @@
                       </a:rPr>
                       <m:t>𝑟</m:t>
                     </m:r>
+                    <m:r>
+                      <a:rPr lang="en-CA" b="0" i="1" smtClean="0">
+                        <a:latin typeface="Cambria Math" panose="02040503050406030204" pitchFamily="18" charset="0"/>
+                      </a:rPr>
+                      <m:t>≠</m:t>
+                    </m:r>
+                    <m:r>
+                      <a:rPr lang="en-CA" b="0" i="1" smtClean="0">
+                        <a:latin typeface="Cambria Math" panose="02040503050406030204" pitchFamily="18" charset="0"/>
+                      </a:rPr>
+                      <m:t>𝑅</m:t>
+                    </m:r>
+                  </m:oMath>
+                </a14:m>
+                <a:endParaRPr lang="en-CA" dirty="0"/>
+              </a:p>
+              <a:p>
+                <a:pPr lvl="1"/>
+                <a14:m>
+                  <m:oMath xmlns:m="http://schemas.openxmlformats.org/officeDocument/2006/math">
+                    <m:sSub>
+                      <m:sSubPr>
+                        <m:ctrlPr>
+                          <a:rPr lang="en-CA" b="0" i="1" smtClean="0">
+                            <a:latin typeface="Cambria Math" panose="02040503050406030204" pitchFamily="18" charset="0"/>
+                          </a:rPr>
+                        </m:ctrlPr>
+                      </m:sSubPr>
+                      <m:e>
+                        <m:r>
+                          <a:rPr lang="en-CA" b="0" i="1" smtClean="0">
+                            <a:latin typeface="Cambria Math" panose="02040503050406030204" pitchFamily="18" charset="0"/>
+                          </a:rPr>
+                          <m:t>𝐶</m:t>
+                        </m:r>
+                      </m:e>
+                      <m:sub>
+                        <m:r>
+                          <a:rPr lang="en-CA" b="0" i="1" smtClean="0">
+                            <a:latin typeface="Cambria Math" panose="02040503050406030204" pitchFamily="18" charset="0"/>
+                          </a:rPr>
+                          <m:t>(</m:t>
+                        </m:r>
+                        <m:r>
+                          <a:rPr lang="en-CA" b="0" i="1" smtClean="0">
+                            <a:latin typeface="Cambria Math" panose="02040503050406030204" pitchFamily="18" charset="0"/>
+                          </a:rPr>
+                          <m:t>𝑅</m:t>
+                        </m:r>
+                        <m:r>
+                          <a:rPr lang="en-CA" b="0" i="1" smtClean="0">
+                            <a:latin typeface="Cambria Math" panose="02040503050406030204" pitchFamily="18" charset="0"/>
+                          </a:rPr>
+                          <m:t>,</m:t>
+                        </m:r>
+                        <m:r>
+                          <a:rPr lang="en-CA" b="0" i="1" smtClean="0">
+                            <a:latin typeface="Cambria Math" panose="02040503050406030204" pitchFamily="18" charset="0"/>
+                          </a:rPr>
+                          <m:t>𝑡</m:t>
+                        </m:r>
+                        <m:r>
+                          <a:rPr lang="en-CA" b="0" i="1" smtClean="0">
+                            <a:latin typeface="Cambria Math" panose="02040503050406030204" pitchFamily="18" charset="0"/>
+                          </a:rPr>
+                          <m:t>=0)</m:t>
+                        </m:r>
+                      </m:sub>
+                    </m:sSub>
+                    <m:r>
+                      <a:rPr lang="en-CA" b="0" i="1" smtClean="0">
+                        <a:latin typeface="Cambria Math" panose="02040503050406030204" pitchFamily="18" charset="0"/>
+                      </a:rPr>
+                      <m:t>=</m:t>
+                    </m:r>
+                    <m:r>
+                      <a:rPr lang="en-CA" b="0" i="1" smtClean="0">
+                        <a:latin typeface="Cambria Math" panose="02040503050406030204" pitchFamily="18" charset="0"/>
+                      </a:rPr>
+                      <m:t>12 </m:t>
+                    </m:r>
+                    <m:r>
+                      <a:rPr lang="en-CA" b="0" i="1" smtClean="0">
+                        <a:latin typeface="Cambria Math" panose="02040503050406030204" pitchFamily="18" charset="0"/>
+                      </a:rPr>
+                      <m:t>𝑚𝑜𝑙</m:t>
+                    </m:r>
+                    <m:r>
+                      <a:rPr lang="en-CA" b="0" i="1" smtClean="0">
+                        <a:latin typeface="Cambria Math" panose="02040503050406030204" pitchFamily="18" charset="0"/>
+                      </a:rPr>
+                      <m:t>/</m:t>
+                    </m:r>
+                    <m:sSup>
+                      <m:sSupPr>
+                        <m:ctrlPr>
+                          <a:rPr lang="en-CA" b="0" i="1" smtClean="0">
+                            <a:latin typeface="Cambria Math" panose="02040503050406030204" pitchFamily="18" charset="0"/>
+                          </a:rPr>
+                        </m:ctrlPr>
+                      </m:sSupPr>
+                      <m:e>
+                        <m:r>
+                          <a:rPr lang="en-CA" b="0" i="1" smtClean="0">
+                            <a:latin typeface="Cambria Math" panose="02040503050406030204" pitchFamily="18" charset="0"/>
+                          </a:rPr>
+                          <m:t>𝑚</m:t>
+                        </m:r>
+                      </m:e>
+                      <m:sup>
+                        <m:r>
+                          <a:rPr lang="en-CA" b="0" i="1" smtClean="0">
+                            <a:latin typeface="Cambria Math" panose="02040503050406030204" pitchFamily="18" charset="0"/>
+                          </a:rPr>
+                          <m:t>3</m:t>
+                        </m:r>
+                      </m:sup>
+                    </m:sSup>
                   </m:oMath>
                 </a14:m>
                 <a:endParaRPr lang="en-CA" dirty="0"/>
@@ -13546,7 +14995,7 @@
             </p:txBody>
           </p:sp>
         </mc:Choice>
-        <mc:Fallback xmlns="">
+        <mc:Fallback>
           <p:sp>
             <p:nvSpPr>
               <p:cNvPr id="3" name="Content Placeholder 2">
@@ -13567,7 +15016,7 @@
               <a:blipFill>
                 <a:blip r:embed="rId2"/>
                 <a:stretch>
-                  <a:fillRect l="-1101" t="-3641" r="-348"/>
+                  <a:fillRect l="-1101" t="-3641"/>
                 </a:stretch>
               </a:blipFill>
             </p:spPr>
@@ -13640,27 +15089,27 @@
           <a:lstStyle/>
           <a:p>
             <a:r>
-              <a:rPr lang="en-CA" sz="4000" dirty="0"/>
+              <a:rPr lang="en-CA" sz="3600" dirty="0"/>
               <a:t>B-a) Equation aux </a:t>
             </a:r>
             <a:r>
-              <a:rPr lang="en-CA" sz="4000" dirty="0" err="1"/>
+              <a:rPr lang="en-CA" sz="3600" dirty="0" err="1"/>
               <a:t>différences</a:t>
             </a:r>
             <a:r>
-              <a:rPr lang="en-CA" sz="4000" dirty="0"/>
+              <a:rPr lang="en-CA" sz="3600" dirty="0"/>
               <a:t> </a:t>
             </a:r>
             <a:r>
-              <a:rPr lang="en-CA" sz="4000" dirty="0" err="1"/>
+              <a:rPr lang="en-CA" sz="3600" dirty="0" err="1"/>
               <a:t>finies</a:t>
             </a:r>
-            <a:endParaRPr lang="en-CA" sz="4000" dirty="0"/>
+            <a:endParaRPr lang="en-CA" sz="3600" dirty="0"/>
           </a:p>
         </p:txBody>
       </p:sp>
-      <mc:AlternateContent xmlns:mc="http://schemas.openxmlformats.org/markup-compatibility/2006" xmlns:a14="http://schemas.microsoft.com/office/drawing/2010/main">
-        <mc:Choice Requires="a14">
+      <mc:AlternateContent xmlns:mc="http://schemas.openxmlformats.org/markup-compatibility/2006">
+        <mc:Choice xmlns:a14="http://schemas.microsoft.com/office/drawing/2010/main" Requires="a14">
           <p:sp>
             <p:nvSpPr>
               <p:cNvPr id="3" name="Content Placeholder 2">
@@ -13679,7 +15128,7 @@
             </p:nvSpPr>
             <p:spPr>
               <a:xfrm>
-                <a:off x="838200" y="1425676"/>
+                <a:off x="838200" y="1364713"/>
                 <a:ext cx="10515600" cy="5289755"/>
               </a:xfrm>
             </p:spPr>
@@ -17259,7 +18708,7 @@
             </p:txBody>
           </p:sp>
         </mc:Choice>
-        <mc:Fallback xmlns="">
+        <mc:Fallback>
           <p:sp>
             <p:nvSpPr>
               <p:cNvPr id="3" name="Content Placeholder 2">
@@ -17278,7 +18727,7 @@
             </p:nvSpPr>
             <p:spPr>
               <a:xfrm>
-                <a:off x="838200" y="1425676"/>
+                <a:off x="838200" y="1364713"/>
                 <a:ext cx="10515600" cy="5289755"/>
               </a:xfrm>
               <a:blipFill>
@@ -17363,23 +18812,23 @@
           <a:lstStyle/>
           <a:p>
             <a:r>
-              <a:rPr lang="en-CA" sz="4000" dirty="0"/>
+              <a:rPr lang="en-CA" sz="3600" dirty="0"/>
               <a:t>B-a) Equation aux </a:t>
             </a:r>
             <a:r>
-              <a:rPr lang="en-CA" sz="4000" dirty="0" err="1"/>
+              <a:rPr lang="en-CA" sz="3600" dirty="0" err="1"/>
               <a:t>différences</a:t>
             </a:r>
             <a:r>
-              <a:rPr lang="en-CA" sz="4000" dirty="0"/>
+              <a:rPr lang="en-CA" sz="3600" dirty="0"/>
               <a:t> </a:t>
             </a:r>
             <a:r>
-              <a:rPr lang="en-CA" sz="4000" dirty="0" err="1"/>
+              <a:rPr lang="en-CA" sz="3600" dirty="0" err="1"/>
               <a:t>finies</a:t>
             </a:r>
             <a:r>
-              <a:rPr lang="en-CA" sz="4000" dirty="0"/>
+              <a:rPr lang="en-CA" sz="3600" dirty="0"/>
               <a:t> (suite)</a:t>
             </a:r>
           </a:p>
@@ -17804,7 +19253,7 @@
                 <a14:m>
                   <m:oMathPara xmlns:m="http://schemas.openxmlformats.org/officeDocument/2006/math">
                     <m:oMathParaPr>
-                      <m:jc m:val="left"/>
+                      <m:jc m:val="center"/>
                     </m:oMathParaPr>
                     <m:oMath xmlns:m="http://schemas.openxmlformats.org/officeDocument/2006/math">
                       <m:r>
@@ -21046,30 +22495,30 @@
           <a:lstStyle/>
           <a:p>
             <a:r>
-              <a:rPr lang="en-CA" sz="4000" dirty="0"/>
+              <a:rPr lang="en-CA" sz="3600" dirty="0"/>
               <a:t>B-b) </a:t>
             </a:r>
             <a:r>
-              <a:rPr lang="en-CA" sz="4000" dirty="0" err="1"/>
+              <a:rPr lang="en-CA" sz="3600" dirty="0" err="1"/>
               <a:t>Méthode</a:t>
             </a:r>
             <a:r>
-              <a:rPr lang="en-CA" sz="4000" dirty="0"/>
+              <a:rPr lang="en-CA" sz="3600" dirty="0"/>
               <a:t> </a:t>
             </a:r>
             <a:r>
-              <a:rPr lang="en-CA" sz="4000" dirty="0" err="1"/>
+              <a:rPr lang="en-CA" sz="3600" dirty="0" err="1"/>
               <a:t>générale</a:t>
             </a:r>
             <a:r>
-              <a:rPr lang="en-CA" sz="4000" dirty="0"/>
+              <a:rPr lang="en-CA" sz="3600" dirty="0"/>
               <a:t> de </a:t>
             </a:r>
             <a:r>
-              <a:rPr lang="en-CA" sz="4000" dirty="0" err="1"/>
+              <a:rPr lang="en-CA" sz="3600" dirty="0" err="1"/>
               <a:t>résolution</a:t>
             </a:r>
-            <a:endParaRPr lang="en-CA" sz="4000" dirty="0"/>
+            <a:endParaRPr lang="en-CA" sz="3600" dirty="0"/>
           </a:p>
         </p:txBody>
       </p:sp>
@@ -21091,7 +22540,7 @@
         </p:nvSpPr>
         <p:spPr>
           <a:xfrm>
-            <a:off x="838200" y="1540488"/>
+            <a:off x="838200" y="1422502"/>
             <a:ext cx="10515600" cy="681601"/>
           </a:xfrm>
         </p:spPr>
@@ -21105,35 +22554,35 @@
               <a:buNone/>
             </a:pPr>
             <a:r>
-              <a:rPr lang="en-CA" sz="2400" dirty="0" err="1"/>
+              <a:rPr lang="en-CA" sz="2200" dirty="0" err="1"/>
               <a:t>C’est</a:t>
             </a:r>
             <a:r>
-              <a:rPr lang="en-CA" sz="2400" dirty="0"/>
+              <a:rPr lang="en-CA" sz="2200" dirty="0"/>
               <a:t> la </a:t>
             </a:r>
             <a:r>
-              <a:rPr lang="en-CA" sz="2400" dirty="0" err="1"/>
+              <a:rPr lang="en-CA" sz="2200" dirty="0" err="1"/>
               <a:t>méthode</a:t>
             </a:r>
             <a:r>
-              <a:rPr lang="en-CA" sz="2400" dirty="0"/>
+              <a:rPr lang="en-CA" sz="2200" dirty="0"/>
               <a:t> des </a:t>
             </a:r>
             <a:r>
-              <a:rPr lang="en-CA" sz="2400" dirty="0" err="1"/>
+              <a:rPr lang="en-CA" sz="2200" dirty="0" err="1"/>
               <a:t>différences</a:t>
             </a:r>
             <a:r>
-              <a:rPr lang="en-CA" sz="2400" dirty="0"/>
+              <a:rPr lang="en-CA" sz="2200" dirty="0"/>
               <a:t> </a:t>
             </a:r>
             <a:r>
-              <a:rPr lang="en-CA" sz="2400" dirty="0" err="1"/>
+              <a:rPr lang="en-CA" sz="2200" dirty="0" err="1"/>
               <a:t>finies</a:t>
             </a:r>
             <a:r>
-              <a:rPr lang="en-CA" sz="2400" dirty="0"/>
+              <a:rPr lang="en-CA" sz="2200" dirty="0"/>
               <a:t> (MDF).</a:t>
             </a:r>
           </a:p>
@@ -21155,7 +22604,7 @@
         </p:nvSpPr>
         <p:spPr>
           <a:xfrm>
-            <a:off x="838200" y="2444647"/>
+            <a:off x="838200" y="1884207"/>
             <a:ext cx="10515600" cy="1325563"/>
           </a:xfrm>
           <a:prstGeom prst="rect">
@@ -21187,22 +22636,22 @@
           </a:lstStyle>
           <a:p>
             <a:r>
-              <a:rPr lang="en-CA" sz="4000" dirty="0"/>
+              <a:rPr lang="en-CA" sz="3600" dirty="0"/>
               <a:t>B-c) Ordre de </a:t>
             </a:r>
             <a:r>
-              <a:rPr lang="en-CA" sz="4000" dirty="0" err="1"/>
+              <a:rPr lang="en-CA" sz="3600" dirty="0" err="1"/>
               <a:t>précision</a:t>
             </a:r>
             <a:r>
-              <a:rPr lang="en-CA" sz="4000" dirty="0"/>
+              <a:rPr lang="en-CA" sz="3600" dirty="0"/>
               <a:t> </a:t>
             </a:r>
             <a:r>
-              <a:rPr lang="en-CA" sz="4000" dirty="0" err="1"/>
+              <a:rPr lang="en-CA" sz="3600" dirty="0" err="1"/>
               <a:t>attendu</a:t>
             </a:r>
-            <a:endParaRPr lang="en-CA" sz="4000" dirty="0"/>
+            <a:endParaRPr lang="en-CA" sz="3600" dirty="0"/>
           </a:p>
         </p:txBody>
       </p:sp>
@@ -21222,7 +22671,7 @@
         </p:nvSpPr>
         <p:spPr>
           <a:xfrm>
-            <a:off x="838200" y="3669174"/>
+            <a:off x="838200" y="2866514"/>
             <a:ext cx="10515600" cy="1246955"/>
           </a:xfrm>
           <a:prstGeom prst="rect">
@@ -21459,7 +22908,7 @@
             </a:r>
             <a:r>
               <a:rPr lang="en-CA" sz="2400" dirty="0"/>
-              <a:t> (</a:t>
+              <a:t> (pour les </a:t>
             </a:r>
             <a:r>
               <a:rPr lang="en-CA" sz="2400" dirty="0" err="1"/>
@@ -21499,7 +22948,7 @@
             </a:r>
             <a:r>
               <a:rPr lang="en-CA" sz="2400" dirty="0"/>
-              <a:t> (</a:t>
+              <a:t> (pour la </a:t>
             </a:r>
             <a:r>
               <a:rPr lang="en-CA" sz="2400" dirty="0" err="1"/>
@@ -21616,6 +23065,448 @@
           </a:p>
         </p:txBody>
       </p:sp>
+      <p:sp>
+        <p:nvSpPr>
+          <p:cNvPr id="6" name="Title 1">
+            <a:extLst>
+              <a:ext uri="{FF2B5EF4-FFF2-40B4-BE49-F238E27FC236}">
+                <a16:creationId xmlns:a16="http://schemas.microsoft.com/office/drawing/2014/main" id="{035C52E2-A5F5-91AF-0912-2D1B78E28141}"/>
+              </a:ext>
+            </a:extLst>
+          </p:cNvPr>
+          <p:cNvSpPr txBox="1">
+            <a:spLocks/>
+          </p:cNvSpPr>
+          <p:nvPr/>
+        </p:nvSpPr>
+        <p:spPr>
+          <a:xfrm>
+            <a:off x="838200" y="4119664"/>
+            <a:ext cx="10515600" cy="1325563"/>
+          </a:xfrm>
+          <a:prstGeom prst="rect">
+            <a:avLst/>
+          </a:prstGeom>
+        </p:spPr>
+        <p:txBody>
+          <a:bodyPr vert="horz" lIns="91440" tIns="45720" rIns="91440" bIns="45720" rtlCol="0" anchor="ctr">
+            <a:normAutofit/>
+          </a:bodyPr>
+          <a:lstStyle>
+            <a:lvl1pPr algn="l" defTabSz="914400" rtl="0" eaLnBrk="1" latinLnBrk="0" hangingPunct="1">
+              <a:lnSpc>
+                <a:spcPct val="90000"/>
+              </a:lnSpc>
+              <a:spcBef>
+                <a:spcPct val="0"/>
+              </a:spcBef>
+              <a:buNone/>
+              <a:defRPr sz="4400" kern="1200">
+                <a:solidFill>
+                  <a:schemeClr val="tx1"/>
+                </a:solidFill>
+                <a:latin typeface="+mj-lt"/>
+                <a:ea typeface="+mj-ea"/>
+                <a:cs typeface="+mj-cs"/>
+              </a:defRPr>
+            </a:lvl1pPr>
+          </a:lstStyle>
+          <a:p>
+            <a:r>
+              <a:rPr lang="en-CA" sz="3600" dirty="0"/>
+              <a:t>B-d) Condition de </a:t>
+            </a:r>
+            <a:r>
+              <a:rPr lang="en-CA" sz="3600" dirty="0" err="1"/>
+              <a:t>stabilité</a:t>
+            </a:r>
+            <a:r>
+              <a:rPr lang="en-CA" sz="3600" dirty="0"/>
+              <a:t> du </a:t>
+            </a:r>
+            <a:r>
+              <a:rPr lang="en-CA" sz="3600" dirty="0" err="1"/>
+              <a:t>schéma</a:t>
+            </a:r>
+            <a:r>
+              <a:rPr lang="en-CA" sz="3600" dirty="0"/>
+              <a:t> numérique</a:t>
+            </a:r>
+          </a:p>
+        </p:txBody>
+      </p:sp>
+      <mc:AlternateContent xmlns:mc="http://schemas.openxmlformats.org/markup-compatibility/2006">
+        <mc:Choice xmlns:a14="http://schemas.microsoft.com/office/drawing/2010/main" Requires="a14">
+          <p:sp>
+            <p:nvSpPr>
+              <p:cNvPr id="7" name="Content Placeholder 2">
+                <a:extLst>
+                  <a:ext uri="{FF2B5EF4-FFF2-40B4-BE49-F238E27FC236}">
+                    <a16:creationId xmlns:a16="http://schemas.microsoft.com/office/drawing/2014/main" id="{6D0C08F9-C5CB-1C85-5DF9-5845BA64A8C7}"/>
+                  </a:ext>
+                </a:extLst>
+              </p:cNvPr>
+              <p:cNvSpPr txBox="1">
+                <a:spLocks/>
+              </p:cNvSpPr>
+              <p:nvPr/>
+            </p:nvSpPr>
+            <p:spPr>
+              <a:xfrm>
+                <a:off x="838200" y="5107805"/>
+                <a:ext cx="10515600" cy="1086517"/>
+              </a:xfrm>
+              <a:prstGeom prst="rect">
+                <a:avLst/>
+              </a:prstGeom>
+            </p:spPr>
+            <p:txBody>
+              <a:bodyPr vert="horz" lIns="91440" tIns="45720" rIns="91440" bIns="45720" rtlCol="0">
+                <a:normAutofit/>
+              </a:bodyPr>
+              <a:lstStyle>
+                <a:lvl1pPr marL="228600" indent="-228600" algn="l" defTabSz="914400" rtl="0" eaLnBrk="1" latinLnBrk="0" hangingPunct="1">
+                  <a:lnSpc>
+                    <a:spcPct val="90000"/>
+                  </a:lnSpc>
+                  <a:spcBef>
+                    <a:spcPts val="1000"/>
+                  </a:spcBef>
+                  <a:buFont typeface="Arial" panose="020B0604020202020204" pitchFamily="34" charset="0"/>
+                  <a:buChar char="•"/>
+                  <a:defRPr sz="2800" kern="1200">
+                    <a:solidFill>
+                      <a:schemeClr val="tx1"/>
+                    </a:solidFill>
+                    <a:latin typeface="+mn-lt"/>
+                    <a:ea typeface="+mn-ea"/>
+                    <a:cs typeface="+mn-cs"/>
+                  </a:defRPr>
+                </a:lvl1pPr>
+                <a:lvl2pPr marL="685800" indent="-228600" algn="l" defTabSz="914400" rtl="0" eaLnBrk="1" latinLnBrk="0" hangingPunct="1">
+                  <a:lnSpc>
+                    <a:spcPct val="90000"/>
+                  </a:lnSpc>
+                  <a:spcBef>
+                    <a:spcPts val="500"/>
+                  </a:spcBef>
+                  <a:buFont typeface="Arial" panose="020B0604020202020204" pitchFamily="34" charset="0"/>
+                  <a:buChar char="•"/>
+                  <a:defRPr sz="2400" kern="1200">
+                    <a:solidFill>
+                      <a:schemeClr val="tx1"/>
+                    </a:solidFill>
+                    <a:latin typeface="+mn-lt"/>
+                    <a:ea typeface="+mn-ea"/>
+                    <a:cs typeface="+mn-cs"/>
+                  </a:defRPr>
+                </a:lvl2pPr>
+                <a:lvl3pPr marL="1143000" indent="-228600" algn="l" defTabSz="914400" rtl="0" eaLnBrk="1" latinLnBrk="0" hangingPunct="1">
+                  <a:lnSpc>
+                    <a:spcPct val="90000"/>
+                  </a:lnSpc>
+                  <a:spcBef>
+                    <a:spcPts val="500"/>
+                  </a:spcBef>
+                  <a:buFont typeface="Arial" panose="020B0604020202020204" pitchFamily="34" charset="0"/>
+                  <a:buChar char="•"/>
+                  <a:defRPr sz="2000" kern="1200">
+                    <a:solidFill>
+                      <a:schemeClr val="tx1"/>
+                    </a:solidFill>
+                    <a:latin typeface="+mn-lt"/>
+                    <a:ea typeface="+mn-ea"/>
+                    <a:cs typeface="+mn-cs"/>
+                  </a:defRPr>
+                </a:lvl3pPr>
+                <a:lvl4pPr marL="1600200" indent="-228600" algn="l" defTabSz="914400" rtl="0" eaLnBrk="1" latinLnBrk="0" hangingPunct="1">
+                  <a:lnSpc>
+                    <a:spcPct val="90000"/>
+                  </a:lnSpc>
+                  <a:spcBef>
+                    <a:spcPts val="500"/>
+                  </a:spcBef>
+                  <a:buFont typeface="Arial" panose="020B0604020202020204" pitchFamily="34" charset="0"/>
+                  <a:buChar char="•"/>
+                  <a:defRPr sz="1800" kern="1200">
+                    <a:solidFill>
+                      <a:schemeClr val="tx1"/>
+                    </a:solidFill>
+                    <a:latin typeface="+mn-lt"/>
+                    <a:ea typeface="+mn-ea"/>
+                    <a:cs typeface="+mn-cs"/>
+                  </a:defRPr>
+                </a:lvl4pPr>
+                <a:lvl5pPr marL="2057400" indent="-228600" algn="l" defTabSz="914400" rtl="0" eaLnBrk="1" latinLnBrk="0" hangingPunct="1">
+                  <a:lnSpc>
+                    <a:spcPct val="90000"/>
+                  </a:lnSpc>
+                  <a:spcBef>
+                    <a:spcPts val="500"/>
+                  </a:spcBef>
+                  <a:buFont typeface="Arial" panose="020B0604020202020204" pitchFamily="34" charset="0"/>
+                  <a:buChar char="•"/>
+                  <a:defRPr sz="1800" kern="1200">
+                    <a:solidFill>
+                      <a:schemeClr val="tx1"/>
+                    </a:solidFill>
+                    <a:latin typeface="+mn-lt"/>
+                    <a:ea typeface="+mn-ea"/>
+                    <a:cs typeface="+mn-cs"/>
+                  </a:defRPr>
+                </a:lvl5pPr>
+                <a:lvl6pPr marL="2514600" indent="-228600" algn="l" defTabSz="914400" rtl="0" eaLnBrk="1" latinLnBrk="0" hangingPunct="1">
+                  <a:lnSpc>
+                    <a:spcPct val="90000"/>
+                  </a:lnSpc>
+                  <a:spcBef>
+                    <a:spcPts val="500"/>
+                  </a:spcBef>
+                  <a:buFont typeface="Arial" panose="020B0604020202020204" pitchFamily="34" charset="0"/>
+                  <a:buChar char="•"/>
+                  <a:defRPr sz="1800" kern="1200">
+                    <a:solidFill>
+                      <a:schemeClr val="tx1"/>
+                    </a:solidFill>
+                    <a:latin typeface="+mn-lt"/>
+                    <a:ea typeface="+mn-ea"/>
+                    <a:cs typeface="+mn-cs"/>
+                  </a:defRPr>
+                </a:lvl6pPr>
+                <a:lvl7pPr marL="2971800" indent="-228600" algn="l" defTabSz="914400" rtl="0" eaLnBrk="1" latinLnBrk="0" hangingPunct="1">
+                  <a:lnSpc>
+                    <a:spcPct val="90000"/>
+                  </a:lnSpc>
+                  <a:spcBef>
+                    <a:spcPts val="500"/>
+                  </a:spcBef>
+                  <a:buFont typeface="Arial" panose="020B0604020202020204" pitchFamily="34" charset="0"/>
+                  <a:buChar char="•"/>
+                  <a:defRPr sz="1800" kern="1200">
+                    <a:solidFill>
+                      <a:schemeClr val="tx1"/>
+                    </a:solidFill>
+                    <a:latin typeface="+mn-lt"/>
+                    <a:ea typeface="+mn-ea"/>
+                    <a:cs typeface="+mn-cs"/>
+                  </a:defRPr>
+                </a:lvl7pPr>
+                <a:lvl8pPr marL="3429000" indent="-228600" algn="l" defTabSz="914400" rtl="0" eaLnBrk="1" latinLnBrk="0" hangingPunct="1">
+                  <a:lnSpc>
+                    <a:spcPct val="90000"/>
+                  </a:lnSpc>
+                  <a:spcBef>
+                    <a:spcPts val="500"/>
+                  </a:spcBef>
+                  <a:buFont typeface="Arial" panose="020B0604020202020204" pitchFamily="34" charset="0"/>
+                  <a:buChar char="•"/>
+                  <a:defRPr sz="1800" kern="1200">
+                    <a:solidFill>
+                      <a:schemeClr val="tx1"/>
+                    </a:solidFill>
+                    <a:latin typeface="+mn-lt"/>
+                    <a:ea typeface="+mn-ea"/>
+                    <a:cs typeface="+mn-cs"/>
+                  </a:defRPr>
+                </a:lvl8pPr>
+                <a:lvl9pPr marL="3886200" indent="-228600" algn="l" defTabSz="914400" rtl="0" eaLnBrk="1" latinLnBrk="0" hangingPunct="1">
+                  <a:lnSpc>
+                    <a:spcPct val="90000"/>
+                  </a:lnSpc>
+                  <a:spcBef>
+                    <a:spcPts val="500"/>
+                  </a:spcBef>
+                  <a:buFont typeface="Arial" panose="020B0604020202020204" pitchFamily="34" charset="0"/>
+                  <a:buChar char="•"/>
+                  <a:defRPr sz="1800" kern="1200">
+                    <a:solidFill>
+                      <a:schemeClr val="tx1"/>
+                    </a:solidFill>
+                    <a:latin typeface="+mn-lt"/>
+                    <a:ea typeface="+mn-ea"/>
+                    <a:cs typeface="+mn-cs"/>
+                  </a:defRPr>
+                </a:lvl9pPr>
+              </a:lstStyle>
+              <a:p>
+                <a:pPr marL="0" indent="0">
+                  <a:buFont typeface="Arial" panose="020B0604020202020204" pitchFamily="34" charset="0"/>
+                  <a:buNone/>
+                </a:pPr>
+                <a:r>
+                  <a:rPr lang="en-CA" sz="2200" dirty="0"/>
+                  <a:t>La </a:t>
+                </a:r>
+                <a:r>
+                  <a:rPr lang="en-CA" sz="2200" dirty="0" err="1"/>
+                  <a:t>discrétisation</a:t>
+                </a:r>
+                <a:r>
+                  <a:rPr lang="en-CA" sz="2200" dirty="0"/>
+                  <a:t> </a:t>
+                </a:r>
+                <a:r>
+                  <a:rPr lang="en-CA" sz="2200" dirty="0" err="1"/>
+                  <a:t>en</a:t>
+                </a:r>
+                <a:r>
+                  <a:rPr lang="en-CA" sz="2200" dirty="0"/>
+                  <a:t> temps </a:t>
+                </a:r>
+                <a:r>
+                  <a:rPr lang="en-CA" sz="2200" dirty="0" err="1"/>
+                  <a:t>étant</a:t>
+                </a:r>
+                <a:r>
+                  <a:rPr lang="en-CA" sz="2200" dirty="0"/>
+                  <a:t> </a:t>
+                </a:r>
+                <a:r>
+                  <a:rPr lang="en-CA" sz="2200" dirty="0" err="1"/>
+                  <a:t>implicite</a:t>
+                </a:r>
+                <a:r>
+                  <a:rPr lang="en-CA" sz="2200" dirty="0"/>
+                  <a:t>, il </a:t>
+                </a:r>
+                <a:r>
+                  <a:rPr lang="en-CA" sz="2200" dirty="0" err="1"/>
+                  <a:t>n’y</a:t>
+                </a:r>
+                <a:r>
+                  <a:rPr lang="en-CA" sz="2200" dirty="0"/>
+                  <a:t> a </a:t>
+                </a:r>
+                <a:r>
+                  <a:rPr lang="en-CA" sz="2200" dirty="0" err="1"/>
+                  <a:t>aucun</a:t>
+                </a:r>
+                <a:r>
+                  <a:rPr lang="en-CA" sz="2200" dirty="0"/>
+                  <a:t> </a:t>
+                </a:r>
+                <a:r>
+                  <a:rPr lang="en-CA" sz="2200" dirty="0" err="1"/>
+                  <a:t>critère</a:t>
+                </a:r>
+                <a:r>
+                  <a:rPr lang="en-CA" sz="2200" dirty="0"/>
+                  <a:t> de </a:t>
+                </a:r>
+                <a:r>
+                  <a:rPr lang="en-CA" sz="2200" dirty="0" err="1"/>
+                  <a:t>stabilité</a:t>
+                </a:r>
+                <a:r>
+                  <a:rPr lang="en-CA" sz="2200" dirty="0"/>
+                  <a:t> à respecter car le </a:t>
+                </a:r>
+                <a:r>
+                  <a:rPr lang="en-CA" sz="2200" dirty="0" err="1"/>
+                  <a:t>schéma</a:t>
+                </a:r>
+                <a:r>
+                  <a:rPr lang="en-CA" sz="2200" dirty="0"/>
+                  <a:t> </a:t>
+                </a:r>
+                <a:r>
+                  <a:rPr lang="en-CA" sz="2200" dirty="0" err="1"/>
+                  <a:t>implicite</a:t>
+                </a:r>
+                <a:r>
+                  <a:rPr lang="en-CA" sz="2200" dirty="0"/>
+                  <a:t> </a:t>
+                </a:r>
+                <a:r>
+                  <a:rPr lang="en-CA" sz="2200" dirty="0" err="1"/>
+                  <a:t>est</a:t>
+                </a:r>
+                <a:r>
+                  <a:rPr lang="en-CA" sz="2200" dirty="0"/>
+                  <a:t> </a:t>
+                </a:r>
+                <a:r>
+                  <a:rPr lang="en-CA" sz="2200" dirty="0" err="1"/>
+                  <a:t>inconditionellement</a:t>
+                </a:r>
+                <a:r>
+                  <a:rPr lang="en-CA" sz="2200" dirty="0"/>
+                  <a:t> stable (</a:t>
+                </a:r>
+                <a14:m>
+                  <m:oMath xmlns:m="http://schemas.openxmlformats.org/officeDocument/2006/math">
+                    <m:r>
+                      <m:rPr>
+                        <m:sty m:val="p"/>
+                      </m:rPr>
+                      <a:rPr lang="en-CA" sz="2200" smtClean="0">
+                        <a:latin typeface="Cambria Math" panose="02040503050406030204" pitchFamily="18" charset="0"/>
+                      </a:rPr>
+                      <m:t>Δt</m:t>
+                    </m:r>
+                  </m:oMath>
+                </a14:m>
+                <a:r>
+                  <a:rPr lang="en-CA" sz="2200" dirty="0"/>
+                  <a:t> </a:t>
+                </a:r>
+                <a:r>
+                  <a:rPr lang="en-CA" sz="2200" dirty="0" err="1"/>
+                  <a:t>est</a:t>
+                </a:r>
+                <a:r>
+                  <a:rPr lang="en-CA" sz="2200" dirty="0"/>
+                  <a:t> libre).</a:t>
+                </a:r>
+              </a:p>
+            </p:txBody>
+          </p:sp>
+        </mc:Choice>
+        <mc:Fallback>
+          <p:sp>
+            <p:nvSpPr>
+              <p:cNvPr id="7" name="Content Placeholder 2">
+                <a:extLst>
+                  <a:ext uri="{FF2B5EF4-FFF2-40B4-BE49-F238E27FC236}">
+                    <a16:creationId xmlns:a16="http://schemas.microsoft.com/office/drawing/2014/main" id="{6D0C08F9-C5CB-1C85-5DF9-5845BA64A8C7}"/>
+                  </a:ext>
+                </a:extLst>
+              </p:cNvPr>
+              <p:cNvSpPr txBox="1">
+                <a:spLocks noRot="1" noChangeAspect="1" noMove="1" noResize="1" noEditPoints="1" noAdjustHandles="1" noChangeArrowheads="1" noChangeShapeType="1" noTextEdit="1"/>
+              </p:cNvSpPr>
+              <p:nvPr/>
+            </p:nvSpPr>
+            <p:spPr>
+              <a:xfrm>
+                <a:off x="838200" y="5107805"/>
+                <a:ext cx="10515600" cy="1086517"/>
+              </a:xfrm>
+              <a:prstGeom prst="rect">
+                <a:avLst/>
+              </a:prstGeom>
+              <a:blipFill>
+                <a:blip r:embed="rId2"/>
+                <a:stretch>
+                  <a:fillRect l="-754" t="-6742" r="-1217"/>
+                </a:stretch>
+              </a:blipFill>
+            </p:spPr>
+            <p:txBody>
+              <a:bodyPr/>
+              <a:lstStyle/>
+              <a:p>
+                <a:r>
+                  <a:rPr lang="en-CA">
+                    <a:noFill/>
+                  </a:rPr>
+                  <a:t> </a:t>
+                </a:r>
+              </a:p>
+            </p:txBody>
+          </p:sp>
+        </mc:Fallback>
+      </mc:AlternateContent>
     </p:spTree>
     <p:extLst>
       <p:ext uri="{BB962C8B-B14F-4D97-AF65-F5344CB8AC3E}">
@@ -21634,7 +23525,13 @@
   <p:cSld>
     <p:spTree>
       <p:nvGrpSpPr>
-        <p:cNvPr id="1" name=""/>
+        <p:cNvPr id="1" name="">
+          <a:extLst>
+            <a:ext uri="{FF2B5EF4-FFF2-40B4-BE49-F238E27FC236}">
+              <a16:creationId xmlns:a16="http://schemas.microsoft.com/office/drawing/2014/main" id="{79268BEF-A106-76C3-3F06-95F5465E1619}"/>
+            </a:ext>
+          </a:extLst>
+        </p:cNvPr>
         <p:cNvGrpSpPr/>
         <p:nvPr/>
       </p:nvGrpSpPr>
@@ -21651,7 +23548,7 @@
           <p:cNvPr id="2" name="Title 1">
             <a:extLst>
               <a:ext uri="{FF2B5EF4-FFF2-40B4-BE49-F238E27FC236}">
-                <a16:creationId xmlns:a16="http://schemas.microsoft.com/office/drawing/2014/main" id="{8585E92F-476E-D8DB-A1AF-227ECADFA5C3}"/>
+                <a16:creationId xmlns:a16="http://schemas.microsoft.com/office/drawing/2014/main" id="{4617B039-A432-65B1-F176-2CEA12D4C664}"/>
               </a:ext>
             </a:extLst>
           </p:cNvPr>
@@ -21670,25 +23567,42 @@
           <a:lstStyle/>
           <a:p>
             <a:r>
-              <a:rPr lang="en-CA" sz="4000" dirty="0"/>
-              <a:t>B-d) Condition de </a:t>
-            </a:r>
-            <a:r>
-              <a:rPr lang="en-CA" sz="4000" dirty="0" err="1"/>
-              <a:t>stabilité</a:t>
-            </a:r>
-            <a:r>
-              <a:rPr lang="en-CA" sz="4000" dirty="0"/>
-              <a:t> du </a:t>
-            </a:r>
-            <a:r>
-              <a:rPr lang="en-CA" sz="4000" dirty="0" err="1"/>
-              <a:t>schéma</a:t>
-            </a:r>
-            <a:r>
-              <a:rPr lang="en-CA" sz="4000" dirty="0"/>
-              <a:t> numérique</a:t>
-            </a:r>
+              <a:rPr lang="en-CA" sz="3600" dirty="0"/>
+              <a:t>C) Solution </a:t>
+            </a:r>
+            <a:r>
+              <a:rPr lang="en-CA" sz="3600" dirty="0" err="1"/>
+              <a:t>analytique</a:t>
+            </a:r>
+            <a:r>
+              <a:rPr lang="en-CA" sz="3600" dirty="0"/>
+              <a:t> </a:t>
+            </a:r>
+            <a:r>
+              <a:rPr lang="en-CA" sz="3600" dirty="0" err="1"/>
+              <a:t>en</a:t>
+            </a:r>
+            <a:r>
+              <a:rPr lang="en-CA" sz="3600" dirty="0"/>
+              <a:t> </a:t>
+            </a:r>
+            <a:r>
+              <a:rPr lang="en-CA" sz="3600" dirty="0" err="1"/>
+              <a:t>régime</a:t>
+            </a:r>
+            <a:r>
+              <a:rPr lang="en-CA" sz="3600" dirty="0"/>
+              <a:t> </a:t>
+            </a:r>
+            <a:r>
+              <a:rPr lang="en-CA" sz="3600" dirty="0" err="1"/>
+              <a:t>stationnaire</a:t>
+            </a:r>
+            <a:endParaRPr lang="en-CA" sz="3600" dirty="0">
+              <a:highlight>
+                <a:srgbClr val="FFFF00"/>
+              </a:highlight>
+            </a:endParaRPr>
           </a:p>
         </p:txBody>
       </p:sp>
@@ -21699,7 +23613,7 @@
               <p:cNvPr id="3" name="Content Placeholder 2">
                 <a:extLst>
                   <a:ext uri="{FF2B5EF4-FFF2-40B4-BE49-F238E27FC236}">
-                    <a16:creationId xmlns:a16="http://schemas.microsoft.com/office/drawing/2014/main" id="{3D8529F7-5ADA-CE6B-4156-49F947721499}"/>
+                    <a16:creationId xmlns:a16="http://schemas.microsoft.com/office/drawing/2014/main" id="{A63707E9-7A4C-C84E-A286-D7B6432C9209}"/>
                   </a:ext>
                 </a:extLst>
               </p:cNvPr>
@@ -21710,139 +23624,1209 @@
                 <p:ph idx="1"/>
               </p:nvPr>
             </p:nvSpPr>
-            <p:spPr/>
+            <p:spPr>
+              <a:xfrm>
+                <a:off x="838200" y="1690688"/>
+                <a:ext cx="10515600" cy="5032375"/>
+              </a:xfrm>
+            </p:spPr>
             <p:txBody>
-              <a:bodyPr/>
+              <a:bodyPr>
+                <a:normAutofit fontScale="62500" lnSpcReduction="20000"/>
+              </a:bodyPr>
               <a:lstStyle/>
               <a:p>
                 <a:pPr marL="0" indent="0">
                   <a:buNone/>
                 </a:pPr>
+                <a14:m>
+                  <m:oMathPara xmlns:m="http://schemas.openxmlformats.org/officeDocument/2006/math">
+                    <m:oMathParaPr>
+                      <m:jc m:val="centerGroup"/>
+                    </m:oMathParaPr>
+                    <m:oMath xmlns:m="http://schemas.openxmlformats.org/officeDocument/2006/math">
+                      <m:sSub>
+                        <m:sSubPr>
+                          <m:ctrlPr>
+                            <a:rPr lang="en-CA" i="1" smtClean="0">
+                              <a:latin typeface="Cambria Math" panose="02040503050406030204" pitchFamily="18" charset="0"/>
+                            </a:rPr>
+                          </m:ctrlPr>
+                        </m:sSubPr>
+                        <m:e>
+                          <m:r>
+                            <a:rPr lang="en-CA" i="1">
+                              <a:latin typeface="Cambria Math" panose="02040503050406030204" pitchFamily="18" charset="0"/>
+                            </a:rPr>
+                            <m:t>𝐷</m:t>
+                          </m:r>
+                        </m:e>
+                        <m:sub>
+                          <m:r>
+                            <a:rPr lang="en-CA" i="1">
+                              <a:latin typeface="Cambria Math" panose="02040503050406030204" pitchFamily="18" charset="0"/>
+                            </a:rPr>
+                            <m:t>𝑒𝑓𝑓</m:t>
+                          </m:r>
+                        </m:sub>
+                      </m:sSub>
+                      <m:d>
+                        <m:dPr>
+                          <m:ctrlPr>
+                            <a:rPr lang="en-CA" i="1">
+                              <a:latin typeface="Cambria Math" panose="02040503050406030204" pitchFamily="18" charset="0"/>
+                            </a:rPr>
+                          </m:ctrlPr>
+                        </m:dPr>
+                        <m:e>
+                          <m:f>
+                            <m:fPr>
+                              <m:ctrlPr>
+                                <a:rPr lang="en-CA" i="1">
+                                  <a:latin typeface="Cambria Math" panose="02040503050406030204" pitchFamily="18" charset="0"/>
+                                </a:rPr>
+                              </m:ctrlPr>
+                            </m:fPr>
+                            <m:num>
+                              <m:r>
+                                <a:rPr lang="en-CA" i="1">
+                                  <a:latin typeface="Cambria Math" panose="02040503050406030204" pitchFamily="18" charset="0"/>
+                                </a:rPr>
+                                <m:t>1</m:t>
+                              </m:r>
+                            </m:num>
+                            <m:den>
+                              <m:r>
+                                <a:rPr lang="en-CA" i="1">
+                                  <a:latin typeface="Cambria Math" panose="02040503050406030204" pitchFamily="18" charset="0"/>
+                                </a:rPr>
+                                <m:t>𝑟</m:t>
+                              </m:r>
+                            </m:den>
+                          </m:f>
+                          <m:f>
+                            <m:fPr>
+                              <m:ctrlPr>
+                                <a:rPr lang="en-CA" i="1">
+                                  <a:latin typeface="Cambria Math" panose="02040503050406030204" pitchFamily="18" charset="0"/>
+                                </a:rPr>
+                              </m:ctrlPr>
+                            </m:fPr>
+                            <m:num>
+                              <m:r>
+                                <a:rPr lang="en-CA" i="1">
+                                  <a:latin typeface="Cambria Math" panose="02040503050406030204" pitchFamily="18" charset="0"/>
+                                </a:rPr>
+                                <m:t>𝜕</m:t>
+                              </m:r>
+                              <m:r>
+                                <a:rPr lang="en-CA" i="1">
+                                  <a:latin typeface="Cambria Math" panose="02040503050406030204" pitchFamily="18" charset="0"/>
+                                </a:rPr>
+                                <m:t>𝐶</m:t>
+                              </m:r>
+                            </m:num>
+                            <m:den>
+                              <m:r>
+                                <a:rPr lang="en-CA" i="1">
+                                  <a:latin typeface="Cambria Math" panose="02040503050406030204" pitchFamily="18" charset="0"/>
+                                </a:rPr>
+                                <m:t>𝜕</m:t>
+                              </m:r>
+                              <m:r>
+                                <a:rPr lang="en-CA" i="1">
+                                  <a:latin typeface="Cambria Math" panose="02040503050406030204" pitchFamily="18" charset="0"/>
+                                </a:rPr>
+                                <m:t>𝑟</m:t>
+                              </m:r>
+                            </m:den>
+                          </m:f>
+                          <m:r>
+                            <a:rPr lang="en-CA" i="1">
+                              <a:latin typeface="Cambria Math" panose="02040503050406030204" pitchFamily="18" charset="0"/>
+                            </a:rPr>
+                            <m:t>+</m:t>
+                          </m:r>
+                          <m:f>
+                            <m:fPr>
+                              <m:ctrlPr>
+                                <a:rPr lang="en-CA" i="1">
+                                  <a:latin typeface="Cambria Math" panose="02040503050406030204" pitchFamily="18" charset="0"/>
+                                </a:rPr>
+                              </m:ctrlPr>
+                            </m:fPr>
+                            <m:num>
+                              <m:sSup>
+                                <m:sSupPr>
+                                  <m:ctrlPr>
+                                    <a:rPr lang="en-CA" i="1">
+                                      <a:latin typeface="Cambria Math" panose="02040503050406030204" pitchFamily="18" charset="0"/>
+                                    </a:rPr>
+                                  </m:ctrlPr>
+                                </m:sSupPr>
+                                <m:e>
+                                  <m:r>
+                                    <a:rPr lang="en-CA" i="1">
+                                      <a:latin typeface="Cambria Math" panose="02040503050406030204" pitchFamily="18" charset="0"/>
+                                    </a:rPr>
+                                    <m:t>𝜕</m:t>
+                                  </m:r>
+                                </m:e>
+                                <m:sup>
+                                  <m:r>
+                                    <a:rPr lang="en-CA" i="1">
+                                      <a:latin typeface="Cambria Math" panose="02040503050406030204" pitchFamily="18" charset="0"/>
+                                    </a:rPr>
+                                    <m:t>2</m:t>
+                                  </m:r>
+                                </m:sup>
+                              </m:sSup>
+                              <m:r>
+                                <a:rPr lang="en-CA" i="1">
+                                  <a:latin typeface="Cambria Math" panose="02040503050406030204" pitchFamily="18" charset="0"/>
+                                </a:rPr>
+                                <m:t>𝐶</m:t>
+                              </m:r>
+                            </m:num>
+                            <m:den>
+                              <m:r>
+                                <a:rPr lang="en-CA" i="1">
+                                  <a:latin typeface="Cambria Math" panose="02040503050406030204" pitchFamily="18" charset="0"/>
+                                </a:rPr>
+                                <m:t>𝜕</m:t>
+                              </m:r>
+                              <m:sSup>
+                                <m:sSupPr>
+                                  <m:ctrlPr>
+                                    <a:rPr lang="en-CA" i="1">
+                                      <a:latin typeface="Cambria Math" panose="02040503050406030204" pitchFamily="18" charset="0"/>
+                                    </a:rPr>
+                                  </m:ctrlPr>
+                                </m:sSupPr>
+                                <m:e>
+                                  <m:r>
+                                    <a:rPr lang="en-CA" i="1">
+                                      <a:latin typeface="Cambria Math" panose="02040503050406030204" pitchFamily="18" charset="0"/>
+                                    </a:rPr>
+                                    <m:t>𝑟</m:t>
+                                  </m:r>
+                                </m:e>
+                                <m:sup>
+                                  <m:r>
+                                    <a:rPr lang="en-CA" i="1">
+                                      <a:latin typeface="Cambria Math" panose="02040503050406030204" pitchFamily="18" charset="0"/>
+                                    </a:rPr>
+                                    <m:t>2</m:t>
+                                  </m:r>
+                                </m:sup>
+                              </m:sSup>
+                            </m:den>
+                          </m:f>
+                        </m:e>
+                      </m:d>
+                      <m:r>
+                        <a:rPr lang="en-CA" i="1">
+                          <a:latin typeface="Cambria Math" panose="02040503050406030204" pitchFamily="18" charset="0"/>
+                        </a:rPr>
+                        <m:t>−</m:t>
+                      </m:r>
+                      <m:r>
+                        <a:rPr lang="en-CA" i="1">
+                          <a:latin typeface="Cambria Math" panose="02040503050406030204" pitchFamily="18" charset="0"/>
+                        </a:rPr>
+                        <m:t>𝑆</m:t>
+                      </m:r>
+                      <m:r>
+                        <a:rPr lang="en-CA" b="0" i="1" smtClean="0">
+                          <a:latin typeface="Cambria Math" panose="02040503050406030204" pitchFamily="18" charset="0"/>
+                        </a:rPr>
+                        <m:t>=0</m:t>
+                      </m:r>
+                    </m:oMath>
+                  </m:oMathPara>
+                </a14:m>
+                <a:endParaRPr lang="en-CA" dirty="0"/>
+              </a:p>
+              <a:p>
+                <a:pPr marL="0" indent="0">
+                  <a:buNone/>
+                </a:pPr>
+                <a:endParaRPr lang="en-CA" i="1" dirty="0">
+                  <a:latin typeface="Cambria Math" panose="02040503050406030204" pitchFamily="18" charset="0"/>
+                </a:endParaRPr>
+              </a:p>
+              <a:p>
+                <a:pPr marL="0" indent="0">
+                  <a:buNone/>
+                </a:pPr>
+                <a14:m>
+                  <m:oMathPara xmlns:m="http://schemas.openxmlformats.org/officeDocument/2006/math">
+                    <m:oMathParaPr>
+                      <m:jc m:val="centerGroup"/>
+                    </m:oMathParaPr>
+                    <m:oMath xmlns:m="http://schemas.openxmlformats.org/officeDocument/2006/math">
+                      <m:f>
+                        <m:fPr>
+                          <m:ctrlPr>
+                            <a:rPr lang="en-CA" i="1">
+                              <a:latin typeface="Cambria Math" panose="02040503050406030204" pitchFamily="18" charset="0"/>
+                            </a:rPr>
+                          </m:ctrlPr>
+                        </m:fPr>
+                        <m:num>
+                          <m:sSup>
+                            <m:sSupPr>
+                              <m:ctrlPr>
+                                <a:rPr lang="en-CA" i="1">
+                                  <a:latin typeface="Cambria Math" panose="02040503050406030204" pitchFamily="18" charset="0"/>
+                                </a:rPr>
+                              </m:ctrlPr>
+                            </m:sSupPr>
+                            <m:e>
+                              <m:r>
+                                <a:rPr lang="en-CA" i="1">
+                                  <a:latin typeface="Cambria Math" panose="02040503050406030204" pitchFamily="18" charset="0"/>
+                                </a:rPr>
+                                <m:t>𝜕</m:t>
+                              </m:r>
+                            </m:e>
+                            <m:sup>
+                              <m:r>
+                                <a:rPr lang="en-CA" i="1">
+                                  <a:latin typeface="Cambria Math" panose="02040503050406030204" pitchFamily="18" charset="0"/>
+                                </a:rPr>
+                                <m:t>2</m:t>
+                              </m:r>
+                            </m:sup>
+                          </m:sSup>
+                          <m:r>
+                            <a:rPr lang="en-CA" i="1">
+                              <a:latin typeface="Cambria Math" panose="02040503050406030204" pitchFamily="18" charset="0"/>
+                            </a:rPr>
+                            <m:t>𝐶</m:t>
+                          </m:r>
+                        </m:num>
+                        <m:den>
+                          <m:r>
+                            <a:rPr lang="en-CA" i="1">
+                              <a:latin typeface="Cambria Math" panose="02040503050406030204" pitchFamily="18" charset="0"/>
+                            </a:rPr>
+                            <m:t>𝜕</m:t>
+                          </m:r>
+                          <m:sSup>
+                            <m:sSupPr>
+                              <m:ctrlPr>
+                                <a:rPr lang="en-CA" i="1">
+                                  <a:latin typeface="Cambria Math" panose="02040503050406030204" pitchFamily="18" charset="0"/>
+                                </a:rPr>
+                              </m:ctrlPr>
+                            </m:sSupPr>
+                            <m:e>
+                              <m:r>
+                                <a:rPr lang="en-CA" i="1">
+                                  <a:latin typeface="Cambria Math" panose="02040503050406030204" pitchFamily="18" charset="0"/>
+                                </a:rPr>
+                                <m:t>𝑟</m:t>
+                              </m:r>
+                            </m:e>
+                            <m:sup>
+                              <m:r>
+                                <a:rPr lang="en-CA" i="1">
+                                  <a:latin typeface="Cambria Math" panose="02040503050406030204" pitchFamily="18" charset="0"/>
+                                </a:rPr>
+                                <m:t>2</m:t>
+                              </m:r>
+                            </m:sup>
+                          </m:sSup>
+                        </m:den>
+                      </m:f>
+                      <m:r>
+                        <a:rPr lang="en-CA" b="0" i="1" smtClean="0">
+                          <a:latin typeface="Cambria Math" panose="02040503050406030204" pitchFamily="18" charset="0"/>
+                        </a:rPr>
+                        <m:t>+</m:t>
+                      </m:r>
+                      <m:f>
+                        <m:fPr>
+                          <m:ctrlPr>
+                            <a:rPr lang="en-CA" i="1">
+                              <a:latin typeface="Cambria Math" panose="02040503050406030204" pitchFamily="18" charset="0"/>
+                            </a:rPr>
+                          </m:ctrlPr>
+                        </m:fPr>
+                        <m:num>
+                          <m:r>
+                            <a:rPr lang="en-CA" i="1">
+                              <a:latin typeface="Cambria Math" panose="02040503050406030204" pitchFamily="18" charset="0"/>
+                            </a:rPr>
+                            <m:t>1</m:t>
+                          </m:r>
+                        </m:num>
+                        <m:den>
+                          <m:r>
+                            <a:rPr lang="en-CA" i="1">
+                              <a:latin typeface="Cambria Math" panose="02040503050406030204" pitchFamily="18" charset="0"/>
+                            </a:rPr>
+                            <m:t>𝑟</m:t>
+                          </m:r>
+                        </m:den>
+                      </m:f>
+                      <m:f>
+                        <m:fPr>
+                          <m:ctrlPr>
+                            <a:rPr lang="en-CA" i="1">
+                              <a:latin typeface="Cambria Math" panose="02040503050406030204" pitchFamily="18" charset="0"/>
+                            </a:rPr>
+                          </m:ctrlPr>
+                        </m:fPr>
+                        <m:num>
+                          <m:r>
+                            <a:rPr lang="en-CA" i="1">
+                              <a:latin typeface="Cambria Math" panose="02040503050406030204" pitchFamily="18" charset="0"/>
+                            </a:rPr>
+                            <m:t>𝜕</m:t>
+                          </m:r>
+                          <m:r>
+                            <a:rPr lang="en-CA" i="1">
+                              <a:latin typeface="Cambria Math" panose="02040503050406030204" pitchFamily="18" charset="0"/>
+                            </a:rPr>
+                            <m:t>𝐶</m:t>
+                          </m:r>
+                        </m:num>
+                        <m:den>
+                          <m:r>
+                            <a:rPr lang="en-CA" i="1">
+                              <a:latin typeface="Cambria Math" panose="02040503050406030204" pitchFamily="18" charset="0"/>
+                            </a:rPr>
+                            <m:t>𝜕</m:t>
+                          </m:r>
+                          <m:r>
+                            <a:rPr lang="en-CA" i="1">
+                              <a:latin typeface="Cambria Math" panose="02040503050406030204" pitchFamily="18" charset="0"/>
+                            </a:rPr>
+                            <m:t>𝑟</m:t>
+                          </m:r>
+                        </m:den>
+                      </m:f>
+                      <m:r>
+                        <a:rPr lang="en-CA" b="0" i="1" smtClean="0">
+                          <a:latin typeface="Cambria Math" panose="02040503050406030204" pitchFamily="18" charset="0"/>
+                        </a:rPr>
+                        <m:t>=</m:t>
+                      </m:r>
+                      <m:f>
+                        <m:fPr>
+                          <m:ctrlPr>
+                            <a:rPr lang="en-CA" b="0" i="1" smtClean="0">
+                              <a:latin typeface="Cambria Math" panose="02040503050406030204" pitchFamily="18" charset="0"/>
+                            </a:rPr>
+                          </m:ctrlPr>
+                        </m:fPr>
+                        <m:num>
+                          <m:r>
+                            <a:rPr lang="en-CA" b="0" i="1" smtClean="0">
+                              <a:latin typeface="Cambria Math" panose="02040503050406030204" pitchFamily="18" charset="0"/>
+                            </a:rPr>
+                            <m:t>𝑆</m:t>
+                          </m:r>
+                        </m:num>
+                        <m:den>
+                          <m:sSub>
+                            <m:sSubPr>
+                              <m:ctrlPr>
+                                <a:rPr lang="en-CA" i="1">
+                                  <a:latin typeface="Cambria Math" panose="02040503050406030204" pitchFamily="18" charset="0"/>
+                                </a:rPr>
+                              </m:ctrlPr>
+                            </m:sSubPr>
+                            <m:e>
+                              <m:r>
+                                <a:rPr lang="en-CA" i="1">
+                                  <a:latin typeface="Cambria Math" panose="02040503050406030204" pitchFamily="18" charset="0"/>
+                                </a:rPr>
+                                <m:t>𝐷</m:t>
+                              </m:r>
+                            </m:e>
+                            <m:sub>
+                              <m:r>
+                                <a:rPr lang="en-CA" i="1">
+                                  <a:latin typeface="Cambria Math" panose="02040503050406030204" pitchFamily="18" charset="0"/>
+                                </a:rPr>
+                                <m:t>𝑒𝑓𝑓</m:t>
+                              </m:r>
+                            </m:sub>
+                          </m:sSub>
+                        </m:den>
+                      </m:f>
+                    </m:oMath>
+                  </m:oMathPara>
+                </a14:m>
+                <a:endParaRPr lang="en-CA" b="0" dirty="0"/>
+              </a:p>
+              <a:p>
+                <a:pPr marL="0" indent="0">
+                  <a:lnSpc>
+                    <a:spcPct val="100000"/>
+                  </a:lnSpc>
+                  <a:buNone/>
+                </a:pPr>
                 <a:r>
                   <a:rPr lang="en-CA" dirty="0"/>
-                  <a:t>La </a:t>
+                  <a:t>EDO </a:t>
                 </a:r>
                 <a:r>
                   <a:rPr lang="en-CA" dirty="0" err="1"/>
-                  <a:t>discrétisation</a:t>
+                  <a:t>d’ordre</a:t>
                 </a:r>
                 <a:r>
                   <a:rPr lang="en-CA" dirty="0"/>
+                  <a:t> 2 sans variable </a:t>
+                </a:r>
+                <a:r>
+                  <a:rPr lang="en-CA" dirty="0" err="1"/>
+                  <a:t>dépendante</a:t>
+                </a:r>
+                <a:r>
+                  <a:rPr lang="en-CA" dirty="0"/>
+                  <a:t> et non </a:t>
+                </a:r>
+                <a:r>
+                  <a:rPr lang="en-CA" dirty="0" err="1"/>
+                  <a:t>homogène</a:t>
+                </a:r>
+                <a:r>
+                  <a:rPr lang="en-CA" dirty="0"/>
+                  <a:t>, on </a:t>
+                </a:r>
+                <a:r>
+                  <a:rPr lang="en-CA" dirty="0" err="1"/>
+                  <a:t>effectue</a:t>
+                </a:r>
+                <a:r>
+                  <a:rPr lang="en-CA" dirty="0"/>
+                  <a:t> un </a:t>
+                </a:r>
+                <a:r>
+                  <a:rPr lang="en-CA" dirty="0" err="1"/>
+                  <a:t>changement</a:t>
+                </a:r>
+                <a:r>
+                  <a:rPr lang="en-CA" dirty="0"/>
+                  <a:t> de variables: </a:t>
+                </a:r>
+              </a:p>
+              <a:p>
+                <a:pPr marL="0" indent="0">
+                  <a:lnSpc>
+                    <a:spcPct val="100000"/>
+                  </a:lnSpc>
+                  <a:buNone/>
+                </a:pPr>
+                <a14:m>
+                  <m:oMath xmlns:m="http://schemas.openxmlformats.org/officeDocument/2006/math">
+                    <m:f>
+                      <m:fPr>
+                        <m:ctrlPr>
+                          <a:rPr lang="en-CA" i="1" smtClean="0">
+                            <a:latin typeface="Cambria Math" panose="02040503050406030204" pitchFamily="18" charset="0"/>
+                          </a:rPr>
+                        </m:ctrlPr>
+                      </m:fPr>
+                      <m:num>
+                        <m:r>
+                          <a:rPr lang="en-CA" i="1">
+                            <a:latin typeface="Cambria Math" panose="02040503050406030204" pitchFamily="18" charset="0"/>
+                          </a:rPr>
+                          <m:t>𝜕</m:t>
+                        </m:r>
+                        <m:r>
+                          <a:rPr lang="en-CA" i="1">
+                            <a:latin typeface="Cambria Math" panose="02040503050406030204" pitchFamily="18" charset="0"/>
+                          </a:rPr>
+                          <m:t>𝐶</m:t>
+                        </m:r>
+                      </m:num>
+                      <m:den>
+                        <m:r>
+                          <a:rPr lang="en-CA" i="1">
+                            <a:latin typeface="Cambria Math" panose="02040503050406030204" pitchFamily="18" charset="0"/>
+                          </a:rPr>
+                          <m:t>𝜕</m:t>
+                        </m:r>
+                        <m:r>
+                          <a:rPr lang="en-CA" i="1">
+                            <a:latin typeface="Cambria Math" panose="02040503050406030204" pitchFamily="18" charset="0"/>
+                          </a:rPr>
+                          <m:t>𝑟</m:t>
+                        </m:r>
+                      </m:den>
+                    </m:f>
+                    <m:r>
+                      <a:rPr lang="en-CA" b="0" i="1" smtClean="0">
+                        <a:latin typeface="Cambria Math" panose="02040503050406030204" pitchFamily="18" charset="0"/>
+                      </a:rPr>
+                      <m:t>=</m:t>
+                    </m:r>
+                    <m:r>
+                      <a:rPr lang="en-US" b="0" i="1" smtClean="0">
+                        <a:latin typeface="Cambria Math" panose="02040503050406030204" pitchFamily="18" charset="0"/>
+                      </a:rPr>
+                      <m:t>𝑢</m:t>
+                    </m:r>
+                    <m:r>
+                      <a:rPr lang="en-US" b="0" i="1" smtClean="0">
+                        <a:latin typeface="Cambria Math" panose="02040503050406030204" pitchFamily="18" charset="0"/>
+                      </a:rPr>
+                      <m:t>→</m:t>
+                    </m:r>
+                    <m:f>
+                      <m:fPr>
+                        <m:ctrlPr>
+                          <a:rPr lang="en-CA" i="1">
+                            <a:latin typeface="Cambria Math" panose="02040503050406030204" pitchFamily="18" charset="0"/>
+                          </a:rPr>
+                        </m:ctrlPr>
+                      </m:fPr>
+                      <m:num>
+                        <m:sSup>
+                          <m:sSupPr>
+                            <m:ctrlPr>
+                              <a:rPr lang="en-CA" i="1">
+                                <a:latin typeface="Cambria Math" panose="02040503050406030204" pitchFamily="18" charset="0"/>
+                              </a:rPr>
+                            </m:ctrlPr>
+                          </m:sSupPr>
+                          <m:e>
+                            <m:r>
+                              <a:rPr lang="en-CA" i="1">
+                                <a:latin typeface="Cambria Math" panose="02040503050406030204" pitchFamily="18" charset="0"/>
+                              </a:rPr>
+                              <m:t>𝜕</m:t>
+                            </m:r>
+                          </m:e>
+                          <m:sup>
+                            <m:r>
+                              <a:rPr lang="en-CA" i="1">
+                                <a:latin typeface="Cambria Math" panose="02040503050406030204" pitchFamily="18" charset="0"/>
+                              </a:rPr>
+                              <m:t>2</m:t>
+                            </m:r>
+                          </m:sup>
+                        </m:sSup>
+                        <m:r>
+                          <a:rPr lang="en-CA" i="1">
+                            <a:latin typeface="Cambria Math" panose="02040503050406030204" pitchFamily="18" charset="0"/>
+                          </a:rPr>
+                          <m:t>𝐶</m:t>
+                        </m:r>
+                      </m:num>
+                      <m:den>
+                        <m:r>
+                          <a:rPr lang="en-CA" i="1">
+                            <a:latin typeface="Cambria Math" panose="02040503050406030204" pitchFamily="18" charset="0"/>
+                          </a:rPr>
+                          <m:t>𝜕</m:t>
+                        </m:r>
+                        <m:sSup>
+                          <m:sSupPr>
+                            <m:ctrlPr>
+                              <a:rPr lang="en-CA" i="1">
+                                <a:latin typeface="Cambria Math" panose="02040503050406030204" pitchFamily="18" charset="0"/>
+                              </a:rPr>
+                            </m:ctrlPr>
+                          </m:sSupPr>
+                          <m:e>
+                            <m:r>
+                              <a:rPr lang="en-CA" i="1">
+                                <a:latin typeface="Cambria Math" panose="02040503050406030204" pitchFamily="18" charset="0"/>
+                              </a:rPr>
+                              <m:t>𝑟</m:t>
+                            </m:r>
+                          </m:e>
+                          <m:sup>
+                            <m:r>
+                              <a:rPr lang="en-CA" i="1">
+                                <a:latin typeface="Cambria Math" panose="02040503050406030204" pitchFamily="18" charset="0"/>
+                              </a:rPr>
+                              <m:t>2</m:t>
+                            </m:r>
+                          </m:sup>
+                        </m:sSup>
+                      </m:den>
+                    </m:f>
+                    <m:r>
+                      <a:rPr lang="en-US" b="0" i="1" smtClean="0">
+                        <a:latin typeface="Cambria Math" panose="02040503050406030204" pitchFamily="18" charset="0"/>
+                      </a:rPr>
+                      <m:t>=</m:t>
+                    </m:r>
+                    <m:r>
+                      <a:rPr lang="en-US" b="0" i="1" smtClean="0">
+                        <a:latin typeface="Cambria Math" panose="02040503050406030204" pitchFamily="18" charset="0"/>
+                      </a:rPr>
+                      <m:t>𝑢</m:t>
+                    </m:r>
+                    <m:r>
+                      <a:rPr lang="en-US" b="0" i="1" smtClean="0">
+                        <a:latin typeface="Cambria Math" panose="02040503050406030204" pitchFamily="18" charset="0"/>
+                      </a:rPr>
+                      <m:t>′</m:t>
+                    </m:r>
+                  </m:oMath>
+                </a14:m>
+                <a:r>
+                  <a:rPr lang="en-CA" b="0" dirty="0"/>
+                  <a:t>. </a:t>
+                </a:r>
+                <a:r>
+                  <a:rPr lang="en-CA" b="0" dirty="0" err="1"/>
+                  <a:t>L’équation</a:t>
+                </a:r>
+                <a:r>
+                  <a:rPr lang="en-CA" b="0" dirty="0"/>
                   <a:t> </a:t>
                 </a:r>
                 <a:r>
-                  <a:rPr lang="en-CA" dirty="0" err="1"/>
-                  <a:t>en</a:t>
-                </a:r>
-                <a:r>
-                  <a:rPr lang="en-CA" dirty="0"/>
-                  <a:t> temps </a:t>
-                </a:r>
-                <a:r>
-                  <a:rPr lang="en-CA" dirty="0" err="1"/>
-                  <a:t>étant</a:t>
-                </a:r>
-                <a:r>
-                  <a:rPr lang="en-CA" dirty="0"/>
+                  <a:rPr lang="en-CA" b="0" dirty="0" err="1"/>
+                  <a:t>devient</a:t>
+                </a:r>
+                <a:r>
+                  <a:rPr lang="en-CA" b="0" dirty="0"/>
+                  <a:t>:</a:t>
+                </a:r>
+              </a:p>
+              <a:p>
+                <a:pPr marL="0" indent="0">
+                  <a:lnSpc>
+                    <a:spcPct val="100000"/>
+                  </a:lnSpc>
+                  <a:buNone/>
+                </a:pPr>
+                <a14:m>
+                  <m:oMathPara xmlns:m="http://schemas.openxmlformats.org/officeDocument/2006/math">
+                    <m:oMathParaPr>
+                      <m:jc m:val="centerGroup"/>
+                    </m:oMathParaPr>
+                    <m:oMath xmlns:m="http://schemas.openxmlformats.org/officeDocument/2006/math">
+                      <m:sSup>
+                        <m:sSupPr>
+                          <m:ctrlPr>
+                            <a:rPr lang="en-US" b="0" i="1" smtClean="0">
+                              <a:latin typeface="Cambria Math" panose="02040503050406030204" pitchFamily="18" charset="0"/>
+                            </a:rPr>
+                          </m:ctrlPr>
+                        </m:sSupPr>
+                        <m:e>
+                          <m:r>
+                            <a:rPr lang="en-US" b="0" i="1" smtClean="0">
+                              <a:latin typeface="Cambria Math" panose="02040503050406030204" pitchFamily="18" charset="0"/>
+                            </a:rPr>
+                            <m:t>𝑢</m:t>
+                          </m:r>
+                        </m:e>
+                        <m:sup>
+                          <m:r>
+                            <a:rPr lang="en-US" b="0" i="1" smtClean="0">
+                              <a:latin typeface="Cambria Math" panose="02040503050406030204" pitchFamily="18" charset="0"/>
+                            </a:rPr>
+                            <m:t>′</m:t>
+                          </m:r>
+                        </m:sup>
+                      </m:sSup>
+                      <m:r>
+                        <a:rPr lang="en-US" b="0" i="1" smtClean="0">
+                          <a:latin typeface="Cambria Math" panose="02040503050406030204" pitchFamily="18" charset="0"/>
+                        </a:rPr>
+                        <m:t>+</m:t>
+                      </m:r>
+                      <m:f>
+                        <m:fPr>
+                          <m:ctrlPr>
+                            <a:rPr lang="en-US" b="0" i="1" smtClean="0">
+                              <a:latin typeface="Cambria Math" panose="02040503050406030204" pitchFamily="18" charset="0"/>
+                            </a:rPr>
+                          </m:ctrlPr>
+                        </m:fPr>
+                        <m:num>
+                          <m:r>
+                            <a:rPr lang="en-US" b="0" i="1" smtClean="0">
+                              <a:latin typeface="Cambria Math" panose="02040503050406030204" pitchFamily="18" charset="0"/>
+                            </a:rPr>
+                            <m:t>1</m:t>
+                          </m:r>
+                        </m:num>
+                        <m:den>
+                          <m:r>
+                            <a:rPr lang="en-US" b="0" i="1" smtClean="0">
+                              <a:latin typeface="Cambria Math" panose="02040503050406030204" pitchFamily="18" charset="0"/>
+                            </a:rPr>
+                            <m:t>𝑟</m:t>
+                          </m:r>
+                        </m:den>
+                      </m:f>
+                      <m:r>
+                        <a:rPr lang="en-US" b="0" i="1" smtClean="0">
+                          <a:latin typeface="Cambria Math" panose="02040503050406030204" pitchFamily="18" charset="0"/>
+                        </a:rPr>
+                        <m:t>𝑢</m:t>
+                      </m:r>
+                      <m:r>
+                        <a:rPr lang="en-US" b="0" i="1" smtClean="0">
+                          <a:latin typeface="Cambria Math" panose="02040503050406030204" pitchFamily="18" charset="0"/>
+                        </a:rPr>
+                        <m:t>=</m:t>
+                      </m:r>
+                      <m:f>
+                        <m:fPr>
+                          <m:ctrlPr>
+                            <a:rPr lang="en-US" b="0" i="1" smtClean="0">
+                              <a:latin typeface="Cambria Math" panose="02040503050406030204" pitchFamily="18" charset="0"/>
+                            </a:rPr>
+                          </m:ctrlPr>
+                        </m:fPr>
+                        <m:num>
+                          <m:r>
+                            <a:rPr lang="en-US" b="0" i="1" smtClean="0">
+                              <a:latin typeface="Cambria Math" panose="02040503050406030204" pitchFamily="18" charset="0"/>
+                            </a:rPr>
+                            <m:t>𝑆</m:t>
+                          </m:r>
+                        </m:num>
+                        <m:den>
+                          <m:sSub>
+                            <m:sSubPr>
+                              <m:ctrlPr>
+                                <a:rPr lang="en-US" b="0" i="1" smtClean="0">
+                                  <a:latin typeface="Cambria Math" panose="02040503050406030204" pitchFamily="18" charset="0"/>
+                                </a:rPr>
+                              </m:ctrlPr>
+                            </m:sSubPr>
+                            <m:e>
+                              <m:r>
+                                <a:rPr lang="en-US" b="0" i="1" smtClean="0">
+                                  <a:latin typeface="Cambria Math" panose="02040503050406030204" pitchFamily="18" charset="0"/>
+                                </a:rPr>
+                                <m:t>𝐷</m:t>
+                              </m:r>
+                            </m:e>
+                            <m:sub>
+                              <m:r>
+                                <a:rPr lang="en-US" b="0" i="1" smtClean="0">
+                                  <a:latin typeface="Cambria Math" panose="02040503050406030204" pitchFamily="18" charset="0"/>
+                                </a:rPr>
+                                <m:t>𝑒𝑓𝑓</m:t>
+                              </m:r>
+                            </m:sub>
+                          </m:sSub>
+                        </m:den>
+                      </m:f>
+                    </m:oMath>
+                  </m:oMathPara>
+                </a14:m>
+                <a:endParaRPr lang="en-CA" b="0" dirty="0"/>
+              </a:p>
+              <a:p>
+                <a:pPr marL="0" indent="0">
+                  <a:lnSpc>
+                    <a:spcPct val="100000"/>
+                  </a:lnSpc>
+                  <a:buNone/>
+                </a:pPr>
+                <a:r>
+                  <a:rPr lang="en-CA" b="0" dirty="0"/>
+                  <a:t>On </a:t>
+                </a:r>
+                <a:r>
+                  <a:rPr lang="en-CA" b="0" dirty="0" err="1"/>
+                  <a:t>multiplie</a:t>
+                </a:r>
+                <a:r>
+                  <a:rPr lang="en-CA" b="0" dirty="0"/>
+                  <a:t> par le </a:t>
+                </a:r>
+                <a:r>
+                  <a:rPr lang="en-CA" b="0" dirty="0" err="1"/>
+                  <a:t>facteur</a:t>
+                </a:r>
+                <a:r>
+                  <a:rPr lang="en-CA" b="0" dirty="0"/>
                   <a:t> </a:t>
                 </a:r>
                 <a:r>
-                  <a:rPr lang="en-CA" dirty="0" err="1"/>
-                  <a:t>implicite</a:t>
-                </a:r>
-                <a:r>
-                  <a:rPr lang="en-CA" dirty="0"/>
-                  <a:t>, il </a:t>
-                </a:r>
-                <a:r>
-                  <a:rPr lang="en-CA" dirty="0" err="1"/>
-                  <a:t>n’y</a:t>
-                </a:r>
-                <a:r>
-                  <a:rPr lang="en-CA" dirty="0"/>
-                  <a:t> a </a:t>
-                </a:r>
-                <a:r>
-                  <a:rPr lang="en-CA" dirty="0" err="1"/>
-                  <a:t>aucun</a:t>
-                </a:r>
-                <a:r>
-                  <a:rPr lang="en-CA" dirty="0"/>
-                  <a:t> </a:t>
-                </a:r>
-                <a:r>
-                  <a:rPr lang="en-CA" dirty="0" err="1"/>
-                  <a:t>critère</a:t>
-                </a:r>
-                <a:r>
-                  <a:rPr lang="en-CA" dirty="0"/>
-                  <a:t> de </a:t>
-                </a:r>
-                <a:r>
-                  <a:rPr lang="en-CA" dirty="0" err="1"/>
-                  <a:t>stabilité</a:t>
-                </a:r>
-                <a:r>
-                  <a:rPr lang="en-CA" dirty="0"/>
-                  <a:t> à respecter car le </a:t>
-                </a:r>
-                <a:r>
-                  <a:rPr lang="en-CA" dirty="0" err="1"/>
-                  <a:t>schéma</a:t>
-                </a:r>
-                <a:r>
-                  <a:rPr lang="en-CA" dirty="0"/>
-                  <a:t> </a:t>
-                </a:r>
-                <a:r>
-                  <a:rPr lang="en-CA" dirty="0" err="1"/>
-                  <a:t>implicite</a:t>
-                </a:r>
-                <a:r>
-                  <a:rPr lang="en-CA" dirty="0"/>
-                  <a:t> </a:t>
-                </a:r>
-                <a:r>
-                  <a:rPr lang="en-CA" dirty="0" err="1"/>
-                  <a:t>est</a:t>
-                </a:r>
-                <a:r>
-                  <a:rPr lang="en-CA" dirty="0"/>
-                  <a:t> </a:t>
-                </a:r>
-                <a:r>
-                  <a:rPr lang="en-CA" dirty="0" err="1"/>
-                  <a:t>inconditionellement</a:t>
-                </a:r>
-                <a:r>
-                  <a:rPr lang="en-CA" dirty="0"/>
-                  <a:t> stable (</a:t>
+                  <a:rPr lang="en-CA" b="0" dirty="0" err="1"/>
+                  <a:t>intégrant</a:t>
+                </a:r>
+                <a:r>
+                  <a:rPr lang="en-CA" b="0" dirty="0"/>
+                  <a:t>: </a:t>
                 </a:r>
                 <a14:m>
                   <m:oMath xmlns:m="http://schemas.openxmlformats.org/officeDocument/2006/math">
                     <m:r>
-                      <m:rPr>
-                        <m:sty m:val="p"/>
-                      </m:rPr>
-                      <a:rPr lang="en-CA" b="0" i="0" smtClean="0">
+                      <a:rPr lang="en-US" b="0" i="1" smtClean="0">
                         <a:latin typeface="Cambria Math" panose="02040503050406030204" pitchFamily="18" charset="0"/>
                       </a:rPr>
-                      <m:t>Δt</m:t>
+                      <m:t>𝐹</m:t>
+                    </m:r>
+                    <m:d>
+                      <m:dPr>
+                        <m:ctrlPr>
+                          <a:rPr lang="en-US" b="0" i="1" smtClean="0">
+                            <a:latin typeface="Cambria Math" panose="02040503050406030204" pitchFamily="18" charset="0"/>
+                          </a:rPr>
+                        </m:ctrlPr>
+                      </m:dPr>
+                      <m:e>
+                        <m:r>
+                          <a:rPr lang="en-US" b="0" i="1" smtClean="0">
+                            <a:latin typeface="Cambria Math" panose="02040503050406030204" pitchFamily="18" charset="0"/>
+                          </a:rPr>
+                          <m:t>𝑟</m:t>
+                        </m:r>
+                      </m:e>
+                    </m:d>
+                    <m:r>
+                      <a:rPr lang="en-US" b="0" i="1" smtClean="0">
+                        <a:latin typeface="Cambria Math" panose="02040503050406030204" pitchFamily="18" charset="0"/>
+                      </a:rPr>
+                      <m:t>=</m:t>
+                    </m:r>
+                    <m:sSup>
+                      <m:sSupPr>
+                        <m:ctrlPr>
+                          <a:rPr lang="en-US" b="0" i="1" smtClean="0">
+                            <a:latin typeface="Cambria Math" panose="02040503050406030204" pitchFamily="18" charset="0"/>
+                          </a:rPr>
+                        </m:ctrlPr>
+                      </m:sSupPr>
+                      <m:e>
+                        <m:r>
+                          <a:rPr lang="en-US" b="0" i="1" smtClean="0">
+                            <a:latin typeface="Cambria Math" panose="02040503050406030204" pitchFamily="18" charset="0"/>
+                          </a:rPr>
+                          <m:t>𝑒</m:t>
+                        </m:r>
+                      </m:e>
+                      <m:sup>
+                        <m:nary>
+                          <m:naryPr>
+                            <m:limLoc m:val="undOvr"/>
+                            <m:subHide m:val="on"/>
+                            <m:supHide m:val="on"/>
+                            <m:ctrlPr>
+                              <a:rPr lang="en-US" i="1">
+                                <a:latin typeface="Cambria Math" panose="02040503050406030204" pitchFamily="18" charset="0"/>
+                              </a:rPr>
+                            </m:ctrlPr>
+                          </m:naryPr>
+                          <m:sub/>
+                          <m:sup/>
+                          <m:e>
+                            <m:f>
+                              <m:fPr>
+                                <m:ctrlPr>
+                                  <a:rPr lang="en-US" i="1">
+                                    <a:latin typeface="Cambria Math" panose="02040503050406030204" pitchFamily="18" charset="0"/>
+                                  </a:rPr>
+                                </m:ctrlPr>
+                              </m:fPr>
+                              <m:num>
+                                <m:r>
+                                  <a:rPr lang="en-US" i="1">
+                                    <a:latin typeface="Cambria Math" panose="02040503050406030204" pitchFamily="18" charset="0"/>
+                                  </a:rPr>
+                                  <m:t>1</m:t>
+                                </m:r>
+                              </m:num>
+                              <m:den>
+                                <m:r>
+                                  <a:rPr lang="en-US" i="1">
+                                    <a:latin typeface="Cambria Math" panose="02040503050406030204" pitchFamily="18" charset="0"/>
+                                  </a:rPr>
+                                  <m:t>𝑟</m:t>
+                                </m:r>
+                              </m:den>
+                            </m:f>
+                            <m:r>
+                              <a:rPr lang="en-US" i="1">
+                                <a:latin typeface="Cambria Math" panose="02040503050406030204" pitchFamily="18" charset="0"/>
+                              </a:rPr>
+                              <m:t>𝑑𝑟</m:t>
+                            </m:r>
+                          </m:e>
+                        </m:nary>
+                      </m:sup>
+                    </m:sSup>
+                    <m:r>
+                      <a:rPr lang="en-US" b="0" i="1" smtClean="0">
+                        <a:latin typeface="Cambria Math" panose="02040503050406030204" pitchFamily="18" charset="0"/>
+                      </a:rPr>
+                      <m:t>=</m:t>
+                    </m:r>
+                    <m:r>
+                      <a:rPr lang="en-US" b="0" i="1" smtClean="0">
+                        <a:latin typeface="Cambria Math" panose="02040503050406030204" pitchFamily="18" charset="0"/>
+                      </a:rPr>
+                      <m:t>𝑟</m:t>
+                    </m:r>
+                    <m:r>
+                      <a:rPr lang="en-US" b="0" i="0" smtClean="0">
+                        <a:latin typeface="Cambria Math" panose="02040503050406030204" pitchFamily="18" charset="0"/>
+                      </a:rPr>
+                      <m:t>.</m:t>
                     </m:r>
                   </m:oMath>
                 </a14:m>
                 <a:r>
-                  <a:rPr lang="en-CA" dirty="0"/>
+                  <a:rPr lang="en-CA" b="0" dirty="0"/>
                   <a:t> </a:t>
                 </a:r>
                 <a:r>
-                  <a:rPr lang="en-CA" dirty="0" err="1"/>
-                  <a:t>est</a:t>
-                </a:r>
-                <a:r>
-                  <a:rPr lang="en-CA" dirty="0"/>
-                  <a:t> libre).</a:t>
-                </a:r>
+                  <a:rPr lang="en-CA" b="0" dirty="0" err="1"/>
+                  <a:t>L’équation</a:t>
+                </a:r>
+                <a:r>
+                  <a:rPr lang="en-CA" b="0" dirty="0"/>
+                  <a:t> </a:t>
+                </a:r>
+                <a:r>
+                  <a:rPr lang="en-CA" b="0" dirty="0" err="1"/>
+                  <a:t>devient</a:t>
+                </a:r>
+                <a:r>
+                  <a:rPr lang="en-CA" b="0" dirty="0"/>
+                  <a:t>:</a:t>
+                </a:r>
+              </a:p>
+              <a:p>
+                <a:pPr marL="0" indent="0">
+                  <a:lnSpc>
+                    <a:spcPct val="120000"/>
+                  </a:lnSpc>
+                  <a:buNone/>
+                </a:pPr>
+                <a14:m>
+                  <m:oMathPara xmlns:m="http://schemas.openxmlformats.org/officeDocument/2006/math">
+                    <m:oMathParaPr>
+                      <m:jc m:val="centerGroup"/>
+                    </m:oMathParaPr>
+                    <m:oMath xmlns:m="http://schemas.openxmlformats.org/officeDocument/2006/math">
+                      <m:r>
+                        <a:rPr lang="en-US" b="0" i="1" smtClean="0">
+                          <a:latin typeface="Cambria Math" panose="02040503050406030204" pitchFamily="18" charset="0"/>
+                        </a:rPr>
+                        <m:t>𝑟</m:t>
+                      </m:r>
+                      <m:sSup>
+                        <m:sSupPr>
+                          <m:ctrlPr>
+                            <a:rPr lang="en-US" b="0" i="1" smtClean="0">
+                              <a:latin typeface="Cambria Math" panose="02040503050406030204" pitchFamily="18" charset="0"/>
+                            </a:rPr>
+                          </m:ctrlPr>
+                        </m:sSupPr>
+                        <m:e>
+                          <m:r>
+                            <a:rPr lang="en-US" b="0" i="1" smtClean="0">
+                              <a:latin typeface="Cambria Math" panose="02040503050406030204" pitchFamily="18" charset="0"/>
+                            </a:rPr>
+                            <m:t>𝑢</m:t>
+                          </m:r>
+                        </m:e>
+                        <m:sup>
+                          <m:r>
+                            <a:rPr lang="en-US" b="0" i="1" smtClean="0">
+                              <a:latin typeface="Cambria Math" panose="02040503050406030204" pitchFamily="18" charset="0"/>
+                            </a:rPr>
+                            <m:t>′</m:t>
+                          </m:r>
+                        </m:sup>
+                      </m:sSup>
+                      <m:r>
+                        <a:rPr lang="en-US" b="0" i="1" smtClean="0">
+                          <a:latin typeface="Cambria Math" panose="02040503050406030204" pitchFamily="18" charset="0"/>
+                        </a:rPr>
+                        <m:t>+</m:t>
+                      </m:r>
+                      <m:r>
+                        <a:rPr lang="en-US" b="0" i="1" smtClean="0">
+                          <a:latin typeface="Cambria Math" panose="02040503050406030204" pitchFamily="18" charset="0"/>
+                        </a:rPr>
+                        <m:t>𝑢</m:t>
+                      </m:r>
+                      <m:r>
+                        <a:rPr lang="en-US" b="0" i="1" smtClean="0">
+                          <a:latin typeface="Cambria Math" panose="02040503050406030204" pitchFamily="18" charset="0"/>
+                        </a:rPr>
+                        <m:t>=</m:t>
+                      </m:r>
+                      <m:f>
+                        <m:fPr>
+                          <m:ctrlPr>
+                            <a:rPr lang="en-US" b="0" i="1" smtClean="0">
+                              <a:latin typeface="Cambria Math" panose="02040503050406030204" pitchFamily="18" charset="0"/>
+                            </a:rPr>
+                          </m:ctrlPr>
+                        </m:fPr>
+                        <m:num>
+                          <m:r>
+                            <a:rPr lang="en-US" b="0" i="1" smtClean="0">
+                              <a:latin typeface="Cambria Math" panose="02040503050406030204" pitchFamily="18" charset="0"/>
+                            </a:rPr>
+                            <m:t>𝑟𝑆</m:t>
+                          </m:r>
+                        </m:num>
+                        <m:den>
+                          <m:sSub>
+                            <m:sSubPr>
+                              <m:ctrlPr>
+                                <a:rPr lang="en-US" b="0" i="1" smtClean="0">
+                                  <a:latin typeface="Cambria Math" panose="02040503050406030204" pitchFamily="18" charset="0"/>
+                                </a:rPr>
+                              </m:ctrlPr>
+                            </m:sSubPr>
+                            <m:e>
+                              <m:r>
+                                <a:rPr lang="en-US" b="0" i="1" smtClean="0">
+                                  <a:latin typeface="Cambria Math" panose="02040503050406030204" pitchFamily="18" charset="0"/>
+                                </a:rPr>
+                                <m:t>𝐷</m:t>
+                              </m:r>
+                            </m:e>
+                            <m:sub>
+                              <m:r>
+                                <a:rPr lang="en-US" b="0" i="1" smtClean="0">
+                                  <a:latin typeface="Cambria Math" panose="02040503050406030204" pitchFamily="18" charset="0"/>
+                                </a:rPr>
+                                <m:t>𝑒𝑓𝑓</m:t>
+                              </m:r>
+                            </m:sub>
+                          </m:sSub>
+                        </m:den>
+                      </m:f>
+                    </m:oMath>
+                  </m:oMathPara>
+                </a14:m>
+                <a:endParaRPr lang="en-US" b="0" dirty="0"/>
+              </a:p>
+              <a:p>
+                <a:pPr marL="0" indent="0">
+                  <a:lnSpc>
+                    <a:spcPct val="120000"/>
+                  </a:lnSpc>
+                  <a:buNone/>
+                </a:pPr>
+                <a14:m>
+                  <m:oMathPara xmlns:m="http://schemas.openxmlformats.org/officeDocument/2006/math">
+                    <m:oMathParaPr>
+                      <m:jc m:val="centerGroup"/>
+                    </m:oMathParaPr>
+                    <m:oMath xmlns:m="http://schemas.openxmlformats.org/officeDocument/2006/math">
+                      <m:f>
+                        <m:fPr>
+                          <m:ctrlPr>
+                            <a:rPr lang="en-US" b="0" i="1" smtClean="0">
+                              <a:latin typeface="Cambria Math" panose="02040503050406030204" pitchFamily="18" charset="0"/>
+                            </a:rPr>
+                          </m:ctrlPr>
+                        </m:fPr>
+                        <m:num>
+                          <m:r>
+                            <a:rPr lang="en-US" b="0" i="1" smtClean="0">
+                              <a:latin typeface="Cambria Math" panose="02040503050406030204" pitchFamily="18" charset="0"/>
+                            </a:rPr>
+                            <m:t>𝑑</m:t>
+                          </m:r>
+                        </m:num>
+                        <m:den>
+                          <m:r>
+                            <a:rPr lang="en-US" b="0" i="1" smtClean="0">
+                              <a:latin typeface="Cambria Math" panose="02040503050406030204" pitchFamily="18" charset="0"/>
+                            </a:rPr>
+                            <m:t>𝑑𝑟</m:t>
+                          </m:r>
+                        </m:den>
+                      </m:f>
+                      <m:d>
+                        <m:dPr>
+                          <m:ctrlPr>
+                            <a:rPr lang="en-US" b="0" i="1" smtClean="0">
+                              <a:latin typeface="Cambria Math" panose="02040503050406030204" pitchFamily="18" charset="0"/>
+                            </a:rPr>
+                          </m:ctrlPr>
+                        </m:dPr>
+                        <m:e>
+                          <m:r>
+                            <a:rPr lang="en-US" b="0" i="1" smtClean="0">
+                              <a:latin typeface="Cambria Math" panose="02040503050406030204" pitchFamily="18" charset="0"/>
+                            </a:rPr>
+                            <m:t>𝑟𝑢</m:t>
+                          </m:r>
+                        </m:e>
+                      </m:d>
+                      <m:r>
+                        <a:rPr lang="en-US" b="0" i="1" smtClean="0">
+                          <a:latin typeface="Cambria Math" panose="02040503050406030204" pitchFamily="18" charset="0"/>
+                        </a:rPr>
+                        <m:t>=</m:t>
+                      </m:r>
+                      <m:f>
+                        <m:fPr>
+                          <m:ctrlPr>
+                            <a:rPr lang="en-US" i="1">
+                              <a:latin typeface="Cambria Math" panose="02040503050406030204" pitchFamily="18" charset="0"/>
+                            </a:rPr>
+                          </m:ctrlPr>
+                        </m:fPr>
+                        <m:num>
+                          <m:r>
+                            <a:rPr lang="en-US" i="1">
+                              <a:latin typeface="Cambria Math" panose="02040503050406030204" pitchFamily="18" charset="0"/>
+                            </a:rPr>
+                            <m:t>𝑟𝑆</m:t>
+                          </m:r>
+                        </m:num>
+                        <m:den>
+                          <m:sSub>
+                            <m:sSubPr>
+                              <m:ctrlPr>
+                                <a:rPr lang="en-US" i="1">
+                                  <a:latin typeface="Cambria Math" panose="02040503050406030204" pitchFamily="18" charset="0"/>
+                                </a:rPr>
+                              </m:ctrlPr>
+                            </m:sSubPr>
+                            <m:e>
+                              <m:r>
+                                <a:rPr lang="en-US" i="1">
+                                  <a:latin typeface="Cambria Math" panose="02040503050406030204" pitchFamily="18" charset="0"/>
+                                </a:rPr>
+                                <m:t>𝐷</m:t>
+                              </m:r>
+                            </m:e>
+                            <m:sub>
+                              <m:r>
+                                <a:rPr lang="en-US" i="1">
+                                  <a:latin typeface="Cambria Math" panose="02040503050406030204" pitchFamily="18" charset="0"/>
+                                </a:rPr>
+                                <m:t>𝑒𝑓𝑓</m:t>
+                              </m:r>
+                            </m:sub>
+                          </m:sSub>
+                        </m:den>
+                      </m:f>
+                    </m:oMath>
+                  </m:oMathPara>
+                </a14:m>
+                <a:endParaRPr lang="en-CA" b="0" dirty="0"/>
+              </a:p>
+              <a:p>
+                <a:pPr marL="0" indent="0">
+                  <a:lnSpc>
+                    <a:spcPct val="120000"/>
+                  </a:lnSpc>
+                  <a:buNone/>
+                </a:pPr>
+                <a:endParaRPr lang="en-CA" b="0" dirty="0"/>
               </a:p>
             </p:txBody>
           </p:sp>
@@ -21853,7 +24837,7 @@
               <p:cNvPr id="3" name="Content Placeholder 2">
                 <a:extLst>
                   <a:ext uri="{FF2B5EF4-FFF2-40B4-BE49-F238E27FC236}">
-                    <a16:creationId xmlns:a16="http://schemas.microsoft.com/office/drawing/2014/main" id="{3D8529F7-5ADA-CE6B-4156-49F947721499}"/>
+                    <a16:creationId xmlns:a16="http://schemas.microsoft.com/office/drawing/2014/main" id="{A63707E9-7A4C-C84E-A286-D7B6432C9209}"/>
                   </a:ext>
                 </a:extLst>
               </p:cNvPr>
@@ -21865,10 +24849,14 @@
               </p:nvPr>
             </p:nvSpPr>
             <p:spPr>
+              <a:xfrm>
+                <a:off x="838200" y="1690688"/>
+                <a:ext cx="10515600" cy="5032375"/>
+              </a:xfrm>
               <a:blipFill>
                 <a:blip r:embed="rId2"/>
                 <a:stretch>
-                  <a:fillRect l="-1217" t="-2381"/>
+                  <a:fillRect l="-522"/>
                 </a:stretch>
               </a:blipFill>
             </p:spPr>
@@ -21890,7 +24878,7 @@
     </p:spTree>
     <p:extLst>
       <p:ext uri="{BB962C8B-B14F-4D97-AF65-F5344CB8AC3E}">
-        <p14:creationId xmlns:p14="http://schemas.microsoft.com/office/powerpoint/2010/main" val="1191626434"/>
+        <p14:creationId xmlns:p14="http://schemas.microsoft.com/office/powerpoint/2010/main" val="2988674960"/>
       </p:ext>
     </p:extLst>
   </p:cSld>

--- a/Devoir_1.pptx
+++ b/Devoir_1.pptx
@@ -6939,8 +6939,8 @@
           </a:p>
         </p:txBody>
       </p:sp>
-      <mc:AlternateContent xmlns:mc="http://schemas.openxmlformats.org/markup-compatibility/2006">
-        <mc:Choice xmlns:a14="http://schemas.microsoft.com/office/drawing/2010/main" Requires="a14">
+      <mc:AlternateContent xmlns:mc="http://schemas.openxmlformats.org/markup-compatibility/2006" xmlns:a14="http://schemas.microsoft.com/office/drawing/2010/main">
+        <mc:Choice Requires="a14">
           <p:sp>
             <p:nvSpPr>
               <p:cNvPr id="3" name="Content Placeholder 2">
@@ -7440,7 +7440,7 @@
             </p:txBody>
           </p:sp>
         </mc:Choice>
-        <mc:Fallback>
+        <mc:Fallback xmlns="">
           <p:sp>
             <p:nvSpPr>
               <p:cNvPr id="3" name="Content Placeholder 2">
@@ -7565,8 +7565,8 @@
           </a:p>
         </p:txBody>
       </p:sp>
-      <mc:AlternateContent xmlns:mc="http://schemas.openxmlformats.org/markup-compatibility/2006">
-        <mc:Choice xmlns:a14="http://schemas.microsoft.com/office/drawing/2010/main" Requires="a14">
+      <mc:AlternateContent xmlns:mc="http://schemas.openxmlformats.org/markup-compatibility/2006" xmlns:a14="http://schemas.microsoft.com/office/drawing/2010/main">
+        <mc:Choice Requires="a14">
           <p:sp>
             <p:nvSpPr>
               <p:cNvPr id="3" name="Content Placeholder 2">
@@ -7943,7 +7943,7 @@
             </p:txBody>
           </p:sp>
         </mc:Choice>
-        <mc:Fallback>
+        <mc:Fallback xmlns="">
           <p:sp>
             <p:nvSpPr>
               <p:cNvPr id="3" name="Content Placeholder 2">
@@ -8052,43 +8052,6 @@
           <a:chExt cx="0" cy="0"/>
         </a:xfrm>
       </p:grpSpPr>
-      <p:pic>
-        <p:nvPicPr>
-          <p:cNvPr id="4" name="Content Placeholder 3" descr="A graph with blue dots and lines&#10;&#10;Description automatically generated">
-            <a:extLst>
-              <a:ext uri="{FF2B5EF4-FFF2-40B4-BE49-F238E27FC236}">
-                <a16:creationId xmlns:a16="http://schemas.microsoft.com/office/drawing/2014/main" id="{F33DEBF9-737D-D404-561B-BACFCCBDF936}"/>
-              </a:ext>
-            </a:extLst>
-          </p:cNvPr>
-          <p:cNvPicPr>
-            <a:picLocks noGrp="1" noChangeAspect="1"/>
-          </p:cNvPicPr>
-          <p:nvPr>
-            <p:ph idx="1"/>
-          </p:nvPr>
-        </p:nvPicPr>
-        <p:blipFill rotWithShape="1">
-          <a:blip r:embed="rId3">
-            <a:extLst>
-              <a:ext uri="{28A0092B-C50C-407E-A947-70E740481C1C}">
-                <a14:useLocalDpi xmlns:a14="http://schemas.microsoft.com/office/drawing/2010/main" val="0"/>
-              </a:ext>
-            </a:extLst>
-          </a:blip>
-          <a:srcRect l="2538" r="8626"/>
-          <a:stretch/>
-        </p:blipFill>
-        <p:spPr>
-          <a:xfrm>
-            <a:off x="432620" y="1286962"/>
-            <a:ext cx="6538452" cy="4906738"/>
-          </a:xfrm>
-          <a:prstGeom prst="rect">
-            <a:avLst/>
-          </a:prstGeom>
-        </p:spPr>
-      </p:pic>
       <mc:AlternateContent xmlns:mc="http://schemas.openxmlformats.org/markup-compatibility/2006">
         <mc:Choice xmlns:a14="http://schemas.microsoft.com/office/drawing/2010/main" Requires="a14">
           <p:sp>
@@ -8512,7 +8475,19 @@
                         <a:rPr lang="en-CA" sz="1800" b="0" i="1" smtClean="0">
                           <a:latin typeface="Cambria Math" panose="02040503050406030204" pitchFamily="18" charset="0"/>
                         </a:rPr>
-                        <m:t>≅0.9994≅1</m:t>
+                        <m:t>≅0.999</m:t>
+                      </m:r>
+                      <m:r>
+                        <a:rPr lang="en-CA" sz="1800" b="0" i="1" smtClean="0">
+                          <a:latin typeface="Cambria Math" panose="02040503050406030204" pitchFamily="18" charset="0"/>
+                        </a:rPr>
+                        <m:t>3</m:t>
+                      </m:r>
+                      <m:r>
+                        <a:rPr lang="en-CA" sz="1800" b="0" i="1" smtClean="0">
+                          <a:latin typeface="Cambria Math" panose="02040503050406030204" pitchFamily="18" charset="0"/>
+                        </a:rPr>
+                        <m:t>≅1</m:t>
                       </m:r>
                     </m:oMath>
                   </m:oMathPara>
@@ -8663,7 +8638,7 @@
                       <m:d>
                         <m:dPr>
                           <m:ctrlPr>
-                            <a:rPr lang="en-CA" sz="1800" b="0" i="0" smtClean="0">
+                            <a:rPr lang="en-CA" sz="1800" b="0" i="1" smtClean="0">
                               <a:latin typeface="Cambria Math" panose="02040503050406030204" pitchFamily="18" charset="0"/>
                             </a:rPr>
                           </m:ctrlPr>
@@ -8777,7 +8752,7 @@
                 <a:avLst/>
               </a:prstGeom>
               <a:blipFill>
-                <a:blip r:embed="rId4"/>
+                <a:blip r:embed="rId3"/>
                 <a:stretch>
                   <a:fillRect l="-1314" t="-1714" r="-1478"/>
                 </a:stretch>
@@ -8850,6 +8825,40 @@
           </a:p>
         </p:txBody>
       </p:sp>
+      <p:pic>
+        <p:nvPicPr>
+          <p:cNvPr id="12" name="Content Placeholder 11" descr="A graph with blue dots and a red line&#10;&#10;Description automatically generated">
+            <a:extLst>
+              <a:ext uri="{FF2B5EF4-FFF2-40B4-BE49-F238E27FC236}">
+                <a16:creationId xmlns:a16="http://schemas.microsoft.com/office/drawing/2014/main" id="{DE21FE1A-9BF2-30D4-7412-80F5E5C7718D}"/>
+              </a:ext>
+            </a:extLst>
+          </p:cNvPr>
+          <p:cNvPicPr>
+            <a:picLocks noGrp="1" noChangeAspect="1"/>
+          </p:cNvPicPr>
+          <p:nvPr>
+            <p:ph idx="1"/>
+          </p:nvPr>
+        </p:nvPicPr>
+        <p:blipFill rotWithShape="1">
+          <a:blip r:embed="rId4">
+            <a:extLst>
+              <a:ext uri="{28A0092B-C50C-407E-A947-70E740481C1C}">
+                <a14:useLocalDpi xmlns:a14="http://schemas.microsoft.com/office/drawing/2010/main" val="0"/>
+              </a:ext>
+            </a:extLst>
+          </a:blip>
+          <a:srcRect l="5959" t="3995" r="8297" b="1995"/>
+          <a:stretch/>
+        </p:blipFill>
+        <p:spPr>
+          <a:xfrm>
+            <a:off x="636638" y="1294676"/>
+            <a:ext cx="6685935" cy="5371595"/>
+          </a:xfrm>
+        </p:spPr>
+      </p:pic>
     </p:spTree>
     <p:extLst>
       <p:ext uri="{BB962C8B-B14F-4D97-AF65-F5344CB8AC3E}">
@@ -9056,40 +9065,6 @@
       </p:grpSpPr>
       <p:pic>
         <p:nvPicPr>
-          <p:cNvPr id="5" name="Content Placeholder 4" descr="A graph with blue dots and a line&#10;&#10;Description automatically generated">
-            <a:extLst>
-              <a:ext uri="{FF2B5EF4-FFF2-40B4-BE49-F238E27FC236}">
-                <a16:creationId xmlns:a16="http://schemas.microsoft.com/office/drawing/2014/main" id="{9301346D-CE1A-7062-6470-EE3AD3E771E0}"/>
-              </a:ext>
-            </a:extLst>
-          </p:cNvPr>
-          <p:cNvPicPr>
-            <a:picLocks noGrp="1" noChangeAspect="1"/>
-          </p:cNvPicPr>
-          <p:nvPr>
-            <p:ph idx="1"/>
-          </p:nvPr>
-        </p:nvPicPr>
-        <p:blipFill rotWithShape="1">
-          <a:blip r:embed="rId2">
-            <a:extLst>
-              <a:ext uri="{28A0092B-C50C-407E-A947-70E740481C1C}">
-                <a14:useLocalDpi xmlns:a14="http://schemas.microsoft.com/office/drawing/2010/main" val="0"/>
-              </a:ext>
-            </a:extLst>
-          </a:blip>
-          <a:srcRect t="5714" r="8413" b="1904"/>
-          <a:stretch/>
-        </p:blipFill>
-        <p:spPr>
-          <a:xfrm>
-            <a:off x="5836831" y="1358537"/>
-            <a:ext cx="5516969" cy="3709851"/>
-          </a:xfrm>
-        </p:spPr>
-      </p:pic>
-      <p:pic>
-        <p:nvPicPr>
           <p:cNvPr id="7" name="Picture 6" descr="A graph with lines and dots&#10;&#10;Description automatically generated with medium confidence">
             <a:extLst>
               <a:ext uri="{FF2B5EF4-FFF2-40B4-BE49-F238E27FC236}">
@@ -9103,7 +9078,7 @@
           <p:nvPr/>
         </p:nvPicPr>
         <p:blipFill rotWithShape="1">
-          <a:blip r:embed="rId3">
+          <a:blip r:embed="rId2">
             <a:extLst>
               <a:ext uri="{28A0092B-C50C-407E-A947-70E740481C1C}">
                 <a14:useLocalDpi xmlns:a14="http://schemas.microsoft.com/office/drawing/2010/main" val="0"/>
@@ -9115,8 +9090,8 @@
         </p:blipFill>
         <p:spPr>
           <a:xfrm>
-            <a:off x="354698" y="1358537"/>
-            <a:ext cx="5516969" cy="3709851"/>
+            <a:off x="236713" y="1338873"/>
+            <a:ext cx="5711644" cy="3840759"/>
           </a:xfrm>
           <a:prstGeom prst="rect">
             <a:avLst/>
@@ -9141,7 +9116,7 @@
         </p:nvSpPr>
         <p:spPr>
           <a:xfrm>
-            <a:off x="838200" y="365125"/>
+            <a:off x="838200" y="256971"/>
             <a:ext cx="10515600" cy="1325563"/>
           </a:xfrm>
         </p:spPr>
@@ -9169,7 +9144,15 @@
             </a:r>
             <a:r>
               <a:rPr lang="en-US" sz="3500" dirty="0"/>
-              <a:t> 2 – verification (suite)</a:t>
+              <a:t> 2 – </a:t>
+            </a:r>
+            <a:r>
+              <a:rPr lang="en-US" sz="3500" dirty="0" err="1"/>
+              <a:t>vérification</a:t>
+            </a:r>
+            <a:r>
+              <a:rPr lang="en-US" sz="3500" dirty="0"/>
+              <a:t> (suite)</a:t>
             </a:r>
             <a:endParaRPr lang="en-CA" sz="3500" dirty="0"/>
           </a:p>
@@ -9193,7 +9176,7 @@
             </p:nvSpPr>
             <p:spPr>
               <a:xfrm>
-                <a:off x="679268" y="5129349"/>
+                <a:off x="679268" y="5335828"/>
                 <a:ext cx="10432869" cy="1201782"/>
               </a:xfrm>
               <a:prstGeom prst="rect">
@@ -9513,7 +9496,23 @@
                 </a:r>
                 <a:r>
                   <a:rPr lang="en-CA" sz="1800" dirty="0"/>
-                  <a:t> ci-dessus (</a:t>
+                  <a:t> ci-dessus et </a:t>
+                </a:r>
+                <a:r>
+                  <a:rPr lang="en-CA" sz="1800" dirty="0" err="1"/>
+                  <a:t>l’exposant</a:t>
+                </a:r>
+                <a:r>
+                  <a:rPr lang="en-CA" sz="1800" dirty="0"/>
+                  <a:t> </a:t>
+                </a:r>
+                <a:r>
+                  <a:rPr lang="en-CA" sz="1800" dirty="0" err="1"/>
+                  <a:t>négatif</a:t>
+                </a:r>
+                <a:r>
+                  <a:rPr lang="en-CA" sz="1800" dirty="0"/>
+                  <a:t> de la regression (</a:t>
                 </a:r>
                 <a:r>
                   <a:rPr lang="en-CA" sz="1800" dirty="0" err="1"/>
@@ -9576,16 +9575,16 @@
             </p:nvSpPr>
             <p:spPr>
               <a:xfrm>
-                <a:off x="679268" y="5129349"/>
+                <a:off x="679268" y="5335828"/>
                 <a:ext cx="10432869" cy="1201782"/>
               </a:xfrm>
               <a:prstGeom prst="rect">
                 <a:avLst/>
               </a:prstGeom>
               <a:blipFill>
-                <a:blip r:embed="rId4"/>
+                <a:blip r:embed="rId3"/>
                 <a:stretch>
-                  <a:fillRect l="-467" t="-4545" r="-467"/>
+                  <a:fillRect l="-467" t="-4569" r="-467"/>
                 </a:stretch>
               </a:blipFill>
             </p:spPr>
@@ -9604,6 +9603,40 @@
           </p:sp>
         </mc:Fallback>
       </mc:AlternateContent>
+      <p:pic>
+        <p:nvPicPr>
+          <p:cNvPr id="6" name="Content Placeholder 5" descr="A graph with a line and dots&#10;&#10;Description automatically generated with medium confidence">
+            <a:extLst>
+              <a:ext uri="{FF2B5EF4-FFF2-40B4-BE49-F238E27FC236}">
+                <a16:creationId xmlns:a16="http://schemas.microsoft.com/office/drawing/2014/main" id="{1A7E8EAD-055C-4708-EF9C-6640DFF98C7B}"/>
+              </a:ext>
+            </a:extLst>
+          </p:cNvPr>
+          <p:cNvPicPr>
+            <a:picLocks noGrp="1" noChangeAspect="1"/>
+          </p:cNvPicPr>
+          <p:nvPr>
+            <p:ph idx="1"/>
+          </p:nvPr>
+        </p:nvPicPr>
+        <p:blipFill rotWithShape="1">
+          <a:blip r:embed="rId4">
+            <a:extLst>
+              <a:ext uri="{28A0092B-C50C-407E-A947-70E740481C1C}">
+                <a14:useLocalDpi xmlns:a14="http://schemas.microsoft.com/office/drawing/2010/main" val="0"/>
+              </a:ext>
+            </a:extLst>
+          </a:blip>
+          <a:srcRect l="2533" t="5836" r="8384" b="2807"/>
+          <a:stretch/>
+        </p:blipFill>
+        <p:spPr>
+          <a:xfrm>
+            <a:off x="6097803" y="1340842"/>
+            <a:ext cx="5534012" cy="3840759"/>
+          </a:xfrm>
+        </p:spPr>
+      </p:pic>
     </p:spTree>
     <p:extLst>
       <p:ext uri="{BB962C8B-B14F-4D97-AF65-F5344CB8AC3E}">
@@ -9940,8 +9973,8 @@
           </a:prstGeom>
         </p:spPr>
       </p:pic>
-      <mc:AlternateContent xmlns:mc="http://schemas.openxmlformats.org/markup-compatibility/2006">
-        <mc:Choice xmlns:a14="http://schemas.microsoft.com/office/drawing/2010/main" Requires="a14">
+      <mc:AlternateContent xmlns:mc="http://schemas.openxmlformats.org/markup-compatibility/2006" xmlns:a14="http://schemas.microsoft.com/office/drawing/2010/main">
+        <mc:Choice Requires="a14">
           <p:sp>
             <p:nvSpPr>
               <p:cNvPr id="16" name="Content Placeholder 2">
@@ -10027,7 +10060,7 @@
             </p:txBody>
           </p:sp>
         </mc:Choice>
-        <mc:Fallback>
+        <mc:Fallback xmlns="">
           <p:sp>
             <p:nvSpPr>
               <p:cNvPr id="16" name="Content Placeholder 2">
@@ -12128,8 +12161,8 @@
           </a:p>
         </p:txBody>
       </p:sp>
-      <mc:AlternateContent xmlns:mc="http://schemas.openxmlformats.org/markup-compatibility/2006">
-        <mc:Choice xmlns:a14="http://schemas.microsoft.com/office/drawing/2010/main" Requires="a14">
+      <mc:AlternateContent xmlns:mc="http://schemas.openxmlformats.org/markup-compatibility/2006" xmlns:a14="http://schemas.microsoft.com/office/drawing/2010/main">
+        <mc:Choice Requires="a14">
           <p:sp>
             <p:nvSpPr>
               <p:cNvPr id="3" name="Content Placeholder 2">
@@ -13294,7 +13327,7 @@
             </p:txBody>
           </p:sp>
         </mc:Choice>
-        <mc:Fallback>
+        <mc:Fallback xmlns="">
           <p:sp>
             <p:nvSpPr>
               <p:cNvPr id="3" name="Content Placeholder 2">
@@ -13411,8 +13444,8 @@
           </a:p>
         </p:txBody>
       </p:sp>
-      <mc:AlternateContent xmlns:mc="http://schemas.openxmlformats.org/markup-compatibility/2006">
-        <mc:Choice xmlns:a14="http://schemas.microsoft.com/office/drawing/2010/main" Requires="a14">
+      <mc:AlternateContent xmlns:mc="http://schemas.openxmlformats.org/markup-compatibility/2006" xmlns:a14="http://schemas.microsoft.com/office/drawing/2010/main">
+        <mc:Choice Requires="a14">
           <p:sp>
             <p:nvSpPr>
               <p:cNvPr id="3" name="Content Placeholder 2">
@@ -13540,7 +13573,7 @@
             </p:txBody>
           </p:sp>
         </mc:Choice>
-        <mc:Fallback>
+        <mc:Fallback xmlns="">
           <p:sp>
             <p:nvSpPr>
               <p:cNvPr id="3" name="Content Placeholder 2">
@@ -14483,8 +14516,8 @@
           </a:p>
         </p:txBody>
       </p:sp>
-      <mc:AlternateContent xmlns:mc="http://schemas.openxmlformats.org/markup-compatibility/2006">
-        <mc:Choice xmlns:a14="http://schemas.microsoft.com/office/drawing/2010/main" Requires="a14">
+      <mc:AlternateContent xmlns:mc="http://schemas.openxmlformats.org/markup-compatibility/2006" xmlns:a14="http://schemas.microsoft.com/office/drawing/2010/main">
+        <mc:Choice Requires="a14">
           <p:sp>
             <p:nvSpPr>
               <p:cNvPr id="3" name="Content Placeholder 2">
@@ -14624,13 +14657,7 @@
                       <a:rPr lang="en-CA" b="0" i="1" smtClean="0">
                         <a:latin typeface="Cambria Math" panose="02040503050406030204" pitchFamily="18" charset="0"/>
                       </a:rPr>
-                      <m:t>=0</m:t>
-                    </m:r>
-                    <m:r>
-                      <a:rPr lang="en-CA" b="0" i="1" smtClean="0">
-                        <a:latin typeface="Cambria Math" panose="02040503050406030204" pitchFamily="18" charset="0"/>
-                      </a:rPr>
-                      <m:t> ∀ </m:t>
+                      <m:t>=0 ∀ </m:t>
                     </m:r>
                     <m:r>
                       <a:rPr lang="en-CA" b="0" i="1" smtClean="0">
@@ -14813,13 +14840,7 @@
                       <a:rPr lang="en-CA" b="0" i="1" smtClean="0">
                         <a:latin typeface="Cambria Math" panose="02040503050406030204" pitchFamily="18" charset="0"/>
                       </a:rPr>
-                      <m:t>=0</m:t>
-                    </m:r>
-                    <m:r>
-                      <a:rPr lang="en-CA" b="0" i="1" smtClean="0">
-                        <a:latin typeface="Cambria Math" panose="02040503050406030204" pitchFamily="18" charset="0"/>
-                      </a:rPr>
-                      <m:t> </m:t>
+                      <m:t>=0 </m:t>
                     </m:r>
                     <m:r>
                       <a:rPr lang="en-CA" b="0" i="1" smtClean="0">
@@ -14943,13 +14964,7 @@
                       <a:rPr lang="en-CA" b="0" i="1" smtClean="0">
                         <a:latin typeface="Cambria Math" panose="02040503050406030204" pitchFamily="18" charset="0"/>
                       </a:rPr>
-                      <m:t>=</m:t>
-                    </m:r>
-                    <m:r>
-                      <a:rPr lang="en-CA" b="0" i="1" smtClean="0">
-                        <a:latin typeface="Cambria Math" panose="02040503050406030204" pitchFamily="18" charset="0"/>
-                      </a:rPr>
-                      <m:t>12 </m:t>
+                      <m:t>=12 </m:t>
                     </m:r>
                     <m:r>
                       <a:rPr lang="en-CA" b="0" i="1" smtClean="0">
@@ -14995,7 +15010,7 @@
             </p:txBody>
           </p:sp>
         </mc:Choice>
-        <mc:Fallback>
+        <mc:Fallback xmlns="">
           <p:sp>
             <p:nvSpPr>
               <p:cNvPr id="3" name="Content Placeholder 2">
@@ -15108,8 +15123,8 @@
           </a:p>
         </p:txBody>
       </p:sp>
-      <mc:AlternateContent xmlns:mc="http://schemas.openxmlformats.org/markup-compatibility/2006">
-        <mc:Choice xmlns:a14="http://schemas.microsoft.com/office/drawing/2010/main" Requires="a14">
+      <mc:AlternateContent xmlns:mc="http://schemas.openxmlformats.org/markup-compatibility/2006" xmlns:a14="http://schemas.microsoft.com/office/drawing/2010/main">
+        <mc:Choice Requires="a14">
           <p:sp>
             <p:nvSpPr>
               <p:cNvPr id="3" name="Content Placeholder 2">
@@ -18708,7 +18723,7 @@
             </p:txBody>
           </p:sp>
         </mc:Choice>
-        <mc:Fallback>
+        <mc:Fallback xmlns="">
           <p:sp>
             <p:nvSpPr>
               <p:cNvPr id="3" name="Content Placeholder 2">
@@ -18834,8 +18849,8 @@
           </a:p>
         </p:txBody>
       </p:sp>
-      <mc:AlternateContent xmlns:mc="http://schemas.openxmlformats.org/markup-compatibility/2006">
-        <mc:Choice xmlns:a14="http://schemas.microsoft.com/office/drawing/2010/main" Requires="a14">
+      <mc:AlternateContent xmlns:mc="http://schemas.openxmlformats.org/markup-compatibility/2006" xmlns:a14="http://schemas.microsoft.com/office/drawing/2010/main">
+        <mc:Choice Requires="a14">
           <p:sp>
             <p:nvSpPr>
               <p:cNvPr id="3" name="Content Placeholder 2">
@@ -22397,7 +22412,7 @@
             </p:txBody>
           </p:sp>
         </mc:Choice>
-        <mc:Fallback>
+        <mc:Fallback xmlns="">
           <p:sp>
             <p:nvSpPr>
               <p:cNvPr id="3" name="Content Placeholder 2">
@@ -23135,8 +23150,8 @@
           </a:p>
         </p:txBody>
       </p:sp>
-      <mc:AlternateContent xmlns:mc="http://schemas.openxmlformats.org/markup-compatibility/2006">
-        <mc:Choice xmlns:a14="http://schemas.microsoft.com/office/drawing/2010/main" Requires="a14">
+      <mc:AlternateContent xmlns:mc="http://schemas.openxmlformats.org/markup-compatibility/2006" xmlns:a14="http://schemas.microsoft.com/office/drawing/2010/main">
+        <mc:Choice Requires="a14">
           <p:sp>
             <p:nvSpPr>
               <p:cNvPr id="7" name="Content Placeholder 2">
@@ -23462,7 +23477,7 @@
             </p:txBody>
           </p:sp>
         </mc:Choice>
-        <mc:Fallback>
+        <mc:Fallback xmlns="">
           <p:sp>
             <p:nvSpPr>
               <p:cNvPr id="7" name="Content Placeholder 2">
